--- a/lectures/03/Виды отношений между классами.pptx
+++ b/lectures/03/Виды отношений между классами.pptx
@@ -11437,19 +11437,19 @@
                 <a:ea typeface="Calibri" panose="020F0502020204030204" pitchFamily="34" charset="0"/>
                 <a:cs typeface="Consolas" panose="020B0609020204030204" pitchFamily="49" charset="0"/>
               </a:rPr>
-              <a:t>    </a:t>
-            </a:r>
-            <a:r>
-              <a:rPr lang="en-US" sz="1600" dirty="0" err="1">
-                <a:solidFill>
-                  <a:srgbClr val="000000"/>
-                </a:solidFill>
-                <a:effectLst/>
-                <a:latin typeface="Consolas" panose="020B0609020204030204" pitchFamily="49" charset="0"/>
-                <a:ea typeface="Calibri" panose="020F0502020204030204" pitchFamily="34" charset="0"/>
-                <a:cs typeface="Consolas" panose="020B0609020204030204" pitchFamily="49" charset="0"/>
-              </a:rPr>
-              <a:t>text.clear</a:t>
+              <a:t>    text</a:t>
+            </a:r>
+            <a:r>
+              <a:rPr lang="ru-RU" sz="1600" dirty="0">
+                <a:solidFill>
+                  <a:srgbClr val="000000"/>
+                </a:solidFill>
+                <a:effectLst/>
+                <a:latin typeface="Consolas" panose="020B0609020204030204" pitchFamily="49" charset="0"/>
+                <a:ea typeface="Calibri" panose="020F0502020204030204" pitchFamily="34" charset="0"/>
+                <a:cs typeface="Consolas" panose="020B0609020204030204" pitchFamily="49" charset="0"/>
+              </a:rPr>
+              <a:t>_</a:t>
             </a:r>
             <a:r>
               <a:rPr lang="en-US" sz="1600" dirty="0">
@@ -11461,7 +11461,7 @@
                 <a:ea typeface="Calibri" panose="020F0502020204030204" pitchFamily="34" charset="0"/>
                 <a:cs typeface="Consolas" panose="020B0609020204030204" pitchFamily="49" charset="0"/>
               </a:rPr>
-              <a:t>();</a:t>
+              <a:t>.clear();</a:t>
             </a:r>
             <a:endParaRPr lang="ru-RU" sz="1600" dirty="0">
               <a:effectLst/>
@@ -11681,7 +11681,31 @@
                 <a:ea typeface="Calibri" panose="020F0502020204030204" pitchFamily="34" charset="0"/>
                 <a:cs typeface="Consolas" panose="020B0609020204030204" pitchFamily="49" charset="0"/>
               </a:rPr>
-              <a:t>text.empty</a:t>
+              <a:t>text</a:t>
+            </a:r>
+            <a:r>
+              <a:rPr lang="ru-RU" sz="1600" dirty="0">
+                <a:solidFill>
+                  <a:srgbClr val="000000"/>
+                </a:solidFill>
+                <a:effectLst/>
+                <a:latin typeface="Consolas" panose="020B0609020204030204" pitchFamily="49" charset="0"/>
+                <a:ea typeface="Calibri" panose="020F0502020204030204" pitchFamily="34" charset="0"/>
+                <a:cs typeface="Consolas" panose="020B0609020204030204" pitchFamily="49" charset="0"/>
+              </a:rPr>
+              <a:t>_.</a:t>
+            </a:r>
+            <a:r>
+              <a:rPr lang="ru-RU" sz="1600" dirty="0" err="1">
+                <a:solidFill>
+                  <a:srgbClr val="000000"/>
+                </a:solidFill>
+                <a:effectLst/>
+                <a:latin typeface="Consolas" panose="020B0609020204030204" pitchFamily="49" charset="0"/>
+                <a:ea typeface="Calibri" panose="020F0502020204030204" pitchFamily="34" charset="0"/>
+                <a:cs typeface="Consolas" panose="020B0609020204030204" pitchFamily="49" charset="0"/>
+              </a:rPr>
+              <a:t>empty</a:t>
             </a:r>
             <a:r>
               <a:rPr lang="ru-RU" sz="1600" dirty="0">

--- a/lectures/03/Виды отношений между классами.pptx
+++ b/lectures/03/Виды отношений между классами.pptx
@@ -265,7 +265,7 @@
             <a:fld id="{1A782170-78E6-47DA-9E37-7AC29E4CF366}" type="datetimeFigureOut">
               <a:rPr lang="ru-RU" smtClean="0"/>
               <a:pPr/>
-              <a:t>25.03.2021</a:t>
+              <a:t>04.05.2023</a:t>
             </a:fld>
             <a:endParaRPr lang="ru-RU"/>
           </a:p>
@@ -1075,49 +1075,27 @@
           <a:p>
             <a:r>
               <a:rPr lang="ru-RU" dirty="0"/>
-              <a:t>Агрегация позволяет одному объекту делегировать часть работы другому, переданному извне, объекту. Например, чтобы добавить в поисковую систему логирование поисковых запросов, не нужно в ней реализовывать код логирования, ведь основная задача поисковой системы — поиск. Вместо этого логирование лучше поручить отдельному классу </a:t>
-            </a:r>
-            <a:r>
-              <a:rPr lang="ru-RU" dirty="0" err="1">
-                <a:solidFill>
-                  <a:srgbClr val="EB5757"/>
-                </a:solidFill>
-                <a:effectLst/>
-                <a:latin typeface="SFMono-Regular"/>
-              </a:rPr>
-              <a:t>Logger</a:t>
+              <a:t>Агрегация позволяет одному объекту делегировать часть работы другому, переданному извне, объекту. Например, </a:t>
+            </a:r>
+            <a:r>
+              <a:rPr lang="en-US" dirty="0" err="1"/>
+              <a:t>RemoteControl</a:t>
+            </a:r>
+            <a:r>
+              <a:rPr lang="en-US" dirty="0"/>
+              <a:t> </a:t>
             </a:r>
             <a:r>
               <a:rPr lang="ru-RU" dirty="0"/>
-              <a:t>. Ссылку на </a:t>
-            </a:r>
-            <a:r>
-              <a:rPr lang="ru-RU" dirty="0" err="1">
-                <a:solidFill>
-                  <a:srgbClr val="EB5757"/>
-                </a:solidFill>
-                <a:effectLst/>
-                <a:latin typeface="SFMono-Regular"/>
-              </a:rPr>
-              <a:t>Logger</a:t>
+              <a:t>делегирует выполнение операций классу </a:t>
+            </a:r>
+            <a:r>
+              <a:rPr lang="en-US" dirty="0"/>
+              <a:t>TV</a:t>
             </a:r>
             <a:r>
               <a:rPr lang="ru-RU" dirty="0"/>
-              <a:t> нужно передать в конструктор класса </a:t>
-            </a:r>
-            <a:r>
-              <a:rPr lang="ru-RU" dirty="0" err="1">
-                <a:solidFill>
-                  <a:srgbClr val="EB5757"/>
-                </a:solidFill>
-                <a:effectLst/>
-                <a:latin typeface="SFMono-Regular"/>
-              </a:rPr>
-              <a:t>SearchServer</a:t>
-            </a:r>
-            <a:r>
-              <a:rPr lang="ru-RU" dirty="0"/>
-              <a:t>, чтобы он сохранил её в одном из своих полей.</a:t>
+              <a:t>, а сам лишь обрабатывает команды пользователя</a:t>
             </a:r>
           </a:p>
         </p:txBody>
@@ -7207,7 +7185,7 @@
           <a:bodyPr/>
           <a:lstStyle/>
           <a:p>
-            <a:endParaRPr lang="ru-RU"/>
+            <a:endParaRPr lang="ru-RU" dirty="0"/>
           </a:p>
         </p:txBody>
       </p:sp>
@@ -9114,10 +9092,10 @@
       </p:sp>
       <p:pic>
         <p:nvPicPr>
-          <p:cNvPr id="4" name="Рисунок 3" descr="Изображение выглядит как текст&#10;&#10;Автоматически созданное описание">
+          <p:cNvPr id="5" name="Рисунок 4">
             <a:extLst>
               <a:ext uri="{FF2B5EF4-FFF2-40B4-BE49-F238E27FC236}">
-                <a16:creationId xmlns:a16="http://schemas.microsoft.com/office/drawing/2014/main" id="{63289E5B-1124-442D-AD56-F56EA119202F}"/>
+                <a16:creationId xmlns:a16="http://schemas.microsoft.com/office/drawing/2014/main" id="{CA871CF4-AACF-395E-5682-5A4F4F5F35D0}"/>
               </a:ext>
             </a:extLst>
           </p:cNvPr>
@@ -9140,8 +9118,8 @@
         </p:blipFill>
         <p:spPr>
           <a:xfrm>
-            <a:off x="457200" y="2564904"/>
-            <a:ext cx="8316626" cy="2895247"/>
+            <a:off x="1414264" y="2492896"/>
+            <a:ext cx="6470104" cy="3702850"/>
           </a:xfrm>
           <a:prstGeom prst="rect">
             <a:avLst/>
@@ -14114,7 +14092,7 @@
 </file>
 
 <file path=ppt/slides/slide24.xml><?xml version="1.0" encoding="utf-8"?>
-<p:sld xmlns:a="http://schemas.openxmlformats.org/drawingml/2006/main" xmlns:r="http://schemas.openxmlformats.org/officeDocument/2006/relationships" xmlns:p="http://schemas.openxmlformats.org/presentationml/2006/main">
+<p:sld xmlns:a="http://schemas.openxmlformats.org/drawingml/2006/main" xmlns:r="http://schemas.openxmlformats.org/officeDocument/2006/relationships" xmlns:p="http://schemas.openxmlformats.org/presentationml/2006/main" show="0">
   <p:cSld>
     <p:spTree>
       <p:nvGrpSpPr>

--- a/lectures/03/Виды отношений между классами.pptx
+++ b/lectures/03/Виды отношений между классами.pptx
@@ -265,7 +265,7 @@
             <a:fld id="{1A782170-78E6-47DA-9E37-7AC29E4CF366}" type="datetimeFigureOut">
               <a:rPr lang="ru-RU" smtClean="0"/>
               <a:pPr/>
-              <a:t>04.05.2023</a:t>
+              <a:t>08.09.2023</a:t>
             </a:fld>
             <a:endParaRPr lang="ru-RU"/>
           </a:p>
@@ -16347,13 +16347,8 @@
           <a:p>
             <a:r>
               <a:rPr lang="ru-RU" dirty="0"/>
-              <a:t>Сокрытие данных при </a:t>
-            </a:r>
-            <a:r>
-              <a:rPr lang="ru-RU" dirty="0" err="1"/>
-              <a:t>композции</a:t>
-            </a:r>
-            <a:endParaRPr lang="ru-RU" dirty="0"/>
+              <a:t>Сокрытие данных при композиции</a:t>
+            </a:r>
           </a:p>
         </p:txBody>
       </p:sp>

--- a/lectures/03/Виды отношений между классами.pptx
+++ b/lectures/03/Виды отношений между классами.pptx
@@ -2,7 +2,7 @@
 <file path=ppt/presentation.xml><?xml version="1.0" encoding="utf-8"?>
 <p:presentation xmlns:a="http://schemas.openxmlformats.org/drawingml/2006/main" xmlns:r="http://schemas.openxmlformats.org/officeDocument/2006/relationships" xmlns:p="http://schemas.openxmlformats.org/presentationml/2006/main" saveSubsetFonts="1">
   <p:sldMasterIdLst>
-    <p:sldMasterId id="2147483661" r:id="rId1"/>
+    <p:sldMasterId id="2147483673" r:id="rId1"/>
   </p:sldMasterIdLst>
   <p:notesMasterIdLst>
     <p:notesMasterId r:id="rId26"/>
@@ -33,7 +33,7 @@
     <p:sldId id="374" r:id="rId24"/>
     <p:sldId id="375" r:id="rId25"/>
   </p:sldIdLst>
-  <p:sldSz cx="9144000" cy="6858000" type="screen4x3"/>
+  <p:sldSz cx="12192000" cy="6858000"/>
   <p:notesSz cx="6858000" cy="9144000"/>
   <p:custDataLst>
     <p:tags r:id="rId27"/>
@@ -42,124 +42,94 @@
     <a:defPPr>
       <a:defRPr lang="ru-RU"/>
     </a:defPPr>
-    <a:lvl1pPr algn="l" rtl="0" fontAlgn="base">
-      <a:spcBef>
-        <a:spcPct val="0"/>
-      </a:spcBef>
-      <a:spcAft>
-        <a:spcPct val="0"/>
-      </a:spcAft>
-      <a:defRPr kern="1200">
+    <a:lvl1pPr marL="0" algn="l" defTabSz="914400" rtl="0" eaLnBrk="1" latinLnBrk="0" hangingPunct="1">
+      <a:defRPr sz="1800" kern="1200">
         <a:solidFill>
           <a:schemeClr val="tx1"/>
         </a:solidFill>
-        <a:latin typeface="Tahoma" pitchFamily="34" charset="0"/>
+        <a:latin typeface="+mn-lt"/>
         <a:ea typeface="+mn-ea"/>
-        <a:cs typeface="Arial" charset="0"/>
+        <a:cs typeface="+mn-cs"/>
       </a:defRPr>
     </a:lvl1pPr>
-    <a:lvl2pPr marL="457200" algn="l" rtl="0" fontAlgn="base">
-      <a:spcBef>
-        <a:spcPct val="0"/>
-      </a:spcBef>
-      <a:spcAft>
-        <a:spcPct val="0"/>
-      </a:spcAft>
-      <a:defRPr kern="1200">
+    <a:lvl2pPr marL="457200" algn="l" defTabSz="914400" rtl="0" eaLnBrk="1" latinLnBrk="0" hangingPunct="1">
+      <a:defRPr sz="1800" kern="1200">
         <a:solidFill>
           <a:schemeClr val="tx1"/>
         </a:solidFill>
-        <a:latin typeface="Tahoma" pitchFamily="34" charset="0"/>
+        <a:latin typeface="+mn-lt"/>
         <a:ea typeface="+mn-ea"/>
-        <a:cs typeface="Arial" charset="0"/>
+        <a:cs typeface="+mn-cs"/>
       </a:defRPr>
     </a:lvl2pPr>
-    <a:lvl3pPr marL="914400" algn="l" rtl="0" fontAlgn="base">
-      <a:spcBef>
-        <a:spcPct val="0"/>
-      </a:spcBef>
-      <a:spcAft>
-        <a:spcPct val="0"/>
-      </a:spcAft>
-      <a:defRPr kern="1200">
+    <a:lvl3pPr marL="914400" algn="l" defTabSz="914400" rtl="0" eaLnBrk="1" latinLnBrk="0" hangingPunct="1">
+      <a:defRPr sz="1800" kern="1200">
         <a:solidFill>
           <a:schemeClr val="tx1"/>
         </a:solidFill>
-        <a:latin typeface="Tahoma" pitchFamily="34" charset="0"/>
+        <a:latin typeface="+mn-lt"/>
         <a:ea typeface="+mn-ea"/>
-        <a:cs typeface="Arial" charset="0"/>
+        <a:cs typeface="+mn-cs"/>
       </a:defRPr>
     </a:lvl3pPr>
-    <a:lvl4pPr marL="1371600" algn="l" rtl="0" fontAlgn="base">
-      <a:spcBef>
-        <a:spcPct val="0"/>
-      </a:spcBef>
-      <a:spcAft>
-        <a:spcPct val="0"/>
-      </a:spcAft>
-      <a:defRPr kern="1200">
+    <a:lvl4pPr marL="1371600" algn="l" defTabSz="914400" rtl="0" eaLnBrk="1" latinLnBrk="0" hangingPunct="1">
+      <a:defRPr sz="1800" kern="1200">
         <a:solidFill>
           <a:schemeClr val="tx1"/>
         </a:solidFill>
-        <a:latin typeface="Tahoma" pitchFamily="34" charset="0"/>
+        <a:latin typeface="+mn-lt"/>
         <a:ea typeface="+mn-ea"/>
-        <a:cs typeface="Arial" charset="0"/>
+        <a:cs typeface="+mn-cs"/>
       </a:defRPr>
     </a:lvl4pPr>
-    <a:lvl5pPr marL="1828800" algn="l" rtl="0" fontAlgn="base">
-      <a:spcBef>
-        <a:spcPct val="0"/>
-      </a:spcBef>
-      <a:spcAft>
-        <a:spcPct val="0"/>
-      </a:spcAft>
-      <a:defRPr kern="1200">
+    <a:lvl5pPr marL="1828800" algn="l" defTabSz="914400" rtl="0" eaLnBrk="1" latinLnBrk="0" hangingPunct="1">
+      <a:defRPr sz="1800" kern="1200">
         <a:solidFill>
           <a:schemeClr val="tx1"/>
         </a:solidFill>
-        <a:latin typeface="Tahoma" pitchFamily="34" charset="0"/>
+        <a:latin typeface="+mn-lt"/>
         <a:ea typeface="+mn-ea"/>
-        <a:cs typeface="Arial" charset="0"/>
+        <a:cs typeface="+mn-cs"/>
       </a:defRPr>
     </a:lvl5pPr>
     <a:lvl6pPr marL="2286000" algn="l" defTabSz="914400" rtl="0" eaLnBrk="1" latinLnBrk="0" hangingPunct="1">
-      <a:defRPr kern="1200">
+      <a:defRPr sz="1800" kern="1200">
         <a:solidFill>
           <a:schemeClr val="tx1"/>
         </a:solidFill>
-        <a:latin typeface="Tahoma" pitchFamily="34" charset="0"/>
+        <a:latin typeface="+mn-lt"/>
         <a:ea typeface="+mn-ea"/>
-        <a:cs typeface="Arial" charset="0"/>
+        <a:cs typeface="+mn-cs"/>
       </a:defRPr>
     </a:lvl6pPr>
     <a:lvl7pPr marL="2743200" algn="l" defTabSz="914400" rtl="0" eaLnBrk="1" latinLnBrk="0" hangingPunct="1">
-      <a:defRPr kern="1200">
+      <a:defRPr sz="1800" kern="1200">
         <a:solidFill>
           <a:schemeClr val="tx1"/>
         </a:solidFill>
-        <a:latin typeface="Tahoma" pitchFamily="34" charset="0"/>
+        <a:latin typeface="+mn-lt"/>
         <a:ea typeface="+mn-ea"/>
-        <a:cs typeface="Arial" charset="0"/>
+        <a:cs typeface="+mn-cs"/>
       </a:defRPr>
     </a:lvl7pPr>
     <a:lvl8pPr marL="3200400" algn="l" defTabSz="914400" rtl="0" eaLnBrk="1" latinLnBrk="0" hangingPunct="1">
-      <a:defRPr kern="1200">
+      <a:defRPr sz="1800" kern="1200">
         <a:solidFill>
           <a:schemeClr val="tx1"/>
         </a:solidFill>
-        <a:latin typeface="Tahoma" pitchFamily="34" charset="0"/>
+        <a:latin typeface="+mn-lt"/>
         <a:ea typeface="+mn-ea"/>
-        <a:cs typeface="Arial" charset="0"/>
+        <a:cs typeface="+mn-cs"/>
       </a:defRPr>
     </a:lvl8pPr>
     <a:lvl9pPr marL="3657600" algn="l" defTabSz="914400" rtl="0" eaLnBrk="1" latinLnBrk="0" hangingPunct="1">
-      <a:defRPr kern="1200">
+      <a:defRPr sz="1800" kern="1200">
         <a:solidFill>
           <a:schemeClr val="tx1"/>
         </a:solidFill>
-        <a:latin typeface="Tahoma" pitchFamily="34" charset="0"/>
+        <a:latin typeface="+mn-lt"/>
         <a:ea typeface="+mn-ea"/>
-        <a:cs typeface="Arial" charset="0"/>
+        <a:cs typeface="+mn-cs"/>
       </a:defRPr>
     </a:lvl9pPr>
   </p:defaultTextStyle>
@@ -171,7 +141,7 @@
             <a:srgbClr val="A4A3A4"/>
           </p15:clr>
         </p15:guide>
-        <p15:guide id="2" pos="2880">
+        <p15:guide id="2" pos="3840" userDrawn="1">
           <p15:clr>
             <a:srgbClr val="A4A3A4"/>
           </p15:clr>
@@ -265,7 +235,7 @@
             <a:fld id="{1A782170-78E6-47DA-9E37-7AC29E4CF366}" type="datetimeFigureOut">
               <a:rPr lang="ru-RU" smtClean="0"/>
               <a:pPr/>
-              <a:t>08.09.2023</a:t>
+              <a:t>05.04.2024</a:t>
             </a:fld>
             <a:endParaRPr lang="ru-RU"/>
           </a:p>
@@ -283,8 +253,8 @@
         </p:nvSpPr>
         <p:spPr>
           <a:xfrm>
-            <a:off x="1143000" y="685800"/>
-            <a:ext cx="4572000" cy="3429000"/>
+            <a:off x="381000" y="685800"/>
+            <a:ext cx="6096000" cy="3429000"/>
           </a:xfrm>
           <a:prstGeom prst="rect">
             <a:avLst/>
@@ -562,7 +532,12 @@
             <p:ph type="sldImg"/>
           </p:nvPr>
         </p:nvSpPr>
-        <p:spPr/>
+        <p:spPr>
+          <a:xfrm>
+            <a:off x="381000" y="685800"/>
+            <a:ext cx="6096000" cy="3429000"/>
+          </a:xfrm>
+        </p:spPr>
       </p:sp>
       <p:sp>
         <p:nvSpPr>
@@ -671,7 +646,12 @@
             <p:ph type="sldImg"/>
           </p:nvPr>
         </p:nvSpPr>
-        <p:spPr/>
+        <p:spPr>
+          <a:xfrm>
+            <a:off x="381000" y="685800"/>
+            <a:ext cx="6096000" cy="3429000"/>
+          </a:xfrm>
+        </p:spPr>
       </p:sp>
       <p:sp>
         <p:nvSpPr>
@@ -835,7 +815,12 @@
             <p:ph type="sldImg"/>
           </p:nvPr>
         </p:nvSpPr>
-        <p:spPr/>
+        <p:spPr>
+          <a:xfrm>
+            <a:off x="381000" y="685800"/>
+            <a:ext cx="6096000" cy="3429000"/>
+          </a:xfrm>
+        </p:spPr>
       </p:sp>
       <p:sp>
         <p:nvSpPr>
@@ -942,7 +927,12 @@
             <p:ph type="sldImg"/>
           </p:nvPr>
         </p:nvSpPr>
-        <p:spPr/>
+        <p:spPr>
+          <a:xfrm>
+            <a:off x="381000" y="685800"/>
+            <a:ext cx="6096000" cy="3429000"/>
+          </a:xfrm>
+        </p:spPr>
       </p:sp>
       <p:sp>
         <p:nvSpPr>
@@ -1056,7 +1046,12 @@
             <p:ph type="sldImg"/>
           </p:nvPr>
         </p:nvSpPr>
-        <p:spPr/>
+        <p:spPr>
+          <a:xfrm>
+            <a:off x="381000" y="685800"/>
+            <a:ext cx="6096000" cy="3429000"/>
+          </a:xfrm>
+        </p:spPr>
       </p:sp>
       <p:sp>
         <p:nvSpPr>
@@ -1164,7 +1159,12 @@
             <p:ph type="sldImg"/>
           </p:nvPr>
         </p:nvSpPr>
-        <p:spPr/>
+        <p:spPr>
+          <a:xfrm>
+            <a:off x="381000" y="685800"/>
+            <a:ext cx="6096000" cy="3429000"/>
+          </a:xfrm>
+        </p:spPr>
       </p:sp>
       <p:sp>
         <p:nvSpPr>
@@ -1261,7 +1261,12 @@
             <p:ph type="sldImg"/>
           </p:nvPr>
         </p:nvSpPr>
-        <p:spPr/>
+        <p:spPr>
+          <a:xfrm>
+            <a:off x="381000" y="685800"/>
+            <a:ext cx="6096000" cy="3429000"/>
+          </a:xfrm>
+        </p:spPr>
       </p:sp>
       <p:sp>
         <p:nvSpPr>
@@ -1388,7 +1393,12 @@
             <p:ph type="sldImg"/>
           </p:nvPr>
         </p:nvSpPr>
-        <p:spPr/>
+        <p:spPr>
+          <a:xfrm>
+            <a:off x="381000" y="685800"/>
+            <a:ext cx="6096000" cy="3429000"/>
+          </a:xfrm>
+        </p:spPr>
       </p:sp>
       <p:sp>
         <p:nvSpPr>
@@ -1562,7 +1572,12 @@
             <p:ph type="sldImg"/>
           </p:nvPr>
         </p:nvSpPr>
-        <p:spPr/>
+        <p:spPr>
+          <a:xfrm>
+            <a:off x="381000" y="685800"/>
+            <a:ext cx="6096000" cy="3429000"/>
+          </a:xfrm>
+        </p:spPr>
       </p:sp>
       <p:sp>
         <p:nvSpPr>
@@ -1680,28 +1695,6 @@
             <a:r>
               <a:rPr lang="ru-RU" dirty="0"/>
               <a:t> у одного и того же прямоугольника, получая изображение прямоугольника на разных холстах.</a:t>
-            </a:r>
-          </a:p>
-          <a:p>
-            <a:r>
-              <a:rPr lang="ru-RU" dirty="0"/>
-              <a:t>Поисковая система возвращает экземпляры </a:t>
-            </a:r>
-            <a:r>
-              <a:rPr lang="ru-RU" dirty="0" err="1"/>
-              <a:t>Document</a:t>
-            </a:r>
-            <a:r>
-              <a:rPr lang="ru-RU" dirty="0"/>
-              <a:t>. Такой тип зависимости обозначается словом “</a:t>
-            </a:r>
-            <a:r>
-              <a:rPr lang="ru-RU" dirty="0" err="1"/>
-              <a:t>return</a:t>
-            </a:r>
-            <a:r>
-              <a:rPr lang="ru-RU" dirty="0"/>
-              <a:t>”:</a:t>
             </a:r>
           </a:p>
         </p:txBody>
@@ -1770,7 +1763,12 @@
             <p:ph type="sldImg"/>
           </p:nvPr>
         </p:nvSpPr>
-        <p:spPr/>
+        <p:spPr>
+          <a:xfrm>
+            <a:off x="381000" y="685800"/>
+            <a:ext cx="6096000" cy="3429000"/>
+          </a:xfrm>
+        </p:spPr>
       </p:sp>
       <p:sp>
         <p:nvSpPr>
@@ -1795,102 +1793,62 @@
           <a:p>
             <a:r>
               <a:rPr lang="ru-RU" dirty="0"/>
-              <a:t>На схеме показан класс Приложение, включающий в себя Поисковую Систему. Приложение неявно зависит от класса </a:t>
-            </a:r>
-            <a:r>
-              <a:rPr lang="ru-RU" dirty="0" err="1"/>
-              <a:t>Document</a:t>
-            </a:r>
-            <a:r>
-              <a:rPr lang="ru-RU" dirty="0"/>
-              <a:t>, так как используемый Приложением метод </a:t>
-            </a:r>
-            <a:r>
-              <a:rPr lang="ru-RU" dirty="0" err="1">
-                <a:solidFill>
-                  <a:srgbClr val="EB5757"/>
-                </a:solidFill>
-                <a:effectLst/>
-                <a:latin typeface="SFMono-Regular"/>
-              </a:rPr>
-              <a:t>SearchServer</a:t>
-            </a:r>
-            <a:r>
-              <a:rPr lang="ru-RU" dirty="0">
-                <a:solidFill>
-                  <a:srgbClr val="EB5757"/>
-                </a:solidFill>
-                <a:effectLst/>
-                <a:latin typeface="SFMono-Regular"/>
-              </a:rPr>
-              <a:t>::</a:t>
-            </a:r>
-            <a:r>
-              <a:rPr lang="ru-RU" dirty="0" err="1">
-                <a:solidFill>
-                  <a:srgbClr val="EB5757"/>
-                </a:solidFill>
-                <a:effectLst/>
-                <a:latin typeface="SFMono-Regular"/>
-              </a:rPr>
-              <a:t>FindTopDocuments</a:t>
-            </a:r>
-            <a:r>
-              <a:rPr lang="ru-RU" dirty="0"/>
-              <a:t> возвращает вектор документов. </a:t>
-            </a:r>
-          </a:p>
-          <a:p>
-            <a:r>
-              <a:rPr lang="ru-RU" dirty="0"/>
-              <a:t>Для приложения эта транзитивная зависимость от документа означает следующее:</a:t>
-            </a:r>
-          </a:p>
-          <a:p>
-            <a:pPr>
-              <a:buFont typeface="Arial" panose="020B0604020202020204" pitchFamily="34" charset="0"/>
-              <a:buChar char="•"/>
-            </a:pPr>
-            <a:r>
-              <a:rPr lang="ru-RU" dirty="0"/>
-              <a:t>Приложение должно уметь работать с документами, которые оно получает от поисковой системы.</a:t>
-            </a:r>
-          </a:p>
-          <a:p>
-            <a:pPr>
-              <a:buFont typeface="Arial" panose="020B0604020202020204" pitchFamily="34" charset="0"/>
-              <a:buChar char="•"/>
-            </a:pPr>
-            <a:r>
-              <a:rPr lang="ru-RU" dirty="0"/>
-              <a:t>Изменения в классе </a:t>
-            </a:r>
-            <a:r>
-              <a:rPr lang="ru-RU" dirty="0" err="1"/>
-              <a:t>Document</a:t>
-            </a:r>
-            <a:r>
-              <a:rPr lang="ru-RU" dirty="0"/>
-              <a:t> окажут влияние не только на </a:t>
-            </a:r>
-            <a:r>
-              <a:rPr lang="ru-RU" dirty="0" err="1"/>
-              <a:t>SearchServer</a:t>
-            </a:r>
-            <a:r>
-              <a:rPr lang="ru-RU" dirty="0"/>
-              <a:t>, но и на </a:t>
-            </a:r>
-            <a:r>
-              <a:rPr lang="ru-RU" dirty="0" err="1"/>
-              <a:t>Application</a:t>
-            </a:r>
-            <a:r>
-              <a:rPr lang="ru-RU" dirty="0"/>
-              <a:t>. Зависимые классы может потребоваться доработать и заново протестировать.</a:t>
-            </a:r>
-          </a:p>
-          <a:p>
+              <a:t>На схеме показан класс </a:t>
+            </a:r>
+            <a:r>
+              <a:rPr lang="en-US" dirty="0"/>
+              <a:t>Foo</a:t>
+            </a:r>
+            <a:r>
+              <a:rPr lang="ru-RU" dirty="0"/>
+              <a:t>, один из методов которого возвращает экземпляры </a:t>
+            </a:r>
+            <a:r>
+              <a:rPr lang="en-US" dirty="0"/>
+              <a:t>Bar</a:t>
+            </a:r>
+            <a:r>
+              <a:rPr lang="ru-RU" dirty="0"/>
+              <a:t>. Метод класса </a:t>
+            </a:r>
+            <a:r>
+              <a:rPr lang="en-US" dirty="0"/>
+              <a:t>Bar</a:t>
+            </a:r>
+            <a:r>
+              <a:rPr lang="ru-RU" dirty="0"/>
+              <a:t>, в свою очередь принимает экземпляры класса </a:t>
+            </a:r>
+            <a:r>
+              <a:rPr lang="en-US" dirty="0"/>
+              <a:t>Baz.</a:t>
+            </a:r>
+          </a:p>
+          <a:p>
+            <a:r>
+              <a:rPr lang="ru-RU" dirty="0"/>
+              <a:t>Поэтому на клиентов класса </a:t>
+            </a:r>
+            <a:r>
+              <a:rPr lang="en-US" dirty="0"/>
+              <a:t>Foo </a:t>
+            </a:r>
+            <a:r>
+              <a:rPr lang="ru-RU" dirty="0"/>
+              <a:t>распространяется знание не только о классе </a:t>
+            </a:r>
+            <a:r>
+              <a:rPr lang="en-US" dirty="0"/>
+              <a:t>Bar</a:t>
+            </a:r>
+            <a:r>
+              <a:rPr lang="ru-RU" dirty="0"/>
+              <a:t>, но и о классе </a:t>
+            </a:r>
+            <a:r>
+              <a:rPr lang="en-US" dirty="0"/>
+              <a:t>Baz</a:t>
+            </a:r>
             <a:endParaRPr lang="ru-RU" dirty="0"/>
           </a:p>
         </p:txBody>
@@ -1959,7 +1917,12 @@
             <p:ph type="sldImg"/>
           </p:nvPr>
         </p:nvSpPr>
-        <p:spPr/>
+        <p:spPr>
+          <a:xfrm>
+            <a:off x="381000" y="685800"/>
+            <a:ext cx="6096000" cy="3429000"/>
+          </a:xfrm>
+        </p:spPr>
       </p:sp>
       <p:sp>
         <p:nvSpPr>
@@ -2047,7 +2010,12 @@
             <p:ph type="sldImg"/>
           </p:nvPr>
         </p:nvSpPr>
-        <p:spPr/>
+        <p:spPr>
+          <a:xfrm>
+            <a:off x="381000" y="685800"/>
+            <a:ext cx="6096000" cy="3429000"/>
+          </a:xfrm>
+        </p:spPr>
       </p:sp>
       <p:sp>
         <p:nvSpPr>
@@ -2205,7 +2173,12 @@
             <p:ph type="sldImg"/>
           </p:nvPr>
         </p:nvSpPr>
-        <p:spPr/>
+        <p:spPr>
+          <a:xfrm>
+            <a:off x="381000" y="685800"/>
+            <a:ext cx="6096000" cy="3429000"/>
+          </a:xfrm>
+        </p:spPr>
       </p:sp>
       <p:sp>
         <p:nvSpPr>
@@ -2297,7 +2270,12 @@
             <p:ph type="sldImg"/>
           </p:nvPr>
         </p:nvSpPr>
-        <p:spPr/>
+        <p:spPr>
+          <a:xfrm>
+            <a:off x="381000" y="685800"/>
+            <a:ext cx="6096000" cy="3429000"/>
+          </a:xfrm>
+        </p:spPr>
       </p:sp>
       <p:sp>
         <p:nvSpPr>
@@ -2401,7 +2379,12 @@
             <p:ph type="sldImg"/>
           </p:nvPr>
         </p:nvSpPr>
-        <p:spPr/>
+        <p:spPr>
+          <a:xfrm>
+            <a:off x="381000" y="685800"/>
+            <a:ext cx="6096000" cy="3429000"/>
+          </a:xfrm>
+        </p:spPr>
       </p:sp>
       <p:sp>
         <p:nvSpPr>
@@ -2573,7 +2556,12 @@
             <p:ph type="sldImg"/>
           </p:nvPr>
         </p:nvSpPr>
-        <p:spPr/>
+        <p:spPr>
+          <a:xfrm>
+            <a:off x="381000" y="685800"/>
+            <a:ext cx="6096000" cy="3429000"/>
+          </a:xfrm>
+        </p:spPr>
       </p:sp>
       <p:sp>
         <p:nvSpPr>
@@ -2681,7 +2669,12 @@
             <p:ph type="sldImg"/>
           </p:nvPr>
         </p:nvSpPr>
-        <p:spPr/>
+        <p:spPr>
+          <a:xfrm>
+            <a:off x="381000" y="685800"/>
+            <a:ext cx="6096000" cy="3429000"/>
+          </a:xfrm>
+        </p:spPr>
       </p:sp>
       <p:sp>
         <p:nvSpPr>
@@ -2818,7 +2811,12 @@
             <p:ph type="sldImg"/>
           </p:nvPr>
         </p:nvSpPr>
-        <p:spPr/>
+        <p:spPr>
+          <a:xfrm>
+            <a:off x="381000" y="685800"/>
+            <a:ext cx="6096000" cy="3429000"/>
+          </a:xfrm>
+        </p:spPr>
       </p:sp>
       <p:sp>
         <p:nvSpPr>
@@ -2949,7 +2947,12 @@
             <p:ph type="sldImg"/>
           </p:nvPr>
         </p:nvSpPr>
-        <p:spPr/>
+        <p:spPr>
+          <a:xfrm>
+            <a:off x="381000" y="685800"/>
+            <a:ext cx="6096000" cy="3429000"/>
+          </a:xfrm>
+        </p:spPr>
       </p:sp>
       <p:sp>
         <p:nvSpPr>
@@ -3037,7 +3040,12 @@
             <p:ph type="sldImg"/>
           </p:nvPr>
         </p:nvSpPr>
-        <p:spPr/>
+        <p:spPr>
+          <a:xfrm>
+            <a:off x="381000" y="685800"/>
+            <a:ext cx="6096000" cy="3429000"/>
+          </a:xfrm>
+        </p:spPr>
       </p:sp>
       <p:sp>
         <p:nvSpPr>
@@ -3155,7 +3163,12 @@
             <p:ph type="sldImg"/>
           </p:nvPr>
         </p:nvSpPr>
-        <p:spPr/>
+        <p:spPr>
+          <a:xfrm>
+            <a:off x="381000" y="685800"/>
+            <a:ext cx="6096000" cy="3429000"/>
+          </a:xfrm>
+        </p:spPr>
       </p:sp>
       <p:sp>
         <p:nvSpPr>
@@ -3376,7 +3389,12 @@
             <p:ph type="sldImg"/>
           </p:nvPr>
         </p:nvSpPr>
-        <p:spPr/>
+        <p:spPr>
+          <a:xfrm>
+            <a:off x="381000" y="685800"/>
+            <a:ext cx="6096000" cy="3429000"/>
+          </a:xfrm>
+        </p:spPr>
       </p:sp>
       <p:sp>
         <p:nvSpPr>
@@ -3446,12 +3464,7 @@
 
 <file path=ppt/slideLayouts/slideLayout1.xml><?xml version="1.0" encoding="utf-8"?>
 <p:sldLayout xmlns:a="http://schemas.openxmlformats.org/drawingml/2006/main" xmlns:r="http://schemas.openxmlformats.org/officeDocument/2006/relationships" xmlns:p="http://schemas.openxmlformats.org/presentationml/2006/main" type="title" preserve="1">
-  <p:cSld name="Титульный слайд">
-    <p:bg>
-      <p:bgRef idx="1002">
-        <a:schemeClr val="bg2"/>
-      </p:bgRef>
-    </p:bg>
+  <p:cSld name="Title Slide">
     <p:spTree>
       <p:nvGrpSpPr>
         <p:cNvPr id="1" name=""/>
@@ -3468,7 +3481,13 @@
       </p:grpSpPr>
       <p:sp>
         <p:nvSpPr>
-          <p:cNvPr id="9" name="Заголовок 8"/>
+          <p:cNvPr id="2" name="Title 1">
+            <a:extLst>
+              <a:ext uri="{FF2B5EF4-FFF2-40B4-BE49-F238E27FC236}">
+                <a16:creationId xmlns:a16="http://schemas.microsoft.com/office/drawing/2014/main" id="{CB92731D-D587-48A4-A987-5B9B29913E58}"/>
+              </a:ext>
+            </a:extLst>
+          </p:cNvPr>
           <p:cNvSpPr>
             <a:spLocks noGrp="1"/>
           </p:cNvSpPr>
@@ -3478,131 +3497,106 @@
         </p:nvSpPr>
         <p:spPr>
           <a:xfrm>
-            <a:off x="533400" y="1371600"/>
-            <a:ext cx="7851648" cy="1828800"/>
-          </a:xfrm>
-          <a:ln>
-            <a:noFill/>
-          </a:ln>
-        </p:spPr>
-        <p:txBody>
-          <a:bodyPr vert="horz" tIns="0" rIns="18288" bIns="0" anchor="b">
-            <a:normAutofit/>
-            <a:scene3d>
-              <a:camera prst="orthographicFront"/>
-              <a:lightRig rig="freezing" dir="t">
-                <a:rot lat="0" lon="0" rev="5640000"/>
-              </a:lightRig>
-            </a:scene3d>
-            <a:sp3d prstMaterial="flat">
-              <a:bevelT w="38100" h="38100"/>
-              <a:contourClr>
-                <a:schemeClr val="tx2"/>
-              </a:contourClr>
-            </a:sp3d>
-          </a:bodyPr>
-          <a:lstStyle>
-            <a:lvl1pPr algn="r" rtl="0">
-              <a:spcBef>
-                <a:spcPct val="0"/>
-              </a:spcBef>
-              <a:buNone/>
-              <a:defRPr sz="5600" b="1">
-                <a:ln>
-                  <a:noFill/>
-                </a:ln>
-                <a:solidFill>
-                  <a:schemeClr val="accent3">
-                    <a:tint val="90000"/>
-                    <a:satMod val="120000"/>
-                  </a:schemeClr>
-                </a:solidFill>
-                <a:effectLst>
-                  <a:outerShdw blurRad="38100" dist="25400" dir="5400000" algn="tl" rotWithShape="0">
-                    <a:srgbClr val="000000">
-                      <a:alpha val="43000"/>
-                    </a:srgbClr>
-                  </a:outerShdw>
-                </a:effectLst>
-                <a:latin typeface="+mj-lt"/>
-                <a:ea typeface="+mj-ea"/>
-                <a:cs typeface="+mj-cs"/>
-              </a:defRPr>
-            </a:lvl1pPr>
-          </a:lstStyle>
-          <a:p>
-            <a:r>
-              <a:rPr kumimoji="0" lang="ru-RU"/>
-              <a:t>Образец заголовка</a:t>
-            </a:r>
-            <a:endParaRPr kumimoji="0" lang="en-US"/>
-          </a:p>
-        </p:txBody>
-      </p:sp>
-      <p:sp>
-        <p:nvSpPr>
-          <p:cNvPr id="17" name="Подзаголовок 16"/>
-          <p:cNvSpPr>
-            <a:spLocks noGrp="1"/>
-          </p:cNvSpPr>
-          <p:nvPr>
-            <p:ph type="subTitle" idx="1"/>
-          </p:nvPr>
-        </p:nvSpPr>
-        <p:spPr>
-          <a:xfrm>
-            <a:off x="533400" y="3228536"/>
-            <a:ext cx="7854696" cy="1752600"/>
+            <a:off x="1524000" y="1122363"/>
+            <a:ext cx="9144000" cy="2387600"/>
           </a:xfrm>
         </p:spPr>
         <p:txBody>
-          <a:bodyPr lIns="0" rIns="18288"/>
+          <a:bodyPr anchor="b"/>
           <a:lstStyle>
-            <a:lvl1pPr marL="0" marR="45720" indent="0" algn="r">
+            <a:lvl1pPr algn="ctr">
+              <a:defRPr sz="6000"/>
+            </a:lvl1pPr>
+          </a:lstStyle>
+          <a:p>
+            <a:r>
+              <a:rPr lang="en-US"/>
+              <a:t>Click to edit Master title style</a:t>
+            </a:r>
+            <a:endParaRPr lang="ru-RU"/>
+          </a:p>
+        </p:txBody>
+      </p:sp>
+      <p:sp>
+        <p:nvSpPr>
+          <p:cNvPr id="3" name="Subtitle 2">
+            <a:extLst>
+              <a:ext uri="{FF2B5EF4-FFF2-40B4-BE49-F238E27FC236}">
+                <a16:creationId xmlns:a16="http://schemas.microsoft.com/office/drawing/2014/main" id="{96CC8CE3-AC95-499F-AFEF-063331427362}"/>
+              </a:ext>
+            </a:extLst>
+          </p:cNvPr>
+          <p:cNvSpPr>
+            <a:spLocks noGrp="1"/>
+          </p:cNvSpPr>
+          <p:nvPr>
+            <p:ph type="subTitle" idx="1"/>
+          </p:nvPr>
+        </p:nvSpPr>
+        <p:spPr>
+          <a:xfrm>
+            <a:off x="1524000" y="3602038"/>
+            <a:ext cx="9144000" cy="1655762"/>
+          </a:xfrm>
+        </p:spPr>
+        <p:txBody>
+          <a:bodyPr/>
+          <a:lstStyle>
+            <a:lvl1pPr marL="0" indent="0" algn="ctr">
               <a:buNone/>
-              <a:defRPr>
-                <a:solidFill>
-                  <a:schemeClr val="tx1"/>
-                </a:solidFill>
-              </a:defRPr>
+              <a:defRPr sz="2400"/>
             </a:lvl1pPr>
             <a:lvl2pPr marL="457200" indent="0" algn="ctr">
               <a:buNone/>
+              <a:defRPr sz="2000"/>
             </a:lvl2pPr>
             <a:lvl3pPr marL="914400" indent="0" algn="ctr">
               <a:buNone/>
+              <a:defRPr sz="1800"/>
             </a:lvl3pPr>
             <a:lvl4pPr marL="1371600" indent="0" algn="ctr">
               <a:buNone/>
+              <a:defRPr sz="1600"/>
             </a:lvl4pPr>
             <a:lvl5pPr marL="1828800" indent="0" algn="ctr">
               <a:buNone/>
+              <a:defRPr sz="1600"/>
             </a:lvl5pPr>
             <a:lvl6pPr marL="2286000" indent="0" algn="ctr">
               <a:buNone/>
+              <a:defRPr sz="1600"/>
             </a:lvl6pPr>
             <a:lvl7pPr marL="2743200" indent="0" algn="ctr">
               <a:buNone/>
+              <a:defRPr sz="1600"/>
             </a:lvl7pPr>
             <a:lvl8pPr marL="3200400" indent="0" algn="ctr">
               <a:buNone/>
+              <a:defRPr sz="1600"/>
             </a:lvl8pPr>
             <a:lvl9pPr marL="3657600" indent="0" algn="ctr">
               <a:buNone/>
+              <a:defRPr sz="1600"/>
             </a:lvl9pPr>
           </a:lstStyle>
           <a:p>
             <a:r>
-              <a:rPr kumimoji="0" lang="ru-RU"/>
-              <a:t>Образец подзаголовка</a:t>
-            </a:r>
-            <a:endParaRPr kumimoji="0" lang="en-US"/>
+              <a:rPr lang="en-US"/>
+              <a:t>Click to edit Master subtitle style</a:t>
+            </a:r>
+            <a:endParaRPr lang="ru-RU"/>
           </a:p>
         </p:txBody>
       </p:sp>
       <p:sp>
         <p:nvSpPr>
-          <p:cNvPr id="30" name="Дата 29"/>
+          <p:cNvPr id="4" name="Date Placeholder 3">
+            <a:extLst>
+              <a:ext uri="{FF2B5EF4-FFF2-40B4-BE49-F238E27FC236}">
+                <a16:creationId xmlns:a16="http://schemas.microsoft.com/office/drawing/2014/main" id="{9DA9EDE0-717F-4B6B-BEF5-B300A235AD0A}"/>
+              </a:ext>
+            </a:extLst>
+          </p:cNvPr>
           <p:cNvSpPr>
             <a:spLocks noGrp="1"/>
           </p:cNvSpPr>
@@ -3621,7 +3615,13 @@
       </p:sp>
       <p:sp>
         <p:nvSpPr>
-          <p:cNvPr id="19" name="Нижний колонтитул 18"/>
+          <p:cNvPr id="5" name="Footer Placeholder 4">
+            <a:extLst>
+              <a:ext uri="{FF2B5EF4-FFF2-40B4-BE49-F238E27FC236}">
+                <a16:creationId xmlns:a16="http://schemas.microsoft.com/office/drawing/2014/main" id="{6880913A-90BC-490B-B2FF-8A38744845B3}"/>
+              </a:ext>
+            </a:extLst>
+          </p:cNvPr>
           <p:cNvSpPr>
             <a:spLocks noGrp="1"/>
           </p:cNvSpPr>
@@ -3640,7 +3640,13 @@
       </p:sp>
       <p:sp>
         <p:nvSpPr>
-          <p:cNvPr id="27" name="Номер слайда 26"/>
+          <p:cNvPr id="6" name="Slide Number Placeholder 5">
+            <a:extLst>
+              <a:ext uri="{FF2B5EF4-FFF2-40B4-BE49-F238E27FC236}">
+                <a16:creationId xmlns:a16="http://schemas.microsoft.com/office/drawing/2014/main" id="{7B1EC945-BEC4-4BF5-AE0C-BEB6923EA69A}"/>
+              </a:ext>
+            </a:extLst>
+          </p:cNvPr>
           <p:cNvSpPr>
             <a:spLocks noGrp="1"/>
           </p:cNvSpPr>
@@ -3653,7 +3659,7 @@
           <a:bodyPr/>
           <a:lstStyle/>
           <a:p>
-            <a:fld id="{3A6E077E-2EC9-4674-B1BE-0D585210D867}" type="slidenum">
+            <a:fld id="{525F8955-9F71-4E77-B108-B5F82C6F0AFB}" type="slidenum">
               <a:rPr lang="ru-RU" smtClean="0"/>
               <a:pPr/>
               <a:t>‹#›</a:t>
@@ -3663,16 +3669,21 @@
         </p:txBody>
       </p:sp>
     </p:spTree>
+    <p:extLst>
+      <p:ext uri="{BB962C8B-B14F-4D97-AF65-F5344CB8AC3E}">
+        <p14:creationId xmlns:p14="http://schemas.microsoft.com/office/powerpoint/2010/main" val="3488239479"/>
+      </p:ext>
+    </p:extLst>
   </p:cSld>
   <p:clrMapOvr>
-    <a:overrideClrMapping bg1="dk1" tx1="lt1" bg2="dk2" tx2="lt2" accent1="accent1" accent2="accent2" accent3="accent3" accent4="accent4" accent5="accent5" accent6="accent6" hlink="hlink" folHlink="folHlink"/>
+    <a:masterClrMapping/>
   </p:clrMapOvr>
 </p:sldLayout>
 </file>
 
 <file path=ppt/slideLayouts/slideLayout10.xml><?xml version="1.0" encoding="utf-8"?>
 <p:sldLayout xmlns:a="http://schemas.openxmlformats.org/drawingml/2006/main" xmlns:r="http://schemas.openxmlformats.org/officeDocument/2006/relationships" xmlns:p="http://schemas.openxmlformats.org/presentationml/2006/main" type="vertTx" preserve="1">
-  <p:cSld name="Заголовок и вертикальный текст">
+  <p:cSld name="Title and Vertical Text">
     <p:spTree>
       <p:nvGrpSpPr>
         <p:cNvPr id="1" name=""/>
@@ -3689,7 +3700,13 @@
       </p:grpSpPr>
       <p:sp>
         <p:nvSpPr>
-          <p:cNvPr id="2" name="Заголовок 1"/>
+          <p:cNvPr id="2" name="Title 1">
+            <a:extLst>
+              <a:ext uri="{FF2B5EF4-FFF2-40B4-BE49-F238E27FC236}">
+                <a16:creationId xmlns:a16="http://schemas.microsoft.com/office/drawing/2014/main" id="{7F017B78-7536-4199-B6CA-13099BF7C3DF}"/>
+              </a:ext>
+            </a:extLst>
+          </p:cNvPr>
           <p:cNvSpPr>
             <a:spLocks noGrp="1"/>
           </p:cNvSpPr>
@@ -3703,16 +3720,22 @@
           <a:lstStyle/>
           <a:p>
             <a:r>
-              <a:rPr kumimoji="0" lang="ru-RU"/>
-              <a:t>Образец заголовка</a:t>
-            </a:r>
-            <a:endParaRPr kumimoji="0" lang="en-US"/>
+              <a:rPr lang="en-US"/>
+              <a:t>Click to edit Master title style</a:t>
+            </a:r>
+            <a:endParaRPr lang="ru-RU"/>
           </a:p>
         </p:txBody>
       </p:sp>
       <p:sp>
         <p:nvSpPr>
-          <p:cNvPr id="3" name="Вертикальный текст 2"/>
+          <p:cNvPr id="3" name="Vertical Text Placeholder 2">
+            <a:extLst>
+              <a:ext uri="{FF2B5EF4-FFF2-40B4-BE49-F238E27FC236}">
+                <a16:creationId xmlns:a16="http://schemas.microsoft.com/office/drawing/2014/main" id="{DFD54194-52F3-4102-9CBE-D8B4D7334F92}"/>
+              </a:ext>
+            </a:extLst>
+          </p:cNvPr>
           <p:cNvSpPr>
             <a:spLocks noGrp="1"/>
           </p:cNvSpPr>
@@ -3725,46 +3748,52 @@
           <a:bodyPr vert="eaVert"/>
           <a:lstStyle/>
           <a:p>
-            <a:pPr lvl="0" eaLnBrk="1" latinLnBrk="0" hangingPunct="1"/>
-            <a:r>
-              <a:rPr lang="ru-RU"/>
-              <a:t>Образец текста</a:t>
-            </a:r>
-          </a:p>
-          <a:p>
-            <a:pPr lvl="1" eaLnBrk="1" latinLnBrk="0" hangingPunct="1"/>
-            <a:r>
-              <a:rPr lang="ru-RU"/>
-              <a:t>Второй уровень</a:t>
-            </a:r>
-          </a:p>
-          <a:p>
-            <a:pPr lvl="2" eaLnBrk="1" latinLnBrk="0" hangingPunct="1"/>
-            <a:r>
-              <a:rPr lang="ru-RU"/>
-              <a:t>Третий уровень</a:t>
-            </a:r>
-          </a:p>
-          <a:p>
-            <a:pPr lvl="3" eaLnBrk="1" latinLnBrk="0" hangingPunct="1"/>
-            <a:r>
-              <a:rPr lang="ru-RU"/>
-              <a:t>Четвертый уровень</a:t>
-            </a:r>
-          </a:p>
-          <a:p>
-            <a:pPr lvl="4" eaLnBrk="1" latinLnBrk="0" hangingPunct="1"/>
-            <a:r>
-              <a:rPr lang="ru-RU"/>
-              <a:t>Пятый уровень</a:t>
-            </a:r>
-            <a:endParaRPr kumimoji="0" lang="en-US"/>
+            <a:pPr lvl="0"/>
+            <a:r>
+              <a:rPr lang="en-US"/>
+              <a:t>Edit Master text styles</a:t>
+            </a:r>
+          </a:p>
+          <a:p>
+            <a:pPr lvl="1"/>
+            <a:r>
+              <a:rPr lang="en-US"/>
+              <a:t>Second level</a:t>
+            </a:r>
+          </a:p>
+          <a:p>
+            <a:pPr lvl="2"/>
+            <a:r>
+              <a:rPr lang="en-US"/>
+              <a:t>Third level</a:t>
+            </a:r>
+          </a:p>
+          <a:p>
+            <a:pPr lvl="3"/>
+            <a:r>
+              <a:rPr lang="en-US"/>
+              <a:t>Fourth level</a:t>
+            </a:r>
+          </a:p>
+          <a:p>
+            <a:pPr lvl="4"/>
+            <a:r>
+              <a:rPr lang="en-US"/>
+              <a:t>Fifth level</a:t>
+            </a:r>
+            <a:endParaRPr lang="ru-RU"/>
           </a:p>
         </p:txBody>
       </p:sp>
       <p:sp>
         <p:nvSpPr>
-          <p:cNvPr id="4" name="Дата 3"/>
+          <p:cNvPr id="4" name="Date Placeholder 3">
+            <a:extLst>
+              <a:ext uri="{FF2B5EF4-FFF2-40B4-BE49-F238E27FC236}">
+                <a16:creationId xmlns:a16="http://schemas.microsoft.com/office/drawing/2014/main" id="{1D4B71C1-BD7D-4818-9A38-5910028FEACC}"/>
+              </a:ext>
+            </a:extLst>
+          </p:cNvPr>
           <p:cNvSpPr>
             <a:spLocks noGrp="1"/>
           </p:cNvSpPr>
@@ -3783,7 +3812,13 @@
       </p:sp>
       <p:sp>
         <p:nvSpPr>
-          <p:cNvPr id="5" name="Нижний колонтитул 4"/>
+          <p:cNvPr id="5" name="Footer Placeholder 4">
+            <a:extLst>
+              <a:ext uri="{FF2B5EF4-FFF2-40B4-BE49-F238E27FC236}">
+                <a16:creationId xmlns:a16="http://schemas.microsoft.com/office/drawing/2014/main" id="{E8B89A66-D549-42E1-8F4B-8EA6B3F01F23}"/>
+              </a:ext>
+            </a:extLst>
+          </p:cNvPr>
           <p:cNvSpPr>
             <a:spLocks noGrp="1"/>
           </p:cNvSpPr>
@@ -3802,7 +3837,13 @@
       </p:sp>
       <p:sp>
         <p:nvSpPr>
-          <p:cNvPr id="6" name="Номер слайда 5"/>
+          <p:cNvPr id="6" name="Slide Number Placeholder 5">
+            <a:extLst>
+              <a:ext uri="{FF2B5EF4-FFF2-40B4-BE49-F238E27FC236}">
+                <a16:creationId xmlns:a16="http://schemas.microsoft.com/office/drawing/2014/main" id="{479B3F61-AC32-4C7A-9502-25EA1F873492}"/>
+              </a:ext>
+            </a:extLst>
+          </p:cNvPr>
           <p:cNvSpPr>
             <a:spLocks noGrp="1"/>
           </p:cNvSpPr>
@@ -3815,7 +3856,7 @@
           <a:bodyPr/>
           <a:lstStyle/>
           <a:p>
-            <a:fld id="{817A949B-3DD1-44D8-A33C-44933D2A35AA}" type="slidenum">
+            <a:fld id="{525F8955-9F71-4E77-B108-B5F82C6F0AFB}" type="slidenum">
               <a:rPr lang="ru-RU" smtClean="0"/>
               <a:pPr/>
               <a:t>‹#›</a:t>
@@ -3825,6 +3866,11 @@
         </p:txBody>
       </p:sp>
     </p:spTree>
+    <p:extLst>
+      <p:ext uri="{BB962C8B-B14F-4D97-AF65-F5344CB8AC3E}">
+        <p14:creationId xmlns:p14="http://schemas.microsoft.com/office/powerpoint/2010/main" val="2372848588"/>
+      </p:ext>
+    </p:extLst>
   </p:cSld>
   <p:clrMapOvr>
     <a:masterClrMapping/>
@@ -3834,7 +3880,7 @@
 
 <file path=ppt/slideLayouts/slideLayout11.xml><?xml version="1.0" encoding="utf-8"?>
 <p:sldLayout xmlns:a="http://schemas.openxmlformats.org/drawingml/2006/main" xmlns:r="http://schemas.openxmlformats.org/officeDocument/2006/relationships" xmlns:p="http://schemas.openxmlformats.org/presentationml/2006/main" type="vertTitleAndTx" preserve="1">
-  <p:cSld name="Вертикальный заголовок и текст">
+  <p:cSld name="Vertical Title and Text">
     <p:spTree>
       <p:nvGrpSpPr>
         <p:cNvPr id="1" name=""/>
@@ -3851,7 +3897,13 @@
       </p:grpSpPr>
       <p:sp>
         <p:nvSpPr>
-          <p:cNvPr id="2" name="Вертикальный заголовок 1"/>
+          <p:cNvPr id="2" name="Vertical Title 1">
+            <a:extLst>
+              <a:ext uri="{FF2B5EF4-FFF2-40B4-BE49-F238E27FC236}">
+                <a16:creationId xmlns:a16="http://schemas.microsoft.com/office/drawing/2014/main" id="{07374EFA-9A89-4D4B-92F3-8FB5F6F5F6F7}"/>
+              </a:ext>
+            </a:extLst>
+          </p:cNvPr>
           <p:cNvSpPr>
             <a:spLocks noGrp="1"/>
           </p:cNvSpPr>
@@ -3861,8 +3913,8 @@
         </p:nvSpPr>
         <p:spPr>
           <a:xfrm>
-            <a:off x="6629400" y="914401"/>
-            <a:ext cx="2057400" cy="5211763"/>
+            <a:off x="8724900" y="365125"/>
+            <a:ext cx="2628900" cy="5811838"/>
           </a:xfrm>
         </p:spPr>
         <p:txBody>
@@ -3870,16 +3922,22 @@
           <a:lstStyle/>
           <a:p>
             <a:r>
-              <a:rPr kumimoji="0" lang="ru-RU"/>
-              <a:t>Образец заголовка</a:t>
-            </a:r>
-            <a:endParaRPr kumimoji="0" lang="en-US"/>
+              <a:rPr lang="en-US"/>
+              <a:t>Click to edit Master title style</a:t>
+            </a:r>
+            <a:endParaRPr lang="ru-RU"/>
           </a:p>
         </p:txBody>
       </p:sp>
       <p:sp>
         <p:nvSpPr>
-          <p:cNvPr id="3" name="Вертикальный текст 2"/>
+          <p:cNvPr id="3" name="Vertical Text Placeholder 2">
+            <a:extLst>
+              <a:ext uri="{FF2B5EF4-FFF2-40B4-BE49-F238E27FC236}">
+                <a16:creationId xmlns:a16="http://schemas.microsoft.com/office/drawing/2014/main" id="{99F308EB-599B-4511-8D62-EE3FE8FA29D5}"/>
+              </a:ext>
+            </a:extLst>
+          </p:cNvPr>
           <p:cNvSpPr>
             <a:spLocks noGrp="1"/>
           </p:cNvSpPr>
@@ -3889,54 +3947,60 @@
         </p:nvSpPr>
         <p:spPr>
           <a:xfrm>
-            <a:off x="457200" y="914401"/>
-            <a:ext cx="6019800" cy="5211763"/>
+            <a:off x="838200" y="365125"/>
+            <a:ext cx="7734300" cy="5811838"/>
           </a:xfrm>
         </p:spPr>
         <p:txBody>
           <a:bodyPr vert="eaVert"/>
           <a:lstStyle/>
           <a:p>
-            <a:pPr lvl="0" eaLnBrk="1" latinLnBrk="0" hangingPunct="1"/>
-            <a:r>
-              <a:rPr lang="ru-RU"/>
-              <a:t>Образец текста</a:t>
-            </a:r>
-          </a:p>
-          <a:p>
-            <a:pPr lvl="1" eaLnBrk="1" latinLnBrk="0" hangingPunct="1"/>
-            <a:r>
-              <a:rPr lang="ru-RU"/>
-              <a:t>Второй уровень</a:t>
-            </a:r>
-          </a:p>
-          <a:p>
-            <a:pPr lvl="2" eaLnBrk="1" latinLnBrk="0" hangingPunct="1"/>
-            <a:r>
-              <a:rPr lang="ru-RU"/>
-              <a:t>Третий уровень</a:t>
-            </a:r>
-          </a:p>
-          <a:p>
-            <a:pPr lvl="3" eaLnBrk="1" latinLnBrk="0" hangingPunct="1"/>
-            <a:r>
-              <a:rPr lang="ru-RU"/>
-              <a:t>Четвертый уровень</a:t>
-            </a:r>
-          </a:p>
-          <a:p>
-            <a:pPr lvl="4" eaLnBrk="1" latinLnBrk="0" hangingPunct="1"/>
-            <a:r>
-              <a:rPr lang="ru-RU"/>
-              <a:t>Пятый уровень</a:t>
-            </a:r>
-            <a:endParaRPr kumimoji="0" lang="en-US"/>
+            <a:pPr lvl="0"/>
+            <a:r>
+              <a:rPr lang="en-US"/>
+              <a:t>Edit Master text styles</a:t>
+            </a:r>
+          </a:p>
+          <a:p>
+            <a:pPr lvl="1"/>
+            <a:r>
+              <a:rPr lang="en-US"/>
+              <a:t>Second level</a:t>
+            </a:r>
+          </a:p>
+          <a:p>
+            <a:pPr lvl="2"/>
+            <a:r>
+              <a:rPr lang="en-US"/>
+              <a:t>Third level</a:t>
+            </a:r>
+          </a:p>
+          <a:p>
+            <a:pPr lvl="3"/>
+            <a:r>
+              <a:rPr lang="en-US"/>
+              <a:t>Fourth level</a:t>
+            </a:r>
+          </a:p>
+          <a:p>
+            <a:pPr lvl="4"/>
+            <a:r>
+              <a:rPr lang="en-US"/>
+              <a:t>Fifth level</a:t>
+            </a:r>
+            <a:endParaRPr lang="ru-RU"/>
           </a:p>
         </p:txBody>
       </p:sp>
       <p:sp>
         <p:nvSpPr>
-          <p:cNvPr id="4" name="Дата 3"/>
+          <p:cNvPr id="4" name="Date Placeholder 3">
+            <a:extLst>
+              <a:ext uri="{FF2B5EF4-FFF2-40B4-BE49-F238E27FC236}">
+                <a16:creationId xmlns:a16="http://schemas.microsoft.com/office/drawing/2014/main" id="{804125EC-0527-4224-81E8-36F84CF149E6}"/>
+              </a:ext>
+            </a:extLst>
+          </p:cNvPr>
           <p:cNvSpPr>
             <a:spLocks noGrp="1"/>
           </p:cNvSpPr>
@@ -3955,7 +4019,13 @@
       </p:sp>
       <p:sp>
         <p:nvSpPr>
-          <p:cNvPr id="5" name="Нижний колонтитул 4"/>
+          <p:cNvPr id="5" name="Footer Placeholder 4">
+            <a:extLst>
+              <a:ext uri="{FF2B5EF4-FFF2-40B4-BE49-F238E27FC236}">
+                <a16:creationId xmlns:a16="http://schemas.microsoft.com/office/drawing/2014/main" id="{A7899B68-13E4-4CBD-B0EA-9CC621FB6351}"/>
+              </a:ext>
+            </a:extLst>
+          </p:cNvPr>
           <p:cNvSpPr>
             <a:spLocks noGrp="1"/>
           </p:cNvSpPr>
@@ -3974,7 +4044,13 @@
       </p:sp>
       <p:sp>
         <p:nvSpPr>
-          <p:cNvPr id="6" name="Номер слайда 5"/>
+          <p:cNvPr id="6" name="Slide Number Placeholder 5">
+            <a:extLst>
+              <a:ext uri="{FF2B5EF4-FFF2-40B4-BE49-F238E27FC236}">
+                <a16:creationId xmlns:a16="http://schemas.microsoft.com/office/drawing/2014/main" id="{60B2DED7-840B-4A16-83A4-D19833C8B75C}"/>
+              </a:ext>
+            </a:extLst>
+          </p:cNvPr>
           <p:cNvSpPr>
             <a:spLocks noGrp="1"/>
           </p:cNvSpPr>
@@ -3987,7 +4063,7 @@
           <a:bodyPr/>
           <a:lstStyle/>
           <a:p>
-            <a:fld id="{9460B79B-C517-46B0-8791-4786AE00950A}" type="slidenum">
+            <a:fld id="{525F8955-9F71-4E77-B108-B5F82C6F0AFB}" type="slidenum">
               <a:rPr lang="ru-RU" smtClean="0"/>
               <a:pPr/>
               <a:t>‹#›</a:t>
@@ -3997,6 +4073,11 @@
         </p:txBody>
       </p:sp>
     </p:spTree>
+    <p:extLst>
+      <p:ext uri="{BB962C8B-B14F-4D97-AF65-F5344CB8AC3E}">
+        <p14:creationId xmlns:p14="http://schemas.microsoft.com/office/powerpoint/2010/main" val="1031358927"/>
+      </p:ext>
+    </p:extLst>
   </p:cSld>
   <p:clrMapOvr>
     <a:masterClrMapping/>
@@ -4006,7 +4087,7 @@
 
 <file path=ppt/slideLayouts/slideLayout2.xml><?xml version="1.0" encoding="utf-8"?>
 <p:sldLayout xmlns:a="http://schemas.openxmlformats.org/drawingml/2006/main" xmlns:r="http://schemas.openxmlformats.org/officeDocument/2006/relationships" xmlns:p="http://schemas.openxmlformats.org/presentationml/2006/main" type="obj" preserve="1">
-  <p:cSld name="Заголовок и объект">
+  <p:cSld name="Title and Content">
     <p:spTree>
       <p:nvGrpSpPr>
         <p:cNvPr id="1" name=""/>
@@ -4023,7 +4104,13 @@
       </p:grpSpPr>
       <p:sp>
         <p:nvSpPr>
-          <p:cNvPr id="2" name="Заголовок 1"/>
+          <p:cNvPr id="2" name="Title 1">
+            <a:extLst>
+              <a:ext uri="{FF2B5EF4-FFF2-40B4-BE49-F238E27FC236}">
+                <a16:creationId xmlns:a16="http://schemas.microsoft.com/office/drawing/2014/main" id="{7F180451-BA17-408E-9FE6-D4A2F8D6716C}"/>
+              </a:ext>
+            </a:extLst>
+          </p:cNvPr>
           <p:cNvSpPr>
             <a:spLocks noGrp="1"/>
           </p:cNvSpPr>
@@ -4037,16 +4124,22 @@
           <a:lstStyle/>
           <a:p>
             <a:r>
-              <a:rPr kumimoji="0" lang="ru-RU"/>
-              <a:t>Образец заголовка</a:t>
-            </a:r>
-            <a:endParaRPr kumimoji="0" lang="en-US"/>
+              <a:rPr lang="en-US"/>
+              <a:t>Click to edit Master title style</a:t>
+            </a:r>
+            <a:endParaRPr lang="ru-RU"/>
           </a:p>
         </p:txBody>
       </p:sp>
       <p:sp>
         <p:nvSpPr>
-          <p:cNvPr id="3" name="Содержимое 2"/>
+          <p:cNvPr id="3" name="Content Placeholder 2">
+            <a:extLst>
+              <a:ext uri="{FF2B5EF4-FFF2-40B4-BE49-F238E27FC236}">
+                <a16:creationId xmlns:a16="http://schemas.microsoft.com/office/drawing/2014/main" id="{377756CD-C151-4011-80A7-341F276F0112}"/>
+              </a:ext>
+            </a:extLst>
+          </p:cNvPr>
           <p:cNvSpPr>
             <a:spLocks noGrp="1"/>
           </p:cNvSpPr>
@@ -4059,46 +4152,52 @@
           <a:bodyPr/>
           <a:lstStyle/>
           <a:p>
-            <a:pPr lvl="0" eaLnBrk="1" latinLnBrk="0" hangingPunct="1"/>
-            <a:r>
-              <a:rPr lang="ru-RU"/>
-              <a:t>Образец текста</a:t>
-            </a:r>
-          </a:p>
-          <a:p>
-            <a:pPr lvl="1" eaLnBrk="1" latinLnBrk="0" hangingPunct="1"/>
-            <a:r>
-              <a:rPr lang="ru-RU"/>
-              <a:t>Второй уровень</a:t>
-            </a:r>
-          </a:p>
-          <a:p>
-            <a:pPr lvl="2" eaLnBrk="1" latinLnBrk="0" hangingPunct="1"/>
-            <a:r>
-              <a:rPr lang="ru-RU"/>
-              <a:t>Третий уровень</a:t>
-            </a:r>
-          </a:p>
-          <a:p>
-            <a:pPr lvl="3" eaLnBrk="1" latinLnBrk="0" hangingPunct="1"/>
-            <a:r>
-              <a:rPr lang="ru-RU"/>
-              <a:t>Четвертый уровень</a:t>
-            </a:r>
-          </a:p>
-          <a:p>
-            <a:pPr lvl="4" eaLnBrk="1" latinLnBrk="0" hangingPunct="1"/>
-            <a:r>
-              <a:rPr lang="ru-RU"/>
-              <a:t>Пятый уровень</a:t>
-            </a:r>
-            <a:endParaRPr kumimoji="0" lang="en-US"/>
+            <a:pPr lvl="0"/>
+            <a:r>
+              <a:rPr lang="en-US"/>
+              <a:t>Edit Master text styles</a:t>
+            </a:r>
+          </a:p>
+          <a:p>
+            <a:pPr lvl="1"/>
+            <a:r>
+              <a:rPr lang="en-US"/>
+              <a:t>Second level</a:t>
+            </a:r>
+          </a:p>
+          <a:p>
+            <a:pPr lvl="2"/>
+            <a:r>
+              <a:rPr lang="en-US"/>
+              <a:t>Third level</a:t>
+            </a:r>
+          </a:p>
+          <a:p>
+            <a:pPr lvl="3"/>
+            <a:r>
+              <a:rPr lang="en-US"/>
+              <a:t>Fourth level</a:t>
+            </a:r>
+          </a:p>
+          <a:p>
+            <a:pPr lvl="4"/>
+            <a:r>
+              <a:rPr lang="en-US"/>
+              <a:t>Fifth level</a:t>
+            </a:r>
+            <a:endParaRPr lang="ru-RU"/>
           </a:p>
         </p:txBody>
       </p:sp>
       <p:sp>
         <p:nvSpPr>
-          <p:cNvPr id="4" name="Дата 3"/>
+          <p:cNvPr id="4" name="Date Placeholder 3">
+            <a:extLst>
+              <a:ext uri="{FF2B5EF4-FFF2-40B4-BE49-F238E27FC236}">
+                <a16:creationId xmlns:a16="http://schemas.microsoft.com/office/drawing/2014/main" id="{85AFCB68-E950-4783-A979-645916355B09}"/>
+              </a:ext>
+            </a:extLst>
+          </p:cNvPr>
           <p:cNvSpPr>
             <a:spLocks noGrp="1"/>
           </p:cNvSpPr>
@@ -4117,7 +4216,13 @@
       </p:sp>
       <p:sp>
         <p:nvSpPr>
-          <p:cNvPr id="5" name="Нижний колонтитул 4"/>
+          <p:cNvPr id="5" name="Footer Placeholder 4">
+            <a:extLst>
+              <a:ext uri="{FF2B5EF4-FFF2-40B4-BE49-F238E27FC236}">
+                <a16:creationId xmlns:a16="http://schemas.microsoft.com/office/drawing/2014/main" id="{F474D9E9-BC9F-46BB-A974-0DA45B5003AA}"/>
+              </a:ext>
+            </a:extLst>
+          </p:cNvPr>
           <p:cNvSpPr>
             <a:spLocks noGrp="1"/>
           </p:cNvSpPr>
@@ -4136,7 +4241,13 @@
       </p:sp>
       <p:sp>
         <p:nvSpPr>
-          <p:cNvPr id="6" name="Номер слайда 5"/>
+          <p:cNvPr id="6" name="Slide Number Placeholder 5">
+            <a:extLst>
+              <a:ext uri="{FF2B5EF4-FFF2-40B4-BE49-F238E27FC236}">
+                <a16:creationId xmlns:a16="http://schemas.microsoft.com/office/drawing/2014/main" id="{117174FF-F804-4255-868A-2099000099D7}"/>
+              </a:ext>
+            </a:extLst>
+          </p:cNvPr>
           <p:cNvSpPr>
             <a:spLocks noGrp="1"/>
           </p:cNvSpPr>
@@ -4149,7 +4260,7 @@
           <a:bodyPr/>
           <a:lstStyle/>
           <a:p>
-            <a:fld id="{3194F37A-C3C1-434B-A62E-DDD720631C20}" type="slidenum">
+            <a:fld id="{525F8955-9F71-4E77-B108-B5F82C6F0AFB}" type="slidenum">
               <a:rPr lang="ru-RU" smtClean="0"/>
               <a:pPr/>
               <a:t>‹#›</a:t>
@@ -4159,6 +4270,11 @@
         </p:txBody>
       </p:sp>
     </p:spTree>
+    <p:extLst>
+      <p:ext uri="{BB962C8B-B14F-4D97-AF65-F5344CB8AC3E}">
+        <p14:creationId xmlns:p14="http://schemas.microsoft.com/office/powerpoint/2010/main" val="3630407676"/>
+      </p:ext>
+    </p:extLst>
   </p:cSld>
   <p:clrMapOvr>
     <a:masterClrMapping/>
@@ -4168,12 +4284,7 @@
 
 <file path=ppt/slideLayouts/slideLayout3.xml><?xml version="1.0" encoding="utf-8"?>
 <p:sldLayout xmlns:a="http://schemas.openxmlformats.org/drawingml/2006/main" xmlns:r="http://schemas.openxmlformats.org/officeDocument/2006/relationships" xmlns:p="http://schemas.openxmlformats.org/presentationml/2006/main" type="secHead" preserve="1">
-  <p:cSld name="Заголовок раздела">
-    <p:bg>
-      <p:bgRef idx="1002">
-        <a:schemeClr val="bg2"/>
-      </p:bgRef>
-    </p:bg>
+  <p:cSld name="Section Header">
     <p:spTree>
       <p:nvGrpSpPr>
         <p:cNvPr id="1" name=""/>
@@ -4190,7 +4301,13 @@
       </p:grpSpPr>
       <p:sp>
         <p:nvSpPr>
-          <p:cNvPr id="2" name="Заголовок 1"/>
+          <p:cNvPr id="2" name="Title 1">
+            <a:extLst>
+              <a:ext uri="{FF2B5EF4-FFF2-40B4-BE49-F238E27FC236}">
+                <a16:creationId xmlns:a16="http://schemas.microsoft.com/office/drawing/2014/main" id="{8B9FAA43-C638-41B4-9D09-8DAC0F2128D9}"/>
+              </a:ext>
+            </a:extLst>
+          </p:cNvPr>
           <p:cNvSpPr>
             <a:spLocks noGrp="1"/>
           </p:cNvSpPr>
@@ -4200,144 +4317,160 @@
         </p:nvSpPr>
         <p:spPr>
           <a:xfrm>
-            <a:off x="530352" y="1316736"/>
-            <a:ext cx="7772400" cy="1362456"/>
-          </a:xfrm>
-          <a:ln>
-            <a:noFill/>
-          </a:ln>
-        </p:spPr>
-        <p:txBody>
-          <a:bodyPr vert="horz" tIns="0" bIns="0" anchor="b">
-            <a:noAutofit/>
-            <a:scene3d>
-              <a:camera prst="orthographicFront"/>
-              <a:lightRig rig="freezing" dir="t">
-                <a:rot lat="0" lon="0" rev="5640000"/>
-              </a:lightRig>
-            </a:scene3d>
-            <a:sp3d prstMaterial="flat">
-              <a:bevelT w="38100" h="38100"/>
-            </a:sp3d>
-          </a:bodyPr>
-          <a:lstStyle>
-            <a:lvl1pPr algn="l" rtl="0">
-              <a:spcBef>
-                <a:spcPct val="0"/>
-              </a:spcBef>
-              <a:buNone/>
-              <a:defRPr lang="en-US" sz="5600" b="1" cap="none" baseline="0" dirty="0">
-                <a:ln w="635">
-                  <a:noFill/>
-                </a:ln>
-                <a:solidFill>
-                  <a:schemeClr val="accent4">
-                    <a:tint val="90000"/>
-                    <a:satMod val="125000"/>
-                  </a:schemeClr>
-                </a:solidFill>
-                <a:effectLst>
-                  <a:outerShdw blurRad="38100" dist="25400" dir="5400000" algn="tl" rotWithShape="0">
-                    <a:srgbClr val="000000">
-                      <a:alpha val="43000"/>
-                    </a:srgbClr>
-                  </a:outerShdw>
-                </a:effectLst>
-                <a:latin typeface="+mj-lt"/>
-                <a:ea typeface="+mj-ea"/>
-                <a:cs typeface="+mj-cs"/>
-              </a:defRPr>
-            </a:lvl1pPr>
-          </a:lstStyle>
-          <a:p>
-            <a:r>
-              <a:rPr kumimoji="0" lang="ru-RU"/>
-              <a:t>Образец заголовка</a:t>
-            </a:r>
-            <a:endParaRPr kumimoji="0" lang="en-US"/>
-          </a:p>
-        </p:txBody>
-      </p:sp>
-      <p:sp>
-        <p:nvSpPr>
-          <p:cNvPr id="3" name="Текст 2"/>
-          <p:cNvSpPr>
-            <a:spLocks noGrp="1"/>
-          </p:cNvSpPr>
-          <p:nvPr>
-            <p:ph type="body" idx="1"/>
-          </p:nvPr>
-        </p:nvSpPr>
-        <p:spPr>
-          <a:xfrm>
-            <a:off x="530352" y="2704664"/>
-            <a:ext cx="7772400" cy="1509712"/>
+            <a:off x="831850" y="1709738"/>
+            <a:ext cx="10515600" cy="2852737"/>
           </a:xfrm>
         </p:spPr>
         <p:txBody>
-          <a:bodyPr lIns="45720" rIns="45720" anchor="t"/>
+          <a:bodyPr anchor="b"/>
+          <a:lstStyle>
+            <a:lvl1pPr>
+              <a:defRPr sz="6000"/>
+            </a:lvl1pPr>
+          </a:lstStyle>
+          <a:p>
+            <a:r>
+              <a:rPr lang="en-US"/>
+              <a:t>Click to edit Master title style</a:t>
+            </a:r>
+            <a:endParaRPr lang="ru-RU"/>
+          </a:p>
+        </p:txBody>
+      </p:sp>
+      <p:sp>
+        <p:nvSpPr>
+          <p:cNvPr id="3" name="Text Placeholder 2">
+            <a:extLst>
+              <a:ext uri="{FF2B5EF4-FFF2-40B4-BE49-F238E27FC236}">
+                <a16:creationId xmlns:a16="http://schemas.microsoft.com/office/drawing/2014/main" id="{A2D7E0F0-8FA1-4FDE-A768-BA0A83244562}"/>
+              </a:ext>
+            </a:extLst>
+          </p:cNvPr>
+          <p:cNvSpPr>
+            <a:spLocks noGrp="1"/>
+          </p:cNvSpPr>
+          <p:nvPr>
+            <p:ph type="body" idx="1"/>
+          </p:nvPr>
+        </p:nvSpPr>
+        <p:spPr>
+          <a:xfrm>
+            <a:off x="831850" y="4589463"/>
+            <a:ext cx="10515600" cy="1500187"/>
+          </a:xfrm>
+        </p:spPr>
+        <p:txBody>
+          <a:bodyPr/>
           <a:lstStyle>
             <a:lvl1pPr marL="0" indent="0">
               <a:buNone/>
-              <a:defRPr sz="2200">
-                <a:solidFill>
-                  <a:schemeClr val="tx1"/>
-                </a:solidFill>
-              </a:defRPr>
-            </a:lvl1pPr>
-            <a:lvl2pPr>
-              <a:buNone/>
-              <a:defRPr sz="1800">
+              <a:defRPr sz="2400">
                 <a:solidFill>
                   <a:schemeClr val="tx1">
                     <a:tint val="75000"/>
                   </a:schemeClr>
                 </a:solidFill>
               </a:defRPr>
-            </a:lvl2pPr>
-            <a:lvl3pPr>
+            </a:lvl1pPr>
+            <a:lvl2pPr marL="457200" indent="0">
               <a:buNone/>
-              <a:defRPr sz="1600">
+              <a:defRPr sz="2000">
                 <a:solidFill>
                   <a:schemeClr val="tx1">
                     <a:tint val="75000"/>
                   </a:schemeClr>
                 </a:solidFill>
               </a:defRPr>
-            </a:lvl3pPr>
-            <a:lvl4pPr>
+            </a:lvl2pPr>
+            <a:lvl3pPr marL="914400" indent="0">
               <a:buNone/>
-              <a:defRPr sz="1400">
+              <a:defRPr sz="1800">
                 <a:solidFill>
                   <a:schemeClr val="tx1">
                     <a:tint val="75000"/>
                   </a:schemeClr>
                 </a:solidFill>
               </a:defRPr>
-            </a:lvl4pPr>
-            <a:lvl5pPr>
+            </a:lvl3pPr>
+            <a:lvl4pPr marL="1371600" indent="0">
               <a:buNone/>
-              <a:defRPr sz="1400">
+              <a:defRPr sz="1600">
                 <a:solidFill>
                   <a:schemeClr val="tx1">
                     <a:tint val="75000"/>
                   </a:schemeClr>
                 </a:solidFill>
               </a:defRPr>
+            </a:lvl4pPr>
+            <a:lvl5pPr marL="1828800" indent="0">
+              <a:buNone/>
+              <a:defRPr sz="1600">
+                <a:solidFill>
+                  <a:schemeClr val="tx1">
+                    <a:tint val="75000"/>
+                  </a:schemeClr>
+                </a:solidFill>
+              </a:defRPr>
             </a:lvl5pPr>
+            <a:lvl6pPr marL="2286000" indent="0">
+              <a:buNone/>
+              <a:defRPr sz="1600">
+                <a:solidFill>
+                  <a:schemeClr val="tx1">
+                    <a:tint val="75000"/>
+                  </a:schemeClr>
+                </a:solidFill>
+              </a:defRPr>
+            </a:lvl6pPr>
+            <a:lvl7pPr marL="2743200" indent="0">
+              <a:buNone/>
+              <a:defRPr sz="1600">
+                <a:solidFill>
+                  <a:schemeClr val="tx1">
+                    <a:tint val="75000"/>
+                  </a:schemeClr>
+                </a:solidFill>
+              </a:defRPr>
+            </a:lvl7pPr>
+            <a:lvl8pPr marL="3200400" indent="0">
+              <a:buNone/>
+              <a:defRPr sz="1600">
+                <a:solidFill>
+                  <a:schemeClr val="tx1">
+                    <a:tint val="75000"/>
+                  </a:schemeClr>
+                </a:solidFill>
+              </a:defRPr>
+            </a:lvl8pPr>
+            <a:lvl9pPr marL="3657600" indent="0">
+              <a:buNone/>
+              <a:defRPr sz="1600">
+                <a:solidFill>
+                  <a:schemeClr val="tx1">
+                    <a:tint val="75000"/>
+                  </a:schemeClr>
+                </a:solidFill>
+              </a:defRPr>
+            </a:lvl9pPr>
           </a:lstStyle>
           <a:p>
-            <a:pPr lvl="0" eaLnBrk="1" latinLnBrk="0" hangingPunct="1"/>
-            <a:r>
-              <a:rPr kumimoji="0" lang="ru-RU"/>
-              <a:t>Образец текста</a:t>
+            <a:pPr lvl="0"/>
+            <a:r>
+              <a:rPr lang="en-US"/>
+              <a:t>Edit Master text styles</a:t>
             </a:r>
           </a:p>
         </p:txBody>
       </p:sp>
       <p:sp>
         <p:nvSpPr>
-          <p:cNvPr id="4" name="Дата 3"/>
+          <p:cNvPr id="4" name="Date Placeholder 3">
+            <a:extLst>
+              <a:ext uri="{FF2B5EF4-FFF2-40B4-BE49-F238E27FC236}">
+                <a16:creationId xmlns:a16="http://schemas.microsoft.com/office/drawing/2014/main" id="{298B2F30-0FFE-460F-BF9A-18B14A62B066}"/>
+              </a:ext>
+            </a:extLst>
+          </p:cNvPr>
           <p:cNvSpPr>
             <a:spLocks noGrp="1"/>
           </p:cNvSpPr>
@@ -4356,7 +4489,13 @@
       </p:sp>
       <p:sp>
         <p:nvSpPr>
-          <p:cNvPr id="5" name="Нижний колонтитул 4"/>
+          <p:cNvPr id="5" name="Footer Placeholder 4">
+            <a:extLst>
+              <a:ext uri="{FF2B5EF4-FFF2-40B4-BE49-F238E27FC236}">
+                <a16:creationId xmlns:a16="http://schemas.microsoft.com/office/drawing/2014/main" id="{4D2BAFA3-F593-43F7-AC15-5A541EAFDA4E}"/>
+              </a:ext>
+            </a:extLst>
+          </p:cNvPr>
           <p:cNvSpPr>
             <a:spLocks noGrp="1"/>
           </p:cNvSpPr>
@@ -4375,7 +4514,13 @@
       </p:sp>
       <p:sp>
         <p:nvSpPr>
-          <p:cNvPr id="6" name="Номер слайда 5"/>
+          <p:cNvPr id="6" name="Slide Number Placeholder 5">
+            <a:extLst>
+              <a:ext uri="{FF2B5EF4-FFF2-40B4-BE49-F238E27FC236}">
+                <a16:creationId xmlns:a16="http://schemas.microsoft.com/office/drawing/2014/main" id="{E40B51DF-475D-439B-8BA3-5AEC16A0C636}"/>
+              </a:ext>
+            </a:extLst>
+          </p:cNvPr>
           <p:cNvSpPr>
             <a:spLocks noGrp="1"/>
           </p:cNvSpPr>
@@ -4388,7 +4533,7 @@
           <a:bodyPr/>
           <a:lstStyle/>
           <a:p>
-            <a:fld id="{03BA38E1-64A0-449B-AAE1-4C29312512EB}" type="slidenum">
+            <a:fld id="{525F8955-9F71-4E77-B108-B5F82C6F0AFB}" type="slidenum">
               <a:rPr lang="ru-RU" smtClean="0"/>
               <a:pPr/>
               <a:t>‹#›</a:t>
@@ -4398,16 +4543,21 @@
         </p:txBody>
       </p:sp>
     </p:spTree>
+    <p:extLst>
+      <p:ext uri="{BB962C8B-B14F-4D97-AF65-F5344CB8AC3E}">
+        <p14:creationId xmlns:p14="http://schemas.microsoft.com/office/powerpoint/2010/main" val="3678170947"/>
+      </p:ext>
+    </p:extLst>
   </p:cSld>
   <p:clrMapOvr>
-    <a:overrideClrMapping bg1="dk1" tx1="lt1" bg2="dk2" tx2="lt2" accent1="accent1" accent2="accent2" accent3="accent3" accent4="accent4" accent5="accent5" accent6="accent6" hlink="hlink" folHlink="folHlink"/>
+    <a:masterClrMapping/>
   </p:clrMapOvr>
 </p:sldLayout>
 </file>
 
 <file path=ppt/slideLayouts/slideLayout4.xml><?xml version="1.0" encoding="utf-8"?>
 <p:sldLayout xmlns:a="http://schemas.openxmlformats.org/drawingml/2006/main" xmlns:r="http://schemas.openxmlformats.org/officeDocument/2006/relationships" xmlns:p="http://schemas.openxmlformats.org/presentationml/2006/main" type="twoObj" preserve="1">
-  <p:cSld name="Два объекта">
+  <p:cSld name="Two Content">
     <p:spTree>
       <p:nvGrpSpPr>
         <p:cNvPr id="1" name=""/>
@@ -4424,181 +4574,168 @@
       </p:grpSpPr>
       <p:sp>
         <p:nvSpPr>
-          <p:cNvPr id="2" name="Заголовок 1"/>
+          <p:cNvPr id="2" name="Title 1">
+            <a:extLst>
+              <a:ext uri="{FF2B5EF4-FFF2-40B4-BE49-F238E27FC236}">
+                <a16:creationId xmlns:a16="http://schemas.microsoft.com/office/drawing/2014/main" id="{55A3ED57-019D-4078-B0B0-A936DF7D7ACE}"/>
+              </a:ext>
+            </a:extLst>
+          </p:cNvPr>
           <p:cNvSpPr>
             <a:spLocks noGrp="1"/>
           </p:cNvSpPr>
           <p:nvPr>
             <p:ph type="title"/>
+          </p:nvPr>
+        </p:nvSpPr>
+        <p:spPr/>
+        <p:txBody>
+          <a:bodyPr/>
+          <a:lstStyle/>
+          <a:p>
+            <a:r>
+              <a:rPr lang="en-US"/>
+              <a:t>Click to edit Master title style</a:t>
+            </a:r>
+            <a:endParaRPr lang="ru-RU"/>
+          </a:p>
+        </p:txBody>
+      </p:sp>
+      <p:sp>
+        <p:nvSpPr>
+          <p:cNvPr id="3" name="Content Placeholder 2">
+            <a:extLst>
+              <a:ext uri="{FF2B5EF4-FFF2-40B4-BE49-F238E27FC236}">
+                <a16:creationId xmlns:a16="http://schemas.microsoft.com/office/drawing/2014/main" id="{EE3FC616-218A-4F78-9174-B0C0BA3E69A8}"/>
+              </a:ext>
+            </a:extLst>
+          </p:cNvPr>
+          <p:cNvSpPr>
+            <a:spLocks noGrp="1"/>
+          </p:cNvSpPr>
+          <p:nvPr>
+            <p:ph sz="half" idx="1"/>
           </p:nvPr>
         </p:nvSpPr>
         <p:spPr>
           <a:xfrm>
-            <a:off x="457200" y="704088"/>
-            <a:ext cx="8229600" cy="1143000"/>
+            <a:off x="838200" y="1825625"/>
+            <a:ext cx="5181600" cy="4351338"/>
           </a:xfrm>
         </p:spPr>
         <p:txBody>
           <a:bodyPr/>
           <a:lstStyle/>
           <a:p>
-            <a:r>
-              <a:rPr kumimoji="0" lang="ru-RU"/>
-              <a:t>Образец заголовка</a:t>
-            </a:r>
-            <a:endParaRPr kumimoji="0" lang="en-US"/>
+            <a:pPr lvl="0"/>
+            <a:r>
+              <a:rPr lang="en-US"/>
+              <a:t>Edit Master text styles</a:t>
+            </a:r>
+          </a:p>
+          <a:p>
+            <a:pPr lvl="1"/>
+            <a:r>
+              <a:rPr lang="en-US"/>
+              <a:t>Second level</a:t>
+            </a:r>
+          </a:p>
+          <a:p>
+            <a:pPr lvl="2"/>
+            <a:r>
+              <a:rPr lang="en-US"/>
+              <a:t>Third level</a:t>
+            </a:r>
+          </a:p>
+          <a:p>
+            <a:pPr lvl="3"/>
+            <a:r>
+              <a:rPr lang="en-US"/>
+              <a:t>Fourth level</a:t>
+            </a:r>
+          </a:p>
+          <a:p>
+            <a:pPr lvl="4"/>
+            <a:r>
+              <a:rPr lang="en-US"/>
+              <a:t>Fifth level</a:t>
+            </a:r>
+            <a:endParaRPr lang="ru-RU"/>
           </a:p>
         </p:txBody>
       </p:sp>
       <p:sp>
         <p:nvSpPr>
-          <p:cNvPr id="3" name="Содержимое 2"/>
+          <p:cNvPr id="4" name="Content Placeholder 3">
+            <a:extLst>
+              <a:ext uri="{FF2B5EF4-FFF2-40B4-BE49-F238E27FC236}">
+                <a16:creationId xmlns:a16="http://schemas.microsoft.com/office/drawing/2014/main" id="{C635D6CB-FF84-478E-8737-63A07B52DE2D}"/>
+              </a:ext>
+            </a:extLst>
+          </p:cNvPr>
           <p:cNvSpPr>
             <a:spLocks noGrp="1"/>
           </p:cNvSpPr>
           <p:nvPr>
-            <p:ph sz="half" idx="1"/>
+            <p:ph sz="half" idx="2"/>
           </p:nvPr>
         </p:nvSpPr>
         <p:spPr>
           <a:xfrm>
-            <a:off x="457200" y="1920085"/>
-            <a:ext cx="4038600" cy="4434840"/>
+            <a:off x="6172200" y="1825625"/>
+            <a:ext cx="5181600" cy="4351338"/>
           </a:xfrm>
         </p:spPr>
         <p:txBody>
           <a:bodyPr/>
-          <a:lstStyle>
-            <a:lvl1pPr>
-              <a:defRPr sz="2600"/>
-            </a:lvl1pPr>
-            <a:lvl2pPr>
-              <a:defRPr sz="2400"/>
-            </a:lvl2pPr>
-            <a:lvl3pPr>
-              <a:defRPr sz="2000"/>
-            </a:lvl3pPr>
-            <a:lvl4pPr>
-              <a:defRPr sz="1800"/>
-            </a:lvl4pPr>
-            <a:lvl5pPr>
-              <a:defRPr sz="1800"/>
-            </a:lvl5pPr>
-          </a:lstStyle>
-          <a:p>
-            <a:pPr lvl="0" eaLnBrk="1" latinLnBrk="0" hangingPunct="1"/>
-            <a:r>
-              <a:rPr lang="ru-RU"/>
-              <a:t>Образец текста</a:t>
-            </a:r>
-          </a:p>
-          <a:p>
-            <a:pPr lvl="1" eaLnBrk="1" latinLnBrk="0" hangingPunct="1"/>
-            <a:r>
-              <a:rPr lang="ru-RU"/>
-              <a:t>Второй уровень</a:t>
-            </a:r>
-          </a:p>
-          <a:p>
-            <a:pPr lvl="2" eaLnBrk="1" latinLnBrk="0" hangingPunct="1"/>
-            <a:r>
-              <a:rPr lang="ru-RU"/>
-              <a:t>Третий уровень</a:t>
-            </a:r>
-          </a:p>
-          <a:p>
-            <a:pPr lvl="3" eaLnBrk="1" latinLnBrk="0" hangingPunct="1"/>
-            <a:r>
-              <a:rPr lang="ru-RU"/>
-              <a:t>Четвертый уровень</a:t>
-            </a:r>
-          </a:p>
-          <a:p>
-            <a:pPr lvl="4" eaLnBrk="1" latinLnBrk="0" hangingPunct="1"/>
-            <a:r>
-              <a:rPr lang="ru-RU"/>
-              <a:t>Пятый уровень</a:t>
-            </a:r>
-            <a:endParaRPr kumimoji="0" lang="en-US"/>
+          <a:lstStyle/>
+          <a:p>
+            <a:pPr lvl="0"/>
+            <a:r>
+              <a:rPr lang="en-US"/>
+              <a:t>Edit Master text styles</a:t>
+            </a:r>
+          </a:p>
+          <a:p>
+            <a:pPr lvl="1"/>
+            <a:r>
+              <a:rPr lang="en-US"/>
+              <a:t>Second level</a:t>
+            </a:r>
+          </a:p>
+          <a:p>
+            <a:pPr lvl="2"/>
+            <a:r>
+              <a:rPr lang="en-US"/>
+              <a:t>Third level</a:t>
+            </a:r>
+          </a:p>
+          <a:p>
+            <a:pPr lvl="3"/>
+            <a:r>
+              <a:rPr lang="en-US"/>
+              <a:t>Fourth level</a:t>
+            </a:r>
+          </a:p>
+          <a:p>
+            <a:pPr lvl="4"/>
+            <a:r>
+              <a:rPr lang="en-US"/>
+              <a:t>Fifth level</a:t>
+            </a:r>
+            <a:endParaRPr lang="ru-RU"/>
           </a:p>
         </p:txBody>
       </p:sp>
       <p:sp>
         <p:nvSpPr>
-          <p:cNvPr id="4" name="Содержимое 3"/>
-          <p:cNvSpPr>
-            <a:spLocks noGrp="1"/>
-          </p:cNvSpPr>
-          <p:nvPr>
-            <p:ph sz="half" idx="2"/>
-          </p:nvPr>
-        </p:nvSpPr>
-        <p:spPr>
-          <a:xfrm>
-            <a:off x="4648200" y="1920085"/>
-            <a:ext cx="4038600" cy="4434840"/>
-          </a:xfrm>
-        </p:spPr>
-        <p:txBody>
-          <a:bodyPr/>
-          <a:lstStyle>
-            <a:lvl1pPr>
-              <a:defRPr sz="2600"/>
-            </a:lvl1pPr>
-            <a:lvl2pPr>
-              <a:defRPr sz="2400"/>
-            </a:lvl2pPr>
-            <a:lvl3pPr>
-              <a:defRPr sz="2000"/>
-            </a:lvl3pPr>
-            <a:lvl4pPr>
-              <a:defRPr sz="1800"/>
-            </a:lvl4pPr>
-            <a:lvl5pPr>
-              <a:defRPr sz="1800"/>
-            </a:lvl5pPr>
-          </a:lstStyle>
-          <a:p>
-            <a:pPr lvl="0" eaLnBrk="1" latinLnBrk="0" hangingPunct="1"/>
-            <a:r>
-              <a:rPr lang="ru-RU"/>
-              <a:t>Образец текста</a:t>
-            </a:r>
-          </a:p>
-          <a:p>
-            <a:pPr lvl="1" eaLnBrk="1" latinLnBrk="0" hangingPunct="1"/>
-            <a:r>
-              <a:rPr lang="ru-RU"/>
-              <a:t>Второй уровень</a:t>
-            </a:r>
-          </a:p>
-          <a:p>
-            <a:pPr lvl="2" eaLnBrk="1" latinLnBrk="0" hangingPunct="1"/>
-            <a:r>
-              <a:rPr lang="ru-RU"/>
-              <a:t>Третий уровень</a:t>
-            </a:r>
-          </a:p>
-          <a:p>
-            <a:pPr lvl="3" eaLnBrk="1" latinLnBrk="0" hangingPunct="1"/>
-            <a:r>
-              <a:rPr lang="ru-RU"/>
-              <a:t>Четвертый уровень</a:t>
-            </a:r>
-          </a:p>
-          <a:p>
-            <a:pPr lvl="4" eaLnBrk="1" latinLnBrk="0" hangingPunct="1"/>
-            <a:r>
-              <a:rPr lang="ru-RU"/>
-              <a:t>Пятый уровень</a:t>
-            </a:r>
-            <a:endParaRPr kumimoji="0" lang="en-US"/>
-          </a:p>
-        </p:txBody>
-      </p:sp>
-      <p:sp>
-        <p:nvSpPr>
-          <p:cNvPr id="5" name="Дата 4"/>
+          <p:cNvPr id="5" name="Date Placeholder 4">
+            <a:extLst>
+              <a:ext uri="{FF2B5EF4-FFF2-40B4-BE49-F238E27FC236}">
+                <a16:creationId xmlns:a16="http://schemas.microsoft.com/office/drawing/2014/main" id="{66F13432-6F70-46CD-867C-88FAF983724C}"/>
+              </a:ext>
+            </a:extLst>
+          </p:cNvPr>
           <p:cNvSpPr>
             <a:spLocks noGrp="1"/>
           </p:cNvSpPr>
@@ -4617,7 +4754,13 @@
       </p:sp>
       <p:sp>
         <p:nvSpPr>
-          <p:cNvPr id="6" name="Нижний колонтитул 5"/>
+          <p:cNvPr id="6" name="Footer Placeholder 5">
+            <a:extLst>
+              <a:ext uri="{FF2B5EF4-FFF2-40B4-BE49-F238E27FC236}">
+                <a16:creationId xmlns:a16="http://schemas.microsoft.com/office/drawing/2014/main" id="{650ECD7A-6BC1-43D5-B6C1-D20B9AAAE559}"/>
+              </a:ext>
+            </a:extLst>
+          </p:cNvPr>
           <p:cNvSpPr>
             <a:spLocks noGrp="1"/>
           </p:cNvSpPr>
@@ -4636,7 +4779,13 @@
       </p:sp>
       <p:sp>
         <p:nvSpPr>
-          <p:cNvPr id="7" name="Номер слайда 6"/>
+          <p:cNvPr id="7" name="Slide Number Placeholder 6">
+            <a:extLst>
+              <a:ext uri="{FF2B5EF4-FFF2-40B4-BE49-F238E27FC236}">
+                <a16:creationId xmlns:a16="http://schemas.microsoft.com/office/drawing/2014/main" id="{73F52AED-AB27-4AF6-AF21-AAFBEA257D14}"/>
+              </a:ext>
+            </a:extLst>
+          </p:cNvPr>
           <p:cNvSpPr>
             <a:spLocks noGrp="1"/>
           </p:cNvSpPr>
@@ -4649,7 +4798,7 @@
           <a:bodyPr/>
           <a:lstStyle/>
           <a:p>
-            <a:fld id="{D8E7D84E-F028-4501-89F0-CCDDFB714B30}" type="slidenum">
+            <a:fld id="{525F8955-9F71-4E77-B108-B5F82C6F0AFB}" type="slidenum">
               <a:rPr lang="ru-RU" smtClean="0"/>
               <a:pPr/>
               <a:t>‹#›</a:t>
@@ -4659,6 +4808,11 @@
         </p:txBody>
       </p:sp>
     </p:spTree>
+    <p:extLst>
+      <p:ext uri="{BB962C8B-B14F-4D97-AF65-F5344CB8AC3E}">
+        <p14:creationId xmlns:p14="http://schemas.microsoft.com/office/powerpoint/2010/main" val="1320829419"/>
+      </p:ext>
+    </p:extLst>
   </p:cSld>
   <p:clrMapOvr>
     <a:masterClrMapping/>
@@ -4668,7 +4822,7 @@
 
 <file path=ppt/slideLayouts/slideLayout5.xml><?xml version="1.0" encoding="utf-8"?>
 <p:sldLayout xmlns:a="http://schemas.openxmlformats.org/drawingml/2006/main" xmlns:r="http://schemas.openxmlformats.org/officeDocument/2006/relationships" xmlns:p="http://schemas.openxmlformats.org/presentationml/2006/main" type="twoTxTwoObj" preserve="1">
-  <p:cSld name="Сравнение">
+  <p:cSld name="Comparison">
     <p:spTree>
       <p:nvGrpSpPr>
         <p:cNvPr id="1" name=""/>
@@ -4685,7 +4839,13 @@
       </p:grpSpPr>
       <p:sp>
         <p:nvSpPr>
-          <p:cNvPr id="2" name="Заголовок 1"/>
+          <p:cNvPr id="2" name="Title 1">
+            <a:extLst>
+              <a:ext uri="{FF2B5EF4-FFF2-40B4-BE49-F238E27FC236}">
+                <a16:creationId xmlns:a16="http://schemas.microsoft.com/office/drawing/2014/main" id="{B2FA8582-F4B2-428D-AF50-6A14A5C09886}"/>
+              </a:ext>
+            </a:extLst>
+          </p:cNvPr>
           <p:cNvSpPr>
             <a:spLocks noGrp="1"/>
           </p:cNvSpPr>
@@ -4695,29 +4855,31 @@
         </p:nvSpPr>
         <p:spPr>
           <a:xfrm>
-            <a:off x="457200" y="704088"/>
-            <a:ext cx="8229600" cy="1143000"/>
+            <a:off x="839788" y="365125"/>
+            <a:ext cx="10515600" cy="1325563"/>
           </a:xfrm>
         </p:spPr>
         <p:txBody>
-          <a:bodyPr tIns="45720" anchor="b"/>
-          <a:lstStyle>
-            <a:lvl1pPr>
-              <a:defRPr/>
-            </a:lvl1pPr>
-          </a:lstStyle>
-          <a:p>
-            <a:r>
-              <a:rPr kumimoji="0" lang="ru-RU"/>
-              <a:t>Образец заголовка</a:t>
-            </a:r>
-            <a:endParaRPr kumimoji="0" lang="en-US"/>
+          <a:bodyPr/>
+          <a:lstStyle/>
+          <a:p>
+            <a:r>
+              <a:rPr lang="en-US"/>
+              <a:t>Click to edit Master title style</a:t>
+            </a:r>
+            <a:endParaRPr lang="ru-RU"/>
           </a:p>
         </p:txBody>
       </p:sp>
       <p:sp>
         <p:nvSpPr>
-          <p:cNvPr id="3" name="Текст 2"/>
+          <p:cNvPr id="3" name="Text Placeholder 2">
+            <a:extLst>
+              <a:ext uri="{FF2B5EF4-FFF2-40B4-BE49-F238E27FC236}">
+                <a16:creationId xmlns:a16="http://schemas.microsoft.com/office/drawing/2014/main" id="{94F0D483-CB7E-45DC-9E46-8B88A853B73D}"/>
+              </a:ext>
+            </a:extLst>
+          </p:cNvPr>
           <p:cNvSpPr>
             <a:spLocks noGrp="1"/>
           </p:cNvSpPr>
@@ -4727,253 +4889,265 @@
         </p:nvSpPr>
         <p:spPr>
           <a:xfrm>
-            <a:off x="457200" y="1855248"/>
-            <a:ext cx="4040188" cy="659352"/>
+            <a:off x="839788" y="1681163"/>
+            <a:ext cx="5157787" cy="823912"/>
           </a:xfrm>
         </p:spPr>
         <p:txBody>
-          <a:bodyPr lIns="45720" tIns="0" rIns="45720" bIns="0" anchor="ctr">
-            <a:noAutofit/>
-          </a:bodyPr>
+          <a:bodyPr anchor="b"/>
           <a:lstStyle>
             <a:lvl1pPr marL="0" indent="0">
               <a:buNone/>
-              <a:defRPr sz="2400" b="1" cap="none" baseline="0">
-                <a:solidFill>
-                  <a:schemeClr val="tx2"/>
-                </a:solidFill>
-                <a:effectLst/>
-              </a:defRPr>
+              <a:defRPr sz="2400" b="1"/>
             </a:lvl1pPr>
-            <a:lvl2pPr>
+            <a:lvl2pPr marL="457200" indent="0">
               <a:buNone/>
               <a:defRPr sz="2000" b="1"/>
             </a:lvl2pPr>
-            <a:lvl3pPr>
+            <a:lvl3pPr marL="914400" indent="0">
               <a:buNone/>
               <a:defRPr sz="1800" b="1"/>
             </a:lvl3pPr>
-            <a:lvl4pPr>
+            <a:lvl4pPr marL="1371600" indent="0">
               <a:buNone/>
               <a:defRPr sz="1600" b="1"/>
             </a:lvl4pPr>
-            <a:lvl5pPr>
+            <a:lvl5pPr marL="1828800" indent="0">
               <a:buNone/>
               <a:defRPr sz="1600" b="1"/>
             </a:lvl5pPr>
+            <a:lvl6pPr marL="2286000" indent="0">
+              <a:buNone/>
+              <a:defRPr sz="1600" b="1"/>
+            </a:lvl6pPr>
+            <a:lvl7pPr marL="2743200" indent="0">
+              <a:buNone/>
+              <a:defRPr sz="1600" b="1"/>
+            </a:lvl7pPr>
+            <a:lvl8pPr marL="3200400" indent="0">
+              <a:buNone/>
+              <a:defRPr sz="1600" b="1"/>
+            </a:lvl8pPr>
+            <a:lvl9pPr marL="3657600" indent="0">
+              <a:buNone/>
+              <a:defRPr sz="1600" b="1"/>
+            </a:lvl9pPr>
           </a:lstStyle>
           <a:p>
-            <a:pPr lvl="0" eaLnBrk="1" latinLnBrk="0" hangingPunct="1"/>
-            <a:r>
-              <a:rPr kumimoji="0" lang="ru-RU"/>
-              <a:t>Образец текста</a:t>
+            <a:pPr lvl="0"/>
+            <a:r>
+              <a:rPr lang="en-US"/>
+              <a:t>Edit Master text styles</a:t>
             </a:r>
           </a:p>
         </p:txBody>
       </p:sp>
       <p:sp>
         <p:nvSpPr>
-          <p:cNvPr id="4" name="Текст 3"/>
+          <p:cNvPr id="4" name="Content Placeholder 3">
+            <a:extLst>
+              <a:ext uri="{FF2B5EF4-FFF2-40B4-BE49-F238E27FC236}">
+                <a16:creationId xmlns:a16="http://schemas.microsoft.com/office/drawing/2014/main" id="{F1FC07EB-22A4-465B-9AEA-F2DF07194292}"/>
+              </a:ext>
+            </a:extLst>
+          </p:cNvPr>
           <p:cNvSpPr>
             <a:spLocks noGrp="1"/>
           </p:cNvSpPr>
           <p:nvPr>
-            <p:ph type="body" sz="half" idx="3"/>
+            <p:ph sz="half" idx="2"/>
           </p:nvPr>
         </p:nvSpPr>
         <p:spPr>
           <a:xfrm>
-            <a:off x="4645025" y="1859757"/>
-            <a:ext cx="4041775" cy="654843"/>
+            <a:off x="839788" y="2505075"/>
+            <a:ext cx="5157787" cy="3684588"/>
           </a:xfrm>
         </p:spPr>
         <p:txBody>
-          <a:bodyPr lIns="45720" tIns="0" rIns="45720" bIns="0" anchor="ctr"/>
+          <a:bodyPr/>
+          <a:lstStyle/>
+          <a:p>
+            <a:pPr lvl="0"/>
+            <a:r>
+              <a:rPr lang="en-US"/>
+              <a:t>Edit Master text styles</a:t>
+            </a:r>
+          </a:p>
+          <a:p>
+            <a:pPr lvl="1"/>
+            <a:r>
+              <a:rPr lang="en-US"/>
+              <a:t>Second level</a:t>
+            </a:r>
+          </a:p>
+          <a:p>
+            <a:pPr lvl="2"/>
+            <a:r>
+              <a:rPr lang="en-US"/>
+              <a:t>Third level</a:t>
+            </a:r>
+          </a:p>
+          <a:p>
+            <a:pPr lvl="3"/>
+            <a:r>
+              <a:rPr lang="en-US"/>
+              <a:t>Fourth level</a:t>
+            </a:r>
+          </a:p>
+          <a:p>
+            <a:pPr lvl="4"/>
+            <a:r>
+              <a:rPr lang="en-US"/>
+              <a:t>Fifth level</a:t>
+            </a:r>
+            <a:endParaRPr lang="ru-RU"/>
+          </a:p>
+        </p:txBody>
+      </p:sp>
+      <p:sp>
+        <p:nvSpPr>
+          <p:cNvPr id="5" name="Text Placeholder 4">
+            <a:extLst>
+              <a:ext uri="{FF2B5EF4-FFF2-40B4-BE49-F238E27FC236}">
+                <a16:creationId xmlns:a16="http://schemas.microsoft.com/office/drawing/2014/main" id="{F0B9011F-9B8F-47A8-ADA0-EEB762D2022B}"/>
+              </a:ext>
+            </a:extLst>
+          </p:cNvPr>
+          <p:cNvSpPr>
+            <a:spLocks noGrp="1"/>
+          </p:cNvSpPr>
+          <p:nvPr>
+            <p:ph type="body" sz="quarter" idx="3"/>
+          </p:nvPr>
+        </p:nvSpPr>
+        <p:spPr>
+          <a:xfrm>
+            <a:off x="6172200" y="1681163"/>
+            <a:ext cx="5183188" cy="823912"/>
+          </a:xfrm>
+        </p:spPr>
+        <p:txBody>
+          <a:bodyPr anchor="b"/>
           <a:lstStyle>
             <a:lvl1pPr marL="0" indent="0">
               <a:buNone/>
-              <a:defRPr sz="2400" b="1" cap="none" baseline="0">
-                <a:solidFill>
-                  <a:schemeClr val="tx2"/>
-                </a:solidFill>
-                <a:effectLst/>
-              </a:defRPr>
+              <a:defRPr sz="2400" b="1"/>
             </a:lvl1pPr>
-            <a:lvl2pPr>
+            <a:lvl2pPr marL="457200" indent="0">
               <a:buNone/>
               <a:defRPr sz="2000" b="1"/>
             </a:lvl2pPr>
-            <a:lvl3pPr>
+            <a:lvl3pPr marL="914400" indent="0">
               <a:buNone/>
               <a:defRPr sz="1800" b="1"/>
             </a:lvl3pPr>
-            <a:lvl4pPr>
+            <a:lvl4pPr marL="1371600" indent="0">
               <a:buNone/>
               <a:defRPr sz="1600" b="1"/>
             </a:lvl4pPr>
-            <a:lvl5pPr>
+            <a:lvl5pPr marL="1828800" indent="0">
               <a:buNone/>
               <a:defRPr sz="1600" b="1"/>
             </a:lvl5pPr>
+            <a:lvl6pPr marL="2286000" indent="0">
+              <a:buNone/>
+              <a:defRPr sz="1600" b="1"/>
+            </a:lvl6pPr>
+            <a:lvl7pPr marL="2743200" indent="0">
+              <a:buNone/>
+              <a:defRPr sz="1600" b="1"/>
+            </a:lvl7pPr>
+            <a:lvl8pPr marL="3200400" indent="0">
+              <a:buNone/>
+              <a:defRPr sz="1600" b="1"/>
+            </a:lvl8pPr>
+            <a:lvl9pPr marL="3657600" indent="0">
+              <a:buNone/>
+              <a:defRPr sz="1600" b="1"/>
+            </a:lvl9pPr>
           </a:lstStyle>
           <a:p>
-            <a:pPr lvl="0" eaLnBrk="1" latinLnBrk="0" hangingPunct="1"/>
-            <a:r>
-              <a:rPr kumimoji="0" lang="ru-RU"/>
-              <a:t>Образец текста</a:t>
+            <a:pPr lvl="0"/>
+            <a:r>
+              <a:rPr lang="en-US"/>
+              <a:t>Edit Master text styles</a:t>
             </a:r>
           </a:p>
         </p:txBody>
       </p:sp>
       <p:sp>
         <p:nvSpPr>
-          <p:cNvPr id="5" name="Содержимое 4"/>
+          <p:cNvPr id="6" name="Content Placeholder 5">
+            <a:extLst>
+              <a:ext uri="{FF2B5EF4-FFF2-40B4-BE49-F238E27FC236}">
+                <a16:creationId xmlns:a16="http://schemas.microsoft.com/office/drawing/2014/main" id="{DDCD0B74-20EA-4C87-9061-8BE9A4757393}"/>
+              </a:ext>
+            </a:extLst>
+          </p:cNvPr>
           <p:cNvSpPr>
             <a:spLocks noGrp="1"/>
           </p:cNvSpPr>
           <p:nvPr>
-            <p:ph sz="quarter" idx="2"/>
+            <p:ph sz="quarter" idx="4"/>
           </p:nvPr>
         </p:nvSpPr>
         <p:spPr>
           <a:xfrm>
-            <a:off x="457200" y="2514600"/>
-            <a:ext cx="4040188" cy="3845720"/>
+            <a:off x="6172200" y="2505075"/>
+            <a:ext cx="5183188" cy="3684588"/>
           </a:xfrm>
         </p:spPr>
         <p:txBody>
-          <a:bodyPr tIns="0"/>
-          <a:lstStyle>
-            <a:lvl1pPr>
-              <a:defRPr sz="2200"/>
-            </a:lvl1pPr>
-            <a:lvl2pPr>
-              <a:defRPr sz="2000"/>
-            </a:lvl2pPr>
-            <a:lvl3pPr>
-              <a:defRPr sz="1800"/>
-            </a:lvl3pPr>
-            <a:lvl4pPr>
-              <a:defRPr sz="1600"/>
-            </a:lvl4pPr>
-            <a:lvl5pPr>
-              <a:defRPr sz="1600"/>
-            </a:lvl5pPr>
-          </a:lstStyle>
-          <a:p>
-            <a:pPr lvl="0" eaLnBrk="1" latinLnBrk="0" hangingPunct="1"/>
-            <a:r>
-              <a:rPr lang="ru-RU"/>
-              <a:t>Образец текста</a:t>
-            </a:r>
-          </a:p>
-          <a:p>
-            <a:pPr lvl="1" eaLnBrk="1" latinLnBrk="0" hangingPunct="1"/>
-            <a:r>
-              <a:rPr lang="ru-RU"/>
-              <a:t>Второй уровень</a:t>
-            </a:r>
-          </a:p>
-          <a:p>
-            <a:pPr lvl="2" eaLnBrk="1" latinLnBrk="0" hangingPunct="1"/>
-            <a:r>
-              <a:rPr lang="ru-RU"/>
-              <a:t>Третий уровень</a:t>
-            </a:r>
-          </a:p>
-          <a:p>
-            <a:pPr lvl="3" eaLnBrk="1" latinLnBrk="0" hangingPunct="1"/>
-            <a:r>
-              <a:rPr lang="ru-RU"/>
-              <a:t>Четвертый уровень</a:t>
-            </a:r>
-          </a:p>
-          <a:p>
-            <a:pPr lvl="4" eaLnBrk="1" latinLnBrk="0" hangingPunct="1"/>
-            <a:r>
-              <a:rPr lang="ru-RU"/>
-              <a:t>Пятый уровень</a:t>
-            </a:r>
-            <a:endParaRPr kumimoji="0" lang="en-US"/>
+          <a:bodyPr/>
+          <a:lstStyle/>
+          <a:p>
+            <a:pPr lvl="0"/>
+            <a:r>
+              <a:rPr lang="en-US"/>
+              <a:t>Edit Master text styles</a:t>
+            </a:r>
+          </a:p>
+          <a:p>
+            <a:pPr lvl="1"/>
+            <a:r>
+              <a:rPr lang="en-US"/>
+              <a:t>Second level</a:t>
+            </a:r>
+          </a:p>
+          <a:p>
+            <a:pPr lvl="2"/>
+            <a:r>
+              <a:rPr lang="en-US"/>
+              <a:t>Third level</a:t>
+            </a:r>
+          </a:p>
+          <a:p>
+            <a:pPr lvl="3"/>
+            <a:r>
+              <a:rPr lang="en-US"/>
+              <a:t>Fourth level</a:t>
+            </a:r>
+          </a:p>
+          <a:p>
+            <a:pPr lvl="4"/>
+            <a:r>
+              <a:rPr lang="en-US"/>
+              <a:t>Fifth level</a:t>
+            </a:r>
+            <a:endParaRPr lang="ru-RU"/>
           </a:p>
         </p:txBody>
       </p:sp>
       <p:sp>
         <p:nvSpPr>
-          <p:cNvPr id="6" name="Содержимое 5"/>
-          <p:cNvSpPr>
-            <a:spLocks noGrp="1"/>
-          </p:cNvSpPr>
-          <p:nvPr>
-            <p:ph sz="quarter" idx="4"/>
-          </p:nvPr>
-        </p:nvSpPr>
-        <p:spPr>
-          <a:xfrm>
-            <a:off x="4645025" y="2514600"/>
-            <a:ext cx="4041775" cy="3845720"/>
-          </a:xfrm>
-        </p:spPr>
-        <p:txBody>
-          <a:bodyPr tIns="0"/>
-          <a:lstStyle>
-            <a:lvl1pPr>
-              <a:defRPr sz="2200"/>
-            </a:lvl1pPr>
-            <a:lvl2pPr>
-              <a:defRPr sz="2000"/>
-            </a:lvl2pPr>
-            <a:lvl3pPr>
-              <a:defRPr sz="1800"/>
-            </a:lvl3pPr>
-            <a:lvl4pPr>
-              <a:defRPr sz="1600"/>
-            </a:lvl4pPr>
-            <a:lvl5pPr>
-              <a:defRPr sz="1600"/>
-            </a:lvl5pPr>
-          </a:lstStyle>
-          <a:p>
-            <a:pPr lvl="0" eaLnBrk="1" latinLnBrk="0" hangingPunct="1"/>
-            <a:r>
-              <a:rPr lang="ru-RU"/>
-              <a:t>Образец текста</a:t>
-            </a:r>
-          </a:p>
-          <a:p>
-            <a:pPr lvl="1" eaLnBrk="1" latinLnBrk="0" hangingPunct="1"/>
-            <a:r>
-              <a:rPr lang="ru-RU"/>
-              <a:t>Второй уровень</a:t>
-            </a:r>
-          </a:p>
-          <a:p>
-            <a:pPr lvl="2" eaLnBrk="1" latinLnBrk="0" hangingPunct="1"/>
-            <a:r>
-              <a:rPr lang="ru-RU"/>
-              <a:t>Третий уровень</a:t>
-            </a:r>
-          </a:p>
-          <a:p>
-            <a:pPr lvl="3" eaLnBrk="1" latinLnBrk="0" hangingPunct="1"/>
-            <a:r>
-              <a:rPr lang="ru-RU"/>
-              <a:t>Четвертый уровень</a:t>
-            </a:r>
-          </a:p>
-          <a:p>
-            <a:pPr lvl="4" eaLnBrk="1" latinLnBrk="0" hangingPunct="1"/>
-            <a:r>
-              <a:rPr lang="ru-RU"/>
-              <a:t>Пятый уровень</a:t>
-            </a:r>
-            <a:endParaRPr kumimoji="0" lang="en-US"/>
-          </a:p>
-        </p:txBody>
-      </p:sp>
-      <p:sp>
-        <p:nvSpPr>
-          <p:cNvPr id="7" name="Дата 6"/>
+          <p:cNvPr id="7" name="Date Placeholder 6">
+            <a:extLst>
+              <a:ext uri="{FF2B5EF4-FFF2-40B4-BE49-F238E27FC236}">
+                <a16:creationId xmlns:a16="http://schemas.microsoft.com/office/drawing/2014/main" id="{C7D00B79-C15D-4DF7-903F-9A67F05B0933}"/>
+              </a:ext>
+            </a:extLst>
+          </p:cNvPr>
           <p:cNvSpPr>
             <a:spLocks noGrp="1"/>
           </p:cNvSpPr>
@@ -4992,7 +5166,13 @@
       </p:sp>
       <p:sp>
         <p:nvSpPr>
-          <p:cNvPr id="8" name="Нижний колонтитул 7"/>
+          <p:cNvPr id="8" name="Footer Placeholder 7">
+            <a:extLst>
+              <a:ext uri="{FF2B5EF4-FFF2-40B4-BE49-F238E27FC236}">
+                <a16:creationId xmlns:a16="http://schemas.microsoft.com/office/drawing/2014/main" id="{D5692749-8B79-442D-A595-E3FEC7D40D09}"/>
+              </a:ext>
+            </a:extLst>
+          </p:cNvPr>
           <p:cNvSpPr>
             <a:spLocks noGrp="1"/>
           </p:cNvSpPr>
@@ -5011,7 +5191,13 @@
       </p:sp>
       <p:sp>
         <p:nvSpPr>
-          <p:cNvPr id="9" name="Номер слайда 8"/>
+          <p:cNvPr id="9" name="Slide Number Placeholder 8">
+            <a:extLst>
+              <a:ext uri="{FF2B5EF4-FFF2-40B4-BE49-F238E27FC236}">
+                <a16:creationId xmlns:a16="http://schemas.microsoft.com/office/drawing/2014/main" id="{E15EC848-9C37-457D-934A-AD70E11E9206}"/>
+              </a:ext>
+            </a:extLst>
+          </p:cNvPr>
           <p:cNvSpPr>
             <a:spLocks noGrp="1"/>
           </p:cNvSpPr>
@@ -5024,7 +5210,7 @@
           <a:bodyPr/>
           <a:lstStyle/>
           <a:p>
-            <a:fld id="{7B21335A-2D5C-4971-99FC-7982796DEAF6}" type="slidenum">
+            <a:fld id="{525F8955-9F71-4E77-B108-B5F82C6F0AFB}" type="slidenum">
               <a:rPr lang="ru-RU" smtClean="0"/>
               <a:pPr/>
               <a:t>‹#›</a:t>
@@ -5034,6 +5220,11 @@
         </p:txBody>
       </p:sp>
     </p:spTree>
+    <p:extLst>
+      <p:ext uri="{BB962C8B-B14F-4D97-AF65-F5344CB8AC3E}">
+        <p14:creationId xmlns:p14="http://schemas.microsoft.com/office/powerpoint/2010/main" val="965651498"/>
+      </p:ext>
+    </p:extLst>
   </p:cSld>
   <p:clrMapOvr>
     <a:masterClrMapping/>
@@ -5043,7 +5234,7 @@
 
 <file path=ppt/slideLayouts/slideLayout6.xml><?xml version="1.0" encoding="utf-8"?>
 <p:sldLayout xmlns:a="http://schemas.openxmlformats.org/drawingml/2006/main" xmlns:r="http://schemas.openxmlformats.org/officeDocument/2006/relationships" xmlns:p="http://schemas.openxmlformats.org/presentationml/2006/main" type="titleOnly" preserve="1">
-  <p:cSld name="Только заголовок">
+  <p:cSld name="Title Only">
     <p:spTree>
       <p:nvGrpSpPr>
         <p:cNvPr id="1" name=""/>
@@ -5060,72 +5251,18 @@
       </p:grpSpPr>
       <p:sp>
         <p:nvSpPr>
-          <p:cNvPr id="2" name="Заголовок 1"/>
+          <p:cNvPr id="2" name="Title 1">
+            <a:extLst>
+              <a:ext uri="{FF2B5EF4-FFF2-40B4-BE49-F238E27FC236}">
+                <a16:creationId xmlns:a16="http://schemas.microsoft.com/office/drawing/2014/main" id="{5A91A2D1-EABE-47D8-BE50-B321B348C848}"/>
+              </a:ext>
+            </a:extLst>
+          </p:cNvPr>
           <p:cNvSpPr>
             <a:spLocks noGrp="1"/>
           </p:cNvSpPr>
           <p:nvPr>
             <p:ph type="title"/>
-          </p:nvPr>
-        </p:nvSpPr>
-        <p:spPr>
-          <a:xfrm>
-            <a:off x="457200" y="704088"/>
-            <a:ext cx="8305800" cy="1143000"/>
-          </a:xfrm>
-        </p:spPr>
-        <p:txBody>
-          <a:bodyPr vert="horz" tIns="45720" bIns="0" anchor="b">
-            <a:normAutofit/>
-            <a:scene3d>
-              <a:camera prst="orthographicFront"/>
-              <a:lightRig rig="freezing" dir="t">
-                <a:rot lat="0" lon="0" rev="5640000"/>
-              </a:lightRig>
-            </a:scene3d>
-            <a:sp3d prstMaterial="flat">
-              <a:contourClr>
-                <a:schemeClr val="tx2"/>
-              </a:contourClr>
-            </a:sp3d>
-          </a:bodyPr>
-          <a:lstStyle>
-            <a:lvl1pPr algn="l" rtl="0">
-              <a:spcBef>
-                <a:spcPct val="0"/>
-              </a:spcBef>
-              <a:buNone/>
-              <a:defRPr sz="5000" b="0">
-                <a:ln>
-                  <a:noFill/>
-                </a:ln>
-                <a:solidFill>
-                  <a:schemeClr val="tx2"/>
-                </a:solidFill>
-                <a:effectLst/>
-                <a:latin typeface="+mj-lt"/>
-                <a:ea typeface="+mj-ea"/>
-                <a:cs typeface="+mj-cs"/>
-              </a:defRPr>
-            </a:lvl1pPr>
-          </a:lstStyle>
-          <a:p>
-            <a:r>
-              <a:rPr kumimoji="0" lang="ru-RU"/>
-              <a:t>Образец заголовка</a:t>
-            </a:r>
-            <a:endParaRPr kumimoji="0" lang="en-US"/>
-          </a:p>
-        </p:txBody>
-      </p:sp>
-      <p:sp>
-        <p:nvSpPr>
-          <p:cNvPr id="3" name="Дата 2"/>
-          <p:cNvSpPr>
-            <a:spLocks noGrp="1"/>
-          </p:cNvSpPr>
-          <p:nvPr>
-            <p:ph type="dt" sz="half" idx="10"/>
           </p:nvPr>
         </p:nvSpPr>
         <p:spPr/>
@@ -5133,18 +5270,28 @@
           <a:bodyPr/>
           <a:lstStyle/>
           <a:p>
+            <a:r>
+              <a:rPr lang="en-US"/>
+              <a:t>Click to edit Master title style</a:t>
+            </a:r>
             <a:endParaRPr lang="ru-RU"/>
           </a:p>
         </p:txBody>
       </p:sp>
       <p:sp>
         <p:nvSpPr>
-          <p:cNvPr id="4" name="Нижний колонтитул 3"/>
+          <p:cNvPr id="3" name="Date Placeholder 2">
+            <a:extLst>
+              <a:ext uri="{FF2B5EF4-FFF2-40B4-BE49-F238E27FC236}">
+                <a16:creationId xmlns:a16="http://schemas.microsoft.com/office/drawing/2014/main" id="{8413629C-5D35-4E95-A791-7BFF3889854C}"/>
+              </a:ext>
+            </a:extLst>
+          </p:cNvPr>
           <p:cNvSpPr>
             <a:spLocks noGrp="1"/>
           </p:cNvSpPr>
           <p:nvPr>
-            <p:ph type="ftr" sz="quarter" idx="11"/>
+            <p:ph type="dt" sz="half" idx="10"/>
           </p:nvPr>
         </p:nvSpPr>
         <p:spPr/>
@@ -5158,12 +5305,18 @@
       </p:sp>
       <p:sp>
         <p:nvSpPr>
-          <p:cNvPr id="5" name="Номер слайда 4"/>
+          <p:cNvPr id="4" name="Footer Placeholder 3">
+            <a:extLst>
+              <a:ext uri="{FF2B5EF4-FFF2-40B4-BE49-F238E27FC236}">
+                <a16:creationId xmlns:a16="http://schemas.microsoft.com/office/drawing/2014/main" id="{15200E4D-393D-4269-AF9C-396BE23CC9C5}"/>
+              </a:ext>
+            </a:extLst>
+          </p:cNvPr>
           <p:cNvSpPr>
             <a:spLocks noGrp="1"/>
           </p:cNvSpPr>
           <p:nvPr>
-            <p:ph type="sldNum" sz="quarter" idx="12"/>
+            <p:ph type="ftr" sz="quarter" idx="11"/>
           </p:nvPr>
         </p:nvSpPr>
         <p:spPr/>
@@ -5171,7 +5324,32 @@
           <a:bodyPr/>
           <a:lstStyle/>
           <a:p>
-            <a:fld id="{2B3D2F87-D41B-4BD3-A9CF-6DC3A84C363C}" type="slidenum">
+            <a:endParaRPr lang="ru-RU"/>
+          </a:p>
+        </p:txBody>
+      </p:sp>
+      <p:sp>
+        <p:nvSpPr>
+          <p:cNvPr id="5" name="Slide Number Placeholder 4">
+            <a:extLst>
+              <a:ext uri="{FF2B5EF4-FFF2-40B4-BE49-F238E27FC236}">
+                <a16:creationId xmlns:a16="http://schemas.microsoft.com/office/drawing/2014/main" id="{E612F503-D35E-4F77-8BA2-C96C3D9E6BB8}"/>
+              </a:ext>
+            </a:extLst>
+          </p:cNvPr>
+          <p:cNvSpPr>
+            <a:spLocks noGrp="1"/>
+          </p:cNvSpPr>
+          <p:nvPr>
+            <p:ph type="sldNum" sz="quarter" idx="12"/>
+          </p:nvPr>
+        </p:nvSpPr>
+        <p:spPr/>
+        <p:txBody>
+          <a:bodyPr/>
+          <a:lstStyle/>
+          <a:p>
+            <a:fld id="{525F8955-9F71-4E77-B108-B5F82C6F0AFB}" type="slidenum">
               <a:rPr lang="ru-RU" smtClean="0"/>
               <a:pPr/>
               <a:t>‹#›</a:t>
@@ -5181,6 +5359,11 @@
         </p:txBody>
       </p:sp>
     </p:spTree>
+    <p:extLst>
+      <p:ext uri="{BB962C8B-B14F-4D97-AF65-F5344CB8AC3E}">
+        <p14:creationId xmlns:p14="http://schemas.microsoft.com/office/powerpoint/2010/main" val="2007021435"/>
+      </p:ext>
+    </p:extLst>
   </p:cSld>
   <p:clrMapOvr>
     <a:masterClrMapping/>
@@ -5190,7 +5373,7 @@
 
 <file path=ppt/slideLayouts/slideLayout7.xml><?xml version="1.0" encoding="utf-8"?>
 <p:sldLayout xmlns:a="http://schemas.openxmlformats.org/drawingml/2006/main" xmlns:r="http://schemas.openxmlformats.org/officeDocument/2006/relationships" xmlns:p="http://schemas.openxmlformats.org/presentationml/2006/main" type="blank" preserve="1">
-  <p:cSld name="Пустой слайд">
+  <p:cSld name="Blank">
     <p:spTree>
       <p:nvGrpSpPr>
         <p:cNvPr id="1" name=""/>
@@ -5207,7 +5390,13 @@
       </p:grpSpPr>
       <p:sp>
         <p:nvSpPr>
-          <p:cNvPr id="2" name="Дата 1"/>
+          <p:cNvPr id="2" name="Date Placeholder 1">
+            <a:extLst>
+              <a:ext uri="{FF2B5EF4-FFF2-40B4-BE49-F238E27FC236}">
+                <a16:creationId xmlns:a16="http://schemas.microsoft.com/office/drawing/2014/main" id="{AA43F4B1-84FB-4C6E-A070-020A94FC9AE6}"/>
+              </a:ext>
+            </a:extLst>
+          </p:cNvPr>
           <p:cNvSpPr>
             <a:spLocks noGrp="1"/>
           </p:cNvSpPr>
@@ -5226,7 +5415,13 @@
       </p:sp>
       <p:sp>
         <p:nvSpPr>
-          <p:cNvPr id="3" name="Нижний колонтитул 2"/>
+          <p:cNvPr id="3" name="Footer Placeholder 2">
+            <a:extLst>
+              <a:ext uri="{FF2B5EF4-FFF2-40B4-BE49-F238E27FC236}">
+                <a16:creationId xmlns:a16="http://schemas.microsoft.com/office/drawing/2014/main" id="{F309479D-2BD5-4315-B6EC-DB87C1F04DFC}"/>
+              </a:ext>
+            </a:extLst>
+          </p:cNvPr>
           <p:cNvSpPr>
             <a:spLocks noGrp="1"/>
           </p:cNvSpPr>
@@ -5245,7 +5440,13 @@
       </p:sp>
       <p:sp>
         <p:nvSpPr>
-          <p:cNvPr id="4" name="Номер слайда 3"/>
+          <p:cNvPr id="4" name="Slide Number Placeholder 3">
+            <a:extLst>
+              <a:ext uri="{FF2B5EF4-FFF2-40B4-BE49-F238E27FC236}">
+                <a16:creationId xmlns:a16="http://schemas.microsoft.com/office/drawing/2014/main" id="{B15DE799-302B-40F8-BD85-F547F3DB9939}"/>
+              </a:ext>
+            </a:extLst>
+          </p:cNvPr>
           <p:cNvSpPr>
             <a:spLocks noGrp="1"/>
           </p:cNvSpPr>
@@ -5258,7 +5459,7 @@
           <a:bodyPr/>
           <a:lstStyle/>
           <a:p>
-            <a:fld id="{BD1545EE-D6FD-4AE1-ADAC-13985514DC51}" type="slidenum">
+            <a:fld id="{525F8955-9F71-4E77-B108-B5F82C6F0AFB}" type="slidenum">
               <a:rPr lang="ru-RU" smtClean="0"/>
               <a:pPr/>
               <a:t>‹#›</a:t>
@@ -5268,6 +5469,11 @@
         </p:txBody>
       </p:sp>
     </p:spTree>
+    <p:extLst>
+      <p:ext uri="{BB962C8B-B14F-4D97-AF65-F5344CB8AC3E}">
+        <p14:creationId xmlns:p14="http://schemas.microsoft.com/office/powerpoint/2010/main" val="78819501"/>
+      </p:ext>
+    </p:extLst>
   </p:cSld>
   <p:clrMapOvr>
     <a:masterClrMapping/>
@@ -5277,7 +5483,7 @@
 
 <file path=ppt/slideLayouts/slideLayout8.xml><?xml version="1.0" encoding="utf-8"?>
 <p:sldLayout xmlns:a="http://schemas.openxmlformats.org/drawingml/2006/main" xmlns:r="http://schemas.openxmlformats.org/officeDocument/2006/relationships" xmlns:p="http://schemas.openxmlformats.org/presentationml/2006/main" type="objTx" preserve="1">
-  <p:cSld name="Объект с подписью">
+  <p:cSld name="Content with Caption">
     <p:spTree>
       <p:nvGrpSpPr>
         <p:cNvPr id="1" name=""/>
@@ -5294,7 +5500,13 @@
       </p:grpSpPr>
       <p:sp>
         <p:nvSpPr>
-          <p:cNvPr id="2" name="Заголовок 1"/>
+          <p:cNvPr id="2" name="Title 1">
+            <a:extLst>
+              <a:ext uri="{FF2B5EF4-FFF2-40B4-BE49-F238E27FC236}">
+                <a16:creationId xmlns:a16="http://schemas.microsoft.com/office/drawing/2014/main" id="{2A7688E9-61FD-47E6-AA7E-637200EA6997}"/>
+              </a:ext>
+            </a:extLst>
+          </p:cNvPr>
           <p:cNvSpPr>
             <a:spLocks noGrp="1"/>
           </p:cNvSpPr>
@@ -5304,116 +5516,56 @@
         </p:nvSpPr>
         <p:spPr>
           <a:xfrm>
-            <a:off x="685800" y="514352"/>
-            <a:ext cx="2743200" cy="1162050"/>
+            <a:off x="839788" y="457200"/>
+            <a:ext cx="3932237" cy="1600200"/>
           </a:xfrm>
         </p:spPr>
         <p:txBody>
-          <a:bodyPr lIns="0" anchor="b">
-            <a:noAutofit/>
-          </a:bodyPr>
+          <a:bodyPr anchor="b"/>
           <a:lstStyle>
-            <a:lvl1pPr algn="l" rtl="0">
-              <a:spcBef>
-                <a:spcPct val="0"/>
-              </a:spcBef>
-              <a:buNone/>
-              <a:defRPr sz="2600" b="0">
-                <a:ln>
-                  <a:noFill/>
-                </a:ln>
-                <a:solidFill>
-                  <a:schemeClr val="tx2"/>
-                </a:solidFill>
-                <a:effectLst/>
-                <a:latin typeface="+mj-lt"/>
-                <a:ea typeface="+mj-ea"/>
-                <a:cs typeface="+mj-cs"/>
-              </a:defRPr>
+            <a:lvl1pPr>
+              <a:defRPr sz="3200"/>
             </a:lvl1pPr>
           </a:lstStyle>
           <a:p>
             <a:r>
-              <a:rPr kumimoji="0" lang="ru-RU"/>
-              <a:t>Образец заголовка</a:t>
-            </a:r>
-            <a:endParaRPr kumimoji="0" lang="en-US"/>
+              <a:rPr lang="en-US"/>
+              <a:t>Click to edit Master title style</a:t>
+            </a:r>
+            <a:endParaRPr lang="ru-RU"/>
           </a:p>
         </p:txBody>
       </p:sp>
       <p:sp>
         <p:nvSpPr>
-          <p:cNvPr id="3" name="Текст 2"/>
+          <p:cNvPr id="3" name="Content Placeholder 2">
+            <a:extLst>
+              <a:ext uri="{FF2B5EF4-FFF2-40B4-BE49-F238E27FC236}">
+                <a16:creationId xmlns:a16="http://schemas.microsoft.com/office/drawing/2014/main" id="{B536E1CD-E8A7-47C4-98E6-D683EA4B501B}"/>
+              </a:ext>
+            </a:extLst>
+          </p:cNvPr>
           <p:cNvSpPr>
             <a:spLocks noGrp="1"/>
           </p:cNvSpPr>
           <p:nvPr>
-            <p:ph type="body" idx="2"/>
+            <p:ph idx="1"/>
           </p:nvPr>
         </p:nvSpPr>
         <p:spPr>
           <a:xfrm>
-            <a:off x="685800" y="1676400"/>
-            <a:ext cx="2743200" cy="4572000"/>
+            <a:off x="5183188" y="987425"/>
+            <a:ext cx="6172200" cy="4873625"/>
           </a:xfrm>
         </p:spPr>
         <p:txBody>
-          <a:bodyPr lIns="18288" rIns="18288"/>
-          <a:lstStyle>
-            <a:lvl1pPr marL="0" indent="0" algn="l">
-              <a:buNone/>
-              <a:defRPr sz="1400"/>
-            </a:lvl1pPr>
-            <a:lvl2pPr indent="0" algn="l">
-              <a:buNone/>
-              <a:defRPr sz="1200"/>
-            </a:lvl2pPr>
-            <a:lvl3pPr indent="0" algn="l">
-              <a:buNone/>
-              <a:defRPr sz="1000"/>
-            </a:lvl3pPr>
-            <a:lvl4pPr indent="0" algn="l">
-              <a:buNone/>
-              <a:defRPr sz="900"/>
-            </a:lvl4pPr>
-            <a:lvl5pPr indent="0" algn="l">
-              <a:buNone/>
-              <a:defRPr sz="900"/>
-            </a:lvl5pPr>
-          </a:lstStyle>
-          <a:p>
-            <a:pPr lvl="0" eaLnBrk="1" latinLnBrk="0" hangingPunct="1"/>
-            <a:r>
-              <a:rPr kumimoji="0" lang="ru-RU"/>
-              <a:t>Образец текста</a:t>
-            </a:r>
-          </a:p>
-        </p:txBody>
-      </p:sp>
-      <p:sp>
-        <p:nvSpPr>
-          <p:cNvPr id="4" name="Содержимое 3"/>
-          <p:cNvSpPr>
-            <a:spLocks noGrp="1"/>
-          </p:cNvSpPr>
-          <p:nvPr>
-            <p:ph sz="half" idx="1"/>
-          </p:nvPr>
-        </p:nvSpPr>
-        <p:spPr>
-          <a:xfrm>
-            <a:off x="3575050" y="1676400"/>
-            <a:ext cx="5111750" cy="4572000"/>
-          </a:xfrm>
-        </p:spPr>
-        <p:txBody>
-          <a:bodyPr tIns="0"/>
+          <a:bodyPr/>
           <a:lstStyle>
             <a:lvl1pPr>
-              <a:defRPr sz="2800"/>
+              <a:defRPr sz="3200"/>
             </a:lvl1pPr>
             <a:lvl2pPr>
-              <a:defRPr sz="2600"/>
+              <a:defRPr sz="2800"/>
             </a:lvl2pPr>
             <a:lvl3pPr>
               <a:defRPr sz="2400"/>
@@ -5422,50 +5574,139 @@
               <a:defRPr sz="2000"/>
             </a:lvl4pPr>
             <a:lvl5pPr>
-              <a:defRPr sz="1800"/>
+              <a:defRPr sz="2000"/>
             </a:lvl5pPr>
+            <a:lvl6pPr>
+              <a:defRPr sz="2000"/>
+            </a:lvl6pPr>
+            <a:lvl7pPr>
+              <a:defRPr sz="2000"/>
+            </a:lvl7pPr>
+            <a:lvl8pPr>
+              <a:defRPr sz="2000"/>
+            </a:lvl8pPr>
+            <a:lvl9pPr>
+              <a:defRPr sz="2000"/>
+            </a:lvl9pPr>
           </a:lstStyle>
           <a:p>
-            <a:pPr lvl="0" eaLnBrk="1" latinLnBrk="0" hangingPunct="1"/>
-            <a:r>
-              <a:rPr lang="ru-RU"/>
-              <a:t>Образец текста</a:t>
-            </a:r>
-          </a:p>
-          <a:p>
-            <a:pPr lvl="1" eaLnBrk="1" latinLnBrk="0" hangingPunct="1"/>
-            <a:r>
-              <a:rPr lang="ru-RU"/>
-              <a:t>Второй уровень</a:t>
-            </a:r>
-          </a:p>
-          <a:p>
-            <a:pPr lvl="2" eaLnBrk="1" latinLnBrk="0" hangingPunct="1"/>
-            <a:r>
-              <a:rPr lang="ru-RU"/>
-              <a:t>Третий уровень</a:t>
-            </a:r>
-          </a:p>
-          <a:p>
-            <a:pPr lvl="3" eaLnBrk="1" latinLnBrk="0" hangingPunct="1"/>
-            <a:r>
-              <a:rPr lang="ru-RU"/>
-              <a:t>Четвертый уровень</a:t>
-            </a:r>
-          </a:p>
-          <a:p>
-            <a:pPr lvl="4" eaLnBrk="1" latinLnBrk="0" hangingPunct="1"/>
-            <a:r>
-              <a:rPr lang="ru-RU"/>
-              <a:t>Пятый уровень</a:t>
-            </a:r>
-            <a:endParaRPr kumimoji="0" lang="en-US"/>
+            <a:pPr lvl="0"/>
+            <a:r>
+              <a:rPr lang="en-US"/>
+              <a:t>Edit Master text styles</a:t>
+            </a:r>
+          </a:p>
+          <a:p>
+            <a:pPr lvl="1"/>
+            <a:r>
+              <a:rPr lang="en-US"/>
+              <a:t>Second level</a:t>
+            </a:r>
+          </a:p>
+          <a:p>
+            <a:pPr lvl="2"/>
+            <a:r>
+              <a:rPr lang="en-US"/>
+              <a:t>Third level</a:t>
+            </a:r>
+          </a:p>
+          <a:p>
+            <a:pPr lvl="3"/>
+            <a:r>
+              <a:rPr lang="en-US"/>
+              <a:t>Fourth level</a:t>
+            </a:r>
+          </a:p>
+          <a:p>
+            <a:pPr lvl="4"/>
+            <a:r>
+              <a:rPr lang="en-US"/>
+              <a:t>Fifth level</a:t>
+            </a:r>
+            <a:endParaRPr lang="ru-RU"/>
           </a:p>
         </p:txBody>
       </p:sp>
       <p:sp>
         <p:nvSpPr>
-          <p:cNvPr id="5" name="Дата 4"/>
+          <p:cNvPr id="4" name="Text Placeholder 3">
+            <a:extLst>
+              <a:ext uri="{FF2B5EF4-FFF2-40B4-BE49-F238E27FC236}">
+                <a16:creationId xmlns:a16="http://schemas.microsoft.com/office/drawing/2014/main" id="{4059A90C-8888-4AAB-8411-DB13B6D8A361}"/>
+              </a:ext>
+            </a:extLst>
+          </p:cNvPr>
+          <p:cNvSpPr>
+            <a:spLocks noGrp="1"/>
+          </p:cNvSpPr>
+          <p:nvPr>
+            <p:ph type="body" sz="half" idx="2"/>
+          </p:nvPr>
+        </p:nvSpPr>
+        <p:spPr>
+          <a:xfrm>
+            <a:off x="839788" y="2057400"/>
+            <a:ext cx="3932237" cy="3811588"/>
+          </a:xfrm>
+        </p:spPr>
+        <p:txBody>
+          <a:bodyPr/>
+          <a:lstStyle>
+            <a:lvl1pPr marL="0" indent="0">
+              <a:buNone/>
+              <a:defRPr sz="1600"/>
+            </a:lvl1pPr>
+            <a:lvl2pPr marL="457200" indent="0">
+              <a:buNone/>
+              <a:defRPr sz="1400"/>
+            </a:lvl2pPr>
+            <a:lvl3pPr marL="914400" indent="0">
+              <a:buNone/>
+              <a:defRPr sz="1200"/>
+            </a:lvl3pPr>
+            <a:lvl4pPr marL="1371600" indent="0">
+              <a:buNone/>
+              <a:defRPr sz="1000"/>
+            </a:lvl4pPr>
+            <a:lvl5pPr marL="1828800" indent="0">
+              <a:buNone/>
+              <a:defRPr sz="1000"/>
+            </a:lvl5pPr>
+            <a:lvl6pPr marL="2286000" indent="0">
+              <a:buNone/>
+              <a:defRPr sz="1000"/>
+            </a:lvl6pPr>
+            <a:lvl7pPr marL="2743200" indent="0">
+              <a:buNone/>
+              <a:defRPr sz="1000"/>
+            </a:lvl7pPr>
+            <a:lvl8pPr marL="3200400" indent="0">
+              <a:buNone/>
+              <a:defRPr sz="1000"/>
+            </a:lvl8pPr>
+            <a:lvl9pPr marL="3657600" indent="0">
+              <a:buNone/>
+              <a:defRPr sz="1000"/>
+            </a:lvl9pPr>
+          </a:lstStyle>
+          <a:p>
+            <a:pPr lvl="0"/>
+            <a:r>
+              <a:rPr lang="en-US"/>
+              <a:t>Edit Master text styles</a:t>
+            </a:r>
+          </a:p>
+        </p:txBody>
+      </p:sp>
+      <p:sp>
+        <p:nvSpPr>
+          <p:cNvPr id="5" name="Date Placeholder 4">
+            <a:extLst>
+              <a:ext uri="{FF2B5EF4-FFF2-40B4-BE49-F238E27FC236}">
+                <a16:creationId xmlns:a16="http://schemas.microsoft.com/office/drawing/2014/main" id="{B504C21B-3D5A-4AE1-934E-0D72EA42D938}"/>
+              </a:ext>
+            </a:extLst>
+          </p:cNvPr>
           <p:cNvSpPr>
             <a:spLocks noGrp="1"/>
           </p:cNvSpPr>
@@ -5484,7 +5725,13 @@
       </p:sp>
       <p:sp>
         <p:nvSpPr>
-          <p:cNvPr id="6" name="Нижний колонтитул 5"/>
+          <p:cNvPr id="6" name="Footer Placeholder 5">
+            <a:extLst>
+              <a:ext uri="{FF2B5EF4-FFF2-40B4-BE49-F238E27FC236}">
+                <a16:creationId xmlns:a16="http://schemas.microsoft.com/office/drawing/2014/main" id="{CEC67982-D057-481B-BB94-81BCC7A0140B}"/>
+              </a:ext>
+            </a:extLst>
+          </p:cNvPr>
           <p:cNvSpPr>
             <a:spLocks noGrp="1"/>
           </p:cNvSpPr>
@@ -5503,7 +5750,13 @@
       </p:sp>
       <p:sp>
         <p:nvSpPr>
-          <p:cNvPr id="7" name="Номер слайда 6"/>
+          <p:cNvPr id="7" name="Slide Number Placeholder 6">
+            <a:extLst>
+              <a:ext uri="{FF2B5EF4-FFF2-40B4-BE49-F238E27FC236}">
+                <a16:creationId xmlns:a16="http://schemas.microsoft.com/office/drawing/2014/main" id="{59C6A13E-931A-4873-903E-08EB07BB26C2}"/>
+              </a:ext>
+            </a:extLst>
+          </p:cNvPr>
           <p:cNvSpPr>
             <a:spLocks noGrp="1"/>
           </p:cNvSpPr>
@@ -5516,7 +5769,7 @@
           <a:bodyPr/>
           <a:lstStyle/>
           <a:p>
-            <a:fld id="{A1903459-1A32-48ED-9DFC-22CA4200705A}" type="slidenum">
+            <a:fld id="{525F8955-9F71-4E77-B108-B5F82C6F0AFB}" type="slidenum">
               <a:rPr lang="ru-RU" smtClean="0"/>
               <a:pPr/>
               <a:t>‹#›</a:t>
@@ -5526,6 +5779,11 @@
         </p:txBody>
       </p:sp>
     </p:spTree>
+    <p:extLst>
+      <p:ext uri="{BB962C8B-B14F-4D97-AF65-F5344CB8AC3E}">
+        <p14:creationId xmlns:p14="http://schemas.microsoft.com/office/powerpoint/2010/main" val="692574503"/>
+      </p:ext>
+    </p:extLst>
   </p:cSld>
   <p:clrMapOvr>
     <a:masterClrMapping/>
@@ -5534,8 +5792,8 @@
 </file>
 
 <file path=ppt/slideLayouts/slideLayout9.xml><?xml version="1.0" encoding="utf-8"?>
-<p:sldLayout xmlns:a="http://schemas.openxmlformats.org/drawingml/2006/main" xmlns:r="http://schemas.openxmlformats.org/officeDocument/2006/relationships" xmlns:p="http://schemas.openxmlformats.org/presentationml/2006/main" showMasterSp="0" type="picTx" preserve="1">
-  <p:cSld name="Рисунок с подписью">
+<p:sldLayout xmlns:a="http://schemas.openxmlformats.org/drawingml/2006/main" xmlns:r="http://schemas.openxmlformats.org/officeDocument/2006/relationships" xmlns:p="http://schemas.openxmlformats.org/presentationml/2006/main" type="picTx" preserve="1">
+  <p:cSld name="Picture with Caption">
     <p:spTree>
       <p:nvGrpSpPr>
         <p:cNvPr id="1" name=""/>
@@ -5552,119 +5810,13 @@
       </p:grpSpPr>
       <p:sp>
         <p:nvSpPr>
-          <p:cNvPr id="9" name="Прямоугольник с одним вырезанным скругленным углом 8"/>
-          <p:cNvSpPr/>
-          <p:nvPr/>
-        </p:nvSpPr>
-        <p:spPr>
-          <a:xfrm rot="420000" flipV="1">
-            <a:off x="3165753" y="1108077"/>
-            <a:ext cx="5257800" cy="4114800"/>
-          </a:xfrm>
-          <a:prstGeom prst="snipRoundRect">
-            <a:avLst>
-              <a:gd name="adj1" fmla="val 0"/>
-              <a:gd name="adj2" fmla="val 3646"/>
-            </a:avLst>
-          </a:prstGeom>
-          <a:solidFill>
-            <a:srgbClr val="FFFFFF"/>
-          </a:solidFill>
-          <a:ln w="3175" cap="rnd" cmpd="sng" algn="ctr">
-            <a:solidFill>
-              <a:srgbClr val="C0C0C0"/>
-            </a:solidFill>
-            <a:prstDash val="solid"/>
-          </a:ln>
-          <a:effectLst>
-            <a:outerShdw blurRad="63500" dist="38500" dir="7500000" sx="98500" sy="100080" kx="100000" algn="tl" rotWithShape="0">
-              <a:srgbClr val="000000">
-                <a:alpha val="25000"/>
-              </a:srgbClr>
-            </a:outerShdw>
-          </a:effectLst>
-        </p:spPr>
-        <p:style>
-          <a:lnRef idx="2">
-            <a:schemeClr val="accent1"/>
-          </a:lnRef>
-          <a:fillRef idx="1">
-            <a:schemeClr val="accent1"/>
-          </a:fillRef>
-          <a:effectRef idx="0">
-            <a:schemeClr val="accent1"/>
-          </a:effectRef>
-          <a:fontRef idx="minor">
-            <a:schemeClr val="lt1"/>
-          </a:fontRef>
-        </p:style>
-        <p:txBody>
-          <a:bodyPr rtlCol="0" anchor="ctr"/>
-          <a:lstStyle/>
-          <a:p>
-            <a:pPr algn="ctr" eaLnBrk="1" latinLnBrk="0" hangingPunct="1"/>
-            <a:endParaRPr kumimoji="0" lang="en-US"/>
-          </a:p>
-        </p:txBody>
-      </p:sp>
-      <p:sp>
-        <p:nvSpPr>
-          <p:cNvPr id="12" name="Прямоугольный треугольник 11"/>
-          <p:cNvSpPr/>
-          <p:nvPr/>
-        </p:nvSpPr>
-        <p:spPr>
-          <a:xfrm rot="420000" flipV="1">
-            <a:off x="8004134" y="5359769"/>
-            <a:ext cx="155448" cy="155448"/>
-          </a:xfrm>
-          <a:prstGeom prst="rtTriangle">
-            <a:avLst/>
-          </a:prstGeom>
-          <a:solidFill>
-            <a:srgbClr val="FFFFFF"/>
-          </a:solidFill>
-          <a:ln w="12700" cap="flat" cmpd="sng" algn="ctr">
-            <a:solidFill>
-              <a:srgbClr val="FFFFFF"/>
-            </a:solidFill>
-            <a:prstDash val="solid"/>
-            <a:bevel/>
-          </a:ln>
-          <a:effectLst>
-            <a:outerShdw blurRad="19685" dist="6350" dir="12900000" algn="tl" rotWithShape="0">
-              <a:srgbClr val="000000">
-                <a:alpha val="47000"/>
-              </a:srgbClr>
-            </a:outerShdw>
-          </a:effectLst>
-        </p:spPr>
-        <p:style>
-          <a:lnRef idx="2">
-            <a:schemeClr val="accent1"/>
-          </a:lnRef>
-          <a:fillRef idx="1">
-            <a:schemeClr val="accent1"/>
-          </a:fillRef>
-          <a:effectRef idx="0">
-            <a:schemeClr val="accent1"/>
-          </a:effectRef>
-          <a:fontRef idx="minor">
-            <a:schemeClr val="lt1"/>
-          </a:fontRef>
-        </p:style>
-        <p:txBody>
-          <a:bodyPr rtlCol="0" anchor="ctr"/>
-          <a:lstStyle/>
-          <a:p>
-            <a:pPr algn="ctr" eaLnBrk="1" latinLnBrk="0" hangingPunct="1"/>
-            <a:endParaRPr kumimoji="0" lang="en-US"/>
-          </a:p>
-        </p:txBody>
-      </p:sp>
-      <p:sp>
-        <p:nvSpPr>
-          <p:cNvPr id="2" name="Заголовок 1"/>
+          <p:cNvPr id="2" name="Title 1">
+            <a:extLst>
+              <a:ext uri="{FF2B5EF4-FFF2-40B4-BE49-F238E27FC236}">
+                <a16:creationId xmlns:a16="http://schemas.microsoft.com/office/drawing/2014/main" id="{6A7C52F0-8146-4EC4-806E-FB4EF3139D6D}"/>
+              </a:ext>
+            </a:extLst>
+          </p:cNvPr>
           <p:cNvSpPr>
             <a:spLocks noGrp="1"/>
           </p:cNvSpPr>
@@ -5674,175 +5826,47 @@
         </p:nvSpPr>
         <p:spPr>
           <a:xfrm>
-            <a:off x="609600" y="1176996"/>
-            <a:ext cx="2212848" cy="1582621"/>
+            <a:off x="839788" y="457200"/>
+            <a:ext cx="3932237" cy="1600200"/>
           </a:xfrm>
         </p:spPr>
         <p:txBody>
-          <a:bodyPr vert="horz" lIns="45720" tIns="45720" rIns="45720" bIns="45720" anchor="b"/>
+          <a:bodyPr anchor="b"/>
           <a:lstStyle>
-            <a:lvl1pPr algn="l">
-              <a:buNone/>
-              <a:defRPr sz="2000" b="1">
-                <a:solidFill>
-                  <a:schemeClr val="tx2"/>
-                </a:solidFill>
-              </a:defRPr>
+            <a:lvl1pPr>
+              <a:defRPr sz="3200"/>
             </a:lvl1pPr>
           </a:lstStyle>
           <a:p>
             <a:r>
-              <a:rPr kumimoji="0" lang="ru-RU"/>
-              <a:t>Образец заголовка</a:t>
-            </a:r>
-            <a:endParaRPr kumimoji="0" lang="en-US"/>
+              <a:rPr lang="en-US"/>
+              <a:t>Click to edit Master title style</a:t>
+            </a:r>
+            <a:endParaRPr lang="ru-RU"/>
           </a:p>
         </p:txBody>
       </p:sp>
       <p:sp>
         <p:nvSpPr>
-          <p:cNvPr id="4" name="Текст 3"/>
+          <p:cNvPr id="3" name="Picture Placeholder 2">
+            <a:extLst>
+              <a:ext uri="{FF2B5EF4-FFF2-40B4-BE49-F238E27FC236}">
+                <a16:creationId xmlns:a16="http://schemas.microsoft.com/office/drawing/2014/main" id="{AAB6A9BF-6CD4-4DFC-B7F2-5BD17C2BD120}"/>
+              </a:ext>
+            </a:extLst>
+          </p:cNvPr>
           <p:cNvSpPr>
             <a:spLocks noGrp="1"/>
           </p:cNvSpPr>
           <p:nvPr>
-            <p:ph type="body" sz="half" idx="2"/>
+            <p:ph type="pic" idx="1"/>
           </p:nvPr>
         </p:nvSpPr>
         <p:spPr>
           <a:xfrm>
-            <a:off x="609600" y="2828785"/>
-            <a:ext cx="2209800" cy="2179320"/>
+            <a:off x="5183188" y="987425"/>
+            <a:ext cx="6172200" cy="4873625"/>
           </a:xfrm>
-        </p:spPr>
-        <p:txBody>
-          <a:bodyPr lIns="64008" rIns="45720" bIns="45720" anchor="t"/>
-          <a:lstStyle>
-            <a:lvl1pPr marL="0" indent="0" algn="l">
-              <a:spcBef>
-                <a:spcPts val="250"/>
-              </a:spcBef>
-              <a:buFontTx/>
-              <a:buNone/>
-              <a:defRPr sz="1300"/>
-            </a:lvl1pPr>
-            <a:lvl2pPr>
-              <a:defRPr sz="1200"/>
-            </a:lvl2pPr>
-            <a:lvl3pPr>
-              <a:defRPr sz="1000"/>
-            </a:lvl3pPr>
-            <a:lvl4pPr>
-              <a:defRPr sz="900"/>
-            </a:lvl4pPr>
-            <a:lvl5pPr>
-              <a:defRPr sz="900"/>
-            </a:lvl5pPr>
-          </a:lstStyle>
-          <a:p>
-            <a:pPr lvl="0" eaLnBrk="1" latinLnBrk="0" hangingPunct="1"/>
-            <a:r>
-              <a:rPr kumimoji="0" lang="ru-RU"/>
-              <a:t>Образец текста</a:t>
-            </a:r>
-          </a:p>
-        </p:txBody>
-      </p:sp>
-      <p:sp>
-        <p:nvSpPr>
-          <p:cNvPr id="5" name="Дата 4"/>
-          <p:cNvSpPr>
-            <a:spLocks noGrp="1"/>
-          </p:cNvSpPr>
-          <p:nvPr>
-            <p:ph type="dt" sz="half" idx="10"/>
-          </p:nvPr>
-        </p:nvSpPr>
-        <p:spPr/>
-        <p:txBody>
-          <a:bodyPr/>
-          <a:lstStyle/>
-          <a:p>
-            <a:endParaRPr lang="ru-RU"/>
-          </a:p>
-        </p:txBody>
-      </p:sp>
-      <p:sp>
-        <p:nvSpPr>
-          <p:cNvPr id="6" name="Нижний колонтитул 5"/>
-          <p:cNvSpPr>
-            <a:spLocks noGrp="1"/>
-          </p:cNvSpPr>
-          <p:nvPr>
-            <p:ph type="ftr" sz="quarter" idx="11"/>
-          </p:nvPr>
-        </p:nvSpPr>
-        <p:spPr/>
-        <p:txBody>
-          <a:bodyPr/>
-          <a:lstStyle/>
-          <a:p>
-            <a:endParaRPr lang="ru-RU"/>
-          </a:p>
-        </p:txBody>
-      </p:sp>
-      <p:sp>
-        <p:nvSpPr>
-          <p:cNvPr id="7" name="Номер слайда 6"/>
-          <p:cNvSpPr>
-            <a:spLocks noGrp="1"/>
-          </p:cNvSpPr>
-          <p:nvPr>
-            <p:ph type="sldNum" sz="quarter" idx="12"/>
-          </p:nvPr>
-        </p:nvSpPr>
-        <p:spPr>
-          <a:xfrm>
-            <a:off x="8077200" y="6356350"/>
-            <a:ext cx="609600" cy="365125"/>
-          </a:xfrm>
-        </p:spPr>
-        <p:txBody>
-          <a:bodyPr/>
-          <a:lstStyle/>
-          <a:p>
-            <a:fld id="{26DB5DC3-35A5-443F-BCF3-95E17626DF1B}" type="slidenum">
-              <a:rPr lang="ru-RU" smtClean="0"/>
-              <a:pPr/>
-              <a:t>‹#›</a:t>
-            </a:fld>
-            <a:endParaRPr lang="ru-RU"/>
-          </a:p>
-        </p:txBody>
-      </p:sp>
-      <p:sp>
-        <p:nvSpPr>
-          <p:cNvPr id="3" name="Рисунок 2"/>
-          <p:cNvSpPr>
-            <a:spLocks noGrp="1"/>
-          </p:cNvSpPr>
-          <p:nvPr>
-            <p:ph type="pic" idx="1"/>
-          </p:nvPr>
-        </p:nvSpPr>
-        <p:spPr>
-          <a:xfrm rot="420000">
-            <a:off x="3485793" y="1199517"/>
-            <a:ext cx="4617720" cy="3931920"/>
-          </a:xfrm>
-          <a:prstGeom prst="rect">
-            <a:avLst/>
-          </a:prstGeom>
-          <a:solidFill>
-            <a:schemeClr val="bg2"/>
-          </a:solidFill>
-          <a:ln w="3000" cap="rnd">
-            <a:solidFill>
-              <a:srgbClr val="C0C0C0"/>
-            </a:solidFill>
-            <a:round/>
-          </a:ln>
-          <a:effectLst/>
         </p:spPr>
         <p:txBody>
           <a:bodyPr/>
@@ -5851,273 +5875,201 @@
               <a:buNone/>
               <a:defRPr sz="3200"/>
             </a:lvl1pPr>
+            <a:lvl2pPr marL="457200" indent="0">
+              <a:buNone/>
+              <a:defRPr sz="2800"/>
+            </a:lvl2pPr>
+            <a:lvl3pPr marL="914400" indent="0">
+              <a:buNone/>
+              <a:defRPr sz="2400"/>
+            </a:lvl3pPr>
+            <a:lvl4pPr marL="1371600" indent="0">
+              <a:buNone/>
+              <a:defRPr sz="2000"/>
+            </a:lvl4pPr>
+            <a:lvl5pPr marL="1828800" indent="0">
+              <a:buNone/>
+              <a:defRPr sz="2000"/>
+            </a:lvl5pPr>
+            <a:lvl6pPr marL="2286000" indent="0">
+              <a:buNone/>
+              <a:defRPr sz="2000"/>
+            </a:lvl6pPr>
+            <a:lvl7pPr marL="2743200" indent="0">
+              <a:buNone/>
+              <a:defRPr sz="2000"/>
+            </a:lvl7pPr>
+            <a:lvl8pPr marL="3200400" indent="0">
+              <a:buNone/>
+              <a:defRPr sz="2000"/>
+            </a:lvl8pPr>
+            <a:lvl9pPr marL="3657600" indent="0">
+              <a:buNone/>
+              <a:defRPr sz="2000"/>
+            </a:lvl9pPr>
           </a:lstStyle>
           <a:p>
-            <a:r>
-              <a:rPr kumimoji="0" lang="ru-RU"/>
-              <a:t>Вставка рисунка</a:t>
-            </a:r>
-            <a:endParaRPr kumimoji="0" lang="en-US" dirty="0"/>
+            <a:endParaRPr lang="ru-RU"/>
           </a:p>
         </p:txBody>
       </p:sp>
       <p:sp>
         <p:nvSpPr>
-          <p:cNvPr id="10" name="Полилиния 9"/>
-          <p:cNvSpPr>
-            <a:spLocks/>
-          </p:cNvSpPr>
-          <p:nvPr/>
-        </p:nvSpPr>
-        <p:spPr bwMode="auto">
-          <a:xfrm flipV="1">
-            <a:off x="-9525" y="5816600"/>
-            <a:ext cx="9163050" cy="1041400"/>
+          <p:cNvPr id="4" name="Text Placeholder 3">
+            <a:extLst>
+              <a:ext uri="{FF2B5EF4-FFF2-40B4-BE49-F238E27FC236}">
+                <a16:creationId xmlns:a16="http://schemas.microsoft.com/office/drawing/2014/main" id="{447ACF84-E4E5-439D-928B-6D1419548EF4}"/>
+              </a:ext>
+            </a:extLst>
+          </p:cNvPr>
+          <p:cNvSpPr>
+            <a:spLocks noGrp="1"/>
+          </p:cNvSpPr>
+          <p:nvPr>
+            <p:ph type="body" sz="half" idx="2"/>
+          </p:nvPr>
+        </p:nvSpPr>
+        <p:spPr>
+          <a:xfrm>
+            <a:off x="839788" y="2057400"/>
+            <a:ext cx="3932237" cy="3811588"/>
           </a:xfrm>
-          <a:custGeom>
-            <a:avLst>
-              <a:gd name="A1" fmla="val 0"/>
-              <a:gd name="A2" fmla="val 0"/>
-              <a:gd name="A3" fmla="val 0"/>
-              <a:gd name="A4" fmla="val 0"/>
-              <a:gd name="A5" fmla="val 0"/>
-              <a:gd name="A6" fmla="val 0"/>
-              <a:gd name="A7" fmla="val 0"/>
-              <a:gd name="A8" fmla="val 0"/>
-            </a:avLst>
-            <a:gdLst/>
-            <a:ahLst/>
-            <a:cxnLst>
-              <a:cxn ang="0">
-                <a:pos x="6" y="2"/>
-              </a:cxn>
-              <a:cxn ang="0">
-                <a:pos x="2542" y="0"/>
-              </a:cxn>
-              <a:cxn ang="0">
-                <a:pos x="4374" y="367"/>
-              </a:cxn>
-              <a:cxn ang="0">
-                <a:pos x="5766" y="55"/>
-              </a:cxn>
-              <a:cxn ang="0">
-                <a:pos x="5772" y="213"/>
-              </a:cxn>
-              <a:cxn ang="0">
-                <a:pos x="4302" y="439"/>
-              </a:cxn>
-              <a:cxn ang="0">
-                <a:pos x="1488" y="201"/>
-              </a:cxn>
-              <a:cxn ang="0">
-                <a:pos x="0" y="656"/>
-              </a:cxn>
-              <a:cxn ang="0">
-                <a:pos x="6" y="2"/>
-              </a:cxn>
-            </a:cxnLst>
-            <a:rect l="0" t="0" r="0" b="0"/>
-            <a:pathLst>
-              <a:path w="5772" h="656">
-                <a:moveTo>
-                  <a:pt x="6" y="2"/>
-                </a:moveTo>
-                <a:lnTo>
-                  <a:pt x="2542" y="0"/>
-                </a:lnTo>
-                <a:cubicBezTo>
-                  <a:pt x="2746" y="101"/>
-                  <a:pt x="3828" y="367"/>
-                  <a:pt x="4374" y="367"/>
-                </a:cubicBezTo>
-                <a:cubicBezTo>
-                  <a:pt x="4920" y="367"/>
-                  <a:pt x="5526" y="152"/>
-                  <a:pt x="5766" y="55"/>
-                </a:cubicBezTo>
-                <a:lnTo>
-                  <a:pt x="5772" y="213"/>
-                </a:lnTo>
-                <a:cubicBezTo>
-                  <a:pt x="5670" y="257"/>
-                  <a:pt x="5016" y="441"/>
-                  <a:pt x="4302" y="439"/>
-                </a:cubicBezTo>
-                <a:cubicBezTo>
-                  <a:pt x="3588" y="437"/>
-                  <a:pt x="2205" y="165"/>
-                  <a:pt x="1488" y="201"/>
-                </a:cubicBezTo>
-                <a:cubicBezTo>
-                  <a:pt x="750" y="209"/>
-                  <a:pt x="270" y="482"/>
-                  <a:pt x="0" y="656"/>
-                </a:cubicBezTo>
-                <a:lnTo>
-                  <a:pt x="6" y="2"/>
-                </a:lnTo>
-                <a:close/>
-              </a:path>
-            </a:pathLst>
-          </a:custGeom>
-          <a:gradFill>
-            <a:gsLst>
-              <a:gs pos="0">
-                <a:schemeClr val="accent2">
-                  <a:shade val="50000"/>
-                  <a:alpha val="45000"/>
-                  <a:satMod val="120000"/>
-                </a:schemeClr>
-              </a:gs>
-              <a:gs pos="100000">
-                <a:schemeClr val="accent3">
-                  <a:shade val="80000"/>
-                  <a:alpha val="55000"/>
-                  <a:satMod val="155000"/>
-                </a:schemeClr>
-              </a:gs>
-            </a:gsLst>
-            <a:lin ang="5400000" scaled="1"/>
-          </a:gradFill>
-          <a:ln w="9525" cap="flat" cmpd="sng" algn="ctr">
-            <a:noFill/>
-            <a:prstDash val="solid"/>
-            <a:round/>
-            <a:headEnd type="none" w="med" len="med"/>
-            <a:tailEnd type="none" w="med" len="med"/>
-          </a:ln>
-          <a:effectLst/>
         </p:spPr>
         <p:txBody>
-          <a:bodyPr vert="horz" wrap="square" lIns="91440" tIns="45720" rIns="91440" bIns="45720" anchor="t" compatLnSpc="1"/>
+          <a:bodyPr/>
+          <a:lstStyle>
+            <a:lvl1pPr marL="0" indent="0">
+              <a:buNone/>
+              <a:defRPr sz="1600"/>
+            </a:lvl1pPr>
+            <a:lvl2pPr marL="457200" indent="0">
+              <a:buNone/>
+              <a:defRPr sz="1400"/>
+            </a:lvl2pPr>
+            <a:lvl3pPr marL="914400" indent="0">
+              <a:buNone/>
+              <a:defRPr sz="1200"/>
+            </a:lvl3pPr>
+            <a:lvl4pPr marL="1371600" indent="0">
+              <a:buNone/>
+              <a:defRPr sz="1000"/>
+            </a:lvl4pPr>
+            <a:lvl5pPr marL="1828800" indent="0">
+              <a:buNone/>
+              <a:defRPr sz="1000"/>
+            </a:lvl5pPr>
+            <a:lvl6pPr marL="2286000" indent="0">
+              <a:buNone/>
+              <a:defRPr sz="1000"/>
+            </a:lvl6pPr>
+            <a:lvl7pPr marL="2743200" indent="0">
+              <a:buNone/>
+              <a:defRPr sz="1000"/>
+            </a:lvl7pPr>
+            <a:lvl8pPr marL="3200400" indent="0">
+              <a:buNone/>
+              <a:defRPr sz="1000"/>
+            </a:lvl8pPr>
+            <a:lvl9pPr marL="3657600" indent="0">
+              <a:buNone/>
+              <a:defRPr sz="1000"/>
+            </a:lvl9pPr>
+          </a:lstStyle>
+          <a:p>
+            <a:pPr lvl="0"/>
+            <a:r>
+              <a:rPr lang="en-US"/>
+              <a:t>Edit Master text styles</a:t>
+            </a:r>
+          </a:p>
+        </p:txBody>
+      </p:sp>
+      <p:sp>
+        <p:nvSpPr>
+          <p:cNvPr id="5" name="Date Placeholder 4">
+            <a:extLst>
+              <a:ext uri="{FF2B5EF4-FFF2-40B4-BE49-F238E27FC236}">
+                <a16:creationId xmlns:a16="http://schemas.microsoft.com/office/drawing/2014/main" id="{13761ECB-2171-4030-9101-C29C83DE09ED}"/>
+              </a:ext>
+            </a:extLst>
+          </p:cNvPr>
+          <p:cNvSpPr>
+            <a:spLocks noGrp="1"/>
+          </p:cNvSpPr>
+          <p:nvPr>
+            <p:ph type="dt" sz="half" idx="10"/>
+          </p:nvPr>
+        </p:nvSpPr>
+        <p:spPr/>
+        <p:txBody>
+          <a:bodyPr/>
           <a:lstStyle/>
           <a:p>
-            <a:pPr marL="0" algn="l" rtl="0" eaLnBrk="1" latinLnBrk="0" hangingPunct="1"/>
-            <a:endParaRPr kumimoji="0" lang="en-US">
-              <a:solidFill>
-                <a:schemeClr val="tx1"/>
-              </a:solidFill>
-              <a:latin typeface="+mn-lt"/>
-              <a:ea typeface="+mn-ea"/>
-              <a:cs typeface="+mn-cs"/>
-            </a:endParaRPr>
+            <a:endParaRPr lang="ru-RU"/>
           </a:p>
         </p:txBody>
       </p:sp>
       <p:sp>
         <p:nvSpPr>
-          <p:cNvPr id="11" name="Полилиния 10"/>
-          <p:cNvSpPr>
-            <a:spLocks/>
-          </p:cNvSpPr>
-          <p:nvPr/>
-        </p:nvSpPr>
-        <p:spPr bwMode="auto">
-          <a:xfrm flipV="1">
-            <a:off x="4381500" y="6219825"/>
-            <a:ext cx="4762500" cy="638175"/>
-          </a:xfrm>
-          <a:custGeom>
-            <a:avLst>
-              <a:gd name="A1" fmla="val 0"/>
-              <a:gd name="A2" fmla="val 0"/>
-              <a:gd name="A3" fmla="val 0"/>
-              <a:gd name="A4" fmla="val 0"/>
-              <a:gd name="A5" fmla="val 0"/>
-              <a:gd name="A6" fmla="val 0"/>
-              <a:gd name="A7" fmla="val 0"/>
-              <a:gd name="A8" fmla="val 0"/>
-            </a:avLst>
-            <a:gdLst/>
-            <a:ahLst/>
-            <a:cxnLst>
-              <a:cxn ang="0">
-                <a:pos x="0" y="0"/>
-              </a:cxn>
-              <a:cxn ang="0">
-                <a:pos x="1668" y="564"/>
-              </a:cxn>
-              <a:cxn ang="0">
-                <a:pos x="3000" y="186"/>
-              </a:cxn>
-              <a:cxn ang="0">
-                <a:pos x="3000" y="6"/>
-              </a:cxn>
-              <a:cxn ang="0">
-                <a:pos x="0" y="0"/>
-              </a:cxn>
-            </a:cxnLst>
-            <a:rect l="0" t="0" r="0" b="0"/>
-            <a:pathLst>
-              <a:path w="3000" h="595">
-                <a:moveTo>
-                  <a:pt x="0" y="0"/>
-                </a:moveTo>
-                <a:cubicBezTo>
-                  <a:pt x="174" y="102"/>
-                  <a:pt x="1168" y="533"/>
-                  <a:pt x="1668" y="564"/>
-                </a:cubicBezTo>
-                <a:cubicBezTo>
-                  <a:pt x="2168" y="595"/>
-                  <a:pt x="2778" y="279"/>
-                  <a:pt x="3000" y="186"/>
-                </a:cubicBezTo>
-                <a:lnTo>
-                  <a:pt x="3000" y="6"/>
-                </a:lnTo>
-                <a:lnTo>
-                  <a:pt x="0" y="0"/>
-                </a:lnTo>
-                <a:close/>
-              </a:path>
-            </a:pathLst>
-          </a:custGeom>
-          <a:gradFill>
-            <a:gsLst>
-              <a:gs pos="0">
-                <a:schemeClr val="accent3">
-                  <a:shade val="50000"/>
-                  <a:alpha val="30000"/>
-                  <a:satMod val="130000"/>
-                </a:schemeClr>
-              </a:gs>
-              <a:gs pos="80000">
-                <a:schemeClr val="accent2">
-                  <a:shade val="75000"/>
-                  <a:alpha val="45000"/>
-                  <a:satMod val="140000"/>
-                </a:schemeClr>
-              </a:gs>
-            </a:gsLst>
-            <a:lin ang="5400000" scaled="1"/>
-          </a:gradFill>
-          <a:ln w="9525" cap="flat" cmpd="sng" algn="ctr">
-            <a:noFill/>
-            <a:prstDash val="solid"/>
-            <a:round/>
-            <a:headEnd type="none" w="med" len="med"/>
-            <a:tailEnd type="none" w="med" len="med"/>
-          </a:ln>
-          <a:effectLst/>
-        </p:spPr>
+          <p:cNvPr id="6" name="Footer Placeholder 5">
+            <a:extLst>
+              <a:ext uri="{FF2B5EF4-FFF2-40B4-BE49-F238E27FC236}">
+                <a16:creationId xmlns:a16="http://schemas.microsoft.com/office/drawing/2014/main" id="{EBADDF45-D7F0-4BDA-87A9-C67746B4D941}"/>
+              </a:ext>
+            </a:extLst>
+          </p:cNvPr>
+          <p:cNvSpPr>
+            <a:spLocks noGrp="1"/>
+          </p:cNvSpPr>
+          <p:nvPr>
+            <p:ph type="ftr" sz="quarter" idx="11"/>
+          </p:nvPr>
+        </p:nvSpPr>
+        <p:spPr/>
         <p:txBody>
-          <a:bodyPr vert="horz" wrap="square" lIns="91440" tIns="45720" rIns="91440" bIns="45720" anchor="t" compatLnSpc="1"/>
+          <a:bodyPr/>
           <a:lstStyle/>
           <a:p>
-            <a:pPr marL="0" algn="l" rtl="0" eaLnBrk="1" latinLnBrk="0" hangingPunct="1"/>
-            <a:endParaRPr kumimoji="0" lang="en-US">
-              <a:solidFill>
-                <a:schemeClr val="tx1"/>
-              </a:solidFill>
-              <a:latin typeface="+mn-lt"/>
-              <a:ea typeface="+mn-ea"/>
-              <a:cs typeface="+mn-cs"/>
-            </a:endParaRPr>
+            <a:endParaRPr lang="ru-RU"/>
           </a:p>
         </p:txBody>
       </p:sp>
+      <p:sp>
+        <p:nvSpPr>
+          <p:cNvPr id="7" name="Slide Number Placeholder 6">
+            <a:extLst>
+              <a:ext uri="{FF2B5EF4-FFF2-40B4-BE49-F238E27FC236}">
+                <a16:creationId xmlns:a16="http://schemas.microsoft.com/office/drawing/2014/main" id="{DEE78671-499E-479C-B7EE-2BE44A6BE0AA}"/>
+              </a:ext>
+            </a:extLst>
+          </p:cNvPr>
+          <p:cNvSpPr>
+            <a:spLocks noGrp="1"/>
+          </p:cNvSpPr>
+          <p:nvPr>
+            <p:ph type="sldNum" sz="quarter" idx="12"/>
+          </p:nvPr>
+        </p:nvSpPr>
+        <p:spPr/>
+        <p:txBody>
+          <a:bodyPr/>
+          <a:lstStyle/>
+          <a:p>
+            <a:fld id="{525F8955-9F71-4E77-B108-B5F82C6F0AFB}" type="slidenum">
+              <a:rPr lang="ru-RU" smtClean="0"/>
+              <a:pPr/>
+              <a:t>‹#›</a:t>
+            </a:fld>
+            <a:endParaRPr lang="ru-RU"/>
+          </a:p>
+        </p:txBody>
+      </p:sp>
     </p:spTree>
+    <p:extLst>
+      <p:ext uri="{BB962C8B-B14F-4D97-AF65-F5344CB8AC3E}">
+        <p14:creationId xmlns:p14="http://schemas.microsoft.com/office/powerpoint/2010/main" val="2152681453"/>
+      </p:ext>
+    </p:extLst>
   </p:cSld>
   <p:clrMapOvr>
     <a:masterClrMapping/>
@@ -6129,7 +6081,7 @@
 <p:sldMaster xmlns:a="http://schemas.openxmlformats.org/drawingml/2006/main" xmlns:r="http://schemas.openxmlformats.org/officeDocument/2006/relationships" xmlns:p="http://schemas.openxmlformats.org/presentationml/2006/main">
   <p:cSld>
     <p:bg>
-      <p:bgRef idx="1003">
+      <p:bgRef idx="1001">
         <a:schemeClr val="bg1"/>
       </p:bgRef>
     </p:bg>
@@ -6149,263 +6101,13 @@
       </p:grpSpPr>
       <p:sp>
         <p:nvSpPr>
-          <p:cNvPr id="7" name="Полилиния 6"/>
-          <p:cNvSpPr>
-            <a:spLocks/>
-          </p:cNvSpPr>
-          <p:nvPr/>
-        </p:nvSpPr>
-        <p:spPr bwMode="auto">
-          <a:xfrm>
-            <a:off x="-9525" y="-7144"/>
-            <a:ext cx="9163050" cy="1041400"/>
-          </a:xfrm>
-          <a:custGeom>
-            <a:avLst>
-              <a:gd name="A1" fmla="val 0"/>
-              <a:gd name="A2" fmla="val 0"/>
-              <a:gd name="A3" fmla="val 0"/>
-              <a:gd name="A4" fmla="val 0"/>
-              <a:gd name="A5" fmla="val 0"/>
-              <a:gd name="A6" fmla="val 0"/>
-              <a:gd name="A7" fmla="val 0"/>
-              <a:gd name="A8" fmla="val 0"/>
-            </a:avLst>
-            <a:gdLst/>
-            <a:ahLst/>
-            <a:cxnLst>
-              <a:cxn ang="0">
-                <a:pos x="6" y="2"/>
-              </a:cxn>
-              <a:cxn ang="0">
-                <a:pos x="2542" y="0"/>
-              </a:cxn>
-              <a:cxn ang="0">
-                <a:pos x="4374" y="367"/>
-              </a:cxn>
-              <a:cxn ang="0">
-                <a:pos x="5766" y="55"/>
-              </a:cxn>
-              <a:cxn ang="0">
-                <a:pos x="5772" y="213"/>
-              </a:cxn>
-              <a:cxn ang="0">
-                <a:pos x="4302" y="439"/>
-              </a:cxn>
-              <a:cxn ang="0">
-                <a:pos x="1488" y="201"/>
-              </a:cxn>
-              <a:cxn ang="0">
-                <a:pos x="0" y="656"/>
-              </a:cxn>
-              <a:cxn ang="0">
-                <a:pos x="6" y="2"/>
-              </a:cxn>
-            </a:cxnLst>
-            <a:rect l="0" t="0" r="0" b="0"/>
-            <a:pathLst>
-              <a:path w="5772" h="656">
-                <a:moveTo>
-                  <a:pt x="6" y="2"/>
-                </a:moveTo>
-                <a:lnTo>
-                  <a:pt x="2542" y="0"/>
-                </a:lnTo>
-                <a:cubicBezTo>
-                  <a:pt x="2746" y="101"/>
-                  <a:pt x="3828" y="367"/>
-                  <a:pt x="4374" y="367"/>
-                </a:cubicBezTo>
-                <a:cubicBezTo>
-                  <a:pt x="4920" y="367"/>
-                  <a:pt x="5526" y="152"/>
-                  <a:pt x="5766" y="55"/>
-                </a:cubicBezTo>
-                <a:lnTo>
-                  <a:pt x="5772" y="213"/>
-                </a:lnTo>
-                <a:cubicBezTo>
-                  <a:pt x="5670" y="257"/>
-                  <a:pt x="5016" y="441"/>
-                  <a:pt x="4302" y="439"/>
-                </a:cubicBezTo>
-                <a:cubicBezTo>
-                  <a:pt x="3588" y="437"/>
-                  <a:pt x="2205" y="165"/>
-                  <a:pt x="1488" y="201"/>
-                </a:cubicBezTo>
-                <a:cubicBezTo>
-                  <a:pt x="750" y="209"/>
-                  <a:pt x="270" y="482"/>
-                  <a:pt x="0" y="656"/>
-                </a:cubicBezTo>
-                <a:lnTo>
-                  <a:pt x="6" y="2"/>
-                </a:lnTo>
-                <a:close/>
-              </a:path>
-            </a:pathLst>
-          </a:custGeom>
-          <a:gradFill>
-            <a:gsLst>
-              <a:gs pos="0">
-                <a:schemeClr val="accent2">
-                  <a:shade val="50000"/>
-                  <a:alpha val="45000"/>
-                  <a:satMod val="120000"/>
-                </a:schemeClr>
-              </a:gs>
-              <a:gs pos="100000">
-                <a:schemeClr val="accent3">
-                  <a:shade val="80000"/>
-                  <a:alpha val="55000"/>
-                  <a:satMod val="155000"/>
-                </a:schemeClr>
-              </a:gs>
-            </a:gsLst>
-            <a:lin ang="5400000" scaled="1"/>
-          </a:gradFill>
-          <a:ln w="9525" cap="flat" cmpd="sng" algn="ctr">
-            <a:noFill/>
-            <a:prstDash val="solid"/>
-            <a:round/>
-            <a:headEnd type="none" w="med" len="med"/>
-            <a:tailEnd type="none" w="med" len="med"/>
-          </a:ln>
-          <a:effectLst/>
-        </p:spPr>
-        <p:txBody>
-          <a:bodyPr vert="horz" wrap="square" lIns="91440" tIns="45720" rIns="91440" bIns="45720" anchor="t" compatLnSpc="1"/>
-          <a:lstStyle/>
-          <a:p>
-            <a:pPr marL="0" algn="l" rtl="0" eaLnBrk="1" latinLnBrk="0" hangingPunct="1"/>
-            <a:endParaRPr kumimoji="0" lang="en-US">
-              <a:solidFill>
-                <a:schemeClr val="tx1"/>
-              </a:solidFill>
-              <a:latin typeface="+mn-lt"/>
-              <a:ea typeface="+mn-ea"/>
-              <a:cs typeface="+mn-cs"/>
-            </a:endParaRPr>
-          </a:p>
-        </p:txBody>
-      </p:sp>
-      <p:sp>
-        <p:nvSpPr>
-          <p:cNvPr id="8" name="Полилиния 7"/>
-          <p:cNvSpPr>
-            <a:spLocks/>
-          </p:cNvSpPr>
-          <p:nvPr/>
-        </p:nvSpPr>
-        <p:spPr bwMode="auto">
-          <a:xfrm>
-            <a:off x="4381500" y="-7144"/>
-            <a:ext cx="4762500" cy="638175"/>
-          </a:xfrm>
-          <a:custGeom>
-            <a:avLst>
-              <a:gd name="A1" fmla="val 0"/>
-              <a:gd name="A2" fmla="val 0"/>
-              <a:gd name="A3" fmla="val 0"/>
-              <a:gd name="A4" fmla="val 0"/>
-              <a:gd name="A5" fmla="val 0"/>
-              <a:gd name="A6" fmla="val 0"/>
-              <a:gd name="A7" fmla="val 0"/>
-              <a:gd name="A8" fmla="val 0"/>
-            </a:avLst>
-            <a:gdLst/>
-            <a:ahLst/>
-            <a:cxnLst>
-              <a:cxn ang="0">
-                <a:pos x="0" y="0"/>
-              </a:cxn>
-              <a:cxn ang="0">
-                <a:pos x="1668" y="564"/>
-              </a:cxn>
-              <a:cxn ang="0">
-                <a:pos x="3000" y="186"/>
-              </a:cxn>
-              <a:cxn ang="0">
-                <a:pos x="3000" y="6"/>
-              </a:cxn>
-              <a:cxn ang="0">
-                <a:pos x="0" y="0"/>
-              </a:cxn>
-            </a:cxnLst>
-            <a:rect l="0" t="0" r="0" b="0"/>
-            <a:pathLst>
-              <a:path w="3000" h="595">
-                <a:moveTo>
-                  <a:pt x="0" y="0"/>
-                </a:moveTo>
-                <a:cubicBezTo>
-                  <a:pt x="174" y="102"/>
-                  <a:pt x="1168" y="533"/>
-                  <a:pt x="1668" y="564"/>
-                </a:cubicBezTo>
-                <a:cubicBezTo>
-                  <a:pt x="2168" y="595"/>
-                  <a:pt x="2778" y="279"/>
-                  <a:pt x="3000" y="186"/>
-                </a:cubicBezTo>
-                <a:lnTo>
-                  <a:pt x="3000" y="6"/>
-                </a:lnTo>
-                <a:lnTo>
-                  <a:pt x="0" y="0"/>
-                </a:lnTo>
-                <a:close/>
-              </a:path>
-            </a:pathLst>
-          </a:custGeom>
-          <a:gradFill>
-            <a:gsLst>
-              <a:gs pos="0">
-                <a:schemeClr val="accent3">
-                  <a:shade val="50000"/>
-                  <a:alpha val="30000"/>
-                  <a:satMod val="130000"/>
-                </a:schemeClr>
-              </a:gs>
-              <a:gs pos="80000">
-                <a:schemeClr val="accent2">
-                  <a:shade val="75000"/>
-                  <a:alpha val="45000"/>
-                  <a:satMod val="140000"/>
-                </a:schemeClr>
-              </a:gs>
-            </a:gsLst>
-            <a:lin ang="5400000" scaled="1"/>
-          </a:gradFill>
-          <a:ln w="9525" cap="flat" cmpd="sng" algn="ctr">
-            <a:noFill/>
-            <a:prstDash val="solid"/>
-            <a:round/>
-            <a:headEnd type="none" w="med" len="med"/>
-            <a:tailEnd type="none" w="med" len="med"/>
-          </a:ln>
-          <a:effectLst/>
-        </p:spPr>
-        <p:txBody>
-          <a:bodyPr vert="horz" wrap="square" lIns="91440" tIns="45720" rIns="91440" bIns="45720" anchor="t" compatLnSpc="1"/>
-          <a:lstStyle/>
-          <a:p>
-            <a:pPr marL="0" algn="l" rtl="0" eaLnBrk="1" latinLnBrk="0" hangingPunct="1"/>
-            <a:endParaRPr kumimoji="0" lang="en-US">
-              <a:solidFill>
-                <a:schemeClr val="tx1"/>
-              </a:solidFill>
-              <a:latin typeface="+mn-lt"/>
-              <a:ea typeface="+mn-ea"/>
-              <a:cs typeface="+mn-cs"/>
-            </a:endParaRPr>
-          </a:p>
-        </p:txBody>
-      </p:sp>
-      <p:sp>
-        <p:nvSpPr>
-          <p:cNvPr id="9" name="Заголовок 8"/>
+          <p:cNvPr id="2" name="Title Placeholder 1">
+            <a:extLst>
+              <a:ext uri="{FF2B5EF4-FFF2-40B4-BE49-F238E27FC236}">
+                <a16:creationId xmlns:a16="http://schemas.microsoft.com/office/drawing/2014/main" id="{20F363EB-AB7A-46A8-95B4-AFC0C4C6CA98}"/>
+              </a:ext>
+            </a:extLst>
+          </p:cNvPr>
           <p:cNvSpPr>
             <a:spLocks noGrp="1"/>
           </p:cNvSpPr>
@@ -6415,30 +6117,36 @@
         </p:nvSpPr>
         <p:spPr>
           <a:xfrm>
-            <a:off x="457200" y="704088"/>
-            <a:ext cx="8229600" cy="1143000"/>
+            <a:off x="838200" y="365125"/>
+            <a:ext cx="10515600" cy="1325563"/>
           </a:xfrm>
           <a:prstGeom prst="rect">
             <a:avLst/>
           </a:prstGeom>
         </p:spPr>
         <p:txBody>
-          <a:bodyPr vert="horz" lIns="0" rIns="0" bIns="0" anchor="b">
+          <a:bodyPr vert="horz" lIns="91440" tIns="45720" rIns="91440" bIns="45720" rtlCol="0" anchor="ctr">
             <a:normAutofit/>
           </a:bodyPr>
           <a:lstStyle/>
           <a:p>
             <a:r>
-              <a:rPr kumimoji="0" lang="ru-RU"/>
-              <a:t>Образец заголовка</a:t>
-            </a:r>
-            <a:endParaRPr kumimoji="0" lang="en-US"/>
+              <a:rPr lang="en-US"/>
+              <a:t>Click to edit Master title style</a:t>
+            </a:r>
+            <a:endParaRPr lang="ru-RU"/>
           </a:p>
         </p:txBody>
       </p:sp>
       <p:sp>
         <p:nvSpPr>
-          <p:cNvPr id="30" name="Текст 29"/>
+          <p:cNvPr id="3" name="Text Placeholder 2">
+            <a:extLst>
+              <a:ext uri="{FF2B5EF4-FFF2-40B4-BE49-F238E27FC236}">
+                <a16:creationId xmlns:a16="http://schemas.microsoft.com/office/drawing/2014/main" id="{7CB1B3B2-2E0B-454B-92E5-9DDB2B80D008}"/>
+              </a:ext>
+            </a:extLst>
+          </p:cNvPr>
           <p:cNvSpPr>
             <a:spLocks noGrp="1"/>
           </p:cNvSpPr>
@@ -6448,59 +6156,65 @@
         </p:nvSpPr>
         <p:spPr>
           <a:xfrm>
-            <a:off x="457200" y="1935480"/>
-            <a:ext cx="8229600" cy="4389120"/>
+            <a:off x="838200" y="1825625"/>
+            <a:ext cx="10515600" cy="4351338"/>
           </a:xfrm>
           <a:prstGeom prst="rect">
             <a:avLst/>
           </a:prstGeom>
         </p:spPr>
         <p:txBody>
-          <a:bodyPr vert="horz">
+          <a:bodyPr vert="horz" lIns="91440" tIns="45720" rIns="91440" bIns="45720" rtlCol="0">
             <a:normAutofit/>
           </a:bodyPr>
           <a:lstStyle/>
           <a:p>
-            <a:pPr lvl="0" eaLnBrk="1" latinLnBrk="0" hangingPunct="1"/>
-            <a:r>
-              <a:rPr kumimoji="0" lang="ru-RU"/>
-              <a:t>Образец текста</a:t>
-            </a:r>
-          </a:p>
-          <a:p>
-            <a:pPr lvl="1" eaLnBrk="1" latinLnBrk="0" hangingPunct="1"/>
-            <a:r>
-              <a:rPr kumimoji="0" lang="ru-RU"/>
-              <a:t>Второй уровень</a:t>
-            </a:r>
-          </a:p>
-          <a:p>
-            <a:pPr lvl="2" eaLnBrk="1" latinLnBrk="0" hangingPunct="1"/>
-            <a:r>
-              <a:rPr kumimoji="0" lang="ru-RU"/>
-              <a:t>Третий уровень</a:t>
-            </a:r>
-          </a:p>
-          <a:p>
-            <a:pPr lvl="3" eaLnBrk="1" latinLnBrk="0" hangingPunct="1"/>
-            <a:r>
-              <a:rPr kumimoji="0" lang="ru-RU"/>
-              <a:t>Четвертый уровень</a:t>
-            </a:r>
-          </a:p>
-          <a:p>
-            <a:pPr lvl="4" eaLnBrk="1" latinLnBrk="0" hangingPunct="1"/>
-            <a:r>
-              <a:rPr kumimoji="0" lang="ru-RU"/>
-              <a:t>Пятый уровень</a:t>
-            </a:r>
-            <a:endParaRPr kumimoji="0" lang="en-US"/>
+            <a:pPr lvl="0"/>
+            <a:r>
+              <a:rPr lang="en-US"/>
+              <a:t>Edit Master text styles</a:t>
+            </a:r>
+          </a:p>
+          <a:p>
+            <a:pPr lvl="1"/>
+            <a:r>
+              <a:rPr lang="en-US"/>
+              <a:t>Second level</a:t>
+            </a:r>
+          </a:p>
+          <a:p>
+            <a:pPr lvl="2"/>
+            <a:r>
+              <a:rPr lang="en-US"/>
+              <a:t>Third level</a:t>
+            </a:r>
+          </a:p>
+          <a:p>
+            <a:pPr lvl="3"/>
+            <a:r>
+              <a:rPr lang="en-US"/>
+              <a:t>Fourth level</a:t>
+            </a:r>
+          </a:p>
+          <a:p>
+            <a:pPr lvl="4"/>
+            <a:r>
+              <a:rPr lang="en-US"/>
+              <a:t>Fifth level</a:t>
+            </a:r>
+            <a:endParaRPr lang="ru-RU"/>
           </a:p>
         </p:txBody>
       </p:sp>
       <p:sp>
         <p:nvSpPr>
-          <p:cNvPr id="10" name="Дата 9"/>
+          <p:cNvPr id="4" name="Date Placeholder 3">
+            <a:extLst>
+              <a:ext uri="{FF2B5EF4-FFF2-40B4-BE49-F238E27FC236}">
+                <a16:creationId xmlns:a16="http://schemas.microsoft.com/office/drawing/2014/main" id="{36089CC3-23CA-4541-8AD3-CD7A716A648A}"/>
+              </a:ext>
+            </a:extLst>
+          </p:cNvPr>
           <p:cNvSpPr>
             <a:spLocks noGrp="1"/>
           </p:cNvSpPr>
@@ -6510,21 +6224,21 @@
         </p:nvSpPr>
         <p:spPr>
           <a:xfrm>
-            <a:off x="457200" y="6356350"/>
-            <a:ext cx="2133600" cy="365125"/>
+            <a:off x="838200" y="6356350"/>
+            <a:ext cx="2743200" cy="365125"/>
           </a:xfrm>
           <a:prstGeom prst="rect">
             <a:avLst/>
           </a:prstGeom>
         </p:spPr>
         <p:txBody>
-          <a:bodyPr vert="horz" lIns="0" tIns="0" rIns="0" bIns="0" anchor="b"/>
+          <a:bodyPr vert="horz" lIns="91440" tIns="45720" rIns="91440" bIns="45720" rtlCol="0" anchor="ctr"/>
           <a:lstStyle>
-            <a:lvl1pPr algn="l" eaLnBrk="1" latinLnBrk="0" hangingPunct="1">
-              <a:defRPr kumimoji="0" sz="1200">
-                <a:solidFill>
-                  <a:schemeClr val="tx2">
-                    <a:shade val="90000"/>
+            <a:lvl1pPr algn="l">
+              <a:defRPr sz="1200">
+                <a:solidFill>
+                  <a:schemeClr val="tx1">
+                    <a:tint val="75000"/>
                   </a:schemeClr>
                 </a:solidFill>
               </a:defRPr>
@@ -6537,7 +6251,13 @@
       </p:sp>
       <p:sp>
         <p:nvSpPr>
-          <p:cNvPr id="22" name="Нижний колонтитул 21"/>
+          <p:cNvPr id="5" name="Footer Placeholder 4">
+            <a:extLst>
+              <a:ext uri="{FF2B5EF4-FFF2-40B4-BE49-F238E27FC236}">
+                <a16:creationId xmlns:a16="http://schemas.microsoft.com/office/drawing/2014/main" id="{6A359FC4-F33C-43DD-B0FE-6367F865DB77}"/>
+              </a:ext>
+            </a:extLst>
+          </p:cNvPr>
           <p:cNvSpPr>
             <a:spLocks noGrp="1"/>
           </p:cNvSpPr>
@@ -6547,21 +6267,21 @@
         </p:nvSpPr>
         <p:spPr>
           <a:xfrm>
-            <a:off x="2667000" y="6356350"/>
-            <a:ext cx="3352800" cy="365125"/>
+            <a:off x="4038600" y="6356350"/>
+            <a:ext cx="4114800" cy="365125"/>
           </a:xfrm>
           <a:prstGeom prst="rect">
             <a:avLst/>
           </a:prstGeom>
         </p:spPr>
         <p:txBody>
-          <a:bodyPr vert="horz" lIns="0" tIns="0" rIns="0" bIns="0" anchor="b"/>
+          <a:bodyPr vert="horz" lIns="91440" tIns="45720" rIns="91440" bIns="45720" rtlCol="0" anchor="ctr"/>
           <a:lstStyle>
-            <a:lvl1pPr algn="l" eaLnBrk="1" latinLnBrk="0" hangingPunct="1">
-              <a:defRPr kumimoji="0" sz="1200">
-                <a:solidFill>
-                  <a:schemeClr val="tx2">
-                    <a:shade val="90000"/>
+            <a:lvl1pPr algn="ctr">
+              <a:defRPr sz="1200">
+                <a:solidFill>
+                  <a:schemeClr val="tx1">
+                    <a:tint val="75000"/>
                   </a:schemeClr>
                 </a:solidFill>
               </a:defRPr>
@@ -6574,7 +6294,13 @@
       </p:sp>
       <p:sp>
         <p:nvSpPr>
-          <p:cNvPr id="18" name="Номер слайда 17"/>
+          <p:cNvPr id="6" name="Slide Number Placeholder 5">
+            <a:extLst>
+              <a:ext uri="{FF2B5EF4-FFF2-40B4-BE49-F238E27FC236}">
+                <a16:creationId xmlns:a16="http://schemas.microsoft.com/office/drawing/2014/main" id="{980336AB-5C26-45B2-92DA-4FE167E16AEC}"/>
+              </a:ext>
+            </a:extLst>
+          </p:cNvPr>
           <p:cNvSpPr>
             <a:spLocks noGrp="1"/>
           </p:cNvSpPr>
@@ -6584,21 +6310,21 @@
         </p:nvSpPr>
         <p:spPr>
           <a:xfrm>
-            <a:off x="7924800" y="6356350"/>
-            <a:ext cx="762000" cy="365125"/>
+            <a:off x="8610600" y="6356350"/>
+            <a:ext cx="2743200" cy="365125"/>
           </a:xfrm>
           <a:prstGeom prst="rect">
             <a:avLst/>
           </a:prstGeom>
         </p:spPr>
         <p:txBody>
-          <a:bodyPr vert="horz" lIns="0" tIns="0" rIns="0" bIns="0" anchor="b"/>
+          <a:bodyPr vert="horz" lIns="91440" tIns="45720" rIns="91440" bIns="45720" rtlCol="0" anchor="ctr"/>
           <a:lstStyle>
-            <a:lvl1pPr algn="r" eaLnBrk="1" latinLnBrk="0" hangingPunct="1">
-              <a:defRPr kumimoji="0" sz="1200">
-                <a:solidFill>
-                  <a:schemeClr val="tx2">
-                    <a:shade val="90000"/>
+            <a:lvl1pPr algn="r">
+              <a:defRPr sz="1200">
+                <a:solidFill>
+                  <a:schemeClr val="tx1">
+                    <a:tint val="75000"/>
                   </a:schemeClr>
                 </a:solidFill>
               </a:defRPr>
@@ -6614,251 +6340,41 @@
           </a:p>
         </p:txBody>
       </p:sp>
-      <p:grpSp>
-        <p:nvGrpSpPr>
-          <p:cNvPr id="2" name="Группа 1"/>
-          <p:cNvGrpSpPr/>
-          <p:nvPr/>
-        </p:nvGrpSpPr>
-        <p:grpSpPr>
-          <a:xfrm>
-            <a:off x="-19017" y="202408"/>
-            <a:ext cx="9180548" cy="649224"/>
-            <a:chOff x="-19045" y="216550"/>
-            <a:chExt cx="9180548" cy="649224"/>
-          </a:xfrm>
-        </p:grpSpPr>
-        <p:sp>
-          <p:nvSpPr>
-            <p:cNvPr id="12" name="Полилиния 11"/>
-            <p:cNvSpPr>
-              <a:spLocks/>
-            </p:cNvSpPr>
-            <p:nvPr/>
-          </p:nvSpPr>
-          <p:spPr bwMode="auto">
-            <a:xfrm rot="21435692">
-              <a:off x="-19045" y="216550"/>
-              <a:ext cx="9163050" cy="649224"/>
-            </a:xfrm>
-            <a:custGeom>
-              <a:avLst>
-                <a:gd name="A1" fmla="val 0"/>
-                <a:gd name="A2" fmla="val 0"/>
-                <a:gd name="A3" fmla="val 0"/>
-                <a:gd name="A4" fmla="val 0"/>
-                <a:gd name="A5" fmla="val 0"/>
-                <a:gd name="A6" fmla="val 0"/>
-                <a:gd name="A7" fmla="val 0"/>
-                <a:gd name="A8" fmla="val 0"/>
-              </a:avLst>
-              <a:gdLst/>
-              <a:ahLst/>
-              <a:cxnLst>
-                <a:cxn ang="0">
-                  <a:pos x="0" y="966"/>
-                </a:cxn>
-                <a:cxn ang="0">
-                  <a:pos x="1608" y="282"/>
-                </a:cxn>
-                <a:cxn ang="0">
-                  <a:pos x="4110" y="1008"/>
-                </a:cxn>
-                <a:cxn ang="0">
-                  <a:pos x="5772" y="0"/>
-                </a:cxn>
-              </a:cxnLst>
-              <a:rect l="0" t="0" r="0" b="0"/>
-              <a:pathLst>
-                <a:path w="5772" h="1055">
-                  <a:moveTo>
-                    <a:pt x="0" y="966"/>
-                  </a:moveTo>
-                  <a:cubicBezTo>
-                    <a:pt x="282" y="738"/>
-                    <a:pt x="923" y="275"/>
-                    <a:pt x="1608" y="282"/>
-                  </a:cubicBezTo>
-                  <a:cubicBezTo>
-                    <a:pt x="2293" y="289"/>
-                    <a:pt x="3416" y="1055"/>
-                    <a:pt x="4110" y="1008"/>
-                  </a:cubicBezTo>
-                  <a:cubicBezTo>
-                    <a:pt x="4804" y="961"/>
-                    <a:pt x="5426" y="210"/>
-                    <a:pt x="5772" y="0"/>
-                  </a:cubicBezTo>
-                </a:path>
-              </a:pathLst>
-            </a:custGeom>
-            <a:noFill/>
-            <a:ln w="10795" cap="flat" cmpd="sng" algn="ctr">
-              <a:gradFill>
-                <a:gsLst>
-                  <a:gs pos="74000">
-                    <a:schemeClr val="accent3">
-                      <a:shade val="75000"/>
-                    </a:schemeClr>
-                  </a:gs>
-                  <a:gs pos="86000">
-                    <a:schemeClr val="tx1">
-                      <a:alpha val="29000"/>
-                    </a:schemeClr>
-                  </a:gs>
-                  <a:gs pos="16000">
-                    <a:schemeClr val="accent2">
-                      <a:shade val="75000"/>
-                      <a:alpha val="56000"/>
-                    </a:schemeClr>
-                  </a:gs>
-                </a:gsLst>
-                <a:lin ang="5400000" scaled="1"/>
-              </a:gradFill>
-              <a:prstDash val="solid"/>
-              <a:round/>
-              <a:headEnd type="none" w="med" len="med"/>
-              <a:tailEnd type="none" w="med" len="med"/>
-            </a:ln>
-            <a:effectLst/>
-          </p:spPr>
-          <p:txBody>
-            <a:bodyPr vert="horz" wrap="square" lIns="91440" tIns="45720" rIns="91440" bIns="45720" anchor="t" compatLnSpc="1"/>
-            <a:lstStyle/>
-            <a:p>
-              <a:endParaRPr kumimoji="0" lang="en-US"/>
-            </a:p>
-          </p:txBody>
-        </p:sp>
-        <p:sp>
-          <p:nvSpPr>
-            <p:cNvPr id="13" name="Полилиния 12"/>
-            <p:cNvSpPr>
-              <a:spLocks/>
-            </p:cNvSpPr>
-            <p:nvPr/>
-          </p:nvSpPr>
-          <p:spPr bwMode="auto">
-            <a:xfrm rot="21435692">
-              <a:off x="-14309" y="290003"/>
-              <a:ext cx="9175812" cy="530352"/>
-            </a:xfrm>
-            <a:custGeom>
-              <a:avLst>
-                <a:gd name="A1" fmla="val 0"/>
-                <a:gd name="A2" fmla="val 0"/>
-                <a:gd name="A3" fmla="val 0"/>
-                <a:gd name="A4" fmla="val 0"/>
-                <a:gd name="A5" fmla="val 0"/>
-                <a:gd name="A6" fmla="val 0"/>
-                <a:gd name="A7" fmla="val 0"/>
-                <a:gd name="A8" fmla="val 0"/>
-              </a:avLst>
-              <a:gdLst/>
-              <a:ahLst/>
-              <a:cxnLst>
-                <a:cxn ang="0">
-                  <a:pos x="0" y="732"/>
-                </a:cxn>
-                <a:cxn ang="0">
-                  <a:pos x="1638" y="228"/>
-                </a:cxn>
-                <a:cxn ang="0">
-                  <a:pos x="4122" y="816"/>
-                </a:cxn>
-                <a:cxn ang="0">
-                  <a:pos x="5766" y="0"/>
-                </a:cxn>
-              </a:cxnLst>
-              <a:rect l="0" t="0" r="0" b="0"/>
-              <a:pathLst>
-                <a:path w="5766" h="854">
-                  <a:moveTo>
-                    <a:pt x="0" y="732"/>
-                  </a:moveTo>
-                  <a:cubicBezTo>
-                    <a:pt x="273" y="647"/>
-                    <a:pt x="951" y="214"/>
-                    <a:pt x="1638" y="228"/>
-                  </a:cubicBezTo>
-                  <a:cubicBezTo>
-                    <a:pt x="2325" y="242"/>
-                    <a:pt x="3434" y="854"/>
-                    <a:pt x="4122" y="816"/>
-                  </a:cubicBezTo>
-                  <a:cubicBezTo>
-                    <a:pt x="4810" y="778"/>
-                    <a:pt x="5424" y="170"/>
-                    <a:pt x="5766" y="0"/>
-                  </a:cubicBezTo>
-                </a:path>
-              </a:pathLst>
-            </a:custGeom>
-            <a:noFill/>
-            <a:ln w="9525" cap="flat" cmpd="sng" algn="ctr">
-              <a:gradFill>
-                <a:gsLst>
-                  <a:gs pos="74000">
-                    <a:schemeClr val="accent4"/>
-                  </a:gs>
-                  <a:gs pos="44000">
-                    <a:schemeClr val="accent1"/>
-                  </a:gs>
-                  <a:gs pos="33000">
-                    <a:schemeClr val="accent2">
-                      <a:alpha val="56000"/>
-                    </a:schemeClr>
-                  </a:gs>
-                </a:gsLst>
-                <a:lin ang="5400000" scaled="1"/>
-              </a:gradFill>
-              <a:prstDash val="solid"/>
-              <a:round/>
-              <a:headEnd type="none" w="med" len="med"/>
-              <a:tailEnd type="none" w="med" len="med"/>
-            </a:ln>
-            <a:effectLst/>
-          </p:spPr>
-          <p:txBody>
-            <a:bodyPr vert="horz" wrap="square" lIns="91440" tIns="45720" rIns="91440" bIns="45720" anchor="t" compatLnSpc="1"/>
-            <a:lstStyle/>
-            <a:p>
-              <a:endParaRPr kumimoji="0" lang="en-US"/>
-            </a:p>
-          </p:txBody>
-        </p:sp>
-      </p:grpSp>
     </p:spTree>
+    <p:extLst>
+      <p:ext uri="{BB962C8B-B14F-4D97-AF65-F5344CB8AC3E}">
+        <p14:creationId xmlns:p14="http://schemas.microsoft.com/office/powerpoint/2010/main" val="3202490147"/>
+      </p:ext>
+    </p:extLst>
   </p:cSld>
   <p:clrMap bg1="lt1" tx1="dk1" bg2="lt2" tx2="dk2" accent1="accent1" accent2="accent2" accent3="accent3" accent4="accent4" accent5="accent5" accent6="accent6" hlink="hlink" folHlink="folHlink"/>
   <p:sldLayoutIdLst>
-    <p:sldLayoutId id="2147483662" r:id="rId1"/>
-    <p:sldLayoutId id="2147483663" r:id="rId2"/>
-    <p:sldLayoutId id="2147483664" r:id="rId3"/>
-    <p:sldLayoutId id="2147483665" r:id="rId4"/>
-    <p:sldLayoutId id="2147483666" r:id="rId5"/>
-    <p:sldLayoutId id="2147483667" r:id="rId6"/>
-    <p:sldLayoutId id="2147483668" r:id="rId7"/>
-    <p:sldLayoutId id="2147483669" r:id="rId8"/>
-    <p:sldLayoutId id="2147483670" r:id="rId9"/>
-    <p:sldLayoutId id="2147483671" r:id="rId10"/>
-    <p:sldLayoutId id="2147483672" r:id="rId11"/>
+    <p:sldLayoutId id="2147483674" r:id="rId1"/>
+    <p:sldLayoutId id="2147483675" r:id="rId2"/>
+    <p:sldLayoutId id="2147483676" r:id="rId3"/>
+    <p:sldLayoutId id="2147483677" r:id="rId4"/>
+    <p:sldLayoutId id="2147483678" r:id="rId5"/>
+    <p:sldLayoutId id="2147483679" r:id="rId6"/>
+    <p:sldLayoutId id="2147483680" r:id="rId7"/>
+    <p:sldLayoutId id="2147483681" r:id="rId8"/>
+    <p:sldLayoutId id="2147483682" r:id="rId9"/>
+    <p:sldLayoutId id="2147483683" r:id="rId10"/>
+    <p:sldLayoutId id="2147483684" r:id="rId11"/>
   </p:sldLayoutIdLst>
   <p:txStyles>
     <p:titleStyle>
-      <a:lvl1pPr algn="l" rtl="0" eaLnBrk="1" latinLnBrk="0" hangingPunct="1">
+      <a:lvl1pPr algn="l" defTabSz="914400" rtl="0" eaLnBrk="1" latinLnBrk="0" hangingPunct="1">
+        <a:lnSpc>
+          <a:spcPct val="90000"/>
+        </a:lnSpc>
         <a:spcBef>
           <a:spcPct val="0"/>
         </a:spcBef>
         <a:buNone/>
-        <a:defRPr kumimoji="0" sz="5000" b="0" kern="1200">
-          <a:ln>
-            <a:noFill/>
-          </a:ln>
+        <a:defRPr sz="4400" kern="1200">
           <a:solidFill>
-            <a:schemeClr val="tx2"/>
+            <a:schemeClr val="tx1"/>
           </a:solidFill>
-          <a:effectLst/>
           <a:latin typeface="+mj-lt"/>
           <a:ea typeface="+mj-ea"/>
           <a:cs typeface="+mj-cs"/>
@@ -6866,17 +6382,16 @@
       </a:lvl1pPr>
     </p:titleStyle>
     <p:bodyStyle>
-      <a:lvl1pPr marL="274320" indent="-274320" algn="l" rtl="0" eaLnBrk="1" latinLnBrk="0" hangingPunct="1">
+      <a:lvl1pPr marL="228600" indent="-228600" algn="l" defTabSz="914400" rtl="0" eaLnBrk="1" latinLnBrk="0" hangingPunct="1">
+        <a:lnSpc>
+          <a:spcPct val="90000"/>
+        </a:lnSpc>
         <a:spcBef>
-          <a:spcPct val="20000"/>
+          <a:spcPts val="1000"/>
         </a:spcBef>
-        <a:buClr>
-          <a:schemeClr val="accent3"/>
-        </a:buClr>
-        <a:buSzPct val="95000"/>
-        <a:buFont typeface="Wingdings 2"/>
-        <a:buChar char=""/>
-        <a:defRPr kumimoji="0" sz="2600" kern="1200">
+        <a:buFont typeface="Arial" panose="020B0604020202020204" pitchFamily="34" charset="0"/>
+        <a:buChar char="•"/>
+        <a:defRPr sz="2800" kern="1200">
           <a:solidFill>
             <a:schemeClr val="tx1"/>
           </a:solidFill>
@@ -6885,17 +6400,16 @@
           <a:cs typeface="+mn-cs"/>
         </a:defRPr>
       </a:lvl1pPr>
-      <a:lvl2pPr marL="640080" indent="-246888" algn="l" rtl="0" eaLnBrk="1" latinLnBrk="0" hangingPunct="1">
+      <a:lvl2pPr marL="685800" indent="-228600" algn="l" defTabSz="914400" rtl="0" eaLnBrk="1" latinLnBrk="0" hangingPunct="1">
+        <a:lnSpc>
+          <a:spcPct val="90000"/>
+        </a:lnSpc>
         <a:spcBef>
-          <a:spcPct val="20000"/>
+          <a:spcPts val="500"/>
         </a:spcBef>
-        <a:buClr>
-          <a:schemeClr val="accent1"/>
-        </a:buClr>
-        <a:buSzPct val="85000"/>
-        <a:buFont typeface="Wingdings 2"/>
-        <a:buChar char=""/>
-        <a:defRPr kumimoji="0" sz="2400" kern="1200">
+        <a:buFont typeface="Arial" panose="020B0604020202020204" pitchFamily="34" charset="0"/>
+        <a:buChar char="•"/>
+        <a:defRPr sz="2400" kern="1200">
           <a:solidFill>
             <a:schemeClr val="tx1"/>
           </a:solidFill>
@@ -6904,17 +6418,16 @@
           <a:cs typeface="+mn-cs"/>
         </a:defRPr>
       </a:lvl2pPr>
-      <a:lvl3pPr marL="914400" indent="-246888" algn="l" rtl="0" eaLnBrk="1" latinLnBrk="0" hangingPunct="1">
+      <a:lvl3pPr marL="1143000" indent="-228600" algn="l" defTabSz="914400" rtl="0" eaLnBrk="1" latinLnBrk="0" hangingPunct="1">
+        <a:lnSpc>
+          <a:spcPct val="90000"/>
+        </a:lnSpc>
         <a:spcBef>
-          <a:spcPct val="20000"/>
+          <a:spcPts val="500"/>
         </a:spcBef>
-        <a:buClr>
-          <a:schemeClr val="accent2"/>
-        </a:buClr>
-        <a:buSzPct val="70000"/>
-        <a:buFont typeface="Wingdings 2"/>
-        <a:buChar char=""/>
-        <a:defRPr kumimoji="0" sz="2100" kern="1200">
+        <a:buFont typeface="Arial" panose="020B0604020202020204" pitchFamily="34" charset="0"/>
+        <a:buChar char="•"/>
+        <a:defRPr sz="2000" kern="1200">
           <a:solidFill>
             <a:schemeClr val="tx1"/>
           </a:solidFill>
@@ -6923,17 +6436,16 @@
           <a:cs typeface="+mn-cs"/>
         </a:defRPr>
       </a:lvl3pPr>
-      <a:lvl4pPr marL="1188720" indent="-210312" algn="l" rtl="0" eaLnBrk="1" latinLnBrk="0" hangingPunct="1">
+      <a:lvl4pPr marL="1600200" indent="-228600" algn="l" defTabSz="914400" rtl="0" eaLnBrk="1" latinLnBrk="0" hangingPunct="1">
+        <a:lnSpc>
+          <a:spcPct val="90000"/>
+        </a:lnSpc>
         <a:spcBef>
-          <a:spcPct val="20000"/>
+          <a:spcPts val="500"/>
         </a:spcBef>
-        <a:buClr>
-          <a:schemeClr val="accent3"/>
-        </a:buClr>
-        <a:buSzPct val="65000"/>
-        <a:buFont typeface="Wingdings 2"/>
-        <a:buChar char=""/>
-        <a:defRPr kumimoji="0" sz="2000" kern="1200">
+        <a:buFont typeface="Arial" panose="020B0604020202020204" pitchFamily="34" charset="0"/>
+        <a:buChar char="•"/>
+        <a:defRPr sz="1800" kern="1200">
           <a:solidFill>
             <a:schemeClr val="tx1"/>
           </a:solidFill>
@@ -6942,17 +6454,16 @@
           <a:cs typeface="+mn-cs"/>
         </a:defRPr>
       </a:lvl4pPr>
-      <a:lvl5pPr marL="1463040" indent="-210312" algn="l" rtl="0" eaLnBrk="1" latinLnBrk="0" hangingPunct="1">
+      <a:lvl5pPr marL="2057400" indent="-228600" algn="l" defTabSz="914400" rtl="0" eaLnBrk="1" latinLnBrk="0" hangingPunct="1">
+        <a:lnSpc>
+          <a:spcPct val="90000"/>
+        </a:lnSpc>
         <a:spcBef>
-          <a:spcPct val="20000"/>
+          <a:spcPts val="500"/>
         </a:spcBef>
-        <a:buClr>
-          <a:schemeClr val="accent4"/>
-        </a:buClr>
-        <a:buSzPct val="65000"/>
-        <a:buFont typeface="Wingdings 2"/>
-        <a:buChar char=""/>
-        <a:defRPr kumimoji="0" sz="2000" kern="1200">
+        <a:buFont typeface="Arial" panose="020B0604020202020204" pitchFamily="34" charset="0"/>
+        <a:buChar char="•"/>
+        <a:defRPr sz="1800" kern="1200">
           <a:solidFill>
             <a:schemeClr val="tx1"/>
           </a:solidFill>
@@ -6961,17 +6472,16 @@
           <a:cs typeface="+mn-cs"/>
         </a:defRPr>
       </a:lvl5pPr>
-      <a:lvl6pPr marL="1737360" indent="-210312" algn="l" rtl="0" eaLnBrk="1" latinLnBrk="0" hangingPunct="1">
+      <a:lvl6pPr marL="2514600" indent="-228600" algn="l" defTabSz="914400" rtl="0" eaLnBrk="1" latinLnBrk="0" hangingPunct="1">
+        <a:lnSpc>
+          <a:spcPct val="90000"/>
+        </a:lnSpc>
         <a:spcBef>
-          <a:spcPct val="20000"/>
+          <a:spcPts val="500"/>
         </a:spcBef>
-        <a:buClr>
-          <a:schemeClr val="accent5"/>
-        </a:buClr>
-        <a:buSzPct val="80000"/>
-        <a:buFont typeface="Wingdings 2"/>
-        <a:buChar char=""/>
-        <a:defRPr kumimoji="0" sz="1800" kern="1200">
+        <a:buFont typeface="Arial" panose="020B0604020202020204" pitchFamily="34" charset="0"/>
+        <a:buChar char="•"/>
+        <a:defRPr sz="1800" kern="1200">
           <a:solidFill>
             <a:schemeClr val="tx1"/>
           </a:solidFill>
@@ -6980,17 +6490,16 @@
           <a:cs typeface="+mn-cs"/>
         </a:defRPr>
       </a:lvl6pPr>
-      <a:lvl7pPr marL="1920240" indent="-182880" algn="l" rtl="0" eaLnBrk="1" latinLnBrk="0" hangingPunct="1">
+      <a:lvl7pPr marL="2971800" indent="-228600" algn="l" defTabSz="914400" rtl="0" eaLnBrk="1" latinLnBrk="0" hangingPunct="1">
+        <a:lnSpc>
+          <a:spcPct val="90000"/>
+        </a:lnSpc>
         <a:spcBef>
-          <a:spcPct val="20000"/>
+          <a:spcPts val="500"/>
         </a:spcBef>
-        <a:buClr>
-          <a:schemeClr val="accent6"/>
-        </a:buClr>
-        <a:buSzPct val="80000"/>
-        <a:buFont typeface="Wingdings 2"/>
-        <a:buChar char=""/>
-        <a:defRPr kumimoji="0" sz="1600" kern="1200" baseline="0">
+        <a:buFont typeface="Arial" panose="020B0604020202020204" pitchFamily="34" charset="0"/>
+        <a:buChar char="•"/>
+        <a:defRPr sz="1800" kern="1200">
           <a:solidFill>
             <a:schemeClr val="tx1"/>
           </a:solidFill>
@@ -6999,15 +6508,16 @@
           <a:cs typeface="+mn-cs"/>
         </a:defRPr>
       </a:lvl7pPr>
-      <a:lvl8pPr marL="2194560" indent="-182880" algn="l" rtl="0" eaLnBrk="1" latinLnBrk="0" hangingPunct="1">
+      <a:lvl8pPr marL="3429000" indent="-228600" algn="l" defTabSz="914400" rtl="0" eaLnBrk="1" latinLnBrk="0" hangingPunct="1">
+        <a:lnSpc>
+          <a:spcPct val="90000"/>
+        </a:lnSpc>
         <a:spcBef>
-          <a:spcPct val="20000"/>
+          <a:spcPts val="500"/>
         </a:spcBef>
-        <a:buClr>
-          <a:schemeClr val="tx2"/>
-        </a:buClr>
+        <a:buFont typeface="Arial" panose="020B0604020202020204" pitchFamily="34" charset="0"/>
         <a:buChar char="•"/>
-        <a:defRPr kumimoji="0" sz="1600" kern="1200">
+        <a:defRPr sz="1800" kern="1200">
           <a:solidFill>
             <a:schemeClr val="tx1"/>
           </a:solidFill>
@@ -7016,16 +6526,16 @@
           <a:cs typeface="+mn-cs"/>
         </a:defRPr>
       </a:lvl8pPr>
-      <a:lvl9pPr marL="2468880" indent="-182880" algn="l" rtl="0" eaLnBrk="1" latinLnBrk="0" hangingPunct="1">
+      <a:lvl9pPr marL="3886200" indent="-228600" algn="l" defTabSz="914400" rtl="0" eaLnBrk="1" latinLnBrk="0" hangingPunct="1">
+        <a:lnSpc>
+          <a:spcPct val="90000"/>
+        </a:lnSpc>
         <a:spcBef>
-          <a:spcPct val="20000"/>
+          <a:spcPts val="500"/>
         </a:spcBef>
-        <a:buClr>
-          <a:schemeClr val="tx2"/>
-        </a:buClr>
-        <a:buFontTx/>
+        <a:buFont typeface="Arial" panose="020B0604020202020204" pitchFamily="34" charset="0"/>
         <a:buChar char="•"/>
-        <a:defRPr kumimoji="0" sz="1400" kern="1200" baseline="0">
+        <a:defRPr sz="1800" kern="1200">
           <a:solidFill>
             <a:schemeClr val="tx1"/>
           </a:solidFill>
@@ -7036,8 +6546,11 @@
       </a:lvl9pPr>
     </p:bodyStyle>
     <p:otherStyle>
-      <a:lvl1pPr marL="0" algn="l" rtl="0" eaLnBrk="1" latinLnBrk="0" hangingPunct="1">
-        <a:defRPr kumimoji="0" kern="1200">
+      <a:defPPr>
+        <a:defRPr lang="ru-RU"/>
+      </a:defPPr>
+      <a:lvl1pPr marL="0" algn="l" defTabSz="914400" rtl="0" eaLnBrk="1" latinLnBrk="0" hangingPunct="1">
+        <a:defRPr sz="1800" kern="1200">
           <a:solidFill>
             <a:schemeClr val="tx1"/>
           </a:solidFill>
@@ -7046,8 +6559,8 @@
           <a:cs typeface="+mn-cs"/>
         </a:defRPr>
       </a:lvl1pPr>
-      <a:lvl2pPr marL="457200" algn="l" rtl="0" eaLnBrk="1" latinLnBrk="0" hangingPunct="1">
-        <a:defRPr kumimoji="0" kern="1200">
+      <a:lvl2pPr marL="457200" algn="l" defTabSz="914400" rtl="0" eaLnBrk="1" latinLnBrk="0" hangingPunct="1">
+        <a:defRPr sz="1800" kern="1200">
           <a:solidFill>
             <a:schemeClr val="tx1"/>
           </a:solidFill>
@@ -7056,8 +6569,8 @@
           <a:cs typeface="+mn-cs"/>
         </a:defRPr>
       </a:lvl2pPr>
-      <a:lvl3pPr marL="914400" algn="l" rtl="0" eaLnBrk="1" latinLnBrk="0" hangingPunct="1">
-        <a:defRPr kumimoji="0" kern="1200">
+      <a:lvl3pPr marL="914400" algn="l" defTabSz="914400" rtl="0" eaLnBrk="1" latinLnBrk="0" hangingPunct="1">
+        <a:defRPr sz="1800" kern="1200">
           <a:solidFill>
             <a:schemeClr val="tx1"/>
           </a:solidFill>
@@ -7066,8 +6579,8 @@
           <a:cs typeface="+mn-cs"/>
         </a:defRPr>
       </a:lvl3pPr>
-      <a:lvl4pPr marL="1371600" algn="l" rtl="0" eaLnBrk="1" latinLnBrk="0" hangingPunct="1">
-        <a:defRPr kumimoji="0" kern="1200">
+      <a:lvl4pPr marL="1371600" algn="l" defTabSz="914400" rtl="0" eaLnBrk="1" latinLnBrk="0" hangingPunct="1">
+        <a:defRPr sz="1800" kern="1200">
           <a:solidFill>
             <a:schemeClr val="tx1"/>
           </a:solidFill>
@@ -7076,8 +6589,8 @@
           <a:cs typeface="+mn-cs"/>
         </a:defRPr>
       </a:lvl4pPr>
-      <a:lvl5pPr marL="1828800" algn="l" rtl="0" eaLnBrk="1" latinLnBrk="0" hangingPunct="1">
-        <a:defRPr kumimoji="0" kern="1200">
+      <a:lvl5pPr marL="1828800" algn="l" defTabSz="914400" rtl="0" eaLnBrk="1" latinLnBrk="0" hangingPunct="1">
+        <a:defRPr sz="1800" kern="1200">
           <a:solidFill>
             <a:schemeClr val="tx1"/>
           </a:solidFill>
@@ -7086,8 +6599,8 @@
           <a:cs typeface="+mn-cs"/>
         </a:defRPr>
       </a:lvl5pPr>
-      <a:lvl6pPr marL="2286000" algn="l" rtl="0" eaLnBrk="1" latinLnBrk="0" hangingPunct="1">
-        <a:defRPr kumimoji="0" kern="1200">
+      <a:lvl6pPr marL="2286000" algn="l" defTabSz="914400" rtl="0" eaLnBrk="1" latinLnBrk="0" hangingPunct="1">
+        <a:defRPr sz="1800" kern="1200">
           <a:solidFill>
             <a:schemeClr val="tx1"/>
           </a:solidFill>
@@ -7096,8 +6609,8 @@
           <a:cs typeface="+mn-cs"/>
         </a:defRPr>
       </a:lvl6pPr>
-      <a:lvl7pPr marL="2743200" algn="l" rtl="0" eaLnBrk="1" latinLnBrk="0" hangingPunct="1">
-        <a:defRPr kumimoji="0" kern="1200">
+      <a:lvl7pPr marL="2743200" algn="l" defTabSz="914400" rtl="0" eaLnBrk="1" latinLnBrk="0" hangingPunct="1">
+        <a:defRPr sz="1800" kern="1200">
           <a:solidFill>
             <a:schemeClr val="tx1"/>
           </a:solidFill>
@@ -7106,8 +6619,8 @@
           <a:cs typeface="+mn-cs"/>
         </a:defRPr>
       </a:lvl7pPr>
-      <a:lvl8pPr marL="3200400" algn="l" rtl="0" eaLnBrk="1" latinLnBrk="0" hangingPunct="1">
-        <a:defRPr kumimoji="0" kern="1200">
+      <a:lvl8pPr marL="3200400" algn="l" defTabSz="914400" rtl="0" eaLnBrk="1" latinLnBrk="0" hangingPunct="1">
+        <a:defRPr sz="1800" kern="1200">
           <a:solidFill>
             <a:schemeClr val="tx1"/>
           </a:solidFill>
@@ -7116,8 +6629,8 @@
           <a:cs typeface="+mn-cs"/>
         </a:defRPr>
       </a:lvl8pPr>
-      <a:lvl9pPr marL="3657600" algn="l" rtl="0" eaLnBrk="1" latinLnBrk="0" hangingPunct="1">
-        <a:defRPr kumimoji="0" kern="1200">
+      <a:lvl9pPr marL="3657600" algn="l" defTabSz="914400" rtl="0" eaLnBrk="1" latinLnBrk="0" hangingPunct="1">
+        <a:defRPr sz="1800" kern="1200">
           <a:solidFill>
             <a:schemeClr val="tx1"/>
           </a:solidFill>
@@ -7940,7 +7453,7 @@
         </p:nvSpPr>
         <p:spPr>
           <a:xfrm>
-            <a:off x="381000" y="1847088"/>
+            <a:off x="1905000" y="1847089"/>
             <a:ext cx="8305800" cy="4770537"/>
           </a:xfrm>
           <a:prstGeom prst="rect">
@@ -7964,7 +7477,6 @@
                 <a:solidFill>
                   <a:srgbClr val="0000FF"/>
                 </a:solidFill>
-                <a:effectLst/>
                 <a:latin typeface="Consolas" panose="020B0609020204030204" pitchFamily="49" charset="0"/>
                 <a:ea typeface="Calibri" panose="020F0502020204030204" pitchFamily="34" charset="0"/>
                 <a:cs typeface="Consolas" panose="020B0609020204030204" pitchFamily="49" charset="0"/>
@@ -7976,7 +7488,6 @@
                 <a:solidFill>
                   <a:srgbClr val="000000"/>
                 </a:solidFill>
-                <a:effectLst/>
                 <a:latin typeface="Consolas" panose="020B0609020204030204" pitchFamily="49" charset="0"/>
                 <a:ea typeface="Calibri" panose="020F0502020204030204" pitchFamily="34" charset="0"/>
                 <a:cs typeface="Consolas" panose="020B0609020204030204" pitchFamily="49" charset="0"/>
@@ -7988,7 +7499,6 @@
                 <a:solidFill>
                   <a:srgbClr val="0000FF"/>
                 </a:solidFill>
-                <a:effectLst/>
                 <a:latin typeface="Consolas" panose="020B0609020204030204" pitchFamily="49" charset="0"/>
                 <a:ea typeface="Calibri" panose="020F0502020204030204" pitchFamily="34" charset="0"/>
                 <a:cs typeface="Consolas" panose="020B0609020204030204" pitchFamily="49" charset="0"/>
@@ -8000,7 +7510,6 @@
                 <a:solidFill>
                   <a:srgbClr val="000000"/>
                 </a:solidFill>
-                <a:effectLst/>
                 <a:latin typeface="Consolas" panose="020B0609020204030204" pitchFamily="49" charset="0"/>
                 <a:ea typeface="Calibri" panose="020F0502020204030204" pitchFamily="34" charset="0"/>
                 <a:cs typeface="Consolas" panose="020B0609020204030204" pitchFamily="49" charset="0"/>
@@ -8012,7 +7521,6 @@
                 <a:solidFill>
                   <a:srgbClr val="2B91AF"/>
                 </a:solidFill>
-                <a:effectLst/>
                 <a:latin typeface="Consolas" panose="020B0609020204030204" pitchFamily="49" charset="0"/>
                 <a:ea typeface="Calibri" panose="020F0502020204030204" pitchFamily="34" charset="0"/>
                 <a:cs typeface="Consolas" panose="020B0609020204030204" pitchFamily="49" charset="0"/>
@@ -8024,7 +7532,6 @@
                 <a:solidFill>
                   <a:srgbClr val="000000"/>
                 </a:solidFill>
-                <a:effectLst/>
                 <a:latin typeface="Consolas" panose="020B0609020204030204" pitchFamily="49" charset="0"/>
                 <a:ea typeface="Calibri" panose="020F0502020204030204" pitchFamily="34" charset="0"/>
                 <a:cs typeface="Consolas" panose="020B0609020204030204" pitchFamily="49" charset="0"/>
@@ -8032,7 +7539,6 @@
               <a:t>&gt;</a:t>
             </a:r>
             <a:endParaRPr lang="ru-RU" sz="1600" dirty="0">
-              <a:effectLst/>
               <a:latin typeface="Consolas" panose="020B0609020204030204" pitchFamily="49" charset="0"/>
               <a:ea typeface="Calibri" panose="020F0502020204030204" pitchFamily="34" charset="0"/>
               <a:cs typeface="Times New Roman" panose="02020603050405020304" pitchFamily="18" charset="0"/>
@@ -8049,7 +7555,6 @@
                 <a:solidFill>
                   <a:srgbClr val="0000FF"/>
                 </a:solidFill>
-                <a:effectLst/>
                 <a:latin typeface="Consolas" panose="020B0609020204030204" pitchFamily="49" charset="0"/>
                 <a:ea typeface="Calibri" panose="020F0502020204030204" pitchFamily="34" charset="0"/>
                 <a:cs typeface="Consolas" panose="020B0609020204030204" pitchFamily="49" charset="0"/>
@@ -8061,7 +7566,6 @@
                 <a:solidFill>
                   <a:srgbClr val="000000"/>
                 </a:solidFill>
-                <a:effectLst/>
                 <a:latin typeface="Consolas" panose="020B0609020204030204" pitchFamily="49" charset="0"/>
                 <a:ea typeface="Calibri" panose="020F0502020204030204" pitchFamily="34" charset="0"/>
                 <a:cs typeface="Consolas" panose="020B0609020204030204" pitchFamily="49" charset="0"/>
@@ -8073,7 +7577,6 @@
                 <a:solidFill>
                   <a:srgbClr val="2B91AF"/>
                 </a:solidFill>
-                <a:effectLst/>
                 <a:latin typeface="Consolas" panose="020B0609020204030204" pitchFamily="49" charset="0"/>
                 <a:ea typeface="Calibri" panose="020F0502020204030204" pitchFamily="34" charset="0"/>
                 <a:cs typeface="Consolas" panose="020B0609020204030204" pitchFamily="49" charset="0"/>
@@ -8081,7 +7584,6 @@
               <a:t>SingleLinkedList</a:t>
             </a:r>
             <a:endParaRPr lang="ru-RU" sz="1600" dirty="0">
-              <a:effectLst/>
               <a:latin typeface="Consolas" panose="020B0609020204030204" pitchFamily="49" charset="0"/>
               <a:ea typeface="Calibri" panose="020F0502020204030204" pitchFamily="34" charset="0"/>
               <a:cs typeface="Times New Roman" panose="02020603050405020304" pitchFamily="18" charset="0"/>
@@ -8098,7 +7600,6 @@
                 <a:solidFill>
                   <a:srgbClr val="000000"/>
                 </a:solidFill>
-                <a:effectLst/>
                 <a:latin typeface="Consolas" panose="020B0609020204030204" pitchFamily="49" charset="0"/>
                 <a:ea typeface="Calibri" panose="020F0502020204030204" pitchFamily="34" charset="0"/>
                 <a:cs typeface="Consolas" panose="020B0609020204030204" pitchFamily="49" charset="0"/>
@@ -8106,7 +7607,6 @@
               <a:t>{</a:t>
             </a:r>
             <a:endParaRPr lang="ru-RU" sz="1600" dirty="0">
-              <a:effectLst/>
               <a:latin typeface="Consolas" panose="020B0609020204030204" pitchFamily="49" charset="0"/>
               <a:ea typeface="Calibri" panose="020F0502020204030204" pitchFamily="34" charset="0"/>
               <a:cs typeface="Times New Roman" panose="02020603050405020304" pitchFamily="18" charset="0"/>
@@ -8123,7 +7623,6 @@
                 <a:solidFill>
                   <a:srgbClr val="000000"/>
                 </a:solidFill>
-                <a:effectLst/>
                 <a:latin typeface="Consolas" panose="020B0609020204030204" pitchFamily="49" charset="0"/>
                 <a:ea typeface="Calibri" panose="020F0502020204030204" pitchFamily="34" charset="0"/>
                 <a:cs typeface="Consolas" panose="020B0609020204030204" pitchFamily="49" charset="0"/>
@@ -8135,7 +7634,6 @@
                 <a:solidFill>
                   <a:srgbClr val="0000FF"/>
                 </a:solidFill>
-                <a:effectLst/>
                 <a:latin typeface="Consolas" panose="020B0609020204030204" pitchFamily="49" charset="0"/>
                 <a:ea typeface="Calibri" panose="020F0502020204030204" pitchFamily="34" charset="0"/>
                 <a:cs typeface="Consolas" panose="020B0609020204030204" pitchFamily="49" charset="0"/>
@@ -8147,7 +7645,6 @@
                 <a:solidFill>
                   <a:srgbClr val="000000"/>
                 </a:solidFill>
-                <a:effectLst/>
                 <a:latin typeface="Consolas" panose="020B0609020204030204" pitchFamily="49" charset="0"/>
                 <a:ea typeface="Calibri" panose="020F0502020204030204" pitchFamily="34" charset="0"/>
                 <a:cs typeface="Consolas" panose="020B0609020204030204" pitchFamily="49" charset="0"/>
@@ -8159,7 +7656,6 @@
                 <a:solidFill>
                   <a:srgbClr val="2B91AF"/>
                 </a:solidFill>
-                <a:effectLst/>
                 <a:latin typeface="Consolas" panose="020B0609020204030204" pitchFamily="49" charset="0"/>
                 <a:ea typeface="Calibri" panose="020F0502020204030204" pitchFamily="34" charset="0"/>
                 <a:cs typeface="Consolas" panose="020B0609020204030204" pitchFamily="49" charset="0"/>
@@ -8167,7 +7663,6 @@
               <a:t>Node</a:t>
             </a:r>
             <a:endParaRPr lang="ru-RU" sz="1600" dirty="0">
-              <a:effectLst/>
               <a:latin typeface="Consolas" panose="020B0609020204030204" pitchFamily="49" charset="0"/>
               <a:ea typeface="Calibri" panose="020F0502020204030204" pitchFamily="34" charset="0"/>
               <a:cs typeface="Times New Roman" panose="02020603050405020304" pitchFamily="18" charset="0"/>
@@ -8184,7 +7679,6 @@
                 <a:solidFill>
                   <a:srgbClr val="000000"/>
                 </a:solidFill>
-                <a:effectLst/>
                 <a:latin typeface="Consolas" panose="020B0609020204030204" pitchFamily="49" charset="0"/>
                 <a:ea typeface="Calibri" panose="020F0502020204030204" pitchFamily="34" charset="0"/>
                 <a:cs typeface="Consolas" panose="020B0609020204030204" pitchFamily="49" charset="0"/>
@@ -8192,7 +7686,6 @@
               <a:t>  {</a:t>
             </a:r>
             <a:endParaRPr lang="ru-RU" sz="1600" dirty="0">
-              <a:effectLst/>
               <a:latin typeface="Consolas" panose="020B0609020204030204" pitchFamily="49" charset="0"/>
               <a:ea typeface="Calibri" panose="020F0502020204030204" pitchFamily="34" charset="0"/>
               <a:cs typeface="Times New Roman" panose="02020603050405020304" pitchFamily="18" charset="0"/>
@@ -8209,7 +7702,6 @@
                 <a:solidFill>
                   <a:srgbClr val="000000"/>
                 </a:solidFill>
-                <a:effectLst/>
                 <a:latin typeface="Consolas" panose="020B0609020204030204" pitchFamily="49" charset="0"/>
                 <a:ea typeface="Calibri" panose="020F0502020204030204" pitchFamily="34" charset="0"/>
                 <a:cs typeface="Consolas" panose="020B0609020204030204" pitchFamily="49" charset="0"/>
@@ -8217,7 +7709,6 @@
               <a:t>    ... </a:t>
             </a:r>
             <a:endParaRPr lang="ru-RU" sz="1600" dirty="0">
-              <a:effectLst/>
               <a:latin typeface="Consolas" panose="020B0609020204030204" pitchFamily="49" charset="0"/>
               <a:ea typeface="Calibri" panose="020F0502020204030204" pitchFamily="34" charset="0"/>
               <a:cs typeface="Times New Roman" panose="02020603050405020304" pitchFamily="18" charset="0"/>
@@ -8234,7 +7725,6 @@
                 <a:solidFill>
                   <a:srgbClr val="000000"/>
                 </a:solidFill>
-                <a:effectLst/>
                 <a:latin typeface="Consolas" panose="020B0609020204030204" pitchFamily="49" charset="0"/>
                 <a:ea typeface="Calibri" panose="020F0502020204030204" pitchFamily="34" charset="0"/>
                 <a:cs typeface="Consolas" panose="020B0609020204030204" pitchFamily="49" charset="0"/>
@@ -8246,7 +7736,6 @@
                 <a:solidFill>
                   <a:srgbClr val="2B91AF"/>
                 </a:solidFill>
-                <a:effectLst/>
                 <a:latin typeface="Consolas" panose="020B0609020204030204" pitchFamily="49" charset="0"/>
                 <a:ea typeface="Calibri" panose="020F0502020204030204" pitchFamily="34" charset="0"/>
                 <a:cs typeface="Consolas" panose="020B0609020204030204" pitchFamily="49" charset="0"/>
@@ -8258,7 +7747,6 @@
                 <a:solidFill>
                   <a:srgbClr val="000000"/>
                 </a:solidFill>
-                <a:effectLst/>
                 <a:latin typeface="Consolas" panose="020B0609020204030204" pitchFamily="49" charset="0"/>
                 <a:ea typeface="Calibri" panose="020F0502020204030204" pitchFamily="34" charset="0"/>
                 <a:cs typeface="Consolas" panose="020B0609020204030204" pitchFamily="49" charset="0"/>
@@ -8266,7 +7754,6 @@
               <a:t> value{};</a:t>
             </a:r>
             <a:endParaRPr lang="ru-RU" sz="1600" dirty="0">
-              <a:effectLst/>
               <a:latin typeface="Consolas" panose="020B0609020204030204" pitchFamily="49" charset="0"/>
               <a:ea typeface="Calibri" panose="020F0502020204030204" pitchFamily="34" charset="0"/>
               <a:cs typeface="Times New Roman" panose="02020603050405020304" pitchFamily="18" charset="0"/>
@@ -8283,7 +7770,6 @@
                 <a:solidFill>
                   <a:srgbClr val="000000"/>
                 </a:solidFill>
-                <a:effectLst/>
                 <a:latin typeface="Consolas" panose="020B0609020204030204" pitchFamily="49" charset="0"/>
                 <a:ea typeface="Calibri" panose="020F0502020204030204" pitchFamily="34" charset="0"/>
                 <a:cs typeface="Consolas" panose="020B0609020204030204" pitchFamily="49" charset="0"/>
@@ -8295,7 +7781,6 @@
                 <a:solidFill>
                   <a:srgbClr val="2B91AF"/>
                 </a:solidFill>
-                <a:effectLst/>
                 <a:latin typeface="Consolas" panose="020B0609020204030204" pitchFamily="49" charset="0"/>
                 <a:ea typeface="Calibri" panose="020F0502020204030204" pitchFamily="34" charset="0"/>
                 <a:cs typeface="Consolas" panose="020B0609020204030204" pitchFamily="49" charset="0"/>
@@ -8307,7 +7792,6 @@
                 <a:solidFill>
                   <a:srgbClr val="000000"/>
                 </a:solidFill>
-                <a:effectLst/>
                 <a:latin typeface="Consolas" panose="020B0609020204030204" pitchFamily="49" charset="0"/>
                 <a:ea typeface="Calibri" panose="020F0502020204030204" pitchFamily="34" charset="0"/>
                 <a:cs typeface="Consolas" panose="020B0609020204030204" pitchFamily="49" charset="0"/>
@@ -8319,7 +7803,6 @@
                 <a:solidFill>
                   <a:srgbClr val="0000FF"/>
                 </a:solidFill>
-                <a:effectLst/>
                 <a:latin typeface="Consolas" panose="020B0609020204030204" pitchFamily="49" charset="0"/>
                 <a:ea typeface="Calibri" panose="020F0502020204030204" pitchFamily="34" charset="0"/>
                 <a:cs typeface="Consolas" panose="020B0609020204030204" pitchFamily="49" charset="0"/>
@@ -8331,7 +7814,6 @@
                 <a:solidFill>
                   <a:srgbClr val="000000"/>
                 </a:solidFill>
-                <a:effectLst/>
                 <a:latin typeface="Consolas" panose="020B0609020204030204" pitchFamily="49" charset="0"/>
                 <a:ea typeface="Calibri" panose="020F0502020204030204" pitchFamily="34" charset="0"/>
                 <a:cs typeface="Consolas" panose="020B0609020204030204" pitchFamily="49" charset="0"/>
@@ -8339,7 +7821,6 @@
               <a:t>;</a:t>
             </a:r>
             <a:endParaRPr lang="ru-RU" sz="1600" dirty="0">
-              <a:effectLst/>
               <a:latin typeface="Consolas" panose="020B0609020204030204" pitchFamily="49" charset="0"/>
               <a:ea typeface="Calibri" panose="020F0502020204030204" pitchFamily="34" charset="0"/>
               <a:cs typeface="Times New Roman" panose="02020603050405020304" pitchFamily="18" charset="0"/>
@@ -8356,7 +7837,6 @@
                 <a:solidFill>
                   <a:srgbClr val="000000"/>
                 </a:solidFill>
-                <a:effectLst/>
                 <a:latin typeface="Consolas" panose="020B0609020204030204" pitchFamily="49" charset="0"/>
                 <a:ea typeface="Calibri" panose="020F0502020204030204" pitchFamily="34" charset="0"/>
                 <a:cs typeface="Consolas" panose="020B0609020204030204" pitchFamily="49" charset="0"/>
@@ -8368,7 +7848,6 @@
                 <a:solidFill>
                   <a:srgbClr val="000000"/>
                 </a:solidFill>
-                <a:effectLst/>
                 <a:latin typeface="Consolas" panose="020B0609020204030204" pitchFamily="49" charset="0"/>
                 <a:ea typeface="Calibri" panose="020F0502020204030204" pitchFamily="34" charset="0"/>
                 <a:cs typeface="Consolas" panose="020B0609020204030204" pitchFamily="49" charset="0"/>
@@ -8376,7 +7855,6 @@
               <a:t>};</a:t>
             </a:r>
             <a:endParaRPr lang="ru-RU" sz="1600" dirty="0">
-              <a:effectLst/>
               <a:latin typeface="Consolas" panose="020B0609020204030204" pitchFamily="49" charset="0"/>
               <a:ea typeface="Calibri" panose="020F0502020204030204" pitchFamily="34" charset="0"/>
               <a:cs typeface="Times New Roman" panose="02020603050405020304" pitchFamily="18" charset="0"/>
@@ -8393,7 +7871,6 @@
                 <a:solidFill>
                   <a:srgbClr val="000000"/>
                 </a:solidFill>
-                <a:effectLst/>
                 <a:latin typeface="Consolas" panose="020B0609020204030204" pitchFamily="49" charset="0"/>
                 <a:ea typeface="Calibri" panose="020F0502020204030204" pitchFamily="34" charset="0"/>
                 <a:cs typeface="Consolas" panose="020B0609020204030204" pitchFamily="49" charset="0"/>
@@ -8401,7 +7878,6 @@
               <a:t> </a:t>
             </a:r>
             <a:endParaRPr lang="ru-RU" sz="1600" dirty="0">
-              <a:effectLst/>
               <a:latin typeface="Consolas" panose="020B0609020204030204" pitchFamily="49" charset="0"/>
               <a:ea typeface="Calibri" panose="020F0502020204030204" pitchFamily="34" charset="0"/>
               <a:cs typeface="Times New Roman" panose="02020603050405020304" pitchFamily="18" charset="0"/>
@@ -8418,7 +7894,6 @@
                 <a:solidFill>
                   <a:srgbClr val="0000FF"/>
                 </a:solidFill>
-                <a:effectLst/>
                 <a:latin typeface="Consolas" panose="020B0609020204030204" pitchFamily="49" charset="0"/>
                 <a:ea typeface="Calibri" panose="020F0502020204030204" pitchFamily="34" charset="0"/>
                 <a:cs typeface="Consolas" panose="020B0609020204030204" pitchFamily="49" charset="0"/>
@@ -8430,7 +7905,6 @@
                 <a:solidFill>
                   <a:srgbClr val="000000"/>
                 </a:solidFill>
-                <a:effectLst/>
                 <a:latin typeface="Consolas" panose="020B0609020204030204" pitchFamily="49" charset="0"/>
                 <a:ea typeface="Calibri" panose="020F0502020204030204" pitchFamily="34" charset="0"/>
                 <a:cs typeface="Consolas" panose="020B0609020204030204" pitchFamily="49" charset="0"/>
@@ -8438,7 +7912,6 @@
               <a:t>:</a:t>
             </a:r>
             <a:endParaRPr lang="ru-RU" sz="1600" dirty="0">
-              <a:effectLst/>
               <a:latin typeface="Consolas" panose="020B0609020204030204" pitchFamily="49" charset="0"/>
               <a:ea typeface="Calibri" panose="020F0502020204030204" pitchFamily="34" charset="0"/>
               <a:cs typeface="Times New Roman" panose="02020603050405020304" pitchFamily="18" charset="0"/>
@@ -8455,7 +7928,6 @@
                 <a:solidFill>
                   <a:srgbClr val="000000"/>
                 </a:solidFill>
-                <a:effectLst/>
                 <a:latin typeface="Consolas" panose="020B0609020204030204" pitchFamily="49" charset="0"/>
                 <a:ea typeface="Calibri" panose="020F0502020204030204" pitchFamily="34" charset="0"/>
                 <a:cs typeface="Consolas" panose="020B0609020204030204" pitchFamily="49" charset="0"/>
@@ -8467,7 +7939,6 @@
                 <a:solidFill>
                   <a:srgbClr val="0000FF"/>
                 </a:solidFill>
-                <a:effectLst/>
                 <a:latin typeface="Consolas" panose="020B0609020204030204" pitchFamily="49" charset="0"/>
                 <a:ea typeface="Calibri" panose="020F0502020204030204" pitchFamily="34" charset="0"/>
                 <a:cs typeface="Consolas" panose="020B0609020204030204" pitchFamily="49" charset="0"/>
@@ -8479,7 +7950,6 @@
                 <a:solidFill>
                   <a:srgbClr val="000000"/>
                 </a:solidFill>
-                <a:effectLst/>
                 <a:latin typeface="Consolas" panose="020B0609020204030204" pitchFamily="49" charset="0"/>
                 <a:ea typeface="Calibri" panose="020F0502020204030204" pitchFamily="34" charset="0"/>
                 <a:cs typeface="Consolas" panose="020B0609020204030204" pitchFamily="49" charset="0"/>
@@ -8491,7 +7961,6 @@
                 <a:solidFill>
                   <a:srgbClr val="2B91AF"/>
                 </a:solidFill>
-                <a:effectLst/>
                 <a:latin typeface="Consolas" panose="020B0609020204030204" pitchFamily="49" charset="0"/>
                 <a:ea typeface="Calibri" panose="020F0502020204030204" pitchFamily="34" charset="0"/>
                 <a:cs typeface="Consolas" panose="020B0609020204030204" pitchFamily="49" charset="0"/>
@@ -8499,7 +7968,6 @@
               <a:t>Iterator</a:t>
             </a:r>
             <a:endParaRPr lang="ru-RU" sz="1600" dirty="0">
-              <a:effectLst/>
               <a:latin typeface="Consolas" panose="020B0609020204030204" pitchFamily="49" charset="0"/>
               <a:ea typeface="Calibri" panose="020F0502020204030204" pitchFamily="34" charset="0"/>
               <a:cs typeface="Times New Roman" panose="02020603050405020304" pitchFamily="18" charset="0"/>
@@ -8516,7 +7984,6 @@
                 <a:solidFill>
                   <a:srgbClr val="000000"/>
                 </a:solidFill>
-                <a:effectLst/>
                 <a:latin typeface="Consolas" panose="020B0609020204030204" pitchFamily="49" charset="0"/>
                 <a:ea typeface="Calibri" panose="020F0502020204030204" pitchFamily="34" charset="0"/>
                 <a:cs typeface="Consolas" panose="020B0609020204030204" pitchFamily="49" charset="0"/>
@@ -8524,7 +7991,6 @@
               <a:t>  {</a:t>
             </a:r>
             <a:endParaRPr lang="ru-RU" sz="1600" dirty="0">
-              <a:effectLst/>
               <a:latin typeface="Consolas" panose="020B0609020204030204" pitchFamily="49" charset="0"/>
               <a:ea typeface="Calibri" panose="020F0502020204030204" pitchFamily="34" charset="0"/>
               <a:cs typeface="Times New Roman" panose="02020603050405020304" pitchFamily="18" charset="0"/>
@@ -8541,7 +8007,6 @@
                 <a:solidFill>
                   <a:srgbClr val="000000"/>
                 </a:solidFill>
-                <a:effectLst/>
                 <a:latin typeface="Consolas" panose="020B0609020204030204" pitchFamily="49" charset="0"/>
                 <a:ea typeface="Calibri" panose="020F0502020204030204" pitchFamily="34" charset="0"/>
                 <a:cs typeface="Consolas" panose="020B0609020204030204" pitchFamily="49" charset="0"/>
@@ -8549,7 +8014,6 @@
               <a:t>    ... </a:t>
             </a:r>
             <a:endParaRPr lang="ru-RU" sz="1600" dirty="0">
-              <a:effectLst/>
               <a:latin typeface="Consolas" panose="020B0609020204030204" pitchFamily="49" charset="0"/>
               <a:ea typeface="Calibri" panose="020F0502020204030204" pitchFamily="34" charset="0"/>
               <a:cs typeface="Times New Roman" panose="02020603050405020304" pitchFamily="18" charset="0"/>
@@ -8566,7 +8030,6 @@
                 <a:solidFill>
                   <a:srgbClr val="000000"/>
                 </a:solidFill>
-                <a:effectLst/>
                 <a:latin typeface="Consolas" panose="020B0609020204030204" pitchFamily="49" charset="0"/>
                 <a:ea typeface="Calibri" panose="020F0502020204030204" pitchFamily="34" charset="0"/>
                 <a:cs typeface="Consolas" panose="020B0609020204030204" pitchFamily="49" charset="0"/>
@@ -8578,7 +8041,6 @@
                 <a:solidFill>
                   <a:srgbClr val="0000FF"/>
                 </a:solidFill>
-                <a:effectLst/>
                 <a:latin typeface="Consolas" panose="020B0609020204030204" pitchFamily="49" charset="0"/>
                 <a:ea typeface="Calibri" panose="020F0502020204030204" pitchFamily="34" charset="0"/>
                 <a:cs typeface="Consolas" panose="020B0609020204030204" pitchFamily="49" charset="0"/>
@@ -8590,7 +8052,6 @@
                 <a:solidFill>
                   <a:srgbClr val="000000"/>
                 </a:solidFill>
-                <a:effectLst/>
                 <a:latin typeface="Consolas" panose="020B0609020204030204" pitchFamily="49" charset="0"/>
                 <a:ea typeface="Calibri" panose="020F0502020204030204" pitchFamily="34" charset="0"/>
                 <a:cs typeface="Consolas" panose="020B0609020204030204" pitchFamily="49" charset="0"/>
@@ -8598,7 +8059,6 @@
               <a:t>:</a:t>
             </a:r>
             <a:endParaRPr lang="ru-RU" sz="1600" dirty="0">
-              <a:effectLst/>
               <a:latin typeface="Consolas" panose="020B0609020204030204" pitchFamily="49" charset="0"/>
               <a:ea typeface="Calibri" panose="020F0502020204030204" pitchFamily="34" charset="0"/>
               <a:cs typeface="Times New Roman" panose="02020603050405020304" pitchFamily="18" charset="0"/>
@@ -8615,7 +8075,6 @@
                 <a:solidFill>
                   <a:srgbClr val="000000"/>
                 </a:solidFill>
-                <a:effectLst/>
                 <a:latin typeface="Consolas" panose="020B0609020204030204" pitchFamily="49" charset="0"/>
                 <a:ea typeface="Calibri" panose="020F0502020204030204" pitchFamily="34" charset="0"/>
                 <a:cs typeface="Consolas" panose="020B0609020204030204" pitchFamily="49" charset="0"/>
@@ -8627,7 +8086,6 @@
                 <a:solidFill>
                   <a:srgbClr val="008000"/>
                 </a:solidFill>
-                <a:effectLst/>
                 <a:latin typeface="Consolas" panose="020B0609020204030204" pitchFamily="49" charset="0"/>
                 <a:ea typeface="Calibri" panose="020F0502020204030204" pitchFamily="34" charset="0"/>
                 <a:cs typeface="Consolas" panose="020B0609020204030204" pitchFamily="49" charset="0"/>
@@ -8635,7 +8093,6 @@
               <a:t>// Итератор хранит адрес узла списка, но не владеет им</a:t>
             </a:r>
             <a:endParaRPr lang="ru-RU" sz="1600" dirty="0">
-              <a:effectLst/>
               <a:latin typeface="Consolas" panose="020B0609020204030204" pitchFamily="49" charset="0"/>
               <a:ea typeface="Calibri" panose="020F0502020204030204" pitchFamily="34" charset="0"/>
               <a:cs typeface="Times New Roman" panose="02020603050405020304" pitchFamily="18" charset="0"/>
@@ -8652,7 +8109,6 @@
                 <a:solidFill>
                   <a:srgbClr val="000000"/>
                 </a:solidFill>
-                <a:effectLst/>
                 <a:latin typeface="Consolas" panose="020B0609020204030204" pitchFamily="49" charset="0"/>
                 <a:ea typeface="Calibri" panose="020F0502020204030204" pitchFamily="34" charset="0"/>
                 <a:cs typeface="Consolas" panose="020B0609020204030204" pitchFamily="49" charset="0"/>
@@ -8664,7 +8120,6 @@
                 <a:solidFill>
                   <a:srgbClr val="2B91AF"/>
                 </a:solidFill>
-                <a:effectLst/>
                 <a:latin typeface="Consolas" panose="020B0609020204030204" pitchFamily="49" charset="0"/>
                 <a:ea typeface="Calibri" panose="020F0502020204030204" pitchFamily="34" charset="0"/>
                 <a:cs typeface="Consolas" panose="020B0609020204030204" pitchFamily="49" charset="0"/>
@@ -8676,7 +8131,6 @@
                 <a:solidFill>
                   <a:srgbClr val="000000"/>
                 </a:solidFill>
-                <a:effectLst/>
                 <a:latin typeface="Consolas" panose="020B0609020204030204" pitchFamily="49" charset="0"/>
                 <a:ea typeface="Calibri" panose="020F0502020204030204" pitchFamily="34" charset="0"/>
                 <a:cs typeface="Consolas" panose="020B0609020204030204" pitchFamily="49" charset="0"/>
@@ -8688,7 +8142,6 @@
                 <a:solidFill>
                   <a:srgbClr val="000000"/>
                 </a:solidFill>
-                <a:effectLst/>
                 <a:latin typeface="Consolas" panose="020B0609020204030204" pitchFamily="49" charset="0"/>
                 <a:ea typeface="Calibri" panose="020F0502020204030204" pitchFamily="34" charset="0"/>
                 <a:cs typeface="Consolas" panose="020B0609020204030204" pitchFamily="49" charset="0"/>
@@ -8700,7 +8153,6 @@
                 <a:solidFill>
                   <a:srgbClr val="000000"/>
                 </a:solidFill>
-                <a:effectLst/>
                 <a:latin typeface="Consolas" panose="020B0609020204030204" pitchFamily="49" charset="0"/>
                 <a:ea typeface="Calibri" panose="020F0502020204030204" pitchFamily="34" charset="0"/>
                 <a:cs typeface="Consolas" panose="020B0609020204030204" pitchFamily="49" charset="0"/>
@@ -8708,7 +8160,6 @@
               <a:t>_;</a:t>
             </a:r>
             <a:endParaRPr lang="ru-RU" sz="1600" dirty="0">
-              <a:effectLst/>
               <a:latin typeface="Consolas" panose="020B0609020204030204" pitchFamily="49" charset="0"/>
               <a:ea typeface="Calibri" panose="020F0502020204030204" pitchFamily="34" charset="0"/>
               <a:cs typeface="Times New Roman" panose="02020603050405020304" pitchFamily="18" charset="0"/>
@@ -8725,7 +8176,6 @@
                 <a:solidFill>
                   <a:srgbClr val="000000"/>
                 </a:solidFill>
-                <a:effectLst/>
                 <a:latin typeface="Consolas" panose="020B0609020204030204" pitchFamily="49" charset="0"/>
                 <a:ea typeface="Calibri" panose="020F0502020204030204" pitchFamily="34" charset="0"/>
                 <a:cs typeface="Consolas" panose="020B0609020204030204" pitchFamily="49" charset="0"/>
@@ -8733,7 +8183,6 @@
               <a:t>  };</a:t>
             </a:r>
             <a:endParaRPr lang="ru-RU" sz="1600" dirty="0">
-              <a:effectLst/>
               <a:latin typeface="Consolas" panose="020B0609020204030204" pitchFamily="49" charset="0"/>
               <a:ea typeface="Calibri" panose="020F0502020204030204" pitchFamily="34" charset="0"/>
               <a:cs typeface="Times New Roman" panose="02020603050405020304" pitchFamily="18" charset="0"/>
@@ -8750,7 +8199,6 @@
                 <a:solidFill>
                   <a:srgbClr val="000000"/>
                 </a:solidFill>
-                <a:effectLst/>
                 <a:latin typeface="Consolas" panose="020B0609020204030204" pitchFamily="49" charset="0"/>
                 <a:ea typeface="Calibri" panose="020F0502020204030204" pitchFamily="34" charset="0"/>
                 <a:cs typeface="Consolas" panose="020B0609020204030204" pitchFamily="49" charset="0"/>
@@ -8758,7 +8206,6 @@
               <a:t>};</a:t>
             </a:r>
             <a:endParaRPr lang="ru-RU" sz="1600" dirty="0">
-              <a:effectLst/>
               <a:latin typeface="Consolas" panose="020B0609020204030204" pitchFamily="49" charset="0"/>
               <a:ea typeface="Calibri" panose="020F0502020204030204" pitchFamily="34" charset="0"/>
               <a:cs typeface="Times New Roman" panose="02020603050405020304" pitchFamily="18" charset="0"/>
@@ -8852,7 +8299,7 @@
         </p:blipFill>
         <p:spPr>
           <a:xfrm>
-            <a:off x="23378" y="1847088"/>
+            <a:off x="1547378" y="1847089"/>
             <a:ext cx="9144000" cy="2751015"/>
           </a:xfrm>
           <a:prstGeom prst="rect">
@@ -8888,7 +8335,7 @@
         </p:blipFill>
         <p:spPr>
           <a:xfrm>
-            <a:off x="1171575" y="5010911"/>
+            <a:off x="2695575" y="5010911"/>
             <a:ext cx="6877050" cy="1657350"/>
           </a:xfrm>
           <a:prstGeom prst="rect">
@@ -9118,7 +8565,7 @@
         </p:blipFill>
         <p:spPr>
           <a:xfrm>
-            <a:off x="1414264" y="2492896"/>
+            <a:off x="2938264" y="2492896"/>
             <a:ext cx="6470104" cy="3702850"/>
           </a:xfrm>
           <a:prstGeom prst="rect">
@@ -9374,8 +8821,8 @@
         </p:nvSpPr>
         <p:spPr>
           <a:xfrm>
-            <a:off x="457199" y="1841242"/>
-            <a:ext cx="8468693" cy="5016758"/>
+            <a:off x="839548" y="1497751"/>
+            <a:ext cx="9682485" cy="5016758"/>
           </a:xfrm>
           <a:prstGeom prst="rect">
             <a:avLst/>
@@ -9398,7 +8845,6 @@
                 <a:solidFill>
                   <a:srgbClr val="0000FF"/>
                 </a:solidFill>
-                <a:effectLst/>
                 <a:latin typeface="Consolas" panose="020B0609020204030204" pitchFamily="49" charset="0"/>
                 <a:ea typeface="Calibri" panose="020F0502020204030204" pitchFamily="34" charset="0"/>
                 <a:cs typeface="Consolas" panose="020B0609020204030204" pitchFamily="49" charset="0"/>
@@ -9410,7 +8856,6 @@
                 <a:solidFill>
                   <a:srgbClr val="000000"/>
                 </a:solidFill>
-                <a:effectLst/>
                 <a:latin typeface="Consolas" panose="020B0609020204030204" pitchFamily="49" charset="0"/>
                 <a:ea typeface="Calibri" panose="020F0502020204030204" pitchFamily="34" charset="0"/>
                 <a:cs typeface="Consolas" panose="020B0609020204030204" pitchFamily="49" charset="0"/>
@@ -9422,7 +8867,6 @@
                 <a:solidFill>
                   <a:srgbClr val="2B91AF"/>
                 </a:solidFill>
-                <a:effectLst/>
                 <a:latin typeface="Consolas" panose="020B0609020204030204" pitchFamily="49" charset="0"/>
                 <a:ea typeface="Calibri" panose="020F0502020204030204" pitchFamily="34" charset="0"/>
                 <a:cs typeface="Consolas" panose="020B0609020204030204" pitchFamily="49" charset="0"/>
@@ -9430,7 +8874,6 @@
               <a:t>Supplier</a:t>
             </a:r>
             <a:endParaRPr lang="ru-RU" sz="1600" dirty="0">
-              <a:effectLst/>
               <a:latin typeface="Consolas" panose="020B0609020204030204" pitchFamily="49" charset="0"/>
               <a:ea typeface="Calibri" panose="020F0502020204030204" pitchFamily="34" charset="0"/>
               <a:cs typeface="Times New Roman" panose="02020603050405020304" pitchFamily="18" charset="0"/>
@@ -9447,7 +8890,6 @@
                 <a:solidFill>
                   <a:srgbClr val="000000"/>
                 </a:solidFill>
-                <a:effectLst/>
                 <a:latin typeface="Consolas" panose="020B0609020204030204" pitchFamily="49" charset="0"/>
                 <a:ea typeface="Calibri" panose="020F0502020204030204" pitchFamily="34" charset="0"/>
                 <a:cs typeface="Consolas" panose="020B0609020204030204" pitchFamily="49" charset="0"/>
@@ -9455,7 +8897,6 @@
               <a:t>{</a:t>
             </a:r>
             <a:endParaRPr lang="ru-RU" sz="1600" dirty="0">
-              <a:effectLst/>
               <a:latin typeface="Consolas" panose="020B0609020204030204" pitchFamily="49" charset="0"/>
               <a:ea typeface="Calibri" panose="020F0502020204030204" pitchFamily="34" charset="0"/>
               <a:cs typeface="Times New Roman" panose="02020603050405020304" pitchFamily="18" charset="0"/>
@@ -9472,7 +8913,6 @@
                 <a:solidFill>
                   <a:srgbClr val="0000FF"/>
                 </a:solidFill>
-                <a:effectLst/>
                 <a:latin typeface="Consolas" panose="020B0609020204030204" pitchFamily="49" charset="0"/>
                 <a:ea typeface="Calibri" panose="020F0502020204030204" pitchFamily="34" charset="0"/>
                 <a:cs typeface="Consolas" panose="020B0609020204030204" pitchFamily="49" charset="0"/>
@@ -9484,7 +8924,6 @@
                 <a:solidFill>
                   <a:srgbClr val="000000"/>
                 </a:solidFill>
-                <a:effectLst/>
                 <a:latin typeface="Consolas" panose="020B0609020204030204" pitchFamily="49" charset="0"/>
                 <a:ea typeface="Calibri" panose="020F0502020204030204" pitchFamily="34" charset="0"/>
                 <a:cs typeface="Consolas" panose="020B0609020204030204" pitchFamily="49" charset="0"/>
@@ -9492,7 +8931,6 @@
               <a:t>:</a:t>
             </a:r>
             <a:endParaRPr lang="ru-RU" sz="1600" dirty="0">
-              <a:effectLst/>
               <a:latin typeface="Consolas" panose="020B0609020204030204" pitchFamily="49" charset="0"/>
               <a:ea typeface="Calibri" panose="020F0502020204030204" pitchFamily="34" charset="0"/>
               <a:cs typeface="Times New Roman" panose="02020603050405020304" pitchFamily="18" charset="0"/>
@@ -9509,7 +8947,6 @@
                 <a:solidFill>
                   <a:srgbClr val="000000"/>
                 </a:solidFill>
-                <a:effectLst/>
                 <a:latin typeface="Consolas" panose="020B0609020204030204" pitchFamily="49" charset="0"/>
                 <a:ea typeface="Calibri" panose="020F0502020204030204" pitchFamily="34" charset="0"/>
                 <a:cs typeface="Consolas" panose="020B0609020204030204" pitchFamily="49" charset="0"/>
@@ -9521,7 +8958,6 @@
                 <a:solidFill>
                   <a:srgbClr val="0000FF"/>
                 </a:solidFill>
-                <a:effectLst/>
                 <a:latin typeface="Consolas" panose="020B0609020204030204" pitchFamily="49" charset="0"/>
                 <a:ea typeface="Calibri" panose="020F0502020204030204" pitchFamily="34" charset="0"/>
                 <a:cs typeface="Consolas" panose="020B0609020204030204" pitchFamily="49" charset="0"/>
@@ -9533,7 +8969,6 @@
                 <a:solidFill>
                   <a:srgbClr val="000000"/>
                 </a:solidFill>
-                <a:effectLst/>
                 <a:latin typeface="Consolas" panose="020B0609020204030204" pitchFamily="49" charset="0"/>
                 <a:ea typeface="Calibri" panose="020F0502020204030204" pitchFamily="34" charset="0"/>
                 <a:cs typeface="Consolas" panose="020B0609020204030204" pitchFamily="49" charset="0"/>
@@ -9545,7 +8980,6 @@
                 <a:solidFill>
                   <a:srgbClr val="000000"/>
                 </a:solidFill>
-                <a:effectLst/>
                 <a:latin typeface="Consolas" panose="020B0609020204030204" pitchFamily="49" charset="0"/>
                 <a:ea typeface="Calibri" panose="020F0502020204030204" pitchFamily="34" charset="0"/>
                 <a:cs typeface="Consolas" panose="020B0609020204030204" pitchFamily="49" charset="0"/>
@@ -9557,7 +8991,6 @@
                 <a:solidFill>
                   <a:srgbClr val="000000"/>
                 </a:solidFill>
-                <a:effectLst/>
                 <a:latin typeface="Consolas" panose="020B0609020204030204" pitchFamily="49" charset="0"/>
                 <a:ea typeface="Calibri" panose="020F0502020204030204" pitchFamily="34" charset="0"/>
                 <a:cs typeface="Consolas" panose="020B0609020204030204" pitchFamily="49" charset="0"/>
@@ -9565,7 +8998,6 @@
               <a:t>();</a:t>
             </a:r>
             <a:endParaRPr lang="ru-RU" sz="1600" dirty="0">
-              <a:effectLst/>
               <a:latin typeface="Consolas" panose="020B0609020204030204" pitchFamily="49" charset="0"/>
               <a:ea typeface="Calibri" panose="020F0502020204030204" pitchFamily="34" charset="0"/>
               <a:cs typeface="Times New Roman" panose="02020603050405020304" pitchFamily="18" charset="0"/>
@@ -9582,7 +9014,6 @@
                 <a:solidFill>
                   <a:srgbClr val="000000"/>
                 </a:solidFill>
-                <a:effectLst/>
                 <a:latin typeface="Consolas" panose="020B0609020204030204" pitchFamily="49" charset="0"/>
                 <a:ea typeface="Calibri" panose="020F0502020204030204" pitchFamily="34" charset="0"/>
                 <a:cs typeface="Consolas" panose="020B0609020204030204" pitchFamily="49" charset="0"/>
@@ -9590,7 +9021,6 @@
               <a:t>};</a:t>
             </a:r>
             <a:endParaRPr lang="ru-RU" sz="1600" dirty="0">
-              <a:effectLst/>
               <a:latin typeface="Consolas" panose="020B0609020204030204" pitchFamily="49" charset="0"/>
               <a:ea typeface="Calibri" panose="020F0502020204030204" pitchFamily="34" charset="0"/>
               <a:cs typeface="Times New Roman" panose="02020603050405020304" pitchFamily="18" charset="0"/>
@@ -9607,7 +9037,6 @@
                 <a:solidFill>
                   <a:srgbClr val="0000FF"/>
                 </a:solidFill>
-                <a:effectLst/>
                 <a:latin typeface="Consolas" panose="020B0609020204030204" pitchFamily="49" charset="0"/>
                 <a:ea typeface="Calibri" panose="020F0502020204030204" pitchFamily="34" charset="0"/>
                 <a:cs typeface="Consolas" panose="020B0609020204030204" pitchFamily="49" charset="0"/>
@@ -9619,7 +9048,6 @@
                 <a:solidFill>
                   <a:srgbClr val="000000"/>
                 </a:solidFill>
-                <a:effectLst/>
                 <a:latin typeface="Consolas" panose="020B0609020204030204" pitchFamily="49" charset="0"/>
                 <a:ea typeface="Calibri" panose="020F0502020204030204" pitchFamily="34" charset="0"/>
                 <a:cs typeface="Consolas" panose="020B0609020204030204" pitchFamily="49" charset="0"/>
@@ -9631,7 +9059,6 @@
                 <a:solidFill>
                   <a:srgbClr val="2B91AF"/>
                 </a:solidFill>
-                <a:effectLst/>
                 <a:latin typeface="Consolas" panose="020B0609020204030204" pitchFamily="49" charset="0"/>
                 <a:ea typeface="Calibri" panose="020F0502020204030204" pitchFamily="34" charset="0"/>
                 <a:cs typeface="Consolas" panose="020B0609020204030204" pitchFamily="49" charset="0"/>
@@ -9639,7 +9066,6 @@
               <a:t>Client</a:t>
             </a:r>
             <a:endParaRPr lang="ru-RU" sz="1600" dirty="0">
-              <a:effectLst/>
               <a:latin typeface="Consolas" panose="020B0609020204030204" pitchFamily="49" charset="0"/>
               <a:ea typeface="Calibri" panose="020F0502020204030204" pitchFamily="34" charset="0"/>
               <a:cs typeface="Times New Roman" panose="02020603050405020304" pitchFamily="18" charset="0"/>
@@ -9656,7 +9082,6 @@
                 <a:solidFill>
                   <a:srgbClr val="000000"/>
                 </a:solidFill>
-                <a:effectLst/>
                 <a:latin typeface="Consolas" panose="020B0609020204030204" pitchFamily="49" charset="0"/>
                 <a:ea typeface="Calibri" panose="020F0502020204030204" pitchFamily="34" charset="0"/>
                 <a:cs typeface="Consolas" panose="020B0609020204030204" pitchFamily="49" charset="0"/>
@@ -9664,7 +9089,6 @@
               <a:t>{</a:t>
             </a:r>
             <a:endParaRPr lang="ru-RU" sz="1600" dirty="0">
-              <a:effectLst/>
               <a:latin typeface="Consolas" panose="020B0609020204030204" pitchFamily="49" charset="0"/>
               <a:ea typeface="Calibri" panose="020F0502020204030204" pitchFamily="34" charset="0"/>
               <a:cs typeface="Times New Roman" panose="02020603050405020304" pitchFamily="18" charset="0"/>
@@ -9681,7 +9105,6 @@
                 <a:solidFill>
                   <a:srgbClr val="0000FF"/>
                 </a:solidFill>
-                <a:effectLst/>
                 <a:latin typeface="Consolas" panose="020B0609020204030204" pitchFamily="49" charset="0"/>
                 <a:ea typeface="Calibri" panose="020F0502020204030204" pitchFamily="34" charset="0"/>
                 <a:cs typeface="Consolas" panose="020B0609020204030204" pitchFamily="49" charset="0"/>
@@ -9693,7 +9116,6 @@
                 <a:solidFill>
                   <a:srgbClr val="000000"/>
                 </a:solidFill>
-                <a:effectLst/>
                 <a:latin typeface="Consolas" panose="020B0609020204030204" pitchFamily="49" charset="0"/>
                 <a:ea typeface="Calibri" panose="020F0502020204030204" pitchFamily="34" charset="0"/>
                 <a:cs typeface="Consolas" panose="020B0609020204030204" pitchFamily="49" charset="0"/>
@@ -9701,7 +9123,6 @@
               <a:t>:</a:t>
             </a:r>
             <a:endParaRPr lang="ru-RU" sz="1600" dirty="0">
-              <a:effectLst/>
               <a:latin typeface="Consolas" panose="020B0609020204030204" pitchFamily="49" charset="0"/>
               <a:ea typeface="Calibri" panose="020F0502020204030204" pitchFamily="34" charset="0"/>
               <a:cs typeface="Times New Roman" panose="02020603050405020304" pitchFamily="18" charset="0"/>
@@ -9718,7 +9139,6 @@
                 <a:solidFill>
                   <a:srgbClr val="0000FF"/>
                 </a:solidFill>
-                <a:effectLst/>
                 <a:latin typeface="Consolas" panose="020B0609020204030204" pitchFamily="49" charset="0"/>
                 <a:ea typeface="Calibri" panose="020F0502020204030204" pitchFamily="34" charset="0"/>
                 <a:cs typeface="Consolas" panose="020B0609020204030204" pitchFamily="49" charset="0"/>
@@ -9730,7 +9150,6 @@
                 <a:solidFill>
                   <a:srgbClr val="000000"/>
                 </a:solidFill>
-                <a:effectLst/>
                 <a:latin typeface="Consolas" panose="020B0609020204030204" pitchFamily="49" charset="0"/>
                 <a:ea typeface="Calibri" panose="020F0502020204030204" pitchFamily="34" charset="0"/>
                 <a:cs typeface="Consolas" panose="020B0609020204030204" pitchFamily="49" charset="0"/>
@@ -9742,7 +9161,6 @@
                 <a:solidFill>
                   <a:srgbClr val="000000"/>
                 </a:solidFill>
-                <a:effectLst/>
                 <a:latin typeface="Consolas" panose="020B0609020204030204" pitchFamily="49" charset="0"/>
                 <a:ea typeface="Calibri" panose="020F0502020204030204" pitchFamily="34" charset="0"/>
                 <a:cs typeface="Consolas" panose="020B0609020204030204" pitchFamily="49" charset="0"/>
@@ -9754,7 +9172,6 @@
                 <a:solidFill>
                   <a:srgbClr val="000000"/>
                 </a:solidFill>
-                <a:effectLst/>
                 <a:latin typeface="Consolas" panose="020B0609020204030204" pitchFamily="49" charset="0"/>
                 <a:ea typeface="Calibri" panose="020F0502020204030204" pitchFamily="34" charset="0"/>
                 <a:cs typeface="Consolas" panose="020B0609020204030204" pitchFamily="49" charset="0"/>
@@ -9766,7 +9183,6 @@
                 <a:solidFill>
                   <a:srgbClr val="2B91AF"/>
                 </a:solidFill>
-                <a:effectLst/>
                 <a:latin typeface="Consolas" panose="020B0609020204030204" pitchFamily="49" charset="0"/>
                 <a:ea typeface="Calibri" panose="020F0502020204030204" pitchFamily="34" charset="0"/>
                 <a:cs typeface="Consolas" panose="020B0609020204030204" pitchFamily="49" charset="0"/>
@@ -9778,7 +9194,6 @@
                 <a:solidFill>
                   <a:srgbClr val="000000"/>
                 </a:solidFill>
-                <a:effectLst/>
                 <a:latin typeface="Consolas" panose="020B0609020204030204" pitchFamily="49" charset="0"/>
                 <a:ea typeface="Calibri" panose="020F0502020204030204" pitchFamily="34" charset="0"/>
                 <a:cs typeface="Consolas" panose="020B0609020204030204" pitchFamily="49" charset="0"/>
@@ -9790,7 +9205,6 @@
                 <a:solidFill>
                   <a:srgbClr val="808080"/>
                 </a:solidFill>
-                <a:effectLst/>
                 <a:latin typeface="Consolas" panose="020B0609020204030204" pitchFamily="49" charset="0"/>
                 <a:ea typeface="Calibri" panose="020F0502020204030204" pitchFamily="34" charset="0"/>
                 <a:cs typeface="Consolas" panose="020B0609020204030204" pitchFamily="49" charset="0"/>
@@ -9802,7 +9216,6 @@
                 <a:solidFill>
                   <a:srgbClr val="000000"/>
                 </a:solidFill>
-                <a:effectLst/>
                 <a:latin typeface="Consolas" panose="020B0609020204030204" pitchFamily="49" charset="0"/>
                 <a:ea typeface="Calibri" panose="020F0502020204030204" pitchFamily="34" charset="0"/>
                 <a:cs typeface="Consolas" panose="020B0609020204030204" pitchFamily="49" charset="0"/>
@@ -9814,7 +9227,6 @@
                 <a:solidFill>
                   <a:srgbClr val="000000"/>
                 </a:solidFill>
-                <a:effectLst/>
                 <a:latin typeface="Consolas" panose="020B0609020204030204" pitchFamily="49" charset="0"/>
                 <a:ea typeface="Calibri" panose="020F0502020204030204" pitchFamily="34" charset="0"/>
                 <a:cs typeface="Consolas" panose="020B0609020204030204" pitchFamily="49" charset="0"/>
@@ -9826,7 +9238,6 @@
                 <a:solidFill>
                   <a:srgbClr val="000000"/>
                 </a:solidFill>
-                <a:effectLst/>
                 <a:latin typeface="Consolas" panose="020B0609020204030204" pitchFamily="49" charset="0"/>
                 <a:ea typeface="Calibri" panose="020F0502020204030204" pitchFamily="34" charset="0"/>
                 <a:cs typeface="Consolas" panose="020B0609020204030204" pitchFamily="49" charset="0"/>
@@ -9838,7 +9249,6 @@
                 <a:solidFill>
                   <a:srgbClr val="000000"/>
                 </a:solidFill>
-                <a:effectLst/>
                 <a:latin typeface="Consolas" panose="020B0609020204030204" pitchFamily="49" charset="0"/>
                 <a:ea typeface="Calibri" panose="020F0502020204030204" pitchFamily="34" charset="0"/>
                 <a:cs typeface="Consolas" panose="020B0609020204030204" pitchFamily="49" charset="0"/>
@@ -9850,7 +9260,6 @@
                 <a:solidFill>
                   <a:srgbClr val="808080"/>
                 </a:solidFill>
-                <a:effectLst/>
                 <a:latin typeface="Consolas" panose="020B0609020204030204" pitchFamily="49" charset="0"/>
                 <a:ea typeface="Calibri" panose="020F0502020204030204" pitchFamily="34" charset="0"/>
                 <a:cs typeface="Consolas" panose="020B0609020204030204" pitchFamily="49" charset="0"/>
@@ -9862,7 +9271,6 @@
                 <a:solidFill>
                   <a:srgbClr val="000000"/>
                 </a:solidFill>
-                <a:effectLst/>
                 <a:latin typeface="Consolas" panose="020B0609020204030204" pitchFamily="49" charset="0"/>
                 <a:ea typeface="Calibri" panose="020F0502020204030204" pitchFamily="34" charset="0"/>
                 <a:cs typeface="Consolas" panose="020B0609020204030204" pitchFamily="49" charset="0"/>
@@ -9874,7 +9282,6 @@
                 <a:solidFill>
                   <a:srgbClr val="000000"/>
                 </a:solidFill>
-                <a:effectLst/>
                 <a:latin typeface="Consolas" panose="020B0609020204030204" pitchFamily="49" charset="0"/>
                 <a:ea typeface="Calibri" panose="020F0502020204030204" pitchFamily="34" charset="0"/>
                 <a:cs typeface="Consolas" panose="020B0609020204030204" pitchFamily="49" charset="0"/>
@@ -9886,7 +9293,6 @@
                 <a:solidFill>
                   <a:srgbClr val="000000"/>
                 </a:solidFill>
-                <a:effectLst/>
                 <a:latin typeface="Consolas" panose="020B0609020204030204" pitchFamily="49" charset="0"/>
                 <a:ea typeface="Calibri" panose="020F0502020204030204" pitchFamily="34" charset="0"/>
                 <a:cs typeface="Consolas" panose="020B0609020204030204" pitchFamily="49" charset="0"/>
@@ -9894,7 +9300,6 @@
               <a:t>(); }</a:t>
             </a:r>
             <a:endParaRPr lang="ru-RU" sz="1600" dirty="0">
-              <a:effectLst/>
               <a:latin typeface="Consolas" panose="020B0609020204030204" pitchFamily="49" charset="0"/>
               <a:ea typeface="Calibri" panose="020F0502020204030204" pitchFamily="34" charset="0"/>
               <a:cs typeface="Times New Roman" panose="02020603050405020304" pitchFamily="18" charset="0"/>
@@ -9911,7 +9316,6 @@
                 <a:solidFill>
                   <a:srgbClr val="0000FF"/>
                 </a:solidFill>
-                <a:effectLst/>
                 <a:latin typeface="Consolas" panose="020B0609020204030204" pitchFamily="49" charset="0"/>
                 <a:ea typeface="Calibri" panose="020F0502020204030204" pitchFamily="34" charset="0"/>
                 <a:cs typeface="Consolas" panose="020B0609020204030204" pitchFamily="49" charset="0"/>
@@ -9923,7 +9327,6 @@
                 <a:solidFill>
                   <a:srgbClr val="0000FF"/>
                 </a:solidFill>
-                <a:effectLst/>
                 <a:latin typeface="Consolas" panose="020B0609020204030204" pitchFamily="49" charset="0"/>
                 <a:ea typeface="Calibri" panose="020F0502020204030204" pitchFamily="34" charset="0"/>
                 <a:cs typeface="Consolas" panose="020B0609020204030204" pitchFamily="49" charset="0"/>
@@ -9935,7 +9338,6 @@
                 <a:solidFill>
                   <a:srgbClr val="000000"/>
                 </a:solidFill>
-                <a:effectLst/>
                 <a:latin typeface="Consolas" panose="020B0609020204030204" pitchFamily="49" charset="0"/>
                 <a:ea typeface="Calibri" panose="020F0502020204030204" pitchFamily="34" charset="0"/>
                 <a:cs typeface="Consolas" panose="020B0609020204030204" pitchFamily="49" charset="0"/>
@@ -9943,7 +9345,6 @@
               <a:t> DependentMethod2()</a:t>
             </a:r>
             <a:endParaRPr lang="ru-RU" sz="1600" dirty="0">
-              <a:effectLst/>
               <a:latin typeface="Consolas" panose="020B0609020204030204" pitchFamily="49" charset="0"/>
               <a:ea typeface="Calibri" panose="020F0502020204030204" pitchFamily="34" charset="0"/>
               <a:cs typeface="Times New Roman" panose="02020603050405020304" pitchFamily="18" charset="0"/>
@@ -9960,7 +9361,6 @@
                 <a:solidFill>
                   <a:srgbClr val="000000"/>
                 </a:solidFill>
-                <a:effectLst/>
                 <a:latin typeface="Consolas" panose="020B0609020204030204" pitchFamily="49" charset="0"/>
                 <a:ea typeface="Calibri" panose="020F0502020204030204" pitchFamily="34" charset="0"/>
                 <a:cs typeface="Consolas" panose="020B0609020204030204" pitchFamily="49" charset="0"/>
@@ -9968,7 +9368,6 @@
               <a:t>  {</a:t>
             </a:r>
             <a:endParaRPr lang="ru-RU" sz="1600" dirty="0">
-              <a:effectLst/>
               <a:latin typeface="Consolas" panose="020B0609020204030204" pitchFamily="49" charset="0"/>
               <a:ea typeface="Calibri" panose="020F0502020204030204" pitchFamily="34" charset="0"/>
               <a:cs typeface="Times New Roman" panose="02020603050405020304" pitchFamily="18" charset="0"/>
@@ -9985,7 +9384,6 @@
                 <a:solidFill>
                   <a:srgbClr val="000000"/>
                 </a:solidFill>
-                <a:effectLst/>
                 <a:latin typeface="Consolas" panose="020B0609020204030204" pitchFamily="49" charset="0"/>
                 <a:ea typeface="Calibri" panose="020F0502020204030204" pitchFamily="34" charset="0"/>
                 <a:cs typeface="Consolas" panose="020B0609020204030204" pitchFamily="49" charset="0"/>
@@ -9997,7 +9395,6 @@
                 <a:solidFill>
                   <a:srgbClr val="2B91AF"/>
                 </a:solidFill>
-                <a:effectLst/>
                 <a:latin typeface="Consolas" panose="020B0609020204030204" pitchFamily="49" charset="0"/>
                 <a:ea typeface="Calibri" panose="020F0502020204030204" pitchFamily="34" charset="0"/>
                 <a:cs typeface="Consolas" panose="020B0609020204030204" pitchFamily="49" charset="0"/>
@@ -10009,7 +9406,6 @@
                 <a:solidFill>
                   <a:srgbClr val="000000"/>
                 </a:solidFill>
-                <a:effectLst/>
                 <a:latin typeface="Consolas" panose="020B0609020204030204" pitchFamily="49" charset="0"/>
                 <a:ea typeface="Calibri" panose="020F0502020204030204" pitchFamily="34" charset="0"/>
                 <a:cs typeface="Consolas" panose="020B0609020204030204" pitchFamily="49" charset="0"/>
@@ -10021,7 +9417,6 @@
                 <a:solidFill>
                   <a:srgbClr val="000000"/>
                 </a:solidFill>
-                <a:effectLst/>
                 <a:latin typeface="Consolas" panose="020B0609020204030204" pitchFamily="49" charset="0"/>
                 <a:ea typeface="Calibri" panose="020F0502020204030204" pitchFamily="34" charset="0"/>
                 <a:cs typeface="Consolas" panose="020B0609020204030204" pitchFamily="49" charset="0"/>
@@ -10033,7 +9428,6 @@
                 <a:solidFill>
                   <a:srgbClr val="000000"/>
                 </a:solidFill>
-                <a:effectLst/>
                 <a:latin typeface="Consolas" panose="020B0609020204030204" pitchFamily="49" charset="0"/>
                 <a:ea typeface="Calibri" panose="020F0502020204030204" pitchFamily="34" charset="0"/>
                 <a:cs typeface="Consolas" panose="020B0609020204030204" pitchFamily="49" charset="0"/>
@@ -10041,7 +9435,6 @@
               <a:t>;</a:t>
             </a:r>
             <a:endParaRPr lang="ru-RU" sz="1600" dirty="0">
-              <a:effectLst/>
               <a:latin typeface="Consolas" panose="020B0609020204030204" pitchFamily="49" charset="0"/>
               <a:ea typeface="Calibri" panose="020F0502020204030204" pitchFamily="34" charset="0"/>
               <a:cs typeface="Times New Roman" panose="02020603050405020304" pitchFamily="18" charset="0"/>
@@ -10058,7 +9451,6 @@
                 <a:solidFill>
                   <a:srgbClr val="000000"/>
                 </a:solidFill>
-                <a:effectLst/>
                 <a:latin typeface="Consolas" panose="020B0609020204030204" pitchFamily="49" charset="0"/>
                 <a:ea typeface="Calibri" panose="020F0502020204030204" pitchFamily="34" charset="0"/>
                 <a:cs typeface="Consolas" panose="020B0609020204030204" pitchFamily="49" charset="0"/>
@@ -10070,7 +9462,6 @@
                 <a:solidFill>
                   <a:srgbClr val="000000"/>
                 </a:solidFill>
-                <a:effectLst/>
                 <a:latin typeface="Consolas" panose="020B0609020204030204" pitchFamily="49" charset="0"/>
                 <a:ea typeface="Calibri" panose="020F0502020204030204" pitchFamily="34" charset="0"/>
                 <a:cs typeface="Consolas" panose="020B0609020204030204" pitchFamily="49" charset="0"/>
@@ -10082,7 +9473,6 @@
                 <a:solidFill>
                   <a:srgbClr val="000000"/>
                 </a:solidFill>
-                <a:effectLst/>
                 <a:latin typeface="Consolas" panose="020B0609020204030204" pitchFamily="49" charset="0"/>
                 <a:ea typeface="Calibri" panose="020F0502020204030204" pitchFamily="34" charset="0"/>
                 <a:cs typeface="Consolas" panose="020B0609020204030204" pitchFamily="49" charset="0"/>
@@ -10090,7 +9480,6 @@
               <a:t>();</a:t>
             </a:r>
             <a:endParaRPr lang="ru-RU" sz="1600" dirty="0">
-              <a:effectLst/>
               <a:latin typeface="Consolas" panose="020B0609020204030204" pitchFamily="49" charset="0"/>
               <a:ea typeface="Calibri" panose="020F0502020204030204" pitchFamily="34" charset="0"/>
               <a:cs typeface="Times New Roman" panose="02020603050405020304" pitchFamily="18" charset="0"/>
@@ -10107,7 +9496,6 @@
                 <a:solidFill>
                   <a:srgbClr val="000000"/>
                 </a:solidFill>
-                <a:effectLst/>
                 <a:latin typeface="Consolas" panose="020B0609020204030204" pitchFamily="49" charset="0"/>
                 <a:ea typeface="Calibri" panose="020F0502020204030204" pitchFamily="34" charset="0"/>
                 <a:cs typeface="Consolas" panose="020B0609020204030204" pitchFamily="49" charset="0"/>
@@ -10119,7 +9507,6 @@
                 <a:solidFill>
                   <a:srgbClr val="000000"/>
                 </a:solidFill>
-                <a:effectLst/>
                 <a:latin typeface="Consolas" panose="020B0609020204030204" pitchFamily="49" charset="0"/>
                 <a:ea typeface="Calibri" panose="020F0502020204030204" pitchFamily="34" charset="0"/>
                 <a:cs typeface="Consolas" panose="020B0609020204030204" pitchFamily="49" charset="0"/>
@@ -10127,7 +9514,6 @@
               <a:t>}</a:t>
             </a:r>
             <a:endParaRPr lang="ru-RU" sz="1600" dirty="0">
-              <a:effectLst/>
               <a:latin typeface="Consolas" panose="020B0609020204030204" pitchFamily="49" charset="0"/>
               <a:ea typeface="Calibri" panose="020F0502020204030204" pitchFamily="34" charset="0"/>
               <a:cs typeface="Times New Roman" panose="02020603050405020304" pitchFamily="18" charset="0"/>
@@ -10144,7 +9530,6 @@
                 <a:solidFill>
                   <a:srgbClr val="2B91AF"/>
                 </a:solidFill>
-                <a:effectLst/>
                 <a:latin typeface="Consolas" panose="020B0609020204030204" pitchFamily="49" charset="0"/>
                 <a:ea typeface="Calibri" panose="020F0502020204030204" pitchFamily="34" charset="0"/>
                 <a:cs typeface="Consolas" panose="020B0609020204030204" pitchFamily="49" charset="0"/>
@@ -10156,7 +9541,6 @@
                 <a:solidFill>
                   <a:srgbClr val="2B91AF"/>
                 </a:solidFill>
-                <a:effectLst/>
                 <a:latin typeface="Consolas" panose="020B0609020204030204" pitchFamily="49" charset="0"/>
                 <a:ea typeface="Calibri" panose="020F0502020204030204" pitchFamily="34" charset="0"/>
                 <a:cs typeface="Consolas" panose="020B0609020204030204" pitchFamily="49" charset="0"/>
@@ -10168,7 +9552,6 @@
                 <a:solidFill>
                   <a:srgbClr val="000000"/>
                 </a:solidFill>
-                <a:effectLst/>
                 <a:latin typeface="Consolas" panose="020B0609020204030204" pitchFamily="49" charset="0"/>
                 <a:ea typeface="Calibri" panose="020F0502020204030204" pitchFamily="34" charset="0"/>
                 <a:cs typeface="Consolas" panose="020B0609020204030204" pitchFamily="49" charset="0"/>
@@ -10188,7 +9571,6 @@
                 <a:solidFill>
                   <a:srgbClr val="000000"/>
                 </a:solidFill>
-                <a:effectLst/>
                 <a:latin typeface="Consolas" panose="020B0609020204030204" pitchFamily="49" charset="0"/>
                 <a:ea typeface="Calibri" panose="020F0502020204030204" pitchFamily="34" charset="0"/>
                 <a:cs typeface="Consolas" panose="020B0609020204030204" pitchFamily="49" charset="0"/>
@@ -10200,7 +9582,6 @@
                 <a:solidFill>
                   <a:srgbClr val="0000FF"/>
                 </a:solidFill>
-                <a:effectLst/>
                 <a:latin typeface="Consolas" panose="020B0609020204030204" pitchFamily="49" charset="0"/>
                 <a:ea typeface="Calibri" panose="020F0502020204030204" pitchFamily="34" charset="0"/>
                 <a:cs typeface="Consolas" panose="020B0609020204030204" pitchFamily="49" charset="0"/>
@@ -10212,7 +9593,6 @@
                 <a:solidFill>
                   <a:srgbClr val="000000"/>
                 </a:solidFill>
-                <a:effectLst/>
                 <a:latin typeface="Consolas" panose="020B0609020204030204" pitchFamily="49" charset="0"/>
                 <a:ea typeface="Calibri" panose="020F0502020204030204" pitchFamily="34" charset="0"/>
                 <a:cs typeface="Consolas" panose="020B0609020204030204" pitchFamily="49" charset="0"/>
@@ -10224,7 +9604,6 @@
                 <a:solidFill>
                   <a:srgbClr val="2B91AF"/>
                 </a:solidFill>
-                <a:effectLst/>
                 <a:latin typeface="Consolas" panose="020B0609020204030204" pitchFamily="49" charset="0"/>
                 <a:ea typeface="Calibri" panose="020F0502020204030204" pitchFamily="34" charset="0"/>
                 <a:cs typeface="Consolas" panose="020B0609020204030204" pitchFamily="49" charset="0"/>
@@ -10236,7 +9615,6 @@
                 <a:solidFill>
                   <a:srgbClr val="000000"/>
                 </a:solidFill>
-                <a:effectLst/>
                 <a:latin typeface="Consolas" panose="020B0609020204030204" pitchFamily="49" charset="0"/>
                 <a:ea typeface="Calibri" panose="020F0502020204030204" pitchFamily="34" charset="0"/>
                 <a:cs typeface="Consolas" panose="020B0609020204030204" pitchFamily="49" charset="0"/>
@@ -10248,7 +9626,6 @@
                 <a:solidFill>
                   <a:srgbClr val="000000"/>
                 </a:solidFill>
-                <a:effectLst/>
                 <a:latin typeface="Consolas" panose="020B0609020204030204" pitchFamily="49" charset="0"/>
                 <a:ea typeface="Calibri" panose="020F0502020204030204" pitchFamily="34" charset="0"/>
                 <a:cs typeface="Consolas" panose="020B0609020204030204" pitchFamily="49" charset="0"/>
@@ -10260,7 +9637,6 @@
                 <a:solidFill>
                   <a:srgbClr val="000000"/>
                 </a:solidFill>
-                <a:effectLst/>
                 <a:latin typeface="Consolas" panose="020B0609020204030204" pitchFamily="49" charset="0"/>
                 <a:ea typeface="Calibri" panose="020F0502020204030204" pitchFamily="34" charset="0"/>
                 <a:cs typeface="Consolas" panose="020B0609020204030204" pitchFamily="49" charset="0"/>
@@ -10271,7 +9647,6 @@
               <a:solidFill>
                 <a:srgbClr val="0000FF"/>
               </a:solidFill>
-              <a:effectLst/>
               <a:latin typeface="Consolas" panose="020B0609020204030204" pitchFamily="49" charset="0"/>
               <a:ea typeface="Calibri" panose="020F0502020204030204" pitchFamily="34" charset="0"/>
               <a:cs typeface="Consolas" panose="020B0609020204030204" pitchFamily="49" charset="0"/>
@@ -10292,50 +9667,35 @@
                 <a:ea typeface="Calibri" panose="020F0502020204030204" pitchFamily="34" charset="0"/>
                 <a:cs typeface="Consolas" panose="020B0609020204030204" pitchFamily="49" charset="0"/>
               </a:rPr>
-              <a:t>  </a:t>
+              <a:t>  void</a:t>
             </a:r>
             <a:r>
               <a:rPr lang="en-US" sz="1600" dirty="0">
                 <a:solidFill>
-                  <a:srgbClr val="0000FF"/>
-                </a:solidFill>
-                <a:effectLst/>
-                <a:latin typeface="Consolas" panose="020B0609020204030204" pitchFamily="49" charset="0"/>
-                <a:ea typeface="Calibri" panose="020F0502020204030204" pitchFamily="34" charset="0"/>
-                <a:cs typeface="Consolas" panose="020B0609020204030204" pitchFamily="49" charset="0"/>
-              </a:rPr>
-              <a:t>void</a:t>
+                  <a:srgbClr val="000000"/>
+                </a:solidFill>
+                <a:latin typeface="Consolas" panose="020B0609020204030204" pitchFamily="49" charset="0"/>
+                <a:ea typeface="Calibri" panose="020F0502020204030204" pitchFamily="34" charset="0"/>
+                <a:cs typeface="Consolas" panose="020B0609020204030204" pitchFamily="49" charset="0"/>
+              </a:rPr>
+              <a:t> </a:t>
+            </a:r>
+            <a:r>
+              <a:rPr lang="en-US" sz="1600" dirty="0" err="1">
+                <a:solidFill>
+                  <a:srgbClr val="000000"/>
+                </a:solidFill>
+                <a:latin typeface="Consolas" panose="020B0609020204030204" pitchFamily="49" charset="0"/>
+                <a:ea typeface="Calibri" panose="020F0502020204030204" pitchFamily="34" charset="0"/>
+                <a:cs typeface="Consolas" panose="020B0609020204030204" pitchFamily="49" charset="0"/>
+              </a:rPr>
+              <a:t>IndependentMethod</a:t>
             </a:r>
             <a:r>
               <a:rPr lang="en-US" sz="1600" dirty="0">
                 <a:solidFill>
                   <a:srgbClr val="000000"/>
                 </a:solidFill>
-                <a:effectLst/>
-                <a:latin typeface="Consolas" panose="020B0609020204030204" pitchFamily="49" charset="0"/>
-                <a:ea typeface="Calibri" panose="020F0502020204030204" pitchFamily="34" charset="0"/>
-                <a:cs typeface="Consolas" panose="020B0609020204030204" pitchFamily="49" charset="0"/>
-              </a:rPr>
-              <a:t> </a:t>
-            </a:r>
-            <a:r>
-              <a:rPr lang="en-US" sz="1600" dirty="0" err="1">
-                <a:solidFill>
-                  <a:srgbClr val="000000"/>
-                </a:solidFill>
-                <a:effectLst/>
-                <a:latin typeface="Consolas" panose="020B0609020204030204" pitchFamily="49" charset="0"/>
-                <a:ea typeface="Calibri" panose="020F0502020204030204" pitchFamily="34" charset="0"/>
-                <a:cs typeface="Consolas" panose="020B0609020204030204" pitchFamily="49" charset="0"/>
-              </a:rPr>
-              <a:t>IndependentMethod</a:t>
-            </a:r>
-            <a:r>
-              <a:rPr lang="en-US" sz="1600" dirty="0">
-                <a:solidFill>
-                  <a:srgbClr val="000000"/>
-                </a:solidFill>
-                <a:effectLst/>
                 <a:latin typeface="Consolas" panose="020B0609020204030204" pitchFamily="49" charset="0"/>
                 <a:ea typeface="Calibri" panose="020F0502020204030204" pitchFamily="34" charset="0"/>
                 <a:cs typeface="Consolas" panose="020B0609020204030204" pitchFamily="49" charset="0"/>
@@ -10343,7 +9703,6 @@
               <a:t>()</a:t>
             </a:r>
             <a:endParaRPr lang="ru-RU" sz="1600" dirty="0">
-              <a:effectLst/>
               <a:latin typeface="Consolas" panose="020B0609020204030204" pitchFamily="49" charset="0"/>
               <a:ea typeface="Calibri" panose="020F0502020204030204" pitchFamily="34" charset="0"/>
               <a:cs typeface="Times New Roman" panose="02020603050405020304" pitchFamily="18" charset="0"/>
@@ -10360,7 +9719,6 @@
                 <a:solidFill>
                   <a:srgbClr val="000000"/>
                 </a:solidFill>
-                <a:effectLst/>
                 <a:latin typeface="Consolas" panose="020B0609020204030204" pitchFamily="49" charset="0"/>
                 <a:ea typeface="Calibri" panose="020F0502020204030204" pitchFamily="34" charset="0"/>
                 <a:cs typeface="Consolas" panose="020B0609020204030204" pitchFamily="49" charset="0"/>
@@ -10368,7 +9726,6 @@
               <a:t>  {</a:t>
             </a:r>
             <a:endParaRPr lang="ru-RU" sz="1600" dirty="0">
-              <a:effectLst/>
               <a:latin typeface="Consolas" panose="020B0609020204030204" pitchFamily="49" charset="0"/>
               <a:ea typeface="Calibri" panose="020F0502020204030204" pitchFamily="34" charset="0"/>
               <a:cs typeface="Times New Roman" panose="02020603050405020304" pitchFamily="18" charset="0"/>
@@ -10385,7 +9742,6 @@
                 <a:solidFill>
                   <a:srgbClr val="000000"/>
                 </a:solidFill>
-                <a:effectLst/>
                 <a:latin typeface="Consolas" panose="020B0609020204030204" pitchFamily="49" charset="0"/>
                 <a:ea typeface="Calibri" panose="020F0502020204030204" pitchFamily="34" charset="0"/>
                 <a:cs typeface="Consolas" panose="020B0609020204030204" pitchFamily="49" charset="0"/>
@@ -10397,7 +9753,6 @@
                 <a:solidFill>
                   <a:srgbClr val="000000"/>
                 </a:solidFill>
-                <a:effectLst/>
                 <a:latin typeface="Consolas" panose="020B0609020204030204" pitchFamily="49" charset="0"/>
                 <a:ea typeface="Calibri" panose="020F0502020204030204" pitchFamily="34" charset="0"/>
                 <a:cs typeface="Consolas" panose="020B0609020204030204" pitchFamily="49" charset="0"/>
@@ -10409,7 +9764,6 @@
                 <a:solidFill>
                   <a:srgbClr val="000000"/>
                 </a:solidFill>
-                <a:effectLst/>
                 <a:latin typeface="Consolas" panose="020B0609020204030204" pitchFamily="49" charset="0"/>
                 <a:ea typeface="Calibri" panose="020F0502020204030204" pitchFamily="34" charset="0"/>
                 <a:cs typeface="Consolas" panose="020B0609020204030204" pitchFamily="49" charset="0"/>
@@ -10421,7 +9775,6 @@
                 <a:solidFill>
                   <a:srgbClr val="A31515"/>
                 </a:solidFill>
-                <a:effectLst/>
                 <a:latin typeface="Consolas" panose="020B0609020204030204" pitchFamily="49" charset="0"/>
                 <a:ea typeface="Calibri" panose="020F0502020204030204" pitchFamily="34" charset="0"/>
                 <a:cs typeface="Consolas" panose="020B0609020204030204" pitchFamily="49" charset="0"/>
@@ -10433,7 +9786,6 @@
                 <a:solidFill>
                   <a:srgbClr val="A31515"/>
                 </a:solidFill>
-                <a:effectLst/>
                 <a:latin typeface="Consolas" panose="020B0609020204030204" pitchFamily="49" charset="0"/>
                 <a:ea typeface="Calibri" panose="020F0502020204030204" pitchFamily="34" charset="0"/>
                 <a:cs typeface="Consolas" panose="020B0609020204030204" pitchFamily="49" charset="0"/>
@@ -10445,7 +9797,6 @@
                 <a:solidFill>
                   <a:srgbClr val="000000"/>
                 </a:solidFill>
-                <a:effectLst/>
                 <a:latin typeface="Consolas" panose="020B0609020204030204" pitchFamily="49" charset="0"/>
                 <a:ea typeface="Calibri" panose="020F0502020204030204" pitchFamily="34" charset="0"/>
                 <a:cs typeface="Consolas" panose="020B0609020204030204" pitchFamily="49" charset="0"/>
@@ -10457,7 +9808,6 @@
                 <a:solidFill>
                   <a:srgbClr val="000000"/>
                 </a:solidFill>
-                <a:effectLst/>
                 <a:latin typeface="Consolas" panose="020B0609020204030204" pitchFamily="49" charset="0"/>
                 <a:ea typeface="Calibri" panose="020F0502020204030204" pitchFamily="34" charset="0"/>
                 <a:cs typeface="Consolas" panose="020B0609020204030204" pitchFamily="49" charset="0"/>
@@ -10469,7 +9819,6 @@
                 <a:solidFill>
                   <a:srgbClr val="000000"/>
                 </a:solidFill>
-                <a:effectLst/>
                 <a:latin typeface="Consolas" panose="020B0609020204030204" pitchFamily="49" charset="0"/>
                 <a:ea typeface="Calibri" panose="020F0502020204030204" pitchFamily="34" charset="0"/>
                 <a:cs typeface="Consolas" panose="020B0609020204030204" pitchFamily="49" charset="0"/>
@@ -10481,7 +9830,6 @@
                 <a:solidFill>
                   <a:srgbClr val="000000"/>
                 </a:solidFill>
-                <a:effectLst/>
                 <a:latin typeface="Consolas" panose="020B0609020204030204" pitchFamily="49" charset="0"/>
                 <a:ea typeface="Calibri" panose="020F0502020204030204" pitchFamily="34" charset="0"/>
                 <a:cs typeface="Consolas" panose="020B0609020204030204" pitchFamily="49" charset="0"/>
@@ -10489,7 +9837,6 @@
               <a:t>;</a:t>
             </a:r>
             <a:endParaRPr lang="ru-RU" sz="1600" dirty="0">
-              <a:effectLst/>
               <a:latin typeface="Consolas" panose="020B0609020204030204" pitchFamily="49" charset="0"/>
               <a:ea typeface="Calibri" panose="020F0502020204030204" pitchFamily="34" charset="0"/>
               <a:cs typeface="Times New Roman" panose="02020603050405020304" pitchFamily="18" charset="0"/>
@@ -10506,7 +9853,6 @@
                 <a:solidFill>
                   <a:srgbClr val="000000"/>
                 </a:solidFill>
-                <a:effectLst/>
                 <a:latin typeface="Consolas" panose="020B0609020204030204" pitchFamily="49" charset="0"/>
                 <a:ea typeface="Calibri" panose="020F0502020204030204" pitchFamily="34" charset="0"/>
                 <a:cs typeface="Consolas" panose="020B0609020204030204" pitchFamily="49" charset="0"/>
@@ -10518,7 +9864,6 @@
                 <a:solidFill>
                   <a:srgbClr val="000000"/>
                 </a:solidFill>
-                <a:effectLst/>
                 <a:latin typeface="Consolas" panose="020B0609020204030204" pitchFamily="49" charset="0"/>
                 <a:ea typeface="Calibri" panose="020F0502020204030204" pitchFamily="34" charset="0"/>
                 <a:cs typeface="Consolas" panose="020B0609020204030204" pitchFamily="49" charset="0"/>
@@ -10526,7 +9871,6 @@
               <a:t>}</a:t>
             </a:r>
             <a:endParaRPr lang="ru-RU" sz="1600" dirty="0">
-              <a:effectLst/>
               <a:latin typeface="Consolas" panose="020B0609020204030204" pitchFamily="49" charset="0"/>
               <a:ea typeface="Calibri" panose="020F0502020204030204" pitchFamily="34" charset="0"/>
               <a:cs typeface="Times New Roman" panose="02020603050405020304" pitchFamily="18" charset="0"/>
@@ -10543,7 +9887,6 @@
                 <a:solidFill>
                   <a:srgbClr val="000000"/>
                 </a:solidFill>
-                <a:effectLst/>
                 <a:latin typeface="Consolas" panose="020B0609020204030204" pitchFamily="49" charset="0"/>
                 <a:ea typeface="Calibri" panose="020F0502020204030204" pitchFamily="34" charset="0"/>
                 <a:cs typeface="Consolas" panose="020B0609020204030204" pitchFamily="49" charset="0"/>
@@ -10551,7 +9894,6 @@
               <a:t>};</a:t>
             </a:r>
             <a:endParaRPr lang="ru-RU" sz="1600" dirty="0">
-              <a:effectLst/>
               <a:latin typeface="Consolas" panose="020B0609020204030204" pitchFamily="49" charset="0"/>
               <a:ea typeface="Calibri" panose="020F0502020204030204" pitchFamily="34" charset="0"/>
               <a:cs typeface="Times New Roman" panose="02020603050405020304" pitchFamily="18" charset="0"/>
@@ -10631,8 +9973,8 @@
         </p:nvSpPr>
         <p:spPr>
           <a:xfrm>
-            <a:off x="0" y="784"/>
-            <a:ext cx="9144000" cy="6986528"/>
+            <a:off x="1415480" y="58846"/>
+            <a:ext cx="9540552" cy="6740307"/>
           </a:xfrm>
           <a:prstGeom prst="rect">
             <a:avLst/>
@@ -10655,7 +9997,6 @@
                 <a:solidFill>
                   <a:srgbClr val="0000FF"/>
                 </a:solidFill>
-                <a:effectLst/>
                 <a:latin typeface="Consolas" panose="020B0609020204030204" pitchFamily="49" charset="0"/>
                 <a:ea typeface="Calibri" panose="020F0502020204030204" pitchFamily="34" charset="0"/>
                 <a:cs typeface="Consolas" panose="020B0609020204030204" pitchFamily="49" charset="0"/>
@@ -10667,7 +10008,6 @@
                 <a:solidFill>
                   <a:srgbClr val="000000"/>
                 </a:solidFill>
-                <a:effectLst/>
                 <a:latin typeface="Consolas" panose="020B0609020204030204" pitchFamily="49" charset="0"/>
                 <a:ea typeface="Calibri" panose="020F0502020204030204" pitchFamily="34" charset="0"/>
                 <a:cs typeface="Consolas" panose="020B0609020204030204" pitchFamily="49" charset="0"/>
@@ -10679,7 +10019,6 @@
                 <a:solidFill>
                   <a:srgbClr val="2B91AF"/>
                 </a:solidFill>
-                <a:effectLst/>
                 <a:latin typeface="Consolas" panose="020B0609020204030204" pitchFamily="49" charset="0"/>
                 <a:ea typeface="Calibri" panose="020F0502020204030204" pitchFamily="34" charset="0"/>
                 <a:cs typeface="Consolas" panose="020B0609020204030204" pitchFamily="49" charset="0"/>
@@ -10687,7 +10026,6 @@
               <a:t>Document</a:t>
             </a:r>
             <a:endParaRPr lang="ru-RU" sz="1600" dirty="0">
-              <a:effectLst/>
               <a:latin typeface="Consolas" panose="020B0609020204030204" pitchFamily="49" charset="0"/>
               <a:ea typeface="Calibri" panose="020F0502020204030204" pitchFamily="34" charset="0"/>
               <a:cs typeface="Times New Roman" panose="02020603050405020304" pitchFamily="18" charset="0"/>
@@ -10704,7 +10042,6 @@
                 <a:solidFill>
                   <a:srgbClr val="000000"/>
                 </a:solidFill>
-                <a:effectLst/>
                 <a:latin typeface="Consolas" panose="020B0609020204030204" pitchFamily="49" charset="0"/>
                 <a:ea typeface="Calibri" panose="020F0502020204030204" pitchFamily="34" charset="0"/>
                 <a:cs typeface="Consolas" panose="020B0609020204030204" pitchFamily="49" charset="0"/>
@@ -10712,7 +10049,6 @@
               <a:t>{</a:t>
             </a:r>
             <a:endParaRPr lang="ru-RU" sz="1600" dirty="0">
-              <a:effectLst/>
               <a:latin typeface="Consolas" panose="020B0609020204030204" pitchFamily="49" charset="0"/>
               <a:ea typeface="Calibri" panose="020F0502020204030204" pitchFamily="34" charset="0"/>
               <a:cs typeface="Times New Roman" panose="02020603050405020304" pitchFamily="18" charset="0"/>
@@ -10729,7 +10065,6 @@
                 <a:solidFill>
                   <a:srgbClr val="0000FF"/>
                 </a:solidFill>
-                <a:effectLst/>
                 <a:latin typeface="Consolas" panose="020B0609020204030204" pitchFamily="49" charset="0"/>
                 <a:ea typeface="Calibri" panose="020F0502020204030204" pitchFamily="34" charset="0"/>
                 <a:cs typeface="Consolas" panose="020B0609020204030204" pitchFamily="49" charset="0"/>
@@ -10741,7 +10076,6 @@
                 <a:solidFill>
                   <a:srgbClr val="000000"/>
                 </a:solidFill>
-                <a:effectLst/>
                 <a:latin typeface="Consolas" panose="020B0609020204030204" pitchFamily="49" charset="0"/>
                 <a:ea typeface="Calibri" panose="020F0502020204030204" pitchFamily="34" charset="0"/>
                 <a:cs typeface="Consolas" panose="020B0609020204030204" pitchFamily="49" charset="0"/>
@@ -10749,7 +10083,6 @@
               <a:t>:</a:t>
             </a:r>
             <a:endParaRPr lang="ru-RU" sz="1600" dirty="0">
-              <a:effectLst/>
               <a:latin typeface="Consolas" panose="020B0609020204030204" pitchFamily="49" charset="0"/>
               <a:ea typeface="Calibri" panose="020F0502020204030204" pitchFamily="34" charset="0"/>
               <a:cs typeface="Times New Roman" panose="02020603050405020304" pitchFamily="18" charset="0"/>
@@ -10766,7 +10099,6 @@
                 <a:solidFill>
                   <a:srgbClr val="000000"/>
                 </a:solidFill>
-                <a:effectLst/>
                 <a:latin typeface="Consolas" panose="020B0609020204030204" pitchFamily="49" charset="0"/>
                 <a:ea typeface="Calibri" panose="020F0502020204030204" pitchFamily="34" charset="0"/>
                 <a:cs typeface="Consolas" panose="020B0609020204030204" pitchFamily="49" charset="0"/>
@@ -10778,7 +10110,6 @@
                 <a:solidFill>
                   <a:srgbClr val="008000"/>
                 </a:solidFill>
-                <a:effectLst/>
                 <a:latin typeface="Consolas" panose="020B0609020204030204" pitchFamily="49" charset="0"/>
                 <a:ea typeface="Calibri" panose="020F0502020204030204" pitchFamily="34" charset="0"/>
                 <a:cs typeface="Consolas" panose="020B0609020204030204" pitchFamily="49" charset="0"/>
@@ -10790,7 +10121,6 @@
                 <a:solidFill>
                   <a:srgbClr val="008000"/>
                 </a:solidFill>
-                <a:effectLst/>
                 <a:latin typeface="Consolas" panose="020B0609020204030204" pitchFamily="49" charset="0"/>
                 <a:ea typeface="Calibri" panose="020F0502020204030204" pitchFamily="34" charset="0"/>
                 <a:cs typeface="Consolas" panose="020B0609020204030204" pitchFamily="49" charset="0"/>
@@ -10802,7 +10132,6 @@
                 <a:solidFill>
                   <a:srgbClr val="008000"/>
                 </a:solidFill>
-                <a:effectLst/>
                 <a:latin typeface="Consolas" panose="020B0609020204030204" pitchFamily="49" charset="0"/>
                 <a:ea typeface="Calibri" panose="020F0502020204030204" pitchFamily="34" charset="0"/>
                 <a:cs typeface="Consolas" panose="020B0609020204030204" pitchFamily="49" charset="0"/>
@@ -10810,7 +10139,6 @@
               <a:t> используется только для записи документа</a:t>
             </a:r>
             <a:endParaRPr lang="ru-RU" sz="1600" dirty="0">
-              <a:effectLst/>
               <a:latin typeface="Consolas" panose="020B0609020204030204" pitchFamily="49" charset="0"/>
               <a:ea typeface="Calibri" panose="020F0502020204030204" pitchFamily="34" charset="0"/>
               <a:cs typeface="Times New Roman" panose="02020603050405020304" pitchFamily="18" charset="0"/>
@@ -10827,7 +10155,6 @@
                 <a:solidFill>
                   <a:srgbClr val="000000"/>
                 </a:solidFill>
-                <a:effectLst/>
                 <a:latin typeface="Consolas" panose="020B0609020204030204" pitchFamily="49" charset="0"/>
                 <a:ea typeface="Calibri" panose="020F0502020204030204" pitchFamily="34" charset="0"/>
                 <a:cs typeface="Consolas" panose="020B0609020204030204" pitchFamily="49" charset="0"/>
@@ -10839,7 +10166,6 @@
                 <a:solidFill>
                   <a:srgbClr val="0000FF"/>
                 </a:solidFill>
-                <a:effectLst/>
                 <a:latin typeface="Consolas" panose="020B0609020204030204" pitchFamily="49" charset="0"/>
                 <a:ea typeface="Calibri" panose="020F0502020204030204" pitchFamily="34" charset="0"/>
                 <a:cs typeface="Consolas" panose="020B0609020204030204" pitchFamily="49" charset="0"/>
@@ -10851,7 +10177,6 @@
                 <a:solidFill>
                   <a:srgbClr val="000000"/>
                 </a:solidFill>
-                <a:effectLst/>
                 <a:latin typeface="Consolas" panose="020B0609020204030204" pitchFamily="49" charset="0"/>
                 <a:ea typeface="Calibri" panose="020F0502020204030204" pitchFamily="34" charset="0"/>
                 <a:cs typeface="Consolas" panose="020B0609020204030204" pitchFamily="49" charset="0"/>
@@ -10863,7 +10188,6 @@
                 <a:solidFill>
                   <a:srgbClr val="000000"/>
                 </a:solidFill>
-                <a:effectLst/>
                 <a:latin typeface="Consolas" panose="020B0609020204030204" pitchFamily="49" charset="0"/>
                 <a:ea typeface="Calibri" panose="020F0502020204030204" pitchFamily="34" charset="0"/>
                 <a:cs typeface="Consolas" panose="020B0609020204030204" pitchFamily="49" charset="0"/>
@@ -10875,7 +10199,6 @@
                 <a:solidFill>
                   <a:srgbClr val="000000"/>
                 </a:solidFill>
-                <a:effectLst/>
                 <a:latin typeface="Consolas" panose="020B0609020204030204" pitchFamily="49" charset="0"/>
                 <a:ea typeface="Calibri" panose="020F0502020204030204" pitchFamily="34" charset="0"/>
                 <a:cs typeface="Consolas" panose="020B0609020204030204" pitchFamily="49" charset="0"/>
@@ -10887,7 +10210,6 @@
                 <a:solidFill>
                   <a:srgbClr val="000000"/>
                 </a:solidFill>
-                <a:effectLst/>
                 <a:latin typeface="Consolas" panose="020B0609020204030204" pitchFamily="49" charset="0"/>
                 <a:ea typeface="Calibri" panose="020F0502020204030204" pitchFamily="34" charset="0"/>
                 <a:cs typeface="Consolas" panose="020B0609020204030204" pitchFamily="49" charset="0"/>
@@ -10899,7 +10221,6 @@
                 <a:solidFill>
                   <a:srgbClr val="000000"/>
                 </a:solidFill>
-                <a:effectLst/>
                 <a:latin typeface="Consolas" panose="020B0609020204030204" pitchFamily="49" charset="0"/>
                 <a:ea typeface="Calibri" panose="020F0502020204030204" pitchFamily="34" charset="0"/>
                 <a:cs typeface="Consolas" panose="020B0609020204030204" pitchFamily="49" charset="0"/>
@@ -10911,7 +10232,6 @@
                 <a:solidFill>
                   <a:srgbClr val="808080"/>
                 </a:solidFill>
-                <a:effectLst/>
                 <a:latin typeface="Consolas" panose="020B0609020204030204" pitchFamily="49" charset="0"/>
                 <a:ea typeface="Calibri" panose="020F0502020204030204" pitchFamily="34" charset="0"/>
                 <a:cs typeface="Consolas" panose="020B0609020204030204" pitchFamily="49" charset="0"/>
@@ -10923,7 +10243,6 @@
                 <a:solidFill>
                   <a:srgbClr val="000000"/>
                 </a:solidFill>
-                <a:effectLst/>
                 <a:latin typeface="Consolas" panose="020B0609020204030204" pitchFamily="49" charset="0"/>
                 <a:ea typeface="Calibri" panose="020F0502020204030204" pitchFamily="34" charset="0"/>
                 <a:cs typeface="Consolas" panose="020B0609020204030204" pitchFamily="49" charset="0"/>
@@ -10935,7 +10254,6 @@
                 <a:solidFill>
                   <a:srgbClr val="0000FF"/>
                 </a:solidFill>
-                <a:effectLst/>
                 <a:latin typeface="Consolas" panose="020B0609020204030204" pitchFamily="49" charset="0"/>
                 <a:ea typeface="Calibri" panose="020F0502020204030204" pitchFamily="34" charset="0"/>
                 <a:cs typeface="Consolas" panose="020B0609020204030204" pitchFamily="49" charset="0"/>
@@ -10943,7 +10261,6 @@
               <a:t>const</a:t>
             </a:r>
             <a:endParaRPr lang="ru-RU" sz="1600" dirty="0">
-              <a:effectLst/>
               <a:latin typeface="Consolas" panose="020B0609020204030204" pitchFamily="49" charset="0"/>
               <a:ea typeface="Calibri" panose="020F0502020204030204" pitchFamily="34" charset="0"/>
               <a:cs typeface="Times New Roman" panose="02020603050405020304" pitchFamily="18" charset="0"/>
@@ -10960,7 +10277,6 @@
                 <a:solidFill>
                   <a:srgbClr val="000000"/>
                 </a:solidFill>
-                <a:effectLst/>
                 <a:latin typeface="Consolas" panose="020B0609020204030204" pitchFamily="49" charset="0"/>
                 <a:ea typeface="Calibri" panose="020F0502020204030204" pitchFamily="34" charset="0"/>
                 <a:cs typeface="Consolas" panose="020B0609020204030204" pitchFamily="49" charset="0"/>
@@ -10968,7 +10284,6 @@
               <a:t>  {</a:t>
             </a:r>
             <a:endParaRPr lang="ru-RU" sz="1600" dirty="0">
-              <a:effectLst/>
               <a:latin typeface="Consolas" panose="020B0609020204030204" pitchFamily="49" charset="0"/>
               <a:ea typeface="Calibri" panose="020F0502020204030204" pitchFamily="34" charset="0"/>
               <a:cs typeface="Times New Roman" panose="02020603050405020304" pitchFamily="18" charset="0"/>
@@ -10985,7 +10300,6 @@
                 <a:solidFill>
                   <a:srgbClr val="000000"/>
                 </a:solidFill>
-                <a:effectLst/>
                 <a:latin typeface="Consolas" panose="020B0609020204030204" pitchFamily="49" charset="0"/>
                 <a:ea typeface="Calibri" panose="020F0502020204030204" pitchFamily="34" charset="0"/>
                 <a:cs typeface="Consolas" panose="020B0609020204030204" pitchFamily="49" charset="0"/>
@@ -10997,7 +10311,6 @@
                 <a:solidFill>
                   <a:srgbClr val="808080"/>
                 </a:solidFill>
-                <a:effectLst/>
                 <a:latin typeface="Consolas" panose="020B0609020204030204" pitchFamily="49" charset="0"/>
                 <a:ea typeface="Calibri" panose="020F0502020204030204" pitchFamily="34" charset="0"/>
                 <a:cs typeface="Consolas" panose="020B0609020204030204" pitchFamily="49" charset="0"/>
@@ -11009,7 +10322,6 @@
                 <a:solidFill>
                   <a:srgbClr val="000000"/>
                 </a:solidFill>
-                <a:effectLst/>
                 <a:latin typeface="Consolas" panose="020B0609020204030204" pitchFamily="49" charset="0"/>
                 <a:ea typeface="Calibri" panose="020F0502020204030204" pitchFamily="34" charset="0"/>
                 <a:cs typeface="Consolas" panose="020B0609020204030204" pitchFamily="49" charset="0"/>
@@ -11021,7 +10333,6 @@
                 <a:solidFill>
                   <a:srgbClr val="000000"/>
                 </a:solidFill>
-                <a:effectLst/>
                 <a:latin typeface="Consolas" panose="020B0609020204030204" pitchFamily="49" charset="0"/>
                 <a:ea typeface="Calibri" panose="020F0502020204030204" pitchFamily="34" charset="0"/>
                 <a:cs typeface="Consolas" panose="020B0609020204030204" pitchFamily="49" charset="0"/>
@@ -11037,38 +10348,24 @@
                 <a:ea typeface="Calibri" panose="020F0502020204030204" pitchFamily="34" charset="0"/>
                 <a:cs typeface="Consolas" panose="020B0609020204030204" pitchFamily="49" charset="0"/>
               </a:rPr>
-              <a:t> </a:t>
+              <a:t> &lt;&lt; text_ &lt;&lt; </a:t>
+            </a:r>
+            <a:r>
+              <a:rPr lang="en-US" sz="1600" dirty="0" err="1">
+                <a:solidFill>
+                  <a:srgbClr val="000000"/>
+                </a:solidFill>
+                <a:latin typeface="Consolas" panose="020B0609020204030204" pitchFamily="49" charset="0"/>
+                <a:ea typeface="Calibri" panose="020F0502020204030204" pitchFamily="34" charset="0"/>
+                <a:cs typeface="Consolas" panose="020B0609020204030204" pitchFamily="49" charset="0"/>
+              </a:rPr>
+              <a:t>endl</a:t>
             </a:r>
             <a:r>
               <a:rPr lang="en-US" sz="1600" dirty="0">
                 <a:solidFill>
                   <a:srgbClr val="000000"/>
                 </a:solidFill>
-                <a:effectLst/>
-                <a:latin typeface="Consolas" panose="020B0609020204030204" pitchFamily="49" charset="0"/>
-                <a:ea typeface="Calibri" panose="020F0502020204030204" pitchFamily="34" charset="0"/>
-                <a:cs typeface="Consolas" panose="020B0609020204030204" pitchFamily="49" charset="0"/>
-              </a:rPr>
-              <a:t>&lt;&lt; text_ &lt;&lt; </a:t>
-            </a:r>
-            <a:r>
-              <a:rPr lang="en-US" sz="1600" dirty="0" err="1">
-                <a:solidFill>
-                  <a:srgbClr val="000000"/>
-                </a:solidFill>
-                <a:effectLst/>
-                <a:latin typeface="Consolas" panose="020B0609020204030204" pitchFamily="49" charset="0"/>
-                <a:ea typeface="Calibri" panose="020F0502020204030204" pitchFamily="34" charset="0"/>
-                <a:cs typeface="Consolas" panose="020B0609020204030204" pitchFamily="49" charset="0"/>
-              </a:rPr>
-              <a:t>endl</a:t>
-            </a:r>
-            <a:r>
-              <a:rPr lang="en-US" sz="1600" dirty="0">
-                <a:solidFill>
-                  <a:srgbClr val="000000"/>
-                </a:solidFill>
-                <a:effectLst/>
                 <a:latin typeface="Consolas" panose="020B0609020204030204" pitchFamily="49" charset="0"/>
                 <a:ea typeface="Calibri" panose="020F0502020204030204" pitchFamily="34" charset="0"/>
                 <a:cs typeface="Consolas" panose="020B0609020204030204" pitchFamily="49" charset="0"/>
@@ -11076,7 +10373,6 @@
               <a:t>;</a:t>
             </a:r>
             <a:endParaRPr lang="ru-RU" sz="1600" dirty="0">
-              <a:effectLst/>
               <a:latin typeface="Consolas" panose="020B0609020204030204" pitchFamily="49" charset="0"/>
               <a:ea typeface="Calibri" panose="020F0502020204030204" pitchFamily="34" charset="0"/>
               <a:cs typeface="Times New Roman" panose="02020603050405020304" pitchFamily="18" charset="0"/>
@@ -11093,7 +10389,6 @@
                 <a:solidFill>
                   <a:srgbClr val="000000"/>
                 </a:solidFill>
-                <a:effectLst/>
                 <a:latin typeface="Consolas" panose="020B0609020204030204" pitchFamily="49" charset="0"/>
                 <a:ea typeface="Calibri" panose="020F0502020204030204" pitchFamily="34" charset="0"/>
                 <a:cs typeface="Consolas" panose="020B0609020204030204" pitchFamily="49" charset="0"/>
@@ -11105,7 +10400,6 @@
                 <a:solidFill>
                   <a:srgbClr val="000000"/>
                 </a:solidFill>
-                <a:effectLst/>
                 <a:latin typeface="Consolas" panose="020B0609020204030204" pitchFamily="49" charset="0"/>
                 <a:ea typeface="Calibri" panose="020F0502020204030204" pitchFamily="34" charset="0"/>
                 <a:cs typeface="Consolas" panose="020B0609020204030204" pitchFamily="49" charset="0"/>
@@ -11113,7 +10407,6 @@
               <a:t>}</a:t>
             </a:r>
             <a:endParaRPr lang="ru-RU" sz="1600" dirty="0">
-              <a:effectLst/>
               <a:latin typeface="Consolas" panose="020B0609020204030204" pitchFamily="49" charset="0"/>
               <a:ea typeface="Calibri" panose="020F0502020204030204" pitchFamily="34" charset="0"/>
               <a:cs typeface="Times New Roman" panose="02020603050405020304" pitchFamily="18" charset="0"/>
@@ -11130,7 +10423,6 @@
                 <a:solidFill>
                   <a:srgbClr val="000000"/>
                 </a:solidFill>
-                <a:effectLst/>
                 <a:latin typeface="Consolas" panose="020B0609020204030204" pitchFamily="49" charset="0"/>
                 <a:ea typeface="Calibri" panose="020F0502020204030204" pitchFamily="34" charset="0"/>
                 <a:cs typeface="Consolas" panose="020B0609020204030204" pitchFamily="49" charset="0"/>
@@ -11142,7 +10434,6 @@
                 <a:solidFill>
                   <a:srgbClr val="008000"/>
                 </a:solidFill>
-                <a:effectLst/>
                 <a:latin typeface="Consolas" panose="020B0609020204030204" pitchFamily="49" charset="0"/>
                 <a:ea typeface="Calibri" panose="020F0502020204030204" pitchFamily="34" charset="0"/>
                 <a:cs typeface="Consolas" panose="020B0609020204030204" pitchFamily="49" charset="0"/>
@@ -11154,7 +10445,6 @@
                 <a:solidFill>
                   <a:srgbClr val="008000"/>
                 </a:solidFill>
-                <a:effectLst/>
                 <a:latin typeface="Consolas" panose="020B0609020204030204" pitchFamily="49" charset="0"/>
                 <a:ea typeface="Calibri" panose="020F0502020204030204" pitchFamily="34" charset="0"/>
                 <a:cs typeface="Consolas" panose="020B0609020204030204" pitchFamily="49" charset="0"/>
@@ -11166,7 +10456,6 @@
                 <a:solidFill>
                   <a:srgbClr val="008000"/>
                 </a:solidFill>
-                <a:effectLst/>
                 <a:latin typeface="Consolas" panose="020B0609020204030204" pitchFamily="49" charset="0"/>
                 <a:ea typeface="Calibri" panose="020F0502020204030204" pitchFamily="34" charset="0"/>
                 <a:cs typeface="Consolas" panose="020B0609020204030204" pitchFamily="49" charset="0"/>
@@ -11174,7 +10463,6 @@
               <a:t> используется только для чтения документа</a:t>
             </a:r>
             <a:endParaRPr lang="ru-RU" sz="1600" dirty="0">
-              <a:effectLst/>
               <a:latin typeface="Consolas" panose="020B0609020204030204" pitchFamily="49" charset="0"/>
               <a:ea typeface="Calibri" panose="020F0502020204030204" pitchFamily="34" charset="0"/>
               <a:cs typeface="Times New Roman" panose="02020603050405020304" pitchFamily="18" charset="0"/>
@@ -11191,7 +10479,6 @@
                 <a:solidFill>
                   <a:srgbClr val="000000"/>
                 </a:solidFill>
-                <a:effectLst/>
                 <a:latin typeface="Consolas" panose="020B0609020204030204" pitchFamily="49" charset="0"/>
                 <a:ea typeface="Calibri" panose="020F0502020204030204" pitchFamily="34" charset="0"/>
                 <a:cs typeface="Consolas" panose="020B0609020204030204" pitchFamily="49" charset="0"/>
@@ -11203,7 +10490,6 @@
                 <a:solidFill>
                   <a:srgbClr val="0000FF"/>
                 </a:solidFill>
-                <a:effectLst/>
                 <a:latin typeface="Consolas" panose="020B0609020204030204" pitchFamily="49" charset="0"/>
                 <a:ea typeface="Calibri" panose="020F0502020204030204" pitchFamily="34" charset="0"/>
                 <a:cs typeface="Consolas" panose="020B0609020204030204" pitchFamily="49" charset="0"/>
@@ -11215,7 +10501,6 @@
                 <a:solidFill>
                   <a:srgbClr val="000000"/>
                 </a:solidFill>
-                <a:effectLst/>
                 <a:latin typeface="Consolas" panose="020B0609020204030204" pitchFamily="49" charset="0"/>
                 <a:ea typeface="Calibri" panose="020F0502020204030204" pitchFamily="34" charset="0"/>
                 <a:cs typeface="Consolas" panose="020B0609020204030204" pitchFamily="49" charset="0"/>
@@ -11227,7 +10512,6 @@
                 <a:solidFill>
                   <a:srgbClr val="000000"/>
                 </a:solidFill>
-                <a:effectLst/>
                 <a:latin typeface="Consolas" panose="020B0609020204030204" pitchFamily="49" charset="0"/>
                 <a:ea typeface="Calibri" panose="020F0502020204030204" pitchFamily="34" charset="0"/>
                 <a:cs typeface="Consolas" panose="020B0609020204030204" pitchFamily="49" charset="0"/>
@@ -11239,7 +10523,6 @@
                 <a:solidFill>
                   <a:srgbClr val="000000"/>
                 </a:solidFill>
-                <a:effectLst/>
                 <a:latin typeface="Consolas" panose="020B0609020204030204" pitchFamily="49" charset="0"/>
                 <a:ea typeface="Calibri" panose="020F0502020204030204" pitchFamily="34" charset="0"/>
                 <a:cs typeface="Consolas" panose="020B0609020204030204" pitchFamily="49" charset="0"/>
@@ -11251,7 +10534,6 @@
                 <a:solidFill>
                   <a:srgbClr val="000000"/>
                 </a:solidFill>
-                <a:effectLst/>
                 <a:latin typeface="Consolas" panose="020B0609020204030204" pitchFamily="49" charset="0"/>
                 <a:ea typeface="Calibri" panose="020F0502020204030204" pitchFamily="34" charset="0"/>
                 <a:cs typeface="Consolas" panose="020B0609020204030204" pitchFamily="49" charset="0"/>
@@ -11263,7 +10545,6 @@
                 <a:solidFill>
                   <a:srgbClr val="000000"/>
                 </a:solidFill>
-                <a:effectLst/>
                 <a:latin typeface="Consolas" panose="020B0609020204030204" pitchFamily="49" charset="0"/>
                 <a:ea typeface="Calibri" panose="020F0502020204030204" pitchFamily="34" charset="0"/>
                 <a:cs typeface="Consolas" panose="020B0609020204030204" pitchFamily="49" charset="0"/>
@@ -11275,7 +10556,6 @@
                 <a:solidFill>
                   <a:srgbClr val="808080"/>
                 </a:solidFill>
-                <a:effectLst/>
                 <a:latin typeface="Consolas" panose="020B0609020204030204" pitchFamily="49" charset="0"/>
                 <a:ea typeface="Calibri" panose="020F0502020204030204" pitchFamily="34" charset="0"/>
                 <a:cs typeface="Consolas" panose="020B0609020204030204" pitchFamily="49" charset="0"/>
@@ -11287,7 +10567,6 @@
                 <a:solidFill>
                   <a:srgbClr val="000000"/>
                 </a:solidFill>
-                <a:effectLst/>
                 <a:latin typeface="Consolas" panose="020B0609020204030204" pitchFamily="49" charset="0"/>
                 <a:ea typeface="Calibri" panose="020F0502020204030204" pitchFamily="34" charset="0"/>
                 <a:cs typeface="Consolas" panose="020B0609020204030204" pitchFamily="49" charset="0"/>
@@ -11295,7 +10574,6 @@
               <a:t>)</a:t>
             </a:r>
             <a:endParaRPr lang="ru-RU" sz="1600" dirty="0">
-              <a:effectLst/>
               <a:latin typeface="Consolas" panose="020B0609020204030204" pitchFamily="49" charset="0"/>
               <a:ea typeface="Calibri" panose="020F0502020204030204" pitchFamily="34" charset="0"/>
               <a:cs typeface="Times New Roman" panose="02020603050405020304" pitchFamily="18" charset="0"/>
@@ -11312,7 +10590,6 @@
                 <a:solidFill>
                   <a:srgbClr val="000000"/>
                 </a:solidFill>
-                <a:effectLst/>
                 <a:latin typeface="Consolas" panose="020B0609020204030204" pitchFamily="49" charset="0"/>
                 <a:ea typeface="Calibri" panose="020F0502020204030204" pitchFamily="34" charset="0"/>
                 <a:cs typeface="Consolas" panose="020B0609020204030204" pitchFamily="49" charset="0"/>
@@ -11320,7 +10597,6 @@
               <a:t>  {</a:t>
             </a:r>
             <a:endParaRPr lang="ru-RU" sz="1600" dirty="0">
-              <a:effectLst/>
               <a:latin typeface="Consolas" panose="020B0609020204030204" pitchFamily="49" charset="0"/>
               <a:ea typeface="Calibri" panose="020F0502020204030204" pitchFamily="34" charset="0"/>
               <a:cs typeface="Times New Roman" panose="02020603050405020304" pitchFamily="18" charset="0"/>
@@ -11337,7 +10613,6 @@
                 <a:solidFill>
                   <a:srgbClr val="000000"/>
                 </a:solidFill>
-                <a:effectLst/>
                 <a:latin typeface="Consolas" panose="020B0609020204030204" pitchFamily="49" charset="0"/>
                 <a:ea typeface="Calibri" panose="020F0502020204030204" pitchFamily="34" charset="0"/>
                 <a:cs typeface="Consolas" panose="020B0609020204030204" pitchFamily="49" charset="0"/>
@@ -11349,7 +10624,6 @@
                 <a:solidFill>
                   <a:srgbClr val="000000"/>
                 </a:solidFill>
-                <a:effectLst/>
                 <a:latin typeface="Consolas" panose="020B0609020204030204" pitchFamily="49" charset="0"/>
                 <a:ea typeface="Calibri" panose="020F0502020204030204" pitchFamily="34" charset="0"/>
                 <a:cs typeface="Consolas" panose="020B0609020204030204" pitchFamily="49" charset="0"/>
@@ -11361,7 +10635,6 @@
                 <a:solidFill>
                   <a:srgbClr val="000000"/>
                 </a:solidFill>
-                <a:effectLst/>
                 <a:latin typeface="Consolas" panose="020B0609020204030204" pitchFamily="49" charset="0"/>
                 <a:ea typeface="Calibri" panose="020F0502020204030204" pitchFamily="34" charset="0"/>
                 <a:cs typeface="Consolas" panose="020B0609020204030204" pitchFamily="49" charset="0"/>
@@ -11373,7 +10646,6 @@
                 <a:solidFill>
                   <a:srgbClr val="808080"/>
                 </a:solidFill>
-                <a:effectLst/>
                 <a:latin typeface="Consolas" panose="020B0609020204030204" pitchFamily="49" charset="0"/>
                 <a:ea typeface="Calibri" panose="020F0502020204030204" pitchFamily="34" charset="0"/>
                 <a:cs typeface="Consolas" panose="020B0609020204030204" pitchFamily="49" charset="0"/>
@@ -11385,7 +10657,6 @@
                 <a:solidFill>
                   <a:srgbClr val="000000"/>
                 </a:solidFill>
-                <a:effectLst/>
                 <a:latin typeface="Consolas" panose="020B0609020204030204" pitchFamily="49" charset="0"/>
                 <a:ea typeface="Calibri" panose="020F0502020204030204" pitchFamily="34" charset="0"/>
                 <a:cs typeface="Consolas" panose="020B0609020204030204" pitchFamily="49" charset="0"/>
@@ -11393,7 +10664,6 @@
               <a:t>, title_);</a:t>
             </a:r>
             <a:endParaRPr lang="ru-RU" sz="1600" dirty="0">
-              <a:effectLst/>
               <a:latin typeface="Consolas" panose="020B0609020204030204" pitchFamily="49" charset="0"/>
               <a:ea typeface="Calibri" panose="020F0502020204030204" pitchFamily="34" charset="0"/>
               <a:cs typeface="Times New Roman" panose="02020603050405020304" pitchFamily="18" charset="0"/>
@@ -11410,7 +10680,6 @@
                 <a:solidFill>
                   <a:srgbClr val="000000"/>
                 </a:solidFill>
-                <a:effectLst/>
                 <a:latin typeface="Consolas" panose="020B0609020204030204" pitchFamily="49" charset="0"/>
                 <a:ea typeface="Calibri" panose="020F0502020204030204" pitchFamily="34" charset="0"/>
                 <a:cs typeface="Consolas" panose="020B0609020204030204" pitchFamily="49" charset="0"/>
@@ -11422,7 +10691,6 @@
                 <a:solidFill>
                   <a:srgbClr val="000000"/>
                 </a:solidFill>
-                <a:effectLst/>
                 <a:latin typeface="Consolas" panose="020B0609020204030204" pitchFamily="49" charset="0"/>
                 <a:ea typeface="Calibri" panose="020F0502020204030204" pitchFamily="34" charset="0"/>
                 <a:cs typeface="Consolas" panose="020B0609020204030204" pitchFamily="49" charset="0"/>
@@ -11434,7 +10702,6 @@
                 <a:solidFill>
                   <a:srgbClr val="000000"/>
                 </a:solidFill>
-                <a:effectLst/>
                 <a:latin typeface="Consolas" panose="020B0609020204030204" pitchFamily="49" charset="0"/>
                 <a:ea typeface="Calibri" panose="020F0502020204030204" pitchFamily="34" charset="0"/>
                 <a:cs typeface="Consolas" panose="020B0609020204030204" pitchFamily="49" charset="0"/>
@@ -11442,7 +10709,6 @@
               <a:t>.clear();</a:t>
             </a:r>
             <a:endParaRPr lang="ru-RU" sz="1600" dirty="0">
-              <a:effectLst/>
               <a:latin typeface="Consolas" panose="020B0609020204030204" pitchFamily="49" charset="0"/>
               <a:ea typeface="Calibri" panose="020F0502020204030204" pitchFamily="34" charset="0"/>
               <a:cs typeface="Times New Roman" panose="02020603050405020304" pitchFamily="18" charset="0"/>
@@ -11459,7 +10725,6 @@
                 <a:solidFill>
                   <a:srgbClr val="000000"/>
                 </a:solidFill>
-                <a:effectLst/>
                 <a:latin typeface="Consolas" panose="020B0609020204030204" pitchFamily="49" charset="0"/>
                 <a:ea typeface="Calibri" panose="020F0502020204030204" pitchFamily="34" charset="0"/>
                 <a:cs typeface="Consolas" panose="020B0609020204030204" pitchFamily="49" charset="0"/>
@@ -11467,7 +10732,6 @@
               <a:t>    string line;</a:t>
             </a:r>
             <a:endParaRPr lang="ru-RU" sz="1600" dirty="0">
-              <a:effectLst/>
               <a:latin typeface="Consolas" panose="020B0609020204030204" pitchFamily="49" charset="0"/>
               <a:ea typeface="Calibri" panose="020F0502020204030204" pitchFamily="34" charset="0"/>
               <a:cs typeface="Times New Roman" panose="02020603050405020304" pitchFamily="18" charset="0"/>
@@ -11484,7 +10748,6 @@
                 <a:solidFill>
                   <a:srgbClr val="000000"/>
                 </a:solidFill>
-                <a:effectLst/>
                 <a:latin typeface="Consolas" panose="020B0609020204030204" pitchFamily="49" charset="0"/>
                 <a:ea typeface="Calibri" panose="020F0502020204030204" pitchFamily="34" charset="0"/>
                 <a:cs typeface="Consolas" panose="020B0609020204030204" pitchFamily="49" charset="0"/>
@@ -11496,7 +10759,6 @@
                 <a:solidFill>
                   <a:srgbClr val="0000FF"/>
                 </a:solidFill>
-                <a:effectLst/>
                 <a:latin typeface="Consolas" panose="020B0609020204030204" pitchFamily="49" charset="0"/>
                 <a:ea typeface="Calibri" panose="020F0502020204030204" pitchFamily="34" charset="0"/>
                 <a:cs typeface="Consolas" panose="020B0609020204030204" pitchFamily="49" charset="0"/>
@@ -11508,7 +10770,6 @@
                 <a:solidFill>
                   <a:srgbClr val="000000"/>
                 </a:solidFill>
-                <a:effectLst/>
                 <a:latin typeface="Consolas" panose="020B0609020204030204" pitchFamily="49" charset="0"/>
                 <a:ea typeface="Calibri" panose="020F0502020204030204" pitchFamily="34" charset="0"/>
                 <a:cs typeface="Consolas" panose="020B0609020204030204" pitchFamily="49" charset="0"/>
@@ -11520,7 +10781,6 @@
                 <a:solidFill>
                   <a:srgbClr val="000000"/>
                 </a:solidFill>
-                <a:effectLst/>
                 <a:latin typeface="Consolas" panose="020B0609020204030204" pitchFamily="49" charset="0"/>
                 <a:ea typeface="Calibri" panose="020F0502020204030204" pitchFamily="34" charset="0"/>
                 <a:cs typeface="Consolas" panose="020B0609020204030204" pitchFamily="49" charset="0"/>
@@ -11532,7 +10792,6 @@
                 <a:solidFill>
                   <a:srgbClr val="000000"/>
                 </a:solidFill>
-                <a:effectLst/>
                 <a:latin typeface="Consolas" panose="020B0609020204030204" pitchFamily="49" charset="0"/>
                 <a:ea typeface="Calibri" panose="020F0502020204030204" pitchFamily="34" charset="0"/>
                 <a:cs typeface="Consolas" panose="020B0609020204030204" pitchFamily="49" charset="0"/>
@@ -11544,7 +10803,6 @@
                 <a:solidFill>
                   <a:srgbClr val="808080"/>
                 </a:solidFill>
-                <a:effectLst/>
                 <a:latin typeface="Consolas" panose="020B0609020204030204" pitchFamily="49" charset="0"/>
                 <a:ea typeface="Calibri" panose="020F0502020204030204" pitchFamily="34" charset="0"/>
                 <a:cs typeface="Consolas" panose="020B0609020204030204" pitchFamily="49" charset="0"/>
@@ -11556,7 +10814,6 @@
                 <a:solidFill>
                   <a:srgbClr val="000000"/>
                 </a:solidFill>
-                <a:effectLst/>
                 <a:latin typeface="Consolas" panose="020B0609020204030204" pitchFamily="49" charset="0"/>
                 <a:ea typeface="Calibri" panose="020F0502020204030204" pitchFamily="34" charset="0"/>
                 <a:cs typeface="Consolas" panose="020B0609020204030204" pitchFamily="49" charset="0"/>
@@ -11564,7 +10821,6 @@
               <a:t>, line))</a:t>
             </a:r>
             <a:endParaRPr lang="ru-RU" sz="1600" dirty="0">
-              <a:effectLst/>
               <a:latin typeface="Consolas" panose="020B0609020204030204" pitchFamily="49" charset="0"/>
               <a:ea typeface="Calibri" panose="020F0502020204030204" pitchFamily="34" charset="0"/>
               <a:cs typeface="Times New Roman" panose="02020603050405020304" pitchFamily="18" charset="0"/>
@@ -11581,7 +10837,6 @@
                 <a:solidFill>
                   <a:srgbClr val="000000"/>
                 </a:solidFill>
-                <a:effectLst/>
                 <a:latin typeface="Consolas" panose="020B0609020204030204" pitchFamily="49" charset="0"/>
                 <a:ea typeface="Calibri" panose="020F0502020204030204" pitchFamily="34" charset="0"/>
                 <a:cs typeface="Consolas" panose="020B0609020204030204" pitchFamily="49" charset="0"/>
@@ -11593,7 +10848,6 @@
                 <a:solidFill>
                   <a:srgbClr val="000000"/>
                 </a:solidFill>
-                <a:effectLst/>
                 <a:latin typeface="Consolas" panose="020B0609020204030204" pitchFamily="49" charset="0"/>
                 <a:ea typeface="Calibri" panose="020F0502020204030204" pitchFamily="34" charset="0"/>
                 <a:cs typeface="Consolas" panose="020B0609020204030204" pitchFamily="49" charset="0"/>
@@ -11601,7 +10855,6 @@
               <a:t>{</a:t>
             </a:r>
             <a:endParaRPr lang="ru-RU" sz="1600" dirty="0">
-              <a:effectLst/>
               <a:latin typeface="Consolas" panose="020B0609020204030204" pitchFamily="49" charset="0"/>
               <a:ea typeface="Calibri" panose="020F0502020204030204" pitchFamily="34" charset="0"/>
               <a:cs typeface="Times New Roman" panose="02020603050405020304" pitchFamily="18" charset="0"/>
@@ -11618,7 +10871,6 @@
                 <a:solidFill>
                   <a:srgbClr val="000000"/>
                 </a:solidFill>
-                <a:effectLst/>
                 <a:latin typeface="Consolas" panose="020B0609020204030204" pitchFamily="49" charset="0"/>
                 <a:ea typeface="Calibri" panose="020F0502020204030204" pitchFamily="34" charset="0"/>
                 <a:cs typeface="Consolas" panose="020B0609020204030204" pitchFamily="49" charset="0"/>
@@ -11630,7 +10882,6 @@
                 <a:solidFill>
                   <a:srgbClr val="0000FF"/>
                 </a:solidFill>
-                <a:effectLst/>
                 <a:latin typeface="Consolas" panose="020B0609020204030204" pitchFamily="49" charset="0"/>
                 <a:ea typeface="Calibri" panose="020F0502020204030204" pitchFamily="34" charset="0"/>
                 <a:cs typeface="Consolas" panose="020B0609020204030204" pitchFamily="49" charset="0"/>
@@ -11642,7 +10893,6 @@
                 <a:solidFill>
                   <a:srgbClr val="000000"/>
                 </a:solidFill>
-                <a:effectLst/>
                 <a:latin typeface="Consolas" panose="020B0609020204030204" pitchFamily="49" charset="0"/>
                 <a:ea typeface="Calibri" panose="020F0502020204030204" pitchFamily="34" charset="0"/>
                 <a:cs typeface="Consolas" panose="020B0609020204030204" pitchFamily="49" charset="0"/>
@@ -11654,7 +10904,6 @@
                 <a:solidFill>
                   <a:srgbClr val="000000"/>
                 </a:solidFill>
-                <a:effectLst/>
                 <a:latin typeface="Consolas" panose="020B0609020204030204" pitchFamily="49" charset="0"/>
                 <a:ea typeface="Calibri" panose="020F0502020204030204" pitchFamily="34" charset="0"/>
                 <a:cs typeface="Consolas" panose="020B0609020204030204" pitchFamily="49" charset="0"/>
@@ -11666,7 +10915,6 @@
                 <a:solidFill>
                   <a:srgbClr val="000000"/>
                 </a:solidFill>
-                <a:effectLst/>
                 <a:latin typeface="Consolas" panose="020B0609020204030204" pitchFamily="49" charset="0"/>
                 <a:ea typeface="Calibri" panose="020F0502020204030204" pitchFamily="34" charset="0"/>
                 <a:cs typeface="Consolas" panose="020B0609020204030204" pitchFamily="49" charset="0"/>
@@ -11678,7 +10926,6 @@
                 <a:solidFill>
                   <a:srgbClr val="000000"/>
                 </a:solidFill>
-                <a:effectLst/>
                 <a:latin typeface="Consolas" panose="020B0609020204030204" pitchFamily="49" charset="0"/>
                 <a:ea typeface="Calibri" panose="020F0502020204030204" pitchFamily="34" charset="0"/>
                 <a:cs typeface="Consolas" panose="020B0609020204030204" pitchFamily="49" charset="0"/>
@@ -11690,7 +10937,6 @@
                 <a:solidFill>
                   <a:srgbClr val="000000"/>
                 </a:solidFill>
-                <a:effectLst/>
                 <a:latin typeface="Consolas" panose="020B0609020204030204" pitchFamily="49" charset="0"/>
                 <a:ea typeface="Calibri" panose="020F0502020204030204" pitchFamily="34" charset="0"/>
                 <a:cs typeface="Consolas" panose="020B0609020204030204" pitchFamily="49" charset="0"/>
@@ -11698,7 +10944,6 @@
               <a:t>())</a:t>
             </a:r>
             <a:endParaRPr lang="ru-RU" sz="1600" dirty="0">
-              <a:effectLst/>
               <a:latin typeface="Consolas" panose="020B0609020204030204" pitchFamily="49" charset="0"/>
               <a:ea typeface="Calibri" panose="020F0502020204030204" pitchFamily="34" charset="0"/>
               <a:cs typeface="Times New Roman" panose="02020603050405020304" pitchFamily="18" charset="0"/>
@@ -11715,7 +10960,6 @@
                 <a:solidFill>
                   <a:srgbClr val="000000"/>
                 </a:solidFill>
-                <a:effectLst/>
                 <a:latin typeface="Consolas" panose="020B0609020204030204" pitchFamily="49" charset="0"/>
                 <a:ea typeface="Calibri" panose="020F0502020204030204" pitchFamily="34" charset="0"/>
                 <a:cs typeface="Consolas" panose="020B0609020204030204" pitchFamily="49" charset="0"/>
@@ -11723,7 +10967,6 @@
               <a:t>      {</a:t>
             </a:r>
             <a:endParaRPr lang="ru-RU" sz="1600" dirty="0">
-              <a:effectLst/>
               <a:latin typeface="Consolas" panose="020B0609020204030204" pitchFamily="49" charset="0"/>
               <a:ea typeface="Calibri" panose="020F0502020204030204" pitchFamily="34" charset="0"/>
               <a:cs typeface="Times New Roman" panose="02020603050405020304" pitchFamily="18" charset="0"/>
@@ -11740,7 +10983,6 @@
                 <a:solidFill>
                   <a:srgbClr val="000000"/>
                 </a:solidFill>
-                <a:effectLst/>
                 <a:latin typeface="Consolas" panose="020B0609020204030204" pitchFamily="49" charset="0"/>
                 <a:ea typeface="Calibri" panose="020F0502020204030204" pitchFamily="34" charset="0"/>
                 <a:cs typeface="Consolas" panose="020B0609020204030204" pitchFamily="49" charset="0"/>
@@ -11752,7 +10994,6 @@
                 <a:solidFill>
                   <a:srgbClr val="000000"/>
                 </a:solidFill>
-                <a:effectLst/>
                 <a:latin typeface="Consolas" panose="020B0609020204030204" pitchFamily="49" charset="0"/>
                 <a:ea typeface="Calibri" panose="020F0502020204030204" pitchFamily="34" charset="0"/>
                 <a:cs typeface="Consolas" panose="020B0609020204030204" pitchFamily="49" charset="0"/>
@@ -11764,7 +11005,6 @@
                 <a:solidFill>
                   <a:srgbClr val="000000"/>
                 </a:solidFill>
-                <a:effectLst/>
                 <a:latin typeface="Consolas" panose="020B0609020204030204" pitchFamily="49" charset="0"/>
                 <a:ea typeface="Calibri" panose="020F0502020204030204" pitchFamily="34" charset="0"/>
                 <a:cs typeface="Consolas" panose="020B0609020204030204" pitchFamily="49" charset="0"/>
@@ -11776,7 +11016,6 @@
                 <a:solidFill>
                   <a:srgbClr val="A31515"/>
                 </a:solidFill>
-                <a:effectLst/>
                 <a:latin typeface="Consolas" panose="020B0609020204030204" pitchFamily="49" charset="0"/>
                 <a:ea typeface="Calibri" panose="020F0502020204030204" pitchFamily="34" charset="0"/>
                 <a:cs typeface="Consolas" panose="020B0609020204030204" pitchFamily="49" charset="0"/>
@@ -11788,7 +11027,6 @@
                 <a:solidFill>
                   <a:srgbClr val="000000"/>
                 </a:solidFill>
-                <a:effectLst/>
                 <a:latin typeface="Consolas" panose="020B0609020204030204" pitchFamily="49" charset="0"/>
                 <a:ea typeface="Calibri" panose="020F0502020204030204" pitchFamily="34" charset="0"/>
                 <a:cs typeface="Consolas" panose="020B0609020204030204" pitchFamily="49" charset="0"/>
@@ -11796,7 +11034,6 @@
               <a:t>;</a:t>
             </a:r>
             <a:endParaRPr lang="ru-RU" sz="1600" dirty="0">
-              <a:effectLst/>
               <a:latin typeface="Consolas" panose="020B0609020204030204" pitchFamily="49" charset="0"/>
               <a:ea typeface="Calibri" panose="020F0502020204030204" pitchFamily="34" charset="0"/>
               <a:cs typeface="Times New Roman" panose="02020603050405020304" pitchFamily="18" charset="0"/>
@@ -11813,7 +11050,6 @@
                 <a:solidFill>
                   <a:srgbClr val="000000"/>
                 </a:solidFill>
-                <a:effectLst/>
                 <a:latin typeface="Consolas" panose="020B0609020204030204" pitchFamily="49" charset="0"/>
                 <a:ea typeface="Calibri" panose="020F0502020204030204" pitchFamily="34" charset="0"/>
                 <a:cs typeface="Consolas" panose="020B0609020204030204" pitchFamily="49" charset="0"/>
@@ -11825,7 +11061,6 @@
                 <a:solidFill>
                   <a:srgbClr val="000000"/>
                 </a:solidFill>
-                <a:effectLst/>
                 <a:latin typeface="Consolas" panose="020B0609020204030204" pitchFamily="49" charset="0"/>
                 <a:ea typeface="Calibri" panose="020F0502020204030204" pitchFamily="34" charset="0"/>
                 <a:cs typeface="Consolas" panose="020B0609020204030204" pitchFamily="49" charset="0"/>
@@ -11833,7 +11068,6 @@
               <a:t>}</a:t>
             </a:r>
             <a:endParaRPr lang="ru-RU" sz="1600" dirty="0">
-              <a:effectLst/>
               <a:latin typeface="Consolas" panose="020B0609020204030204" pitchFamily="49" charset="0"/>
               <a:ea typeface="Calibri" panose="020F0502020204030204" pitchFamily="34" charset="0"/>
               <a:cs typeface="Times New Roman" panose="02020603050405020304" pitchFamily="18" charset="0"/>
@@ -11850,7 +11084,6 @@
                 <a:solidFill>
                   <a:srgbClr val="000000"/>
                 </a:solidFill>
-                <a:effectLst/>
                 <a:latin typeface="Consolas" panose="020B0609020204030204" pitchFamily="49" charset="0"/>
                 <a:ea typeface="Calibri" panose="020F0502020204030204" pitchFamily="34" charset="0"/>
                 <a:cs typeface="Consolas" panose="020B0609020204030204" pitchFamily="49" charset="0"/>
@@ -11858,7 +11091,6 @@
               <a:t>      text_ += line;</a:t>
             </a:r>
             <a:endParaRPr lang="ru-RU" sz="1600" dirty="0">
-              <a:effectLst/>
               <a:latin typeface="Consolas" panose="020B0609020204030204" pitchFamily="49" charset="0"/>
               <a:ea typeface="Calibri" panose="020F0502020204030204" pitchFamily="34" charset="0"/>
               <a:cs typeface="Times New Roman" panose="02020603050405020304" pitchFamily="18" charset="0"/>
@@ -11875,7 +11107,6 @@
                 <a:solidFill>
                   <a:srgbClr val="000000"/>
                 </a:solidFill>
-                <a:effectLst/>
                 <a:latin typeface="Consolas" panose="020B0609020204030204" pitchFamily="49" charset="0"/>
                 <a:ea typeface="Calibri" panose="020F0502020204030204" pitchFamily="34" charset="0"/>
                 <a:cs typeface="Consolas" panose="020B0609020204030204" pitchFamily="49" charset="0"/>
@@ -11883,7 +11114,6 @@
               <a:t>    }</a:t>
             </a:r>
             <a:endParaRPr lang="ru-RU" sz="1600" dirty="0">
-              <a:effectLst/>
               <a:latin typeface="Consolas" panose="020B0609020204030204" pitchFamily="49" charset="0"/>
               <a:ea typeface="Calibri" panose="020F0502020204030204" pitchFamily="34" charset="0"/>
               <a:cs typeface="Times New Roman" panose="02020603050405020304" pitchFamily="18" charset="0"/>
@@ -11900,7 +11130,6 @@
                 <a:solidFill>
                   <a:srgbClr val="000000"/>
                 </a:solidFill>
-                <a:effectLst/>
                 <a:latin typeface="Consolas" panose="020B0609020204030204" pitchFamily="49" charset="0"/>
                 <a:ea typeface="Calibri" panose="020F0502020204030204" pitchFamily="34" charset="0"/>
                 <a:cs typeface="Consolas" panose="020B0609020204030204" pitchFamily="49" charset="0"/>
@@ -11908,7 +11137,6 @@
               <a:t>  }</a:t>
             </a:r>
             <a:endParaRPr lang="ru-RU" sz="1600" dirty="0">
-              <a:effectLst/>
               <a:latin typeface="Consolas" panose="020B0609020204030204" pitchFamily="49" charset="0"/>
               <a:ea typeface="Calibri" panose="020F0502020204030204" pitchFamily="34" charset="0"/>
               <a:cs typeface="Times New Roman" panose="02020603050405020304" pitchFamily="18" charset="0"/>
@@ -11925,7 +11153,6 @@
                 <a:solidFill>
                   <a:srgbClr val="0000FF"/>
                 </a:solidFill>
-                <a:effectLst/>
                 <a:latin typeface="Consolas" panose="020B0609020204030204" pitchFamily="49" charset="0"/>
                 <a:ea typeface="Calibri" panose="020F0502020204030204" pitchFamily="34" charset="0"/>
                 <a:cs typeface="Consolas" panose="020B0609020204030204" pitchFamily="49" charset="0"/>
@@ -11937,7 +11164,6 @@
                 <a:solidFill>
                   <a:srgbClr val="000000"/>
                 </a:solidFill>
-                <a:effectLst/>
                 <a:latin typeface="Consolas" panose="020B0609020204030204" pitchFamily="49" charset="0"/>
                 <a:ea typeface="Calibri" panose="020F0502020204030204" pitchFamily="34" charset="0"/>
                 <a:cs typeface="Consolas" panose="020B0609020204030204" pitchFamily="49" charset="0"/>
@@ -11945,7 +11171,6 @@
               <a:t>:</a:t>
             </a:r>
             <a:endParaRPr lang="ru-RU" sz="1600" dirty="0">
-              <a:effectLst/>
               <a:latin typeface="Consolas" panose="020B0609020204030204" pitchFamily="49" charset="0"/>
               <a:ea typeface="Calibri" panose="020F0502020204030204" pitchFamily="34" charset="0"/>
               <a:cs typeface="Times New Roman" panose="02020603050405020304" pitchFamily="18" charset="0"/>
@@ -11962,7 +11187,6 @@
                 <a:solidFill>
                   <a:srgbClr val="000000"/>
                 </a:solidFill>
-                <a:effectLst/>
                 <a:latin typeface="Consolas" panose="020B0609020204030204" pitchFamily="49" charset="0"/>
                 <a:ea typeface="Calibri" panose="020F0502020204030204" pitchFamily="34" charset="0"/>
                 <a:cs typeface="Consolas" panose="020B0609020204030204" pitchFamily="49" charset="0"/>
@@ -11970,7 +11194,6 @@
               <a:t>  string title_;</a:t>
             </a:r>
             <a:endParaRPr lang="ru-RU" sz="1600" dirty="0">
-              <a:effectLst/>
               <a:latin typeface="Consolas" panose="020B0609020204030204" pitchFamily="49" charset="0"/>
               <a:ea typeface="Calibri" panose="020F0502020204030204" pitchFamily="34" charset="0"/>
               <a:cs typeface="Times New Roman" panose="02020603050405020304" pitchFamily="18" charset="0"/>
@@ -11987,7 +11210,6 @@
                 <a:solidFill>
                   <a:srgbClr val="000000"/>
                 </a:solidFill>
-                <a:effectLst/>
                 <a:latin typeface="Consolas" panose="020B0609020204030204" pitchFamily="49" charset="0"/>
                 <a:ea typeface="Calibri" panose="020F0502020204030204" pitchFamily="34" charset="0"/>
                 <a:cs typeface="Consolas" panose="020B0609020204030204" pitchFamily="49" charset="0"/>
@@ -11999,7 +11221,6 @@
                 <a:solidFill>
                   <a:srgbClr val="000000"/>
                 </a:solidFill>
-                <a:effectLst/>
                 <a:latin typeface="Consolas" panose="020B0609020204030204" pitchFamily="49" charset="0"/>
                 <a:ea typeface="Calibri" panose="020F0502020204030204" pitchFamily="34" charset="0"/>
                 <a:cs typeface="Consolas" panose="020B0609020204030204" pitchFamily="49" charset="0"/>
@@ -12011,7 +11232,6 @@
                 <a:solidFill>
                   <a:srgbClr val="000000"/>
                 </a:solidFill>
-                <a:effectLst/>
                 <a:latin typeface="Consolas" panose="020B0609020204030204" pitchFamily="49" charset="0"/>
                 <a:ea typeface="Calibri" panose="020F0502020204030204" pitchFamily="34" charset="0"/>
                 <a:cs typeface="Consolas" panose="020B0609020204030204" pitchFamily="49" charset="0"/>
@@ -12023,7 +11243,6 @@
                 <a:solidFill>
                   <a:srgbClr val="000000"/>
                 </a:solidFill>
-                <a:effectLst/>
                 <a:latin typeface="Consolas" panose="020B0609020204030204" pitchFamily="49" charset="0"/>
                 <a:ea typeface="Calibri" panose="020F0502020204030204" pitchFamily="34" charset="0"/>
                 <a:cs typeface="Consolas" panose="020B0609020204030204" pitchFamily="49" charset="0"/>
@@ -12035,7 +11254,6 @@
                 <a:solidFill>
                   <a:srgbClr val="000000"/>
                 </a:solidFill>
-                <a:effectLst/>
                 <a:latin typeface="Consolas" panose="020B0609020204030204" pitchFamily="49" charset="0"/>
                 <a:ea typeface="Calibri" panose="020F0502020204030204" pitchFamily="34" charset="0"/>
                 <a:cs typeface="Consolas" panose="020B0609020204030204" pitchFamily="49" charset="0"/>
@@ -12043,7 +11261,6 @@
               <a:t>_;</a:t>
             </a:r>
             <a:endParaRPr lang="ru-RU" sz="1600" dirty="0">
-              <a:effectLst/>
               <a:latin typeface="Consolas" panose="020B0609020204030204" pitchFamily="49" charset="0"/>
               <a:ea typeface="Calibri" panose="020F0502020204030204" pitchFamily="34" charset="0"/>
               <a:cs typeface="Times New Roman" panose="02020603050405020304" pitchFamily="18" charset="0"/>
@@ -12060,7 +11277,6 @@
                 <a:solidFill>
                   <a:srgbClr val="000000"/>
                 </a:solidFill>
-                <a:effectLst/>
                 <a:latin typeface="Consolas" panose="020B0609020204030204" pitchFamily="49" charset="0"/>
                 <a:ea typeface="Calibri" panose="020F0502020204030204" pitchFamily="34" charset="0"/>
                 <a:cs typeface="Consolas" panose="020B0609020204030204" pitchFamily="49" charset="0"/>
@@ -12068,7 +11284,6 @@
               <a:t>};</a:t>
             </a:r>
             <a:endParaRPr lang="ru-RU" sz="1600" dirty="0">
-              <a:effectLst/>
               <a:latin typeface="Consolas" panose="020B0609020204030204" pitchFamily="49" charset="0"/>
               <a:ea typeface="Calibri" panose="020F0502020204030204" pitchFamily="34" charset="0"/>
               <a:cs typeface="Times New Roman" panose="02020603050405020304" pitchFamily="18" charset="0"/>
@@ -13060,7 +12275,7 @@
         </p:blipFill>
         <p:spPr>
           <a:xfrm>
-            <a:off x="479296" y="2003868"/>
+            <a:off x="2003296" y="2003869"/>
             <a:ext cx="6840760" cy="3264055"/>
           </a:xfrm>
           <a:prstGeom prst="rect">
@@ -13087,7 +12302,7 @@
         <p:spPr/>
         <p:txBody>
           <a:bodyPr>
-            <a:normAutofit fontScale="90000"/>
+            <a:normAutofit/>
           </a:bodyPr>
           <a:lstStyle/>
           <a:p>
@@ -13100,38 +12315,49 @@
       </p:sp>
       <p:pic>
         <p:nvPicPr>
-          <p:cNvPr id="6" name="Рисунок 5">
+          <p:cNvPr id="1026" name="Picture 2">
             <a:extLst>
               <a:ext uri="{FF2B5EF4-FFF2-40B4-BE49-F238E27FC236}">
-                <a16:creationId xmlns:a16="http://schemas.microsoft.com/office/drawing/2014/main" id="{B6D3E67F-F483-42E7-9D4A-450DA19112AD}"/>
+                <a16:creationId xmlns:a16="http://schemas.microsoft.com/office/drawing/2014/main" id="{C3FA3E94-BB74-4F46-AA91-DE7D08A6D26B}"/>
               </a:ext>
             </a:extLst>
           </p:cNvPr>
           <p:cNvPicPr>
-            <a:picLocks noChangeAspect="1"/>
+            <a:picLocks noChangeAspect="1" noChangeArrowheads="1"/>
           </p:cNvPicPr>
           <p:nvPr/>
         </p:nvPicPr>
         <p:blipFill>
-          <a:blip r:embed="rId4">
+          <a:blip r:embed="rId4" cstate="print">
             <a:extLst>
               <a:ext uri="{28A0092B-C50C-407E-A947-70E740481C1C}">
                 <a14:useLocalDpi xmlns:a14="http://schemas.microsoft.com/office/drawing/2010/main" val="0"/>
               </a:ext>
             </a:extLst>
           </a:blip>
+          <a:srcRect/>
           <a:stretch>
             <a:fillRect/>
           </a:stretch>
         </p:blipFill>
-        <p:spPr>
+        <p:spPr bwMode="auto">
           <a:xfrm>
-            <a:off x="729680" y="5578781"/>
-            <a:ext cx="7199784" cy="1150262"/>
+            <a:off x="2279576" y="5581105"/>
+            <a:ext cx="6724389" cy="1020067"/>
           </a:xfrm>
           <a:prstGeom prst="rect">
             <a:avLst/>
           </a:prstGeom>
+          <a:noFill/>
+          <a:extLst>
+            <a:ext uri="{909E8E84-426E-40DD-AFC4-6F175D3DCCD1}">
+              <a14:hiddenFill xmlns:a14="http://schemas.microsoft.com/office/drawing/2010/main">
+                <a:solidFill>
+                  <a:srgbClr val="FFFFFF"/>
+                </a:solidFill>
+              </a14:hiddenFill>
+            </a:ext>
+          </a:extLst>
         </p:spPr>
       </p:pic>
     </p:spTree>
@@ -13231,7 +12457,7 @@
                                           </p:stCondLst>
                                         </p:cTn>
                                         <p:tgtEl>
-                                          <p:spTgt spid="6"/>
+                                          <p:spTgt spid="1026"/>
                                         </p:tgtEl>
                                         <p:attrNameLst>
                                           <p:attrName>style.visibility</p:attrName>
@@ -13245,7 +12471,7 @@
                                       <p:cBhvr>
                                         <p:cTn id="12" dur="500"/>
                                         <p:tgtEl>
-                                          <p:spTgt spid="6"/>
+                                          <p:spTgt spid="1026"/>
                                         </p:tgtEl>
                                       </p:cBhvr>
                                     </p:animEffect>
@@ -13330,38 +12556,49 @@
       </p:sp>
       <p:pic>
         <p:nvPicPr>
-          <p:cNvPr id="4" name="Рисунок 3" descr="Изображение выглядит как текст&#10;&#10;Автоматически созданное описание">
+          <p:cNvPr id="2050" name="Picture 2">
             <a:extLst>
               <a:ext uri="{FF2B5EF4-FFF2-40B4-BE49-F238E27FC236}">
-                <a16:creationId xmlns:a16="http://schemas.microsoft.com/office/drawing/2014/main" id="{DB8D5F4E-59DC-408E-97B6-F73BE0E8179C}"/>
+                <a16:creationId xmlns:a16="http://schemas.microsoft.com/office/drawing/2014/main" id="{3A04AB77-04FD-495C-B5C4-F0A58A2A95DA}"/>
               </a:ext>
             </a:extLst>
           </p:cNvPr>
           <p:cNvPicPr>
-            <a:picLocks noChangeAspect="1"/>
+            <a:picLocks noChangeAspect="1" noChangeArrowheads="1"/>
           </p:cNvPicPr>
           <p:nvPr/>
         </p:nvPicPr>
         <p:blipFill>
-          <a:blip r:embed="rId3">
+          <a:blip r:embed="rId3" cstate="print">
             <a:extLst>
               <a:ext uri="{28A0092B-C50C-407E-A947-70E740481C1C}">
                 <a14:useLocalDpi xmlns:a14="http://schemas.microsoft.com/office/drawing/2010/main" val="0"/>
               </a:ext>
             </a:extLst>
           </a:blip>
+          <a:srcRect/>
           <a:stretch>
             <a:fillRect/>
           </a:stretch>
         </p:blipFill>
-        <p:spPr>
+        <p:spPr bwMode="auto">
           <a:xfrm>
-            <a:off x="457200" y="2996952"/>
-            <a:ext cx="7884368" cy="2491503"/>
+            <a:off x="2063552" y="2696631"/>
+            <a:ext cx="8243546" cy="1226046"/>
           </a:xfrm>
           <a:prstGeom prst="rect">
             <a:avLst/>
           </a:prstGeom>
+          <a:noFill/>
+          <a:extLst>
+            <a:ext uri="{909E8E84-426E-40DD-AFC4-6F175D3DCCD1}">
+              <a14:hiddenFill xmlns:a14="http://schemas.microsoft.com/office/drawing/2010/main">
+                <a:solidFill>
+                  <a:srgbClr val="FFFFFF"/>
+                </a:solidFill>
+              </a14:hiddenFill>
+            </a:ext>
+          </a:extLst>
         </p:spPr>
       </p:pic>
     </p:spTree>
@@ -13494,7 +12731,7 @@
         </p:blipFill>
         <p:spPr>
           <a:xfrm>
-            <a:off x="1403648" y="4869942"/>
+            <a:off x="2927648" y="4869942"/>
             <a:ext cx="6115050" cy="1543050"/>
           </a:xfrm>
           <a:prstGeom prst="rect">
@@ -13744,8 +12981,8 @@
         </p:nvSpPr>
         <p:spPr>
           <a:xfrm>
-            <a:off x="457200" y="1935480"/>
-            <a:ext cx="8229600" cy="2069584"/>
+            <a:off x="838200" y="1935480"/>
+            <a:ext cx="9372600" cy="2069584"/>
           </a:xfrm>
         </p:spPr>
         <p:txBody>
@@ -13793,7 +13030,7 @@
         </p:blipFill>
         <p:spPr>
           <a:xfrm>
-            <a:off x="1403648" y="4401312"/>
+            <a:off x="2927648" y="4401312"/>
             <a:ext cx="5562600" cy="1752600"/>
           </a:xfrm>
           <a:prstGeom prst="rect">
@@ -13877,13 +13114,13 @@
         </p:nvSpPr>
         <p:spPr>
           <a:xfrm>
-            <a:off x="457200" y="1935480"/>
-            <a:ext cx="8229600" cy="1564958"/>
+            <a:off x="838200" y="1935480"/>
+            <a:ext cx="9372600" cy="1564958"/>
           </a:xfrm>
         </p:spPr>
         <p:txBody>
           <a:bodyPr>
-            <a:normAutofit fontScale="92500" lnSpcReduction="10000"/>
+            <a:normAutofit fontScale="92500"/>
           </a:bodyPr>
           <a:lstStyle/>
           <a:p>
@@ -13936,7 +13173,7 @@
         </p:blipFill>
         <p:spPr>
           <a:xfrm>
-            <a:off x="422880" y="3591102"/>
+            <a:off x="1946880" y="3591102"/>
             <a:ext cx="8229600" cy="2372234"/>
           </a:xfrm>
           <a:prstGeom prst="rect">
@@ -14018,7 +13255,12 @@
             <p:ph idx="1"/>
           </p:nvPr>
         </p:nvSpPr>
-        <p:spPr/>
+        <p:spPr>
+          <a:xfrm>
+            <a:off x="838200" y="1825625"/>
+            <a:ext cx="10515600" cy="2395463"/>
+          </a:xfrm>
+        </p:spPr>
         <p:txBody>
           <a:bodyPr/>
           <a:lstStyle/>
@@ -14070,7 +13312,7 @@
         </p:blipFill>
         <p:spPr>
           <a:xfrm>
-            <a:off x="1051198" y="4869160"/>
+            <a:off x="2575198" y="4869160"/>
             <a:ext cx="7041604" cy="1744822"/>
           </a:xfrm>
           <a:prstGeom prst="rect">
@@ -14127,7 +13369,7 @@
         <p:spPr/>
         <p:txBody>
           <a:bodyPr>
-            <a:normAutofit fontScale="90000"/>
+            <a:normAutofit/>
           </a:bodyPr>
           <a:lstStyle/>
           <a:p>
@@ -14166,8 +13408,8 @@
         </p:blipFill>
         <p:spPr>
           <a:xfrm>
-            <a:off x="4572000" y="4393479"/>
-            <a:ext cx="2733716" cy="2113825"/>
+            <a:off x="6452067" y="3861048"/>
+            <a:ext cx="3406711" cy="2634213"/>
           </a:xfrm>
           <a:prstGeom prst="rect">
             <a:avLst/>
@@ -14202,8 +13444,8 @@
         </p:blipFill>
         <p:spPr>
           <a:xfrm>
-            <a:off x="3022567" y="2132856"/>
-            <a:ext cx="2733716" cy="2113825"/>
+            <a:off x="4546566" y="1465639"/>
+            <a:ext cx="3596599" cy="2781043"/>
           </a:xfrm>
           <a:prstGeom prst="rect">
             <a:avLst/>
@@ -14238,8 +13480,8 @@
         </p:blipFill>
         <p:spPr>
           <a:xfrm>
-            <a:off x="34283" y="2132856"/>
-            <a:ext cx="2733716" cy="2113825"/>
+            <a:off x="695400" y="1465639"/>
+            <a:ext cx="3596599" cy="2781043"/>
           </a:xfrm>
           <a:prstGeom prst="rect">
             <a:avLst/>
@@ -14274,8 +13516,8 @@
         </p:blipFill>
         <p:spPr>
           <a:xfrm>
-            <a:off x="1583500" y="4391117"/>
-            <a:ext cx="2767210" cy="2139724"/>
+            <a:off x="2639616" y="4029329"/>
+            <a:ext cx="3235094" cy="2501512"/>
           </a:xfrm>
           <a:prstGeom prst="rect">
             <a:avLst/>
@@ -14310,8 +13552,8 @@
         </p:blipFill>
         <p:spPr>
           <a:xfrm>
-            <a:off x="6361388" y="2132856"/>
-            <a:ext cx="2733716" cy="2113825"/>
+            <a:off x="8472264" y="1556792"/>
+            <a:ext cx="3210635" cy="2482599"/>
           </a:xfrm>
           <a:prstGeom prst="rect">
             <a:avLst/>
@@ -14332,7 +13574,7 @@
         </p:nvSpPr>
         <p:spPr>
           <a:xfrm>
-            <a:off x="3217806" y="2063112"/>
+            <a:off x="4725834" y="1429078"/>
             <a:ext cx="2064710" cy="523220"/>
           </a:xfrm>
           <a:prstGeom prst="rect">
@@ -14348,7 +13590,6 @@
           <a:p>
             <a:r>
               <a:rPr lang="ru-RU" sz="2800" dirty="0">
-                <a:effectLst/>
                 <a:latin typeface="Apple Color Emoji"/>
               </a:rPr>
               <a:t>✅</a:t>
@@ -15177,7 +14418,7 @@
         </p:nvSpPr>
         <p:spPr>
           <a:xfrm>
-            <a:off x="446717" y="1888951"/>
+            <a:off x="1970717" y="1888952"/>
             <a:ext cx="8414054" cy="4924425"/>
           </a:xfrm>
           <a:prstGeom prst="rect">
@@ -15201,7 +14442,6 @@
                 <a:solidFill>
                   <a:srgbClr val="008000"/>
                 </a:solidFill>
-                <a:effectLst/>
                 <a:latin typeface="Consolas" panose="020B0609020204030204" pitchFamily="49" charset="0"/>
                 <a:ea typeface="Calibri" panose="020F0502020204030204" pitchFamily="34" charset="0"/>
                 <a:cs typeface="Consolas" panose="020B0609020204030204" pitchFamily="49" charset="0"/>
@@ -15213,7 +14453,6 @@
                 <a:solidFill>
                   <a:srgbClr val="008000"/>
                 </a:solidFill>
-                <a:effectLst/>
                 <a:latin typeface="Consolas" panose="020B0609020204030204" pitchFamily="49" charset="0"/>
                 <a:ea typeface="Calibri" panose="020F0502020204030204" pitchFamily="34" charset="0"/>
                 <a:cs typeface="Consolas" panose="020B0609020204030204" pitchFamily="49" charset="0"/>
@@ -15225,7 +14464,6 @@
                 <a:solidFill>
                   <a:srgbClr val="008000"/>
                 </a:solidFill>
-                <a:effectLst/>
                 <a:latin typeface="Consolas" panose="020B0609020204030204" pitchFamily="49" charset="0"/>
                 <a:ea typeface="Calibri" panose="020F0502020204030204" pitchFamily="34" charset="0"/>
                 <a:cs typeface="Consolas" panose="020B0609020204030204" pitchFamily="49" charset="0"/>
@@ -15237,7 +14475,6 @@
                 <a:solidFill>
                   <a:srgbClr val="008000"/>
                 </a:solidFill>
-                <a:effectLst/>
                 <a:latin typeface="Consolas" panose="020B0609020204030204" pitchFamily="49" charset="0"/>
                 <a:ea typeface="Calibri" panose="020F0502020204030204" pitchFamily="34" charset="0"/>
                 <a:cs typeface="Consolas" panose="020B0609020204030204" pitchFamily="49" charset="0"/>
@@ -15249,7 +14486,6 @@
                 <a:solidFill>
                   <a:srgbClr val="008000"/>
                 </a:solidFill>
-                <a:effectLst/>
                 <a:latin typeface="Consolas" panose="020B0609020204030204" pitchFamily="49" charset="0"/>
                 <a:ea typeface="Calibri" panose="020F0502020204030204" pitchFamily="34" charset="0"/>
                 <a:cs typeface="Consolas" panose="020B0609020204030204" pitchFamily="49" charset="0"/>
@@ -15257,7 +14493,6 @@
               <a:t>.</a:t>
             </a:r>
             <a:endParaRPr lang="ru-RU" sz="1600" dirty="0">
-              <a:effectLst/>
               <a:latin typeface="Consolas" panose="020B0609020204030204" pitchFamily="49" charset="0"/>
               <a:ea typeface="Calibri" panose="020F0502020204030204" pitchFamily="34" charset="0"/>
               <a:cs typeface="Times New Roman" panose="02020603050405020304" pitchFamily="18" charset="0"/>
@@ -15274,7 +14509,6 @@
                 <a:solidFill>
                   <a:srgbClr val="0000FF"/>
                 </a:solidFill>
-                <a:effectLst/>
                 <a:latin typeface="Consolas" panose="020B0609020204030204" pitchFamily="49" charset="0"/>
                 <a:ea typeface="Calibri" panose="020F0502020204030204" pitchFamily="34" charset="0"/>
                 <a:cs typeface="Consolas" panose="020B0609020204030204" pitchFamily="49" charset="0"/>
@@ -15286,7 +14520,6 @@
                 <a:solidFill>
                   <a:srgbClr val="000000"/>
                 </a:solidFill>
-                <a:effectLst/>
                 <a:latin typeface="Consolas" panose="020B0609020204030204" pitchFamily="49" charset="0"/>
                 <a:ea typeface="Calibri" panose="020F0502020204030204" pitchFamily="34" charset="0"/>
                 <a:cs typeface="Consolas" panose="020B0609020204030204" pitchFamily="49" charset="0"/>
@@ -15298,7 +14531,6 @@
                 <a:solidFill>
                   <a:srgbClr val="2B91AF"/>
                 </a:solidFill>
-                <a:effectLst/>
                 <a:latin typeface="Consolas" panose="020B0609020204030204" pitchFamily="49" charset="0"/>
                 <a:ea typeface="Calibri" panose="020F0502020204030204" pitchFamily="34" charset="0"/>
                 <a:cs typeface="Consolas" panose="020B0609020204030204" pitchFamily="49" charset="0"/>
@@ -15306,7 +14538,6 @@
               <a:t>Book</a:t>
             </a:r>
             <a:endParaRPr lang="ru-RU" sz="1600" dirty="0">
-              <a:effectLst/>
               <a:latin typeface="Consolas" panose="020B0609020204030204" pitchFamily="49" charset="0"/>
               <a:ea typeface="Calibri" panose="020F0502020204030204" pitchFamily="34" charset="0"/>
               <a:cs typeface="Times New Roman" panose="02020603050405020304" pitchFamily="18" charset="0"/>
@@ -15323,7 +14554,6 @@
                 <a:solidFill>
                   <a:srgbClr val="000000"/>
                 </a:solidFill>
-                <a:effectLst/>
                 <a:latin typeface="Consolas" panose="020B0609020204030204" pitchFamily="49" charset="0"/>
                 <a:ea typeface="Calibri" panose="020F0502020204030204" pitchFamily="34" charset="0"/>
                 <a:cs typeface="Consolas" panose="020B0609020204030204" pitchFamily="49" charset="0"/>
@@ -15331,7 +14561,6 @@
               <a:t>{</a:t>
             </a:r>
             <a:endParaRPr lang="ru-RU" sz="1600" dirty="0">
-              <a:effectLst/>
               <a:latin typeface="Consolas" panose="020B0609020204030204" pitchFamily="49" charset="0"/>
               <a:ea typeface="Calibri" panose="020F0502020204030204" pitchFamily="34" charset="0"/>
               <a:cs typeface="Times New Roman" panose="02020603050405020304" pitchFamily="18" charset="0"/>
@@ -15348,7 +14577,6 @@
                 <a:solidFill>
                   <a:srgbClr val="000000"/>
                 </a:solidFill>
-                <a:effectLst/>
                 <a:latin typeface="Consolas" panose="020B0609020204030204" pitchFamily="49" charset="0"/>
                 <a:ea typeface="Calibri" panose="020F0502020204030204" pitchFamily="34" charset="0"/>
                 <a:cs typeface="Consolas" panose="020B0609020204030204" pitchFamily="49" charset="0"/>
@@ -15356,7 +14584,6 @@
               <a:t>  ... </a:t>
             </a:r>
             <a:endParaRPr lang="ru-RU" sz="1600" dirty="0">
-              <a:effectLst/>
               <a:latin typeface="Consolas" panose="020B0609020204030204" pitchFamily="49" charset="0"/>
               <a:ea typeface="Calibri" panose="020F0502020204030204" pitchFamily="34" charset="0"/>
               <a:cs typeface="Times New Roman" panose="02020603050405020304" pitchFamily="18" charset="0"/>
@@ -15373,7 +14600,6 @@
                 <a:solidFill>
                   <a:srgbClr val="0000FF"/>
                 </a:solidFill>
-                <a:effectLst/>
                 <a:latin typeface="Consolas" panose="020B0609020204030204" pitchFamily="49" charset="0"/>
                 <a:ea typeface="Calibri" panose="020F0502020204030204" pitchFamily="34" charset="0"/>
                 <a:cs typeface="Consolas" panose="020B0609020204030204" pitchFamily="49" charset="0"/>
@@ -15385,7 +14611,6 @@
                 <a:solidFill>
                   <a:srgbClr val="000000"/>
                 </a:solidFill>
-                <a:effectLst/>
                 <a:latin typeface="Consolas" panose="020B0609020204030204" pitchFamily="49" charset="0"/>
                 <a:ea typeface="Calibri" panose="020F0502020204030204" pitchFamily="34" charset="0"/>
                 <a:cs typeface="Consolas" panose="020B0609020204030204" pitchFamily="49" charset="0"/>
@@ -15396,7 +14621,6 @@
               <a:solidFill>
                 <a:srgbClr val="000000"/>
               </a:solidFill>
-              <a:effectLst/>
               <a:latin typeface="Consolas" panose="020B0609020204030204" pitchFamily="49" charset="0"/>
               <a:ea typeface="Calibri" panose="020F0502020204030204" pitchFamily="34" charset="0"/>
               <a:cs typeface="Consolas" panose="020B0609020204030204" pitchFamily="49" charset="0"/>
@@ -15413,7 +14637,6 @@
                 <a:solidFill>
                   <a:srgbClr val="000000"/>
                 </a:solidFill>
-                <a:effectLst/>
                 <a:latin typeface="Consolas" panose="020B0609020204030204" pitchFamily="49" charset="0"/>
                 <a:ea typeface="Calibri" panose="020F0502020204030204" pitchFamily="34" charset="0"/>
                 <a:cs typeface="Consolas" panose="020B0609020204030204" pitchFamily="49" charset="0"/>
@@ -15425,7 +14648,6 @@
                 <a:solidFill>
                   <a:srgbClr val="000000"/>
                 </a:solidFill>
-                <a:effectLst/>
                 <a:latin typeface="Consolas" panose="020B0609020204030204" pitchFamily="49" charset="0"/>
                 <a:ea typeface="Calibri" panose="020F0502020204030204" pitchFamily="34" charset="0"/>
                 <a:cs typeface="Consolas" panose="020B0609020204030204" pitchFamily="49" charset="0"/>
@@ -15441,26 +14663,13 @@
                 <a:ea typeface="Calibri" panose="020F0502020204030204" pitchFamily="34" charset="0"/>
                 <a:cs typeface="Consolas" panose="020B0609020204030204" pitchFamily="49" charset="0"/>
               </a:rPr>
-              <a:t>m_</a:t>
-            </a:r>
-            <a:r>
-              <a:rPr lang="en-US" sz="1600" dirty="0" err="1">
-                <a:solidFill>
-                  <a:srgbClr val="000000"/>
-                </a:solidFill>
-                <a:effectLst/>
-                <a:latin typeface="Consolas" panose="020B0609020204030204" pitchFamily="49" charset="0"/>
-                <a:ea typeface="Calibri" panose="020F0502020204030204" pitchFamily="34" charset="0"/>
-                <a:cs typeface="Consolas" panose="020B0609020204030204" pitchFamily="49" charset="0"/>
-              </a:rPr>
-              <a:t>title</a:t>
+              <a:t>m_title</a:t>
             </a:r>
             <a:r>
               <a:rPr lang="en-US" sz="1600" dirty="0">
                 <a:solidFill>
                   <a:srgbClr val="000000"/>
                 </a:solidFill>
-                <a:effectLst/>
                 <a:latin typeface="Consolas" panose="020B0609020204030204" pitchFamily="49" charset="0"/>
                 <a:ea typeface="Calibri" panose="020F0502020204030204" pitchFamily="34" charset="0"/>
                 <a:cs typeface="Consolas" panose="020B0609020204030204" pitchFamily="49" charset="0"/>
@@ -15468,7 +14677,6 @@
               <a:t>;</a:t>
             </a:r>
             <a:endParaRPr lang="ru-RU" sz="1600" dirty="0">
-              <a:effectLst/>
               <a:latin typeface="Consolas" panose="020B0609020204030204" pitchFamily="49" charset="0"/>
               <a:ea typeface="Calibri" panose="020F0502020204030204" pitchFamily="34" charset="0"/>
               <a:cs typeface="Times New Roman" panose="02020603050405020304" pitchFamily="18" charset="0"/>
@@ -15485,7 +14693,6 @@
                 <a:solidFill>
                   <a:srgbClr val="000000"/>
                 </a:solidFill>
-                <a:effectLst/>
                 <a:latin typeface="Consolas" panose="020B0609020204030204" pitchFamily="49" charset="0"/>
                 <a:ea typeface="Calibri" panose="020F0502020204030204" pitchFamily="34" charset="0"/>
                 <a:cs typeface="Consolas" panose="020B0609020204030204" pitchFamily="49" charset="0"/>
@@ -15497,7 +14704,6 @@
                 <a:solidFill>
                   <a:srgbClr val="000000"/>
                 </a:solidFill>
-                <a:effectLst/>
                 <a:latin typeface="Consolas" panose="020B0609020204030204" pitchFamily="49" charset="0"/>
                 <a:ea typeface="Calibri" panose="020F0502020204030204" pitchFamily="34" charset="0"/>
                 <a:cs typeface="Consolas" panose="020B0609020204030204" pitchFamily="49" charset="0"/>
@@ -15509,7 +14715,6 @@
                 <a:solidFill>
                   <a:srgbClr val="000000"/>
                 </a:solidFill>
-                <a:effectLst/>
                 <a:latin typeface="Consolas" panose="020B0609020204030204" pitchFamily="49" charset="0"/>
                 <a:ea typeface="Calibri" panose="020F0502020204030204" pitchFamily="34" charset="0"/>
                 <a:cs typeface="Consolas" panose="020B0609020204030204" pitchFamily="49" charset="0"/>
@@ -15521,7 +14726,6 @@
                 <a:solidFill>
                   <a:srgbClr val="000000"/>
                 </a:solidFill>
-                <a:effectLst/>
                 <a:latin typeface="Consolas" panose="020B0609020204030204" pitchFamily="49" charset="0"/>
                 <a:ea typeface="Calibri" panose="020F0502020204030204" pitchFamily="34" charset="0"/>
                 <a:cs typeface="Consolas" panose="020B0609020204030204" pitchFamily="49" charset="0"/>
@@ -15533,7 +14737,6 @@
                 <a:solidFill>
                   <a:srgbClr val="000000"/>
                 </a:solidFill>
-                <a:effectLst/>
                 <a:latin typeface="Consolas" panose="020B0609020204030204" pitchFamily="49" charset="0"/>
                 <a:ea typeface="Calibri" panose="020F0502020204030204" pitchFamily="34" charset="0"/>
                 <a:cs typeface="Consolas" panose="020B0609020204030204" pitchFamily="49" charset="0"/>
@@ -15545,7 +14748,6 @@
                 <a:solidFill>
                   <a:srgbClr val="000000"/>
                 </a:solidFill>
-                <a:effectLst/>
                 <a:latin typeface="Consolas" panose="020B0609020204030204" pitchFamily="49" charset="0"/>
                 <a:ea typeface="Calibri" panose="020F0502020204030204" pitchFamily="34" charset="0"/>
                 <a:cs typeface="Consolas" panose="020B0609020204030204" pitchFamily="49" charset="0"/>
@@ -15553,7 +14755,6 @@
               <a:t>;</a:t>
             </a:r>
             <a:endParaRPr lang="ru-RU" sz="1600" dirty="0">
-              <a:effectLst/>
               <a:latin typeface="Consolas" panose="020B0609020204030204" pitchFamily="49" charset="0"/>
               <a:ea typeface="Calibri" panose="020F0502020204030204" pitchFamily="34" charset="0"/>
               <a:cs typeface="Times New Roman" panose="02020603050405020304" pitchFamily="18" charset="0"/>
@@ -15570,7 +14771,6 @@
                 <a:solidFill>
                   <a:srgbClr val="000000"/>
                 </a:solidFill>
-                <a:effectLst/>
                 <a:latin typeface="Consolas" panose="020B0609020204030204" pitchFamily="49" charset="0"/>
                 <a:ea typeface="Calibri" panose="020F0502020204030204" pitchFamily="34" charset="0"/>
                 <a:cs typeface="Consolas" panose="020B0609020204030204" pitchFamily="49" charset="0"/>
@@ -15582,7 +14782,6 @@
                 <a:solidFill>
                   <a:srgbClr val="000000"/>
                 </a:solidFill>
-                <a:effectLst/>
                 <a:latin typeface="Consolas" panose="020B0609020204030204" pitchFamily="49" charset="0"/>
                 <a:ea typeface="Calibri" panose="020F0502020204030204" pitchFamily="34" charset="0"/>
                 <a:cs typeface="Consolas" panose="020B0609020204030204" pitchFamily="49" charset="0"/>
@@ -15594,7 +14793,6 @@
                 <a:solidFill>
                   <a:srgbClr val="000000"/>
                 </a:solidFill>
-                <a:effectLst/>
                 <a:latin typeface="Consolas" panose="020B0609020204030204" pitchFamily="49" charset="0"/>
                 <a:ea typeface="Calibri" panose="020F0502020204030204" pitchFamily="34" charset="0"/>
                 <a:cs typeface="Consolas" panose="020B0609020204030204" pitchFamily="49" charset="0"/>
@@ -15606,7 +14804,6 @@
                 <a:solidFill>
                   <a:srgbClr val="000000"/>
                 </a:solidFill>
-                <a:effectLst/>
                 <a:latin typeface="Consolas" panose="020B0609020204030204" pitchFamily="49" charset="0"/>
                 <a:ea typeface="Calibri" panose="020F0502020204030204" pitchFamily="34" charset="0"/>
                 <a:cs typeface="Consolas" panose="020B0609020204030204" pitchFamily="49" charset="0"/>
@@ -15618,7 +14815,6 @@
                 <a:solidFill>
                   <a:srgbClr val="000000"/>
                 </a:solidFill>
-                <a:effectLst/>
                 <a:latin typeface="Consolas" panose="020B0609020204030204" pitchFamily="49" charset="0"/>
                 <a:ea typeface="Calibri" panose="020F0502020204030204" pitchFamily="34" charset="0"/>
                 <a:cs typeface="Consolas" panose="020B0609020204030204" pitchFamily="49" charset="0"/>
@@ -15630,7 +14826,6 @@
                 <a:solidFill>
                   <a:srgbClr val="000000"/>
                 </a:solidFill>
-                <a:effectLst/>
                 <a:latin typeface="Consolas" panose="020B0609020204030204" pitchFamily="49" charset="0"/>
                 <a:ea typeface="Calibri" panose="020F0502020204030204" pitchFamily="34" charset="0"/>
                 <a:cs typeface="Consolas" panose="020B0609020204030204" pitchFamily="49" charset="0"/>
@@ -15642,7 +14837,6 @@
                 <a:solidFill>
                   <a:srgbClr val="008000"/>
                 </a:solidFill>
-                <a:effectLst/>
                 <a:latin typeface="Consolas" panose="020B0609020204030204" pitchFamily="49" charset="0"/>
                 <a:ea typeface="Calibri" panose="020F0502020204030204" pitchFamily="34" charset="0"/>
                 <a:cs typeface="Consolas" panose="020B0609020204030204" pitchFamily="49" charset="0"/>
@@ -15650,7 +14844,6 @@
               <a:t>// ISBN - уникальный номер книжного издания</a:t>
             </a:r>
             <a:endParaRPr lang="ru-RU" sz="1600" dirty="0">
-              <a:effectLst/>
               <a:latin typeface="Consolas" panose="020B0609020204030204" pitchFamily="49" charset="0"/>
               <a:ea typeface="Calibri" panose="020F0502020204030204" pitchFamily="34" charset="0"/>
               <a:cs typeface="Times New Roman" panose="02020603050405020304" pitchFamily="18" charset="0"/>
@@ -15667,7 +14860,6 @@
                 <a:solidFill>
                   <a:srgbClr val="000000"/>
                 </a:solidFill>
-                <a:effectLst/>
                 <a:latin typeface="Consolas" panose="020B0609020204030204" pitchFamily="49" charset="0"/>
                 <a:ea typeface="Calibri" panose="020F0502020204030204" pitchFamily="34" charset="0"/>
                 <a:cs typeface="Consolas" panose="020B0609020204030204" pitchFamily="49" charset="0"/>
@@ -15679,7 +14871,6 @@
                 <a:solidFill>
                   <a:srgbClr val="0000FF"/>
                 </a:solidFill>
-                <a:effectLst/>
                 <a:latin typeface="Consolas" panose="020B0609020204030204" pitchFamily="49" charset="0"/>
                 <a:ea typeface="Calibri" panose="020F0502020204030204" pitchFamily="34" charset="0"/>
                 <a:cs typeface="Consolas" panose="020B0609020204030204" pitchFamily="49" charset="0"/>
@@ -15691,7 +14882,6 @@
                 <a:solidFill>
                   <a:srgbClr val="000000"/>
                 </a:solidFill>
-                <a:effectLst/>
                 <a:latin typeface="Consolas" panose="020B0609020204030204" pitchFamily="49" charset="0"/>
                 <a:ea typeface="Calibri" panose="020F0502020204030204" pitchFamily="34" charset="0"/>
                 <a:cs typeface="Consolas" panose="020B0609020204030204" pitchFamily="49" charset="0"/>
@@ -15703,7 +14893,6 @@
                 <a:solidFill>
                   <a:srgbClr val="000000"/>
                 </a:solidFill>
-                <a:effectLst/>
                 <a:latin typeface="Consolas" panose="020B0609020204030204" pitchFamily="49" charset="0"/>
                 <a:ea typeface="Calibri" panose="020F0502020204030204" pitchFamily="34" charset="0"/>
                 <a:cs typeface="Consolas" panose="020B0609020204030204" pitchFamily="49" charset="0"/>
@@ -15715,7 +14904,6 @@
                 <a:solidFill>
                   <a:srgbClr val="000000"/>
                 </a:solidFill>
-                <a:effectLst/>
                 <a:latin typeface="Consolas" panose="020B0609020204030204" pitchFamily="49" charset="0"/>
                 <a:ea typeface="Calibri" panose="020F0502020204030204" pitchFamily="34" charset="0"/>
                 <a:cs typeface="Consolas" panose="020B0609020204030204" pitchFamily="49" charset="0"/>
@@ -15727,7 +14915,6 @@
                 <a:solidFill>
                   <a:srgbClr val="008000"/>
                 </a:solidFill>
-                <a:effectLst/>
                 <a:latin typeface="Consolas" panose="020B0609020204030204" pitchFamily="49" charset="0"/>
                 <a:ea typeface="Calibri" panose="020F0502020204030204" pitchFamily="34" charset="0"/>
                 <a:cs typeface="Consolas" panose="020B0609020204030204" pitchFamily="49" charset="0"/>
@@ -15739,7 +14926,6 @@
                 <a:solidFill>
                   <a:srgbClr val="008000"/>
                 </a:solidFill>
-                <a:effectLst/>
                 <a:latin typeface="Consolas" panose="020B0609020204030204" pitchFamily="49" charset="0"/>
                 <a:ea typeface="Calibri" panose="020F0502020204030204" pitchFamily="34" charset="0"/>
                 <a:cs typeface="Consolas" panose="020B0609020204030204" pitchFamily="49" charset="0"/>
@@ -15747,7 +14933,6 @@
               <a:t>Год публикации</a:t>
             </a:r>
             <a:endParaRPr lang="ru-RU" sz="1600" dirty="0">
-              <a:effectLst/>
               <a:latin typeface="Consolas" panose="020B0609020204030204" pitchFamily="49" charset="0"/>
               <a:ea typeface="Calibri" panose="020F0502020204030204" pitchFamily="34" charset="0"/>
               <a:cs typeface="Times New Roman" panose="02020603050405020304" pitchFamily="18" charset="0"/>
@@ -15764,7 +14949,6 @@
                 <a:solidFill>
                   <a:srgbClr val="000000"/>
                 </a:solidFill>
-                <a:effectLst/>
                 <a:latin typeface="Consolas" panose="020B0609020204030204" pitchFamily="49" charset="0"/>
                 <a:ea typeface="Calibri" panose="020F0502020204030204" pitchFamily="34" charset="0"/>
                 <a:cs typeface="Consolas" panose="020B0609020204030204" pitchFamily="49" charset="0"/>
@@ -15772,7 +14956,6 @@
               <a:t>};</a:t>
             </a:r>
             <a:endParaRPr lang="ru-RU" sz="1600" dirty="0">
-              <a:effectLst/>
               <a:latin typeface="Consolas" panose="020B0609020204030204" pitchFamily="49" charset="0"/>
               <a:ea typeface="Calibri" panose="020F0502020204030204" pitchFamily="34" charset="0"/>
               <a:cs typeface="Times New Roman" panose="02020603050405020304" pitchFamily="18" charset="0"/>
@@ -15789,7 +14972,6 @@
                 <a:solidFill>
                   <a:srgbClr val="000000"/>
                 </a:solidFill>
-                <a:effectLst/>
                 <a:latin typeface="Consolas" panose="020B0609020204030204" pitchFamily="49" charset="0"/>
                 <a:ea typeface="Calibri" panose="020F0502020204030204" pitchFamily="34" charset="0"/>
                 <a:cs typeface="Consolas" panose="020B0609020204030204" pitchFamily="49" charset="0"/>
@@ -15797,7 +14979,6 @@
               <a:t> </a:t>
             </a:r>
             <a:endParaRPr lang="ru-RU" sz="1600" dirty="0">
-              <a:effectLst/>
               <a:latin typeface="Consolas" panose="020B0609020204030204" pitchFamily="49" charset="0"/>
               <a:ea typeface="Calibri" panose="020F0502020204030204" pitchFamily="34" charset="0"/>
               <a:cs typeface="Times New Roman" panose="02020603050405020304" pitchFamily="18" charset="0"/>
@@ -15814,7 +14995,6 @@
                 <a:solidFill>
                   <a:srgbClr val="008000"/>
                 </a:solidFill>
-                <a:effectLst/>
                 <a:latin typeface="Consolas" panose="020B0609020204030204" pitchFamily="49" charset="0"/>
                 <a:ea typeface="Calibri" panose="020F0502020204030204" pitchFamily="34" charset="0"/>
                 <a:cs typeface="Consolas" panose="020B0609020204030204" pitchFamily="49" charset="0"/>
@@ -15826,7 +15006,6 @@
                 <a:solidFill>
                   <a:srgbClr val="008000"/>
                 </a:solidFill>
-                <a:effectLst/>
                 <a:latin typeface="Consolas" panose="020B0609020204030204" pitchFamily="49" charset="0"/>
                 <a:ea typeface="Calibri" panose="020F0502020204030204" pitchFamily="34" charset="0"/>
                 <a:cs typeface="Consolas" panose="020B0609020204030204" pitchFamily="49" charset="0"/>
@@ -15838,7 +15017,6 @@
                 <a:solidFill>
                   <a:srgbClr val="008000"/>
                 </a:solidFill>
-                <a:effectLst/>
                 <a:latin typeface="Consolas" panose="020B0609020204030204" pitchFamily="49" charset="0"/>
                 <a:ea typeface="Calibri" panose="020F0502020204030204" pitchFamily="34" charset="0"/>
                 <a:cs typeface="Consolas" panose="020B0609020204030204" pitchFamily="49" charset="0"/>
@@ -15850,7 +15028,6 @@
                 <a:solidFill>
                   <a:srgbClr val="008000"/>
                 </a:solidFill>
-                <a:effectLst/>
                 <a:latin typeface="Consolas" panose="020B0609020204030204" pitchFamily="49" charset="0"/>
                 <a:ea typeface="Calibri" panose="020F0502020204030204" pitchFamily="34" charset="0"/>
                 <a:cs typeface="Consolas" panose="020B0609020204030204" pitchFamily="49" charset="0"/>
@@ -15858,7 +15035,6 @@
               <a:t>int</a:t>
             </a:r>
             <a:endParaRPr lang="ru-RU" sz="1600" dirty="0">
-              <a:effectLst/>
               <a:latin typeface="Consolas" panose="020B0609020204030204" pitchFamily="49" charset="0"/>
               <a:ea typeface="Calibri" panose="020F0502020204030204" pitchFamily="34" charset="0"/>
               <a:cs typeface="Times New Roman" panose="02020603050405020304" pitchFamily="18" charset="0"/>
@@ -15875,7 +15051,6 @@
                 <a:solidFill>
                   <a:srgbClr val="0000FF"/>
                 </a:solidFill>
-                <a:effectLst/>
                 <a:latin typeface="Consolas" panose="020B0609020204030204" pitchFamily="49" charset="0"/>
                 <a:ea typeface="Calibri" panose="020F0502020204030204" pitchFamily="34" charset="0"/>
                 <a:cs typeface="Consolas" panose="020B0609020204030204" pitchFamily="49" charset="0"/>
@@ -15887,7 +15062,6 @@
                 <a:solidFill>
                   <a:srgbClr val="000000"/>
                 </a:solidFill>
-                <a:effectLst/>
                 <a:latin typeface="Consolas" panose="020B0609020204030204" pitchFamily="49" charset="0"/>
                 <a:ea typeface="Calibri" panose="020F0502020204030204" pitchFamily="34" charset="0"/>
                 <a:cs typeface="Consolas" panose="020B0609020204030204" pitchFamily="49" charset="0"/>
@@ -15899,7 +15073,6 @@
                 <a:solidFill>
                   <a:srgbClr val="2B91AF"/>
                 </a:solidFill>
-                <a:effectLst/>
                 <a:latin typeface="Consolas" panose="020B0609020204030204" pitchFamily="49" charset="0"/>
                 <a:ea typeface="Calibri" panose="020F0502020204030204" pitchFamily="34" charset="0"/>
                 <a:cs typeface="Consolas" panose="020B0609020204030204" pitchFamily="49" charset="0"/>
@@ -15907,7 +15080,6 @@
               <a:t>Person</a:t>
             </a:r>
             <a:endParaRPr lang="ru-RU" sz="1600" dirty="0">
-              <a:effectLst/>
               <a:latin typeface="Consolas" panose="020B0609020204030204" pitchFamily="49" charset="0"/>
               <a:ea typeface="Calibri" panose="020F0502020204030204" pitchFamily="34" charset="0"/>
               <a:cs typeface="Times New Roman" panose="02020603050405020304" pitchFamily="18" charset="0"/>
@@ -15924,7 +15096,6 @@
                 <a:solidFill>
                   <a:srgbClr val="000000"/>
                 </a:solidFill>
-                <a:effectLst/>
                 <a:latin typeface="Consolas" panose="020B0609020204030204" pitchFamily="49" charset="0"/>
                 <a:ea typeface="Calibri" panose="020F0502020204030204" pitchFamily="34" charset="0"/>
                 <a:cs typeface="Consolas" panose="020B0609020204030204" pitchFamily="49" charset="0"/>
@@ -15932,7 +15103,6 @@
               <a:t>{</a:t>
             </a:r>
             <a:endParaRPr lang="ru-RU" sz="1600" dirty="0">
-              <a:effectLst/>
               <a:latin typeface="Consolas" panose="020B0609020204030204" pitchFamily="49" charset="0"/>
               <a:ea typeface="Calibri" panose="020F0502020204030204" pitchFamily="34" charset="0"/>
               <a:cs typeface="Times New Roman" panose="02020603050405020304" pitchFamily="18" charset="0"/>
@@ -15949,7 +15119,6 @@
                 <a:solidFill>
                   <a:srgbClr val="0000FF"/>
                 </a:solidFill>
-                <a:effectLst/>
                 <a:latin typeface="Consolas" panose="020B0609020204030204" pitchFamily="49" charset="0"/>
                 <a:ea typeface="Calibri" panose="020F0502020204030204" pitchFamily="34" charset="0"/>
                 <a:cs typeface="Consolas" panose="020B0609020204030204" pitchFamily="49" charset="0"/>
@@ -15961,7 +15130,6 @@
                 <a:solidFill>
                   <a:srgbClr val="000000"/>
                 </a:solidFill>
-                <a:effectLst/>
                 <a:latin typeface="Consolas" panose="020B0609020204030204" pitchFamily="49" charset="0"/>
                 <a:ea typeface="Calibri" panose="020F0502020204030204" pitchFamily="34" charset="0"/>
                 <a:cs typeface="Consolas" panose="020B0609020204030204" pitchFamily="49" charset="0"/>
@@ -15969,7 +15137,6 @@
               <a:t>:</a:t>
             </a:r>
             <a:endParaRPr lang="ru-RU" sz="1600" dirty="0">
-              <a:effectLst/>
               <a:latin typeface="Consolas" panose="020B0609020204030204" pitchFamily="49" charset="0"/>
               <a:ea typeface="Calibri" panose="020F0502020204030204" pitchFamily="34" charset="0"/>
               <a:cs typeface="Times New Roman" panose="02020603050405020304" pitchFamily="18" charset="0"/>
@@ -15986,7 +15153,6 @@
                 <a:solidFill>
                   <a:srgbClr val="000000"/>
                 </a:solidFill>
-                <a:effectLst/>
                 <a:latin typeface="Consolas" panose="020B0609020204030204" pitchFamily="49" charset="0"/>
                 <a:ea typeface="Calibri" panose="020F0502020204030204" pitchFamily="34" charset="0"/>
                 <a:cs typeface="Consolas" panose="020B0609020204030204" pitchFamily="49" charset="0"/>
@@ -15998,7 +15164,6 @@
                 <a:solidFill>
                   <a:srgbClr val="000000"/>
                 </a:solidFill>
-                <a:effectLst/>
                 <a:latin typeface="Consolas" panose="020B0609020204030204" pitchFamily="49" charset="0"/>
                 <a:ea typeface="Calibri" panose="020F0502020204030204" pitchFamily="34" charset="0"/>
                 <a:cs typeface="Consolas" panose="020B0609020204030204" pitchFamily="49" charset="0"/>
@@ -16010,7 +15175,6 @@
                 <a:solidFill>
                   <a:srgbClr val="000000"/>
                 </a:solidFill>
-                <a:effectLst/>
                 <a:latin typeface="Consolas" panose="020B0609020204030204" pitchFamily="49" charset="0"/>
                 <a:ea typeface="Calibri" panose="020F0502020204030204" pitchFamily="34" charset="0"/>
                 <a:cs typeface="Consolas" panose="020B0609020204030204" pitchFamily="49" charset="0"/>
@@ -16018,7 +15182,6 @@
               <a:t>;</a:t>
             </a:r>
             <a:endParaRPr lang="ru-RU" sz="1600" dirty="0">
-              <a:effectLst/>
               <a:latin typeface="Consolas" panose="020B0609020204030204" pitchFamily="49" charset="0"/>
               <a:ea typeface="Calibri" panose="020F0502020204030204" pitchFamily="34" charset="0"/>
               <a:cs typeface="Times New Roman" panose="02020603050405020304" pitchFamily="18" charset="0"/>
@@ -16035,7 +15198,6 @@
                 <a:solidFill>
                   <a:srgbClr val="000000"/>
                 </a:solidFill>
-                <a:effectLst/>
                 <a:latin typeface="Consolas" panose="020B0609020204030204" pitchFamily="49" charset="0"/>
                 <a:ea typeface="Calibri" panose="020F0502020204030204" pitchFamily="34" charset="0"/>
                 <a:cs typeface="Consolas" panose="020B0609020204030204" pitchFamily="49" charset="0"/>
@@ -16047,7 +15209,6 @@
                 <a:solidFill>
                   <a:srgbClr val="000000"/>
                 </a:solidFill>
-                <a:effectLst/>
                 <a:latin typeface="Consolas" panose="020B0609020204030204" pitchFamily="49" charset="0"/>
                 <a:ea typeface="Calibri" panose="020F0502020204030204" pitchFamily="34" charset="0"/>
                 <a:cs typeface="Consolas" panose="020B0609020204030204" pitchFamily="49" charset="0"/>
@@ -16059,7 +15220,6 @@
                 <a:solidFill>
                   <a:srgbClr val="000000"/>
                 </a:solidFill>
-                <a:effectLst/>
                 <a:latin typeface="Consolas" panose="020B0609020204030204" pitchFamily="49" charset="0"/>
                 <a:ea typeface="Calibri" panose="020F0502020204030204" pitchFamily="34" charset="0"/>
                 <a:cs typeface="Consolas" panose="020B0609020204030204" pitchFamily="49" charset="0"/>
@@ -16067,7 +15227,6 @@
               <a:t>;</a:t>
             </a:r>
             <a:endParaRPr lang="ru-RU" sz="1600" dirty="0">
-              <a:effectLst/>
               <a:latin typeface="Consolas" panose="020B0609020204030204" pitchFamily="49" charset="0"/>
               <a:ea typeface="Calibri" panose="020F0502020204030204" pitchFamily="34" charset="0"/>
               <a:cs typeface="Times New Roman" panose="02020603050405020304" pitchFamily="18" charset="0"/>
@@ -16084,7 +15243,6 @@
                 <a:solidFill>
                   <a:srgbClr val="000000"/>
                 </a:solidFill>
-                <a:effectLst/>
                 <a:latin typeface="Consolas" panose="020B0609020204030204" pitchFamily="49" charset="0"/>
                 <a:ea typeface="Calibri" panose="020F0502020204030204" pitchFamily="34" charset="0"/>
                 <a:cs typeface="Consolas" panose="020B0609020204030204" pitchFamily="49" charset="0"/>
@@ -16096,7 +15254,6 @@
                 <a:solidFill>
                   <a:srgbClr val="0000FF"/>
                 </a:solidFill>
-                <a:effectLst/>
                 <a:latin typeface="Consolas" panose="020B0609020204030204" pitchFamily="49" charset="0"/>
                 <a:ea typeface="Calibri" panose="020F0502020204030204" pitchFamily="34" charset="0"/>
                 <a:cs typeface="Consolas" panose="020B0609020204030204" pitchFamily="49" charset="0"/>
@@ -16108,7 +15265,6 @@
                 <a:solidFill>
                   <a:srgbClr val="000000"/>
                 </a:solidFill>
-                <a:effectLst/>
                 <a:latin typeface="Consolas" panose="020B0609020204030204" pitchFamily="49" charset="0"/>
                 <a:ea typeface="Calibri" panose="020F0502020204030204" pitchFamily="34" charset="0"/>
                 <a:cs typeface="Consolas" panose="020B0609020204030204" pitchFamily="49" charset="0"/>
@@ -16120,42 +15276,17 @@
                 <a:solidFill>
                   <a:srgbClr val="000000"/>
                 </a:solidFill>
-                <a:effectLst/>
-                <a:latin typeface="Consolas" panose="020B0609020204030204" pitchFamily="49" charset="0"/>
-                <a:ea typeface="Calibri" panose="020F0502020204030204" pitchFamily="34" charset="0"/>
-                <a:cs typeface="Consolas" panose="020B0609020204030204" pitchFamily="49" charset="0"/>
-              </a:rPr>
-              <a:t>m_birth</a:t>
-            </a:r>
-            <a:r>
-              <a:rPr lang="en-US" sz="1600" dirty="0" err="1">
-                <a:solidFill>
-                  <a:srgbClr val="000000"/>
-                </a:solidFill>
-                <a:latin typeface="Consolas" panose="020B0609020204030204" pitchFamily="49" charset="0"/>
-                <a:ea typeface="Calibri" panose="020F0502020204030204" pitchFamily="34" charset="0"/>
-                <a:cs typeface="Consolas" panose="020B0609020204030204" pitchFamily="49" charset="0"/>
-              </a:rPr>
-              <a:t>Y</a:t>
-            </a:r>
-            <a:r>
-              <a:rPr lang="en-US" sz="1600" dirty="0" err="1">
-                <a:solidFill>
-                  <a:srgbClr val="000000"/>
-                </a:solidFill>
-                <a:effectLst/>
-                <a:latin typeface="Consolas" panose="020B0609020204030204" pitchFamily="49" charset="0"/>
-                <a:ea typeface="Calibri" panose="020F0502020204030204" pitchFamily="34" charset="0"/>
-                <a:cs typeface="Consolas" panose="020B0609020204030204" pitchFamily="49" charset="0"/>
-              </a:rPr>
-              <a:t>ear</a:t>
+                <a:latin typeface="Consolas" panose="020B0609020204030204" pitchFamily="49" charset="0"/>
+                <a:ea typeface="Calibri" panose="020F0502020204030204" pitchFamily="34" charset="0"/>
+                <a:cs typeface="Consolas" panose="020B0609020204030204" pitchFamily="49" charset="0"/>
+              </a:rPr>
+              <a:t>m_birthYear</a:t>
             </a:r>
             <a:r>
               <a:rPr lang="en-US" sz="1600" dirty="0">
                 <a:solidFill>
                   <a:srgbClr val="000000"/>
                 </a:solidFill>
-                <a:effectLst/>
                 <a:latin typeface="Consolas" panose="020B0609020204030204" pitchFamily="49" charset="0"/>
                 <a:ea typeface="Calibri" panose="020F0502020204030204" pitchFamily="34" charset="0"/>
                 <a:cs typeface="Consolas" panose="020B0609020204030204" pitchFamily="49" charset="0"/>
@@ -16163,7 +15294,6 @@
               <a:t>;</a:t>
             </a:r>
             <a:endParaRPr lang="ru-RU" sz="1600" dirty="0">
-              <a:effectLst/>
               <a:latin typeface="Consolas" panose="020B0609020204030204" pitchFamily="49" charset="0"/>
               <a:ea typeface="Calibri" panose="020F0502020204030204" pitchFamily="34" charset="0"/>
               <a:cs typeface="Times New Roman" panose="02020603050405020304" pitchFamily="18" charset="0"/>
@@ -16180,7 +15310,6 @@
                 <a:solidFill>
                   <a:srgbClr val="000000"/>
                 </a:solidFill>
-                <a:effectLst/>
                 <a:latin typeface="Consolas" panose="020B0609020204030204" pitchFamily="49" charset="0"/>
                 <a:ea typeface="Calibri" panose="020F0502020204030204" pitchFamily="34" charset="0"/>
                 <a:cs typeface="Consolas" panose="020B0609020204030204" pitchFamily="49" charset="0"/>
@@ -16188,7 +15317,6 @@
               <a:t>};</a:t>
             </a:r>
             <a:endParaRPr lang="ru-RU" sz="1600" dirty="0">
-              <a:effectLst/>
               <a:latin typeface="Consolas" panose="020B0609020204030204" pitchFamily="49" charset="0"/>
               <a:ea typeface="Calibri" panose="020F0502020204030204" pitchFamily="34" charset="0"/>
               <a:cs typeface="Times New Roman" panose="02020603050405020304" pitchFamily="18" charset="0"/>
@@ -16245,7 +15373,7 @@
         <p:spPr/>
         <p:txBody>
           <a:bodyPr>
-            <a:normAutofit fontScale="90000"/>
+            <a:normAutofit/>
           </a:bodyPr>
           <a:lstStyle/>
           <a:p>
@@ -16284,7 +15412,7 @@
         </p:blipFill>
         <p:spPr>
           <a:xfrm>
-            <a:off x="876300" y="2279549"/>
+            <a:off x="2400300" y="2279550"/>
             <a:ext cx="7080076" cy="4370863"/>
           </a:xfrm>
           <a:prstGeom prst="rect">
@@ -16341,7 +15469,7 @@
         <p:spPr/>
         <p:txBody>
           <a:bodyPr>
-            <a:normAutofit fontScale="90000"/>
+            <a:normAutofit/>
           </a:bodyPr>
           <a:lstStyle/>
           <a:p>
@@ -16380,7 +15508,7 @@
         </p:blipFill>
         <p:spPr>
           <a:xfrm>
-            <a:off x="226639" y="2132856"/>
+            <a:off x="1750640" y="2132856"/>
             <a:ext cx="8460939" cy="4320480"/>
           </a:xfrm>
           <a:prstGeom prst="rect">
@@ -16492,9 +15620,9 @@
 </file>
 
 <file path=ppt/theme/theme1.xml><?xml version="1.0" encoding="utf-8"?>
-<a:theme xmlns:a="http://schemas.openxmlformats.org/drawingml/2006/main" name="Поток">
+<a:theme xmlns:a="http://schemas.openxmlformats.org/drawingml/2006/main" name="Office Theme">
   <a:themeElements>
-    <a:clrScheme name="Поток">
+    <a:clrScheme name="Office">
       <a:dk1>
         <a:sysClr val="windowText" lastClr="000000"/>
       </a:dk1>
@@ -16502,46 +15630,98 @@
         <a:sysClr val="window" lastClr="FFFFFF"/>
       </a:lt1>
       <a:dk2>
-        <a:srgbClr val="04617B"/>
+        <a:srgbClr val="44546A"/>
       </a:dk2>
       <a:lt2>
-        <a:srgbClr val="DBF5F9"/>
+        <a:srgbClr val="E7E6E6"/>
       </a:lt2>
       <a:accent1>
-        <a:srgbClr val="0F6FC6"/>
+        <a:srgbClr val="4472C4"/>
       </a:accent1>
       <a:accent2>
-        <a:srgbClr val="009DD9"/>
+        <a:srgbClr val="ED7D31"/>
       </a:accent2>
       <a:accent3>
-        <a:srgbClr val="0BD0D9"/>
+        <a:srgbClr val="A5A5A5"/>
       </a:accent3>
       <a:accent4>
-        <a:srgbClr val="10CF9B"/>
+        <a:srgbClr val="FFC000"/>
       </a:accent4>
       <a:accent5>
-        <a:srgbClr val="7CCA62"/>
+        <a:srgbClr val="5B9BD5"/>
       </a:accent5>
       <a:accent6>
-        <a:srgbClr val="A5C249"/>
+        <a:srgbClr val="70AD47"/>
       </a:accent6>
       <a:hlink>
-        <a:srgbClr val="E2D700"/>
+        <a:srgbClr val="0563C1"/>
       </a:hlink>
       <a:folHlink>
-        <a:srgbClr val="85DFD0"/>
+        <a:srgbClr val="954F72"/>
       </a:folHlink>
     </a:clrScheme>
-    <a:fontScheme name="Поток">
+    <a:fontScheme name="Office">
       <a:majorFont>
-        <a:latin typeface="Calibri"/>
+        <a:latin typeface="Calibri Light" panose="020F0302020204030204"/>
         <a:ea typeface=""/>
         <a:cs typeface=""/>
-        <a:font script="Jpan" typeface="ＭＳ Ｐゴシック"/>
-        <a:font script="Hang" typeface="HY중고딕"/>
-        <a:font script="Hans" typeface="隶书"/>
-        <a:font script="Hant" typeface="微軟正黑體"/>
-        <a:font script="Arab" typeface="Traditional Arabic"/>
+        <a:font script="Jpan" typeface="游ゴシック Light"/>
+        <a:font script="Hang" typeface="맑은 고딕"/>
+        <a:font script="Hans" typeface="等线 Light"/>
+        <a:font script="Hant" typeface="新細明體"/>
+        <a:font script="Arab" typeface="Times New Roman"/>
+        <a:font script="Hebr" typeface="Times New Roman"/>
+        <a:font script="Thai" typeface="Angsana New"/>
+        <a:font script="Ethi" typeface="Nyala"/>
+        <a:font script="Beng" typeface="Vrinda"/>
+        <a:font script="Gujr" typeface="Shruti"/>
+        <a:font script="Khmr" typeface="MoolBoran"/>
+        <a:font script="Knda" typeface="Tunga"/>
+        <a:font script="Guru" typeface="Raavi"/>
+        <a:font script="Cans" typeface="Euphemia"/>
+        <a:font script="Cher" typeface="Plantagenet Cherokee"/>
+        <a:font script="Yiii" typeface="Microsoft Yi Baiti"/>
+        <a:font script="Tibt" typeface="Microsoft Himalaya"/>
+        <a:font script="Thaa" typeface="MV Boli"/>
+        <a:font script="Deva" typeface="Mangal"/>
+        <a:font script="Telu" typeface="Gautami"/>
+        <a:font script="Taml" typeface="Latha"/>
+        <a:font script="Syrc" typeface="Estrangelo Edessa"/>
+        <a:font script="Orya" typeface="Kalinga"/>
+        <a:font script="Mlym" typeface="Kartika"/>
+        <a:font script="Laoo" typeface="DokChampa"/>
+        <a:font script="Sinh" typeface="Iskoola Pota"/>
+        <a:font script="Mong" typeface="Mongolian Baiti"/>
+        <a:font script="Viet" typeface="Times New Roman"/>
+        <a:font script="Uigh" typeface="Microsoft Uighur"/>
+        <a:font script="Geor" typeface="Sylfaen"/>
+        <a:font script="Armn" typeface="Arial"/>
+        <a:font script="Bugi" typeface="Leelawadee UI"/>
+        <a:font script="Bopo" typeface="Microsoft JhengHei"/>
+        <a:font script="Java" typeface="Javanese Text"/>
+        <a:font script="Lisu" typeface="Segoe UI"/>
+        <a:font script="Mymr" typeface="Myanmar Text"/>
+        <a:font script="Nkoo" typeface="Ebrima"/>
+        <a:font script="Olck" typeface="Nirmala UI"/>
+        <a:font script="Osma" typeface="Ebrima"/>
+        <a:font script="Phag" typeface="Phagspa"/>
+        <a:font script="Syrn" typeface="Estrangelo Edessa"/>
+        <a:font script="Syrj" typeface="Estrangelo Edessa"/>
+        <a:font script="Syre" typeface="Estrangelo Edessa"/>
+        <a:font script="Sora" typeface="Nirmala UI"/>
+        <a:font script="Tale" typeface="Microsoft Tai Le"/>
+        <a:font script="Talu" typeface="Microsoft New Tai Lue"/>
+        <a:font script="Tfng" typeface="Ebrima"/>
+      </a:majorFont>
+      <a:minorFont>
+        <a:latin typeface="Calibri" panose="020F0502020204030204"/>
+        <a:ea typeface=""/>
+        <a:cs typeface=""/>
+        <a:font script="Jpan" typeface="游ゴシック"/>
+        <a:font script="Hang" typeface="맑은 고딕"/>
+        <a:font script="Hans" typeface="等线"/>
+        <a:font script="Hant" typeface="新細明體"/>
+        <a:font script="Arab" typeface="Arial"/>
         <a:font script="Hebr" typeface="Arial"/>
         <a:font script="Thai" typeface="Cordia New"/>
         <a:font script="Ethi" typeface="Nyala"/>
@@ -16566,43 +15746,27 @@
         <a:font script="Mong" typeface="Mongolian Baiti"/>
         <a:font script="Viet" typeface="Arial"/>
         <a:font script="Uigh" typeface="Microsoft Uighur"/>
-      </a:majorFont>
-      <a:minorFont>
-        <a:latin typeface="Constantia"/>
-        <a:ea typeface=""/>
-        <a:cs typeface=""/>
-        <a:font script="Jpan" typeface="HGP明朝E"/>
-        <a:font script="Hang" typeface="HY신명조"/>
-        <a:font script="Hans" typeface="宋体"/>
-        <a:font script="Hant" typeface="新細明體"/>
-        <a:font script="Arab" typeface="Majalla UI"/>
-        <a:font script="Hebr" typeface="David"/>
-        <a:font script="Thai" typeface="Browallia New"/>
-        <a:font script="Ethi" typeface="Nyala"/>
-        <a:font script="Beng" typeface="Vrinda"/>
-        <a:font script="Gujr" typeface="Shruti"/>
-        <a:font script="Khmr" typeface="MoolBoran"/>
-        <a:font script="Knda" typeface="Tunga"/>
-        <a:font script="Guru" typeface="Raavi"/>
-        <a:font script="Cans" typeface="Euphemia"/>
-        <a:font script="Cher" typeface="Plantagenet Cherokee"/>
-        <a:font script="Yiii" typeface="Microsoft Yi Baiti"/>
-        <a:font script="Tibt" typeface="Microsoft Himalaya"/>
-        <a:font script="Thaa" typeface="MV Boli"/>
-        <a:font script="Deva" typeface="Mangal"/>
-        <a:font script="Telu" typeface="Gautami"/>
-        <a:font script="Taml" typeface="Latha"/>
-        <a:font script="Syrc" typeface="Estrangelo Edessa"/>
-        <a:font script="Orya" typeface="Kalinga"/>
-        <a:font script="Mlym" typeface="Kartika"/>
-        <a:font script="Laoo" typeface="DokChampa"/>
-        <a:font script="Sinh" typeface="Iskoola Pota"/>
-        <a:font script="Mong" typeface="Mongolian Baiti"/>
-        <a:font script="Viet" typeface="Times New Roman"/>
-        <a:font script="Uigh" typeface="Microsoft Uighur"/>
+        <a:font script="Geor" typeface="Sylfaen"/>
+        <a:font script="Armn" typeface="Arial"/>
+        <a:font script="Bugi" typeface="Leelawadee UI"/>
+        <a:font script="Bopo" typeface="Microsoft JhengHei"/>
+        <a:font script="Java" typeface="Javanese Text"/>
+        <a:font script="Lisu" typeface="Segoe UI"/>
+        <a:font script="Mymr" typeface="Myanmar Text"/>
+        <a:font script="Nkoo" typeface="Ebrima"/>
+        <a:font script="Olck" typeface="Nirmala UI"/>
+        <a:font script="Osma" typeface="Ebrima"/>
+        <a:font script="Phag" typeface="Phagspa"/>
+        <a:font script="Syrn" typeface="Estrangelo Edessa"/>
+        <a:font script="Syrj" typeface="Estrangelo Edessa"/>
+        <a:font script="Syre" typeface="Estrangelo Edessa"/>
+        <a:font script="Sora" typeface="Nirmala UI"/>
+        <a:font script="Tale" typeface="Microsoft Tai Le"/>
+        <a:font script="Talu" typeface="Microsoft New Tai Lue"/>
+        <a:font script="Tfng" typeface="Ebrima"/>
       </a:minorFont>
     </a:fontScheme>
-    <a:fmtScheme name="Поток">
+    <a:fmtScheme name="Office">
       <a:fillStyleLst>
         <a:solidFill>
           <a:schemeClr val="phClr"/>
@@ -16611,178 +15775,142 @@
           <a:gsLst>
             <a:gs pos="0">
               <a:schemeClr val="phClr">
-                <a:tint val="70000"/>
-                <a:satMod val="130000"/>
+                <a:lumMod val="110000"/>
+                <a:satMod val="105000"/>
+                <a:tint val="67000"/>
               </a:schemeClr>
             </a:gs>
-            <a:gs pos="43000">
+            <a:gs pos="50000">
               <a:schemeClr val="phClr">
-                <a:tint val="44000"/>
-                <a:satMod val="165000"/>
-              </a:schemeClr>
-            </a:gs>
-            <a:gs pos="93000">
-              <a:schemeClr val="phClr">
-                <a:tint val="15000"/>
-                <a:satMod val="165000"/>
+                <a:lumMod val="105000"/>
+                <a:satMod val="103000"/>
+                <a:tint val="73000"/>
               </a:schemeClr>
             </a:gs>
             <a:gs pos="100000">
               <a:schemeClr val="phClr">
-                <a:tint val="5000"/>
-                <a:satMod val="250000"/>
+                <a:lumMod val="105000"/>
+                <a:satMod val="109000"/>
+                <a:tint val="81000"/>
               </a:schemeClr>
             </a:gs>
           </a:gsLst>
-          <a:path path="circle">
-            <a:fillToRect l="50000" t="130000" r="50000" b="-30000"/>
-          </a:path>
+          <a:lin ang="5400000" scaled="0"/>
         </a:gradFill>
         <a:gradFill rotWithShape="1">
           <a:gsLst>
             <a:gs pos="0">
               <a:schemeClr val="phClr">
-                <a:tint val="98000"/>
-                <a:shade val="25000"/>
-                <a:satMod val="250000"/>
+                <a:satMod val="103000"/>
+                <a:lumMod val="102000"/>
+                <a:tint val="94000"/>
               </a:schemeClr>
             </a:gs>
-            <a:gs pos="68000">
+            <a:gs pos="50000">
               <a:schemeClr val="phClr">
-                <a:tint val="86000"/>
-                <a:satMod val="115000"/>
+                <a:satMod val="110000"/>
+                <a:lumMod val="100000"/>
+                <a:shade val="100000"/>
               </a:schemeClr>
             </a:gs>
             <a:gs pos="100000">
               <a:schemeClr val="phClr">
-                <a:tint val="50000"/>
-                <a:satMod val="150000"/>
+                <a:lumMod val="99000"/>
+                <a:satMod val="120000"/>
+                <a:shade val="78000"/>
               </a:schemeClr>
             </a:gs>
           </a:gsLst>
-          <a:path path="circle">
-            <a:fillToRect l="50000" t="130000" r="50000" b="-30000"/>
-          </a:path>
+          <a:lin ang="5400000" scaled="0"/>
         </a:gradFill>
       </a:fillStyleLst>
       <a:lnStyleLst>
-        <a:ln w="9525" cap="flat" cmpd="sng" algn="ctr">
-          <a:solidFill>
-            <a:schemeClr val="phClr">
-              <a:shade val="50000"/>
-              <a:satMod val="103000"/>
-            </a:schemeClr>
-          </a:solidFill>
-          <a:prstDash val="solid"/>
-        </a:ln>
-        <a:ln w="25400" cap="flat" cmpd="sng" algn="ctr">
+        <a:ln w="6350" cap="flat" cmpd="sng" algn="ctr">
           <a:solidFill>
             <a:schemeClr val="phClr"/>
           </a:solidFill>
           <a:prstDash val="solid"/>
+          <a:miter lim="800000"/>
         </a:ln>
-        <a:ln w="38100" cap="flat" cmpd="sng" algn="ctr">
+        <a:ln w="12700" cap="flat" cmpd="sng" algn="ctr">
           <a:solidFill>
             <a:schemeClr val="phClr"/>
           </a:solidFill>
           <a:prstDash val="solid"/>
+          <a:miter lim="800000"/>
+        </a:ln>
+        <a:ln w="19050" cap="flat" cmpd="sng" algn="ctr">
+          <a:solidFill>
+            <a:schemeClr val="phClr"/>
+          </a:solidFill>
+          <a:prstDash val="solid"/>
+          <a:miter lim="800000"/>
         </a:ln>
       </a:lnStyleLst>
       <a:effectStyleLst>
         <a:effectStyle>
-          <a:effectLst>
-            <a:outerShdw blurRad="57150" dist="38100" dir="5400000" algn="ctr" rotWithShape="0">
-              <a:schemeClr val="phClr">
-                <a:shade val="9000"/>
-                <a:satMod val="105000"/>
-                <a:alpha val="48000"/>
-              </a:schemeClr>
-            </a:outerShdw>
-          </a:effectLst>
+          <a:effectLst/>
+        </a:effectStyle>
+        <a:effectStyle>
+          <a:effectLst/>
         </a:effectStyle>
         <a:effectStyle>
           <a:effectLst>
-            <a:outerShdw blurRad="57150" dist="38100" dir="5400000" algn="ctr" rotWithShape="0">
-              <a:schemeClr val="phClr">
-                <a:shade val="9000"/>
-                <a:satMod val="105000"/>
-                <a:alpha val="48000"/>
-              </a:schemeClr>
+            <a:outerShdw blurRad="57150" dist="19050" dir="5400000" algn="ctr" rotWithShape="0">
+              <a:srgbClr val="000000">
+                <a:alpha val="63000"/>
+              </a:srgbClr>
             </a:outerShdw>
           </a:effectLst>
-        </a:effectStyle>
-        <a:effectStyle>
-          <a:effectLst>
-            <a:outerShdw blurRad="57150" dist="38100" dir="5400000" algn="ctr" rotWithShape="0">
-              <a:schemeClr val="phClr">
-                <a:shade val="9000"/>
-                <a:satMod val="105000"/>
-                <a:alpha val="48000"/>
-              </a:schemeClr>
-            </a:outerShdw>
-          </a:effectLst>
-          <a:scene3d>
-            <a:camera prst="orthographicFront" fov="0">
-              <a:rot lat="0" lon="0" rev="0"/>
-            </a:camera>
-            <a:lightRig rig="glow" dir="tl">
-              <a:rot lat="0" lon="0" rev="900000"/>
-            </a:lightRig>
-          </a:scene3d>
-          <a:sp3d prstMaterial="powder">
-            <a:bevelT w="25400" h="38100"/>
-          </a:sp3d>
         </a:effectStyle>
       </a:effectStyleLst>
       <a:bgFillStyleLst>
         <a:solidFill>
           <a:schemeClr val="phClr"/>
         </a:solidFill>
+        <a:solidFill>
+          <a:schemeClr val="phClr">
+            <a:tint val="95000"/>
+            <a:satMod val="170000"/>
+          </a:schemeClr>
+        </a:solidFill>
         <a:gradFill rotWithShape="1">
           <a:gsLst>
             <a:gs pos="0">
               <a:schemeClr val="phClr">
-                <a:tint val="80000"/>
-                <a:satMod val="400000"/>
+                <a:tint val="93000"/>
+                <a:satMod val="150000"/>
+                <a:shade val="98000"/>
+                <a:lumMod val="102000"/>
               </a:schemeClr>
             </a:gs>
-            <a:gs pos="25000">
+            <a:gs pos="50000">
               <a:schemeClr val="phClr">
-                <a:tint val="83000"/>
-                <a:satMod val="320000"/>
+                <a:tint val="98000"/>
+                <a:satMod val="130000"/>
+                <a:shade val="90000"/>
+                <a:lumMod val="103000"/>
               </a:schemeClr>
             </a:gs>
             <a:gs pos="100000">
               <a:schemeClr val="phClr">
-                <a:shade val="15000"/>
-                <a:satMod val="320000"/>
+                <a:shade val="63000"/>
+                <a:satMod val="120000"/>
               </a:schemeClr>
             </a:gs>
           </a:gsLst>
-          <a:path path="circle">
-            <a:fillToRect l="10000" t="110000" r="10000" b="100000"/>
-          </a:path>
+          <a:lin ang="5400000" scaled="0"/>
         </a:gradFill>
-        <a:blipFill>
-          <a:blip xmlns:r="http://schemas.openxmlformats.org/officeDocument/2006/relationships" r:embed="rId1">
-            <a:duotone>
-              <a:schemeClr val="phClr">
-                <a:shade val="90000"/>
-                <a:satMod val="150000"/>
-              </a:schemeClr>
-              <a:schemeClr val="phClr">
-                <a:tint val="88000"/>
-                <a:satMod val="150000"/>
-              </a:schemeClr>
-            </a:duotone>
-          </a:blip>
-          <a:tile tx="0" ty="0" sx="65000" sy="65000" flip="none" algn="tl"/>
-        </a:blipFill>
       </a:bgFillStyleLst>
     </a:fmtScheme>
   </a:themeElements>
   <a:objectDefaults/>
   <a:extraClrSchemeLst/>
+  <a:extLst>
+    <a:ext uri="{05A4C25C-085E-4340-85A3-A5531E510DB2}">
+      <thm15:themeFamily xmlns:thm15="http://schemas.microsoft.com/office/thememl/2012/main" name="Office Theme" id="{62F939B6-93AF-4DB8-9C6B-D6C7DFDC589F}" vid="{4A3C46E8-61CC-4603-A589-7422A47A8E4A}"/>
+    </a:ext>
+  </a:extLst>
 </a:theme>
 </file>
 

--- a/lectures/03/Виды отношений между классами.pptx
+++ b/lectures/03/Виды отношений между классами.pptx
@@ -5,38 +5,40 @@
     <p:sldMasterId id="2147483673" r:id="rId1"/>
   </p:sldMasterIdLst>
   <p:notesMasterIdLst>
-    <p:notesMasterId r:id="rId26"/>
+    <p:notesMasterId r:id="rId28"/>
   </p:notesMasterIdLst>
   <p:sldIdLst>
-    <p:sldId id="256" r:id="rId2"/>
-    <p:sldId id="353" r:id="rId3"/>
-    <p:sldId id="355" r:id="rId4"/>
-    <p:sldId id="354" r:id="rId5"/>
-    <p:sldId id="356" r:id="rId6"/>
-    <p:sldId id="357" r:id="rId7"/>
-    <p:sldId id="358" r:id="rId8"/>
-    <p:sldId id="359" r:id="rId9"/>
-    <p:sldId id="360" r:id="rId10"/>
-    <p:sldId id="361" r:id="rId11"/>
-    <p:sldId id="362" r:id="rId12"/>
-    <p:sldId id="363" r:id="rId13"/>
-    <p:sldId id="364" r:id="rId14"/>
-    <p:sldId id="365" r:id="rId15"/>
-    <p:sldId id="366" r:id="rId16"/>
-    <p:sldId id="367" r:id="rId17"/>
-    <p:sldId id="368" r:id="rId18"/>
-    <p:sldId id="369" r:id="rId19"/>
-    <p:sldId id="370" r:id="rId20"/>
-    <p:sldId id="371" r:id="rId21"/>
-    <p:sldId id="372" r:id="rId22"/>
-    <p:sldId id="373" r:id="rId23"/>
-    <p:sldId id="374" r:id="rId24"/>
-    <p:sldId id="375" r:id="rId25"/>
+    <p:sldId id="377" r:id="rId2"/>
+    <p:sldId id="378" r:id="rId3"/>
+    <p:sldId id="353" r:id="rId4"/>
+    <p:sldId id="355" r:id="rId5"/>
+    <p:sldId id="354" r:id="rId6"/>
+    <p:sldId id="356" r:id="rId7"/>
+    <p:sldId id="357" r:id="rId8"/>
+    <p:sldId id="358" r:id="rId9"/>
+    <p:sldId id="359" r:id="rId10"/>
+    <p:sldId id="360" r:id="rId11"/>
+    <p:sldId id="361" r:id="rId12"/>
+    <p:sldId id="362" r:id="rId13"/>
+    <p:sldId id="363" r:id="rId14"/>
+    <p:sldId id="364" r:id="rId15"/>
+    <p:sldId id="379" r:id="rId16"/>
+    <p:sldId id="365" r:id="rId17"/>
+    <p:sldId id="366" r:id="rId18"/>
+    <p:sldId id="367" r:id="rId19"/>
+    <p:sldId id="368" r:id="rId20"/>
+    <p:sldId id="369" r:id="rId21"/>
+    <p:sldId id="370" r:id="rId22"/>
+    <p:sldId id="371" r:id="rId23"/>
+    <p:sldId id="372" r:id="rId24"/>
+    <p:sldId id="373" r:id="rId25"/>
+    <p:sldId id="374" r:id="rId26"/>
+    <p:sldId id="375" r:id="rId27"/>
   </p:sldIdLst>
   <p:sldSz cx="12192000" cy="6858000"/>
   <p:notesSz cx="6858000" cy="9144000"/>
   <p:custDataLst>
-    <p:tags r:id="rId27"/>
+    <p:tags r:id="rId29"/>
   </p:custDataLst>
   <p:defaultTextStyle>
     <a:defPPr>
@@ -235,7 +237,7 @@
             <a:fld id="{1A782170-78E6-47DA-9E37-7AC29E4CF366}" type="datetimeFigureOut">
               <a:rPr lang="ru-RU" smtClean="0"/>
               <a:pPr/>
-              <a:t>05.04.2024</a:t>
+              <a:t>10.05.2024</a:t>
             </a:fld>
             <a:endParaRPr lang="ru-RU"/>
           </a:p>
@@ -554,30 +556,6 @@
           <a:bodyPr/>
           <a:lstStyle/>
           <a:p>
-            <a:r>
-              <a:rPr lang="ru-RU" dirty="0"/>
-              <a:t>Подобно тому, как функции и методы состоят из определённого набора инструкций, решающих нужную задачу, классы программы создаются и взаимодействуют по определённым правилам.</a:t>
-            </a:r>
-          </a:p>
-          <a:p>
-            <a:r>
-              <a:rPr lang="ru-RU" dirty="0"/>
-              <a:t>Понимание этих правил позволяет создавать программы не методом проб и ошибок, а проектировать и анализировать архитектуру программы ещё до того, как вы напишете первую строчку кода. В результате вы будете иметь представление о том, из каких классов должна состоять ваша программа и о связях между ними. Также вы можете обсудить структуру программы с коллегами и распределить работу над ней.</a:t>
-            </a:r>
-          </a:p>
-          <a:p>
-            <a:r>
-              <a:rPr lang="ru-RU" dirty="0"/>
-              <a:t>Обнаруженную на этапе проектирования ошибку легко исправить — ведь вам не нужно переписывать ненаписанный код. Аналогия из реального мира: пока дом существует лишь на бумаге, вносить в него изменения легче, чем когда дом уже построен.</a:t>
-            </a:r>
-          </a:p>
-          <a:p>
-            <a:r>
-              <a:rPr lang="ru-RU" dirty="0"/>
-              <a:t>Вы научитесь визуализировать архитектуру программы и узнаете о свойствах связей между классами. Благодаря этому вы сможете обозревать структуру программы «‎с высоты птичьего полёта» и принимать стратегические решения, касающиеся её архитектуры.</a:t>
-            </a:r>
-          </a:p>
-          <a:p>
             <a:endParaRPr lang="ru-RU" dirty="0"/>
           </a:p>
         </p:txBody>
@@ -597,7 +575,7 @@
           <a:bodyPr/>
           <a:lstStyle/>
           <a:p>
-            <a:fld id="{7AD27560-579B-482E-BED7-036450DE1808}" type="slidenum">
+            <a:fld id="{C72A1285-F988-4153-B7C5-B887A867730D}" type="slidenum">
               <a:rPr lang="ru-RU" smtClean="0"/>
               <a:pPr/>
               <a:t>1</a:t>
@@ -609,7 +587,7 @@
     </p:spTree>
     <p:extLst>
       <p:ext uri="{BB962C8B-B14F-4D97-AF65-F5344CB8AC3E}">
-        <p14:creationId xmlns:p14="http://schemas.microsoft.com/office/powerpoint/2010/main" val="4080195758"/>
+        <p14:creationId xmlns:p14="http://schemas.microsoft.com/office/powerpoint/2010/main" val="356855532"/>
       </p:ext>
     </p:extLst>
   </p:cSld>
@@ -665,88 +643,19 @@
         </p:nvSpPr>
         <p:spPr/>
         <p:txBody>
-          <a:bodyPr>
-            <a:normAutofit fontScale="92500" lnSpcReduction="10000"/>
-          </a:bodyPr>
+          <a:bodyPr/>
           <a:lstStyle/>
           <a:p>
             <a:r>
-              <a:rPr lang="ru-RU" dirty="0"/>
+              <a:rPr lang="ru-RU" b="0" i="0" dirty="0">
+                <a:solidFill>
+                  <a:srgbClr val="37352F"/>
+                </a:solidFill>
+                <a:effectLst/>
+                <a:latin typeface="-apple-system"/>
+              </a:rPr>
               <a:t>Агрегация — тоже пример отношений часть-целое, и реализуется она, подобно композиции, с использованием структур или классов. Различия между композицией и агрегацией в основном семантические.</a:t>
             </a:r>
-          </a:p>
-          <a:p>
-            <a:r>
-              <a:rPr lang="ru-RU" dirty="0"/>
-              <a:t>Особенности агрегации:</a:t>
-            </a:r>
-          </a:p>
-          <a:p>
-            <a:pPr>
-              <a:buFont typeface="Arial" panose="020B0604020202020204" pitchFamily="34" charset="0"/>
-              <a:buChar char="•"/>
-            </a:pPr>
-            <a:r>
-              <a:rPr lang="ru-RU" dirty="0"/>
-              <a:t>Часть является частью Целого.</a:t>
-            </a:r>
-          </a:p>
-          <a:p>
-            <a:pPr>
-              <a:buFont typeface="Arial" panose="020B0604020202020204" pitchFamily="34" charset="0"/>
-              <a:buChar char="•"/>
-            </a:pPr>
-            <a:r>
-              <a:rPr lang="ru-RU" dirty="0"/>
-              <a:t>Часть в один и тот же момент времени может принадлежать более чем одному Целому.</a:t>
-            </a:r>
-          </a:p>
-          <a:p>
-            <a:pPr>
-              <a:buFont typeface="Arial" panose="020B0604020202020204" pitchFamily="34" charset="0"/>
-              <a:buChar char="•"/>
-            </a:pPr>
-            <a:r>
-              <a:rPr lang="ru-RU" dirty="0"/>
-              <a:t>Целое не управляет своими частями. При удалении Целого Часть продолжает существовать.</a:t>
-            </a:r>
-          </a:p>
-          <a:p>
-            <a:pPr>
-              <a:buFont typeface="Arial" panose="020B0604020202020204" pitchFamily="34" charset="0"/>
-              <a:buChar char="•"/>
-            </a:pPr>
-            <a:r>
-              <a:rPr lang="ru-RU" dirty="0"/>
-              <a:t>Часть не знает о существовании Целого.</a:t>
-            </a:r>
-          </a:p>
-          <a:p>
-            <a:pPr>
-              <a:buFont typeface="Arial" panose="020B0604020202020204" pitchFamily="34" charset="0"/>
-              <a:buChar char="•"/>
-            </a:pPr>
-            <a:r>
-              <a:rPr lang="ru-RU" dirty="0"/>
-              <a:t>Транзитивность — связи между агрегируемыми объектами не имеют циклов, то есть ни один из объектов не является прямой или косвенной частью самого себя.</a:t>
-            </a:r>
-          </a:p>
-          <a:p>
-            <a:endParaRPr lang="ru-RU" dirty="0"/>
-          </a:p>
-          <a:p>
-            <a:r>
-              <a:rPr lang="ru-RU" dirty="0"/>
-              <a:t>При композиции мы добавляем части к целому, используя обычные переменные-члены. А когда класс использует динамическое выделение памяти, применяем указатели. При этом часть не может существовать без целого. В качестве примера композиции классов, использующих динамическое выделение памяти, можно привести классы Осьминог и Односвязный список. При разрушении Осьминога происходит удаление его Щупалец, а при разрушении односвязного списка удаляются его узлы.</a:t>
-            </a:r>
-          </a:p>
-          <a:p>
-            <a:r>
-              <a:rPr lang="ru-RU" dirty="0"/>
-              <a:t>При агрегации мы также используем переменные-члены класса, только в этом случае они будут ссылками или указателями на объекты, созданные и существующие за пределами класса. Адреса объектов передаются классу-агрегату снаружи через параметры конструктора либо через параметры методов. При этом Часть может существовать отдельно от Целого.</a:t>
-            </a:r>
-          </a:p>
-          <a:p>
             <a:endParaRPr lang="ru-RU" dirty="0"/>
           </a:p>
         </p:txBody>
@@ -778,7 +687,7 @@
     </p:spTree>
     <p:extLst>
       <p:ext uri="{BB962C8B-B14F-4D97-AF65-F5344CB8AC3E}">
-        <p14:creationId xmlns:p14="http://schemas.microsoft.com/office/powerpoint/2010/main" val="2730809305"/>
+        <p14:creationId xmlns:p14="http://schemas.microsoft.com/office/powerpoint/2010/main" val="471827487"/>
       </p:ext>
     </p:extLst>
   </p:cSld>
@@ -834,28 +743,85 @@
         </p:nvSpPr>
         <p:spPr/>
         <p:txBody>
-          <a:bodyPr/>
+          <a:bodyPr>
+            <a:normAutofit fontScale="92500" lnSpcReduction="10000"/>
+          </a:bodyPr>
           <a:lstStyle/>
           <a:p>
             <a:r>
               <a:rPr lang="ru-RU" dirty="0"/>
-              <a:t>Примером агрегации можно назвать отношение итератора и узла односвязного списка. Итератор хранит указатель на узел односвязного списка, которым владеет другой объект, а именно односвязный список. Разрушение итератора не влияет на узел. Узел ничего не знает о существовании итератора. Агрегацией в односвязном списке также будет связь текущего узла списка со следующим за ним</a:t>
-            </a:r>
-            <a:r>
-              <a:rPr lang="en-US" dirty="0"/>
-              <a:t>.</a:t>
+              <a:t>Агрегация — тоже пример отношений часть-целое, и реализуется она, подобно композиции, с использованием структур или классов. Различия между композицией и агрегацией в основном семантические.</a:t>
             </a:r>
           </a:p>
           <a:p>
             <a:r>
               <a:rPr lang="ru-RU" dirty="0"/>
-              <a:t>Объект-агрегат обычно скрывает свои части от доступа извне. Например, итератор не имеет публичных методов для доступа к узлам списка, хотя в своём операторе разыменования возвращает ссылку на значение узла списка. Так внешний код не может получить доступ к служебным полям узла списка в обход итератора.</a:t>
-            </a:r>
-          </a:p>
-          <a:p>
+              <a:t>Особенности агрегации:</a:t>
+            </a:r>
+          </a:p>
+          <a:p>
+            <a:pPr>
+              <a:buFont typeface="Arial" panose="020B0604020202020204" pitchFamily="34" charset="0"/>
+              <a:buChar char="•"/>
+            </a:pPr>
             <a:r>
               <a:rPr lang="ru-RU" dirty="0"/>
-              <a:t>Так как Агрегат не единственный владелец своих частей, он должен быть готов к тому, что к его частям могут иметь доступ и другие объекты.</a:t>
+              <a:t>Часть является частью Целого.</a:t>
+            </a:r>
+          </a:p>
+          <a:p>
+            <a:pPr>
+              <a:buFont typeface="Arial" panose="020B0604020202020204" pitchFamily="34" charset="0"/>
+              <a:buChar char="•"/>
+            </a:pPr>
+            <a:r>
+              <a:rPr lang="ru-RU" dirty="0"/>
+              <a:t>Часть в один и тот же момент времени может принадлежать более чем одному Целому.</a:t>
+            </a:r>
+          </a:p>
+          <a:p>
+            <a:pPr>
+              <a:buFont typeface="Arial" panose="020B0604020202020204" pitchFamily="34" charset="0"/>
+              <a:buChar char="•"/>
+            </a:pPr>
+            <a:r>
+              <a:rPr lang="ru-RU" dirty="0"/>
+              <a:t>Целое не управляет своими частями. При удалении Целого Часть продолжает существовать.</a:t>
+            </a:r>
+          </a:p>
+          <a:p>
+            <a:pPr>
+              <a:buFont typeface="Arial" panose="020B0604020202020204" pitchFamily="34" charset="0"/>
+              <a:buChar char="•"/>
+            </a:pPr>
+            <a:r>
+              <a:rPr lang="ru-RU" dirty="0"/>
+              <a:t>Часть не знает о существовании Целого.</a:t>
+            </a:r>
+          </a:p>
+          <a:p>
+            <a:pPr>
+              <a:buFont typeface="Arial" panose="020B0604020202020204" pitchFamily="34" charset="0"/>
+              <a:buChar char="•"/>
+            </a:pPr>
+            <a:r>
+              <a:rPr lang="ru-RU" dirty="0"/>
+              <a:t>Транзитивность — связи между агрегируемыми объектами не имеют циклов, то есть ни один из объектов не является прямой или косвенной частью самого себя.</a:t>
+            </a:r>
+          </a:p>
+          <a:p>
+            <a:endParaRPr lang="ru-RU" dirty="0"/>
+          </a:p>
+          <a:p>
+            <a:r>
+              <a:rPr lang="ru-RU" dirty="0"/>
+              <a:t>При композиции мы добавляем части к целому, используя обычные переменные-члены. А когда класс использует динамическое выделение памяти, применяем указатели. При этом часть не может существовать без целого. В качестве примера композиции классов, использующих динамическое выделение памяти, можно привести классы Осьминог и Односвязный список. При разрушении Осьминога происходит удаление его Щупалец, а при разрушении односвязного списка удаляются его узлы.</a:t>
+            </a:r>
+          </a:p>
+          <a:p>
+            <a:r>
+              <a:rPr lang="ru-RU" dirty="0"/>
+              <a:t>При агрегации мы также используем переменные-члены класса, только в этом случае они будут ссылками или указателями на объекты, созданные и существующие за пределами класса. Адреса объектов передаются классу-агрегату снаружи через параметры конструктора либо через параметры методов. При этом Часть может существовать отдельно от Целого.</a:t>
             </a:r>
           </a:p>
           <a:p>
@@ -890,7 +856,7 @@
     </p:spTree>
     <p:extLst>
       <p:ext uri="{BB962C8B-B14F-4D97-AF65-F5344CB8AC3E}">
-        <p14:creationId xmlns:p14="http://schemas.microsoft.com/office/powerpoint/2010/main" val="610084316"/>
+        <p14:creationId xmlns:p14="http://schemas.microsoft.com/office/powerpoint/2010/main" val="2730809305"/>
       </p:ext>
     </p:extLst>
   </p:cSld>
@@ -951,30 +917,23 @@
           <a:p>
             <a:r>
               <a:rPr lang="ru-RU" dirty="0"/>
-              <a:t>На схемах агрегация обозначается как композиция с той лишь разницей, что ромбик, расположенный на стороне объекта-агрегата, не закрашивается.</a:t>
-            </a:r>
-          </a:p>
-          <a:p>
-            <a:pPr marL="0" marR="0" lvl="0" indent="0" algn="l" defTabSz="914400" rtl="0" eaLnBrk="1" fontAlgn="auto" latinLnBrk="0" hangingPunct="1">
-              <a:lnSpc>
-                <a:spcPct val="100000"/>
-              </a:lnSpc>
-              <a:spcBef>
-                <a:spcPts val="0"/>
-              </a:spcBef>
-              <a:spcAft>
-                <a:spcPts val="0"/>
-              </a:spcAft>
-              <a:buClrTx/>
-              <a:buSzTx/>
-              <a:buFontTx/>
-              <a:buNone/>
-              <a:tabLst/>
-              <a:defRPr/>
-            </a:pPr>
+              <a:t>Примером агрегации можно назвать отношение итератора и узла односвязного списка. Итератор хранит указатель на узел односвязного списка, которым владеет другой объект, а именно односвязный список. Разрушение итератора не влияет на узел. Узел ничего не знает о существовании итератора. Агрегацией в односвязном списке также будет связь текущего узла списка со следующим за ним</a:t>
+            </a:r>
+            <a:r>
+              <a:rPr lang="en-US" dirty="0"/>
+              <a:t>.</a:t>
+            </a:r>
+          </a:p>
+          <a:p>
             <a:r>
               <a:rPr lang="ru-RU" dirty="0"/>
-              <a:t>Ещё один пример агрегации — отношение между Автобусом и Человеком. Автобус перевозит людей, но они не его составная часть. После разрушения автобуса с человеком ничего не происходит.</a:t>
+              <a:t>Объект-агрегат обычно скрывает свои части от доступа извне. Например, итератор не имеет публичных методов для доступа к узлам списка, хотя в своём операторе разыменования возвращает ссылку на значение узла списка. Так внешний код не может получить доступ к служебным полям узла списка в обход итератора.</a:t>
+            </a:r>
+          </a:p>
+          <a:p>
+            <a:r>
+              <a:rPr lang="ru-RU" dirty="0"/>
+              <a:t>Так как Агрегат не единственный владелец своих частей, он должен быть готов к тому, что к его частям могут иметь доступ и другие объекты.</a:t>
             </a:r>
           </a:p>
           <a:p>
@@ -1009,7 +968,7 @@
     </p:spTree>
     <p:extLst>
       <p:ext uri="{BB962C8B-B14F-4D97-AF65-F5344CB8AC3E}">
-        <p14:creationId xmlns:p14="http://schemas.microsoft.com/office/powerpoint/2010/main" val="3075235189"/>
+        <p14:creationId xmlns:p14="http://schemas.microsoft.com/office/powerpoint/2010/main" val="610084316"/>
       </p:ext>
     </p:extLst>
   </p:cSld>
@@ -1070,28 +1029,34 @@
           <a:p>
             <a:r>
               <a:rPr lang="ru-RU" dirty="0"/>
-              <a:t>Агрегация позволяет одному объекту делегировать часть работы другому, переданному извне, объекту. Например, </a:t>
-            </a:r>
-            <a:r>
-              <a:rPr lang="en-US" dirty="0" err="1"/>
-              <a:t>RemoteControl</a:t>
-            </a:r>
-            <a:r>
-              <a:rPr lang="en-US" dirty="0"/>
-              <a:t> </a:t>
-            </a:r>
+              <a:t>На схемах агрегация обозначается как композиция с той лишь разницей, что ромбик, расположенный на стороне объекта-агрегата, не закрашивается.</a:t>
+            </a:r>
+          </a:p>
+          <a:p>
+            <a:pPr marL="0" marR="0" lvl="0" indent="0" algn="l" defTabSz="914400" rtl="0" eaLnBrk="1" fontAlgn="auto" latinLnBrk="0" hangingPunct="1">
+              <a:lnSpc>
+                <a:spcPct val="100000"/>
+              </a:lnSpc>
+              <a:spcBef>
+                <a:spcPts val="0"/>
+              </a:spcBef>
+              <a:spcAft>
+                <a:spcPts val="0"/>
+              </a:spcAft>
+              <a:buClrTx/>
+              <a:buSzTx/>
+              <a:buFontTx/>
+              <a:buNone/>
+              <a:tabLst/>
+              <a:defRPr/>
+            </a:pPr>
             <a:r>
               <a:rPr lang="ru-RU" dirty="0"/>
-              <a:t>делегирует выполнение операций классу </a:t>
-            </a:r>
-            <a:r>
-              <a:rPr lang="en-US" dirty="0"/>
-              <a:t>TV</a:t>
-            </a:r>
-            <a:r>
-              <a:rPr lang="ru-RU" dirty="0"/>
-              <a:t>, а сам лишь обрабатывает команды пользователя</a:t>
-            </a:r>
+              <a:t>Ещё один пример агрегации — отношение между Автобусом и Человеком. Автобус перевозит людей, но они не его составная часть. После разрушения автобуса с человеком ничего не происходит.</a:t>
+            </a:r>
+          </a:p>
+          <a:p>
+            <a:endParaRPr lang="ru-RU" dirty="0"/>
           </a:p>
         </p:txBody>
       </p:sp>
@@ -1122,7 +1087,7 @@
     </p:spTree>
     <p:extLst>
       <p:ext uri="{BB962C8B-B14F-4D97-AF65-F5344CB8AC3E}">
-        <p14:creationId xmlns:p14="http://schemas.microsoft.com/office/powerpoint/2010/main" val="2000940002"/>
+        <p14:creationId xmlns:p14="http://schemas.microsoft.com/office/powerpoint/2010/main" val="3075235189"/>
       </p:ext>
     </p:extLst>
   </p:cSld>
@@ -1183,17 +1148,28 @@
           <a:p>
             <a:r>
               <a:rPr lang="ru-RU" dirty="0"/>
-              <a:t>При композиции и агрегации Целое оказывается связанным с Частью в течение длительного времени — поля Целого хранят Часть по значению, ссылке или указателю.</a:t>
-            </a:r>
-          </a:p>
-          <a:p>
+              <a:t>Агрегация позволяет одному объекту делегировать часть работы другому, переданному извне, объекту. Например, </a:t>
+            </a:r>
+            <a:r>
+              <a:rPr lang="en-US" dirty="0" err="1"/>
+              <a:t>RemoteControl</a:t>
+            </a:r>
+            <a:r>
+              <a:rPr lang="en-US" dirty="0"/>
+              <a:t> </a:t>
+            </a:r>
             <a:r>
               <a:rPr lang="ru-RU" dirty="0"/>
-              <a:t>В жизни потребность в каком-либо объекте нам часто нужна лишь для выполнения некоторой задачи: мы вызываем такси, чтобы доехать до нужного места, берём нож, чтобы сделать бутерброд, прибегаем к услугам парикмахера, чтобы подстричься. После выполнения задачи потребность в объекте исчезает до следующего раза. И правда, незачем держать при себе парикмахера до конца своей жизни.</a:t>
-            </a:r>
-          </a:p>
-          <a:p>
-            <a:endParaRPr lang="ru-RU" dirty="0"/>
+              <a:t>делегирует выполнение операций классу </a:t>
+            </a:r>
+            <a:r>
+              <a:rPr lang="en-US" dirty="0"/>
+              <a:t>TV</a:t>
+            </a:r>
+            <a:r>
+              <a:rPr lang="ru-RU" dirty="0"/>
+              <a:t>, а сам лишь обрабатывает команды пользователя</a:t>
+            </a:r>
           </a:p>
         </p:txBody>
       </p:sp>
@@ -1224,7 +1200,7 @@
     </p:spTree>
     <p:extLst>
       <p:ext uri="{BB962C8B-B14F-4D97-AF65-F5344CB8AC3E}">
-        <p14:creationId xmlns:p14="http://schemas.microsoft.com/office/powerpoint/2010/main" val="2207217243"/>
+        <p14:creationId xmlns:p14="http://schemas.microsoft.com/office/powerpoint/2010/main" val="2000940002"/>
       </p:ext>
     </p:extLst>
   </p:cSld>
@@ -1285,43 +1261,13 @@
           <a:p>
             <a:r>
               <a:rPr lang="ru-RU" dirty="0"/>
-              <a:t>Такого рода отношение называется зависимостью, или отношением «‎Клиент-Поставщик». У Клиента возникает зависимость от Поставщика при решении некоторой задачи. Зависимость возникает в любом из следующих случаев:</a:t>
-            </a:r>
-          </a:p>
-          <a:p>
-            <a:pPr>
-              <a:buFont typeface="Arial" panose="020B0604020202020204" pitchFamily="34" charset="0"/>
-              <a:buChar char="•"/>
-            </a:pPr>
+              <a:t>При композиции и агрегации Целое оказывается связанным с Частью в течение длительного времени — поля Целого хранят Часть по значению, ссылке или указателю.</a:t>
+            </a:r>
+          </a:p>
+          <a:p>
             <a:r>
               <a:rPr lang="ru-RU" dirty="0"/>
-              <a:t>Поставщик создаётся внутри метода Клиента.</a:t>
-            </a:r>
-          </a:p>
-          <a:p>
-            <a:pPr>
-              <a:buFont typeface="Arial" panose="020B0604020202020204" pitchFamily="34" charset="0"/>
-              <a:buChar char="•"/>
-            </a:pPr>
-            <a:r>
-              <a:rPr lang="ru-RU" dirty="0"/>
-              <a:t>Поставщик передаётся в метод Клиента по значению, ссылке или указателю.</a:t>
-            </a:r>
-          </a:p>
-          <a:p>
-            <a:pPr>
-              <a:buFont typeface="Arial" panose="020B0604020202020204" pitchFamily="34" charset="0"/>
-              <a:buChar char="•"/>
-            </a:pPr>
-            <a:r>
-              <a:rPr lang="ru-RU" dirty="0"/>
-              <a:t>Метод клиента возвращает Поставщика.</a:t>
-            </a:r>
-          </a:p>
-          <a:p>
-            <a:r>
-              <a:rPr lang="ru-RU" dirty="0"/>
-              <a:t>Во всех упомянутых ситуациях зависимость от Поставщика существует лишь на протяжении вызова метода Клиента — в локальных переменных, параметрах функций и временных объектах.</a:t>
+              <a:t>В жизни потребность в каком-либо объекте нам часто нужна лишь для выполнения некоторой задачи: мы вызываем такси, чтобы доехать до нужного места, берём нож, чтобы сделать бутерброд, прибегаем к услугам парикмахера, чтобы подстричься. После выполнения задачи потребность в объекте исчезает до следующего раза. И правда, незачем держать при себе парикмахера до конца своей жизни.</a:t>
             </a:r>
           </a:p>
           <a:p>
@@ -1347,7 +1293,7 @@
             <a:fld id="{7AD27560-579B-482E-BED7-036450DE1808}" type="slidenum">
               <a:rPr lang="ru-RU" smtClean="0"/>
               <a:pPr/>
-              <a:t>15</a:t>
+              <a:t>16</a:t>
             </a:fld>
             <a:endParaRPr lang="ru-RU"/>
           </a:p>
@@ -1356,7 +1302,7 @@
     </p:spTree>
     <p:extLst>
       <p:ext uri="{BB962C8B-B14F-4D97-AF65-F5344CB8AC3E}">
-        <p14:creationId xmlns:p14="http://schemas.microsoft.com/office/powerpoint/2010/main" val="3269271602"/>
+        <p14:creationId xmlns:p14="http://schemas.microsoft.com/office/powerpoint/2010/main" val="2207217243"/>
       </p:ext>
     </p:extLst>
   </p:cSld>
@@ -1417,90 +1363,43 @@
           <a:p>
             <a:r>
               <a:rPr lang="ru-RU" dirty="0"/>
-              <a:t>Ещё один пример — загрузка и сохранение объектов в потоки ввода и вывода</a:t>
-            </a:r>
-            <a:r>
-              <a:rPr lang="en-US" dirty="0"/>
-              <a:t>.</a:t>
-            </a:r>
-          </a:p>
-          <a:p>
-            <a:pPr marL="0" marR="0" lvl="0" indent="0" algn="l" defTabSz="914400" rtl="0" eaLnBrk="1" fontAlgn="auto" latinLnBrk="0" hangingPunct="1">
-              <a:lnSpc>
-                <a:spcPct val="100000"/>
-              </a:lnSpc>
-              <a:spcBef>
-                <a:spcPts val="0"/>
-              </a:spcBef>
-              <a:spcAft>
-                <a:spcPts val="0"/>
-              </a:spcAft>
-              <a:buClrTx/>
-              <a:buSzTx/>
-              <a:buFontTx/>
-              <a:buNone/>
-              <a:tabLst/>
-              <a:defRPr/>
+              <a:t>Такого рода отношение называется зависимостью, или отношением «‎Клиент-Поставщик». У Клиента возникает зависимость от Поставщика при решении некоторой задачи. Зависимость возникает в любом из следующих случаев:</a:t>
+            </a:r>
+          </a:p>
+          <a:p>
+            <a:pPr>
+              <a:buFont typeface="Arial" panose="020B0604020202020204" pitchFamily="34" charset="0"/>
+              <a:buChar char="•"/>
             </a:pPr>
             <a:r>
               <a:rPr lang="ru-RU" dirty="0"/>
-              <a:t>Класс </a:t>
-            </a:r>
-            <a:r>
-              <a:rPr lang="ru-RU" dirty="0" err="1"/>
-              <a:t>Document</a:t>
-            </a:r>
+              <a:t>Поставщик создаётся внутри метода Клиента.</a:t>
+            </a:r>
+          </a:p>
+          <a:p>
+            <a:pPr>
+              <a:buFont typeface="Arial" panose="020B0604020202020204" pitchFamily="34" charset="0"/>
+              <a:buChar char="•"/>
+            </a:pPr>
             <a:r>
               <a:rPr lang="ru-RU" dirty="0"/>
-              <a:t> зависит от классов </a:t>
-            </a:r>
-            <a:r>
-              <a:rPr lang="ru-RU" dirty="0" err="1"/>
-              <a:t>ostream</a:t>
-            </a:r>
+              <a:t>Поставщик передаётся в метод Клиента по значению, ссылке или указателю.</a:t>
+            </a:r>
+          </a:p>
+          <a:p>
+            <a:pPr>
+              <a:buFont typeface="Arial" panose="020B0604020202020204" pitchFamily="34" charset="0"/>
+              <a:buChar char="•"/>
+            </a:pPr>
             <a:r>
               <a:rPr lang="ru-RU" dirty="0"/>
-              <a:t> и </a:t>
-            </a:r>
-            <a:r>
-              <a:rPr lang="ru-RU" dirty="0" err="1"/>
-              <a:t>istream</a:t>
-            </a:r>
+              <a:t>Метод клиента возвращает Поставщика.</a:t>
+            </a:r>
+          </a:p>
+          <a:p>
             <a:r>
               <a:rPr lang="ru-RU" dirty="0"/>
-              <a:t> только во время вызова методов </a:t>
-            </a:r>
-            <a:r>
-              <a:rPr lang="ru-RU" dirty="0" err="1"/>
-              <a:t>SaveToStream</a:t>
-            </a:r>
-            <a:r>
-              <a:rPr lang="ru-RU" dirty="0"/>
-              <a:t> и </a:t>
-            </a:r>
-            <a:r>
-              <a:rPr lang="ru-RU" dirty="0" err="1"/>
-              <a:t>LoadFromStream</a:t>
-            </a:r>
-            <a:r>
-              <a:rPr lang="ru-RU" dirty="0"/>
-              <a:t>. Это значит, что на протяжении жизни Документа его можно сохранять в разные потоки вывода или загружать из разных потоков ввода. Точь-в-точь как для печати одного и того же документа вы используете разные листы бумаги. Обратной зависимости </a:t>
-            </a:r>
-            <a:r>
-              <a:rPr lang="ru-RU" dirty="0" err="1"/>
-              <a:t>ostream</a:t>
-            </a:r>
-            <a:r>
-              <a:rPr lang="ru-RU" dirty="0"/>
-              <a:t> и </a:t>
-            </a:r>
-            <a:r>
-              <a:rPr lang="ru-RU" dirty="0" err="1"/>
-              <a:t>istream</a:t>
-            </a:r>
-            <a:r>
-              <a:rPr lang="ru-RU" dirty="0"/>
-              <a:t> от документа нет.</a:t>
+              <a:t>Во всех упомянутых ситуациях зависимость от Поставщика существует лишь на протяжении вызова метода Клиента — в локальных переменных, параметрах функций и временных объектах.</a:t>
             </a:r>
           </a:p>
           <a:p>
@@ -1535,7 +1434,7 @@
     </p:spTree>
     <p:extLst>
       <p:ext uri="{BB962C8B-B14F-4D97-AF65-F5344CB8AC3E}">
-        <p14:creationId xmlns:p14="http://schemas.microsoft.com/office/powerpoint/2010/main" val="2014209181"/>
+        <p14:creationId xmlns:p14="http://schemas.microsoft.com/office/powerpoint/2010/main" val="3269271602"/>
       </p:ext>
     </p:extLst>
   </p:cSld>
@@ -1596,50 +1495,11 @@
           <a:p>
             <a:r>
               <a:rPr lang="ru-RU" dirty="0"/>
-              <a:t>На схемах зависимость изображается пунктирной стрелкой, идущей от Клиента к Поставщику. Чтобы конкретизировать, какой вид зависимости используется, на стрелке дополнительно может указываться одно из следующих слов:</a:t>
-            </a:r>
-          </a:p>
-          <a:p>
-            <a:pPr>
-              <a:buFont typeface="Arial" panose="020B0604020202020204" pitchFamily="34" charset="0"/>
-              <a:buChar char="•"/>
-            </a:pPr>
-            <a:r>
-              <a:rPr lang="ru-RU" dirty="0" err="1"/>
-              <a:t>create</a:t>
-            </a:r>
-            <a:r>
-              <a:rPr lang="ru-RU" dirty="0"/>
-              <a:t>. Метод Клиента создаёт экземпляр Поставщика и использует его, не передавая наружу.</a:t>
-            </a:r>
-          </a:p>
-          <a:p>
-            <a:pPr>
-              <a:buFont typeface="Arial" panose="020B0604020202020204" pitchFamily="34" charset="0"/>
-              <a:buChar char="•"/>
-            </a:pPr>
-            <a:r>
-              <a:rPr lang="ru-RU" dirty="0" err="1"/>
-              <a:t>return</a:t>
-            </a:r>
-            <a:r>
-              <a:rPr lang="ru-RU" dirty="0"/>
-              <a:t>. Клиент возвращает экземпляр Поставщика. При этом клиент может создавать Поставщика самостоятельно или делегировать создание другому объекту. </a:t>
-            </a:r>
-            <a:endParaRPr lang="en-US" dirty="0"/>
-          </a:p>
-          <a:p>
-            <a:pPr>
-              <a:buFont typeface="Arial" panose="020B0604020202020204" pitchFamily="34" charset="0"/>
-              <a:buChar char="•"/>
-            </a:pPr>
-            <a:r>
-              <a:rPr lang="ru-RU" dirty="0" err="1"/>
-              <a:t>use</a:t>
-            </a:r>
-            <a:r>
-              <a:rPr lang="ru-RU" dirty="0"/>
-              <a:t>. Клиент использует зависимость, переданную ему через параметр метода. Для этого он вызывает методы переданных ему параметров или передаёт их дальше в качестве параметров.</a:t>
+              <a:t>Ещё один пример — загрузка и сохранение объектов в потоки ввода и вывода</a:t>
+            </a:r>
+            <a:r>
+              <a:rPr lang="en-US" dirty="0"/>
+              <a:t>.</a:t>
             </a:r>
           </a:p>
           <a:p>
@@ -1662,19 +1522,19 @@
             </a:pPr>
             <a:r>
               <a:rPr lang="ru-RU" dirty="0"/>
-              <a:t>Класс Прямоугольник использует переданный ему Холст (</a:t>
+              <a:t>Класс </a:t>
             </a:r>
             <a:r>
               <a:rPr lang="ru-RU" dirty="0" err="1"/>
-              <a:t>Canvas</a:t>
+              <a:t>Document</a:t>
             </a:r>
             <a:r>
               <a:rPr lang="ru-RU" dirty="0"/>
-              <a:t>), чтобы нарисовать на нём своё изображение, вызывая методы </a:t>
+              <a:t> зависит от классов </a:t>
             </a:r>
             <a:r>
               <a:rPr lang="ru-RU" dirty="0" err="1"/>
-              <a:t>MoveTo</a:t>
+              <a:t>ostream</a:t>
             </a:r>
             <a:r>
               <a:rPr lang="ru-RU" dirty="0"/>
@@ -1682,20 +1542,47 @@
             </a:r>
             <a:r>
               <a:rPr lang="ru-RU" dirty="0" err="1"/>
-              <a:t>LineTo</a:t>
+              <a:t>istream</a:t>
             </a:r>
             <a:r>
               <a:rPr lang="ru-RU" dirty="0"/>
-              <a:t>. Так можно многократно с разными параметрами вызывать метод </a:t>
+              <a:t> только во время вызова методов </a:t>
             </a:r>
             <a:r>
               <a:rPr lang="ru-RU" dirty="0" err="1"/>
-              <a:t>Draw</a:t>
+              <a:t>SaveToStream</a:t>
             </a:r>
             <a:r>
               <a:rPr lang="ru-RU" dirty="0"/>
-              <a:t> у одного и того же прямоугольника, получая изображение прямоугольника на разных холстах.</a:t>
-            </a:r>
+              <a:t> и </a:t>
+            </a:r>
+            <a:r>
+              <a:rPr lang="ru-RU" dirty="0" err="1"/>
+              <a:t>LoadFromStream</a:t>
+            </a:r>
+            <a:r>
+              <a:rPr lang="ru-RU" dirty="0"/>
+              <a:t>. Это значит, что на протяжении жизни Документа его можно сохранять в разные потоки вывода или загружать из разных потоков ввода. Точь-в-точь как для печати одного и того же документа вы используете разные листы бумаги. Обратной зависимости </a:t>
+            </a:r>
+            <a:r>
+              <a:rPr lang="ru-RU" dirty="0" err="1"/>
+              <a:t>ostream</a:t>
+            </a:r>
+            <a:r>
+              <a:rPr lang="ru-RU" dirty="0"/>
+              <a:t> и </a:t>
+            </a:r>
+            <a:r>
+              <a:rPr lang="ru-RU" dirty="0" err="1"/>
+              <a:t>istream</a:t>
+            </a:r>
+            <a:r>
+              <a:rPr lang="ru-RU" dirty="0"/>
+              <a:t> от документа нет.</a:t>
+            </a:r>
+          </a:p>
+          <a:p>
+            <a:endParaRPr lang="ru-RU" dirty="0"/>
           </a:p>
         </p:txBody>
       </p:sp>
@@ -1717,7 +1604,7 @@
             <a:fld id="{7AD27560-579B-482E-BED7-036450DE1808}" type="slidenum">
               <a:rPr lang="ru-RU" smtClean="0"/>
               <a:pPr/>
-              <a:t>18</a:t>
+              <a:t>19</a:t>
             </a:fld>
             <a:endParaRPr lang="ru-RU"/>
           </a:p>
@@ -1726,7 +1613,7 @@
     </p:spTree>
     <p:extLst>
       <p:ext uri="{BB962C8B-B14F-4D97-AF65-F5344CB8AC3E}">
-        <p14:creationId xmlns:p14="http://schemas.microsoft.com/office/powerpoint/2010/main" val="2564408467"/>
+        <p14:creationId xmlns:p14="http://schemas.microsoft.com/office/powerpoint/2010/main" val="2014209181"/>
       </p:ext>
     </p:extLst>
   </p:cSld>
@@ -1787,69 +1674,106 @@
           <a:p>
             <a:r>
               <a:rPr lang="ru-RU" dirty="0"/>
-              <a:t>Зависимость — наиболее слабая связь между классами среди рассмотренных отношений. Эта слабость даёт наибольшую гибкость — каждый вызов метода Клиента может иметь дело с новым Поставщиком. За эту гибкость приходится платить — зависимость транзитивна. Она распространяется на всех пользователей Клиента — они должны уметь создать Поставщика перед тем как передать его Клиенту в качестве параметра и знать, что делать с Поставщиком, которого им вернул Клиент. При композиции и агрегации зависимость не распространяется, так как Целое скрывает свои Части в приватной области.</a:t>
-            </a:r>
-          </a:p>
-          <a:p>
+              <a:t>На схемах зависимость изображается пунктирной стрелкой, идущей от Клиента к Поставщику. Чтобы конкретизировать, какой вид зависимости используется, на стрелке дополнительно может указываться одно из следующих слов:</a:t>
+            </a:r>
+          </a:p>
+          <a:p>
+            <a:pPr>
+              <a:buFont typeface="Arial" panose="020B0604020202020204" pitchFamily="34" charset="0"/>
+              <a:buChar char="•"/>
+            </a:pPr>
+            <a:r>
+              <a:rPr lang="ru-RU" dirty="0" err="1"/>
+              <a:t>create</a:t>
+            </a:r>
             <a:r>
               <a:rPr lang="ru-RU" dirty="0"/>
-              <a:t>На схеме показан класс </a:t>
-            </a:r>
-            <a:r>
-              <a:rPr lang="en-US" dirty="0"/>
-              <a:t>Foo</a:t>
+              <a:t>. Метод Клиента создаёт экземпляр Поставщика и использует его, не передавая наружу.</a:t>
+            </a:r>
+          </a:p>
+          <a:p>
+            <a:pPr>
+              <a:buFont typeface="Arial" panose="020B0604020202020204" pitchFamily="34" charset="0"/>
+              <a:buChar char="•"/>
+            </a:pPr>
+            <a:r>
+              <a:rPr lang="ru-RU" dirty="0" err="1"/>
+              <a:t>return</a:t>
             </a:r>
             <a:r>
               <a:rPr lang="ru-RU" dirty="0"/>
-              <a:t>, один из методов которого возвращает экземпляры </a:t>
-            </a:r>
-            <a:r>
-              <a:rPr lang="en-US" dirty="0"/>
-              <a:t>Bar</a:t>
+              <a:t>. Клиент возвращает экземпляр Поставщика. При этом клиент может создавать Поставщика самостоятельно или делегировать создание другому объекту. </a:t>
+            </a:r>
+            <a:endParaRPr lang="en-US" dirty="0"/>
+          </a:p>
+          <a:p>
+            <a:pPr>
+              <a:buFont typeface="Arial" panose="020B0604020202020204" pitchFamily="34" charset="0"/>
+              <a:buChar char="•"/>
+            </a:pPr>
+            <a:r>
+              <a:rPr lang="ru-RU" dirty="0" err="1"/>
+              <a:t>use</a:t>
             </a:r>
             <a:r>
               <a:rPr lang="ru-RU" dirty="0"/>
-              <a:t>. Метод класса </a:t>
-            </a:r>
-            <a:r>
-              <a:rPr lang="en-US" dirty="0"/>
-              <a:t>Bar</a:t>
-            </a:r>
+              <a:t>. Клиент использует зависимость, переданную ему через параметр метода. Для этого он вызывает методы переданных ему параметров или передаёт их дальше в качестве параметров.</a:t>
+            </a:r>
+          </a:p>
+          <a:p>
+            <a:pPr marL="0" marR="0" lvl="0" indent="0" algn="l" defTabSz="914400" rtl="0" eaLnBrk="1" fontAlgn="auto" latinLnBrk="0" hangingPunct="1">
+              <a:lnSpc>
+                <a:spcPct val="100000"/>
+              </a:lnSpc>
+              <a:spcBef>
+                <a:spcPts val="0"/>
+              </a:spcBef>
+              <a:spcAft>
+                <a:spcPts val="0"/>
+              </a:spcAft>
+              <a:buClrTx/>
+              <a:buSzTx/>
+              <a:buFontTx/>
+              <a:buNone/>
+              <a:tabLst/>
+              <a:defRPr/>
+            </a:pPr>
             <a:r>
               <a:rPr lang="ru-RU" dirty="0"/>
-              <a:t>, в свою очередь принимает экземпляры класса </a:t>
-            </a:r>
-            <a:r>
-              <a:rPr lang="en-US" dirty="0"/>
-              <a:t>Baz.</a:t>
-            </a:r>
-          </a:p>
-          <a:p>
+              <a:t>Класс Прямоугольник использует переданный ему Холст (</a:t>
+            </a:r>
+            <a:r>
+              <a:rPr lang="ru-RU" dirty="0" err="1"/>
+              <a:t>Canvas</a:t>
+            </a:r>
             <a:r>
               <a:rPr lang="ru-RU" dirty="0"/>
-              <a:t>Поэтому на клиентов класса </a:t>
-            </a:r>
-            <a:r>
-              <a:rPr lang="en-US" dirty="0"/>
-              <a:t>Foo </a:t>
+              <a:t>), чтобы нарисовать на нём своё изображение, вызывая методы </a:t>
+            </a:r>
+            <a:r>
+              <a:rPr lang="ru-RU" dirty="0" err="1"/>
+              <a:t>MoveTo</a:t>
             </a:r>
             <a:r>
               <a:rPr lang="ru-RU" dirty="0"/>
-              <a:t>распространяется знание не только о классе </a:t>
-            </a:r>
-            <a:r>
-              <a:rPr lang="en-US" dirty="0"/>
-              <a:t>Bar</a:t>
+              <a:t> и </a:t>
+            </a:r>
+            <a:r>
+              <a:rPr lang="ru-RU" dirty="0" err="1"/>
+              <a:t>LineTo</a:t>
             </a:r>
             <a:r>
               <a:rPr lang="ru-RU" dirty="0"/>
-              <a:t>, но и о классе </a:t>
-            </a:r>
-            <a:r>
-              <a:rPr lang="en-US" dirty="0"/>
-              <a:t>Baz</a:t>
-            </a:r>
-            <a:endParaRPr lang="ru-RU" dirty="0"/>
+              <a:t>. Так можно многократно с разными параметрами вызывать метод </a:t>
+            </a:r>
+            <a:r>
+              <a:rPr lang="ru-RU" dirty="0" err="1"/>
+              <a:t>Draw</a:t>
+            </a:r>
+            <a:r>
+              <a:rPr lang="ru-RU" dirty="0"/>
+              <a:t> у одного и того же прямоугольника, получая изображение прямоугольника на разных холстах.</a:t>
+            </a:r>
           </a:p>
         </p:txBody>
       </p:sp>
@@ -1871,7 +1795,7 @@
             <a:fld id="{7AD27560-579B-482E-BED7-036450DE1808}" type="slidenum">
               <a:rPr lang="ru-RU" smtClean="0"/>
               <a:pPr/>
-              <a:t>19</a:t>
+              <a:t>20</a:t>
             </a:fld>
             <a:endParaRPr lang="ru-RU"/>
           </a:p>
@@ -1880,7 +1804,7 @@
     </p:spTree>
     <p:extLst>
       <p:ext uri="{BB962C8B-B14F-4D97-AF65-F5344CB8AC3E}">
-        <p14:creationId xmlns:p14="http://schemas.microsoft.com/office/powerpoint/2010/main" val="2644860739"/>
+        <p14:creationId xmlns:p14="http://schemas.microsoft.com/office/powerpoint/2010/main" val="2564408467"/>
       </p:ext>
     </p:extLst>
   </p:cSld>
@@ -1941,8 +1865,69 @@
           <a:p>
             <a:r>
               <a:rPr lang="ru-RU" dirty="0"/>
-              <a:t>Треугольник содержит точки и единолично ими владеет.</a:t>
-            </a:r>
+              <a:t>Зависимость — наиболее слабая связь между классами среди рассмотренных отношений. Эта слабость даёт наибольшую гибкость — каждый вызов метода Клиента может иметь дело с новым Поставщиком. За эту гибкость приходится платить — зависимость транзитивна. Она распространяется на всех пользователей Клиента — они должны уметь создать Поставщика перед тем как передать его Клиенту в качестве параметра и знать, что делать с Поставщиком, которого им вернул Клиент. При композиции и агрегации зависимость не распространяется, так как Целое скрывает свои Части в приватной области.</a:t>
+            </a:r>
+          </a:p>
+          <a:p>
+            <a:r>
+              <a:rPr lang="ru-RU" dirty="0"/>
+              <a:t>На схеме показан класс </a:t>
+            </a:r>
+            <a:r>
+              <a:rPr lang="en-US" dirty="0"/>
+              <a:t>Foo</a:t>
+            </a:r>
+            <a:r>
+              <a:rPr lang="ru-RU" dirty="0"/>
+              <a:t>, один из методов которого возвращает экземпляры </a:t>
+            </a:r>
+            <a:r>
+              <a:rPr lang="en-US" dirty="0"/>
+              <a:t>Bar</a:t>
+            </a:r>
+            <a:r>
+              <a:rPr lang="ru-RU" dirty="0"/>
+              <a:t>. Метод класса </a:t>
+            </a:r>
+            <a:r>
+              <a:rPr lang="en-US" dirty="0"/>
+              <a:t>Bar</a:t>
+            </a:r>
+            <a:r>
+              <a:rPr lang="ru-RU" dirty="0"/>
+              <a:t>, в свою очередь принимает экземпляры класса </a:t>
+            </a:r>
+            <a:r>
+              <a:rPr lang="en-US" dirty="0"/>
+              <a:t>Baz.</a:t>
+            </a:r>
+          </a:p>
+          <a:p>
+            <a:r>
+              <a:rPr lang="ru-RU" dirty="0"/>
+              <a:t>Поэтому на клиентов класса </a:t>
+            </a:r>
+            <a:r>
+              <a:rPr lang="en-US" dirty="0"/>
+              <a:t>Foo </a:t>
+            </a:r>
+            <a:r>
+              <a:rPr lang="ru-RU" dirty="0"/>
+              <a:t>распространяется знание не только о классе </a:t>
+            </a:r>
+            <a:r>
+              <a:rPr lang="en-US" dirty="0"/>
+              <a:t>Bar</a:t>
+            </a:r>
+            <a:r>
+              <a:rPr lang="ru-RU" dirty="0"/>
+              <a:t>, но и о классе </a:t>
+            </a:r>
+            <a:r>
+              <a:rPr lang="en-US" dirty="0"/>
+              <a:t>Baz</a:t>
+            </a:r>
+            <a:endParaRPr lang="ru-RU" dirty="0"/>
           </a:p>
         </p:txBody>
       </p:sp>
@@ -1973,7 +1958,7 @@
     </p:spTree>
     <p:extLst>
       <p:ext uri="{BB962C8B-B14F-4D97-AF65-F5344CB8AC3E}">
-        <p14:creationId xmlns:p14="http://schemas.microsoft.com/office/powerpoint/2010/main" val="747000592"/>
+        <p14:creationId xmlns:p14="http://schemas.microsoft.com/office/powerpoint/2010/main" val="2644860739"/>
       </p:ext>
     </p:extLst>
   </p:cSld>
@@ -2010,12 +1995,7 @@
             <p:ph type="sldImg"/>
           </p:nvPr>
         </p:nvSpPr>
-        <p:spPr>
-          <a:xfrm>
-            <a:off x="381000" y="685800"/>
-            <a:ext cx="6096000" cy="3429000"/>
-          </a:xfrm>
-        </p:spPr>
+        <p:spPr/>
       </p:sp>
       <p:sp>
         <p:nvSpPr>
@@ -2034,72 +2014,29 @@
           <a:p>
             <a:r>
               <a:rPr lang="ru-RU" dirty="0"/>
-              <a:t>Один из способов визуализации структуры программы — диаграмма классов. Диаграмма визуализирует классы и интерфейсы, из которых состоит программа или её часть, свойства и методы классов, а также связи между компонентами программы. Используемые обозначения основываются на упрощённой нотации универсального языка моделирования </a:t>
-            </a:r>
-            <a:r>
-              <a:rPr lang="en-US" dirty="0"/>
-              <a:t>UML</a:t>
-            </a:r>
+              <a:t>Подобно тому, как функции и методы состоят из определённого набора инструкций, решающих нужную задачу, классы программы создаются и взаимодействуют по определённым правилам.</a:t>
+            </a:r>
+          </a:p>
+          <a:p>
             <a:r>
               <a:rPr lang="ru-RU" dirty="0"/>
-              <a:t>.</a:t>
+              <a:t>Понимание этих правил позволяет создавать программы не методом проб и ошибок, а проектировать и анализировать архитектуру программы ещё до того, как вы напишете первую строчку кода. В результате вы будете иметь представление о том, из каких классов должна состоять ваша программа и о связях между ними. Также вы можете обсудить структуру программы с коллегами и распределить работу над ней.</a:t>
             </a:r>
           </a:p>
           <a:p>
             <a:r>
               <a:rPr lang="ru-RU" dirty="0"/>
-              <a:t>Класс обозначается прямоугольником, содержащим имя класса, его методы и поля. Перед именем публичного метода и поля класса может ставиться символ +, а приватного — символ -. Тип полей, аргументов и возвращаемых значений указывается после двоеточия. Указатели, ссылки, а также тип </a:t>
-            </a:r>
-            <a:r>
-              <a:rPr lang="ru-RU" dirty="0" err="1"/>
-              <a:t>void</a:t>
-            </a:r>
+              <a:t>Обнаруженную на этапе проектирования ошибку легко исправить — ведь вам не нужно переписывать ненаписанный код. Аналогия из реального мира: пока дом существует лишь на бумаге, вносить в него изменения легче, чем когда дом уже построен.</a:t>
+            </a:r>
+          </a:p>
+          <a:p>
             <a:r>
               <a:rPr lang="ru-RU" dirty="0"/>
-              <a:t> для краткости записи можно опустить.</a:t>
-            </a:r>
-          </a:p>
-          <a:p>
-            <a:r>
-              <a:rPr lang="ru-RU" dirty="0"/>
-              <a:t>Приватная часть класса, часть публичных методов или все публичные методы, несущественные на данной схеме, могут быть пропущены:</a:t>
-            </a:r>
-          </a:p>
-          <a:p>
-            <a:r>
-              <a:rPr lang="ru-RU" dirty="0"/>
-              <a:t>Стандартные классы вроде </a:t>
-            </a:r>
-            <a:r>
-              <a:rPr lang="ru-RU" dirty="0" err="1"/>
-              <a:t>string</a:t>
-            </a:r>
-            <a:r>
-              <a:rPr lang="ru-RU" dirty="0"/>
-              <a:t>, </a:t>
-            </a:r>
-            <a:r>
-              <a:rPr lang="ru-RU" dirty="0" err="1"/>
-              <a:t>vector</a:t>
-            </a:r>
-            <a:r>
-              <a:rPr lang="ru-RU" dirty="0"/>
-              <a:t>, а также несущественные для диаграммы классы обычно на ней не отображаются.</a:t>
-            </a:r>
-          </a:p>
-          <a:p>
-            <a:r>
-              <a:rPr lang="ru-RU" dirty="0"/>
-              <a:t>Перечислимые типы отображаются похожим на класс образом, с той лишь разницей, что перед именем класса записывают слово </a:t>
-            </a:r>
-            <a:r>
-              <a:rPr lang="ru-RU" b="1" dirty="0" err="1"/>
-              <a:t>enumeration</a:t>
-            </a:r>
-            <a:r>
-              <a:rPr lang="ru-RU" dirty="0"/>
-              <a:t>.</a:t>
-            </a:r>
+              <a:t>Вы научитесь визуализировать архитектуру программы и узнаете о свойствах связей между классами. Благодаря этому вы сможете обозревать структуру программы «‎с высоты птичьего полёта» и принимать стратегические решения, касающиеся её архитектуры.</a:t>
+            </a:r>
+          </a:p>
+          <a:p>
+            <a:endParaRPr lang="ru-RU" dirty="0"/>
           </a:p>
           <a:p>
             <a:endParaRPr lang="ru-RU" dirty="0"/>
@@ -2136,7 +2073,7 @@
     </p:spTree>
     <p:extLst>
       <p:ext uri="{BB962C8B-B14F-4D97-AF65-F5344CB8AC3E}">
-        <p14:creationId xmlns:p14="http://schemas.microsoft.com/office/powerpoint/2010/main" val="3848146414"/>
+        <p14:creationId xmlns:p14="http://schemas.microsoft.com/office/powerpoint/2010/main" val="984958762"/>
       </p:ext>
     </p:extLst>
   </p:cSld>
@@ -2196,12 +2133,8 @@
           <a:lstStyle/>
           <a:p>
             <a:r>
-              <a:rPr lang="ru-RU" dirty="0" err="1"/>
-              <a:t>Graphics</a:t>
-            </a:r>
-            <a:r>
               <a:rPr lang="ru-RU" dirty="0"/>
-              <a:t> хранит ссылку на растровое изображение, на котором рисует графические примитивы</a:t>
+              <a:t>Треугольник содержит точки и единолично ими владеет.</a:t>
             </a:r>
           </a:p>
         </p:txBody>
@@ -2224,7 +2157,7 @@
             <a:fld id="{7AD27560-579B-482E-BED7-036450DE1808}" type="slidenum">
               <a:rPr lang="ru-RU" smtClean="0"/>
               <a:pPr/>
-              <a:t>22</a:t>
+              <a:t>23</a:t>
             </a:fld>
             <a:endParaRPr lang="ru-RU"/>
           </a:p>
@@ -2233,7 +2166,7 @@
     </p:spTree>
     <p:extLst>
       <p:ext uri="{BB962C8B-B14F-4D97-AF65-F5344CB8AC3E}">
-        <p14:creationId xmlns:p14="http://schemas.microsoft.com/office/powerpoint/2010/main" val="227594354"/>
+        <p14:creationId xmlns:p14="http://schemas.microsoft.com/office/powerpoint/2010/main" val="747000592"/>
       </p:ext>
     </p:extLst>
   </p:cSld>
@@ -2293,24 +2226,12 @@
           <a:lstStyle/>
           <a:p>
             <a:r>
-              <a:rPr lang="ru-RU" dirty="0"/>
-              <a:t>Треугольник использует </a:t>
-            </a:r>
-            <a:r>
               <a:rPr lang="ru-RU" dirty="0" err="1"/>
               <a:t>Graphics</a:t>
             </a:r>
             <a:r>
               <a:rPr lang="ru-RU" dirty="0"/>
-              <a:t> в методе </a:t>
-            </a:r>
-            <a:r>
-              <a:rPr lang="ru-RU" dirty="0" err="1"/>
-              <a:t>Draw</a:t>
-            </a:r>
-            <a:r>
-              <a:rPr lang="ru-RU" dirty="0"/>
-              <a:t>, чтобы нарисовать на нём своё изображение.</a:t>
+              <a:t> хранит ссылку на растровое изображение, на котором рисует графические примитивы</a:t>
             </a:r>
           </a:p>
         </p:txBody>
@@ -2333,7 +2254,7 @@
             <a:fld id="{7AD27560-579B-482E-BED7-036450DE1808}" type="slidenum">
               <a:rPr lang="ru-RU" smtClean="0"/>
               <a:pPr/>
-              <a:t>23</a:t>
+              <a:t>24</a:t>
             </a:fld>
             <a:endParaRPr lang="ru-RU"/>
           </a:p>
@@ -2342,7 +2263,7 @@
     </p:spTree>
     <p:extLst>
       <p:ext uri="{BB962C8B-B14F-4D97-AF65-F5344CB8AC3E}">
-        <p14:creationId xmlns:p14="http://schemas.microsoft.com/office/powerpoint/2010/main" val="1892740549"/>
+        <p14:creationId xmlns:p14="http://schemas.microsoft.com/office/powerpoint/2010/main" val="227594354"/>
       </p:ext>
     </p:extLst>
   </p:cSld>
@@ -2403,91 +2324,23 @@
           <a:p>
             <a:r>
               <a:rPr lang="ru-RU" dirty="0"/>
-              <a:t>Вам представлены несколько диаграмм, выражающих отношения между классами </a:t>
-            </a:r>
-            <a:r>
-              <a:rPr lang="en-US" dirty="0">
-                <a:solidFill>
-                  <a:srgbClr val="EB5757"/>
-                </a:solidFill>
-                <a:effectLst/>
-                <a:latin typeface="SFMono-Regular"/>
-              </a:rPr>
-              <a:t>House</a:t>
-            </a:r>
-            <a:r>
-              <a:rPr lang="en-US" dirty="0"/>
-              <a:t>, </a:t>
-            </a:r>
-            <a:r>
-              <a:rPr lang="en-US" dirty="0">
-                <a:solidFill>
-                  <a:srgbClr val="EB5757"/>
-                </a:solidFill>
-                <a:effectLst/>
-                <a:latin typeface="SFMono-Regular"/>
-              </a:rPr>
-              <a:t>Wall</a:t>
-            </a:r>
-            <a:r>
-              <a:rPr lang="en-US" dirty="0"/>
-              <a:t>, </a:t>
-            </a:r>
-            <a:r>
-              <a:rPr lang="en-US" dirty="0">
-                <a:solidFill>
-                  <a:srgbClr val="EB5757"/>
-                </a:solidFill>
-                <a:effectLst/>
-                <a:latin typeface="SFMono-Regular"/>
-              </a:rPr>
-              <a:t>Base</a:t>
-            </a:r>
-            <a:r>
-              <a:rPr lang="en-US" dirty="0"/>
-              <a:t>, </a:t>
-            </a:r>
-            <a:r>
-              <a:rPr lang="en-US" dirty="0">
-                <a:solidFill>
-                  <a:srgbClr val="EB5757"/>
-                </a:solidFill>
-                <a:effectLst/>
-                <a:latin typeface="SFMono-Regular"/>
-              </a:rPr>
-              <a:t>Roof</a:t>
-            </a:r>
-            <a:r>
-              <a:rPr lang="ru-RU" dirty="0">
-                <a:solidFill>
-                  <a:srgbClr val="EB5757"/>
-                </a:solidFill>
-                <a:effectLst/>
-                <a:latin typeface="SFMono-Regular"/>
-              </a:rPr>
-              <a:t> </a:t>
+              <a:t>Треугольник использует </a:t>
+            </a:r>
+            <a:r>
+              <a:rPr lang="ru-RU" dirty="0" err="1"/>
+              <a:t>Graphics</a:t>
             </a:r>
             <a:r>
               <a:rPr lang="ru-RU" dirty="0"/>
-              <a:t>и </a:t>
-            </a:r>
-            <a:r>
-              <a:rPr lang="en-US" dirty="0">
-                <a:solidFill>
-                  <a:srgbClr val="EB5757"/>
-                </a:solidFill>
-                <a:effectLst/>
-                <a:latin typeface="SFMono-Regular"/>
-              </a:rPr>
-              <a:t>Window</a:t>
-            </a:r>
-            <a:r>
-              <a:rPr lang="en-US" dirty="0"/>
-              <a:t>. </a:t>
+              <a:t> в методе </a:t>
+            </a:r>
+            <a:r>
+              <a:rPr lang="ru-RU" dirty="0" err="1"/>
+              <a:t>Draw</a:t>
             </a:r>
             <a:r>
               <a:rPr lang="ru-RU" dirty="0"/>
-              <a:t>Выберите среди них одну правильную.</a:t>
+              <a:t>, чтобы нарисовать на нём своё изображение.</a:t>
             </a:r>
           </a:p>
         </p:txBody>
@@ -2510,7 +2363,184 @@
             <a:fld id="{7AD27560-579B-482E-BED7-036450DE1808}" type="slidenum">
               <a:rPr lang="ru-RU" smtClean="0"/>
               <a:pPr/>
-              <a:t>24</a:t>
+              <a:t>25</a:t>
+            </a:fld>
+            <a:endParaRPr lang="ru-RU"/>
+          </a:p>
+        </p:txBody>
+      </p:sp>
+    </p:spTree>
+    <p:extLst>
+      <p:ext uri="{BB962C8B-B14F-4D97-AF65-F5344CB8AC3E}">
+        <p14:creationId xmlns:p14="http://schemas.microsoft.com/office/powerpoint/2010/main" val="1892740549"/>
+      </p:ext>
+    </p:extLst>
+  </p:cSld>
+  <p:clrMapOvr>
+    <a:masterClrMapping/>
+  </p:clrMapOvr>
+</p:notes>
+</file>
+
+<file path=ppt/notesSlides/notesSlide23.xml><?xml version="1.0" encoding="utf-8"?>
+<p:notes xmlns:a="http://schemas.openxmlformats.org/drawingml/2006/main" xmlns:r="http://schemas.openxmlformats.org/officeDocument/2006/relationships" xmlns:p="http://schemas.openxmlformats.org/presentationml/2006/main">
+  <p:cSld>
+    <p:spTree>
+      <p:nvGrpSpPr>
+        <p:cNvPr id="1" name=""/>
+        <p:cNvGrpSpPr/>
+        <p:nvPr/>
+      </p:nvGrpSpPr>
+      <p:grpSpPr>
+        <a:xfrm>
+          <a:off x="0" y="0"/>
+          <a:ext cx="0" cy="0"/>
+          <a:chOff x="0" y="0"/>
+          <a:chExt cx="0" cy="0"/>
+        </a:xfrm>
+      </p:grpSpPr>
+      <p:sp>
+        <p:nvSpPr>
+          <p:cNvPr id="2" name="Образ слайда 1"/>
+          <p:cNvSpPr>
+            <a:spLocks noGrp="1" noRot="1" noChangeAspect="1"/>
+          </p:cNvSpPr>
+          <p:nvPr>
+            <p:ph type="sldImg"/>
+          </p:nvPr>
+        </p:nvSpPr>
+        <p:spPr>
+          <a:xfrm>
+            <a:off x="381000" y="685800"/>
+            <a:ext cx="6096000" cy="3429000"/>
+          </a:xfrm>
+        </p:spPr>
+      </p:sp>
+      <p:sp>
+        <p:nvSpPr>
+          <p:cNvPr id="3" name="Заметки 2"/>
+          <p:cNvSpPr>
+            <a:spLocks noGrp="1"/>
+          </p:cNvSpPr>
+          <p:nvPr>
+            <p:ph type="body" idx="1"/>
+          </p:nvPr>
+        </p:nvSpPr>
+        <p:spPr/>
+        <p:txBody>
+          <a:bodyPr/>
+          <a:lstStyle/>
+          <a:p>
+            <a:r>
+              <a:rPr lang="ru-RU" dirty="0"/>
+              <a:t>Вам представлены несколько диаграмм, выражающих отношения между классами </a:t>
+            </a:r>
+            <a:r>
+              <a:rPr lang="en-US" dirty="0">
+                <a:solidFill>
+                  <a:srgbClr val="EB5757"/>
+                </a:solidFill>
+                <a:effectLst/>
+                <a:latin typeface="SFMono-Regular"/>
+              </a:rPr>
+              <a:t>House</a:t>
+            </a:r>
+            <a:r>
+              <a:rPr lang="en-US" dirty="0"/>
+              <a:t>, </a:t>
+            </a:r>
+            <a:r>
+              <a:rPr lang="en-US" dirty="0">
+                <a:solidFill>
+                  <a:srgbClr val="EB5757"/>
+                </a:solidFill>
+                <a:effectLst/>
+                <a:latin typeface="SFMono-Regular"/>
+              </a:rPr>
+              <a:t>Wall</a:t>
+            </a:r>
+            <a:r>
+              <a:rPr lang="en-US" dirty="0"/>
+              <a:t>, </a:t>
+            </a:r>
+            <a:r>
+              <a:rPr lang="en-US" dirty="0">
+                <a:solidFill>
+                  <a:srgbClr val="EB5757"/>
+                </a:solidFill>
+                <a:effectLst/>
+                <a:latin typeface="SFMono-Regular"/>
+              </a:rPr>
+              <a:t>Base</a:t>
+            </a:r>
+            <a:r>
+              <a:rPr lang="en-US" dirty="0"/>
+              <a:t>, </a:t>
+            </a:r>
+            <a:r>
+              <a:rPr lang="en-US" dirty="0">
+                <a:solidFill>
+                  <a:srgbClr val="EB5757"/>
+                </a:solidFill>
+                <a:effectLst/>
+                <a:latin typeface="SFMono-Regular"/>
+              </a:rPr>
+              <a:t>Roof</a:t>
+            </a:r>
+            <a:r>
+              <a:rPr lang="ru-RU" dirty="0">
+                <a:solidFill>
+                  <a:srgbClr val="EB5757"/>
+                </a:solidFill>
+                <a:effectLst/>
+                <a:latin typeface="SFMono-Regular"/>
+              </a:rPr>
+              <a:t> </a:t>
+            </a:r>
+            <a:r>
+              <a:rPr lang="ru-RU" dirty="0"/>
+              <a:t>и </a:t>
+            </a:r>
+            <a:r>
+              <a:rPr lang="en-US" dirty="0">
+                <a:solidFill>
+                  <a:srgbClr val="EB5757"/>
+                </a:solidFill>
+                <a:effectLst/>
+                <a:latin typeface="SFMono-Regular"/>
+              </a:rPr>
+              <a:t>Window</a:t>
+            </a:r>
+            <a:r>
+              <a:rPr lang="en-US" dirty="0"/>
+              <a:t>. </a:t>
+            </a:r>
+            <a:r>
+              <a:rPr lang="ru-RU" dirty="0"/>
+              <a:t>Выберите среди них одну правильную.</a:t>
+            </a:r>
+          </a:p>
+        </p:txBody>
+      </p:sp>
+      <p:sp>
+        <p:nvSpPr>
+          <p:cNvPr id="4" name="Номер слайда 3"/>
+          <p:cNvSpPr>
+            <a:spLocks noGrp="1"/>
+          </p:cNvSpPr>
+          <p:nvPr>
+            <p:ph type="sldNum" sz="quarter" idx="5"/>
+          </p:nvPr>
+        </p:nvSpPr>
+        <p:spPr/>
+        <p:txBody>
+          <a:bodyPr/>
+          <a:lstStyle/>
+          <a:p>
+            <a:fld id="{7AD27560-579B-482E-BED7-036450DE1808}" type="slidenum">
+              <a:rPr lang="ru-RU" smtClean="0"/>
+              <a:pPr/>
+              <a:t>26</a:t>
             </a:fld>
             <a:endParaRPr lang="ru-RU"/>
           </a:p>
@@ -2578,27 +2608,77 @@
           <a:bodyPr/>
           <a:lstStyle/>
           <a:p>
-            <a:pPr marL="0" marR="0" lvl="0" indent="0" algn="l" defTabSz="914400" rtl="0" eaLnBrk="1" fontAlgn="auto" latinLnBrk="0" hangingPunct="1">
-              <a:lnSpc>
-                <a:spcPct val="100000"/>
-              </a:lnSpc>
-              <a:spcBef>
-                <a:spcPts val="0"/>
-              </a:spcBef>
-              <a:spcAft>
-                <a:spcPts val="0"/>
-              </a:spcAft>
-              <a:buClrTx/>
-              <a:buSzTx/>
-              <a:buFontTx/>
-              <a:buNone/>
-              <a:tabLst/>
-              <a:defRPr/>
-            </a:pPr>
             <a:r>
               <a:rPr lang="ru-RU" dirty="0"/>
-              <a:t>Композиция — один из самых простых способов создать новый тип данных, используя функционал уже имеющихся. При композиции мы получаем новый, более сложный тип, состоящий из одного или нескольких более простых объектов.</a:t>
-            </a:r>
+              <a:t>Один из способов визуализации структуры программы — диаграмма классов. Диаграмма визуализирует классы и интерфейсы, из которых состоит программа или её часть, свойства и методы классов, а также связи между компонентами программы. Используемые обозначения основываются на упрощённой нотации универсального языка моделирования </a:t>
+            </a:r>
+            <a:r>
+              <a:rPr lang="en-US" dirty="0"/>
+              <a:t>UML</a:t>
+            </a:r>
+            <a:r>
+              <a:rPr lang="ru-RU" dirty="0"/>
+              <a:t>.</a:t>
+            </a:r>
+          </a:p>
+          <a:p>
+            <a:r>
+              <a:rPr lang="ru-RU" dirty="0"/>
+              <a:t>Класс обозначается прямоугольником, содержащим имя класса, его методы и поля. Перед именем публичного метода и поля класса может ставиться символ +, а приватного — символ -. Тип полей, аргументов и возвращаемых значений указывается после двоеточия. Указатели, ссылки, а также тип </a:t>
+            </a:r>
+            <a:r>
+              <a:rPr lang="ru-RU" dirty="0" err="1"/>
+              <a:t>void</a:t>
+            </a:r>
+            <a:r>
+              <a:rPr lang="ru-RU" dirty="0"/>
+              <a:t> для краткости записи можно опустить.</a:t>
+            </a:r>
+          </a:p>
+          <a:p>
+            <a:r>
+              <a:rPr lang="ru-RU" dirty="0"/>
+              <a:t>Приватная часть класса, часть публичных методов или все публичные методы, несущественные на данной схеме, могут быть пропущены:</a:t>
+            </a:r>
+          </a:p>
+          <a:p>
+            <a:r>
+              <a:rPr lang="ru-RU" dirty="0"/>
+              <a:t>Стандартные классы вроде </a:t>
+            </a:r>
+            <a:r>
+              <a:rPr lang="ru-RU" dirty="0" err="1"/>
+              <a:t>string</a:t>
+            </a:r>
+            <a:r>
+              <a:rPr lang="ru-RU" dirty="0"/>
+              <a:t>, </a:t>
+            </a:r>
+            <a:r>
+              <a:rPr lang="ru-RU" dirty="0" err="1"/>
+              <a:t>vector</a:t>
+            </a:r>
+            <a:r>
+              <a:rPr lang="ru-RU" dirty="0"/>
+              <a:t>, а также несущественные для диаграммы классы обычно на ней не отображаются.</a:t>
+            </a:r>
+          </a:p>
+          <a:p>
+            <a:r>
+              <a:rPr lang="ru-RU" dirty="0"/>
+              <a:t>Перечислимые типы отображаются похожим на класс образом, с той лишь разницей, что перед именем класса записывают слово </a:t>
+            </a:r>
+            <a:r>
+              <a:rPr lang="ru-RU" b="1" dirty="0" err="1"/>
+              <a:t>enumeration</a:t>
+            </a:r>
+            <a:r>
+              <a:rPr lang="ru-RU" dirty="0"/>
+              <a:t>.</a:t>
+            </a:r>
+          </a:p>
+          <a:p>
+            <a:endParaRPr lang="ru-RU" dirty="0"/>
           </a:p>
           <a:p>
             <a:endParaRPr lang="ru-RU" dirty="0"/>
@@ -2632,7 +2712,7 @@
     </p:spTree>
     <p:extLst>
       <p:ext uri="{BB962C8B-B14F-4D97-AF65-F5344CB8AC3E}">
-        <p14:creationId xmlns:p14="http://schemas.microsoft.com/office/powerpoint/2010/main" val="2406096540"/>
+        <p14:creationId xmlns:p14="http://schemas.microsoft.com/office/powerpoint/2010/main" val="3848146414"/>
       </p:ext>
     </p:extLst>
   </p:cSld>
@@ -2691,55 +2771,26 @@
           <a:bodyPr/>
           <a:lstStyle/>
           <a:p>
+            <a:pPr marL="0" marR="0" lvl="0" indent="0" algn="l" defTabSz="914400" rtl="0" eaLnBrk="1" fontAlgn="auto" latinLnBrk="0" hangingPunct="1">
+              <a:lnSpc>
+                <a:spcPct val="100000"/>
+              </a:lnSpc>
+              <a:spcBef>
+                <a:spcPts val="0"/>
+              </a:spcBef>
+              <a:spcAft>
+                <a:spcPts val="0"/>
+              </a:spcAft>
+              <a:buClrTx/>
+              <a:buSzTx/>
+              <a:buFontTx/>
+              <a:buNone/>
+              <a:tabLst/>
+              <a:defRPr/>
+            </a:pPr>
             <a:r>
               <a:rPr lang="ru-RU" dirty="0"/>
-              <a:t>Особенности:</a:t>
-            </a:r>
-          </a:p>
-          <a:p>
-            <a:pPr>
-              <a:buFont typeface="Arial" panose="020B0604020202020204" pitchFamily="34" charset="0"/>
-              <a:buChar char="•"/>
-            </a:pPr>
-            <a:r>
-              <a:rPr lang="ru-RU" dirty="0"/>
-              <a:t>Один объект является Частью другого, составного объекта.</a:t>
-            </a:r>
-          </a:p>
-          <a:p>
-            <a:pPr>
-              <a:buFont typeface="Arial" panose="020B0604020202020204" pitchFamily="34" charset="0"/>
-              <a:buChar char="•"/>
-            </a:pPr>
-            <a:r>
-              <a:rPr lang="ru-RU" dirty="0"/>
-              <a:t>Часть в один момент времени может принадлежать только одному составному объекту.</a:t>
-            </a:r>
-          </a:p>
-          <a:p>
-            <a:pPr>
-              <a:buFont typeface="Arial" panose="020B0604020202020204" pitchFamily="34" charset="0"/>
-              <a:buChar char="•"/>
-            </a:pPr>
-            <a:r>
-              <a:rPr lang="ru-RU" dirty="0"/>
-              <a:t>Составной объект управляет своими частями. В частности, когда объект удаляется, его части должны быть также удалены.</a:t>
-            </a:r>
-          </a:p>
-          <a:p>
-            <a:pPr>
-              <a:buFont typeface="Arial" panose="020B0604020202020204" pitchFamily="34" charset="0"/>
-              <a:buChar char="•"/>
-            </a:pPr>
-            <a:r>
-              <a:rPr lang="ru-RU" dirty="0"/>
-              <a:t>Часть не знает о существовании объекта, который ею владеет.</a:t>
-            </a:r>
-          </a:p>
-          <a:p>
-            <a:r>
-              <a:rPr lang="ru-RU" dirty="0"/>
-              <a:t>В C++ мы обычно используем композицию, когда объявляем структуру или класс.</a:t>
+              <a:t>Композиция — один из самых простых способов создать новый тип данных, используя функционал уже имеющихся. При композиции мы получаем новый, более сложный тип, состоящий из одного или нескольких более простых объектов.</a:t>
             </a:r>
           </a:p>
           <a:p>
@@ -2774,7 +2825,7 @@
     </p:spTree>
     <p:extLst>
       <p:ext uri="{BB962C8B-B14F-4D97-AF65-F5344CB8AC3E}">
-        <p14:creationId xmlns:p14="http://schemas.microsoft.com/office/powerpoint/2010/main" val="1361405534"/>
+        <p14:creationId xmlns:p14="http://schemas.microsoft.com/office/powerpoint/2010/main" val="2406096540"/>
       </p:ext>
     </p:extLst>
   </p:cSld>
@@ -2835,7 +2886,7 @@
           <a:p>
             <a:r>
               <a:rPr lang="ru-RU" dirty="0"/>
-              <a:t>Примеры композиции:</a:t>
+              <a:t>Особенности:</a:t>
             </a:r>
           </a:p>
           <a:p>
@@ -2845,7 +2896,7 @@
             </a:pPr>
             <a:r>
               <a:rPr lang="ru-RU" dirty="0"/>
-              <a:t>Точка на плоскости состоит из двух чисел, хранящих её координаты.</a:t>
+              <a:t>Один объект является Частью другого, составного объекта.</a:t>
             </a:r>
           </a:p>
           <a:p>
@@ -2855,7 +2906,7 @@
             </a:pPr>
             <a:r>
               <a:rPr lang="ru-RU" dirty="0"/>
-              <a:t>Окружность состоит из точки, задающей координаты центра, и числа, задающего радиус.</a:t>
+              <a:t>Часть в один момент времени может принадлежать только одному составному объекту.</a:t>
             </a:r>
           </a:p>
           <a:p>
@@ -2865,7 +2916,7 @@
             </a:pPr>
             <a:r>
               <a:rPr lang="ru-RU" dirty="0"/>
-              <a:t>Осьминог состоит из головы и нескольких щупалец.</a:t>
+              <a:t>Составной объект управляет своими частями. В частности, когда объект удаляется, его части должны быть также удалены.</a:t>
             </a:r>
           </a:p>
           <a:p>
@@ -2875,7 +2926,13 @@
             </a:pPr>
             <a:r>
               <a:rPr lang="ru-RU" dirty="0"/>
-              <a:t>Класс рациональных чисел состоит из двух целых чисел — числителя и знаменателя.</a:t>
+              <a:t>Часть не знает о существовании объекта, который ею владеет.</a:t>
+            </a:r>
+          </a:p>
+          <a:p>
+            <a:r>
+              <a:rPr lang="ru-RU" dirty="0"/>
+              <a:t>В C++ мы обычно используем композицию, когда объявляем структуру или класс.</a:t>
             </a:r>
           </a:p>
           <a:p>
@@ -2910,7 +2967,7 @@
     </p:spTree>
     <p:extLst>
       <p:ext uri="{BB962C8B-B14F-4D97-AF65-F5344CB8AC3E}">
-        <p14:creationId xmlns:p14="http://schemas.microsoft.com/office/powerpoint/2010/main" val="3668715743"/>
+        <p14:creationId xmlns:p14="http://schemas.microsoft.com/office/powerpoint/2010/main" val="1361405534"/>
       </p:ext>
     </p:extLst>
   </p:cSld>
@@ -2971,8 +3028,41 @@
           <a:p>
             <a:r>
               <a:rPr lang="ru-RU" dirty="0"/>
-              <a:t>Композиция позволяет с лёгкостью создавать сложные объекты из более простых. Однажды разработав и протестировав класс, мы можем многократно использовать его как надёжный «кирпичик» в составе более крупных компонентов нашей программы. Классы стандартной библиотеки C++ являются хорошим примером таких «кирпичиков». </a:t>
-            </a:r>
+              <a:t>Примеры композиции:</a:t>
+            </a:r>
+          </a:p>
+          <a:p>
+            <a:pPr>
+              <a:buFont typeface="Arial" panose="020B0604020202020204" pitchFamily="34" charset="0"/>
+              <a:buChar char="•"/>
+            </a:pPr>
+            <a:r>
+              <a:rPr lang="ru-RU" dirty="0"/>
+              <a:t>Точка на плоскости состоит из двух чисел, хранящих её координаты.</a:t>
+            </a:r>
+          </a:p>
+          <a:p>
+            <a:pPr>
+              <a:buFont typeface="Arial" panose="020B0604020202020204" pitchFamily="34" charset="0"/>
+              <a:buChar char="•"/>
+            </a:pPr>
+            <a:r>
+              <a:rPr lang="ru-RU" dirty="0"/>
+              <a:t>Окружность состоит из точки, задающей координаты центра, и числа, задающего радиус.</a:t>
+            </a:r>
+          </a:p>
+          <a:p>
+            <a:pPr>
+              <a:buFont typeface="Arial" panose="020B0604020202020204" pitchFamily="34" charset="0"/>
+              <a:buChar char="•"/>
+            </a:pPr>
+            <a:r>
+              <a:rPr lang="ru-RU" dirty="0"/>
+              <a:t>Класс рациональных чисел состоит из двух целых чисел — числителя и знаменателя.</a:t>
+            </a:r>
+          </a:p>
+          <a:p>
+            <a:endParaRPr lang="ru-RU" dirty="0"/>
           </a:p>
         </p:txBody>
       </p:sp>
@@ -3003,7 +3093,7 @@
     </p:spTree>
     <p:extLst>
       <p:ext uri="{BB962C8B-B14F-4D97-AF65-F5344CB8AC3E}">
-        <p14:creationId xmlns:p14="http://schemas.microsoft.com/office/powerpoint/2010/main" val="27535934"/>
+        <p14:creationId xmlns:p14="http://schemas.microsoft.com/office/powerpoint/2010/main" val="3668715743"/>
       </p:ext>
     </p:extLst>
   </p:cSld>
@@ -3064,37 +3154,7 @@
           <a:p>
             <a:r>
               <a:rPr lang="ru-RU" dirty="0"/>
-              <a:t>На диаграмме классов композиция обозначается соединительной линией с закрашенным ромбом, исходящим от составного объекта. Со стороны включаемого объекта наконечника может и не быть.</a:t>
-            </a:r>
-          </a:p>
-          <a:p>
-            <a:r>
-              <a:rPr lang="ru-RU" dirty="0"/>
-              <a:t>Ограничений на количество включений простого объекта в состав более сложного нет. В приведённом примере </a:t>
-            </a:r>
-            <a:r>
-              <a:rPr lang="ru-RU" dirty="0" err="1"/>
-              <a:t>Circle</a:t>
-            </a:r>
-            <a:r>
-              <a:rPr lang="ru-RU" dirty="0"/>
-              <a:t> содержит один экземпляр </a:t>
-            </a:r>
-            <a:r>
-              <a:rPr lang="ru-RU" dirty="0" err="1"/>
-              <a:t>Point</a:t>
-            </a:r>
-            <a:r>
-              <a:rPr lang="ru-RU" dirty="0"/>
-              <a:t>, а </a:t>
-            </a:r>
-            <a:r>
-              <a:rPr lang="ru-RU" dirty="0" err="1"/>
-              <a:t>Triangle</a:t>
-            </a:r>
-            <a:r>
-              <a:rPr lang="ru-RU" dirty="0"/>
-              <a:t> — три. Чтобы подчеркнуть множественный характер связи, на конце стрелочки может указываться количество экземпляров.</a:t>
+              <a:t>Композиция позволяет с лёгкостью создавать сложные объекты из более простых. Однажды разработав и протестировав класс, мы можем многократно использовать его как надёжный «кирпичик» в составе более крупных компонентов нашей программы. Классы стандартной библиотеки C++ являются хорошим примером таких «кирпичиков». </a:t>
             </a:r>
           </a:p>
         </p:txBody>
@@ -3126,7 +3186,7 @@
     </p:spTree>
     <p:extLst>
       <p:ext uri="{BB962C8B-B14F-4D97-AF65-F5344CB8AC3E}">
-        <p14:creationId xmlns:p14="http://schemas.microsoft.com/office/powerpoint/2010/main" val="914357788"/>
+        <p14:creationId xmlns:p14="http://schemas.microsoft.com/office/powerpoint/2010/main" val="27535934"/>
       </p:ext>
     </p:extLst>
   </p:cSld>
@@ -3187,141 +3247,38 @@
           <a:p>
             <a:r>
               <a:rPr lang="ru-RU" dirty="0"/>
-              <a:t>Составной класс, как правило, прячет свои члены-данные от доступа извне и управляет ими. Это позволяет сохранить состояние объекта согласованным. На следующей диаграмме представлен класс </a:t>
-            </a:r>
-            <a:r>
-              <a:rPr lang="ru-RU" dirty="0" err="1">
-                <a:solidFill>
-                  <a:srgbClr val="EB5757"/>
-                </a:solidFill>
-                <a:effectLst/>
-                <a:latin typeface="SFMono-Regular"/>
-              </a:rPr>
-              <a:t>AlarmClock</a:t>
-            </a:r>
+              <a:t>На диаграмме классов композиция обозначается соединительной линией с закрашенным ромбом, исходящим от составного объекта. Со стороны включаемого объекта наконечника может и не быть.</a:t>
+            </a:r>
+          </a:p>
+          <a:p>
             <a:r>
               <a:rPr lang="ru-RU" dirty="0"/>
-              <a:t>, который состоит из часов (</a:t>
+              <a:t>Ограничений на количество включений простого объекта в состав более сложного нет. В приведённом примере </a:t>
             </a:r>
             <a:r>
               <a:rPr lang="ru-RU" dirty="0" err="1"/>
-              <a:t>Clock</a:t>
+              <a:t>Circle</a:t>
             </a:r>
             <a:r>
               <a:rPr lang="ru-RU" dirty="0"/>
-              <a:t>), звукового устройства (</a:t>
+              <a:t> содержит один экземпляр </a:t>
             </a:r>
             <a:r>
               <a:rPr lang="ru-RU" dirty="0" err="1"/>
-              <a:t>Beeper</a:t>
+              <a:t>Point</a:t>
             </a:r>
             <a:r>
               <a:rPr lang="ru-RU" dirty="0"/>
-              <a:t>) и времени включения звукового сигнала. Пользователи Будильника не имеют доступа к содержащимся в нём полям </a:t>
-            </a:r>
-            <a:r>
-              <a:rPr lang="ru-RU" dirty="0" err="1">
-                <a:solidFill>
-                  <a:srgbClr val="EB5757"/>
-                </a:solidFill>
-                <a:effectLst/>
-                <a:latin typeface="SFMono-Regular"/>
-              </a:rPr>
-              <a:t>clock</a:t>
-            </a:r>
-            <a:r>
-              <a:rPr lang="ru-RU" dirty="0">
-                <a:solidFill>
-                  <a:srgbClr val="EB5757"/>
-                </a:solidFill>
-                <a:effectLst/>
-                <a:latin typeface="SFMono-Regular"/>
-              </a:rPr>
-              <a:t>_</a:t>
+              <a:t>, а </a:t>
+            </a:r>
+            <a:r>
+              <a:rPr lang="ru-RU" dirty="0" err="1"/>
+              <a:t>Triangle</a:t>
             </a:r>
             <a:r>
               <a:rPr lang="ru-RU" dirty="0"/>
-              <a:t> и </a:t>
-            </a:r>
-            <a:r>
-              <a:rPr lang="ru-RU" dirty="0" err="1">
-                <a:solidFill>
-                  <a:srgbClr val="EB5757"/>
-                </a:solidFill>
-                <a:effectLst/>
-                <a:latin typeface="SFMono-Regular"/>
-              </a:rPr>
-              <a:t>beeper</a:t>
-            </a:r>
-            <a:r>
-              <a:rPr lang="ru-RU" dirty="0">
-                <a:solidFill>
-                  <a:srgbClr val="EB5757"/>
-                </a:solidFill>
-                <a:effectLst/>
-                <a:latin typeface="SFMono-Regular"/>
-              </a:rPr>
-              <a:t>_</a:t>
-            </a:r>
-            <a:r>
-              <a:rPr lang="ru-RU" dirty="0"/>
-              <a:t>. Благодаря этому сигнал пробуждения прозвучит в тот момент, когда текущее время, предоставляемое часами, станет равно значению поля </a:t>
-            </a:r>
-            <a:r>
-              <a:rPr lang="ru-RU" dirty="0" err="1">
-                <a:solidFill>
-                  <a:srgbClr val="EB5757"/>
-                </a:solidFill>
-                <a:effectLst/>
-                <a:latin typeface="SFMono-Regular"/>
-              </a:rPr>
-              <a:t>alarm_time</a:t>
-            </a:r>
-            <a:r>
-              <a:rPr lang="ru-RU" dirty="0">
-                <a:solidFill>
-                  <a:srgbClr val="EB5757"/>
-                </a:solidFill>
-                <a:effectLst/>
-                <a:latin typeface="SFMono-Regular"/>
-              </a:rPr>
-              <a:t>_</a:t>
-            </a:r>
-            <a:r>
-              <a:rPr lang="ru-RU" dirty="0"/>
-              <a:t>.</a:t>
-            </a:r>
-          </a:p>
-          <a:p>
-            <a:r>
-              <a:rPr lang="ru-RU" dirty="0"/>
-              <a:t>То, что класс </a:t>
-            </a:r>
-            <a:r>
-              <a:rPr lang="ru-RU" dirty="0" err="1"/>
-              <a:t>Beeper</a:t>
-            </a:r>
-            <a:r>
-              <a:rPr lang="ru-RU" dirty="0"/>
-              <a:t> не знает об объектах, в которых он содержится, даёт возможность использовать </a:t>
-            </a:r>
-            <a:r>
-              <a:rPr lang="ru-RU" dirty="0" err="1"/>
-              <a:t>Beeper</a:t>
-            </a:r>
-            <a:r>
-              <a:rPr lang="ru-RU" dirty="0"/>
-              <a:t> не только в будильнике, но и, например, в игрушечной полицейской машине. Только в этом случае звуковой сигнал будет включён не по достижении определённого времени, а сразу при включении игрушки.</a:t>
-            </a:r>
-          </a:p>
-          <a:p>
-            <a:r>
-              <a:rPr lang="ru-RU" dirty="0"/>
-              <a:t>При разрушении составного объекта удаляются и входящие в его состав объекты. Например, при удалении папки должны быть удалены все содержащиеся в ней файлы.</a:t>
-            </a:r>
-          </a:p>
-          <a:p>
-            <a:endParaRPr lang="ru-RU" dirty="0"/>
+              <a:t> — три. Чтобы подчеркнуть множественный характер связи, на конце стрелочки может указываться количество экземпляров.</a:t>
+            </a:r>
           </a:p>
         </p:txBody>
       </p:sp>
@@ -3352,7 +3309,7 @@
     </p:spTree>
     <p:extLst>
       <p:ext uri="{BB962C8B-B14F-4D97-AF65-F5344CB8AC3E}">
-        <p14:creationId xmlns:p14="http://schemas.microsoft.com/office/powerpoint/2010/main" val="3688023569"/>
+        <p14:creationId xmlns:p14="http://schemas.microsoft.com/office/powerpoint/2010/main" val="914357788"/>
       </p:ext>
     </p:extLst>
   </p:cSld>
@@ -3412,15 +3369,141 @@
           <a:lstStyle/>
           <a:p>
             <a:r>
-              <a:rPr lang="ru-RU" b="0" i="0" dirty="0">
-                <a:solidFill>
-                  <a:srgbClr val="37352F"/>
+              <a:rPr lang="ru-RU" dirty="0"/>
+              <a:t>Составной класс, как правило, прячет свои члены-данные от доступа извне и управляет ими. Это позволяет сохранить состояние объекта согласованным. На следующей диаграмме представлен класс </a:t>
+            </a:r>
+            <a:r>
+              <a:rPr lang="ru-RU" dirty="0" err="1">
+                <a:solidFill>
+                  <a:srgbClr val="EB5757"/>
                 </a:solidFill>
                 <a:effectLst/>
-                <a:latin typeface="-apple-system"/>
-              </a:rPr>
-              <a:t>Агрегация — тоже пример отношений часть-целое, и реализуется она, подобно композиции, с использованием структур или классов. Различия между композицией и агрегацией в основном семантические.</a:t>
-            </a:r>
+                <a:latin typeface="SFMono-Regular"/>
+              </a:rPr>
+              <a:t>AlarmClock</a:t>
+            </a:r>
+            <a:r>
+              <a:rPr lang="ru-RU" dirty="0"/>
+              <a:t>, который состоит из часов (</a:t>
+            </a:r>
+            <a:r>
+              <a:rPr lang="ru-RU" dirty="0" err="1"/>
+              <a:t>Clock</a:t>
+            </a:r>
+            <a:r>
+              <a:rPr lang="ru-RU" dirty="0"/>
+              <a:t>), звукового устройства (</a:t>
+            </a:r>
+            <a:r>
+              <a:rPr lang="ru-RU" dirty="0" err="1"/>
+              <a:t>Beeper</a:t>
+            </a:r>
+            <a:r>
+              <a:rPr lang="ru-RU" dirty="0"/>
+              <a:t>) и времени включения звукового сигнала. Пользователи Будильника не имеют доступа к содержащимся в нём полям </a:t>
+            </a:r>
+            <a:r>
+              <a:rPr lang="ru-RU" dirty="0" err="1">
+                <a:solidFill>
+                  <a:srgbClr val="EB5757"/>
+                </a:solidFill>
+                <a:effectLst/>
+                <a:latin typeface="SFMono-Regular"/>
+              </a:rPr>
+              <a:t>clock</a:t>
+            </a:r>
+            <a:r>
+              <a:rPr lang="ru-RU" dirty="0">
+                <a:solidFill>
+                  <a:srgbClr val="EB5757"/>
+                </a:solidFill>
+                <a:effectLst/>
+                <a:latin typeface="SFMono-Regular"/>
+              </a:rPr>
+              <a:t>_</a:t>
+            </a:r>
+            <a:r>
+              <a:rPr lang="ru-RU" dirty="0"/>
+              <a:t> и </a:t>
+            </a:r>
+            <a:r>
+              <a:rPr lang="ru-RU" dirty="0" err="1">
+                <a:solidFill>
+                  <a:srgbClr val="EB5757"/>
+                </a:solidFill>
+                <a:effectLst/>
+                <a:latin typeface="SFMono-Regular"/>
+              </a:rPr>
+              <a:t>beeper</a:t>
+            </a:r>
+            <a:r>
+              <a:rPr lang="ru-RU" dirty="0">
+                <a:solidFill>
+                  <a:srgbClr val="EB5757"/>
+                </a:solidFill>
+                <a:effectLst/>
+                <a:latin typeface="SFMono-Regular"/>
+              </a:rPr>
+              <a:t>_</a:t>
+            </a:r>
+            <a:r>
+              <a:rPr lang="ru-RU" dirty="0"/>
+              <a:t>. Благодаря этому сигнал пробуждения прозвучит в тот момент, когда текущее время, предоставляемое часами, станет равно значению поля </a:t>
+            </a:r>
+            <a:r>
+              <a:rPr lang="ru-RU" dirty="0" err="1">
+                <a:solidFill>
+                  <a:srgbClr val="EB5757"/>
+                </a:solidFill>
+                <a:effectLst/>
+                <a:latin typeface="SFMono-Regular"/>
+              </a:rPr>
+              <a:t>alarm_time</a:t>
+            </a:r>
+            <a:r>
+              <a:rPr lang="ru-RU" dirty="0">
+                <a:solidFill>
+                  <a:srgbClr val="EB5757"/>
+                </a:solidFill>
+                <a:effectLst/>
+                <a:latin typeface="SFMono-Regular"/>
+              </a:rPr>
+              <a:t>_</a:t>
+            </a:r>
+            <a:r>
+              <a:rPr lang="ru-RU" dirty="0"/>
+              <a:t>.</a:t>
+            </a:r>
+          </a:p>
+          <a:p>
+            <a:r>
+              <a:rPr lang="ru-RU" dirty="0"/>
+              <a:t>То, что класс </a:t>
+            </a:r>
+            <a:r>
+              <a:rPr lang="ru-RU" dirty="0" err="1"/>
+              <a:t>Beeper</a:t>
+            </a:r>
+            <a:r>
+              <a:rPr lang="ru-RU" dirty="0"/>
+              <a:t> не знает об объектах, в которых он содержится, даёт возможность использовать </a:t>
+            </a:r>
+            <a:r>
+              <a:rPr lang="ru-RU" dirty="0" err="1"/>
+              <a:t>Beeper</a:t>
+            </a:r>
+            <a:r>
+              <a:rPr lang="ru-RU" dirty="0"/>
+              <a:t> не только в будильнике, но и, например, в игрушечной полицейской машине. Только в этом случае звуковой сигнал будет включён не по достижении определённого времени, а сразу при включении игрушки.</a:t>
+            </a:r>
+          </a:p>
+          <a:p>
+            <a:r>
+              <a:rPr lang="ru-RU" dirty="0"/>
+              <a:t>При разрушении составного объекта удаляются и входящие в его состав объекты. Например, при удалении папки должны быть удалены все содержащиеся в ней файлы.</a:t>
+            </a:r>
+          </a:p>
+          <a:p>
             <a:endParaRPr lang="ru-RU" dirty="0"/>
           </a:p>
         </p:txBody>
@@ -3452,7 +3535,7 @@
     </p:spTree>
     <p:extLst>
       <p:ext uri="{BB962C8B-B14F-4D97-AF65-F5344CB8AC3E}">
-        <p14:creationId xmlns:p14="http://schemas.microsoft.com/office/powerpoint/2010/main" val="471827487"/>
+        <p14:creationId xmlns:p14="http://schemas.microsoft.com/office/powerpoint/2010/main" val="3688023569"/>
       </p:ext>
     </p:extLst>
   </p:cSld>
@@ -6661,23 +6744,94 @@
           <a:chExt cx="0" cy="0"/>
         </a:xfrm>
       </p:grpSpPr>
-      <p:sp>
-        <p:nvSpPr>
-          <p:cNvPr id="2050" name="Rectangle 2"/>
+      <p:pic>
+        <p:nvPicPr>
+          <p:cNvPr id="5" name="Рисунок 4">
+            <a:extLst>
+              <a:ext uri="{FF2B5EF4-FFF2-40B4-BE49-F238E27FC236}">
+                <a16:creationId xmlns:a16="http://schemas.microsoft.com/office/drawing/2014/main" id="{043428A6-C2DB-41FE-9A27-384A9AB66A24}"/>
+              </a:ext>
+            </a:extLst>
+          </p:cNvPr>
+          <p:cNvPicPr>
+            <a:picLocks noChangeAspect="1"/>
+          </p:cNvPicPr>
+          <p:nvPr/>
+        </p:nvPicPr>
+        <p:blipFill>
+          <a:blip r:embed="rId3">
+            <a:extLst>
+              <a:ext uri="{BEBA8EAE-BF5A-486C-A8C5-ECC9F3942E4B}">
+                <a14:imgProps xmlns:a14="http://schemas.microsoft.com/office/drawing/2010/main">
+                  <a14:imgLayer r:embed="rId4">
+                    <a14:imgEffect>
+                      <a14:brightnessContrast bright="-20000"/>
+                    </a14:imgEffect>
+                  </a14:imgLayer>
+                </a14:imgProps>
+              </a:ext>
+              <a:ext uri="{28A0092B-C50C-407E-A947-70E740481C1C}">
+                <a14:useLocalDpi xmlns:a14="http://schemas.microsoft.com/office/drawing/2010/main" val="0"/>
+              </a:ext>
+            </a:extLst>
+          </a:blip>
+          <a:stretch>
+            <a:fillRect/>
+          </a:stretch>
+        </p:blipFill>
+        <p:spPr>
+          <a:xfrm>
+            <a:off x="0" y="-54429"/>
+            <a:ext cx="12192000" cy="6966858"/>
+          </a:xfrm>
+          <a:prstGeom prst="rect">
+            <a:avLst/>
+          </a:prstGeom>
+        </p:spPr>
+      </p:pic>
+      <p:sp>
+        <p:nvSpPr>
+          <p:cNvPr id="7" name="Заголовок 6">
+            <a:extLst>
+              <a:ext uri="{FF2B5EF4-FFF2-40B4-BE49-F238E27FC236}">
+                <a16:creationId xmlns:a16="http://schemas.microsoft.com/office/drawing/2014/main" id="{77CAD62A-E4D8-4B1B-9985-B57FC37A6792}"/>
+              </a:ext>
+            </a:extLst>
+          </p:cNvPr>
           <p:cNvSpPr>
-            <a:spLocks noGrp="1" noChangeArrowheads="1"/>
+            <a:spLocks noGrp="1"/>
           </p:cNvSpPr>
           <p:nvPr>
             <p:ph type="ctrTitle"/>
           </p:nvPr>
         </p:nvSpPr>
-        <p:spPr/>
+        <p:spPr>
+          <a:xfrm>
+            <a:off x="695400" y="1606781"/>
+            <a:ext cx="10801200" cy="3006650"/>
+          </a:xfrm>
+        </p:spPr>
         <p:txBody>
-          <a:bodyPr/>
+          <a:bodyPr>
+            <a:noAutofit/>
+          </a:bodyPr>
           <a:lstStyle/>
           <a:p>
-            <a:r>
-              <a:rPr lang="ru-RU" dirty="0"/>
+            <a:pPr algn="l"/>
+            <a:r>
+              <a:rPr lang="ru-RU" sz="8000" dirty="0">
+                <a:solidFill>
+                  <a:schemeClr val="bg1"/>
+                </a:solidFill>
+                <a:effectLst>
+                  <a:outerShdw blurRad="38100" dist="38100" dir="2700000" algn="tl">
+                    <a:srgbClr val="000000">
+                      <a:alpha val="43137"/>
+                    </a:srgbClr>
+                  </a:outerShdw>
+                </a:effectLst>
+                <a:latin typeface="Impact" panose="020B0806030902050204" pitchFamily="34" charset="0"/>
+              </a:rPr>
               <a:t>Отношения между классами</a:t>
             </a:r>
           </a:p>
@@ -6685,7 +6839,13 @@
       </p:sp>
       <p:sp>
         <p:nvSpPr>
-          <p:cNvPr id="5" name="Подзаголовок 4"/>
+          <p:cNvPr id="9" name="Подзаголовок 8">
+            <a:extLst>
+              <a:ext uri="{FF2B5EF4-FFF2-40B4-BE49-F238E27FC236}">
+                <a16:creationId xmlns:a16="http://schemas.microsoft.com/office/drawing/2014/main" id="{F4B82558-19EA-4C3E-B922-1C26A663A34E}"/>
+              </a:ext>
+            </a:extLst>
+          </p:cNvPr>
           <p:cNvSpPr>
             <a:spLocks noGrp="1"/>
           </p:cNvSpPr>
@@ -6693,16 +6853,30 @@
             <p:ph type="subTitle" idx="1"/>
           </p:nvPr>
         </p:nvSpPr>
-        <p:spPr/>
+        <p:spPr>
+          <a:xfrm>
+            <a:off x="1524000" y="4725144"/>
+            <a:ext cx="9144000" cy="1655762"/>
+          </a:xfrm>
+        </p:spPr>
         <p:txBody>
           <a:bodyPr/>
           <a:lstStyle/>
           <a:p>
-            <a:endParaRPr lang="ru-RU" dirty="0"/>
+            <a:endParaRPr lang="ru-RU" dirty="0">
+              <a:solidFill>
+                <a:schemeClr val="bg1"/>
+              </a:solidFill>
+            </a:endParaRPr>
           </a:p>
         </p:txBody>
       </p:sp>
     </p:spTree>
+    <p:extLst>
+      <p:ext uri="{BB962C8B-B14F-4D97-AF65-F5344CB8AC3E}">
+        <p14:creationId xmlns:p14="http://schemas.microsoft.com/office/powerpoint/2010/main" val="4239331289"/>
+      </p:ext>
+    </p:extLst>
   </p:cSld>
   <p:clrMapOvr>
     <a:masterClrMapping/>
@@ -6711,6 +6885,89 @@
 </file>
 
 <file path=ppt/slides/slide10.xml><?xml version="1.0" encoding="utf-8"?>
+<p:sld xmlns:a="http://schemas.openxmlformats.org/drawingml/2006/main" xmlns:r="http://schemas.openxmlformats.org/officeDocument/2006/relationships" xmlns:p="http://schemas.openxmlformats.org/presentationml/2006/main">
+  <p:cSld>
+    <p:spTree>
+      <p:nvGrpSpPr>
+        <p:cNvPr id="1" name=""/>
+        <p:cNvGrpSpPr/>
+        <p:nvPr/>
+      </p:nvGrpSpPr>
+      <p:grpSpPr>
+        <a:xfrm>
+          <a:off x="0" y="0"/>
+          <a:ext cx="0" cy="0"/>
+          <a:chOff x="0" y="0"/>
+          <a:chExt cx="0" cy="0"/>
+        </a:xfrm>
+      </p:grpSpPr>
+      <p:sp>
+        <p:nvSpPr>
+          <p:cNvPr id="2" name="Заголовок 1">
+            <a:extLst>
+              <a:ext uri="{FF2B5EF4-FFF2-40B4-BE49-F238E27FC236}">
+                <a16:creationId xmlns:a16="http://schemas.microsoft.com/office/drawing/2014/main" id="{7DFA4413-24DE-4ED2-B703-609DAF7FCBE2}"/>
+              </a:ext>
+            </a:extLst>
+          </p:cNvPr>
+          <p:cNvSpPr>
+            <a:spLocks noGrp="1"/>
+          </p:cNvSpPr>
+          <p:nvPr>
+            <p:ph type="title"/>
+          </p:nvPr>
+        </p:nvSpPr>
+        <p:spPr/>
+        <p:txBody>
+          <a:bodyPr/>
+          <a:lstStyle/>
+          <a:p>
+            <a:r>
+              <a:rPr lang="ru-RU" dirty="0"/>
+              <a:t>Агрегация</a:t>
+            </a:r>
+          </a:p>
+        </p:txBody>
+      </p:sp>
+      <p:sp>
+        <p:nvSpPr>
+          <p:cNvPr id="3" name="Текст 2">
+            <a:extLst>
+              <a:ext uri="{FF2B5EF4-FFF2-40B4-BE49-F238E27FC236}">
+                <a16:creationId xmlns:a16="http://schemas.microsoft.com/office/drawing/2014/main" id="{8C8A4E74-53CF-43B7-8A16-81BF6EC55242}"/>
+              </a:ext>
+            </a:extLst>
+          </p:cNvPr>
+          <p:cNvSpPr>
+            <a:spLocks noGrp="1"/>
+          </p:cNvSpPr>
+          <p:nvPr>
+            <p:ph type="body" idx="1"/>
+          </p:nvPr>
+        </p:nvSpPr>
+        <p:spPr/>
+        <p:txBody>
+          <a:bodyPr/>
+          <a:lstStyle/>
+          <a:p>
+            <a:endParaRPr lang="ru-RU"/>
+          </a:p>
+        </p:txBody>
+      </p:sp>
+    </p:spTree>
+    <p:extLst>
+      <p:ext uri="{BB962C8B-B14F-4D97-AF65-F5344CB8AC3E}">
+        <p14:creationId xmlns:p14="http://schemas.microsoft.com/office/powerpoint/2010/main" val="688670217"/>
+      </p:ext>
+    </p:extLst>
+  </p:cSld>
+  <p:clrMapOvr>
+    <a:masterClrMapping/>
+  </p:clrMapOvr>
+</p:sld>
+</file>
+
+<file path=ppt/slides/slide11.xml><?xml version="1.0" encoding="utf-8"?>
 <p:sld xmlns:a="http://schemas.openxmlformats.org/drawingml/2006/main" xmlns:r="http://schemas.openxmlformats.org/officeDocument/2006/relationships" xmlns:p="http://schemas.openxmlformats.org/presentationml/2006/main">
   <p:cSld>
     <p:spTree>
@@ -7394,7 +7651,7 @@
 </p:sld>
 </file>
 
-<file path=ppt/slides/slide11.xml><?xml version="1.0" encoding="utf-8"?>
+<file path=ppt/slides/slide12.xml><?xml version="1.0" encoding="utf-8"?>
 <p:sld xmlns:a="http://schemas.openxmlformats.org/drawingml/2006/main" xmlns:r="http://schemas.openxmlformats.org/officeDocument/2006/relationships" xmlns:p="http://schemas.openxmlformats.org/presentationml/2006/main">
   <p:cSld>
     <p:spTree>
@@ -8226,7 +8483,7 @@
 </p:sld>
 </file>
 
-<file path=ppt/slides/slide12.xml><?xml version="1.0" encoding="utf-8"?>
+<file path=ppt/slides/slide13.xml><?xml version="1.0" encoding="utf-8"?>
 <p:sld xmlns:a="http://schemas.openxmlformats.org/drawingml/2006/main" xmlns:r="http://schemas.openxmlformats.org/officeDocument/2006/relationships" xmlns:p="http://schemas.openxmlformats.org/presentationml/2006/main">
   <p:cSld>
     <p:spTree>
@@ -8492,7 +8749,7 @@
 </p:sld>
 </file>
 
-<file path=ppt/slides/slide13.xml><?xml version="1.0" encoding="utf-8"?>
+<file path=ppt/slides/slide14.xml><?xml version="1.0" encoding="utf-8"?>
 <p:sld xmlns:a="http://schemas.openxmlformats.org/drawingml/2006/main" xmlns:r="http://schemas.openxmlformats.org/officeDocument/2006/relationships" xmlns:p="http://schemas.openxmlformats.org/presentationml/2006/main">
   <p:cSld>
     <p:spTree>
@@ -8586,94 +8843,6 @@
 </p:sld>
 </file>
 
-<file path=ppt/slides/slide14.xml><?xml version="1.0" encoding="utf-8"?>
-<p:sld xmlns:a="http://schemas.openxmlformats.org/drawingml/2006/main" xmlns:r="http://schemas.openxmlformats.org/officeDocument/2006/relationships" xmlns:p="http://schemas.openxmlformats.org/presentationml/2006/main">
-  <p:cSld>
-    <p:spTree>
-      <p:nvGrpSpPr>
-        <p:cNvPr id="1" name=""/>
-        <p:cNvGrpSpPr/>
-        <p:nvPr/>
-      </p:nvGrpSpPr>
-      <p:grpSpPr>
-        <a:xfrm>
-          <a:off x="0" y="0"/>
-          <a:ext cx="0" cy="0"/>
-          <a:chOff x="0" y="0"/>
-          <a:chExt cx="0" cy="0"/>
-        </a:xfrm>
-      </p:grpSpPr>
-      <p:sp>
-        <p:nvSpPr>
-          <p:cNvPr id="2" name="Заголовок 1">
-            <a:extLst>
-              <a:ext uri="{FF2B5EF4-FFF2-40B4-BE49-F238E27FC236}">
-                <a16:creationId xmlns:a16="http://schemas.microsoft.com/office/drawing/2014/main" id="{36A3ED60-46B9-4A37-B70A-5752E1E19E57}"/>
-              </a:ext>
-            </a:extLst>
-          </p:cNvPr>
-          <p:cNvSpPr>
-            <a:spLocks noGrp="1"/>
-          </p:cNvSpPr>
-          <p:nvPr>
-            <p:ph type="title"/>
-          </p:nvPr>
-        </p:nvSpPr>
-        <p:spPr/>
-        <p:txBody>
-          <a:bodyPr/>
-          <a:lstStyle/>
-          <a:p>
-            <a:r>
-              <a:rPr lang="ru-RU" dirty="0"/>
-              <a:t>Зависимость (</a:t>
-            </a:r>
-            <a:r>
-              <a:rPr lang="en-US" dirty="0"/>
-              <a:t>Dependency)</a:t>
-            </a:r>
-            <a:endParaRPr lang="ru-RU" dirty="0"/>
-          </a:p>
-        </p:txBody>
-      </p:sp>
-      <p:sp>
-        <p:nvSpPr>
-          <p:cNvPr id="3" name="Текст 2">
-            <a:extLst>
-              <a:ext uri="{FF2B5EF4-FFF2-40B4-BE49-F238E27FC236}">
-                <a16:creationId xmlns:a16="http://schemas.microsoft.com/office/drawing/2014/main" id="{9AC5D6E4-B347-4185-B6F6-AB7F13C142EB}"/>
-              </a:ext>
-            </a:extLst>
-          </p:cNvPr>
-          <p:cNvSpPr>
-            <a:spLocks noGrp="1"/>
-          </p:cNvSpPr>
-          <p:nvPr>
-            <p:ph type="body" idx="1"/>
-          </p:nvPr>
-        </p:nvSpPr>
-        <p:spPr/>
-        <p:txBody>
-          <a:bodyPr/>
-          <a:lstStyle/>
-          <a:p>
-            <a:endParaRPr lang="ru-RU"/>
-          </a:p>
-        </p:txBody>
-      </p:sp>
-    </p:spTree>
-    <p:extLst>
-      <p:ext uri="{BB962C8B-B14F-4D97-AF65-F5344CB8AC3E}">
-        <p14:creationId xmlns:p14="http://schemas.microsoft.com/office/powerpoint/2010/main" val="3571331919"/>
-      </p:ext>
-    </p:extLst>
-  </p:cSld>
-  <p:clrMapOvr>
-    <a:masterClrMapping/>
-  </p:clrMapOvr>
-</p:sld>
-</file>
-
 <file path=ppt/slides/slide15.xml><?xml version="1.0" encoding="utf-8"?>
 <p:sld xmlns:a="http://schemas.openxmlformats.org/drawingml/2006/main" xmlns:r="http://schemas.openxmlformats.org/officeDocument/2006/relationships" xmlns:p="http://schemas.openxmlformats.org/presentationml/2006/main">
   <p:cSld>
@@ -8693,10 +8862,10 @@
       </p:grpSpPr>
       <p:sp>
         <p:nvSpPr>
-          <p:cNvPr id="4" name="Заголовок 3">
+          <p:cNvPr id="2" name="Заголовок 1">
             <a:extLst>
               <a:ext uri="{FF2B5EF4-FFF2-40B4-BE49-F238E27FC236}">
-                <a16:creationId xmlns:a16="http://schemas.microsoft.com/office/drawing/2014/main" id="{F6B10609-342F-4D6F-BA8A-7D410D91A064}"/>
+                <a16:creationId xmlns:a16="http://schemas.microsoft.com/office/drawing/2014/main" id="{2132D142-1727-46E9-802D-5C11B0B03F3A}"/>
               </a:ext>
             </a:extLst>
           </p:cNvPr>
@@ -8714,73 +8883,62 @@
           <a:p>
             <a:r>
               <a:rPr lang="ru-RU" dirty="0"/>
-              <a:t>Особенности</a:t>
+              <a:t>Агрегация и делегирование</a:t>
             </a:r>
           </a:p>
         </p:txBody>
       </p:sp>
-      <p:sp>
-        <p:nvSpPr>
-          <p:cNvPr id="5" name="Объект 4">
+      <p:pic>
+        <p:nvPicPr>
+          <p:cNvPr id="1026" name="Picture 2">
             <a:extLst>
               <a:ext uri="{FF2B5EF4-FFF2-40B4-BE49-F238E27FC236}">
-                <a16:creationId xmlns:a16="http://schemas.microsoft.com/office/drawing/2014/main" id="{602CA5C1-4842-495A-B15F-9560F1308EBD}"/>
+                <a16:creationId xmlns:a16="http://schemas.microsoft.com/office/drawing/2014/main" id="{D717AC3E-2C14-4F44-866D-6B0A5CE0B4D1}"/>
               </a:ext>
             </a:extLst>
           </p:cNvPr>
-          <p:cNvSpPr>
-            <a:spLocks noGrp="1"/>
-          </p:cNvSpPr>
-          <p:nvPr>
-            <p:ph idx="1"/>
-          </p:nvPr>
-        </p:nvSpPr>
-        <p:spPr/>
-        <p:txBody>
-          <a:bodyPr/>
-          <a:lstStyle/>
-          <a:p>
-            <a:r>
-              <a:rPr lang="ru-RU" dirty="0"/>
-              <a:t>Отношение «Клиент – Поставщик»</a:t>
-            </a:r>
-          </a:p>
-          <a:p>
-            <a:r>
-              <a:rPr lang="ru-RU" dirty="0"/>
-              <a:t>Поставщик создаётся внутри метода Клиента</a:t>
-            </a:r>
-          </a:p>
-          <a:p>
-            <a:r>
-              <a:rPr lang="ru-RU" dirty="0"/>
-              <a:t>Поставщик передаётся в метод Клиента</a:t>
-            </a:r>
-          </a:p>
-          <a:p>
-            <a:r>
-              <a:rPr lang="ru-RU" dirty="0"/>
-              <a:t>Метод Клиента возвращает Поставщика</a:t>
-            </a:r>
-          </a:p>
-          <a:p>
-            <a:r>
-              <a:rPr lang="ru-RU" dirty="0"/>
-              <a:t>Поставщик ничего не знает про клиента</a:t>
-            </a:r>
-          </a:p>
-          <a:p>
-            <a:r>
-              <a:rPr lang="ru-RU" dirty="0"/>
-              <a:t>Зависимость существует на протяжении вызова метода Клиента</a:t>
-            </a:r>
-          </a:p>
-        </p:txBody>
-      </p:sp>
+          <p:cNvPicPr>
+            <a:picLocks noChangeAspect="1" noChangeArrowheads="1"/>
+          </p:cNvPicPr>
+          <p:nvPr/>
+        </p:nvPicPr>
+        <p:blipFill>
+          <a:blip r:embed="rId2">
+            <a:extLst>
+              <a:ext uri="{28A0092B-C50C-407E-A947-70E740481C1C}">
+                <a14:useLocalDpi xmlns:a14="http://schemas.microsoft.com/office/drawing/2010/main" val="0"/>
+              </a:ext>
+            </a:extLst>
+          </a:blip>
+          <a:srcRect/>
+          <a:stretch>
+            <a:fillRect/>
+          </a:stretch>
+        </p:blipFill>
+        <p:spPr bwMode="auto">
+          <a:xfrm>
+            <a:off x="1775520" y="2420888"/>
+            <a:ext cx="9098262" cy="4280446"/>
+          </a:xfrm>
+          <a:prstGeom prst="rect">
+            <a:avLst/>
+          </a:prstGeom>
+          <a:noFill/>
+          <a:extLst>
+            <a:ext uri="{909E8E84-426E-40DD-AFC4-6F175D3DCCD1}">
+              <a14:hiddenFill xmlns:a14="http://schemas.microsoft.com/office/drawing/2010/main">
+                <a:solidFill>
+                  <a:srgbClr val="FFFFFF"/>
+                </a:solidFill>
+              </a14:hiddenFill>
+            </a:ext>
+          </a:extLst>
+        </p:spPr>
+      </p:pic>
     </p:spTree>
     <p:extLst>
       <p:ext uri="{BB962C8B-B14F-4D97-AF65-F5344CB8AC3E}">
-        <p14:creationId xmlns:p14="http://schemas.microsoft.com/office/powerpoint/2010/main" val="1400479843"/>
+        <p14:creationId xmlns:p14="http://schemas.microsoft.com/office/powerpoint/2010/main" val="1537544543"/>
       </p:ext>
     </p:extLst>
   </p:cSld>
@@ -8809,1104 +8967,10 @@
       </p:grpSpPr>
       <p:sp>
         <p:nvSpPr>
-          <p:cNvPr id="6" name="TextBox 5">
+          <p:cNvPr id="2" name="Заголовок 1">
             <a:extLst>
               <a:ext uri="{FF2B5EF4-FFF2-40B4-BE49-F238E27FC236}">
-                <a16:creationId xmlns:a16="http://schemas.microsoft.com/office/drawing/2014/main" id="{053BA4E5-A729-4593-BC5C-A364B445904D}"/>
-              </a:ext>
-            </a:extLst>
-          </p:cNvPr>
-          <p:cNvSpPr txBox="1"/>
-          <p:nvPr/>
-        </p:nvSpPr>
-        <p:spPr>
-          <a:xfrm>
-            <a:off x="839548" y="1497751"/>
-            <a:ext cx="9682485" cy="5016758"/>
-          </a:xfrm>
-          <a:prstGeom prst="rect">
-            <a:avLst/>
-          </a:prstGeom>
-          <a:noFill/>
-        </p:spPr>
-        <p:txBody>
-          <a:bodyPr wrap="square" numCol="1">
-            <a:spAutoFit/>
-          </a:bodyPr>
-          <a:lstStyle/>
-          <a:p>
-            <a:pPr>
-              <a:spcAft>
-                <a:spcPts val="0"/>
-              </a:spcAft>
-            </a:pPr>
-            <a:r>
-              <a:rPr lang="ru-RU" sz="1600" dirty="0" err="1">
-                <a:solidFill>
-                  <a:srgbClr val="0000FF"/>
-                </a:solidFill>
-                <a:latin typeface="Consolas" panose="020B0609020204030204" pitchFamily="49" charset="0"/>
-                <a:ea typeface="Calibri" panose="020F0502020204030204" pitchFamily="34" charset="0"/>
-                <a:cs typeface="Consolas" panose="020B0609020204030204" pitchFamily="49" charset="0"/>
-              </a:rPr>
-              <a:t>class</a:t>
-            </a:r>
-            <a:r>
-              <a:rPr lang="ru-RU" sz="1600" dirty="0">
-                <a:solidFill>
-                  <a:srgbClr val="000000"/>
-                </a:solidFill>
-                <a:latin typeface="Consolas" panose="020B0609020204030204" pitchFamily="49" charset="0"/>
-                <a:ea typeface="Calibri" panose="020F0502020204030204" pitchFamily="34" charset="0"/>
-                <a:cs typeface="Consolas" panose="020B0609020204030204" pitchFamily="49" charset="0"/>
-              </a:rPr>
-              <a:t> </a:t>
-            </a:r>
-            <a:r>
-              <a:rPr lang="ru-RU" sz="1600" dirty="0" err="1">
-                <a:solidFill>
-                  <a:srgbClr val="2B91AF"/>
-                </a:solidFill>
-                <a:latin typeface="Consolas" panose="020B0609020204030204" pitchFamily="49" charset="0"/>
-                <a:ea typeface="Calibri" panose="020F0502020204030204" pitchFamily="34" charset="0"/>
-                <a:cs typeface="Consolas" panose="020B0609020204030204" pitchFamily="49" charset="0"/>
-              </a:rPr>
-              <a:t>Supplier</a:t>
-            </a:r>
-            <a:endParaRPr lang="ru-RU" sz="1600" dirty="0">
-              <a:latin typeface="Consolas" panose="020B0609020204030204" pitchFamily="49" charset="0"/>
-              <a:ea typeface="Calibri" panose="020F0502020204030204" pitchFamily="34" charset="0"/>
-              <a:cs typeface="Times New Roman" panose="02020603050405020304" pitchFamily="18" charset="0"/>
-            </a:endParaRPr>
-          </a:p>
-          <a:p>
-            <a:pPr>
-              <a:spcAft>
-                <a:spcPts val="0"/>
-              </a:spcAft>
-            </a:pPr>
-            <a:r>
-              <a:rPr lang="ru-RU" sz="1600" dirty="0">
-                <a:solidFill>
-                  <a:srgbClr val="000000"/>
-                </a:solidFill>
-                <a:latin typeface="Consolas" panose="020B0609020204030204" pitchFamily="49" charset="0"/>
-                <a:ea typeface="Calibri" panose="020F0502020204030204" pitchFamily="34" charset="0"/>
-                <a:cs typeface="Consolas" panose="020B0609020204030204" pitchFamily="49" charset="0"/>
-              </a:rPr>
-              <a:t>{</a:t>
-            </a:r>
-            <a:endParaRPr lang="ru-RU" sz="1600" dirty="0">
-              <a:latin typeface="Consolas" panose="020B0609020204030204" pitchFamily="49" charset="0"/>
-              <a:ea typeface="Calibri" panose="020F0502020204030204" pitchFamily="34" charset="0"/>
-              <a:cs typeface="Times New Roman" panose="02020603050405020304" pitchFamily="18" charset="0"/>
-            </a:endParaRPr>
-          </a:p>
-          <a:p>
-            <a:pPr>
-              <a:spcAft>
-                <a:spcPts val="0"/>
-              </a:spcAft>
-            </a:pPr>
-            <a:r>
-              <a:rPr lang="ru-RU" sz="1600" dirty="0" err="1">
-                <a:solidFill>
-                  <a:srgbClr val="0000FF"/>
-                </a:solidFill>
-                <a:latin typeface="Consolas" panose="020B0609020204030204" pitchFamily="49" charset="0"/>
-                <a:ea typeface="Calibri" panose="020F0502020204030204" pitchFamily="34" charset="0"/>
-                <a:cs typeface="Consolas" panose="020B0609020204030204" pitchFamily="49" charset="0"/>
-              </a:rPr>
-              <a:t>public</a:t>
-            </a:r>
-            <a:r>
-              <a:rPr lang="ru-RU" sz="1600" dirty="0">
-                <a:solidFill>
-                  <a:srgbClr val="000000"/>
-                </a:solidFill>
-                <a:latin typeface="Consolas" panose="020B0609020204030204" pitchFamily="49" charset="0"/>
-                <a:ea typeface="Calibri" panose="020F0502020204030204" pitchFamily="34" charset="0"/>
-                <a:cs typeface="Consolas" panose="020B0609020204030204" pitchFamily="49" charset="0"/>
-              </a:rPr>
-              <a:t>:</a:t>
-            </a:r>
-            <a:endParaRPr lang="ru-RU" sz="1600" dirty="0">
-              <a:latin typeface="Consolas" panose="020B0609020204030204" pitchFamily="49" charset="0"/>
-              <a:ea typeface="Calibri" panose="020F0502020204030204" pitchFamily="34" charset="0"/>
-              <a:cs typeface="Times New Roman" panose="02020603050405020304" pitchFamily="18" charset="0"/>
-            </a:endParaRPr>
-          </a:p>
-          <a:p>
-            <a:pPr>
-              <a:spcAft>
-                <a:spcPts val="0"/>
-              </a:spcAft>
-            </a:pPr>
-            <a:r>
-              <a:rPr lang="ru-RU" sz="1600" dirty="0">
-                <a:solidFill>
-                  <a:srgbClr val="000000"/>
-                </a:solidFill>
-                <a:latin typeface="Consolas" panose="020B0609020204030204" pitchFamily="49" charset="0"/>
-                <a:ea typeface="Calibri" panose="020F0502020204030204" pitchFamily="34" charset="0"/>
-                <a:cs typeface="Consolas" panose="020B0609020204030204" pitchFamily="49" charset="0"/>
-              </a:rPr>
-              <a:t>  </a:t>
-            </a:r>
-            <a:r>
-              <a:rPr lang="ru-RU" sz="1600" dirty="0" err="1">
-                <a:solidFill>
-                  <a:srgbClr val="0000FF"/>
-                </a:solidFill>
-                <a:latin typeface="Consolas" panose="020B0609020204030204" pitchFamily="49" charset="0"/>
-                <a:ea typeface="Calibri" panose="020F0502020204030204" pitchFamily="34" charset="0"/>
-                <a:cs typeface="Consolas" panose="020B0609020204030204" pitchFamily="49" charset="0"/>
-              </a:rPr>
-              <a:t>void</a:t>
-            </a:r>
-            <a:r>
-              <a:rPr lang="ru-RU" sz="1600" dirty="0">
-                <a:solidFill>
-                  <a:srgbClr val="000000"/>
-                </a:solidFill>
-                <a:latin typeface="Consolas" panose="020B0609020204030204" pitchFamily="49" charset="0"/>
-                <a:ea typeface="Calibri" panose="020F0502020204030204" pitchFamily="34" charset="0"/>
-                <a:cs typeface="Consolas" panose="020B0609020204030204" pitchFamily="49" charset="0"/>
-              </a:rPr>
-              <a:t> </a:t>
-            </a:r>
-            <a:r>
-              <a:rPr lang="ru-RU" sz="1600" dirty="0" err="1">
-                <a:solidFill>
-                  <a:srgbClr val="000000"/>
-                </a:solidFill>
-                <a:latin typeface="Consolas" panose="020B0609020204030204" pitchFamily="49" charset="0"/>
-                <a:ea typeface="Calibri" panose="020F0502020204030204" pitchFamily="34" charset="0"/>
-                <a:cs typeface="Consolas" panose="020B0609020204030204" pitchFamily="49" charset="0"/>
-              </a:rPr>
-              <a:t>DoSomething</a:t>
-            </a:r>
-            <a:r>
-              <a:rPr lang="ru-RU" sz="1600" dirty="0">
-                <a:solidFill>
-                  <a:srgbClr val="000000"/>
-                </a:solidFill>
-                <a:latin typeface="Consolas" panose="020B0609020204030204" pitchFamily="49" charset="0"/>
-                <a:ea typeface="Calibri" panose="020F0502020204030204" pitchFamily="34" charset="0"/>
-                <a:cs typeface="Consolas" panose="020B0609020204030204" pitchFamily="49" charset="0"/>
-              </a:rPr>
-              <a:t>();</a:t>
-            </a:r>
-            <a:endParaRPr lang="ru-RU" sz="1600" dirty="0">
-              <a:latin typeface="Consolas" panose="020B0609020204030204" pitchFamily="49" charset="0"/>
-              <a:ea typeface="Calibri" panose="020F0502020204030204" pitchFamily="34" charset="0"/>
-              <a:cs typeface="Times New Roman" panose="02020603050405020304" pitchFamily="18" charset="0"/>
-            </a:endParaRPr>
-          </a:p>
-          <a:p>
-            <a:pPr>
-              <a:spcAft>
-                <a:spcPts val="0"/>
-              </a:spcAft>
-            </a:pPr>
-            <a:r>
-              <a:rPr lang="ru-RU" sz="1600" dirty="0">
-                <a:solidFill>
-                  <a:srgbClr val="000000"/>
-                </a:solidFill>
-                <a:latin typeface="Consolas" panose="020B0609020204030204" pitchFamily="49" charset="0"/>
-                <a:ea typeface="Calibri" panose="020F0502020204030204" pitchFamily="34" charset="0"/>
-                <a:cs typeface="Consolas" panose="020B0609020204030204" pitchFamily="49" charset="0"/>
-              </a:rPr>
-              <a:t>};</a:t>
-            </a:r>
-            <a:endParaRPr lang="ru-RU" sz="1600" dirty="0">
-              <a:latin typeface="Consolas" panose="020B0609020204030204" pitchFamily="49" charset="0"/>
-              <a:ea typeface="Calibri" panose="020F0502020204030204" pitchFamily="34" charset="0"/>
-              <a:cs typeface="Times New Roman" panose="02020603050405020304" pitchFamily="18" charset="0"/>
-            </a:endParaRPr>
-          </a:p>
-          <a:p>
-            <a:pPr>
-              <a:spcAft>
-                <a:spcPts val="0"/>
-              </a:spcAft>
-            </a:pPr>
-            <a:r>
-              <a:rPr lang="ru-RU" sz="1600" dirty="0" err="1">
-                <a:solidFill>
-                  <a:srgbClr val="0000FF"/>
-                </a:solidFill>
-                <a:latin typeface="Consolas" panose="020B0609020204030204" pitchFamily="49" charset="0"/>
-                <a:ea typeface="Calibri" panose="020F0502020204030204" pitchFamily="34" charset="0"/>
-                <a:cs typeface="Consolas" panose="020B0609020204030204" pitchFamily="49" charset="0"/>
-              </a:rPr>
-              <a:t>class</a:t>
-            </a:r>
-            <a:r>
-              <a:rPr lang="ru-RU" sz="1600" dirty="0">
-                <a:solidFill>
-                  <a:srgbClr val="000000"/>
-                </a:solidFill>
-                <a:latin typeface="Consolas" panose="020B0609020204030204" pitchFamily="49" charset="0"/>
-                <a:ea typeface="Calibri" panose="020F0502020204030204" pitchFamily="34" charset="0"/>
-                <a:cs typeface="Consolas" panose="020B0609020204030204" pitchFamily="49" charset="0"/>
-              </a:rPr>
-              <a:t> </a:t>
-            </a:r>
-            <a:r>
-              <a:rPr lang="ru-RU" sz="1600" dirty="0" err="1">
-                <a:solidFill>
-                  <a:srgbClr val="2B91AF"/>
-                </a:solidFill>
-                <a:latin typeface="Consolas" panose="020B0609020204030204" pitchFamily="49" charset="0"/>
-                <a:ea typeface="Calibri" panose="020F0502020204030204" pitchFamily="34" charset="0"/>
-                <a:cs typeface="Consolas" panose="020B0609020204030204" pitchFamily="49" charset="0"/>
-              </a:rPr>
-              <a:t>Client</a:t>
-            </a:r>
-            <a:endParaRPr lang="ru-RU" sz="1600" dirty="0">
-              <a:latin typeface="Consolas" panose="020B0609020204030204" pitchFamily="49" charset="0"/>
-              <a:ea typeface="Calibri" panose="020F0502020204030204" pitchFamily="34" charset="0"/>
-              <a:cs typeface="Times New Roman" panose="02020603050405020304" pitchFamily="18" charset="0"/>
-            </a:endParaRPr>
-          </a:p>
-          <a:p>
-            <a:pPr>
-              <a:spcAft>
-                <a:spcPts val="0"/>
-              </a:spcAft>
-            </a:pPr>
-            <a:r>
-              <a:rPr lang="ru-RU" sz="1600" dirty="0">
-                <a:solidFill>
-                  <a:srgbClr val="000000"/>
-                </a:solidFill>
-                <a:latin typeface="Consolas" panose="020B0609020204030204" pitchFamily="49" charset="0"/>
-                <a:ea typeface="Calibri" panose="020F0502020204030204" pitchFamily="34" charset="0"/>
-                <a:cs typeface="Consolas" panose="020B0609020204030204" pitchFamily="49" charset="0"/>
-              </a:rPr>
-              <a:t>{</a:t>
-            </a:r>
-            <a:endParaRPr lang="ru-RU" sz="1600" dirty="0">
-              <a:latin typeface="Consolas" panose="020B0609020204030204" pitchFamily="49" charset="0"/>
-              <a:ea typeface="Calibri" panose="020F0502020204030204" pitchFamily="34" charset="0"/>
-              <a:cs typeface="Times New Roman" panose="02020603050405020304" pitchFamily="18" charset="0"/>
-            </a:endParaRPr>
-          </a:p>
-          <a:p>
-            <a:pPr>
-              <a:spcAft>
-                <a:spcPts val="0"/>
-              </a:spcAft>
-            </a:pPr>
-            <a:r>
-              <a:rPr lang="ru-RU" sz="1600" dirty="0" err="1">
-                <a:solidFill>
-                  <a:srgbClr val="0000FF"/>
-                </a:solidFill>
-                <a:latin typeface="Consolas" panose="020B0609020204030204" pitchFamily="49" charset="0"/>
-                <a:ea typeface="Calibri" panose="020F0502020204030204" pitchFamily="34" charset="0"/>
-                <a:cs typeface="Consolas" panose="020B0609020204030204" pitchFamily="49" charset="0"/>
-              </a:rPr>
-              <a:t>public</a:t>
-            </a:r>
-            <a:r>
-              <a:rPr lang="ru-RU" sz="1600" dirty="0">
-                <a:solidFill>
-                  <a:srgbClr val="000000"/>
-                </a:solidFill>
-                <a:latin typeface="Consolas" panose="020B0609020204030204" pitchFamily="49" charset="0"/>
-                <a:ea typeface="Calibri" panose="020F0502020204030204" pitchFamily="34" charset="0"/>
-                <a:cs typeface="Consolas" panose="020B0609020204030204" pitchFamily="49" charset="0"/>
-              </a:rPr>
-              <a:t>:</a:t>
-            </a:r>
-            <a:endParaRPr lang="ru-RU" sz="1600" dirty="0">
-              <a:latin typeface="Consolas" panose="020B0609020204030204" pitchFamily="49" charset="0"/>
-              <a:ea typeface="Calibri" panose="020F0502020204030204" pitchFamily="34" charset="0"/>
-              <a:cs typeface="Times New Roman" panose="02020603050405020304" pitchFamily="18" charset="0"/>
-            </a:endParaRPr>
-          </a:p>
-          <a:p>
-            <a:pPr>
-              <a:spcAft>
-                <a:spcPts val="0"/>
-              </a:spcAft>
-            </a:pPr>
-            <a:r>
-              <a:rPr lang="en-US" sz="1600" dirty="0">
-                <a:solidFill>
-                  <a:srgbClr val="0000FF"/>
-                </a:solidFill>
-                <a:latin typeface="Consolas" panose="020B0609020204030204" pitchFamily="49" charset="0"/>
-                <a:ea typeface="Calibri" panose="020F0502020204030204" pitchFamily="34" charset="0"/>
-                <a:cs typeface="Consolas" panose="020B0609020204030204" pitchFamily="49" charset="0"/>
-              </a:rPr>
-              <a:t>  void</a:t>
-            </a:r>
-            <a:r>
-              <a:rPr lang="en-US" sz="1600" dirty="0">
-                <a:solidFill>
-                  <a:srgbClr val="000000"/>
-                </a:solidFill>
-                <a:latin typeface="Consolas" panose="020B0609020204030204" pitchFamily="49" charset="0"/>
-                <a:ea typeface="Calibri" panose="020F0502020204030204" pitchFamily="34" charset="0"/>
-                <a:cs typeface="Consolas" panose="020B0609020204030204" pitchFamily="49" charset="0"/>
-              </a:rPr>
-              <a:t> </a:t>
-            </a:r>
-            <a:r>
-              <a:rPr lang="en-US" sz="1600" dirty="0" err="1">
-                <a:solidFill>
-                  <a:srgbClr val="000000"/>
-                </a:solidFill>
-                <a:latin typeface="Consolas" panose="020B0609020204030204" pitchFamily="49" charset="0"/>
-                <a:ea typeface="Calibri" panose="020F0502020204030204" pitchFamily="34" charset="0"/>
-                <a:cs typeface="Consolas" panose="020B0609020204030204" pitchFamily="49" charset="0"/>
-              </a:rPr>
-              <a:t>DependentMethod</a:t>
-            </a:r>
-            <a:r>
-              <a:rPr lang="ru-RU" sz="1600" dirty="0">
-                <a:solidFill>
-                  <a:srgbClr val="000000"/>
-                </a:solidFill>
-                <a:latin typeface="Consolas" panose="020B0609020204030204" pitchFamily="49" charset="0"/>
-                <a:ea typeface="Calibri" panose="020F0502020204030204" pitchFamily="34" charset="0"/>
-                <a:cs typeface="Consolas" panose="020B0609020204030204" pitchFamily="49" charset="0"/>
-              </a:rPr>
-              <a:t>1(</a:t>
-            </a:r>
-            <a:r>
-              <a:rPr lang="en-US" sz="1600" dirty="0">
-                <a:solidFill>
-                  <a:srgbClr val="2B91AF"/>
-                </a:solidFill>
-                <a:latin typeface="Consolas" panose="020B0609020204030204" pitchFamily="49" charset="0"/>
-                <a:ea typeface="Calibri" panose="020F0502020204030204" pitchFamily="34" charset="0"/>
-                <a:cs typeface="Consolas" panose="020B0609020204030204" pitchFamily="49" charset="0"/>
-              </a:rPr>
-              <a:t>Supplier</a:t>
-            </a:r>
-            <a:r>
-              <a:rPr lang="ru-RU" sz="1600" dirty="0">
-                <a:solidFill>
-                  <a:srgbClr val="000000"/>
-                </a:solidFill>
-                <a:latin typeface="Consolas" panose="020B0609020204030204" pitchFamily="49" charset="0"/>
-                <a:ea typeface="Calibri" panose="020F0502020204030204" pitchFamily="34" charset="0"/>
-                <a:cs typeface="Consolas" panose="020B0609020204030204" pitchFamily="49" charset="0"/>
-              </a:rPr>
-              <a:t>&amp; </a:t>
-            </a:r>
-            <a:r>
-              <a:rPr lang="en-US" sz="1600" dirty="0">
-                <a:solidFill>
-                  <a:srgbClr val="808080"/>
-                </a:solidFill>
-                <a:latin typeface="Consolas" panose="020B0609020204030204" pitchFamily="49" charset="0"/>
-                <a:ea typeface="Calibri" panose="020F0502020204030204" pitchFamily="34" charset="0"/>
-                <a:cs typeface="Consolas" panose="020B0609020204030204" pitchFamily="49" charset="0"/>
-              </a:rPr>
-              <a:t>supplier</a:t>
-            </a:r>
-            <a:r>
-              <a:rPr lang="ru-RU" sz="1600" dirty="0">
-                <a:solidFill>
-                  <a:srgbClr val="000000"/>
-                </a:solidFill>
-                <a:latin typeface="Consolas" panose="020B0609020204030204" pitchFamily="49" charset="0"/>
-                <a:ea typeface="Calibri" panose="020F0502020204030204" pitchFamily="34" charset="0"/>
-                <a:cs typeface="Consolas" panose="020B0609020204030204" pitchFamily="49" charset="0"/>
-              </a:rPr>
-              <a:t>)</a:t>
-            </a:r>
-            <a:r>
-              <a:rPr lang="en-US" sz="1600" dirty="0">
-                <a:solidFill>
-                  <a:srgbClr val="000000"/>
-                </a:solidFill>
-                <a:latin typeface="Consolas" panose="020B0609020204030204" pitchFamily="49" charset="0"/>
-                <a:ea typeface="Calibri" panose="020F0502020204030204" pitchFamily="34" charset="0"/>
-                <a:cs typeface="Consolas" panose="020B0609020204030204" pitchFamily="49" charset="0"/>
-              </a:rPr>
-              <a:t> </a:t>
-            </a:r>
-            <a:r>
-              <a:rPr lang="ru-RU" sz="1600" dirty="0">
-                <a:solidFill>
-                  <a:srgbClr val="000000"/>
-                </a:solidFill>
-                <a:latin typeface="Consolas" panose="020B0609020204030204" pitchFamily="49" charset="0"/>
-                <a:ea typeface="Calibri" panose="020F0502020204030204" pitchFamily="34" charset="0"/>
-                <a:cs typeface="Consolas" panose="020B0609020204030204" pitchFamily="49" charset="0"/>
-              </a:rPr>
-              <a:t>{</a:t>
-            </a:r>
-            <a:r>
-              <a:rPr lang="en-US" sz="1600" dirty="0">
-                <a:solidFill>
-                  <a:srgbClr val="000000"/>
-                </a:solidFill>
-                <a:latin typeface="Consolas" panose="020B0609020204030204" pitchFamily="49" charset="0"/>
-                <a:ea typeface="Calibri" panose="020F0502020204030204" pitchFamily="34" charset="0"/>
-                <a:cs typeface="Consolas" panose="020B0609020204030204" pitchFamily="49" charset="0"/>
-              </a:rPr>
-              <a:t> </a:t>
-            </a:r>
-            <a:r>
-              <a:rPr lang="en-US" sz="1600" dirty="0">
-                <a:solidFill>
-                  <a:srgbClr val="808080"/>
-                </a:solidFill>
-                <a:latin typeface="Consolas" panose="020B0609020204030204" pitchFamily="49" charset="0"/>
-                <a:ea typeface="Calibri" panose="020F0502020204030204" pitchFamily="34" charset="0"/>
-                <a:cs typeface="Consolas" panose="020B0609020204030204" pitchFamily="49" charset="0"/>
-              </a:rPr>
-              <a:t>supplier</a:t>
-            </a:r>
-            <a:r>
-              <a:rPr lang="ru-RU" sz="1600" dirty="0">
-                <a:solidFill>
-                  <a:srgbClr val="000000"/>
-                </a:solidFill>
-                <a:latin typeface="Consolas" panose="020B0609020204030204" pitchFamily="49" charset="0"/>
-                <a:ea typeface="Calibri" panose="020F0502020204030204" pitchFamily="34" charset="0"/>
-                <a:cs typeface="Consolas" panose="020B0609020204030204" pitchFamily="49" charset="0"/>
-              </a:rPr>
-              <a:t>.</a:t>
-            </a:r>
-            <a:r>
-              <a:rPr lang="en-US" sz="1600" dirty="0">
-                <a:solidFill>
-                  <a:srgbClr val="000000"/>
-                </a:solidFill>
-                <a:latin typeface="Consolas" panose="020B0609020204030204" pitchFamily="49" charset="0"/>
-                <a:ea typeface="Calibri" panose="020F0502020204030204" pitchFamily="34" charset="0"/>
-                <a:cs typeface="Consolas" panose="020B0609020204030204" pitchFamily="49" charset="0"/>
-              </a:rPr>
-              <a:t>DoSomething</a:t>
-            </a:r>
-            <a:r>
-              <a:rPr lang="ru-RU" sz="1600" dirty="0">
-                <a:solidFill>
-                  <a:srgbClr val="000000"/>
-                </a:solidFill>
-                <a:latin typeface="Consolas" panose="020B0609020204030204" pitchFamily="49" charset="0"/>
-                <a:ea typeface="Calibri" panose="020F0502020204030204" pitchFamily="34" charset="0"/>
-                <a:cs typeface="Consolas" panose="020B0609020204030204" pitchFamily="49" charset="0"/>
-              </a:rPr>
-              <a:t>(); }</a:t>
-            </a:r>
-            <a:endParaRPr lang="ru-RU" sz="1600" dirty="0">
-              <a:latin typeface="Consolas" panose="020B0609020204030204" pitchFamily="49" charset="0"/>
-              <a:ea typeface="Calibri" panose="020F0502020204030204" pitchFamily="34" charset="0"/>
-              <a:cs typeface="Times New Roman" panose="02020603050405020304" pitchFamily="18" charset="0"/>
-            </a:endParaRPr>
-          </a:p>
-          <a:p>
-            <a:pPr>
-              <a:spcAft>
-                <a:spcPts val="0"/>
-              </a:spcAft>
-            </a:pPr>
-            <a:r>
-              <a:rPr lang="ru-RU" sz="1600" dirty="0">
-                <a:solidFill>
-                  <a:srgbClr val="0000FF"/>
-                </a:solidFill>
-                <a:latin typeface="Consolas" panose="020B0609020204030204" pitchFamily="49" charset="0"/>
-                <a:ea typeface="Calibri" panose="020F0502020204030204" pitchFamily="34" charset="0"/>
-                <a:cs typeface="Consolas" panose="020B0609020204030204" pitchFamily="49" charset="0"/>
-              </a:rPr>
-              <a:t>  </a:t>
-            </a:r>
-            <a:r>
-              <a:rPr lang="en-US" sz="1600" dirty="0">
-                <a:solidFill>
-                  <a:srgbClr val="0000FF"/>
-                </a:solidFill>
-                <a:latin typeface="Consolas" panose="020B0609020204030204" pitchFamily="49" charset="0"/>
-                <a:ea typeface="Calibri" panose="020F0502020204030204" pitchFamily="34" charset="0"/>
-                <a:cs typeface="Consolas" panose="020B0609020204030204" pitchFamily="49" charset="0"/>
-              </a:rPr>
-              <a:t>void</a:t>
-            </a:r>
-            <a:r>
-              <a:rPr lang="en-US" sz="1600" dirty="0">
-                <a:solidFill>
-                  <a:srgbClr val="000000"/>
-                </a:solidFill>
-                <a:latin typeface="Consolas" panose="020B0609020204030204" pitchFamily="49" charset="0"/>
-                <a:ea typeface="Calibri" panose="020F0502020204030204" pitchFamily="34" charset="0"/>
-                <a:cs typeface="Consolas" panose="020B0609020204030204" pitchFamily="49" charset="0"/>
-              </a:rPr>
-              <a:t> DependentMethod2()</a:t>
-            </a:r>
-            <a:endParaRPr lang="ru-RU" sz="1600" dirty="0">
-              <a:latin typeface="Consolas" panose="020B0609020204030204" pitchFamily="49" charset="0"/>
-              <a:ea typeface="Calibri" panose="020F0502020204030204" pitchFamily="34" charset="0"/>
-              <a:cs typeface="Times New Roman" panose="02020603050405020304" pitchFamily="18" charset="0"/>
-            </a:endParaRPr>
-          </a:p>
-          <a:p>
-            <a:pPr>
-              <a:spcAft>
-                <a:spcPts val="0"/>
-              </a:spcAft>
-            </a:pPr>
-            <a:r>
-              <a:rPr lang="en-US" sz="1600" dirty="0">
-                <a:solidFill>
-                  <a:srgbClr val="000000"/>
-                </a:solidFill>
-                <a:latin typeface="Consolas" panose="020B0609020204030204" pitchFamily="49" charset="0"/>
-                <a:ea typeface="Calibri" panose="020F0502020204030204" pitchFamily="34" charset="0"/>
-                <a:cs typeface="Consolas" panose="020B0609020204030204" pitchFamily="49" charset="0"/>
-              </a:rPr>
-              <a:t>  {</a:t>
-            </a:r>
-            <a:endParaRPr lang="ru-RU" sz="1600" dirty="0">
-              <a:latin typeface="Consolas" panose="020B0609020204030204" pitchFamily="49" charset="0"/>
-              <a:ea typeface="Calibri" panose="020F0502020204030204" pitchFamily="34" charset="0"/>
-              <a:cs typeface="Times New Roman" panose="02020603050405020304" pitchFamily="18" charset="0"/>
-            </a:endParaRPr>
-          </a:p>
-          <a:p>
-            <a:pPr>
-              <a:spcAft>
-                <a:spcPts val="0"/>
-              </a:spcAft>
-            </a:pPr>
-            <a:r>
-              <a:rPr lang="en-US" sz="1600" dirty="0">
-                <a:solidFill>
-                  <a:srgbClr val="000000"/>
-                </a:solidFill>
-                <a:latin typeface="Consolas" panose="020B0609020204030204" pitchFamily="49" charset="0"/>
-                <a:ea typeface="Calibri" panose="020F0502020204030204" pitchFamily="34" charset="0"/>
-                <a:cs typeface="Consolas" panose="020B0609020204030204" pitchFamily="49" charset="0"/>
-              </a:rPr>
-              <a:t>    </a:t>
-            </a:r>
-            <a:r>
-              <a:rPr lang="en-US" sz="1600" dirty="0">
-                <a:solidFill>
-                  <a:srgbClr val="2B91AF"/>
-                </a:solidFill>
-                <a:latin typeface="Consolas" panose="020B0609020204030204" pitchFamily="49" charset="0"/>
-                <a:ea typeface="Calibri" panose="020F0502020204030204" pitchFamily="34" charset="0"/>
-                <a:cs typeface="Consolas" panose="020B0609020204030204" pitchFamily="49" charset="0"/>
-              </a:rPr>
-              <a:t>Supplier</a:t>
-            </a:r>
-            <a:r>
-              <a:rPr lang="en-US" sz="1600" dirty="0">
-                <a:solidFill>
-                  <a:srgbClr val="000000"/>
-                </a:solidFill>
-                <a:latin typeface="Consolas" panose="020B0609020204030204" pitchFamily="49" charset="0"/>
-                <a:ea typeface="Calibri" panose="020F0502020204030204" pitchFamily="34" charset="0"/>
-                <a:cs typeface="Consolas" panose="020B0609020204030204" pitchFamily="49" charset="0"/>
-              </a:rPr>
-              <a:t> </a:t>
-            </a:r>
-            <a:r>
-              <a:rPr lang="en-US" sz="1600" dirty="0" err="1">
-                <a:solidFill>
-                  <a:srgbClr val="000000"/>
-                </a:solidFill>
-                <a:latin typeface="Consolas" panose="020B0609020204030204" pitchFamily="49" charset="0"/>
-                <a:ea typeface="Calibri" panose="020F0502020204030204" pitchFamily="34" charset="0"/>
-                <a:cs typeface="Consolas" panose="020B0609020204030204" pitchFamily="49" charset="0"/>
-              </a:rPr>
-              <a:t>supplier</a:t>
-            </a:r>
-            <a:r>
-              <a:rPr lang="en-US" sz="1600" dirty="0">
-                <a:solidFill>
-                  <a:srgbClr val="000000"/>
-                </a:solidFill>
-                <a:latin typeface="Consolas" panose="020B0609020204030204" pitchFamily="49" charset="0"/>
-                <a:ea typeface="Calibri" panose="020F0502020204030204" pitchFamily="34" charset="0"/>
-                <a:cs typeface="Consolas" panose="020B0609020204030204" pitchFamily="49" charset="0"/>
-              </a:rPr>
-              <a:t>;</a:t>
-            </a:r>
-            <a:endParaRPr lang="ru-RU" sz="1600" dirty="0">
-              <a:latin typeface="Consolas" panose="020B0609020204030204" pitchFamily="49" charset="0"/>
-              <a:ea typeface="Calibri" panose="020F0502020204030204" pitchFamily="34" charset="0"/>
-              <a:cs typeface="Times New Roman" panose="02020603050405020304" pitchFamily="18" charset="0"/>
-            </a:endParaRPr>
-          </a:p>
-          <a:p>
-            <a:pPr>
-              <a:spcAft>
-                <a:spcPts val="0"/>
-              </a:spcAft>
-            </a:pPr>
-            <a:r>
-              <a:rPr lang="en-US" sz="1600" dirty="0">
-                <a:solidFill>
-                  <a:srgbClr val="000000"/>
-                </a:solidFill>
-                <a:latin typeface="Consolas" panose="020B0609020204030204" pitchFamily="49" charset="0"/>
-                <a:ea typeface="Calibri" panose="020F0502020204030204" pitchFamily="34" charset="0"/>
-                <a:cs typeface="Consolas" panose="020B0609020204030204" pitchFamily="49" charset="0"/>
-              </a:rPr>
-              <a:t>    </a:t>
-            </a:r>
-            <a:r>
-              <a:rPr lang="en-US" sz="1600" dirty="0" err="1">
-                <a:solidFill>
-                  <a:srgbClr val="000000"/>
-                </a:solidFill>
-                <a:latin typeface="Consolas" panose="020B0609020204030204" pitchFamily="49" charset="0"/>
-                <a:ea typeface="Calibri" panose="020F0502020204030204" pitchFamily="34" charset="0"/>
-                <a:cs typeface="Consolas" panose="020B0609020204030204" pitchFamily="49" charset="0"/>
-              </a:rPr>
-              <a:t>supplier.DoSomething</a:t>
-            </a:r>
-            <a:r>
-              <a:rPr lang="en-US" sz="1600" dirty="0">
-                <a:solidFill>
-                  <a:srgbClr val="000000"/>
-                </a:solidFill>
-                <a:latin typeface="Consolas" panose="020B0609020204030204" pitchFamily="49" charset="0"/>
-                <a:ea typeface="Calibri" panose="020F0502020204030204" pitchFamily="34" charset="0"/>
-                <a:cs typeface="Consolas" panose="020B0609020204030204" pitchFamily="49" charset="0"/>
-              </a:rPr>
-              <a:t>();</a:t>
-            </a:r>
-            <a:endParaRPr lang="ru-RU" sz="1600" dirty="0">
-              <a:latin typeface="Consolas" panose="020B0609020204030204" pitchFamily="49" charset="0"/>
-              <a:ea typeface="Calibri" panose="020F0502020204030204" pitchFamily="34" charset="0"/>
-              <a:cs typeface="Times New Roman" panose="02020603050405020304" pitchFamily="18" charset="0"/>
-            </a:endParaRPr>
-          </a:p>
-          <a:p>
-            <a:pPr>
-              <a:spcAft>
-                <a:spcPts val="0"/>
-              </a:spcAft>
-            </a:pPr>
-            <a:r>
-              <a:rPr lang="en-US" sz="1600" dirty="0">
-                <a:solidFill>
-                  <a:srgbClr val="000000"/>
-                </a:solidFill>
-                <a:latin typeface="Consolas" panose="020B0609020204030204" pitchFamily="49" charset="0"/>
-                <a:ea typeface="Calibri" panose="020F0502020204030204" pitchFamily="34" charset="0"/>
-                <a:cs typeface="Consolas" panose="020B0609020204030204" pitchFamily="49" charset="0"/>
-              </a:rPr>
-              <a:t>  </a:t>
-            </a:r>
-            <a:r>
-              <a:rPr lang="ru-RU" sz="1600" dirty="0">
-                <a:solidFill>
-                  <a:srgbClr val="000000"/>
-                </a:solidFill>
-                <a:latin typeface="Consolas" panose="020B0609020204030204" pitchFamily="49" charset="0"/>
-                <a:ea typeface="Calibri" panose="020F0502020204030204" pitchFamily="34" charset="0"/>
-                <a:cs typeface="Consolas" panose="020B0609020204030204" pitchFamily="49" charset="0"/>
-              </a:rPr>
-              <a:t>}</a:t>
-            </a:r>
-            <a:endParaRPr lang="ru-RU" sz="1600" dirty="0">
-              <a:latin typeface="Consolas" panose="020B0609020204030204" pitchFamily="49" charset="0"/>
-              <a:ea typeface="Calibri" panose="020F0502020204030204" pitchFamily="34" charset="0"/>
-              <a:cs typeface="Times New Roman" panose="02020603050405020304" pitchFamily="18" charset="0"/>
-            </a:endParaRPr>
-          </a:p>
-          <a:p>
-            <a:pPr>
-              <a:spcAft>
-                <a:spcPts val="0"/>
-              </a:spcAft>
-            </a:pPr>
-            <a:r>
-              <a:rPr lang="en-US" sz="1600" dirty="0">
-                <a:solidFill>
-                  <a:srgbClr val="2B91AF"/>
-                </a:solidFill>
-                <a:latin typeface="Consolas" panose="020B0609020204030204" pitchFamily="49" charset="0"/>
-                <a:ea typeface="Calibri" panose="020F0502020204030204" pitchFamily="34" charset="0"/>
-                <a:cs typeface="Consolas" panose="020B0609020204030204" pitchFamily="49" charset="0"/>
-              </a:rPr>
-              <a:t>  </a:t>
-            </a:r>
-            <a:r>
-              <a:rPr lang="ru-RU" sz="1600" dirty="0" err="1">
-                <a:solidFill>
-                  <a:srgbClr val="2B91AF"/>
-                </a:solidFill>
-                <a:latin typeface="Consolas" panose="020B0609020204030204" pitchFamily="49" charset="0"/>
-                <a:ea typeface="Calibri" panose="020F0502020204030204" pitchFamily="34" charset="0"/>
-                <a:cs typeface="Consolas" panose="020B0609020204030204" pitchFamily="49" charset="0"/>
-              </a:rPr>
-              <a:t>Supplier</a:t>
-            </a:r>
-            <a:r>
-              <a:rPr lang="ru-RU" sz="1600" dirty="0">
-                <a:solidFill>
-                  <a:srgbClr val="000000"/>
-                </a:solidFill>
-                <a:latin typeface="Consolas" panose="020B0609020204030204" pitchFamily="49" charset="0"/>
-                <a:ea typeface="Calibri" panose="020F0502020204030204" pitchFamily="34" charset="0"/>
-                <a:cs typeface="Consolas" panose="020B0609020204030204" pitchFamily="49" charset="0"/>
-              </a:rPr>
-              <a:t> DependentMethod3()</a:t>
-            </a:r>
-            <a:r>
-              <a:rPr lang="en-US" sz="1600" dirty="0">
-                <a:latin typeface="Consolas" panose="020B0609020204030204" pitchFamily="49" charset="0"/>
-                <a:ea typeface="Calibri" panose="020F0502020204030204" pitchFamily="34" charset="0"/>
-                <a:cs typeface="Times New Roman" panose="02020603050405020304" pitchFamily="18" charset="0"/>
-              </a:rPr>
-              <a:t> </a:t>
-            </a:r>
-            <a:r>
-              <a:rPr lang="ru-RU" sz="1600" dirty="0">
-                <a:solidFill>
-                  <a:srgbClr val="000000"/>
-                </a:solidFill>
-                <a:latin typeface="Consolas" panose="020B0609020204030204" pitchFamily="49" charset="0"/>
-                <a:ea typeface="Calibri" panose="020F0502020204030204" pitchFamily="34" charset="0"/>
-                <a:cs typeface="Consolas" panose="020B0609020204030204" pitchFamily="49" charset="0"/>
-              </a:rPr>
-              <a:t>{ </a:t>
-            </a:r>
-            <a:r>
-              <a:rPr lang="ru-RU" sz="1600" dirty="0" err="1">
-                <a:solidFill>
-                  <a:srgbClr val="0000FF"/>
-                </a:solidFill>
-                <a:latin typeface="Consolas" panose="020B0609020204030204" pitchFamily="49" charset="0"/>
-                <a:ea typeface="Calibri" panose="020F0502020204030204" pitchFamily="34" charset="0"/>
-                <a:cs typeface="Consolas" panose="020B0609020204030204" pitchFamily="49" charset="0"/>
-              </a:rPr>
-              <a:t>return</a:t>
-            </a:r>
-            <a:r>
-              <a:rPr lang="ru-RU" sz="1600" dirty="0">
-                <a:solidFill>
-                  <a:srgbClr val="000000"/>
-                </a:solidFill>
-                <a:latin typeface="Consolas" panose="020B0609020204030204" pitchFamily="49" charset="0"/>
-                <a:ea typeface="Calibri" panose="020F0502020204030204" pitchFamily="34" charset="0"/>
-                <a:cs typeface="Consolas" panose="020B0609020204030204" pitchFamily="49" charset="0"/>
-              </a:rPr>
-              <a:t> </a:t>
-            </a:r>
-            <a:r>
-              <a:rPr lang="ru-RU" sz="1600" dirty="0" err="1">
-                <a:solidFill>
-                  <a:srgbClr val="2B91AF"/>
-                </a:solidFill>
-                <a:latin typeface="Consolas" panose="020B0609020204030204" pitchFamily="49" charset="0"/>
-                <a:ea typeface="Calibri" panose="020F0502020204030204" pitchFamily="34" charset="0"/>
-                <a:cs typeface="Consolas" panose="020B0609020204030204" pitchFamily="49" charset="0"/>
-              </a:rPr>
-              <a:t>Supplier</a:t>
-            </a:r>
-            <a:r>
-              <a:rPr lang="ru-RU" sz="1600" dirty="0">
-                <a:solidFill>
-                  <a:srgbClr val="000000"/>
-                </a:solidFill>
-                <a:latin typeface="Consolas" panose="020B0609020204030204" pitchFamily="49" charset="0"/>
-                <a:ea typeface="Calibri" panose="020F0502020204030204" pitchFamily="34" charset="0"/>
-                <a:cs typeface="Consolas" panose="020B0609020204030204" pitchFamily="49" charset="0"/>
-              </a:rPr>
-              <a:t>{};</a:t>
-            </a:r>
-            <a:r>
-              <a:rPr lang="en-US" sz="1600" dirty="0">
-                <a:solidFill>
-                  <a:srgbClr val="000000"/>
-                </a:solidFill>
-                <a:latin typeface="Consolas" panose="020B0609020204030204" pitchFamily="49" charset="0"/>
-                <a:ea typeface="Calibri" panose="020F0502020204030204" pitchFamily="34" charset="0"/>
-                <a:cs typeface="Consolas" panose="020B0609020204030204" pitchFamily="49" charset="0"/>
-              </a:rPr>
-              <a:t> </a:t>
-            </a:r>
-            <a:r>
-              <a:rPr lang="ru-RU" sz="1600" dirty="0">
-                <a:solidFill>
-                  <a:srgbClr val="000000"/>
-                </a:solidFill>
-                <a:latin typeface="Consolas" panose="020B0609020204030204" pitchFamily="49" charset="0"/>
-                <a:ea typeface="Calibri" panose="020F0502020204030204" pitchFamily="34" charset="0"/>
-                <a:cs typeface="Consolas" panose="020B0609020204030204" pitchFamily="49" charset="0"/>
-              </a:rPr>
-              <a:t>}</a:t>
-            </a:r>
-            <a:endParaRPr lang="en-US" sz="1600" dirty="0">
-              <a:solidFill>
-                <a:srgbClr val="0000FF"/>
-              </a:solidFill>
-              <a:latin typeface="Consolas" panose="020B0609020204030204" pitchFamily="49" charset="0"/>
-              <a:ea typeface="Calibri" panose="020F0502020204030204" pitchFamily="34" charset="0"/>
-              <a:cs typeface="Consolas" panose="020B0609020204030204" pitchFamily="49" charset="0"/>
-            </a:endParaRPr>
-          </a:p>
-          <a:p>
-            <a:pPr>
-              <a:spcAft>
-                <a:spcPts val="0"/>
-              </a:spcAft>
-            </a:pPr>
-            <a:r>
-              <a:rPr lang="en-US" sz="1600" dirty="0">
-                <a:solidFill>
-                  <a:srgbClr val="0000FF"/>
-                </a:solidFill>
-                <a:latin typeface="Consolas" panose="020B0609020204030204" pitchFamily="49" charset="0"/>
-                <a:ea typeface="Calibri" panose="020F0502020204030204" pitchFamily="34" charset="0"/>
-                <a:cs typeface="Consolas" panose="020B0609020204030204" pitchFamily="49" charset="0"/>
-              </a:rPr>
-              <a:t>  void</a:t>
-            </a:r>
-            <a:r>
-              <a:rPr lang="en-US" sz="1600" dirty="0">
-                <a:solidFill>
-                  <a:srgbClr val="000000"/>
-                </a:solidFill>
-                <a:latin typeface="Consolas" panose="020B0609020204030204" pitchFamily="49" charset="0"/>
-                <a:ea typeface="Calibri" panose="020F0502020204030204" pitchFamily="34" charset="0"/>
-                <a:cs typeface="Consolas" panose="020B0609020204030204" pitchFamily="49" charset="0"/>
-              </a:rPr>
-              <a:t> </a:t>
-            </a:r>
-            <a:r>
-              <a:rPr lang="en-US" sz="1600" dirty="0" err="1">
-                <a:solidFill>
-                  <a:srgbClr val="000000"/>
-                </a:solidFill>
-                <a:latin typeface="Consolas" panose="020B0609020204030204" pitchFamily="49" charset="0"/>
-                <a:ea typeface="Calibri" panose="020F0502020204030204" pitchFamily="34" charset="0"/>
-                <a:cs typeface="Consolas" panose="020B0609020204030204" pitchFamily="49" charset="0"/>
-              </a:rPr>
-              <a:t>IndependentMethod</a:t>
-            </a:r>
-            <a:r>
-              <a:rPr lang="en-US" sz="1600" dirty="0">
-                <a:solidFill>
-                  <a:srgbClr val="000000"/>
-                </a:solidFill>
-                <a:latin typeface="Consolas" panose="020B0609020204030204" pitchFamily="49" charset="0"/>
-                <a:ea typeface="Calibri" panose="020F0502020204030204" pitchFamily="34" charset="0"/>
-                <a:cs typeface="Consolas" panose="020B0609020204030204" pitchFamily="49" charset="0"/>
-              </a:rPr>
-              <a:t>()</a:t>
-            </a:r>
-            <a:endParaRPr lang="ru-RU" sz="1600" dirty="0">
-              <a:latin typeface="Consolas" panose="020B0609020204030204" pitchFamily="49" charset="0"/>
-              <a:ea typeface="Calibri" panose="020F0502020204030204" pitchFamily="34" charset="0"/>
-              <a:cs typeface="Times New Roman" panose="02020603050405020304" pitchFamily="18" charset="0"/>
-            </a:endParaRPr>
-          </a:p>
-          <a:p>
-            <a:pPr>
-              <a:spcAft>
-                <a:spcPts val="0"/>
-              </a:spcAft>
-            </a:pPr>
-            <a:r>
-              <a:rPr lang="en-US" sz="1600" dirty="0">
-                <a:solidFill>
-                  <a:srgbClr val="000000"/>
-                </a:solidFill>
-                <a:latin typeface="Consolas" panose="020B0609020204030204" pitchFamily="49" charset="0"/>
-                <a:ea typeface="Calibri" panose="020F0502020204030204" pitchFamily="34" charset="0"/>
-                <a:cs typeface="Consolas" panose="020B0609020204030204" pitchFamily="49" charset="0"/>
-              </a:rPr>
-              <a:t>  {</a:t>
-            </a:r>
-            <a:endParaRPr lang="ru-RU" sz="1600" dirty="0">
-              <a:latin typeface="Consolas" panose="020B0609020204030204" pitchFamily="49" charset="0"/>
-              <a:ea typeface="Calibri" panose="020F0502020204030204" pitchFamily="34" charset="0"/>
-              <a:cs typeface="Times New Roman" panose="02020603050405020304" pitchFamily="18" charset="0"/>
-            </a:endParaRPr>
-          </a:p>
-          <a:p>
-            <a:pPr>
-              <a:spcAft>
-                <a:spcPts val="0"/>
-              </a:spcAft>
-            </a:pPr>
-            <a:r>
-              <a:rPr lang="en-US" sz="1600" dirty="0">
-                <a:solidFill>
-                  <a:srgbClr val="000000"/>
-                </a:solidFill>
-                <a:latin typeface="Consolas" panose="020B0609020204030204" pitchFamily="49" charset="0"/>
-                <a:ea typeface="Calibri" panose="020F0502020204030204" pitchFamily="34" charset="0"/>
-                <a:cs typeface="Consolas" panose="020B0609020204030204" pitchFamily="49" charset="0"/>
-              </a:rPr>
-              <a:t>    </a:t>
-            </a:r>
-            <a:r>
-              <a:rPr lang="en-US" sz="1600" dirty="0" err="1">
-                <a:solidFill>
-                  <a:srgbClr val="000000"/>
-                </a:solidFill>
-                <a:latin typeface="Consolas" panose="020B0609020204030204" pitchFamily="49" charset="0"/>
-                <a:ea typeface="Calibri" panose="020F0502020204030204" pitchFamily="34" charset="0"/>
-                <a:cs typeface="Consolas" panose="020B0609020204030204" pitchFamily="49" charset="0"/>
-              </a:rPr>
-              <a:t>cout</a:t>
-            </a:r>
-            <a:r>
-              <a:rPr lang="en-US" sz="1600" dirty="0">
-                <a:solidFill>
-                  <a:srgbClr val="000000"/>
-                </a:solidFill>
-                <a:latin typeface="Consolas" panose="020B0609020204030204" pitchFamily="49" charset="0"/>
-                <a:ea typeface="Calibri" panose="020F0502020204030204" pitchFamily="34" charset="0"/>
-                <a:cs typeface="Consolas" panose="020B0609020204030204" pitchFamily="49" charset="0"/>
-              </a:rPr>
-              <a:t> &lt;&lt; </a:t>
-            </a:r>
-            <a:r>
-              <a:rPr lang="en-US" sz="1600" dirty="0">
-                <a:solidFill>
-                  <a:srgbClr val="A31515"/>
-                </a:solidFill>
-                <a:latin typeface="Consolas" panose="020B0609020204030204" pitchFamily="49" charset="0"/>
-                <a:ea typeface="Calibri" panose="020F0502020204030204" pitchFamily="34" charset="0"/>
-                <a:cs typeface="Consolas" panose="020B0609020204030204" pitchFamily="49" charset="0"/>
-              </a:rPr>
-              <a:t>"</a:t>
-            </a:r>
-            <a:r>
-              <a:rPr lang="en-US" sz="1600" dirty="0" err="1">
-                <a:solidFill>
-                  <a:srgbClr val="A31515"/>
-                </a:solidFill>
-                <a:latin typeface="Consolas" panose="020B0609020204030204" pitchFamily="49" charset="0"/>
-                <a:ea typeface="Calibri" panose="020F0502020204030204" pitchFamily="34" charset="0"/>
-                <a:cs typeface="Consolas" panose="020B0609020204030204" pitchFamily="49" charset="0"/>
-              </a:rPr>
-              <a:t>Hello"</a:t>
-            </a:r>
-            <a:r>
-              <a:rPr lang="en-US" sz="1600" dirty="0" err="1">
-                <a:solidFill>
-                  <a:srgbClr val="000000"/>
-                </a:solidFill>
-                <a:latin typeface="Consolas" panose="020B0609020204030204" pitchFamily="49" charset="0"/>
-                <a:ea typeface="Calibri" panose="020F0502020204030204" pitchFamily="34" charset="0"/>
-                <a:cs typeface="Consolas" panose="020B0609020204030204" pitchFamily="49" charset="0"/>
-              </a:rPr>
-              <a:t>s</a:t>
-            </a:r>
-            <a:r>
-              <a:rPr lang="en-US" sz="1600" dirty="0">
-                <a:solidFill>
-                  <a:srgbClr val="000000"/>
-                </a:solidFill>
-                <a:latin typeface="Consolas" panose="020B0609020204030204" pitchFamily="49" charset="0"/>
-                <a:ea typeface="Calibri" panose="020F0502020204030204" pitchFamily="34" charset="0"/>
-                <a:cs typeface="Consolas" panose="020B0609020204030204" pitchFamily="49" charset="0"/>
-              </a:rPr>
-              <a:t> &lt;&lt; </a:t>
-            </a:r>
-            <a:r>
-              <a:rPr lang="en-US" sz="1600" dirty="0" err="1">
-                <a:solidFill>
-                  <a:srgbClr val="000000"/>
-                </a:solidFill>
-                <a:latin typeface="Consolas" panose="020B0609020204030204" pitchFamily="49" charset="0"/>
-                <a:ea typeface="Calibri" panose="020F0502020204030204" pitchFamily="34" charset="0"/>
-                <a:cs typeface="Consolas" panose="020B0609020204030204" pitchFamily="49" charset="0"/>
-              </a:rPr>
-              <a:t>endl</a:t>
-            </a:r>
-            <a:r>
-              <a:rPr lang="en-US" sz="1600" dirty="0">
-                <a:solidFill>
-                  <a:srgbClr val="000000"/>
-                </a:solidFill>
-                <a:latin typeface="Consolas" panose="020B0609020204030204" pitchFamily="49" charset="0"/>
-                <a:ea typeface="Calibri" panose="020F0502020204030204" pitchFamily="34" charset="0"/>
-                <a:cs typeface="Consolas" panose="020B0609020204030204" pitchFamily="49" charset="0"/>
-              </a:rPr>
-              <a:t>;</a:t>
-            </a:r>
-            <a:endParaRPr lang="ru-RU" sz="1600" dirty="0">
-              <a:latin typeface="Consolas" panose="020B0609020204030204" pitchFamily="49" charset="0"/>
-              <a:ea typeface="Calibri" panose="020F0502020204030204" pitchFamily="34" charset="0"/>
-              <a:cs typeface="Times New Roman" panose="02020603050405020304" pitchFamily="18" charset="0"/>
-            </a:endParaRPr>
-          </a:p>
-          <a:p>
-            <a:pPr>
-              <a:spcAft>
-                <a:spcPts val="0"/>
-              </a:spcAft>
-            </a:pPr>
-            <a:r>
-              <a:rPr lang="en-US" sz="1600" dirty="0">
-                <a:solidFill>
-                  <a:srgbClr val="000000"/>
-                </a:solidFill>
-                <a:latin typeface="Consolas" panose="020B0609020204030204" pitchFamily="49" charset="0"/>
-                <a:ea typeface="Calibri" panose="020F0502020204030204" pitchFamily="34" charset="0"/>
-                <a:cs typeface="Consolas" panose="020B0609020204030204" pitchFamily="49" charset="0"/>
-              </a:rPr>
-              <a:t>  </a:t>
-            </a:r>
-            <a:r>
-              <a:rPr lang="ru-RU" sz="1600" dirty="0">
-                <a:solidFill>
-                  <a:srgbClr val="000000"/>
-                </a:solidFill>
-                <a:latin typeface="Consolas" panose="020B0609020204030204" pitchFamily="49" charset="0"/>
-                <a:ea typeface="Calibri" panose="020F0502020204030204" pitchFamily="34" charset="0"/>
-                <a:cs typeface="Consolas" panose="020B0609020204030204" pitchFamily="49" charset="0"/>
-              </a:rPr>
-              <a:t>}</a:t>
-            </a:r>
-            <a:endParaRPr lang="ru-RU" sz="1600" dirty="0">
-              <a:latin typeface="Consolas" panose="020B0609020204030204" pitchFamily="49" charset="0"/>
-              <a:ea typeface="Calibri" panose="020F0502020204030204" pitchFamily="34" charset="0"/>
-              <a:cs typeface="Times New Roman" panose="02020603050405020304" pitchFamily="18" charset="0"/>
-            </a:endParaRPr>
-          </a:p>
-          <a:p>
-            <a:pPr>
-              <a:spcAft>
-                <a:spcPts val="0"/>
-              </a:spcAft>
-            </a:pPr>
-            <a:r>
-              <a:rPr lang="ru-RU" sz="1600" dirty="0">
-                <a:solidFill>
-                  <a:srgbClr val="000000"/>
-                </a:solidFill>
-                <a:latin typeface="Consolas" panose="020B0609020204030204" pitchFamily="49" charset="0"/>
-                <a:ea typeface="Calibri" panose="020F0502020204030204" pitchFamily="34" charset="0"/>
-                <a:cs typeface="Consolas" panose="020B0609020204030204" pitchFamily="49" charset="0"/>
-              </a:rPr>
-              <a:t>};</a:t>
-            </a:r>
-            <a:endParaRPr lang="ru-RU" sz="1600" dirty="0">
-              <a:latin typeface="Consolas" panose="020B0609020204030204" pitchFamily="49" charset="0"/>
-              <a:ea typeface="Calibri" panose="020F0502020204030204" pitchFamily="34" charset="0"/>
-              <a:cs typeface="Times New Roman" panose="02020603050405020304" pitchFamily="18" charset="0"/>
-            </a:endParaRPr>
-          </a:p>
-        </p:txBody>
-      </p:sp>
-      <p:sp>
-        <p:nvSpPr>
-          <p:cNvPr id="8" name="Заголовок 7">
-            <a:extLst>
-              <a:ext uri="{FF2B5EF4-FFF2-40B4-BE49-F238E27FC236}">
-                <a16:creationId xmlns:a16="http://schemas.microsoft.com/office/drawing/2014/main" id="{E1B1CBAD-0E16-4617-82CD-F2695C037998}"/>
+                <a16:creationId xmlns:a16="http://schemas.microsoft.com/office/drawing/2014/main" id="{36A3ED60-46B9-4A37-B70A-5752E1E19E57}"/>
               </a:ext>
             </a:extLst>
           </p:cNvPr>
@@ -9924,15 +8988,45 @@
           <a:p>
             <a:r>
               <a:rPr lang="ru-RU" dirty="0"/>
-              <a:t>Пример</a:t>
-            </a:r>
+              <a:t>Зависимость (</a:t>
+            </a:r>
+            <a:r>
+              <a:rPr lang="en-US" dirty="0"/>
+              <a:t>Dependency)</a:t>
+            </a:r>
+            <a:endParaRPr lang="ru-RU" dirty="0"/>
+          </a:p>
+        </p:txBody>
+      </p:sp>
+      <p:sp>
+        <p:nvSpPr>
+          <p:cNvPr id="3" name="Текст 2">
+            <a:extLst>
+              <a:ext uri="{FF2B5EF4-FFF2-40B4-BE49-F238E27FC236}">
+                <a16:creationId xmlns:a16="http://schemas.microsoft.com/office/drawing/2014/main" id="{9AC5D6E4-B347-4185-B6F6-AB7F13C142EB}"/>
+              </a:ext>
+            </a:extLst>
+          </p:cNvPr>
+          <p:cNvSpPr>
+            <a:spLocks noGrp="1"/>
+          </p:cNvSpPr>
+          <p:nvPr>
+            <p:ph type="body" idx="1"/>
+          </p:nvPr>
+        </p:nvSpPr>
+        <p:spPr/>
+        <p:txBody>
+          <a:bodyPr/>
+          <a:lstStyle/>
+          <a:p>
+            <a:endParaRPr lang="ru-RU"/>
           </a:p>
         </p:txBody>
       </p:sp>
     </p:spTree>
     <p:extLst>
       <p:ext uri="{BB962C8B-B14F-4D97-AF65-F5344CB8AC3E}">
-        <p14:creationId xmlns:p14="http://schemas.microsoft.com/office/powerpoint/2010/main" val="1887105715"/>
+        <p14:creationId xmlns:p14="http://schemas.microsoft.com/office/powerpoint/2010/main" val="3571331919"/>
       </p:ext>
     </p:extLst>
   </p:cSld>
@@ -9961,6 +9055,1707 @@
       </p:grpSpPr>
       <p:sp>
         <p:nvSpPr>
+          <p:cNvPr id="4" name="Заголовок 3">
+            <a:extLst>
+              <a:ext uri="{FF2B5EF4-FFF2-40B4-BE49-F238E27FC236}">
+                <a16:creationId xmlns:a16="http://schemas.microsoft.com/office/drawing/2014/main" id="{F6B10609-342F-4D6F-BA8A-7D410D91A064}"/>
+              </a:ext>
+            </a:extLst>
+          </p:cNvPr>
+          <p:cNvSpPr>
+            <a:spLocks noGrp="1"/>
+          </p:cNvSpPr>
+          <p:nvPr>
+            <p:ph type="title"/>
+          </p:nvPr>
+        </p:nvSpPr>
+        <p:spPr/>
+        <p:txBody>
+          <a:bodyPr/>
+          <a:lstStyle/>
+          <a:p>
+            <a:r>
+              <a:rPr lang="ru-RU" dirty="0"/>
+              <a:t>Особенности</a:t>
+            </a:r>
+          </a:p>
+        </p:txBody>
+      </p:sp>
+      <p:sp>
+        <p:nvSpPr>
+          <p:cNvPr id="5" name="Объект 4">
+            <a:extLst>
+              <a:ext uri="{FF2B5EF4-FFF2-40B4-BE49-F238E27FC236}">
+                <a16:creationId xmlns:a16="http://schemas.microsoft.com/office/drawing/2014/main" id="{602CA5C1-4842-495A-B15F-9560F1308EBD}"/>
+              </a:ext>
+            </a:extLst>
+          </p:cNvPr>
+          <p:cNvSpPr>
+            <a:spLocks noGrp="1"/>
+          </p:cNvSpPr>
+          <p:nvPr>
+            <p:ph idx="1"/>
+          </p:nvPr>
+        </p:nvSpPr>
+        <p:spPr/>
+        <p:txBody>
+          <a:bodyPr/>
+          <a:lstStyle/>
+          <a:p>
+            <a:r>
+              <a:rPr lang="ru-RU" dirty="0"/>
+              <a:t>Отношение «Клиент – Поставщик»</a:t>
+            </a:r>
+          </a:p>
+          <a:p>
+            <a:r>
+              <a:rPr lang="ru-RU" dirty="0"/>
+              <a:t>Возникает в следующих случаях:</a:t>
+            </a:r>
+          </a:p>
+          <a:p>
+            <a:pPr lvl="1"/>
+            <a:r>
+              <a:rPr lang="ru-RU" dirty="0"/>
+              <a:t>Поставщик создаётся внутри метода Клиента</a:t>
+            </a:r>
+          </a:p>
+          <a:p>
+            <a:pPr lvl="1"/>
+            <a:r>
+              <a:rPr lang="ru-RU" dirty="0"/>
+              <a:t>Поставщик передаётся в метод Клиента</a:t>
+            </a:r>
+          </a:p>
+          <a:p>
+            <a:pPr lvl="1"/>
+            <a:r>
+              <a:rPr lang="ru-RU" dirty="0"/>
+              <a:t>Метод Клиента возвращает Поставщика</a:t>
+            </a:r>
+          </a:p>
+          <a:p>
+            <a:r>
+              <a:rPr lang="ru-RU" dirty="0"/>
+              <a:t>Поставщик ничего не знает про Клиента</a:t>
+            </a:r>
+          </a:p>
+          <a:p>
+            <a:r>
+              <a:rPr lang="ru-RU" dirty="0"/>
+              <a:t>Зависимость существует на время вызова метода Клиента</a:t>
+            </a:r>
+          </a:p>
+        </p:txBody>
+      </p:sp>
+    </p:spTree>
+    <p:extLst>
+      <p:ext uri="{BB962C8B-B14F-4D97-AF65-F5344CB8AC3E}">
+        <p14:creationId xmlns:p14="http://schemas.microsoft.com/office/powerpoint/2010/main" val="1400479843"/>
+      </p:ext>
+    </p:extLst>
+  </p:cSld>
+  <p:clrMapOvr>
+    <a:masterClrMapping/>
+  </p:clrMapOvr>
+  <p:timing>
+    <p:tnLst>
+      <p:par>
+        <p:cTn id="1" dur="indefinite" restart="never" nodeType="tmRoot">
+          <p:childTnLst>
+            <p:seq concurrent="1" nextAc="seek">
+              <p:cTn id="2" dur="indefinite" nodeType="mainSeq">
+                <p:childTnLst>
+                  <p:par>
+                    <p:cTn id="3" fill="hold">
+                      <p:stCondLst>
+                        <p:cond delay="indefinite"/>
+                      </p:stCondLst>
+                      <p:childTnLst>
+                        <p:par>
+                          <p:cTn id="4" fill="hold">
+                            <p:stCondLst>
+                              <p:cond delay="0"/>
+                            </p:stCondLst>
+                            <p:childTnLst>
+                              <p:par>
+                                <p:cTn id="5" presetID="10" presetClass="entr" presetSubtype="0" fill="hold" grpId="0" nodeType="clickEffect">
+                                  <p:stCondLst>
+                                    <p:cond delay="0"/>
+                                  </p:stCondLst>
+                                  <p:childTnLst>
+                                    <p:set>
+                                      <p:cBhvr>
+                                        <p:cTn id="6" dur="1" fill="hold">
+                                          <p:stCondLst>
+                                            <p:cond delay="0"/>
+                                          </p:stCondLst>
+                                        </p:cTn>
+                                        <p:tgtEl>
+                                          <p:spTgt spid="5">
+                                            <p:txEl>
+                                              <p:pRg st="0" end="0"/>
+                                            </p:txEl>
+                                          </p:spTgt>
+                                        </p:tgtEl>
+                                        <p:attrNameLst>
+                                          <p:attrName>style.visibility</p:attrName>
+                                        </p:attrNameLst>
+                                      </p:cBhvr>
+                                      <p:to>
+                                        <p:strVal val="visible"/>
+                                      </p:to>
+                                    </p:set>
+                                    <p:animEffect transition="in" filter="fade">
+                                      <p:cBhvr>
+                                        <p:cTn id="7" dur="500"/>
+                                        <p:tgtEl>
+                                          <p:spTgt spid="5">
+                                            <p:txEl>
+                                              <p:pRg st="0" end="0"/>
+                                            </p:txEl>
+                                          </p:spTgt>
+                                        </p:tgtEl>
+                                      </p:cBhvr>
+                                    </p:animEffect>
+                                  </p:childTnLst>
+                                </p:cTn>
+                              </p:par>
+                            </p:childTnLst>
+                          </p:cTn>
+                        </p:par>
+                      </p:childTnLst>
+                    </p:cTn>
+                  </p:par>
+                  <p:par>
+                    <p:cTn id="8" fill="hold">
+                      <p:stCondLst>
+                        <p:cond delay="indefinite"/>
+                      </p:stCondLst>
+                      <p:childTnLst>
+                        <p:par>
+                          <p:cTn id="9" fill="hold">
+                            <p:stCondLst>
+                              <p:cond delay="0"/>
+                            </p:stCondLst>
+                            <p:childTnLst>
+                              <p:par>
+                                <p:cTn id="10" presetID="10" presetClass="entr" presetSubtype="0" fill="hold" grpId="0" nodeType="clickEffect">
+                                  <p:stCondLst>
+                                    <p:cond delay="0"/>
+                                  </p:stCondLst>
+                                  <p:childTnLst>
+                                    <p:set>
+                                      <p:cBhvr>
+                                        <p:cTn id="11" dur="1" fill="hold">
+                                          <p:stCondLst>
+                                            <p:cond delay="0"/>
+                                          </p:stCondLst>
+                                        </p:cTn>
+                                        <p:tgtEl>
+                                          <p:spTgt spid="5">
+                                            <p:txEl>
+                                              <p:pRg st="1" end="1"/>
+                                            </p:txEl>
+                                          </p:spTgt>
+                                        </p:tgtEl>
+                                        <p:attrNameLst>
+                                          <p:attrName>style.visibility</p:attrName>
+                                        </p:attrNameLst>
+                                      </p:cBhvr>
+                                      <p:to>
+                                        <p:strVal val="visible"/>
+                                      </p:to>
+                                    </p:set>
+                                    <p:animEffect transition="in" filter="fade">
+                                      <p:cBhvr>
+                                        <p:cTn id="12" dur="500"/>
+                                        <p:tgtEl>
+                                          <p:spTgt spid="5">
+                                            <p:txEl>
+                                              <p:pRg st="1" end="1"/>
+                                            </p:txEl>
+                                          </p:spTgt>
+                                        </p:tgtEl>
+                                      </p:cBhvr>
+                                    </p:animEffect>
+                                  </p:childTnLst>
+                                </p:cTn>
+                              </p:par>
+                              <p:par>
+                                <p:cTn id="13" presetID="10" presetClass="entr" presetSubtype="0" fill="hold" grpId="0" nodeType="withEffect">
+                                  <p:stCondLst>
+                                    <p:cond delay="0"/>
+                                  </p:stCondLst>
+                                  <p:childTnLst>
+                                    <p:set>
+                                      <p:cBhvr>
+                                        <p:cTn id="14" dur="1" fill="hold">
+                                          <p:stCondLst>
+                                            <p:cond delay="0"/>
+                                          </p:stCondLst>
+                                        </p:cTn>
+                                        <p:tgtEl>
+                                          <p:spTgt spid="5">
+                                            <p:txEl>
+                                              <p:pRg st="2" end="2"/>
+                                            </p:txEl>
+                                          </p:spTgt>
+                                        </p:tgtEl>
+                                        <p:attrNameLst>
+                                          <p:attrName>style.visibility</p:attrName>
+                                        </p:attrNameLst>
+                                      </p:cBhvr>
+                                      <p:to>
+                                        <p:strVal val="visible"/>
+                                      </p:to>
+                                    </p:set>
+                                    <p:animEffect transition="in" filter="fade">
+                                      <p:cBhvr>
+                                        <p:cTn id="15" dur="500"/>
+                                        <p:tgtEl>
+                                          <p:spTgt spid="5">
+                                            <p:txEl>
+                                              <p:pRg st="2" end="2"/>
+                                            </p:txEl>
+                                          </p:spTgt>
+                                        </p:tgtEl>
+                                      </p:cBhvr>
+                                    </p:animEffect>
+                                  </p:childTnLst>
+                                </p:cTn>
+                              </p:par>
+                              <p:par>
+                                <p:cTn id="16" presetID="10" presetClass="entr" presetSubtype="0" fill="hold" grpId="0" nodeType="withEffect">
+                                  <p:stCondLst>
+                                    <p:cond delay="0"/>
+                                  </p:stCondLst>
+                                  <p:childTnLst>
+                                    <p:set>
+                                      <p:cBhvr>
+                                        <p:cTn id="17" dur="1" fill="hold">
+                                          <p:stCondLst>
+                                            <p:cond delay="0"/>
+                                          </p:stCondLst>
+                                        </p:cTn>
+                                        <p:tgtEl>
+                                          <p:spTgt spid="5">
+                                            <p:txEl>
+                                              <p:pRg st="3" end="3"/>
+                                            </p:txEl>
+                                          </p:spTgt>
+                                        </p:tgtEl>
+                                        <p:attrNameLst>
+                                          <p:attrName>style.visibility</p:attrName>
+                                        </p:attrNameLst>
+                                      </p:cBhvr>
+                                      <p:to>
+                                        <p:strVal val="visible"/>
+                                      </p:to>
+                                    </p:set>
+                                    <p:animEffect transition="in" filter="fade">
+                                      <p:cBhvr>
+                                        <p:cTn id="18" dur="500"/>
+                                        <p:tgtEl>
+                                          <p:spTgt spid="5">
+                                            <p:txEl>
+                                              <p:pRg st="3" end="3"/>
+                                            </p:txEl>
+                                          </p:spTgt>
+                                        </p:tgtEl>
+                                      </p:cBhvr>
+                                    </p:animEffect>
+                                  </p:childTnLst>
+                                </p:cTn>
+                              </p:par>
+                              <p:par>
+                                <p:cTn id="19" presetID="10" presetClass="entr" presetSubtype="0" fill="hold" grpId="0" nodeType="withEffect">
+                                  <p:stCondLst>
+                                    <p:cond delay="0"/>
+                                  </p:stCondLst>
+                                  <p:childTnLst>
+                                    <p:set>
+                                      <p:cBhvr>
+                                        <p:cTn id="20" dur="1" fill="hold">
+                                          <p:stCondLst>
+                                            <p:cond delay="0"/>
+                                          </p:stCondLst>
+                                        </p:cTn>
+                                        <p:tgtEl>
+                                          <p:spTgt spid="5">
+                                            <p:txEl>
+                                              <p:pRg st="4" end="4"/>
+                                            </p:txEl>
+                                          </p:spTgt>
+                                        </p:tgtEl>
+                                        <p:attrNameLst>
+                                          <p:attrName>style.visibility</p:attrName>
+                                        </p:attrNameLst>
+                                      </p:cBhvr>
+                                      <p:to>
+                                        <p:strVal val="visible"/>
+                                      </p:to>
+                                    </p:set>
+                                    <p:animEffect transition="in" filter="fade">
+                                      <p:cBhvr>
+                                        <p:cTn id="21" dur="500"/>
+                                        <p:tgtEl>
+                                          <p:spTgt spid="5">
+                                            <p:txEl>
+                                              <p:pRg st="4" end="4"/>
+                                            </p:txEl>
+                                          </p:spTgt>
+                                        </p:tgtEl>
+                                      </p:cBhvr>
+                                    </p:animEffect>
+                                  </p:childTnLst>
+                                </p:cTn>
+                              </p:par>
+                            </p:childTnLst>
+                          </p:cTn>
+                        </p:par>
+                      </p:childTnLst>
+                    </p:cTn>
+                  </p:par>
+                  <p:par>
+                    <p:cTn id="22" fill="hold">
+                      <p:stCondLst>
+                        <p:cond delay="indefinite"/>
+                      </p:stCondLst>
+                      <p:childTnLst>
+                        <p:par>
+                          <p:cTn id="23" fill="hold">
+                            <p:stCondLst>
+                              <p:cond delay="0"/>
+                            </p:stCondLst>
+                            <p:childTnLst>
+                              <p:par>
+                                <p:cTn id="24" presetID="10" presetClass="entr" presetSubtype="0" fill="hold" grpId="0" nodeType="clickEffect">
+                                  <p:stCondLst>
+                                    <p:cond delay="0"/>
+                                  </p:stCondLst>
+                                  <p:childTnLst>
+                                    <p:set>
+                                      <p:cBhvr>
+                                        <p:cTn id="25" dur="1" fill="hold">
+                                          <p:stCondLst>
+                                            <p:cond delay="0"/>
+                                          </p:stCondLst>
+                                        </p:cTn>
+                                        <p:tgtEl>
+                                          <p:spTgt spid="5">
+                                            <p:txEl>
+                                              <p:pRg st="5" end="5"/>
+                                            </p:txEl>
+                                          </p:spTgt>
+                                        </p:tgtEl>
+                                        <p:attrNameLst>
+                                          <p:attrName>style.visibility</p:attrName>
+                                        </p:attrNameLst>
+                                      </p:cBhvr>
+                                      <p:to>
+                                        <p:strVal val="visible"/>
+                                      </p:to>
+                                    </p:set>
+                                    <p:animEffect transition="in" filter="fade">
+                                      <p:cBhvr>
+                                        <p:cTn id="26" dur="500"/>
+                                        <p:tgtEl>
+                                          <p:spTgt spid="5">
+                                            <p:txEl>
+                                              <p:pRg st="5" end="5"/>
+                                            </p:txEl>
+                                          </p:spTgt>
+                                        </p:tgtEl>
+                                      </p:cBhvr>
+                                    </p:animEffect>
+                                  </p:childTnLst>
+                                </p:cTn>
+                              </p:par>
+                            </p:childTnLst>
+                          </p:cTn>
+                        </p:par>
+                      </p:childTnLst>
+                    </p:cTn>
+                  </p:par>
+                  <p:par>
+                    <p:cTn id="27" fill="hold">
+                      <p:stCondLst>
+                        <p:cond delay="indefinite"/>
+                      </p:stCondLst>
+                      <p:childTnLst>
+                        <p:par>
+                          <p:cTn id="28" fill="hold">
+                            <p:stCondLst>
+                              <p:cond delay="0"/>
+                            </p:stCondLst>
+                            <p:childTnLst>
+                              <p:par>
+                                <p:cTn id="29" presetID="10" presetClass="entr" presetSubtype="0" fill="hold" grpId="0" nodeType="clickEffect">
+                                  <p:stCondLst>
+                                    <p:cond delay="0"/>
+                                  </p:stCondLst>
+                                  <p:childTnLst>
+                                    <p:set>
+                                      <p:cBhvr>
+                                        <p:cTn id="30" dur="1" fill="hold">
+                                          <p:stCondLst>
+                                            <p:cond delay="0"/>
+                                          </p:stCondLst>
+                                        </p:cTn>
+                                        <p:tgtEl>
+                                          <p:spTgt spid="5">
+                                            <p:txEl>
+                                              <p:pRg st="6" end="6"/>
+                                            </p:txEl>
+                                          </p:spTgt>
+                                        </p:tgtEl>
+                                        <p:attrNameLst>
+                                          <p:attrName>style.visibility</p:attrName>
+                                        </p:attrNameLst>
+                                      </p:cBhvr>
+                                      <p:to>
+                                        <p:strVal val="visible"/>
+                                      </p:to>
+                                    </p:set>
+                                    <p:animEffect transition="in" filter="fade">
+                                      <p:cBhvr>
+                                        <p:cTn id="31" dur="500"/>
+                                        <p:tgtEl>
+                                          <p:spTgt spid="5">
+                                            <p:txEl>
+                                              <p:pRg st="6" end="6"/>
+                                            </p:txEl>
+                                          </p:spTgt>
+                                        </p:tgtEl>
+                                      </p:cBhvr>
+                                    </p:animEffect>
+                                  </p:childTnLst>
+                                </p:cTn>
+                              </p:par>
+                            </p:childTnLst>
+                          </p:cTn>
+                        </p:par>
+                      </p:childTnLst>
+                    </p:cTn>
+                  </p:par>
+                </p:childTnLst>
+              </p:cTn>
+              <p:prevCondLst>
+                <p:cond evt="onPrev" delay="0">
+                  <p:tgtEl>
+                    <p:sldTgt/>
+                  </p:tgtEl>
+                </p:cond>
+              </p:prevCondLst>
+              <p:nextCondLst>
+                <p:cond evt="onNext" delay="0">
+                  <p:tgtEl>
+                    <p:sldTgt/>
+                  </p:tgtEl>
+                </p:cond>
+              </p:nextCondLst>
+            </p:seq>
+          </p:childTnLst>
+        </p:cTn>
+      </p:par>
+    </p:tnLst>
+    <p:bldLst>
+      <p:bldP spid="5" grpId="0" build="p"/>
+    </p:bldLst>
+  </p:timing>
+</p:sld>
+</file>
+
+<file path=ppt/slides/slide18.xml><?xml version="1.0" encoding="utf-8"?>
+<p:sld xmlns:a="http://schemas.openxmlformats.org/drawingml/2006/main" xmlns:r="http://schemas.openxmlformats.org/officeDocument/2006/relationships" xmlns:p="http://schemas.openxmlformats.org/presentationml/2006/main">
+  <p:cSld>
+    <p:spTree>
+      <p:nvGrpSpPr>
+        <p:cNvPr id="1" name=""/>
+        <p:cNvGrpSpPr/>
+        <p:nvPr/>
+      </p:nvGrpSpPr>
+      <p:grpSpPr>
+        <a:xfrm>
+          <a:off x="0" y="0"/>
+          <a:ext cx="0" cy="0"/>
+          <a:chOff x="0" y="0"/>
+          <a:chExt cx="0" cy="0"/>
+        </a:xfrm>
+      </p:grpSpPr>
+      <p:sp>
+        <p:nvSpPr>
+          <p:cNvPr id="6" name="TextBox 5">
+            <a:extLst>
+              <a:ext uri="{FF2B5EF4-FFF2-40B4-BE49-F238E27FC236}">
+                <a16:creationId xmlns:a16="http://schemas.microsoft.com/office/drawing/2014/main" id="{053BA4E5-A729-4593-BC5C-A364B445904D}"/>
+              </a:ext>
+            </a:extLst>
+          </p:cNvPr>
+          <p:cNvSpPr txBox="1"/>
+          <p:nvPr/>
+        </p:nvSpPr>
+        <p:spPr>
+          <a:xfrm>
+            <a:off x="839548" y="1497751"/>
+            <a:ext cx="9682485" cy="5262979"/>
+          </a:xfrm>
+          <a:prstGeom prst="rect">
+            <a:avLst/>
+          </a:prstGeom>
+          <a:noFill/>
+        </p:spPr>
+        <p:txBody>
+          <a:bodyPr wrap="square" numCol="1">
+            <a:spAutoFit/>
+          </a:bodyPr>
+          <a:lstStyle/>
+          <a:p>
+            <a:pPr>
+              <a:spcAft>
+                <a:spcPts val="0"/>
+              </a:spcAft>
+            </a:pPr>
+            <a:r>
+              <a:rPr lang="ru-RU" sz="1600" dirty="0" err="1">
+                <a:solidFill>
+                  <a:srgbClr val="0000FF"/>
+                </a:solidFill>
+                <a:latin typeface="Consolas" panose="020B0609020204030204" pitchFamily="49" charset="0"/>
+                <a:ea typeface="Calibri" panose="020F0502020204030204" pitchFamily="34" charset="0"/>
+                <a:cs typeface="Consolas" panose="020B0609020204030204" pitchFamily="49" charset="0"/>
+              </a:rPr>
+              <a:t>class</a:t>
+            </a:r>
+            <a:r>
+              <a:rPr lang="ru-RU" sz="1600" dirty="0">
+                <a:solidFill>
+                  <a:srgbClr val="000000"/>
+                </a:solidFill>
+                <a:latin typeface="Consolas" panose="020B0609020204030204" pitchFamily="49" charset="0"/>
+                <a:ea typeface="Calibri" panose="020F0502020204030204" pitchFamily="34" charset="0"/>
+                <a:cs typeface="Consolas" panose="020B0609020204030204" pitchFamily="49" charset="0"/>
+              </a:rPr>
+              <a:t> </a:t>
+            </a:r>
+            <a:r>
+              <a:rPr lang="ru-RU" sz="1600" dirty="0" err="1">
+                <a:solidFill>
+                  <a:srgbClr val="2B91AF"/>
+                </a:solidFill>
+                <a:latin typeface="Consolas" panose="020B0609020204030204" pitchFamily="49" charset="0"/>
+                <a:ea typeface="Calibri" panose="020F0502020204030204" pitchFamily="34" charset="0"/>
+                <a:cs typeface="Consolas" panose="020B0609020204030204" pitchFamily="49" charset="0"/>
+              </a:rPr>
+              <a:t>Supplier</a:t>
+            </a:r>
+            <a:endParaRPr lang="ru-RU" sz="1600" dirty="0">
+              <a:latin typeface="Consolas" panose="020B0609020204030204" pitchFamily="49" charset="0"/>
+              <a:ea typeface="Calibri" panose="020F0502020204030204" pitchFamily="34" charset="0"/>
+              <a:cs typeface="Times New Roman" panose="02020603050405020304" pitchFamily="18" charset="0"/>
+            </a:endParaRPr>
+          </a:p>
+          <a:p>
+            <a:pPr>
+              <a:spcAft>
+                <a:spcPts val="0"/>
+              </a:spcAft>
+            </a:pPr>
+            <a:r>
+              <a:rPr lang="ru-RU" sz="1600" dirty="0">
+                <a:solidFill>
+                  <a:srgbClr val="000000"/>
+                </a:solidFill>
+                <a:latin typeface="Consolas" panose="020B0609020204030204" pitchFamily="49" charset="0"/>
+                <a:ea typeface="Calibri" panose="020F0502020204030204" pitchFamily="34" charset="0"/>
+                <a:cs typeface="Consolas" panose="020B0609020204030204" pitchFamily="49" charset="0"/>
+              </a:rPr>
+              <a:t>{</a:t>
+            </a:r>
+            <a:endParaRPr lang="ru-RU" sz="1600" dirty="0">
+              <a:latin typeface="Consolas" panose="020B0609020204030204" pitchFamily="49" charset="0"/>
+              <a:ea typeface="Calibri" panose="020F0502020204030204" pitchFamily="34" charset="0"/>
+              <a:cs typeface="Times New Roman" panose="02020603050405020304" pitchFamily="18" charset="0"/>
+            </a:endParaRPr>
+          </a:p>
+          <a:p>
+            <a:pPr>
+              <a:spcAft>
+                <a:spcPts val="0"/>
+              </a:spcAft>
+            </a:pPr>
+            <a:r>
+              <a:rPr lang="ru-RU" sz="1600" dirty="0" err="1">
+                <a:solidFill>
+                  <a:srgbClr val="0000FF"/>
+                </a:solidFill>
+                <a:latin typeface="Consolas" panose="020B0609020204030204" pitchFamily="49" charset="0"/>
+                <a:ea typeface="Calibri" panose="020F0502020204030204" pitchFamily="34" charset="0"/>
+                <a:cs typeface="Consolas" panose="020B0609020204030204" pitchFamily="49" charset="0"/>
+              </a:rPr>
+              <a:t>public</a:t>
+            </a:r>
+            <a:r>
+              <a:rPr lang="ru-RU" sz="1600" dirty="0">
+                <a:solidFill>
+                  <a:srgbClr val="000000"/>
+                </a:solidFill>
+                <a:latin typeface="Consolas" panose="020B0609020204030204" pitchFamily="49" charset="0"/>
+                <a:ea typeface="Calibri" panose="020F0502020204030204" pitchFamily="34" charset="0"/>
+                <a:cs typeface="Consolas" panose="020B0609020204030204" pitchFamily="49" charset="0"/>
+              </a:rPr>
+              <a:t>:</a:t>
+            </a:r>
+            <a:endParaRPr lang="ru-RU" sz="1600" dirty="0">
+              <a:latin typeface="Consolas" panose="020B0609020204030204" pitchFamily="49" charset="0"/>
+              <a:ea typeface="Calibri" panose="020F0502020204030204" pitchFamily="34" charset="0"/>
+              <a:cs typeface="Times New Roman" panose="02020603050405020304" pitchFamily="18" charset="0"/>
+            </a:endParaRPr>
+          </a:p>
+          <a:p>
+            <a:pPr>
+              <a:spcAft>
+                <a:spcPts val="0"/>
+              </a:spcAft>
+            </a:pPr>
+            <a:r>
+              <a:rPr lang="ru-RU" sz="1600" dirty="0">
+                <a:solidFill>
+                  <a:srgbClr val="000000"/>
+                </a:solidFill>
+                <a:latin typeface="Consolas" panose="020B0609020204030204" pitchFamily="49" charset="0"/>
+                <a:ea typeface="Calibri" panose="020F0502020204030204" pitchFamily="34" charset="0"/>
+                <a:cs typeface="Consolas" panose="020B0609020204030204" pitchFamily="49" charset="0"/>
+              </a:rPr>
+              <a:t>  </a:t>
+            </a:r>
+            <a:r>
+              <a:rPr lang="ru-RU" sz="1600" dirty="0" err="1">
+                <a:solidFill>
+                  <a:srgbClr val="0000FF"/>
+                </a:solidFill>
+                <a:latin typeface="Consolas" panose="020B0609020204030204" pitchFamily="49" charset="0"/>
+                <a:ea typeface="Calibri" panose="020F0502020204030204" pitchFamily="34" charset="0"/>
+                <a:cs typeface="Consolas" panose="020B0609020204030204" pitchFamily="49" charset="0"/>
+              </a:rPr>
+              <a:t>void</a:t>
+            </a:r>
+            <a:r>
+              <a:rPr lang="ru-RU" sz="1600" dirty="0">
+                <a:solidFill>
+                  <a:srgbClr val="000000"/>
+                </a:solidFill>
+                <a:latin typeface="Consolas" panose="020B0609020204030204" pitchFamily="49" charset="0"/>
+                <a:ea typeface="Calibri" panose="020F0502020204030204" pitchFamily="34" charset="0"/>
+                <a:cs typeface="Consolas" panose="020B0609020204030204" pitchFamily="49" charset="0"/>
+              </a:rPr>
+              <a:t> </a:t>
+            </a:r>
+            <a:r>
+              <a:rPr lang="ru-RU" sz="1600" dirty="0" err="1">
+                <a:solidFill>
+                  <a:srgbClr val="000000"/>
+                </a:solidFill>
+                <a:latin typeface="Consolas" panose="020B0609020204030204" pitchFamily="49" charset="0"/>
+                <a:ea typeface="Calibri" panose="020F0502020204030204" pitchFamily="34" charset="0"/>
+                <a:cs typeface="Consolas" panose="020B0609020204030204" pitchFamily="49" charset="0"/>
+              </a:rPr>
+              <a:t>DoSomething</a:t>
+            </a:r>
+            <a:r>
+              <a:rPr lang="ru-RU" sz="1600" dirty="0">
+                <a:solidFill>
+                  <a:srgbClr val="000000"/>
+                </a:solidFill>
+                <a:latin typeface="Consolas" panose="020B0609020204030204" pitchFamily="49" charset="0"/>
+                <a:ea typeface="Calibri" panose="020F0502020204030204" pitchFamily="34" charset="0"/>
+                <a:cs typeface="Consolas" panose="020B0609020204030204" pitchFamily="49" charset="0"/>
+              </a:rPr>
+              <a:t>();</a:t>
+            </a:r>
+            <a:endParaRPr lang="ru-RU" sz="1600" dirty="0">
+              <a:latin typeface="Consolas" panose="020B0609020204030204" pitchFamily="49" charset="0"/>
+              <a:ea typeface="Calibri" panose="020F0502020204030204" pitchFamily="34" charset="0"/>
+              <a:cs typeface="Times New Roman" panose="02020603050405020304" pitchFamily="18" charset="0"/>
+            </a:endParaRPr>
+          </a:p>
+          <a:p>
+            <a:pPr>
+              <a:spcAft>
+                <a:spcPts val="0"/>
+              </a:spcAft>
+            </a:pPr>
+            <a:r>
+              <a:rPr lang="ru-RU" sz="1600" dirty="0">
+                <a:solidFill>
+                  <a:srgbClr val="000000"/>
+                </a:solidFill>
+                <a:latin typeface="Consolas" panose="020B0609020204030204" pitchFamily="49" charset="0"/>
+                <a:ea typeface="Calibri" panose="020F0502020204030204" pitchFamily="34" charset="0"/>
+                <a:cs typeface="Consolas" panose="020B0609020204030204" pitchFamily="49" charset="0"/>
+              </a:rPr>
+              <a:t>};</a:t>
+            </a:r>
+          </a:p>
+          <a:p>
+            <a:pPr>
+              <a:spcAft>
+                <a:spcPts val="0"/>
+              </a:spcAft>
+            </a:pPr>
+            <a:endParaRPr lang="ru-RU" sz="1600" dirty="0">
+              <a:latin typeface="Consolas" panose="020B0609020204030204" pitchFamily="49" charset="0"/>
+              <a:ea typeface="Calibri" panose="020F0502020204030204" pitchFamily="34" charset="0"/>
+              <a:cs typeface="Times New Roman" panose="02020603050405020304" pitchFamily="18" charset="0"/>
+            </a:endParaRPr>
+          </a:p>
+          <a:p>
+            <a:pPr>
+              <a:spcAft>
+                <a:spcPts val="0"/>
+              </a:spcAft>
+            </a:pPr>
+            <a:r>
+              <a:rPr lang="ru-RU" sz="1600" dirty="0" err="1">
+                <a:solidFill>
+                  <a:srgbClr val="0000FF"/>
+                </a:solidFill>
+                <a:latin typeface="Consolas" panose="020B0609020204030204" pitchFamily="49" charset="0"/>
+                <a:ea typeface="Calibri" panose="020F0502020204030204" pitchFamily="34" charset="0"/>
+                <a:cs typeface="Consolas" panose="020B0609020204030204" pitchFamily="49" charset="0"/>
+              </a:rPr>
+              <a:t>class</a:t>
+            </a:r>
+            <a:r>
+              <a:rPr lang="ru-RU" sz="1600" dirty="0">
+                <a:solidFill>
+                  <a:srgbClr val="000000"/>
+                </a:solidFill>
+                <a:latin typeface="Consolas" panose="020B0609020204030204" pitchFamily="49" charset="0"/>
+                <a:ea typeface="Calibri" panose="020F0502020204030204" pitchFamily="34" charset="0"/>
+                <a:cs typeface="Consolas" panose="020B0609020204030204" pitchFamily="49" charset="0"/>
+              </a:rPr>
+              <a:t> </a:t>
+            </a:r>
+            <a:r>
+              <a:rPr lang="ru-RU" sz="1600" dirty="0" err="1">
+                <a:solidFill>
+                  <a:srgbClr val="2B91AF"/>
+                </a:solidFill>
+                <a:latin typeface="Consolas" panose="020B0609020204030204" pitchFamily="49" charset="0"/>
+                <a:ea typeface="Calibri" panose="020F0502020204030204" pitchFamily="34" charset="0"/>
+                <a:cs typeface="Consolas" panose="020B0609020204030204" pitchFamily="49" charset="0"/>
+              </a:rPr>
+              <a:t>Client</a:t>
+            </a:r>
+            <a:endParaRPr lang="ru-RU" sz="1600" dirty="0">
+              <a:latin typeface="Consolas" panose="020B0609020204030204" pitchFamily="49" charset="0"/>
+              <a:ea typeface="Calibri" panose="020F0502020204030204" pitchFamily="34" charset="0"/>
+              <a:cs typeface="Times New Roman" panose="02020603050405020304" pitchFamily="18" charset="0"/>
+            </a:endParaRPr>
+          </a:p>
+          <a:p>
+            <a:pPr>
+              <a:spcAft>
+                <a:spcPts val="0"/>
+              </a:spcAft>
+            </a:pPr>
+            <a:r>
+              <a:rPr lang="ru-RU" sz="1600" dirty="0">
+                <a:solidFill>
+                  <a:srgbClr val="000000"/>
+                </a:solidFill>
+                <a:latin typeface="Consolas" panose="020B0609020204030204" pitchFamily="49" charset="0"/>
+                <a:ea typeface="Calibri" panose="020F0502020204030204" pitchFamily="34" charset="0"/>
+                <a:cs typeface="Consolas" panose="020B0609020204030204" pitchFamily="49" charset="0"/>
+              </a:rPr>
+              <a:t>{</a:t>
+            </a:r>
+            <a:endParaRPr lang="ru-RU" sz="1600" dirty="0">
+              <a:latin typeface="Consolas" panose="020B0609020204030204" pitchFamily="49" charset="0"/>
+              <a:ea typeface="Calibri" panose="020F0502020204030204" pitchFamily="34" charset="0"/>
+              <a:cs typeface="Times New Roman" panose="02020603050405020304" pitchFamily="18" charset="0"/>
+            </a:endParaRPr>
+          </a:p>
+          <a:p>
+            <a:pPr>
+              <a:spcAft>
+                <a:spcPts val="0"/>
+              </a:spcAft>
+            </a:pPr>
+            <a:r>
+              <a:rPr lang="ru-RU" sz="1600" dirty="0" err="1">
+                <a:solidFill>
+                  <a:srgbClr val="0000FF"/>
+                </a:solidFill>
+                <a:latin typeface="Consolas" panose="020B0609020204030204" pitchFamily="49" charset="0"/>
+                <a:ea typeface="Calibri" panose="020F0502020204030204" pitchFamily="34" charset="0"/>
+                <a:cs typeface="Consolas" panose="020B0609020204030204" pitchFamily="49" charset="0"/>
+              </a:rPr>
+              <a:t>public</a:t>
+            </a:r>
+            <a:r>
+              <a:rPr lang="ru-RU" sz="1600" dirty="0">
+                <a:solidFill>
+                  <a:srgbClr val="000000"/>
+                </a:solidFill>
+                <a:latin typeface="Consolas" panose="020B0609020204030204" pitchFamily="49" charset="0"/>
+                <a:ea typeface="Calibri" panose="020F0502020204030204" pitchFamily="34" charset="0"/>
+                <a:cs typeface="Consolas" panose="020B0609020204030204" pitchFamily="49" charset="0"/>
+              </a:rPr>
+              <a:t>:</a:t>
+            </a:r>
+            <a:endParaRPr lang="ru-RU" sz="1600" dirty="0">
+              <a:latin typeface="Consolas" panose="020B0609020204030204" pitchFamily="49" charset="0"/>
+              <a:ea typeface="Calibri" panose="020F0502020204030204" pitchFamily="34" charset="0"/>
+              <a:cs typeface="Times New Roman" panose="02020603050405020304" pitchFamily="18" charset="0"/>
+            </a:endParaRPr>
+          </a:p>
+          <a:p>
+            <a:pPr>
+              <a:spcAft>
+                <a:spcPts val="0"/>
+              </a:spcAft>
+            </a:pPr>
+            <a:r>
+              <a:rPr lang="en-US" sz="1600" dirty="0">
+                <a:solidFill>
+                  <a:srgbClr val="0000FF"/>
+                </a:solidFill>
+                <a:latin typeface="Consolas" panose="020B0609020204030204" pitchFamily="49" charset="0"/>
+                <a:ea typeface="Calibri" panose="020F0502020204030204" pitchFamily="34" charset="0"/>
+                <a:cs typeface="Consolas" panose="020B0609020204030204" pitchFamily="49" charset="0"/>
+              </a:rPr>
+              <a:t>  void</a:t>
+            </a:r>
+            <a:r>
+              <a:rPr lang="en-US" sz="1600" dirty="0">
+                <a:solidFill>
+                  <a:srgbClr val="000000"/>
+                </a:solidFill>
+                <a:latin typeface="Consolas" panose="020B0609020204030204" pitchFamily="49" charset="0"/>
+                <a:ea typeface="Calibri" panose="020F0502020204030204" pitchFamily="34" charset="0"/>
+                <a:cs typeface="Consolas" panose="020B0609020204030204" pitchFamily="49" charset="0"/>
+              </a:rPr>
+              <a:t> </a:t>
+            </a:r>
+            <a:r>
+              <a:rPr lang="en-US" sz="1600" dirty="0" err="1">
+                <a:solidFill>
+                  <a:srgbClr val="000000"/>
+                </a:solidFill>
+                <a:latin typeface="Consolas" panose="020B0609020204030204" pitchFamily="49" charset="0"/>
+                <a:ea typeface="Calibri" panose="020F0502020204030204" pitchFamily="34" charset="0"/>
+                <a:cs typeface="Consolas" panose="020B0609020204030204" pitchFamily="49" charset="0"/>
+              </a:rPr>
+              <a:t>DependentMethod</a:t>
+            </a:r>
+            <a:r>
+              <a:rPr lang="ru-RU" sz="1600" dirty="0">
+                <a:solidFill>
+                  <a:srgbClr val="000000"/>
+                </a:solidFill>
+                <a:latin typeface="Consolas" panose="020B0609020204030204" pitchFamily="49" charset="0"/>
+                <a:ea typeface="Calibri" panose="020F0502020204030204" pitchFamily="34" charset="0"/>
+                <a:cs typeface="Consolas" panose="020B0609020204030204" pitchFamily="49" charset="0"/>
+              </a:rPr>
+              <a:t>1(</a:t>
+            </a:r>
+            <a:r>
+              <a:rPr lang="en-US" sz="1600" b="1" dirty="0">
+                <a:solidFill>
+                  <a:srgbClr val="2B91AF"/>
+                </a:solidFill>
+                <a:latin typeface="Consolas" panose="020B0609020204030204" pitchFamily="49" charset="0"/>
+                <a:ea typeface="Calibri" panose="020F0502020204030204" pitchFamily="34" charset="0"/>
+                <a:cs typeface="Consolas" panose="020B0609020204030204" pitchFamily="49" charset="0"/>
+              </a:rPr>
+              <a:t>Supplier</a:t>
+            </a:r>
+            <a:r>
+              <a:rPr lang="ru-RU" sz="1600" b="1" dirty="0">
+                <a:solidFill>
+                  <a:srgbClr val="000000"/>
+                </a:solidFill>
+                <a:latin typeface="Consolas" panose="020B0609020204030204" pitchFamily="49" charset="0"/>
+                <a:ea typeface="Calibri" panose="020F0502020204030204" pitchFamily="34" charset="0"/>
+                <a:cs typeface="Consolas" panose="020B0609020204030204" pitchFamily="49" charset="0"/>
+              </a:rPr>
+              <a:t>&amp; </a:t>
+            </a:r>
+            <a:r>
+              <a:rPr lang="en-US" sz="1600" b="1" dirty="0">
+                <a:solidFill>
+                  <a:srgbClr val="808080"/>
+                </a:solidFill>
+                <a:latin typeface="Consolas" panose="020B0609020204030204" pitchFamily="49" charset="0"/>
+                <a:ea typeface="Calibri" panose="020F0502020204030204" pitchFamily="34" charset="0"/>
+                <a:cs typeface="Consolas" panose="020B0609020204030204" pitchFamily="49" charset="0"/>
+              </a:rPr>
+              <a:t>supplier</a:t>
+            </a:r>
+            <a:r>
+              <a:rPr lang="ru-RU" sz="1600" dirty="0">
+                <a:solidFill>
+                  <a:srgbClr val="000000"/>
+                </a:solidFill>
+                <a:latin typeface="Consolas" panose="020B0609020204030204" pitchFamily="49" charset="0"/>
+                <a:ea typeface="Calibri" panose="020F0502020204030204" pitchFamily="34" charset="0"/>
+                <a:cs typeface="Consolas" panose="020B0609020204030204" pitchFamily="49" charset="0"/>
+              </a:rPr>
+              <a:t>)</a:t>
+            </a:r>
+            <a:r>
+              <a:rPr lang="en-US" sz="1600" dirty="0">
+                <a:solidFill>
+                  <a:srgbClr val="000000"/>
+                </a:solidFill>
+                <a:latin typeface="Consolas" panose="020B0609020204030204" pitchFamily="49" charset="0"/>
+                <a:ea typeface="Calibri" panose="020F0502020204030204" pitchFamily="34" charset="0"/>
+                <a:cs typeface="Consolas" panose="020B0609020204030204" pitchFamily="49" charset="0"/>
+              </a:rPr>
+              <a:t> </a:t>
+            </a:r>
+            <a:r>
+              <a:rPr lang="ru-RU" sz="1600" dirty="0">
+                <a:solidFill>
+                  <a:srgbClr val="000000"/>
+                </a:solidFill>
+                <a:latin typeface="Consolas" panose="020B0609020204030204" pitchFamily="49" charset="0"/>
+                <a:ea typeface="Calibri" panose="020F0502020204030204" pitchFamily="34" charset="0"/>
+                <a:cs typeface="Consolas" panose="020B0609020204030204" pitchFamily="49" charset="0"/>
+              </a:rPr>
+              <a:t>{</a:t>
+            </a:r>
+            <a:r>
+              <a:rPr lang="en-US" sz="1600" dirty="0">
+                <a:solidFill>
+                  <a:srgbClr val="000000"/>
+                </a:solidFill>
+                <a:latin typeface="Consolas" panose="020B0609020204030204" pitchFamily="49" charset="0"/>
+                <a:ea typeface="Calibri" panose="020F0502020204030204" pitchFamily="34" charset="0"/>
+                <a:cs typeface="Consolas" panose="020B0609020204030204" pitchFamily="49" charset="0"/>
+              </a:rPr>
+              <a:t> </a:t>
+            </a:r>
+            <a:r>
+              <a:rPr lang="en-US" sz="1600" b="1" dirty="0">
+                <a:solidFill>
+                  <a:srgbClr val="808080"/>
+                </a:solidFill>
+                <a:latin typeface="Consolas" panose="020B0609020204030204" pitchFamily="49" charset="0"/>
+                <a:ea typeface="Calibri" panose="020F0502020204030204" pitchFamily="34" charset="0"/>
+                <a:cs typeface="Consolas" panose="020B0609020204030204" pitchFamily="49" charset="0"/>
+              </a:rPr>
+              <a:t>supplier</a:t>
+            </a:r>
+            <a:r>
+              <a:rPr lang="ru-RU" sz="1600" b="1" dirty="0">
+                <a:solidFill>
+                  <a:srgbClr val="000000"/>
+                </a:solidFill>
+                <a:latin typeface="Consolas" panose="020B0609020204030204" pitchFamily="49" charset="0"/>
+                <a:ea typeface="Calibri" panose="020F0502020204030204" pitchFamily="34" charset="0"/>
+                <a:cs typeface="Consolas" panose="020B0609020204030204" pitchFamily="49" charset="0"/>
+              </a:rPr>
+              <a:t>.</a:t>
+            </a:r>
+            <a:r>
+              <a:rPr lang="en-US" sz="1600" b="1" dirty="0">
+                <a:solidFill>
+                  <a:srgbClr val="000000"/>
+                </a:solidFill>
+                <a:latin typeface="Consolas" panose="020B0609020204030204" pitchFamily="49" charset="0"/>
+                <a:ea typeface="Calibri" panose="020F0502020204030204" pitchFamily="34" charset="0"/>
+                <a:cs typeface="Consolas" panose="020B0609020204030204" pitchFamily="49" charset="0"/>
+              </a:rPr>
+              <a:t>DoSomething</a:t>
+            </a:r>
+            <a:r>
+              <a:rPr lang="ru-RU" sz="1600" b="1" dirty="0">
+                <a:solidFill>
+                  <a:srgbClr val="000000"/>
+                </a:solidFill>
+                <a:latin typeface="Consolas" panose="020B0609020204030204" pitchFamily="49" charset="0"/>
+                <a:ea typeface="Calibri" panose="020F0502020204030204" pitchFamily="34" charset="0"/>
+                <a:cs typeface="Consolas" panose="020B0609020204030204" pitchFamily="49" charset="0"/>
+              </a:rPr>
+              <a:t>(); </a:t>
+            </a:r>
+            <a:r>
+              <a:rPr lang="ru-RU" sz="1600" dirty="0">
+                <a:solidFill>
+                  <a:srgbClr val="000000"/>
+                </a:solidFill>
+                <a:latin typeface="Consolas" panose="020B0609020204030204" pitchFamily="49" charset="0"/>
+                <a:ea typeface="Calibri" panose="020F0502020204030204" pitchFamily="34" charset="0"/>
+                <a:cs typeface="Consolas" panose="020B0609020204030204" pitchFamily="49" charset="0"/>
+              </a:rPr>
+              <a:t>}</a:t>
+            </a:r>
+            <a:endParaRPr lang="ru-RU" sz="1600" dirty="0">
+              <a:latin typeface="Consolas" panose="020B0609020204030204" pitchFamily="49" charset="0"/>
+              <a:ea typeface="Calibri" panose="020F0502020204030204" pitchFamily="34" charset="0"/>
+              <a:cs typeface="Times New Roman" panose="02020603050405020304" pitchFamily="18" charset="0"/>
+            </a:endParaRPr>
+          </a:p>
+          <a:p>
+            <a:pPr>
+              <a:spcAft>
+                <a:spcPts val="0"/>
+              </a:spcAft>
+            </a:pPr>
+            <a:r>
+              <a:rPr lang="ru-RU" sz="1600" dirty="0">
+                <a:solidFill>
+                  <a:srgbClr val="0000FF"/>
+                </a:solidFill>
+                <a:latin typeface="Consolas" panose="020B0609020204030204" pitchFamily="49" charset="0"/>
+                <a:ea typeface="Calibri" panose="020F0502020204030204" pitchFamily="34" charset="0"/>
+                <a:cs typeface="Consolas" panose="020B0609020204030204" pitchFamily="49" charset="0"/>
+              </a:rPr>
+              <a:t>  </a:t>
+            </a:r>
+            <a:r>
+              <a:rPr lang="en-US" sz="1600" dirty="0">
+                <a:solidFill>
+                  <a:srgbClr val="0000FF"/>
+                </a:solidFill>
+                <a:latin typeface="Consolas" panose="020B0609020204030204" pitchFamily="49" charset="0"/>
+                <a:ea typeface="Calibri" panose="020F0502020204030204" pitchFamily="34" charset="0"/>
+                <a:cs typeface="Consolas" panose="020B0609020204030204" pitchFamily="49" charset="0"/>
+              </a:rPr>
+              <a:t>void</a:t>
+            </a:r>
+            <a:r>
+              <a:rPr lang="en-US" sz="1600" dirty="0">
+                <a:solidFill>
+                  <a:srgbClr val="000000"/>
+                </a:solidFill>
+                <a:latin typeface="Consolas" panose="020B0609020204030204" pitchFamily="49" charset="0"/>
+                <a:ea typeface="Calibri" panose="020F0502020204030204" pitchFamily="34" charset="0"/>
+                <a:cs typeface="Consolas" panose="020B0609020204030204" pitchFamily="49" charset="0"/>
+              </a:rPr>
+              <a:t> DependentMethod2()</a:t>
+            </a:r>
+            <a:endParaRPr lang="ru-RU" sz="1600" dirty="0">
+              <a:latin typeface="Consolas" panose="020B0609020204030204" pitchFamily="49" charset="0"/>
+              <a:ea typeface="Calibri" panose="020F0502020204030204" pitchFamily="34" charset="0"/>
+              <a:cs typeface="Times New Roman" panose="02020603050405020304" pitchFamily="18" charset="0"/>
+            </a:endParaRPr>
+          </a:p>
+          <a:p>
+            <a:pPr>
+              <a:spcAft>
+                <a:spcPts val="0"/>
+              </a:spcAft>
+            </a:pPr>
+            <a:r>
+              <a:rPr lang="en-US" sz="1600" dirty="0">
+                <a:solidFill>
+                  <a:srgbClr val="000000"/>
+                </a:solidFill>
+                <a:latin typeface="Consolas" panose="020B0609020204030204" pitchFamily="49" charset="0"/>
+                <a:ea typeface="Calibri" panose="020F0502020204030204" pitchFamily="34" charset="0"/>
+                <a:cs typeface="Consolas" panose="020B0609020204030204" pitchFamily="49" charset="0"/>
+              </a:rPr>
+              <a:t>  {</a:t>
+            </a:r>
+            <a:endParaRPr lang="ru-RU" sz="1600" dirty="0">
+              <a:latin typeface="Consolas" panose="020B0609020204030204" pitchFamily="49" charset="0"/>
+              <a:ea typeface="Calibri" panose="020F0502020204030204" pitchFamily="34" charset="0"/>
+              <a:cs typeface="Times New Roman" panose="02020603050405020304" pitchFamily="18" charset="0"/>
+            </a:endParaRPr>
+          </a:p>
+          <a:p>
+            <a:pPr>
+              <a:spcAft>
+                <a:spcPts val="0"/>
+              </a:spcAft>
+            </a:pPr>
+            <a:r>
+              <a:rPr lang="en-US" sz="1600" dirty="0">
+                <a:solidFill>
+                  <a:srgbClr val="000000"/>
+                </a:solidFill>
+                <a:latin typeface="Consolas" panose="020B0609020204030204" pitchFamily="49" charset="0"/>
+                <a:ea typeface="Calibri" panose="020F0502020204030204" pitchFamily="34" charset="0"/>
+                <a:cs typeface="Consolas" panose="020B0609020204030204" pitchFamily="49" charset="0"/>
+              </a:rPr>
+              <a:t>    </a:t>
+            </a:r>
+            <a:r>
+              <a:rPr lang="en-US" sz="1600" b="1" dirty="0">
+                <a:solidFill>
+                  <a:srgbClr val="2B91AF"/>
+                </a:solidFill>
+                <a:latin typeface="Consolas" panose="020B0609020204030204" pitchFamily="49" charset="0"/>
+                <a:ea typeface="Calibri" panose="020F0502020204030204" pitchFamily="34" charset="0"/>
+                <a:cs typeface="Consolas" panose="020B0609020204030204" pitchFamily="49" charset="0"/>
+              </a:rPr>
+              <a:t>Supplier</a:t>
+            </a:r>
+            <a:r>
+              <a:rPr lang="en-US" sz="1600" b="1" dirty="0">
+                <a:solidFill>
+                  <a:srgbClr val="000000"/>
+                </a:solidFill>
+                <a:latin typeface="Consolas" panose="020B0609020204030204" pitchFamily="49" charset="0"/>
+                <a:ea typeface="Calibri" panose="020F0502020204030204" pitchFamily="34" charset="0"/>
+                <a:cs typeface="Consolas" panose="020B0609020204030204" pitchFamily="49" charset="0"/>
+              </a:rPr>
+              <a:t> </a:t>
+            </a:r>
+            <a:r>
+              <a:rPr lang="en-US" sz="1600" b="1" dirty="0" err="1">
+                <a:solidFill>
+                  <a:srgbClr val="000000"/>
+                </a:solidFill>
+                <a:latin typeface="Consolas" panose="020B0609020204030204" pitchFamily="49" charset="0"/>
+                <a:ea typeface="Calibri" panose="020F0502020204030204" pitchFamily="34" charset="0"/>
+                <a:cs typeface="Consolas" panose="020B0609020204030204" pitchFamily="49" charset="0"/>
+              </a:rPr>
+              <a:t>supplier</a:t>
+            </a:r>
+            <a:r>
+              <a:rPr lang="en-US" sz="1600" b="1" dirty="0">
+                <a:solidFill>
+                  <a:srgbClr val="000000"/>
+                </a:solidFill>
+                <a:latin typeface="Consolas" panose="020B0609020204030204" pitchFamily="49" charset="0"/>
+                <a:ea typeface="Calibri" panose="020F0502020204030204" pitchFamily="34" charset="0"/>
+                <a:cs typeface="Consolas" panose="020B0609020204030204" pitchFamily="49" charset="0"/>
+              </a:rPr>
+              <a:t>;</a:t>
+            </a:r>
+            <a:endParaRPr lang="ru-RU" sz="1600" b="1" dirty="0">
+              <a:latin typeface="Consolas" panose="020B0609020204030204" pitchFamily="49" charset="0"/>
+              <a:ea typeface="Calibri" panose="020F0502020204030204" pitchFamily="34" charset="0"/>
+              <a:cs typeface="Times New Roman" panose="02020603050405020304" pitchFamily="18" charset="0"/>
+            </a:endParaRPr>
+          </a:p>
+          <a:p>
+            <a:pPr>
+              <a:spcAft>
+                <a:spcPts val="0"/>
+              </a:spcAft>
+            </a:pPr>
+            <a:r>
+              <a:rPr lang="en-US" sz="1600" b="1" dirty="0">
+                <a:solidFill>
+                  <a:srgbClr val="000000"/>
+                </a:solidFill>
+                <a:latin typeface="Consolas" panose="020B0609020204030204" pitchFamily="49" charset="0"/>
+                <a:ea typeface="Calibri" panose="020F0502020204030204" pitchFamily="34" charset="0"/>
+                <a:cs typeface="Consolas" panose="020B0609020204030204" pitchFamily="49" charset="0"/>
+              </a:rPr>
+              <a:t>    </a:t>
+            </a:r>
+            <a:r>
+              <a:rPr lang="en-US" sz="1600" b="1" dirty="0" err="1">
+                <a:solidFill>
+                  <a:srgbClr val="000000"/>
+                </a:solidFill>
+                <a:latin typeface="Consolas" panose="020B0609020204030204" pitchFamily="49" charset="0"/>
+                <a:ea typeface="Calibri" panose="020F0502020204030204" pitchFamily="34" charset="0"/>
+                <a:cs typeface="Consolas" panose="020B0609020204030204" pitchFamily="49" charset="0"/>
+              </a:rPr>
+              <a:t>supplier.DoSomething</a:t>
+            </a:r>
+            <a:r>
+              <a:rPr lang="en-US" sz="1600" b="1" dirty="0">
+                <a:solidFill>
+                  <a:srgbClr val="000000"/>
+                </a:solidFill>
+                <a:latin typeface="Consolas" panose="020B0609020204030204" pitchFamily="49" charset="0"/>
+                <a:ea typeface="Calibri" panose="020F0502020204030204" pitchFamily="34" charset="0"/>
+                <a:cs typeface="Consolas" panose="020B0609020204030204" pitchFamily="49" charset="0"/>
+              </a:rPr>
+              <a:t>();</a:t>
+            </a:r>
+            <a:endParaRPr lang="ru-RU" sz="1600" b="1" dirty="0">
+              <a:latin typeface="Consolas" panose="020B0609020204030204" pitchFamily="49" charset="0"/>
+              <a:ea typeface="Calibri" panose="020F0502020204030204" pitchFamily="34" charset="0"/>
+              <a:cs typeface="Times New Roman" panose="02020603050405020304" pitchFamily="18" charset="0"/>
+            </a:endParaRPr>
+          </a:p>
+          <a:p>
+            <a:pPr>
+              <a:spcAft>
+                <a:spcPts val="0"/>
+              </a:spcAft>
+            </a:pPr>
+            <a:r>
+              <a:rPr lang="en-US" sz="1600" dirty="0">
+                <a:solidFill>
+                  <a:srgbClr val="000000"/>
+                </a:solidFill>
+                <a:latin typeface="Consolas" panose="020B0609020204030204" pitchFamily="49" charset="0"/>
+                <a:ea typeface="Calibri" panose="020F0502020204030204" pitchFamily="34" charset="0"/>
+                <a:cs typeface="Consolas" panose="020B0609020204030204" pitchFamily="49" charset="0"/>
+              </a:rPr>
+              <a:t>  </a:t>
+            </a:r>
+            <a:r>
+              <a:rPr lang="ru-RU" sz="1600" dirty="0">
+                <a:solidFill>
+                  <a:srgbClr val="000000"/>
+                </a:solidFill>
+                <a:latin typeface="Consolas" panose="020B0609020204030204" pitchFamily="49" charset="0"/>
+                <a:ea typeface="Calibri" panose="020F0502020204030204" pitchFamily="34" charset="0"/>
+                <a:cs typeface="Consolas" panose="020B0609020204030204" pitchFamily="49" charset="0"/>
+              </a:rPr>
+              <a:t>}</a:t>
+            </a:r>
+            <a:endParaRPr lang="ru-RU" sz="1600" dirty="0">
+              <a:latin typeface="Consolas" panose="020B0609020204030204" pitchFamily="49" charset="0"/>
+              <a:ea typeface="Calibri" panose="020F0502020204030204" pitchFamily="34" charset="0"/>
+              <a:cs typeface="Times New Roman" panose="02020603050405020304" pitchFamily="18" charset="0"/>
+            </a:endParaRPr>
+          </a:p>
+          <a:p>
+            <a:pPr>
+              <a:spcAft>
+                <a:spcPts val="0"/>
+              </a:spcAft>
+            </a:pPr>
+            <a:r>
+              <a:rPr lang="en-US" sz="1600" dirty="0">
+                <a:solidFill>
+                  <a:srgbClr val="2B91AF"/>
+                </a:solidFill>
+                <a:latin typeface="Consolas" panose="020B0609020204030204" pitchFamily="49" charset="0"/>
+                <a:ea typeface="Calibri" panose="020F0502020204030204" pitchFamily="34" charset="0"/>
+                <a:cs typeface="Consolas" panose="020B0609020204030204" pitchFamily="49" charset="0"/>
+              </a:rPr>
+              <a:t>  </a:t>
+            </a:r>
+            <a:r>
+              <a:rPr lang="ru-RU" sz="1600" b="1" dirty="0" err="1">
+                <a:solidFill>
+                  <a:srgbClr val="2B91AF"/>
+                </a:solidFill>
+                <a:latin typeface="Consolas" panose="020B0609020204030204" pitchFamily="49" charset="0"/>
+                <a:ea typeface="Calibri" panose="020F0502020204030204" pitchFamily="34" charset="0"/>
+                <a:cs typeface="Consolas" panose="020B0609020204030204" pitchFamily="49" charset="0"/>
+              </a:rPr>
+              <a:t>Supplier</a:t>
+            </a:r>
+            <a:r>
+              <a:rPr lang="ru-RU" sz="1600" dirty="0">
+                <a:solidFill>
+                  <a:srgbClr val="000000"/>
+                </a:solidFill>
+                <a:latin typeface="Consolas" panose="020B0609020204030204" pitchFamily="49" charset="0"/>
+                <a:ea typeface="Calibri" panose="020F0502020204030204" pitchFamily="34" charset="0"/>
+                <a:cs typeface="Consolas" panose="020B0609020204030204" pitchFamily="49" charset="0"/>
+              </a:rPr>
+              <a:t> DependentMethod3()</a:t>
+            </a:r>
+            <a:r>
+              <a:rPr lang="en-US" sz="1600" dirty="0">
+                <a:latin typeface="Consolas" panose="020B0609020204030204" pitchFamily="49" charset="0"/>
+                <a:ea typeface="Calibri" panose="020F0502020204030204" pitchFamily="34" charset="0"/>
+                <a:cs typeface="Times New Roman" panose="02020603050405020304" pitchFamily="18" charset="0"/>
+              </a:rPr>
+              <a:t> </a:t>
+            </a:r>
+            <a:r>
+              <a:rPr lang="ru-RU" sz="1600" dirty="0">
+                <a:solidFill>
+                  <a:srgbClr val="000000"/>
+                </a:solidFill>
+                <a:latin typeface="Consolas" panose="020B0609020204030204" pitchFamily="49" charset="0"/>
+                <a:ea typeface="Calibri" panose="020F0502020204030204" pitchFamily="34" charset="0"/>
+                <a:cs typeface="Consolas" panose="020B0609020204030204" pitchFamily="49" charset="0"/>
+              </a:rPr>
+              <a:t>{ </a:t>
+            </a:r>
+            <a:r>
+              <a:rPr lang="ru-RU" sz="1600" b="1" dirty="0" err="1">
+                <a:solidFill>
+                  <a:srgbClr val="0000FF"/>
+                </a:solidFill>
+                <a:latin typeface="Consolas" panose="020B0609020204030204" pitchFamily="49" charset="0"/>
+                <a:ea typeface="Calibri" panose="020F0502020204030204" pitchFamily="34" charset="0"/>
+                <a:cs typeface="Consolas" panose="020B0609020204030204" pitchFamily="49" charset="0"/>
+              </a:rPr>
+              <a:t>return</a:t>
+            </a:r>
+            <a:r>
+              <a:rPr lang="ru-RU" sz="1600" b="1" dirty="0">
+                <a:solidFill>
+                  <a:srgbClr val="000000"/>
+                </a:solidFill>
+                <a:latin typeface="Consolas" panose="020B0609020204030204" pitchFamily="49" charset="0"/>
+                <a:ea typeface="Calibri" panose="020F0502020204030204" pitchFamily="34" charset="0"/>
+                <a:cs typeface="Consolas" panose="020B0609020204030204" pitchFamily="49" charset="0"/>
+              </a:rPr>
+              <a:t> </a:t>
+            </a:r>
+            <a:r>
+              <a:rPr lang="ru-RU" sz="1600" b="1" dirty="0" err="1">
+                <a:solidFill>
+                  <a:srgbClr val="2B91AF"/>
+                </a:solidFill>
+                <a:latin typeface="Consolas" panose="020B0609020204030204" pitchFamily="49" charset="0"/>
+                <a:ea typeface="Calibri" panose="020F0502020204030204" pitchFamily="34" charset="0"/>
+                <a:cs typeface="Consolas" panose="020B0609020204030204" pitchFamily="49" charset="0"/>
+              </a:rPr>
+              <a:t>Supplier</a:t>
+            </a:r>
+            <a:r>
+              <a:rPr lang="ru-RU" sz="1600" b="1" dirty="0">
+                <a:solidFill>
+                  <a:srgbClr val="000000"/>
+                </a:solidFill>
+                <a:latin typeface="Consolas" panose="020B0609020204030204" pitchFamily="49" charset="0"/>
+                <a:ea typeface="Calibri" panose="020F0502020204030204" pitchFamily="34" charset="0"/>
+                <a:cs typeface="Consolas" panose="020B0609020204030204" pitchFamily="49" charset="0"/>
+              </a:rPr>
+              <a:t>{};</a:t>
+            </a:r>
+            <a:r>
+              <a:rPr lang="en-US" sz="1600" b="1" dirty="0">
+                <a:solidFill>
+                  <a:srgbClr val="000000"/>
+                </a:solidFill>
+                <a:latin typeface="Consolas" panose="020B0609020204030204" pitchFamily="49" charset="0"/>
+                <a:ea typeface="Calibri" panose="020F0502020204030204" pitchFamily="34" charset="0"/>
+                <a:cs typeface="Consolas" panose="020B0609020204030204" pitchFamily="49" charset="0"/>
+              </a:rPr>
+              <a:t> </a:t>
+            </a:r>
+            <a:r>
+              <a:rPr lang="ru-RU" sz="1600" dirty="0">
+                <a:solidFill>
+                  <a:srgbClr val="000000"/>
+                </a:solidFill>
+                <a:latin typeface="Consolas" panose="020B0609020204030204" pitchFamily="49" charset="0"/>
+                <a:ea typeface="Calibri" panose="020F0502020204030204" pitchFamily="34" charset="0"/>
+                <a:cs typeface="Consolas" panose="020B0609020204030204" pitchFamily="49" charset="0"/>
+              </a:rPr>
+              <a:t>}</a:t>
+            </a:r>
+            <a:endParaRPr lang="en-US" sz="1600" dirty="0">
+              <a:solidFill>
+                <a:srgbClr val="0000FF"/>
+              </a:solidFill>
+              <a:latin typeface="Consolas" panose="020B0609020204030204" pitchFamily="49" charset="0"/>
+              <a:ea typeface="Calibri" panose="020F0502020204030204" pitchFamily="34" charset="0"/>
+              <a:cs typeface="Consolas" panose="020B0609020204030204" pitchFamily="49" charset="0"/>
+            </a:endParaRPr>
+          </a:p>
+          <a:p>
+            <a:pPr>
+              <a:spcAft>
+                <a:spcPts val="0"/>
+              </a:spcAft>
+            </a:pPr>
+            <a:r>
+              <a:rPr lang="en-US" sz="1600" dirty="0">
+                <a:solidFill>
+                  <a:srgbClr val="0000FF"/>
+                </a:solidFill>
+                <a:latin typeface="Consolas" panose="020B0609020204030204" pitchFamily="49" charset="0"/>
+                <a:ea typeface="Calibri" panose="020F0502020204030204" pitchFamily="34" charset="0"/>
+                <a:cs typeface="Consolas" panose="020B0609020204030204" pitchFamily="49" charset="0"/>
+              </a:rPr>
+              <a:t>  void</a:t>
+            </a:r>
+            <a:r>
+              <a:rPr lang="en-US" sz="1600" dirty="0">
+                <a:solidFill>
+                  <a:srgbClr val="000000"/>
+                </a:solidFill>
+                <a:latin typeface="Consolas" panose="020B0609020204030204" pitchFamily="49" charset="0"/>
+                <a:ea typeface="Calibri" panose="020F0502020204030204" pitchFamily="34" charset="0"/>
+                <a:cs typeface="Consolas" panose="020B0609020204030204" pitchFamily="49" charset="0"/>
+              </a:rPr>
+              <a:t> </a:t>
+            </a:r>
+            <a:r>
+              <a:rPr lang="en-US" sz="1600" dirty="0" err="1">
+                <a:solidFill>
+                  <a:srgbClr val="000000"/>
+                </a:solidFill>
+                <a:latin typeface="Consolas" panose="020B0609020204030204" pitchFamily="49" charset="0"/>
+                <a:ea typeface="Calibri" panose="020F0502020204030204" pitchFamily="34" charset="0"/>
+                <a:cs typeface="Consolas" panose="020B0609020204030204" pitchFamily="49" charset="0"/>
+              </a:rPr>
+              <a:t>IndependentMethod</a:t>
+            </a:r>
+            <a:r>
+              <a:rPr lang="en-US" sz="1600" dirty="0">
+                <a:solidFill>
+                  <a:srgbClr val="000000"/>
+                </a:solidFill>
+                <a:latin typeface="Consolas" panose="020B0609020204030204" pitchFamily="49" charset="0"/>
+                <a:ea typeface="Calibri" panose="020F0502020204030204" pitchFamily="34" charset="0"/>
+                <a:cs typeface="Consolas" panose="020B0609020204030204" pitchFamily="49" charset="0"/>
+              </a:rPr>
+              <a:t>()</a:t>
+            </a:r>
+            <a:endParaRPr lang="ru-RU" sz="1600" dirty="0">
+              <a:latin typeface="Consolas" panose="020B0609020204030204" pitchFamily="49" charset="0"/>
+              <a:ea typeface="Calibri" panose="020F0502020204030204" pitchFamily="34" charset="0"/>
+              <a:cs typeface="Times New Roman" panose="02020603050405020304" pitchFamily="18" charset="0"/>
+            </a:endParaRPr>
+          </a:p>
+          <a:p>
+            <a:pPr>
+              <a:spcAft>
+                <a:spcPts val="0"/>
+              </a:spcAft>
+            </a:pPr>
+            <a:r>
+              <a:rPr lang="en-US" sz="1600" dirty="0">
+                <a:solidFill>
+                  <a:srgbClr val="000000"/>
+                </a:solidFill>
+                <a:latin typeface="Consolas" panose="020B0609020204030204" pitchFamily="49" charset="0"/>
+                <a:ea typeface="Calibri" panose="020F0502020204030204" pitchFamily="34" charset="0"/>
+                <a:cs typeface="Consolas" panose="020B0609020204030204" pitchFamily="49" charset="0"/>
+              </a:rPr>
+              <a:t>  {</a:t>
+            </a:r>
+            <a:endParaRPr lang="ru-RU" sz="1600" dirty="0">
+              <a:latin typeface="Consolas" panose="020B0609020204030204" pitchFamily="49" charset="0"/>
+              <a:ea typeface="Calibri" panose="020F0502020204030204" pitchFamily="34" charset="0"/>
+              <a:cs typeface="Times New Roman" panose="02020603050405020304" pitchFamily="18" charset="0"/>
+            </a:endParaRPr>
+          </a:p>
+          <a:p>
+            <a:pPr>
+              <a:spcAft>
+                <a:spcPts val="0"/>
+              </a:spcAft>
+            </a:pPr>
+            <a:r>
+              <a:rPr lang="en-US" sz="1600" dirty="0">
+                <a:solidFill>
+                  <a:srgbClr val="000000"/>
+                </a:solidFill>
+                <a:latin typeface="Consolas" panose="020B0609020204030204" pitchFamily="49" charset="0"/>
+                <a:ea typeface="Calibri" panose="020F0502020204030204" pitchFamily="34" charset="0"/>
+                <a:cs typeface="Consolas" panose="020B0609020204030204" pitchFamily="49" charset="0"/>
+              </a:rPr>
+              <a:t>    </a:t>
+            </a:r>
+            <a:r>
+              <a:rPr lang="en-US" sz="1600" dirty="0" err="1">
+                <a:solidFill>
+                  <a:srgbClr val="000000"/>
+                </a:solidFill>
+                <a:latin typeface="Consolas" panose="020B0609020204030204" pitchFamily="49" charset="0"/>
+                <a:ea typeface="Calibri" panose="020F0502020204030204" pitchFamily="34" charset="0"/>
+                <a:cs typeface="Consolas" panose="020B0609020204030204" pitchFamily="49" charset="0"/>
+              </a:rPr>
+              <a:t>cout</a:t>
+            </a:r>
+            <a:r>
+              <a:rPr lang="en-US" sz="1600" dirty="0">
+                <a:solidFill>
+                  <a:srgbClr val="000000"/>
+                </a:solidFill>
+                <a:latin typeface="Consolas" panose="020B0609020204030204" pitchFamily="49" charset="0"/>
+                <a:ea typeface="Calibri" panose="020F0502020204030204" pitchFamily="34" charset="0"/>
+                <a:cs typeface="Consolas" panose="020B0609020204030204" pitchFamily="49" charset="0"/>
+              </a:rPr>
+              <a:t> &lt;&lt; </a:t>
+            </a:r>
+            <a:r>
+              <a:rPr lang="en-US" sz="1600" dirty="0">
+                <a:solidFill>
+                  <a:srgbClr val="A31515"/>
+                </a:solidFill>
+                <a:latin typeface="Consolas" panose="020B0609020204030204" pitchFamily="49" charset="0"/>
+                <a:ea typeface="Calibri" panose="020F0502020204030204" pitchFamily="34" charset="0"/>
+                <a:cs typeface="Consolas" panose="020B0609020204030204" pitchFamily="49" charset="0"/>
+              </a:rPr>
+              <a:t>"</a:t>
+            </a:r>
+            <a:r>
+              <a:rPr lang="en-US" sz="1600" dirty="0" err="1">
+                <a:solidFill>
+                  <a:srgbClr val="A31515"/>
+                </a:solidFill>
+                <a:latin typeface="Consolas" panose="020B0609020204030204" pitchFamily="49" charset="0"/>
+                <a:ea typeface="Calibri" panose="020F0502020204030204" pitchFamily="34" charset="0"/>
+                <a:cs typeface="Consolas" panose="020B0609020204030204" pitchFamily="49" charset="0"/>
+              </a:rPr>
+              <a:t>Hello"</a:t>
+            </a:r>
+            <a:r>
+              <a:rPr lang="en-US" sz="1600" dirty="0" err="1">
+                <a:solidFill>
+                  <a:srgbClr val="000000"/>
+                </a:solidFill>
+                <a:latin typeface="Consolas" panose="020B0609020204030204" pitchFamily="49" charset="0"/>
+                <a:ea typeface="Calibri" panose="020F0502020204030204" pitchFamily="34" charset="0"/>
+                <a:cs typeface="Consolas" panose="020B0609020204030204" pitchFamily="49" charset="0"/>
+              </a:rPr>
+              <a:t>s</a:t>
+            </a:r>
+            <a:r>
+              <a:rPr lang="en-US" sz="1600" dirty="0">
+                <a:solidFill>
+                  <a:srgbClr val="000000"/>
+                </a:solidFill>
+                <a:latin typeface="Consolas" panose="020B0609020204030204" pitchFamily="49" charset="0"/>
+                <a:ea typeface="Calibri" panose="020F0502020204030204" pitchFamily="34" charset="0"/>
+                <a:cs typeface="Consolas" panose="020B0609020204030204" pitchFamily="49" charset="0"/>
+              </a:rPr>
+              <a:t> &lt;&lt; </a:t>
+            </a:r>
+            <a:r>
+              <a:rPr lang="en-US" sz="1600" dirty="0" err="1">
+                <a:solidFill>
+                  <a:srgbClr val="000000"/>
+                </a:solidFill>
+                <a:latin typeface="Consolas" panose="020B0609020204030204" pitchFamily="49" charset="0"/>
+                <a:ea typeface="Calibri" panose="020F0502020204030204" pitchFamily="34" charset="0"/>
+                <a:cs typeface="Consolas" panose="020B0609020204030204" pitchFamily="49" charset="0"/>
+              </a:rPr>
+              <a:t>endl</a:t>
+            </a:r>
+            <a:r>
+              <a:rPr lang="en-US" sz="1600" dirty="0">
+                <a:solidFill>
+                  <a:srgbClr val="000000"/>
+                </a:solidFill>
+                <a:latin typeface="Consolas" panose="020B0609020204030204" pitchFamily="49" charset="0"/>
+                <a:ea typeface="Calibri" panose="020F0502020204030204" pitchFamily="34" charset="0"/>
+                <a:cs typeface="Consolas" panose="020B0609020204030204" pitchFamily="49" charset="0"/>
+              </a:rPr>
+              <a:t>;</a:t>
+            </a:r>
+            <a:endParaRPr lang="ru-RU" sz="1600" dirty="0">
+              <a:latin typeface="Consolas" panose="020B0609020204030204" pitchFamily="49" charset="0"/>
+              <a:ea typeface="Calibri" panose="020F0502020204030204" pitchFamily="34" charset="0"/>
+              <a:cs typeface="Times New Roman" panose="02020603050405020304" pitchFamily="18" charset="0"/>
+            </a:endParaRPr>
+          </a:p>
+          <a:p>
+            <a:pPr>
+              <a:spcAft>
+                <a:spcPts val="0"/>
+              </a:spcAft>
+            </a:pPr>
+            <a:r>
+              <a:rPr lang="en-US" sz="1600" dirty="0">
+                <a:solidFill>
+                  <a:srgbClr val="000000"/>
+                </a:solidFill>
+                <a:latin typeface="Consolas" panose="020B0609020204030204" pitchFamily="49" charset="0"/>
+                <a:ea typeface="Calibri" panose="020F0502020204030204" pitchFamily="34" charset="0"/>
+                <a:cs typeface="Consolas" panose="020B0609020204030204" pitchFamily="49" charset="0"/>
+              </a:rPr>
+              <a:t>  </a:t>
+            </a:r>
+            <a:r>
+              <a:rPr lang="ru-RU" sz="1600" dirty="0">
+                <a:solidFill>
+                  <a:srgbClr val="000000"/>
+                </a:solidFill>
+                <a:latin typeface="Consolas" panose="020B0609020204030204" pitchFamily="49" charset="0"/>
+                <a:ea typeface="Calibri" panose="020F0502020204030204" pitchFamily="34" charset="0"/>
+                <a:cs typeface="Consolas" panose="020B0609020204030204" pitchFamily="49" charset="0"/>
+              </a:rPr>
+              <a:t>}</a:t>
+            </a:r>
+            <a:endParaRPr lang="ru-RU" sz="1600" dirty="0">
+              <a:latin typeface="Consolas" panose="020B0609020204030204" pitchFamily="49" charset="0"/>
+              <a:ea typeface="Calibri" panose="020F0502020204030204" pitchFamily="34" charset="0"/>
+              <a:cs typeface="Times New Roman" panose="02020603050405020304" pitchFamily="18" charset="0"/>
+            </a:endParaRPr>
+          </a:p>
+          <a:p>
+            <a:pPr>
+              <a:spcAft>
+                <a:spcPts val="0"/>
+              </a:spcAft>
+            </a:pPr>
+            <a:r>
+              <a:rPr lang="ru-RU" sz="1600" dirty="0">
+                <a:solidFill>
+                  <a:srgbClr val="000000"/>
+                </a:solidFill>
+                <a:latin typeface="Consolas" panose="020B0609020204030204" pitchFamily="49" charset="0"/>
+                <a:ea typeface="Calibri" panose="020F0502020204030204" pitchFamily="34" charset="0"/>
+                <a:cs typeface="Consolas" panose="020B0609020204030204" pitchFamily="49" charset="0"/>
+              </a:rPr>
+              <a:t>};</a:t>
+            </a:r>
+            <a:endParaRPr lang="ru-RU" sz="1600" dirty="0">
+              <a:latin typeface="Consolas" panose="020B0609020204030204" pitchFamily="49" charset="0"/>
+              <a:ea typeface="Calibri" panose="020F0502020204030204" pitchFamily="34" charset="0"/>
+              <a:cs typeface="Times New Roman" panose="02020603050405020304" pitchFamily="18" charset="0"/>
+            </a:endParaRPr>
+          </a:p>
+        </p:txBody>
+      </p:sp>
+      <p:sp>
+        <p:nvSpPr>
+          <p:cNvPr id="8" name="Заголовок 7">
+            <a:extLst>
+              <a:ext uri="{FF2B5EF4-FFF2-40B4-BE49-F238E27FC236}">
+                <a16:creationId xmlns:a16="http://schemas.microsoft.com/office/drawing/2014/main" id="{E1B1CBAD-0E16-4617-82CD-F2695C037998}"/>
+              </a:ext>
+            </a:extLst>
+          </p:cNvPr>
+          <p:cNvSpPr>
+            <a:spLocks noGrp="1"/>
+          </p:cNvSpPr>
+          <p:nvPr>
+            <p:ph type="title"/>
+          </p:nvPr>
+        </p:nvSpPr>
+        <p:spPr/>
+        <p:txBody>
+          <a:bodyPr/>
+          <a:lstStyle/>
+          <a:p>
+            <a:r>
+              <a:rPr lang="ru-RU" dirty="0"/>
+              <a:t>Пример</a:t>
+            </a:r>
+          </a:p>
+        </p:txBody>
+      </p:sp>
+    </p:spTree>
+    <p:extLst>
+      <p:ext uri="{BB962C8B-B14F-4D97-AF65-F5344CB8AC3E}">
+        <p14:creationId xmlns:p14="http://schemas.microsoft.com/office/powerpoint/2010/main" val="1887105715"/>
+      </p:ext>
+    </p:extLst>
+  </p:cSld>
+  <p:clrMapOvr>
+    <a:masterClrMapping/>
+  </p:clrMapOvr>
+</p:sld>
+</file>
+
+<file path=ppt/slides/slide19.xml><?xml version="1.0" encoding="utf-8"?>
+<p:sld xmlns:a="http://schemas.openxmlformats.org/drawingml/2006/main" xmlns:r="http://schemas.openxmlformats.org/officeDocument/2006/relationships" xmlns:p="http://schemas.openxmlformats.org/presentationml/2006/main">
+  <p:cSld>
+    <p:spTree>
+      <p:nvGrpSpPr>
+        <p:cNvPr id="1" name=""/>
+        <p:cNvGrpSpPr/>
+        <p:nvPr/>
+      </p:nvGrpSpPr>
+      <p:grpSpPr>
+        <a:xfrm>
+          <a:off x="0" y="0"/>
+          <a:ext cx="0" cy="0"/>
+          <a:chOff x="0" y="0"/>
+          <a:chExt cx="0" cy="0"/>
+        </a:xfrm>
+      </p:grpSpPr>
+      <p:sp>
+        <p:nvSpPr>
           <p:cNvPr id="6" name="TextBox 5">
             <a:extLst>
               <a:ext uri="{FF2B5EF4-FFF2-40B4-BE49-F238E27FC236}">
@@ -10228,37 +11023,59 @@
               <a:t>&amp; </a:t>
             </a:r>
             <a:r>
+              <a:rPr lang="en-US" sz="1600" b="1" dirty="0">
+                <a:solidFill>
+                  <a:srgbClr val="808080"/>
+                </a:solidFill>
+                <a:latin typeface="Consolas" panose="020B0609020204030204" pitchFamily="49" charset="0"/>
+                <a:ea typeface="Calibri" panose="020F0502020204030204" pitchFamily="34" charset="0"/>
+                <a:cs typeface="Consolas" panose="020B0609020204030204" pitchFamily="49" charset="0"/>
+              </a:rPr>
+              <a:t>output</a:t>
+            </a:r>
+            <a:r>
               <a:rPr lang="en-US" sz="1600" dirty="0">
                 <a:solidFill>
-                  <a:srgbClr val="808080"/>
-                </a:solidFill>
-                <a:latin typeface="Consolas" panose="020B0609020204030204" pitchFamily="49" charset="0"/>
-                <a:ea typeface="Calibri" panose="020F0502020204030204" pitchFamily="34" charset="0"/>
-                <a:cs typeface="Consolas" panose="020B0609020204030204" pitchFamily="49" charset="0"/>
-              </a:rPr>
-              <a:t>output</a:t>
+                  <a:srgbClr val="000000"/>
+                </a:solidFill>
+                <a:latin typeface="Consolas" panose="020B0609020204030204" pitchFamily="49" charset="0"/>
+                <a:ea typeface="Calibri" panose="020F0502020204030204" pitchFamily="34" charset="0"/>
+                <a:cs typeface="Consolas" panose="020B0609020204030204" pitchFamily="49" charset="0"/>
+              </a:rPr>
+              <a:t>) </a:t>
             </a:r>
             <a:r>
               <a:rPr lang="en-US" sz="1600" dirty="0">
                 <a:solidFill>
-                  <a:srgbClr val="000000"/>
-                </a:solidFill>
-                <a:latin typeface="Consolas" panose="020B0609020204030204" pitchFamily="49" charset="0"/>
-                <a:ea typeface="Calibri" panose="020F0502020204030204" pitchFamily="34" charset="0"/>
-                <a:cs typeface="Consolas" panose="020B0609020204030204" pitchFamily="49" charset="0"/>
-              </a:rPr>
-              <a:t>) </a:t>
+                  <a:srgbClr val="0000FF"/>
+                </a:solidFill>
+                <a:latin typeface="Consolas" panose="020B0609020204030204" pitchFamily="49" charset="0"/>
+                <a:ea typeface="Calibri" panose="020F0502020204030204" pitchFamily="34" charset="0"/>
+                <a:cs typeface="Consolas" panose="020B0609020204030204" pitchFamily="49" charset="0"/>
+              </a:rPr>
+              <a:t>const</a:t>
+            </a:r>
+            <a:r>
+              <a:rPr lang="ru-RU" sz="1600" dirty="0">
+                <a:solidFill>
+                  <a:srgbClr val="0000FF"/>
+                </a:solidFill>
+                <a:latin typeface="Consolas" panose="020B0609020204030204" pitchFamily="49" charset="0"/>
+                <a:ea typeface="Calibri" panose="020F0502020204030204" pitchFamily="34" charset="0"/>
+                <a:cs typeface="Consolas" panose="020B0609020204030204" pitchFamily="49" charset="0"/>
+              </a:rPr>
+              <a:t> </a:t>
             </a:r>
             <a:r>
               <a:rPr lang="en-US" sz="1600" dirty="0">
                 <a:solidFill>
-                  <a:srgbClr val="0000FF"/>
-                </a:solidFill>
-                <a:latin typeface="Consolas" panose="020B0609020204030204" pitchFamily="49" charset="0"/>
-                <a:ea typeface="Calibri" panose="020F0502020204030204" pitchFamily="34" charset="0"/>
-                <a:cs typeface="Consolas" panose="020B0609020204030204" pitchFamily="49" charset="0"/>
-              </a:rPr>
-              <a:t>const</a:t>
+                  <a:srgbClr val="000000"/>
+                </a:solidFill>
+                <a:latin typeface="Consolas" panose="020B0609020204030204" pitchFamily="49" charset="0"/>
+                <a:ea typeface="Calibri" panose="020F0502020204030204" pitchFamily="34" charset="0"/>
+                <a:cs typeface="Consolas" panose="020B0609020204030204" pitchFamily="49" charset="0"/>
+              </a:rPr>
+              <a:t>{</a:t>
             </a:r>
             <a:endParaRPr lang="ru-RU" sz="1600" dirty="0">
               <a:latin typeface="Consolas" panose="020B0609020204030204" pitchFamily="49" charset="0"/>
@@ -10281,7 +11098,73 @@
                 <a:ea typeface="Calibri" panose="020F0502020204030204" pitchFamily="34" charset="0"/>
                 <a:cs typeface="Consolas" panose="020B0609020204030204" pitchFamily="49" charset="0"/>
               </a:rPr>
-              <a:t>  {</a:t>
+              <a:t>    </a:t>
+            </a:r>
+            <a:r>
+              <a:rPr lang="en-US" sz="1600" b="1" dirty="0">
+                <a:solidFill>
+                  <a:srgbClr val="808080"/>
+                </a:solidFill>
+                <a:latin typeface="Consolas" panose="020B0609020204030204" pitchFamily="49" charset="0"/>
+                <a:ea typeface="Calibri" panose="020F0502020204030204" pitchFamily="34" charset="0"/>
+                <a:cs typeface="Consolas" panose="020B0609020204030204" pitchFamily="49" charset="0"/>
+              </a:rPr>
+              <a:t>output</a:t>
+            </a:r>
+            <a:r>
+              <a:rPr lang="en-US" sz="1600" dirty="0">
+                <a:solidFill>
+                  <a:srgbClr val="000000"/>
+                </a:solidFill>
+                <a:latin typeface="Consolas" panose="020B0609020204030204" pitchFamily="49" charset="0"/>
+                <a:ea typeface="Calibri" panose="020F0502020204030204" pitchFamily="34" charset="0"/>
+                <a:cs typeface="Consolas" panose="020B0609020204030204" pitchFamily="49" charset="0"/>
+              </a:rPr>
+              <a:t> &lt;&lt; title_ &lt;&lt; </a:t>
+            </a:r>
+            <a:r>
+              <a:rPr lang="en-US" sz="1600" dirty="0" err="1">
+                <a:solidFill>
+                  <a:srgbClr val="000000"/>
+                </a:solidFill>
+                <a:latin typeface="Consolas" panose="020B0609020204030204" pitchFamily="49" charset="0"/>
+                <a:ea typeface="Calibri" panose="020F0502020204030204" pitchFamily="34" charset="0"/>
+                <a:cs typeface="Consolas" panose="020B0609020204030204" pitchFamily="49" charset="0"/>
+              </a:rPr>
+              <a:t>endl</a:t>
+            </a:r>
+            <a:r>
+              <a:rPr lang="en-US" sz="1600" dirty="0">
+                <a:solidFill>
+                  <a:srgbClr val="000000"/>
+                </a:solidFill>
+                <a:latin typeface="Consolas" panose="020B0609020204030204" pitchFamily="49" charset="0"/>
+                <a:ea typeface="Calibri" panose="020F0502020204030204" pitchFamily="34" charset="0"/>
+                <a:cs typeface="Consolas" panose="020B0609020204030204" pitchFamily="49" charset="0"/>
+              </a:rPr>
+              <a:t> &lt;&lt; text_ &lt;&lt; </a:t>
+            </a:r>
+            <a:r>
+              <a:rPr lang="en-US" sz="1600" dirty="0" err="1">
+                <a:solidFill>
+                  <a:srgbClr val="000000"/>
+                </a:solidFill>
+                <a:latin typeface="Consolas" panose="020B0609020204030204" pitchFamily="49" charset="0"/>
+                <a:ea typeface="Calibri" panose="020F0502020204030204" pitchFamily="34" charset="0"/>
+                <a:cs typeface="Consolas" panose="020B0609020204030204" pitchFamily="49" charset="0"/>
+              </a:rPr>
+              <a:t>endl</a:t>
+            </a:r>
+            <a:r>
+              <a:rPr lang="en-US" sz="1600" dirty="0">
+                <a:solidFill>
+                  <a:srgbClr val="000000"/>
+                </a:solidFill>
+                <a:latin typeface="Consolas" panose="020B0609020204030204" pitchFamily="49" charset="0"/>
+                <a:ea typeface="Calibri" panose="020F0502020204030204" pitchFamily="34" charset="0"/>
+                <a:cs typeface="Consolas" panose="020B0609020204030204" pitchFamily="49" charset="0"/>
+              </a:rPr>
+              <a:t>;</a:t>
             </a:r>
             <a:endParaRPr lang="ru-RU" sz="1600" dirty="0">
               <a:latin typeface="Consolas" panose="020B0609020204030204" pitchFamily="49" charset="0"/>
@@ -10304,74 +11187,26 @@
                 <a:ea typeface="Calibri" panose="020F0502020204030204" pitchFamily="34" charset="0"/>
                 <a:cs typeface="Consolas" panose="020B0609020204030204" pitchFamily="49" charset="0"/>
               </a:rPr>
-              <a:t>    </a:t>
-            </a:r>
-            <a:r>
-              <a:rPr lang="en-US" sz="1600" dirty="0">
-                <a:solidFill>
-                  <a:srgbClr val="808080"/>
-                </a:solidFill>
-                <a:latin typeface="Consolas" panose="020B0609020204030204" pitchFamily="49" charset="0"/>
-                <a:ea typeface="Calibri" panose="020F0502020204030204" pitchFamily="34" charset="0"/>
-                <a:cs typeface="Consolas" panose="020B0609020204030204" pitchFamily="49" charset="0"/>
-              </a:rPr>
-              <a:t>output</a:t>
-            </a:r>
-            <a:r>
-              <a:rPr lang="en-US" sz="1600" dirty="0">
-                <a:solidFill>
-                  <a:srgbClr val="000000"/>
-                </a:solidFill>
-                <a:latin typeface="Consolas" panose="020B0609020204030204" pitchFamily="49" charset="0"/>
-                <a:ea typeface="Calibri" panose="020F0502020204030204" pitchFamily="34" charset="0"/>
-                <a:cs typeface="Consolas" panose="020B0609020204030204" pitchFamily="49" charset="0"/>
-              </a:rPr>
-              <a:t> &lt;&lt; title_ &lt;&lt; </a:t>
-            </a:r>
-            <a:r>
-              <a:rPr lang="en-US" sz="1600" dirty="0" err="1">
-                <a:solidFill>
-                  <a:srgbClr val="000000"/>
-                </a:solidFill>
-                <a:latin typeface="Consolas" panose="020B0609020204030204" pitchFamily="49" charset="0"/>
-                <a:ea typeface="Calibri" panose="020F0502020204030204" pitchFamily="34" charset="0"/>
-                <a:cs typeface="Consolas" panose="020B0609020204030204" pitchFamily="49" charset="0"/>
-              </a:rPr>
-              <a:t>endl</a:t>
-            </a:r>
-            <a:r>
-              <a:rPr lang="en-US" sz="1600" dirty="0">
-                <a:solidFill>
-                  <a:srgbClr val="000000"/>
-                </a:solidFill>
-                <a:latin typeface="Consolas" panose="020B0609020204030204" pitchFamily="49" charset="0"/>
-                <a:ea typeface="Calibri" panose="020F0502020204030204" pitchFamily="34" charset="0"/>
-                <a:cs typeface="Consolas" panose="020B0609020204030204" pitchFamily="49" charset="0"/>
-              </a:rPr>
-              <a:t> &lt;&lt; text_ &lt;&lt; </a:t>
-            </a:r>
-            <a:r>
-              <a:rPr lang="en-US" sz="1600" dirty="0" err="1">
-                <a:solidFill>
-                  <a:srgbClr val="000000"/>
-                </a:solidFill>
-                <a:latin typeface="Consolas" panose="020B0609020204030204" pitchFamily="49" charset="0"/>
-                <a:ea typeface="Calibri" panose="020F0502020204030204" pitchFamily="34" charset="0"/>
-                <a:cs typeface="Consolas" panose="020B0609020204030204" pitchFamily="49" charset="0"/>
-              </a:rPr>
-              <a:t>endl</a:t>
-            </a:r>
-            <a:r>
-              <a:rPr lang="en-US" sz="1600" dirty="0">
-                <a:solidFill>
-                  <a:srgbClr val="000000"/>
-                </a:solidFill>
-                <a:latin typeface="Consolas" panose="020B0609020204030204" pitchFamily="49" charset="0"/>
-                <a:ea typeface="Calibri" panose="020F0502020204030204" pitchFamily="34" charset="0"/>
-                <a:cs typeface="Consolas" panose="020B0609020204030204" pitchFamily="49" charset="0"/>
-              </a:rPr>
-              <a:t>;</a:t>
-            </a:r>
+              <a:t>  </a:t>
+            </a:r>
+            <a:r>
+              <a:rPr lang="ru-RU" sz="1600" dirty="0">
+                <a:solidFill>
+                  <a:srgbClr val="000000"/>
+                </a:solidFill>
+                <a:latin typeface="Consolas" panose="020B0609020204030204" pitchFamily="49" charset="0"/>
+                <a:ea typeface="Calibri" panose="020F0502020204030204" pitchFamily="34" charset="0"/>
+                <a:cs typeface="Consolas" panose="020B0609020204030204" pitchFamily="49" charset="0"/>
+              </a:rPr>
+              <a:t>}</a:t>
+            </a:r>
+          </a:p>
+          <a:p>
+            <a:pPr>
+              <a:spcAft>
+                <a:spcPts val="0"/>
+              </a:spcAft>
+            </a:pPr>
             <a:endParaRPr lang="ru-RU" sz="1600" dirty="0">
               <a:latin typeface="Consolas" panose="020B0609020204030204" pitchFamily="49" charset="0"/>
               <a:ea typeface="Calibri" panose="020F0502020204030204" pitchFamily="34" charset="0"/>
@@ -10385,7 +11220,7 @@
               </a:spcAft>
             </a:pPr>
             <a:r>
-              <a:rPr lang="en-US" sz="1600" dirty="0">
+              <a:rPr lang="ru-RU" sz="1600" dirty="0">
                 <a:solidFill>
                   <a:srgbClr val="000000"/>
                 </a:solidFill>
@@ -10398,13 +11233,35 @@
             <a:r>
               <a:rPr lang="ru-RU" sz="1600" dirty="0">
                 <a:solidFill>
-                  <a:srgbClr val="000000"/>
-                </a:solidFill>
-                <a:latin typeface="Consolas" panose="020B0609020204030204" pitchFamily="49" charset="0"/>
-                <a:ea typeface="Calibri" panose="020F0502020204030204" pitchFamily="34" charset="0"/>
-                <a:cs typeface="Consolas" panose="020B0609020204030204" pitchFamily="49" charset="0"/>
-              </a:rPr>
-              <a:t>}</a:t>
+                  <a:srgbClr val="008000"/>
+                </a:solidFill>
+                <a:latin typeface="Consolas" panose="020B0609020204030204" pitchFamily="49" charset="0"/>
+                <a:ea typeface="Calibri" panose="020F0502020204030204" pitchFamily="34" charset="0"/>
+                <a:cs typeface="Consolas" panose="020B0609020204030204" pitchFamily="49" charset="0"/>
+              </a:rPr>
+              <a:t>// </a:t>
+            </a:r>
+            <a:r>
+              <a:rPr lang="ru-RU" sz="1600" dirty="0" err="1">
+                <a:solidFill>
+                  <a:srgbClr val="008000"/>
+                </a:solidFill>
+                <a:latin typeface="Consolas" panose="020B0609020204030204" pitchFamily="49" charset="0"/>
+                <a:ea typeface="Calibri" panose="020F0502020204030204" pitchFamily="34" charset="0"/>
+                <a:cs typeface="Consolas" panose="020B0609020204030204" pitchFamily="49" charset="0"/>
+              </a:rPr>
+              <a:t>input</a:t>
+            </a:r>
+            <a:r>
+              <a:rPr lang="ru-RU" sz="1600" dirty="0">
+                <a:solidFill>
+                  <a:srgbClr val="008000"/>
+                </a:solidFill>
+                <a:latin typeface="Consolas" panose="020B0609020204030204" pitchFamily="49" charset="0"/>
+                <a:ea typeface="Calibri" panose="020F0502020204030204" pitchFamily="34" charset="0"/>
+                <a:cs typeface="Consolas" panose="020B0609020204030204" pitchFamily="49" charset="0"/>
+              </a:rPr>
+              <a:t> используется только для чтения документа</a:t>
             </a:r>
             <a:endParaRPr lang="ru-RU" sz="1600" dirty="0">
               <a:latin typeface="Consolas" panose="020B0609020204030204" pitchFamily="49" charset="0"/>
@@ -10430,37 +11287,114 @@
               <a:t>  </a:t>
             </a:r>
             <a:r>
+              <a:rPr lang="en-US" sz="1600" dirty="0">
+                <a:solidFill>
+                  <a:srgbClr val="0000FF"/>
+                </a:solidFill>
+                <a:latin typeface="Consolas" panose="020B0609020204030204" pitchFamily="49" charset="0"/>
+                <a:ea typeface="Calibri" panose="020F0502020204030204" pitchFamily="34" charset="0"/>
+                <a:cs typeface="Consolas" panose="020B0609020204030204" pitchFamily="49" charset="0"/>
+              </a:rPr>
+              <a:t>void</a:t>
+            </a:r>
+            <a:r>
+              <a:rPr lang="en-US" sz="1600" dirty="0">
+                <a:solidFill>
+                  <a:srgbClr val="000000"/>
+                </a:solidFill>
+                <a:latin typeface="Consolas" panose="020B0609020204030204" pitchFamily="49" charset="0"/>
+                <a:ea typeface="Calibri" panose="020F0502020204030204" pitchFamily="34" charset="0"/>
+                <a:cs typeface="Consolas" panose="020B0609020204030204" pitchFamily="49" charset="0"/>
+              </a:rPr>
+              <a:t> </a:t>
+            </a:r>
+            <a:r>
+              <a:rPr lang="en-US" sz="1600" dirty="0" err="1">
+                <a:solidFill>
+                  <a:srgbClr val="000000"/>
+                </a:solidFill>
+                <a:latin typeface="Consolas" panose="020B0609020204030204" pitchFamily="49" charset="0"/>
+                <a:ea typeface="Calibri" panose="020F0502020204030204" pitchFamily="34" charset="0"/>
+                <a:cs typeface="Consolas" panose="020B0609020204030204" pitchFamily="49" charset="0"/>
+              </a:rPr>
+              <a:t>LoadFromStream</a:t>
+            </a:r>
+            <a:r>
+              <a:rPr lang="en-US" sz="1600" dirty="0">
+                <a:solidFill>
+                  <a:srgbClr val="000000"/>
+                </a:solidFill>
+                <a:latin typeface="Consolas" panose="020B0609020204030204" pitchFamily="49" charset="0"/>
+                <a:ea typeface="Calibri" panose="020F0502020204030204" pitchFamily="34" charset="0"/>
+                <a:cs typeface="Consolas" panose="020B0609020204030204" pitchFamily="49" charset="0"/>
+              </a:rPr>
+              <a:t>(</a:t>
+            </a:r>
+            <a:r>
+              <a:rPr lang="en-US" sz="1600" dirty="0" err="1">
+                <a:solidFill>
+                  <a:srgbClr val="000000"/>
+                </a:solidFill>
+                <a:latin typeface="Consolas" panose="020B0609020204030204" pitchFamily="49" charset="0"/>
+                <a:ea typeface="Calibri" panose="020F0502020204030204" pitchFamily="34" charset="0"/>
+                <a:cs typeface="Consolas" panose="020B0609020204030204" pitchFamily="49" charset="0"/>
+              </a:rPr>
+              <a:t>istream</a:t>
+            </a:r>
+            <a:r>
+              <a:rPr lang="en-US" sz="1600" dirty="0">
+                <a:solidFill>
+                  <a:srgbClr val="000000"/>
+                </a:solidFill>
+                <a:latin typeface="Consolas" panose="020B0609020204030204" pitchFamily="49" charset="0"/>
+                <a:ea typeface="Calibri" panose="020F0502020204030204" pitchFamily="34" charset="0"/>
+                <a:cs typeface="Consolas" panose="020B0609020204030204" pitchFamily="49" charset="0"/>
+              </a:rPr>
+              <a:t>&amp; </a:t>
+            </a:r>
+            <a:r>
+              <a:rPr lang="en-US" sz="1600" b="1" dirty="0">
+                <a:solidFill>
+                  <a:srgbClr val="808080"/>
+                </a:solidFill>
+                <a:latin typeface="Consolas" panose="020B0609020204030204" pitchFamily="49" charset="0"/>
+                <a:ea typeface="Calibri" panose="020F0502020204030204" pitchFamily="34" charset="0"/>
+                <a:cs typeface="Consolas" panose="020B0609020204030204" pitchFamily="49" charset="0"/>
+              </a:rPr>
+              <a:t>input</a:t>
+            </a:r>
+            <a:r>
+              <a:rPr lang="en-US" sz="1600" dirty="0">
+                <a:solidFill>
+                  <a:srgbClr val="000000"/>
+                </a:solidFill>
+                <a:latin typeface="Consolas" panose="020B0609020204030204" pitchFamily="49" charset="0"/>
+                <a:ea typeface="Calibri" panose="020F0502020204030204" pitchFamily="34" charset="0"/>
+                <a:cs typeface="Consolas" panose="020B0609020204030204" pitchFamily="49" charset="0"/>
+              </a:rPr>
+              <a:t>)</a:t>
+            </a:r>
+            <a:r>
               <a:rPr lang="ru-RU" sz="1600" dirty="0">
                 <a:solidFill>
-                  <a:srgbClr val="008000"/>
-                </a:solidFill>
-                <a:latin typeface="Consolas" panose="020B0609020204030204" pitchFamily="49" charset="0"/>
-                <a:ea typeface="Calibri" panose="020F0502020204030204" pitchFamily="34" charset="0"/>
-                <a:cs typeface="Consolas" panose="020B0609020204030204" pitchFamily="49" charset="0"/>
-              </a:rPr>
-              <a:t>// </a:t>
-            </a:r>
-            <a:r>
-              <a:rPr lang="ru-RU" sz="1600" dirty="0" err="1">
-                <a:solidFill>
-                  <a:srgbClr val="008000"/>
-                </a:solidFill>
-                <a:latin typeface="Consolas" panose="020B0609020204030204" pitchFamily="49" charset="0"/>
-                <a:ea typeface="Calibri" panose="020F0502020204030204" pitchFamily="34" charset="0"/>
-                <a:cs typeface="Consolas" panose="020B0609020204030204" pitchFamily="49" charset="0"/>
-              </a:rPr>
-              <a:t>input</a:t>
-            </a:r>
-            <a:r>
-              <a:rPr lang="ru-RU" sz="1600" dirty="0">
-                <a:solidFill>
-                  <a:srgbClr val="008000"/>
-                </a:solidFill>
-                <a:latin typeface="Consolas" panose="020B0609020204030204" pitchFamily="49" charset="0"/>
-                <a:ea typeface="Calibri" panose="020F0502020204030204" pitchFamily="34" charset="0"/>
-                <a:cs typeface="Consolas" panose="020B0609020204030204" pitchFamily="49" charset="0"/>
-              </a:rPr>
-              <a:t> используется только для чтения документа</a:t>
+                  <a:srgbClr val="000000"/>
+                </a:solidFill>
+                <a:latin typeface="Consolas" panose="020B0609020204030204" pitchFamily="49" charset="0"/>
+                <a:ea typeface="Calibri" panose="020F0502020204030204" pitchFamily="34" charset="0"/>
+                <a:cs typeface="Consolas" panose="020B0609020204030204" pitchFamily="49" charset="0"/>
+              </a:rPr>
+              <a:t> </a:t>
+            </a:r>
+            <a:r>
+              <a:rPr lang="en-US" sz="1600" dirty="0">
+                <a:solidFill>
+                  <a:srgbClr val="000000"/>
+                </a:solidFill>
+                <a:latin typeface="Consolas" panose="020B0609020204030204" pitchFamily="49" charset="0"/>
+                <a:ea typeface="Calibri" panose="020F0502020204030204" pitchFamily="34" charset="0"/>
+                <a:cs typeface="Consolas" panose="020B0609020204030204" pitchFamily="49" charset="0"/>
+              </a:rPr>
+              <a:t>{</a:t>
             </a:r>
             <a:endParaRPr lang="ru-RU" sz="1600" dirty="0">
               <a:latin typeface="Consolas" panose="020B0609020204030204" pitchFamily="49" charset="0"/>
@@ -10475,26 +11409,26 @@
               </a:spcAft>
             </a:pPr>
             <a:r>
-              <a:rPr lang="ru-RU" sz="1600" dirty="0">
-                <a:solidFill>
-                  <a:srgbClr val="000000"/>
-                </a:solidFill>
-                <a:latin typeface="Consolas" panose="020B0609020204030204" pitchFamily="49" charset="0"/>
-                <a:ea typeface="Calibri" panose="020F0502020204030204" pitchFamily="34" charset="0"/>
-                <a:cs typeface="Consolas" panose="020B0609020204030204" pitchFamily="49" charset="0"/>
-              </a:rPr>
-              <a:t>  </a:t>
-            </a:r>
-            <a:r>
               <a:rPr lang="en-US" sz="1600" dirty="0">
                 <a:solidFill>
-                  <a:srgbClr val="0000FF"/>
-                </a:solidFill>
-                <a:latin typeface="Consolas" panose="020B0609020204030204" pitchFamily="49" charset="0"/>
-                <a:ea typeface="Calibri" panose="020F0502020204030204" pitchFamily="34" charset="0"/>
-                <a:cs typeface="Consolas" panose="020B0609020204030204" pitchFamily="49" charset="0"/>
-              </a:rPr>
-              <a:t>void</a:t>
+                  <a:srgbClr val="000000"/>
+                </a:solidFill>
+                <a:latin typeface="Consolas" panose="020B0609020204030204" pitchFamily="49" charset="0"/>
+                <a:ea typeface="Calibri" panose="020F0502020204030204" pitchFamily="34" charset="0"/>
+                <a:cs typeface="Consolas" panose="020B0609020204030204" pitchFamily="49" charset="0"/>
+              </a:rPr>
+              <a:t>    </a:t>
+            </a:r>
+            <a:r>
+              <a:rPr lang="en-US" sz="1600" dirty="0" err="1">
+                <a:solidFill>
+                  <a:srgbClr val="000000"/>
+                </a:solidFill>
+                <a:latin typeface="Consolas" panose="020B0609020204030204" pitchFamily="49" charset="0"/>
+                <a:ea typeface="Calibri" panose="020F0502020204030204" pitchFamily="34" charset="0"/>
+                <a:cs typeface="Consolas" panose="020B0609020204030204" pitchFamily="49" charset="0"/>
+              </a:rPr>
+              <a:t>getline</a:t>
             </a:r>
             <a:r>
               <a:rPr lang="en-US" sz="1600" dirty="0">
@@ -10505,18 +11439,18 @@
                 <a:ea typeface="Calibri" panose="020F0502020204030204" pitchFamily="34" charset="0"/>
                 <a:cs typeface="Consolas" panose="020B0609020204030204" pitchFamily="49" charset="0"/>
               </a:rPr>
-              <a:t> </a:t>
-            </a:r>
-            <a:r>
-              <a:rPr lang="en-US" sz="1600" dirty="0" err="1">
-                <a:solidFill>
-                  <a:srgbClr val="000000"/>
-                </a:solidFill>
-                <a:latin typeface="Consolas" panose="020B0609020204030204" pitchFamily="49" charset="0"/>
-                <a:ea typeface="Calibri" panose="020F0502020204030204" pitchFamily="34" charset="0"/>
-                <a:cs typeface="Consolas" panose="020B0609020204030204" pitchFamily="49" charset="0"/>
-              </a:rPr>
-              <a:t>LoadFromStream</a:t>
+              <a:t>(</a:t>
+            </a:r>
+            <a:r>
+              <a:rPr lang="en-US" sz="1600" b="1" dirty="0">
+                <a:solidFill>
+                  <a:srgbClr val="808080"/>
+                </a:solidFill>
+                <a:latin typeface="Consolas" panose="020B0609020204030204" pitchFamily="49" charset="0"/>
+                <a:ea typeface="Calibri" panose="020F0502020204030204" pitchFamily="34" charset="0"/>
+                <a:cs typeface="Consolas" panose="020B0609020204030204" pitchFamily="49" charset="0"/>
+              </a:rPr>
+              <a:t>input</a:t>
             </a:r>
             <a:r>
               <a:rPr lang="en-US" sz="1600" dirty="0">
@@ -10527,51 +11461,7 @@
                 <a:ea typeface="Calibri" panose="020F0502020204030204" pitchFamily="34" charset="0"/>
                 <a:cs typeface="Consolas" panose="020B0609020204030204" pitchFamily="49" charset="0"/>
               </a:rPr>
-              <a:t>(</a:t>
-            </a:r>
-            <a:r>
-              <a:rPr lang="en-US" sz="1600" dirty="0" err="1">
-                <a:solidFill>
-                  <a:srgbClr val="000000"/>
-                </a:solidFill>
-                <a:latin typeface="Consolas" panose="020B0609020204030204" pitchFamily="49" charset="0"/>
-                <a:ea typeface="Calibri" panose="020F0502020204030204" pitchFamily="34" charset="0"/>
-                <a:cs typeface="Consolas" panose="020B0609020204030204" pitchFamily="49" charset="0"/>
-              </a:rPr>
-              <a:t>istream</a:t>
-            </a:r>
-            <a:r>
-              <a:rPr lang="en-US" sz="1600" dirty="0">
-                <a:solidFill>
-                  <a:srgbClr val="000000"/>
-                </a:solidFill>
-                <a:latin typeface="Consolas" panose="020B0609020204030204" pitchFamily="49" charset="0"/>
-                <a:ea typeface="Calibri" panose="020F0502020204030204" pitchFamily="34" charset="0"/>
-                <a:cs typeface="Consolas" panose="020B0609020204030204" pitchFamily="49" charset="0"/>
-              </a:rPr>
-              <a:t>&amp; </a:t>
-            </a:r>
-            <a:r>
-              <a:rPr lang="en-US" sz="1600" dirty="0">
-                <a:solidFill>
-                  <a:srgbClr val="808080"/>
-                </a:solidFill>
-                <a:latin typeface="Consolas" panose="020B0609020204030204" pitchFamily="49" charset="0"/>
-                <a:ea typeface="Calibri" panose="020F0502020204030204" pitchFamily="34" charset="0"/>
-                <a:cs typeface="Consolas" panose="020B0609020204030204" pitchFamily="49" charset="0"/>
-              </a:rPr>
-              <a:t>input</a:t>
-            </a:r>
-            <a:r>
-              <a:rPr lang="en-US" sz="1600" dirty="0">
-                <a:solidFill>
-                  <a:srgbClr val="000000"/>
-                </a:solidFill>
-                <a:latin typeface="Consolas" panose="020B0609020204030204" pitchFamily="49" charset="0"/>
-                <a:ea typeface="Calibri" panose="020F0502020204030204" pitchFamily="34" charset="0"/>
-                <a:cs typeface="Consolas" panose="020B0609020204030204" pitchFamily="49" charset="0"/>
-              </a:rPr>
-              <a:t>)</a:t>
+              <a:t>, title_);</a:t>
             </a:r>
             <a:endParaRPr lang="ru-RU" sz="1600" dirty="0">
               <a:latin typeface="Consolas" panose="020B0609020204030204" pitchFamily="49" charset="0"/>
@@ -10594,7 +11484,29 @@
                 <a:ea typeface="Calibri" panose="020F0502020204030204" pitchFamily="34" charset="0"/>
                 <a:cs typeface="Consolas" panose="020B0609020204030204" pitchFamily="49" charset="0"/>
               </a:rPr>
-              <a:t>  {</a:t>
+              <a:t>    text</a:t>
+            </a:r>
+            <a:r>
+              <a:rPr lang="ru-RU" sz="1600" dirty="0">
+                <a:solidFill>
+                  <a:srgbClr val="000000"/>
+                </a:solidFill>
+                <a:latin typeface="Consolas" panose="020B0609020204030204" pitchFamily="49" charset="0"/>
+                <a:ea typeface="Calibri" panose="020F0502020204030204" pitchFamily="34" charset="0"/>
+                <a:cs typeface="Consolas" panose="020B0609020204030204" pitchFamily="49" charset="0"/>
+              </a:rPr>
+              <a:t>_</a:t>
+            </a:r>
+            <a:r>
+              <a:rPr lang="en-US" sz="1600" dirty="0">
+                <a:solidFill>
+                  <a:srgbClr val="000000"/>
+                </a:solidFill>
+                <a:latin typeface="Consolas" panose="020B0609020204030204" pitchFamily="49" charset="0"/>
+                <a:ea typeface="Calibri" panose="020F0502020204030204" pitchFamily="34" charset="0"/>
+                <a:cs typeface="Consolas" panose="020B0609020204030204" pitchFamily="49" charset="0"/>
+              </a:rPr>
+              <a:t>.clear();</a:t>
             </a:r>
             <a:endParaRPr lang="ru-RU" sz="1600" dirty="0">
               <a:latin typeface="Consolas" panose="020B0609020204030204" pitchFamily="49" charset="0"/>
@@ -10617,51 +11529,7 @@
                 <a:ea typeface="Calibri" panose="020F0502020204030204" pitchFamily="34" charset="0"/>
                 <a:cs typeface="Consolas" panose="020B0609020204030204" pitchFamily="49" charset="0"/>
               </a:rPr>
-              <a:t>    </a:t>
-            </a:r>
-            <a:r>
-              <a:rPr lang="en-US" sz="1600" dirty="0" err="1">
-                <a:solidFill>
-                  <a:srgbClr val="000000"/>
-                </a:solidFill>
-                <a:latin typeface="Consolas" panose="020B0609020204030204" pitchFamily="49" charset="0"/>
-                <a:ea typeface="Calibri" panose="020F0502020204030204" pitchFamily="34" charset="0"/>
-                <a:cs typeface="Consolas" panose="020B0609020204030204" pitchFamily="49" charset="0"/>
-              </a:rPr>
-              <a:t>getline</a:t>
-            </a:r>
-            <a:r>
-              <a:rPr lang="en-US" sz="1600" dirty="0">
-                <a:solidFill>
-                  <a:srgbClr val="000000"/>
-                </a:solidFill>
-                <a:latin typeface="Consolas" panose="020B0609020204030204" pitchFamily="49" charset="0"/>
-                <a:ea typeface="Calibri" panose="020F0502020204030204" pitchFamily="34" charset="0"/>
-                <a:cs typeface="Consolas" panose="020B0609020204030204" pitchFamily="49" charset="0"/>
-              </a:rPr>
-              <a:t>(</a:t>
-            </a:r>
-            <a:r>
-              <a:rPr lang="en-US" sz="1600" dirty="0">
-                <a:solidFill>
-                  <a:srgbClr val="808080"/>
-                </a:solidFill>
-                <a:latin typeface="Consolas" panose="020B0609020204030204" pitchFamily="49" charset="0"/>
-                <a:ea typeface="Calibri" panose="020F0502020204030204" pitchFamily="34" charset="0"/>
-                <a:cs typeface="Consolas" panose="020B0609020204030204" pitchFamily="49" charset="0"/>
-              </a:rPr>
-              <a:t>input</a:t>
-            </a:r>
-            <a:r>
-              <a:rPr lang="en-US" sz="1600" dirty="0">
-                <a:solidFill>
-                  <a:srgbClr val="000000"/>
-                </a:solidFill>
-                <a:latin typeface="Consolas" panose="020B0609020204030204" pitchFamily="49" charset="0"/>
-                <a:ea typeface="Calibri" panose="020F0502020204030204" pitchFamily="34" charset="0"/>
-                <a:cs typeface="Consolas" panose="020B0609020204030204" pitchFamily="49" charset="0"/>
-              </a:rPr>
-              <a:t>, title_);</a:t>
+              <a:t>    string line;</a:t>
             </a:r>
             <a:endParaRPr lang="ru-RU" sz="1600" dirty="0">
               <a:latin typeface="Consolas" panose="020B0609020204030204" pitchFamily="49" charset="0"/>
@@ -10684,42 +11552,19 @@
                 <a:ea typeface="Calibri" panose="020F0502020204030204" pitchFamily="34" charset="0"/>
                 <a:cs typeface="Consolas" panose="020B0609020204030204" pitchFamily="49" charset="0"/>
               </a:rPr>
-              <a:t>    text</a:t>
-            </a:r>
-            <a:r>
-              <a:rPr lang="ru-RU" sz="1600" dirty="0">
-                <a:solidFill>
-                  <a:srgbClr val="000000"/>
-                </a:solidFill>
-                <a:latin typeface="Consolas" panose="020B0609020204030204" pitchFamily="49" charset="0"/>
-                <a:ea typeface="Calibri" panose="020F0502020204030204" pitchFamily="34" charset="0"/>
-                <a:cs typeface="Consolas" panose="020B0609020204030204" pitchFamily="49" charset="0"/>
-              </a:rPr>
-              <a:t>_</a:t>
+              <a:t>    </a:t>
             </a:r>
             <a:r>
               <a:rPr lang="en-US" sz="1600" dirty="0">
                 <a:solidFill>
-                  <a:srgbClr val="000000"/>
-                </a:solidFill>
-                <a:latin typeface="Consolas" panose="020B0609020204030204" pitchFamily="49" charset="0"/>
-                <a:ea typeface="Calibri" panose="020F0502020204030204" pitchFamily="34" charset="0"/>
-                <a:cs typeface="Consolas" panose="020B0609020204030204" pitchFamily="49" charset="0"/>
-              </a:rPr>
-              <a:t>.clear();</a:t>
-            </a:r>
-            <a:endParaRPr lang="ru-RU" sz="1600" dirty="0">
-              <a:latin typeface="Consolas" panose="020B0609020204030204" pitchFamily="49" charset="0"/>
-              <a:ea typeface="Calibri" panose="020F0502020204030204" pitchFamily="34" charset="0"/>
-              <a:cs typeface="Times New Roman" panose="02020603050405020304" pitchFamily="18" charset="0"/>
-            </a:endParaRPr>
-          </a:p>
-          <a:p>
-            <a:pPr>
-              <a:spcAft>
-                <a:spcPts val="0"/>
-              </a:spcAft>
-            </a:pPr>
+                  <a:srgbClr val="0000FF"/>
+                </a:solidFill>
+                <a:latin typeface="Consolas" panose="020B0609020204030204" pitchFamily="49" charset="0"/>
+                <a:ea typeface="Calibri" panose="020F0502020204030204" pitchFamily="34" charset="0"/>
+                <a:cs typeface="Consolas" panose="020B0609020204030204" pitchFamily="49" charset="0"/>
+              </a:rPr>
+              <a:t>while</a:t>
+            </a:r>
             <a:r>
               <a:rPr lang="en-US" sz="1600" dirty="0">
                 <a:solidFill>
@@ -10729,20 +11574,19 @@
                 <a:ea typeface="Calibri" panose="020F0502020204030204" pitchFamily="34" charset="0"/>
                 <a:cs typeface="Consolas" panose="020B0609020204030204" pitchFamily="49" charset="0"/>
               </a:rPr>
-              <a:t>    string line;</a:t>
-            </a:r>
-            <a:endParaRPr lang="ru-RU" sz="1600" dirty="0">
-              <a:latin typeface="Consolas" panose="020B0609020204030204" pitchFamily="49" charset="0"/>
-              <a:ea typeface="Calibri" panose="020F0502020204030204" pitchFamily="34" charset="0"/>
-              <a:cs typeface="Times New Roman" panose="02020603050405020304" pitchFamily="18" charset="0"/>
-            </a:endParaRPr>
-          </a:p>
-          <a:p>
-            <a:pPr>
-              <a:spcAft>
-                <a:spcPts val="0"/>
-              </a:spcAft>
-            </a:pPr>
+              <a:t> (</a:t>
+            </a:r>
+            <a:r>
+              <a:rPr lang="en-US" sz="1600" dirty="0" err="1">
+                <a:solidFill>
+                  <a:srgbClr val="000000"/>
+                </a:solidFill>
+                <a:latin typeface="Consolas" panose="020B0609020204030204" pitchFamily="49" charset="0"/>
+                <a:ea typeface="Calibri" panose="020F0502020204030204" pitchFamily="34" charset="0"/>
+                <a:cs typeface="Consolas" panose="020B0609020204030204" pitchFamily="49" charset="0"/>
+              </a:rPr>
+              <a:t>getline</a:t>
+            </a:r>
             <a:r>
               <a:rPr lang="en-US" sz="1600" dirty="0">
                 <a:solidFill>
@@ -10752,54 +11596,10 @@
                 <a:ea typeface="Calibri" panose="020F0502020204030204" pitchFamily="34" charset="0"/>
                 <a:cs typeface="Consolas" panose="020B0609020204030204" pitchFamily="49" charset="0"/>
               </a:rPr>
-              <a:t>    </a:t>
-            </a:r>
-            <a:r>
-              <a:rPr lang="en-US" sz="1600" dirty="0">
-                <a:solidFill>
-                  <a:srgbClr val="0000FF"/>
-                </a:solidFill>
-                <a:latin typeface="Consolas" panose="020B0609020204030204" pitchFamily="49" charset="0"/>
-                <a:ea typeface="Calibri" panose="020F0502020204030204" pitchFamily="34" charset="0"/>
-                <a:cs typeface="Consolas" panose="020B0609020204030204" pitchFamily="49" charset="0"/>
-              </a:rPr>
-              <a:t>while</a:t>
-            </a:r>
-            <a:r>
-              <a:rPr lang="en-US" sz="1600" dirty="0">
-                <a:solidFill>
-                  <a:srgbClr val="000000"/>
-                </a:solidFill>
-                <a:latin typeface="Consolas" panose="020B0609020204030204" pitchFamily="49" charset="0"/>
-                <a:ea typeface="Calibri" panose="020F0502020204030204" pitchFamily="34" charset="0"/>
-                <a:cs typeface="Consolas" panose="020B0609020204030204" pitchFamily="49" charset="0"/>
-              </a:rPr>
-              <a:t> (</a:t>
-            </a:r>
-            <a:r>
-              <a:rPr lang="en-US" sz="1600" dirty="0" err="1">
-                <a:solidFill>
-                  <a:srgbClr val="000000"/>
-                </a:solidFill>
-                <a:latin typeface="Consolas" panose="020B0609020204030204" pitchFamily="49" charset="0"/>
-                <a:ea typeface="Calibri" panose="020F0502020204030204" pitchFamily="34" charset="0"/>
-                <a:cs typeface="Consolas" panose="020B0609020204030204" pitchFamily="49" charset="0"/>
-              </a:rPr>
-              <a:t>getline</a:t>
-            </a:r>
-            <a:r>
-              <a:rPr lang="en-US" sz="1600" dirty="0">
-                <a:solidFill>
-                  <a:srgbClr val="000000"/>
-                </a:solidFill>
-                <a:latin typeface="Consolas" panose="020B0609020204030204" pitchFamily="49" charset="0"/>
-                <a:ea typeface="Calibri" panose="020F0502020204030204" pitchFamily="34" charset="0"/>
-                <a:cs typeface="Consolas" panose="020B0609020204030204" pitchFamily="49" charset="0"/>
-              </a:rPr>
               <a:t>(</a:t>
             </a:r>
             <a:r>
-              <a:rPr lang="en-US" sz="1600" dirty="0">
+              <a:rPr lang="en-US" sz="1600" b="1" dirty="0">
                 <a:solidFill>
                   <a:srgbClr val="808080"/>
                 </a:solidFill>
@@ -11493,49 +12293,6 @@
                                   </p:childTnLst>
                                 </p:cTn>
                               </p:par>
-                              <p:par>
-                                <p:cTn id="17" presetID="10" presetClass="entr" presetSubtype="0" fill="hold" nodeType="withEffect">
-                                  <p:stCondLst>
-                                    <p:cond delay="0"/>
-                                  </p:stCondLst>
-                                  <p:childTnLst>
-                                    <p:set>
-                                      <p:cBhvr>
-                                        <p:cTn id="18" dur="1" fill="hold">
-                                          <p:stCondLst>
-                                            <p:cond delay="0"/>
-                                          </p:stCondLst>
-                                        </p:cTn>
-                                        <p:tgtEl>
-                                          <p:spTgt spid="6">
-                                            <p:txEl>
-                                              <p:pRg st="7" end="7"/>
-                                            </p:txEl>
-                                          </p:spTgt>
-                                        </p:tgtEl>
-                                        <p:attrNameLst>
-                                          <p:attrName>style.visibility</p:attrName>
-                                        </p:attrNameLst>
-                                      </p:cBhvr>
-                                      <p:to>
-                                        <p:strVal val="visible"/>
-                                      </p:to>
-                                    </p:set>
-                                    <p:animEffect transition="in" filter="fade">
-                                      <p:cBhvr>
-                                        <p:cTn id="19" dur="500"/>
-                                        <p:tgtEl>
-                                          <p:spTgt spid="6">
-                                            <p:txEl>
-                                              <p:pRg st="7" end="7"/>
-                                            </p:txEl>
-                                          </p:spTgt>
-                                        </p:tgtEl>
-                                      </p:cBhvr>
-                                    </p:animEffect>
-                                  </p:childTnLst>
-                                </p:cTn>
-                              </p:par>
                             </p:childTnLst>
                           </p:cTn>
                         </p:par>
@@ -11543,26 +12300,26 @@
                     </p:cTn>
                   </p:par>
                   <p:par>
-                    <p:cTn id="20" fill="hold">
+                    <p:cTn id="17" fill="hold">
                       <p:stCondLst>
                         <p:cond delay="indefinite"/>
                       </p:stCondLst>
                       <p:childTnLst>
                         <p:par>
-                          <p:cTn id="21" fill="hold">
+                          <p:cTn id="18" fill="hold">
                             <p:stCondLst>
                               <p:cond delay="0"/>
                             </p:stCondLst>
                             <p:childTnLst>
                               <p:par>
-                                <p:cTn id="22" presetID="10" presetClass="entr" presetSubtype="0" fill="hold" nodeType="clickEffect">
+                                <p:cTn id="19" presetID="10" presetClass="entr" presetSubtype="0" fill="hold" nodeType="clickEffect">
                                   <p:stCondLst>
                                     <p:cond delay="0"/>
                                   </p:stCondLst>
                                   <p:childTnLst>
                                     <p:set>
                                       <p:cBhvr>
-                                        <p:cTn id="23" dur="1" fill="hold">
+                                        <p:cTn id="20" dur="1" fill="hold">
                                           <p:stCondLst>
                                             <p:cond delay="0"/>
                                           </p:stCondLst>
@@ -11584,11 +12341,54 @@
                                     </p:set>
                                     <p:animEffect transition="in" filter="fade">
                                       <p:cBhvr>
+                                        <p:cTn id="21" dur="500"/>
+                                        <p:tgtEl>
+                                          <p:spTgt spid="6">
+                                            <p:txEl>
+                                              <p:pRg st="8" end="8"/>
+                                            </p:txEl>
+                                          </p:spTgt>
+                                        </p:tgtEl>
+                                      </p:cBhvr>
+                                    </p:animEffect>
+                                  </p:childTnLst>
+                                </p:cTn>
+                              </p:par>
+                              <p:par>
+                                <p:cTn id="22" presetID="10" presetClass="entr" presetSubtype="0" fill="hold" nodeType="withEffect">
+                                  <p:stCondLst>
+                                    <p:cond delay="0"/>
+                                  </p:stCondLst>
+                                  <p:childTnLst>
+                                    <p:set>
+                                      <p:cBhvr>
+                                        <p:cTn id="23" dur="1" fill="hold">
+                                          <p:stCondLst>
+                                            <p:cond delay="0"/>
+                                          </p:stCondLst>
+                                        </p:cTn>
+                                        <p:tgtEl>
+                                          <p:spTgt spid="6">
+                                            <p:txEl>
+                                              <p:pRg st="9" end="9"/>
+                                            </p:txEl>
+                                          </p:spTgt>
+                                        </p:tgtEl>
+                                        <p:attrNameLst>
+                                          <p:attrName>style.visibility</p:attrName>
+                                        </p:attrNameLst>
+                                      </p:cBhvr>
+                                      <p:to>
+                                        <p:strVal val="visible"/>
+                                      </p:to>
+                                    </p:set>
+                                    <p:animEffect transition="in" filter="fade">
+                                      <p:cBhvr>
                                         <p:cTn id="24" dur="500"/>
                                         <p:tgtEl>
                                           <p:spTgt spid="6">
                                             <p:txEl>
-                                              <p:pRg st="8" end="8"/>
+                                              <p:pRg st="9" end="9"/>
                                             </p:txEl>
                                           </p:spTgt>
                                         </p:tgtEl>
@@ -11613,7 +12413,7 @@
                                         <p:tgtEl>
                                           <p:spTgt spid="6">
                                             <p:txEl>
-                                              <p:pRg st="9" end="9"/>
+                                              <p:pRg st="10" end="10"/>
                                             </p:txEl>
                                           </p:spTgt>
                                         </p:tgtEl>
@@ -11631,7 +12431,7 @@
                                         <p:tgtEl>
                                           <p:spTgt spid="6">
                                             <p:txEl>
-                                              <p:pRg st="9" end="9"/>
+                                              <p:pRg st="10" end="10"/>
                                             </p:txEl>
                                           </p:spTgt>
                                         </p:tgtEl>
@@ -11656,7 +12456,7 @@
                                         <p:tgtEl>
                                           <p:spTgt spid="6">
                                             <p:txEl>
-                                              <p:pRg st="10" end="10"/>
+                                              <p:pRg st="11" end="11"/>
                                             </p:txEl>
                                           </p:spTgt>
                                         </p:tgtEl>
@@ -11674,7 +12474,7 @@
                                         <p:tgtEl>
                                           <p:spTgt spid="6">
                                             <p:txEl>
-                                              <p:pRg st="10" end="10"/>
+                                              <p:pRg st="11" end="11"/>
                                             </p:txEl>
                                           </p:spTgt>
                                         </p:tgtEl>
@@ -11699,7 +12499,7 @@
                                         <p:tgtEl>
                                           <p:spTgt spid="6">
                                             <p:txEl>
-                                              <p:pRg st="11" end="11"/>
+                                              <p:pRg st="12" end="12"/>
                                             </p:txEl>
                                           </p:spTgt>
                                         </p:tgtEl>
@@ -11717,7 +12517,7 @@
                                         <p:tgtEl>
                                           <p:spTgt spid="6">
                                             <p:txEl>
-                                              <p:pRg st="11" end="11"/>
+                                              <p:pRg st="12" end="12"/>
                                             </p:txEl>
                                           </p:spTgt>
                                         </p:tgtEl>
@@ -11742,7 +12542,7 @@
                                         <p:tgtEl>
                                           <p:spTgt spid="6">
                                             <p:txEl>
-                                              <p:pRg st="12" end="12"/>
+                                              <p:pRg st="21" end="21"/>
                                             </p:txEl>
                                           </p:spTgt>
                                         </p:tgtEl>
@@ -11760,7 +12560,7 @@
                                         <p:tgtEl>
                                           <p:spTgt spid="6">
                                             <p:txEl>
-                                              <p:pRg st="12" end="12"/>
+                                              <p:pRg st="21" end="21"/>
                                             </p:txEl>
                                           </p:spTgt>
                                         </p:tgtEl>
@@ -11769,15 +12569,33 @@
                                   </p:childTnLst>
                                 </p:cTn>
                               </p:par>
+                            </p:childTnLst>
+                          </p:cTn>
+                        </p:par>
+                      </p:childTnLst>
+                    </p:cTn>
+                  </p:par>
+                  <p:par>
+                    <p:cTn id="37" fill="hold">
+                      <p:stCondLst>
+                        <p:cond delay="indefinite"/>
+                      </p:stCondLst>
+                      <p:childTnLst>
+                        <p:par>
+                          <p:cTn id="38" fill="hold">
+                            <p:stCondLst>
+                              <p:cond delay="0"/>
+                            </p:stCondLst>
+                            <p:childTnLst>
                               <p:par>
-                                <p:cTn id="37" presetID="10" presetClass="entr" presetSubtype="0" fill="hold" nodeType="withEffect">
+                                <p:cTn id="39" presetID="10" presetClass="entr" presetSubtype="0" fill="hold" nodeType="clickEffect">
                                   <p:stCondLst>
                                     <p:cond delay="0"/>
                                   </p:stCondLst>
                                   <p:childTnLst>
                                     <p:set>
                                       <p:cBhvr>
-                                        <p:cTn id="38" dur="1" fill="hold">
+                                        <p:cTn id="40" dur="1" fill="hold">
                                           <p:stCondLst>
                                             <p:cond delay="0"/>
                                           </p:stCondLst>
@@ -11799,7 +12617,7 @@
                                     </p:set>
                                     <p:animEffect transition="in" filter="fade">
                                       <p:cBhvr>
-                                        <p:cTn id="39" dur="500"/>
+                                        <p:cTn id="41" dur="500"/>
                                         <p:tgtEl>
                                           <p:spTgt spid="6">
                                             <p:txEl>
@@ -11813,14 +12631,14 @@
                                 </p:cTn>
                               </p:par>
                               <p:par>
-                                <p:cTn id="40" presetID="10" presetClass="entr" presetSubtype="0" fill="hold" nodeType="withEffect">
+                                <p:cTn id="42" presetID="10" presetClass="entr" presetSubtype="0" fill="hold" nodeType="withEffect">
                                   <p:stCondLst>
                                     <p:cond delay="0"/>
                                   </p:stCondLst>
                                   <p:childTnLst>
                                     <p:set>
                                       <p:cBhvr>
-                                        <p:cTn id="41" dur="1" fill="hold">
+                                        <p:cTn id="43" dur="1" fill="hold">
                                           <p:stCondLst>
                                             <p:cond delay="0"/>
                                           </p:stCondLst>
@@ -11842,7 +12660,7 @@
                                     </p:set>
                                     <p:animEffect transition="in" filter="fade">
                                       <p:cBhvr>
-                                        <p:cTn id="42" dur="500"/>
+                                        <p:cTn id="44" dur="500"/>
                                         <p:tgtEl>
                                           <p:spTgt spid="6">
                                             <p:txEl>
@@ -11856,14 +12674,14 @@
                                 </p:cTn>
                               </p:par>
                               <p:par>
-                                <p:cTn id="43" presetID="10" presetClass="entr" presetSubtype="0" fill="hold" nodeType="withEffect">
+                                <p:cTn id="45" presetID="10" presetClass="entr" presetSubtype="0" fill="hold" nodeType="withEffect">
                                   <p:stCondLst>
                                     <p:cond delay="0"/>
                                   </p:stCondLst>
                                   <p:childTnLst>
                                     <p:set>
                                       <p:cBhvr>
-                                        <p:cTn id="44" dur="1" fill="hold">
+                                        <p:cTn id="46" dur="1" fill="hold">
                                           <p:stCondLst>
                                             <p:cond delay="0"/>
                                           </p:stCondLst>
@@ -11885,7 +12703,7 @@
                                     </p:set>
                                     <p:animEffect transition="in" filter="fade">
                                       <p:cBhvr>
-                                        <p:cTn id="45" dur="500"/>
+                                        <p:cTn id="47" dur="500"/>
                                         <p:tgtEl>
                                           <p:spTgt spid="6">
                                             <p:txEl>
@@ -11899,14 +12717,14 @@
                                 </p:cTn>
                               </p:par>
                               <p:par>
-                                <p:cTn id="46" presetID="10" presetClass="entr" presetSubtype="0" fill="hold" nodeType="withEffect">
+                                <p:cTn id="48" presetID="10" presetClass="entr" presetSubtype="0" fill="hold" nodeType="withEffect">
                                   <p:stCondLst>
                                     <p:cond delay="0"/>
                                   </p:stCondLst>
                                   <p:childTnLst>
                                     <p:set>
                                       <p:cBhvr>
-                                        <p:cTn id="47" dur="1" fill="hold">
+                                        <p:cTn id="49" dur="1" fill="hold">
                                           <p:stCondLst>
                                             <p:cond delay="0"/>
                                           </p:stCondLst>
@@ -11928,7 +12746,7 @@
                                     </p:set>
                                     <p:animEffect transition="in" filter="fade">
                                       <p:cBhvr>
-                                        <p:cTn id="48" dur="500"/>
+                                        <p:cTn id="50" dur="500"/>
                                         <p:tgtEl>
                                           <p:spTgt spid="6">
                                             <p:txEl>
@@ -11942,14 +12760,14 @@
                                 </p:cTn>
                               </p:par>
                               <p:par>
-                                <p:cTn id="49" presetID="10" presetClass="entr" presetSubtype="0" fill="hold" nodeType="withEffect">
+                                <p:cTn id="51" presetID="10" presetClass="entr" presetSubtype="0" fill="hold" nodeType="withEffect">
                                   <p:stCondLst>
                                     <p:cond delay="0"/>
                                   </p:stCondLst>
                                   <p:childTnLst>
                                     <p:set>
                                       <p:cBhvr>
-                                        <p:cTn id="50" dur="1" fill="hold">
+                                        <p:cTn id="52" dur="1" fill="hold">
                                           <p:stCondLst>
                                             <p:cond delay="0"/>
                                           </p:stCondLst>
@@ -11971,7 +12789,7 @@
                                     </p:set>
                                     <p:animEffect transition="in" filter="fade">
                                       <p:cBhvr>
-                                        <p:cTn id="51" dur="500"/>
+                                        <p:cTn id="53" dur="500"/>
                                         <p:tgtEl>
                                           <p:spTgt spid="6">
                                             <p:txEl>
@@ -11985,14 +12803,14 @@
                                 </p:cTn>
                               </p:par>
                               <p:par>
-                                <p:cTn id="52" presetID="10" presetClass="entr" presetSubtype="0" fill="hold" nodeType="withEffect">
+                                <p:cTn id="54" presetID="10" presetClass="entr" presetSubtype="0" fill="hold" nodeType="withEffect">
                                   <p:stCondLst>
                                     <p:cond delay="0"/>
                                   </p:stCondLst>
                                   <p:childTnLst>
                                     <p:set>
                                       <p:cBhvr>
-                                        <p:cTn id="53" dur="1" fill="hold">
+                                        <p:cTn id="55" dur="1" fill="hold">
                                           <p:stCondLst>
                                             <p:cond delay="0"/>
                                           </p:stCondLst>
@@ -12014,7 +12832,7 @@
                                     </p:set>
                                     <p:animEffect transition="in" filter="fade">
                                       <p:cBhvr>
-                                        <p:cTn id="54" dur="500"/>
+                                        <p:cTn id="56" dur="500"/>
                                         <p:tgtEl>
                                           <p:spTgt spid="6">
                                             <p:txEl>
@@ -12028,14 +12846,14 @@
                                 </p:cTn>
                               </p:par>
                               <p:par>
-                                <p:cTn id="55" presetID="10" presetClass="entr" presetSubtype="0" fill="hold" nodeType="withEffect">
+                                <p:cTn id="57" presetID="10" presetClass="entr" presetSubtype="0" fill="hold" nodeType="withEffect">
                                   <p:stCondLst>
                                     <p:cond delay="0"/>
                                   </p:stCondLst>
                                   <p:childTnLst>
                                     <p:set>
                                       <p:cBhvr>
-                                        <p:cTn id="56" dur="1" fill="hold">
+                                        <p:cTn id="58" dur="1" fill="hold">
                                           <p:stCondLst>
                                             <p:cond delay="0"/>
                                           </p:stCondLst>
@@ -12057,7 +12875,7 @@
                                     </p:set>
                                     <p:animEffect transition="in" filter="fade">
                                       <p:cBhvr>
-                                        <p:cTn id="57" dur="500"/>
+                                        <p:cTn id="59" dur="500"/>
                                         <p:tgtEl>
                                           <p:spTgt spid="6">
                                             <p:txEl>
@@ -12071,14 +12889,14 @@
                                 </p:cTn>
                               </p:par>
                               <p:par>
-                                <p:cTn id="58" presetID="10" presetClass="entr" presetSubtype="0" fill="hold" nodeType="withEffect">
+                                <p:cTn id="60" presetID="10" presetClass="entr" presetSubtype="0" fill="hold" nodeType="withEffect">
                                   <p:stCondLst>
                                     <p:cond delay="0"/>
                                   </p:stCondLst>
                                   <p:childTnLst>
                                     <p:set>
                                       <p:cBhvr>
-                                        <p:cTn id="59" dur="1" fill="hold">
+                                        <p:cTn id="61" dur="1" fill="hold">
                                           <p:stCondLst>
                                             <p:cond delay="0"/>
                                           </p:stCondLst>
@@ -12100,97 +12918,11 @@
                                     </p:set>
                                     <p:animEffect transition="in" filter="fade">
                                       <p:cBhvr>
-                                        <p:cTn id="60" dur="500"/>
+                                        <p:cTn id="62" dur="500"/>
                                         <p:tgtEl>
                                           <p:spTgt spid="6">
                                             <p:txEl>
                                               <p:pRg st="20" end="20"/>
-                                            </p:txEl>
-                                          </p:spTgt>
-                                        </p:tgtEl>
-                                      </p:cBhvr>
-                                    </p:animEffect>
-                                  </p:childTnLst>
-                                </p:cTn>
-                              </p:par>
-                              <p:par>
-                                <p:cTn id="61" presetID="10" presetClass="entr" presetSubtype="0" fill="hold" nodeType="withEffect">
-                                  <p:stCondLst>
-                                    <p:cond delay="0"/>
-                                  </p:stCondLst>
-                                  <p:childTnLst>
-                                    <p:set>
-                                      <p:cBhvr>
-                                        <p:cTn id="62" dur="1" fill="hold">
-                                          <p:stCondLst>
-                                            <p:cond delay="0"/>
-                                          </p:stCondLst>
-                                        </p:cTn>
-                                        <p:tgtEl>
-                                          <p:spTgt spid="6">
-                                            <p:txEl>
-                                              <p:pRg st="21" end="21"/>
-                                            </p:txEl>
-                                          </p:spTgt>
-                                        </p:tgtEl>
-                                        <p:attrNameLst>
-                                          <p:attrName>style.visibility</p:attrName>
-                                        </p:attrNameLst>
-                                      </p:cBhvr>
-                                      <p:to>
-                                        <p:strVal val="visible"/>
-                                      </p:to>
-                                    </p:set>
-                                    <p:animEffect transition="in" filter="fade">
-                                      <p:cBhvr>
-                                        <p:cTn id="63" dur="500"/>
-                                        <p:tgtEl>
-                                          <p:spTgt spid="6">
-                                            <p:txEl>
-                                              <p:pRg st="21" end="21"/>
-                                            </p:txEl>
-                                          </p:spTgt>
-                                        </p:tgtEl>
-                                      </p:cBhvr>
-                                    </p:animEffect>
-                                  </p:childTnLst>
-                                </p:cTn>
-                              </p:par>
-                              <p:par>
-                                <p:cTn id="64" presetID="10" presetClass="entr" presetSubtype="0" fill="hold" nodeType="withEffect">
-                                  <p:stCondLst>
-                                    <p:cond delay="0"/>
-                                  </p:stCondLst>
-                                  <p:childTnLst>
-                                    <p:set>
-                                      <p:cBhvr>
-                                        <p:cTn id="65" dur="1" fill="hold">
-                                          <p:stCondLst>
-                                            <p:cond delay="0"/>
-                                          </p:stCondLst>
-                                        </p:cTn>
-                                        <p:tgtEl>
-                                          <p:spTgt spid="6">
-                                            <p:txEl>
-                                              <p:pRg st="22" end="22"/>
-                                            </p:txEl>
-                                          </p:spTgt>
-                                        </p:tgtEl>
-                                        <p:attrNameLst>
-                                          <p:attrName>style.visibility</p:attrName>
-                                        </p:attrNameLst>
-                                      </p:cBhvr>
-                                      <p:to>
-                                        <p:strVal val="visible"/>
-                                      </p:to>
-                                    </p:set>
-                                    <p:animEffect transition="in" filter="fade">
-                                      <p:cBhvr>
-                                        <p:cTn id="66" dur="500"/>
-                                        <p:tgtEl>
-                                          <p:spTgt spid="6">
-                                            <p:txEl>
-                                              <p:pRg st="22" end="22"/>
                                             </p:txEl>
                                           </p:spTgt>
                                         </p:tgtEl>
@@ -12230,7 +12962,111 @@
 </p:sld>
 </file>
 
-<file path=ppt/slides/slide18.xml><?xml version="1.0" encoding="utf-8"?>
+<file path=ppt/slides/slide2.xml><?xml version="1.0" encoding="utf-8"?>
+<p:sld xmlns:a="http://schemas.openxmlformats.org/drawingml/2006/main" xmlns:r="http://schemas.openxmlformats.org/officeDocument/2006/relationships" xmlns:p="http://schemas.openxmlformats.org/presentationml/2006/main">
+  <p:cSld>
+    <p:spTree>
+      <p:nvGrpSpPr>
+        <p:cNvPr id="1" name=""/>
+        <p:cNvGrpSpPr/>
+        <p:nvPr/>
+      </p:nvGrpSpPr>
+      <p:grpSpPr>
+        <a:xfrm>
+          <a:off x="0" y="0"/>
+          <a:ext cx="0" cy="0"/>
+          <a:chOff x="0" y="0"/>
+          <a:chExt cx="0" cy="0"/>
+        </a:xfrm>
+      </p:grpSpPr>
+      <p:sp>
+        <p:nvSpPr>
+          <p:cNvPr id="2" name="Заголовок 1">
+            <a:extLst>
+              <a:ext uri="{FF2B5EF4-FFF2-40B4-BE49-F238E27FC236}">
+                <a16:creationId xmlns:a16="http://schemas.microsoft.com/office/drawing/2014/main" id="{4339A0ED-8DD3-4A0D-BE41-177DCF99B76F}"/>
+              </a:ext>
+            </a:extLst>
+          </p:cNvPr>
+          <p:cNvSpPr>
+            <a:spLocks noGrp="1"/>
+          </p:cNvSpPr>
+          <p:nvPr>
+            <p:ph type="title"/>
+          </p:nvPr>
+        </p:nvSpPr>
+        <p:spPr/>
+        <p:txBody>
+          <a:bodyPr/>
+          <a:lstStyle/>
+          <a:p>
+            <a:r>
+              <a:rPr lang="ru-RU" dirty="0"/>
+              <a:t>Визуализация архитектуры</a:t>
+            </a:r>
+          </a:p>
+        </p:txBody>
+      </p:sp>
+      <p:sp>
+        <p:nvSpPr>
+          <p:cNvPr id="3" name="Объект 2">
+            <a:extLst>
+              <a:ext uri="{FF2B5EF4-FFF2-40B4-BE49-F238E27FC236}">
+                <a16:creationId xmlns:a16="http://schemas.microsoft.com/office/drawing/2014/main" id="{6B699399-666B-4850-8464-3DF2B61BBE3F}"/>
+              </a:ext>
+            </a:extLst>
+          </p:cNvPr>
+          <p:cNvSpPr>
+            <a:spLocks noGrp="1"/>
+          </p:cNvSpPr>
+          <p:nvPr>
+            <p:ph idx="1"/>
+          </p:nvPr>
+        </p:nvSpPr>
+        <p:spPr/>
+        <p:txBody>
+          <a:bodyPr/>
+          <a:lstStyle/>
+          <a:p>
+            <a:r>
+              <a:rPr lang="ru-RU" dirty="0"/>
+              <a:t>Классы программы создаются и взаимодействуют по определённым правилам</a:t>
+            </a:r>
+          </a:p>
+          <a:p>
+            <a:r>
+              <a:rPr lang="ru-RU" dirty="0"/>
+              <a:t>Знание этих правил позволяет создавать программу не методом проб и ошибок, а проектировать её ещё до написания кода</a:t>
+            </a:r>
+          </a:p>
+          <a:p>
+            <a:r>
+              <a:rPr lang="ru-RU" dirty="0"/>
+              <a:t>Можно обсудить архитектуру и распределить работу над программы между программистами</a:t>
+            </a:r>
+          </a:p>
+          <a:p>
+            <a:r>
+              <a:rPr lang="ru-RU" dirty="0"/>
+              <a:t>Можно распределить работу над различными частями программы</a:t>
+            </a:r>
+          </a:p>
+        </p:txBody>
+      </p:sp>
+    </p:spTree>
+    <p:extLst>
+      <p:ext uri="{BB962C8B-B14F-4D97-AF65-F5344CB8AC3E}">
+        <p14:creationId xmlns:p14="http://schemas.microsoft.com/office/powerpoint/2010/main" val="4292201402"/>
+      </p:ext>
+    </p:extLst>
+  </p:cSld>
+  <p:clrMapOvr>
+    <a:masterClrMapping/>
+  </p:clrMapOvr>
+</p:sld>
+</file>
+
+<file path=ppt/slides/slide20.xml><?xml version="1.0" encoding="utf-8"?>
 <p:sld xmlns:a="http://schemas.openxmlformats.org/drawingml/2006/main" xmlns:r="http://schemas.openxmlformats.org/officeDocument/2006/relationships" xmlns:p="http://schemas.openxmlformats.org/presentationml/2006/main">
   <p:cSld>
     <p:spTree>
@@ -12509,7 +13345,7 @@
 </p:sld>
 </file>
 
-<file path=ppt/slides/slide19.xml><?xml version="1.0" encoding="utf-8"?>
+<file path=ppt/slides/slide21.xml><?xml version="1.0" encoding="utf-8"?>
 <p:sld xmlns:a="http://schemas.openxmlformats.org/drawingml/2006/main" xmlns:r="http://schemas.openxmlformats.org/officeDocument/2006/relationships" xmlns:p="http://schemas.openxmlformats.org/presentationml/2006/main">
   <p:cSld>
     <p:spTree>
@@ -12614,7 +13450,7 @@
 </p:sld>
 </file>
 
-<file path=ppt/slides/slide2.xml><?xml version="1.0" encoding="utf-8"?>
+<file path=ppt/slides/slide22.xml><?xml version="1.0" encoding="utf-8"?>
 <p:sld xmlns:a="http://schemas.openxmlformats.org/drawingml/2006/main" xmlns:r="http://schemas.openxmlformats.org/officeDocument/2006/relationships" xmlns:p="http://schemas.openxmlformats.org/presentationml/2006/main">
   <p:cSld>
     <p:spTree>
@@ -12636,7 +13472,7 @@
           <p:cNvPr id="2" name="Заголовок 1">
             <a:extLst>
               <a:ext uri="{FF2B5EF4-FFF2-40B4-BE49-F238E27FC236}">
-                <a16:creationId xmlns:a16="http://schemas.microsoft.com/office/drawing/2014/main" id="{E12DDA6B-B205-44FB-9002-AC2269452C53}"/>
+                <a16:creationId xmlns:a16="http://schemas.microsoft.com/office/drawing/2014/main" id="{9CE8DAB6-4772-450D-8ECC-CEE2E6529E3A}"/>
               </a:ext>
             </a:extLst>
           </p:cNvPr>
@@ -12654,17 +13490,17 @@
           <a:p>
             <a:r>
               <a:rPr lang="ru-RU" dirty="0"/>
-              <a:t>Диаграмма классов</a:t>
+              <a:t>Итоги</a:t>
             </a:r>
           </a:p>
         </p:txBody>
       </p:sp>
       <p:sp>
         <p:nvSpPr>
-          <p:cNvPr id="3" name="Объект 2">
+          <p:cNvPr id="3" name="Текст 2">
             <a:extLst>
               <a:ext uri="{FF2B5EF4-FFF2-40B4-BE49-F238E27FC236}">
-                <a16:creationId xmlns:a16="http://schemas.microsoft.com/office/drawing/2014/main" id="{0FA450FE-1DFD-47E9-9263-7D0A9C7B3181}"/>
+                <a16:creationId xmlns:a16="http://schemas.microsoft.com/office/drawing/2014/main" id="{5CE9D771-8627-4D30-B65A-F280BC027B58}"/>
               </a:ext>
             </a:extLst>
           </p:cNvPr>
@@ -12672,7 +13508,7 @@
             <a:spLocks noGrp="1"/>
           </p:cNvSpPr>
           <p:nvPr>
-            <p:ph idx="1"/>
+            <p:ph type="body" idx="1"/>
           </p:nvPr>
         </p:nvSpPr>
         <p:spPr/>
@@ -12680,162 +13516,24 @@
           <a:bodyPr/>
           <a:lstStyle/>
           <a:p>
-            <a:r>
-              <a:rPr lang="ru-RU" dirty="0"/>
-              <a:t>Один из способов визуализации структуры программы</a:t>
-            </a:r>
-          </a:p>
-          <a:p>
-            <a:r>
-              <a:rPr lang="ru-RU" dirty="0"/>
-              <a:t>Показывает классы и интерфейсы, их состав и связи между ними</a:t>
-            </a:r>
-          </a:p>
-          <a:p>
-            <a:r>
-              <a:rPr lang="en-US" dirty="0"/>
-              <a:t>UML – </a:t>
-            </a:r>
-            <a:r>
-              <a:rPr lang="ru-RU" dirty="0"/>
-              <a:t>универсальный язык моделирования</a:t>
-            </a:r>
+            <a:endParaRPr lang="ru-RU"/>
           </a:p>
         </p:txBody>
       </p:sp>
-      <p:pic>
-        <p:nvPicPr>
-          <p:cNvPr id="5" name="Рисунок 4">
-            <a:extLst>
-              <a:ext uri="{FF2B5EF4-FFF2-40B4-BE49-F238E27FC236}">
-                <a16:creationId xmlns:a16="http://schemas.microsoft.com/office/drawing/2014/main" id="{C60A991B-FF38-4274-A00D-85B8ED5419B6}"/>
-              </a:ext>
-            </a:extLst>
-          </p:cNvPr>
-          <p:cNvPicPr>
-            <a:picLocks noChangeAspect="1"/>
-          </p:cNvPicPr>
-          <p:nvPr/>
-        </p:nvPicPr>
-        <p:blipFill>
-          <a:blip r:embed="rId3">
-            <a:extLst>
-              <a:ext uri="{28A0092B-C50C-407E-A947-70E740481C1C}">
-                <a14:useLocalDpi xmlns:a14="http://schemas.microsoft.com/office/drawing/2010/main" val="0"/>
-              </a:ext>
-            </a:extLst>
-          </a:blip>
-          <a:stretch>
-            <a:fillRect/>
-          </a:stretch>
-        </p:blipFill>
-        <p:spPr>
-          <a:xfrm>
-            <a:off x="2927648" y="4869942"/>
-            <a:ext cx="6115050" cy="1543050"/>
-          </a:xfrm>
-          <a:prstGeom prst="rect">
-            <a:avLst/>
-          </a:prstGeom>
-        </p:spPr>
-      </p:pic>
     </p:spTree>
     <p:extLst>
       <p:ext uri="{BB962C8B-B14F-4D97-AF65-F5344CB8AC3E}">
-        <p14:creationId xmlns:p14="http://schemas.microsoft.com/office/powerpoint/2010/main" val="3178513329"/>
+        <p14:creationId xmlns:p14="http://schemas.microsoft.com/office/powerpoint/2010/main" val="187316163"/>
       </p:ext>
     </p:extLst>
   </p:cSld>
   <p:clrMapOvr>
     <a:masterClrMapping/>
   </p:clrMapOvr>
-  <p:timing>
-    <p:tnLst>
-      <p:par>
-        <p:cTn id="1" dur="indefinite" restart="never" nodeType="tmRoot">
-          <p:childTnLst>
-            <p:seq concurrent="1" nextAc="seek">
-              <p:cTn id="2" dur="indefinite" nodeType="mainSeq">
-                <p:childTnLst>
-                  <p:par>
-                    <p:cTn id="3" fill="hold">
-                      <p:stCondLst>
-                        <p:cond delay="indefinite"/>
-                      </p:stCondLst>
-                      <p:childTnLst>
-                        <p:par>
-                          <p:cTn id="4" fill="hold">
-                            <p:stCondLst>
-                              <p:cond delay="0"/>
-                            </p:stCondLst>
-                            <p:childTnLst>
-                              <p:par>
-                                <p:cTn id="5" presetID="10" presetClass="entr" presetSubtype="0" fill="hold" nodeType="clickEffect">
-                                  <p:stCondLst>
-                                    <p:cond delay="0"/>
-                                  </p:stCondLst>
-                                  <p:childTnLst>
-                                    <p:set>
-                                      <p:cBhvr>
-                                        <p:cTn id="6" dur="1" fill="hold">
-                                          <p:stCondLst>
-                                            <p:cond delay="0"/>
-                                          </p:stCondLst>
-                                        </p:cTn>
-                                        <p:tgtEl>
-                                          <p:spTgt spid="5"/>
-                                        </p:tgtEl>
-                                        <p:attrNameLst>
-                                          <p:attrName>style.visibility</p:attrName>
-                                        </p:attrNameLst>
-                                      </p:cBhvr>
-                                      <p:to>
-                                        <p:strVal val="visible"/>
-                                      </p:to>
-                                    </p:set>
-                                    <p:animEffect transition="in" filter="fade">
-                                      <p:cBhvr>
-                                        <p:cTn id="7" dur="500"/>
-                                        <p:tgtEl>
-                                          <p:spTgt spid="5"/>
-                                        </p:tgtEl>
-                                      </p:cBhvr>
-                                    </p:animEffect>
-                                  </p:childTnLst>
-                                </p:cTn>
-                              </p:par>
-                            </p:childTnLst>
-                          </p:cTn>
-                        </p:par>
-                      </p:childTnLst>
-                    </p:cTn>
-                  </p:par>
-                </p:childTnLst>
-              </p:cTn>
-              <p:prevCondLst>
-                <p:cond evt="onPrev" delay="0">
-                  <p:tgtEl>
-                    <p:sldTgt/>
-                  </p:tgtEl>
-                </p:cond>
-              </p:prevCondLst>
-              <p:nextCondLst>
-                <p:cond evt="onNext" delay="0">
-                  <p:tgtEl>
-                    <p:sldTgt/>
-                  </p:tgtEl>
-                </p:cond>
-              </p:nextCondLst>
-            </p:seq>
-          </p:childTnLst>
-        </p:cTn>
-      </p:par>
-    </p:tnLst>
-  </p:timing>
 </p:sld>
 </file>
 
-<file path=ppt/slides/slide20.xml><?xml version="1.0" encoding="utf-8"?>
+<file path=ppt/slides/slide23.xml><?xml version="1.0" encoding="utf-8"?>
 <p:sld xmlns:a="http://schemas.openxmlformats.org/drawingml/2006/main" xmlns:r="http://schemas.openxmlformats.org/officeDocument/2006/relationships" xmlns:p="http://schemas.openxmlformats.org/presentationml/2006/main">
   <p:cSld>
     <p:spTree>
@@ -12857,89 +13555,6 @@
           <p:cNvPr id="2" name="Заголовок 1">
             <a:extLst>
               <a:ext uri="{FF2B5EF4-FFF2-40B4-BE49-F238E27FC236}">
-                <a16:creationId xmlns:a16="http://schemas.microsoft.com/office/drawing/2014/main" id="{9CE8DAB6-4772-450D-8ECC-CEE2E6529E3A}"/>
-              </a:ext>
-            </a:extLst>
-          </p:cNvPr>
-          <p:cNvSpPr>
-            <a:spLocks noGrp="1"/>
-          </p:cNvSpPr>
-          <p:nvPr>
-            <p:ph type="title"/>
-          </p:nvPr>
-        </p:nvSpPr>
-        <p:spPr/>
-        <p:txBody>
-          <a:bodyPr/>
-          <a:lstStyle/>
-          <a:p>
-            <a:r>
-              <a:rPr lang="ru-RU" dirty="0"/>
-              <a:t>Итоги</a:t>
-            </a:r>
-          </a:p>
-        </p:txBody>
-      </p:sp>
-      <p:sp>
-        <p:nvSpPr>
-          <p:cNvPr id="3" name="Текст 2">
-            <a:extLst>
-              <a:ext uri="{FF2B5EF4-FFF2-40B4-BE49-F238E27FC236}">
-                <a16:creationId xmlns:a16="http://schemas.microsoft.com/office/drawing/2014/main" id="{5CE9D771-8627-4D30-B65A-F280BC027B58}"/>
-              </a:ext>
-            </a:extLst>
-          </p:cNvPr>
-          <p:cNvSpPr>
-            <a:spLocks noGrp="1"/>
-          </p:cNvSpPr>
-          <p:nvPr>
-            <p:ph type="body" idx="1"/>
-          </p:nvPr>
-        </p:nvSpPr>
-        <p:spPr/>
-        <p:txBody>
-          <a:bodyPr/>
-          <a:lstStyle/>
-          <a:p>
-            <a:endParaRPr lang="ru-RU"/>
-          </a:p>
-        </p:txBody>
-      </p:sp>
-    </p:spTree>
-    <p:extLst>
-      <p:ext uri="{BB962C8B-B14F-4D97-AF65-F5344CB8AC3E}">
-        <p14:creationId xmlns:p14="http://schemas.microsoft.com/office/powerpoint/2010/main" val="187316163"/>
-      </p:ext>
-    </p:extLst>
-  </p:cSld>
-  <p:clrMapOvr>
-    <a:masterClrMapping/>
-  </p:clrMapOvr>
-</p:sld>
-</file>
-
-<file path=ppt/slides/slide21.xml><?xml version="1.0" encoding="utf-8"?>
-<p:sld xmlns:a="http://schemas.openxmlformats.org/drawingml/2006/main" xmlns:r="http://schemas.openxmlformats.org/officeDocument/2006/relationships" xmlns:p="http://schemas.openxmlformats.org/presentationml/2006/main">
-  <p:cSld>
-    <p:spTree>
-      <p:nvGrpSpPr>
-        <p:cNvPr id="1" name=""/>
-        <p:cNvGrpSpPr/>
-        <p:nvPr/>
-      </p:nvGrpSpPr>
-      <p:grpSpPr>
-        <a:xfrm>
-          <a:off x="0" y="0"/>
-          <a:ext cx="0" cy="0"/>
-          <a:chOff x="0" y="0"/>
-          <a:chExt cx="0" cy="0"/>
-        </a:xfrm>
-      </p:grpSpPr>
-      <p:sp>
-        <p:nvSpPr>
-          <p:cNvPr id="2" name="Заголовок 1">
-            <a:extLst>
-              <a:ext uri="{FF2B5EF4-FFF2-40B4-BE49-F238E27FC236}">
                 <a16:creationId xmlns:a16="http://schemas.microsoft.com/office/drawing/2014/main" id="{7AF3E383-4A76-4B92-BBFB-A505521E47AC}"/>
               </a:ext>
             </a:extLst>
@@ -12982,16 +13597,24 @@
         <p:spPr>
           <a:xfrm>
             <a:off x="838200" y="1935480"/>
-            <a:ext cx="9372600" cy="2069584"/>
+            <a:ext cx="10515600" cy="2645648"/>
           </a:xfrm>
         </p:spPr>
         <p:txBody>
-          <a:bodyPr/>
+          <a:bodyPr>
+            <a:normAutofit/>
+          </a:bodyPr>
           <a:lstStyle/>
           <a:p>
             <a:r>
               <a:rPr lang="ru-RU" dirty="0"/>
-              <a:t>При композиции Целое единолично владеет содержащейся в нём Частью. </a:t>
+              <a:t>При композиции Целое единолично владеет содержащейся в нём Частью</a:t>
+            </a:r>
+          </a:p>
+          <a:p>
+            <a:r>
+              <a:rPr lang="ru-RU" dirty="0"/>
+              <a:t>Как правило, Целое не отдаёт наружу ссылки на свои Части</a:t>
             </a:r>
           </a:p>
           <a:p>
@@ -13030,7 +13653,7 @@
         </p:blipFill>
         <p:spPr>
           <a:xfrm>
-            <a:off x="2927648" y="4401312"/>
+            <a:off x="2927648" y="4869160"/>
             <a:ext cx="5562600" cy="1752600"/>
           </a:xfrm>
           <a:prstGeom prst="rect">
@@ -13051,7 +13674,7 @@
 </p:sld>
 </file>
 
-<file path=ppt/slides/slide22.xml><?xml version="1.0" encoding="utf-8"?>
+<file path=ppt/slides/slide24.xml><?xml version="1.0" encoding="utf-8"?>
 <p:sld xmlns:a="http://schemas.openxmlformats.org/drawingml/2006/main" xmlns:r="http://schemas.openxmlformats.org/officeDocument/2006/relationships" xmlns:p="http://schemas.openxmlformats.org/presentationml/2006/main">
   <p:cSld>
     <p:spTree>
@@ -13115,18 +13738,24 @@
         <p:spPr>
           <a:xfrm>
             <a:off x="838200" y="1935480"/>
-            <a:ext cx="9372600" cy="1564958"/>
+            <a:ext cx="10730408" cy="2213600"/>
           </a:xfrm>
         </p:spPr>
         <p:txBody>
           <a:bodyPr>
-            <a:normAutofit fontScale="92500"/>
+            <a:normAutofit lnSpcReduction="10000"/>
           </a:bodyPr>
           <a:lstStyle/>
           <a:p>
             <a:r>
               <a:rPr lang="ru-RU" dirty="0"/>
-              <a:t>При агрегации Целое пользуется Частью, но не владеет ею. </a:t>
+              <a:t>При агрегации Целое пользуется Частью совместно с другими объектами и не владеет им единолично</a:t>
+            </a:r>
+          </a:p>
+          <a:p>
+            <a:r>
+              <a:rPr lang="ru-RU" dirty="0"/>
+              <a:t>Состояние Части может измениться из-за обращения к ней других объектов</a:t>
             </a:r>
           </a:p>
           <a:p>
@@ -13173,7 +13802,7 @@
         </p:blipFill>
         <p:spPr>
           <a:xfrm>
-            <a:off x="1946880" y="3591102"/>
+            <a:off x="1847528" y="4365104"/>
             <a:ext cx="8229600" cy="2372234"/>
           </a:xfrm>
           <a:prstGeom prst="rect">
@@ -13194,7 +13823,7 @@
 </p:sld>
 </file>
 
-<file path=ppt/slides/slide23.xml><?xml version="1.0" encoding="utf-8"?>
+<file path=ppt/slides/slide25.xml><?xml version="1.0" encoding="utf-8"?>
 <p:sld xmlns:a="http://schemas.openxmlformats.org/drawingml/2006/main" xmlns:r="http://schemas.openxmlformats.org/officeDocument/2006/relationships" xmlns:p="http://schemas.openxmlformats.org/presentationml/2006/main">
   <p:cSld>
     <p:spTree>
@@ -13273,8 +13902,16 @@
           <a:p>
             <a:r>
               <a:rPr lang="ru-RU" dirty="0"/>
-              <a:t>Клиент использует переданного ему Поставщика, не сохраняя ссылку на него в своих полях. </a:t>
-            </a:r>
+              <a:t>Клиент использует переданного ему Поставщика, но не сохраняет ссылку на него в своих полях</a:t>
+            </a:r>
+          </a:p>
+          <a:p>
+            <a:pPr lvl="1"/>
+            <a:r>
+              <a:rPr lang="ru-RU"/>
+              <a:t>Либо создаёт  </a:t>
+            </a:r>
+            <a:endParaRPr lang="ru-RU" dirty="0"/>
           </a:p>
           <a:p>
             <a:r>
@@ -13333,7 +13970,7 @@
 </p:sld>
 </file>
 
-<file path=ppt/slides/slide24.xml><?xml version="1.0" encoding="utf-8"?>
+<file path=ppt/slides/slide26.xml><?xml version="1.0" encoding="utf-8"?>
 <p:sld xmlns:a="http://schemas.openxmlformats.org/drawingml/2006/main" xmlns:r="http://schemas.openxmlformats.org/officeDocument/2006/relationships" xmlns:p="http://schemas.openxmlformats.org/presentationml/2006/main" show="0">
   <p:cSld>
     <p:spTree>
@@ -13719,7 +14356,7 @@
           <p:cNvPr id="2" name="Заголовок 1">
             <a:extLst>
               <a:ext uri="{FF2B5EF4-FFF2-40B4-BE49-F238E27FC236}">
-                <a16:creationId xmlns:a16="http://schemas.microsoft.com/office/drawing/2014/main" id="{73BFE267-D992-4B74-A5FB-7DD145E46802}"/>
+                <a16:creationId xmlns:a16="http://schemas.microsoft.com/office/drawing/2014/main" id="{E12DDA6B-B205-44FB-9002-AC2269452C53}"/>
               </a:ext>
             </a:extLst>
           </p:cNvPr>
@@ -13737,17 +14374,17 @@
           <a:p>
             <a:r>
               <a:rPr lang="ru-RU" dirty="0"/>
-              <a:t>Композиция</a:t>
+              <a:t>Диаграмма классов</a:t>
             </a:r>
           </a:p>
         </p:txBody>
       </p:sp>
       <p:sp>
         <p:nvSpPr>
-          <p:cNvPr id="4" name="Текст 3">
+          <p:cNvPr id="3" name="Объект 2">
             <a:extLst>
               <a:ext uri="{FF2B5EF4-FFF2-40B4-BE49-F238E27FC236}">
-                <a16:creationId xmlns:a16="http://schemas.microsoft.com/office/drawing/2014/main" id="{ED4DA888-5B7B-417D-8854-E5B11DB984E8}"/>
+                <a16:creationId xmlns:a16="http://schemas.microsoft.com/office/drawing/2014/main" id="{0FA450FE-1DFD-47E9-9263-7D0A9C7B3181}"/>
               </a:ext>
             </a:extLst>
           </p:cNvPr>
@@ -13755,7 +14392,7 @@
             <a:spLocks noGrp="1"/>
           </p:cNvSpPr>
           <p:nvPr>
-            <p:ph type="body" idx="1"/>
+            <p:ph idx="1"/>
           </p:nvPr>
         </p:nvSpPr>
         <p:spPr/>
@@ -13763,20 +14400,157 @@
           <a:bodyPr/>
           <a:lstStyle/>
           <a:p>
-            <a:endParaRPr lang="ru-RU"/>
+            <a:r>
+              <a:rPr lang="ru-RU" dirty="0"/>
+              <a:t>Один из способов визуализации структуры программы</a:t>
+            </a:r>
+          </a:p>
+          <a:p>
+            <a:r>
+              <a:rPr lang="ru-RU" dirty="0"/>
+              <a:t>Показывает классы и интерфейсы, их состав и связи между ними</a:t>
+            </a:r>
+          </a:p>
+          <a:p>
+            <a:r>
+              <a:rPr lang="en-US" dirty="0"/>
+              <a:t>UML – </a:t>
+            </a:r>
+            <a:r>
+              <a:rPr lang="ru-RU" dirty="0"/>
+              <a:t>универсальный язык моделирования</a:t>
+            </a:r>
           </a:p>
         </p:txBody>
       </p:sp>
+      <p:pic>
+        <p:nvPicPr>
+          <p:cNvPr id="5" name="Рисунок 4">
+            <a:extLst>
+              <a:ext uri="{FF2B5EF4-FFF2-40B4-BE49-F238E27FC236}">
+                <a16:creationId xmlns:a16="http://schemas.microsoft.com/office/drawing/2014/main" id="{C60A991B-FF38-4274-A00D-85B8ED5419B6}"/>
+              </a:ext>
+            </a:extLst>
+          </p:cNvPr>
+          <p:cNvPicPr>
+            <a:picLocks noChangeAspect="1"/>
+          </p:cNvPicPr>
+          <p:nvPr/>
+        </p:nvPicPr>
+        <p:blipFill>
+          <a:blip r:embed="rId3" cstate="print">
+            <a:extLst>
+              <a:ext uri="{28A0092B-C50C-407E-A947-70E740481C1C}">
+                <a14:useLocalDpi xmlns:a14="http://schemas.microsoft.com/office/drawing/2010/main" val="0"/>
+              </a:ext>
+            </a:extLst>
+          </a:blip>
+          <a:srcRect/>
+          <a:stretch/>
+        </p:blipFill>
+        <p:spPr>
+          <a:xfrm>
+            <a:off x="1775520" y="4020439"/>
+            <a:ext cx="8820944" cy="2623952"/>
+          </a:xfrm>
+          <a:prstGeom prst="rect">
+            <a:avLst/>
+          </a:prstGeom>
+        </p:spPr>
+      </p:pic>
     </p:spTree>
     <p:extLst>
       <p:ext uri="{BB962C8B-B14F-4D97-AF65-F5344CB8AC3E}">
-        <p14:creationId xmlns:p14="http://schemas.microsoft.com/office/powerpoint/2010/main" val="2121645404"/>
+        <p14:creationId xmlns:p14="http://schemas.microsoft.com/office/powerpoint/2010/main" val="3178513329"/>
       </p:ext>
     </p:extLst>
   </p:cSld>
   <p:clrMapOvr>
     <a:masterClrMapping/>
   </p:clrMapOvr>
+  <p:timing>
+    <p:tnLst>
+      <p:par>
+        <p:cTn id="1" dur="indefinite" restart="never" nodeType="tmRoot">
+          <p:childTnLst>
+            <p:seq concurrent="1" nextAc="seek">
+              <p:cTn id="2" dur="indefinite" nodeType="mainSeq">
+                <p:childTnLst>
+                  <p:par>
+                    <p:cTn id="3" fill="hold">
+                      <p:stCondLst>
+                        <p:cond delay="indefinite"/>
+                      </p:stCondLst>
+                      <p:childTnLst>
+                        <p:par>
+                          <p:cTn id="4" fill="hold">
+                            <p:stCondLst>
+                              <p:cond delay="0"/>
+                            </p:stCondLst>
+                            <p:childTnLst>
+                              <p:par>
+                                <p:cTn id="5" presetID="10" presetClass="entr" presetSubtype="0" fill="hold" nodeType="clickEffect">
+                                  <p:stCondLst>
+                                    <p:cond delay="0"/>
+                                  </p:stCondLst>
+                                  <p:childTnLst>
+                                    <p:set>
+                                      <p:cBhvr>
+                                        <p:cTn id="6" dur="1" fill="hold">
+                                          <p:stCondLst>
+                                            <p:cond delay="0"/>
+                                          </p:stCondLst>
+                                        </p:cTn>
+                                        <p:tgtEl>
+                                          <p:spTgt spid="5"/>
+                                        </p:tgtEl>
+                                        <p:attrNameLst>
+                                          <p:attrName>style.visibility</p:attrName>
+                                        </p:attrNameLst>
+                                      </p:cBhvr>
+                                      <p:to>
+                                        <p:strVal val="visible"/>
+                                      </p:to>
+                                    </p:set>
+                                    <p:animEffect transition="in" filter="fade">
+                                      <p:cBhvr>
+                                        <p:cTn id="7" dur="500"/>
+                                        <p:tgtEl>
+                                          <p:spTgt spid="5"/>
+                                        </p:tgtEl>
+                                      </p:cBhvr>
+                                    </p:animEffect>
+                                  </p:childTnLst>
+                                </p:cTn>
+                              </p:par>
+                            </p:childTnLst>
+                          </p:cTn>
+                        </p:par>
+                      </p:childTnLst>
+                    </p:cTn>
+                  </p:par>
+                </p:childTnLst>
+              </p:cTn>
+              <p:prevCondLst>
+                <p:cond evt="onPrev" delay="0">
+                  <p:tgtEl>
+                    <p:sldTgt/>
+                  </p:tgtEl>
+                </p:cond>
+              </p:prevCondLst>
+              <p:nextCondLst>
+                <p:cond evt="onNext" delay="0">
+                  <p:tgtEl>
+                    <p:sldTgt/>
+                  </p:tgtEl>
+                </p:cond>
+              </p:nextCondLst>
+            </p:seq>
+          </p:childTnLst>
+        </p:cTn>
+      </p:par>
+    </p:tnLst>
+  </p:timing>
 </p:sld>
 </file>
 
@@ -13802,6 +14576,89 @@
           <p:cNvPr id="2" name="Заголовок 1">
             <a:extLst>
               <a:ext uri="{FF2B5EF4-FFF2-40B4-BE49-F238E27FC236}">
+                <a16:creationId xmlns:a16="http://schemas.microsoft.com/office/drawing/2014/main" id="{73BFE267-D992-4B74-A5FB-7DD145E46802}"/>
+              </a:ext>
+            </a:extLst>
+          </p:cNvPr>
+          <p:cNvSpPr>
+            <a:spLocks noGrp="1"/>
+          </p:cNvSpPr>
+          <p:nvPr>
+            <p:ph type="title"/>
+          </p:nvPr>
+        </p:nvSpPr>
+        <p:spPr/>
+        <p:txBody>
+          <a:bodyPr/>
+          <a:lstStyle/>
+          <a:p>
+            <a:r>
+              <a:rPr lang="ru-RU" dirty="0"/>
+              <a:t>Композиция</a:t>
+            </a:r>
+          </a:p>
+        </p:txBody>
+      </p:sp>
+      <p:sp>
+        <p:nvSpPr>
+          <p:cNvPr id="4" name="Текст 3">
+            <a:extLst>
+              <a:ext uri="{FF2B5EF4-FFF2-40B4-BE49-F238E27FC236}">
+                <a16:creationId xmlns:a16="http://schemas.microsoft.com/office/drawing/2014/main" id="{ED4DA888-5B7B-417D-8854-E5B11DB984E8}"/>
+              </a:ext>
+            </a:extLst>
+          </p:cNvPr>
+          <p:cNvSpPr>
+            <a:spLocks noGrp="1"/>
+          </p:cNvSpPr>
+          <p:nvPr>
+            <p:ph type="body" idx="1"/>
+          </p:nvPr>
+        </p:nvSpPr>
+        <p:spPr/>
+        <p:txBody>
+          <a:bodyPr/>
+          <a:lstStyle/>
+          <a:p>
+            <a:endParaRPr lang="ru-RU"/>
+          </a:p>
+        </p:txBody>
+      </p:sp>
+    </p:spTree>
+    <p:extLst>
+      <p:ext uri="{BB962C8B-B14F-4D97-AF65-F5344CB8AC3E}">
+        <p14:creationId xmlns:p14="http://schemas.microsoft.com/office/powerpoint/2010/main" val="2121645404"/>
+      </p:ext>
+    </p:extLst>
+  </p:cSld>
+  <p:clrMapOvr>
+    <a:masterClrMapping/>
+  </p:clrMapOvr>
+</p:sld>
+</file>
+
+<file path=ppt/slides/slide5.xml><?xml version="1.0" encoding="utf-8"?>
+<p:sld xmlns:a="http://schemas.openxmlformats.org/drawingml/2006/main" xmlns:r="http://schemas.openxmlformats.org/officeDocument/2006/relationships" xmlns:p="http://schemas.openxmlformats.org/presentationml/2006/main">
+  <p:cSld>
+    <p:spTree>
+      <p:nvGrpSpPr>
+        <p:cNvPr id="1" name=""/>
+        <p:cNvGrpSpPr/>
+        <p:nvPr/>
+      </p:nvGrpSpPr>
+      <p:grpSpPr>
+        <a:xfrm>
+          <a:off x="0" y="0"/>
+          <a:ext cx="0" cy="0"/>
+          <a:chOff x="0" y="0"/>
+          <a:chExt cx="0" cy="0"/>
+        </a:xfrm>
+      </p:grpSpPr>
+      <p:sp>
+        <p:nvSpPr>
+          <p:cNvPr id="2" name="Заголовок 1">
+            <a:extLst>
+              <a:ext uri="{FF2B5EF4-FFF2-40B4-BE49-F238E27FC236}">
                 <a16:creationId xmlns:a16="http://schemas.microsoft.com/office/drawing/2014/main" id="{414A5E15-5E17-4A6D-9194-572D33F9FD5F}"/>
               </a:ext>
             </a:extLst>
@@ -13881,6 +14738,12 @@
           <a:p>
             <a:r>
               <a:rPr lang="ru-RU" dirty="0"/>
+              <a:t>Часть обычно не знает о том, в состав каких объектов она входит</a:t>
+            </a:r>
+          </a:p>
+          <a:p>
+            <a:r>
+              <a:rPr lang="ru-RU" dirty="0"/>
               <a:t>В </a:t>
             </a:r>
             <a:r>
@@ -13889,7 +14752,7 @@
             </a:r>
             <a:r>
               <a:rPr lang="ru-RU" dirty="0"/>
-              <a:t> классы обычно использую композицию</a:t>
+              <a:t> классы обычно используют композицию</a:t>
             </a:r>
           </a:p>
         </p:txBody>
@@ -14199,6 +15062,67 @@
                       </p:childTnLst>
                     </p:cTn>
                   </p:par>
+                  <p:par>
+                    <p:cTn id="26" fill="hold">
+                      <p:stCondLst>
+                        <p:cond delay="indefinite"/>
+                      </p:stCondLst>
+                      <p:childTnLst>
+                        <p:par>
+                          <p:cTn id="27" fill="hold">
+                            <p:stCondLst>
+                              <p:cond delay="0"/>
+                            </p:stCondLst>
+                            <p:childTnLst>
+                              <p:par>
+                                <p:cTn id="28" presetID="10" presetClass="entr" presetSubtype="0" fill="hold" grpId="0" nodeType="clickEffect">
+                                  <p:stCondLst>
+                                    <p:cond delay="0"/>
+                                  </p:stCondLst>
+                                  <p:childTnLst>
+                                    <p:set>
+                                      <p:cBhvr>
+                                        <p:cTn id="29" dur="1" fill="hold">
+                                          <p:stCondLst>
+                                            <p:cond delay="0"/>
+                                          </p:stCondLst>
+                                        </p:cTn>
+                                        <p:tgtEl>
+                                          <p:spTgt spid="3">
+                                            <p:txEl>
+                                              <p:pRg st="5" end="5"/>
+                                            </p:txEl>
+                                          </p:spTgt>
+                                        </p:tgtEl>
+                                        <p:attrNameLst>
+                                          <p:attrName>style.visibility</p:attrName>
+                                        </p:attrNameLst>
+                                      </p:cBhvr>
+                                      <p:to>
+                                        <p:strVal val="visible"/>
+                                      </p:to>
+                                    </p:set>
+                                    <p:animEffect transition="in" filter="fade">
+                                      <p:cBhvr>
+                                        <p:cTn id="30" dur="500"/>
+                                        <p:tgtEl>
+                                          <p:spTgt spid="3">
+                                            <p:txEl>
+                                              <p:pRg st="5" end="5"/>
+                                            </p:txEl>
+                                          </p:spTgt>
+                                        </p:tgtEl>
+                                      </p:cBhvr>
+                                    </p:animEffect>
+                                  </p:childTnLst>
+                                </p:cTn>
+                              </p:par>
+                            </p:childTnLst>
+                          </p:cTn>
+                        </p:par>
+                      </p:childTnLst>
+                    </p:cTn>
+                  </p:par>
                 </p:childTnLst>
               </p:cTn>
               <p:prevCondLst>
@@ -14227,138 +15151,6 @@
 </p:sld>
 </file>
 
-<file path=ppt/slides/slide5.xml><?xml version="1.0" encoding="utf-8"?>
-<p:sld xmlns:a="http://schemas.openxmlformats.org/drawingml/2006/main" xmlns:r="http://schemas.openxmlformats.org/officeDocument/2006/relationships" xmlns:p="http://schemas.openxmlformats.org/presentationml/2006/main">
-  <p:cSld>
-    <p:spTree>
-      <p:nvGrpSpPr>
-        <p:cNvPr id="1" name=""/>
-        <p:cNvGrpSpPr/>
-        <p:nvPr/>
-      </p:nvGrpSpPr>
-      <p:grpSpPr>
-        <a:xfrm>
-          <a:off x="0" y="0"/>
-          <a:ext cx="0" cy="0"/>
-          <a:chOff x="0" y="0"/>
-          <a:chExt cx="0" cy="0"/>
-        </a:xfrm>
-      </p:grpSpPr>
-      <p:sp>
-        <p:nvSpPr>
-          <p:cNvPr id="2" name="Заголовок 1">
-            <a:extLst>
-              <a:ext uri="{FF2B5EF4-FFF2-40B4-BE49-F238E27FC236}">
-                <a16:creationId xmlns:a16="http://schemas.microsoft.com/office/drawing/2014/main" id="{3F7EDF0C-5F6E-4497-A839-4FCA94CDB171}"/>
-              </a:ext>
-            </a:extLst>
-          </p:cNvPr>
-          <p:cNvSpPr>
-            <a:spLocks noGrp="1"/>
-          </p:cNvSpPr>
-          <p:nvPr>
-            <p:ph type="title"/>
-          </p:nvPr>
-        </p:nvSpPr>
-        <p:spPr/>
-        <p:txBody>
-          <a:bodyPr/>
-          <a:lstStyle/>
-          <a:p>
-            <a:r>
-              <a:rPr lang="ru-RU" dirty="0"/>
-              <a:t>Примеры</a:t>
-            </a:r>
-          </a:p>
-        </p:txBody>
-      </p:sp>
-      <p:sp>
-        <p:nvSpPr>
-          <p:cNvPr id="3" name="Объект 2">
-            <a:extLst>
-              <a:ext uri="{FF2B5EF4-FFF2-40B4-BE49-F238E27FC236}">
-                <a16:creationId xmlns:a16="http://schemas.microsoft.com/office/drawing/2014/main" id="{4F76F067-A745-4012-8CF4-6EB40B0AB0D1}"/>
-              </a:ext>
-            </a:extLst>
-          </p:cNvPr>
-          <p:cNvSpPr>
-            <a:spLocks noGrp="1"/>
-          </p:cNvSpPr>
-          <p:nvPr>
-            <p:ph idx="1"/>
-          </p:nvPr>
-        </p:nvSpPr>
-        <p:spPr/>
-        <p:txBody>
-          <a:bodyPr/>
-          <a:lstStyle/>
-          <a:p>
-            <a:r>
-              <a:rPr lang="ru-RU" dirty="0"/>
-              <a:t>Точка на плоскости</a:t>
-            </a:r>
-          </a:p>
-          <a:p>
-            <a:pPr lvl="1"/>
-            <a:r>
-              <a:rPr lang="ru-RU" dirty="0"/>
-              <a:t>Пара чисел, задающих координаты точки</a:t>
-            </a:r>
-          </a:p>
-          <a:p>
-            <a:r>
-              <a:rPr lang="ru-RU" dirty="0"/>
-              <a:t>Окружность</a:t>
-            </a:r>
-          </a:p>
-          <a:p>
-            <a:pPr lvl="1"/>
-            <a:r>
-              <a:rPr lang="ru-RU" dirty="0"/>
-              <a:t>Точка (центр) и число (радиус)</a:t>
-            </a:r>
-          </a:p>
-          <a:p>
-            <a:r>
-              <a:rPr lang="ru-RU" dirty="0"/>
-              <a:t>Класс рациональных чисел</a:t>
-            </a:r>
-          </a:p>
-          <a:p>
-            <a:pPr lvl="1"/>
-            <a:r>
-              <a:rPr lang="ru-RU" dirty="0"/>
-              <a:t>Пара целых чисел - числитель и знаменатель</a:t>
-            </a:r>
-          </a:p>
-          <a:p>
-            <a:r>
-              <a:rPr lang="ru-RU" dirty="0"/>
-              <a:t>Многоугольник</a:t>
-            </a:r>
-          </a:p>
-          <a:p>
-            <a:pPr lvl="1"/>
-            <a:r>
-              <a:rPr lang="ru-RU" dirty="0"/>
-              <a:t>Координаты вершин</a:t>
-            </a:r>
-          </a:p>
-        </p:txBody>
-      </p:sp>
-    </p:spTree>
-    <p:extLst>
-      <p:ext uri="{BB962C8B-B14F-4D97-AF65-F5344CB8AC3E}">
-        <p14:creationId xmlns:p14="http://schemas.microsoft.com/office/powerpoint/2010/main" val="3886857560"/>
-      </p:ext>
-    </p:extLst>
-  </p:cSld>
-  <p:clrMapOvr>
-    <a:masterClrMapping/>
-  </p:clrMapOvr>
-</p:sld>
-</file>
-
 <file path=ppt/slides/slide6.xml><?xml version="1.0" encoding="utf-8"?>
 <p:sld xmlns:a="http://schemas.openxmlformats.org/drawingml/2006/main" xmlns:r="http://schemas.openxmlformats.org/officeDocument/2006/relationships" xmlns:p="http://schemas.openxmlformats.org/presentationml/2006/main">
   <p:cSld>
@@ -14378,6 +15170,730 @@
       </p:grpSpPr>
       <p:sp>
         <p:nvSpPr>
+          <p:cNvPr id="2" name="Заголовок 1">
+            <a:extLst>
+              <a:ext uri="{FF2B5EF4-FFF2-40B4-BE49-F238E27FC236}">
+                <a16:creationId xmlns:a16="http://schemas.microsoft.com/office/drawing/2014/main" id="{3F7EDF0C-5F6E-4497-A839-4FCA94CDB171}"/>
+              </a:ext>
+            </a:extLst>
+          </p:cNvPr>
+          <p:cNvSpPr>
+            <a:spLocks noGrp="1"/>
+          </p:cNvSpPr>
+          <p:nvPr>
+            <p:ph type="title"/>
+          </p:nvPr>
+        </p:nvSpPr>
+        <p:spPr/>
+        <p:txBody>
+          <a:bodyPr/>
+          <a:lstStyle/>
+          <a:p>
+            <a:r>
+              <a:rPr lang="ru-RU" dirty="0"/>
+              <a:t>Примеры</a:t>
+            </a:r>
+          </a:p>
+        </p:txBody>
+      </p:sp>
+      <p:sp>
+        <p:nvSpPr>
+          <p:cNvPr id="3" name="Объект 2">
+            <a:extLst>
+              <a:ext uri="{FF2B5EF4-FFF2-40B4-BE49-F238E27FC236}">
+                <a16:creationId xmlns:a16="http://schemas.microsoft.com/office/drawing/2014/main" id="{4F76F067-A745-4012-8CF4-6EB40B0AB0D1}"/>
+              </a:ext>
+            </a:extLst>
+          </p:cNvPr>
+          <p:cNvSpPr>
+            <a:spLocks noGrp="1"/>
+          </p:cNvSpPr>
+          <p:nvPr>
+            <p:ph idx="1"/>
+          </p:nvPr>
+        </p:nvSpPr>
+        <p:spPr>
+          <a:xfrm>
+            <a:off x="838200" y="1825625"/>
+            <a:ext cx="6553944" cy="4351338"/>
+          </a:xfrm>
+        </p:spPr>
+        <p:txBody>
+          <a:bodyPr>
+            <a:normAutofit fontScale="92500"/>
+          </a:bodyPr>
+          <a:lstStyle/>
+          <a:p>
+            <a:r>
+              <a:rPr lang="ru-RU" dirty="0"/>
+              <a:t>Точка на плоскости</a:t>
+            </a:r>
+          </a:p>
+          <a:p>
+            <a:pPr lvl="1"/>
+            <a:r>
+              <a:rPr lang="ru-RU" dirty="0"/>
+              <a:t>Пара чисел, задающих координаты точки</a:t>
+            </a:r>
+          </a:p>
+          <a:p>
+            <a:r>
+              <a:rPr lang="ru-RU" dirty="0"/>
+              <a:t>Окружность</a:t>
+            </a:r>
+          </a:p>
+          <a:p>
+            <a:pPr lvl="1"/>
+            <a:r>
+              <a:rPr lang="ru-RU" dirty="0"/>
+              <a:t>Точка (центр) и число (радиус)</a:t>
+            </a:r>
+          </a:p>
+          <a:p>
+            <a:r>
+              <a:rPr lang="ru-RU" dirty="0"/>
+              <a:t>Класс комплексных чисел</a:t>
+            </a:r>
+          </a:p>
+          <a:p>
+            <a:pPr lvl="1"/>
+            <a:r>
+              <a:rPr lang="ru-RU" dirty="0"/>
+              <a:t>Действительная и мнимая часть</a:t>
+            </a:r>
+            <a:endParaRPr lang="en-US" dirty="0"/>
+          </a:p>
+          <a:p>
+            <a:r>
+              <a:rPr lang="ru-RU" dirty="0"/>
+              <a:t>Класс рациональных чисел</a:t>
+            </a:r>
+          </a:p>
+          <a:p>
+            <a:pPr lvl="1"/>
+            <a:r>
+              <a:rPr lang="ru-RU" dirty="0"/>
+              <a:t>Пара целых чисел - числитель и знаменатель</a:t>
+            </a:r>
+          </a:p>
+          <a:p>
+            <a:r>
+              <a:rPr lang="ru-RU" dirty="0"/>
+              <a:t>Многоугольник</a:t>
+            </a:r>
+          </a:p>
+          <a:p>
+            <a:pPr lvl="1"/>
+            <a:r>
+              <a:rPr lang="ru-RU" dirty="0"/>
+              <a:t>Координаты вершин</a:t>
+            </a:r>
+          </a:p>
+        </p:txBody>
+      </p:sp>
+      <p:sp>
+        <p:nvSpPr>
+          <p:cNvPr id="7" name="TextBox 6">
+            <a:extLst>
+              <a:ext uri="{FF2B5EF4-FFF2-40B4-BE49-F238E27FC236}">
+                <a16:creationId xmlns:a16="http://schemas.microsoft.com/office/drawing/2014/main" id="{0104880E-E7E2-4F8C-80D3-DB6BEC83767B}"/>
+              </a:ext>
+            </a:extLst>
+          </p:cNvPr>
+          <p:cNvSpPr txBox="1"/>
+          <p:nvPr/>
+        </p:nvSpPr>
+        <p:spPr>
+          <a:xfrm>
+            <a:off x="7536160" y="548680"/>
+            <a:ext cx="4557119" cy="6186309"/>
+          </a:xfrm>
+          <a:prstGeom prst="rect">
+            <a:avLst/>
+          </a:prstGeom>
+          <a:noFill/>
+        </p:spPr>
+        <p:txBody>
+          <a:bodyPr wrap="square">
+            <a:spAutoFit/>
+          </a:bodyPr>
+          <a:lstStyle/>
+          <a:p>
+            <a:r>
+              <a:rPr lang="en-US" b="0" dirty="0">
+                <a:solidFill>
+                  <a:srgbClr val="0000FF"/>
+                </a:solidFill>
+                <a:effectLst/>
+                <a:latin typeface="Consolas" panose="020B0609020204030204" pitchFamily="49" charset="0"/>
+              </a:rPr>
+              <a:t>struct</a:t>
+            </a:r>
+            <a:r>
+              <a:rPr lang="en-US" b="0" dirty="0">
+                <a:solidFill>
+                  <a:srgbClr val="000000"/>
+                </a:solidFill>
+                <a:effectLst/>
+                <a:latin typeface="Consolas" panose="020B0609020204030204" pitchFamily="49" charset="0"/>
+              </a:rPr>
+              <a:t> Point {</a:t>
+            </a:r>
+          </a:p>
+          <a:p>
+            <a:r>
+              <a:rPr lang="en-US" b="0" dirty="0">
+                <a:solidFill>
+                  <a:srgbClr val="000000"/>
+                </a:solidFill>
+                <a:effectLst/>
+                <a:latin typeface="Consolas" panose="020B0609020204030204" pitchFamily="49" charset="0"/>
+              </a:rPr>
+              <a:t>    </a:t>
+            </a:r>
+            <a:r>
+              <a:rPr lang="en-US" b="0" dirty="0">
+                <a:solidFill>
+                  <a:srgbClr val="0000FF"/>
+                </a:solidFill>
+                <a:effectLst/>
+                <a:latin typeface="Consolas" panose="020B0609020204030204" pitchFamily="49" charset="0"/>
+              </a:rPr>
+              <a:t>double</a:t>
+            </a:r>
+            <a:r>
+              <a:rPr lang="en-US" b="0" dirty="0">
+                <a:solidFill>
+                  <a:srgbClr val="000000"/>
+                </a:solidFill>
+                <a:effectLst/>
+                <a:latin typeface="Consolas" panose="020B0609020204030204" pitchFamily="49" charset="0"/>
+              </a:rPr>
+              <a:t> x, y;</a:t>
+            </a:r>
+          </a:p>
+          <a:p>
+            <a:r>
+              <a:rPr lang="en-US" b="0" dirty="0">
+                <a:solidFill>
+                  <a:srgbClr val="000000"/>
+                </a:solidFill>
+                <a:effectLst/>
+                <a:latin typeface="Consolas" panose="020B0609020204030204" pitchFamily="49" charset="0"/>
+              </a:rPr>
+              <a:t>};</a:t>
+            </a:r>
+          </a:p>
+          <a:p>
+            <a:br>
+              <a:rPr lang="en-US" b="0" dirty="0">
+                <a:solidFill>
+                  <a:srgbClr val="000000"/>
+                </a:solidFill>
+                <a:effectLst/>
+                <a:latin typeface="Consolas" panose="020B0609020204030204" pitchFamily="49" charset="0"/>
+              </a:rPr>
+            </a:br>
+            <a:r>
+              <a:rPr lang="en-US" b="0" dirty="0">
+                <a:solidFill>
+                  <a:srgbClr val="0000FF"/>
+                </a:solidFill>
+                <a:effectLst/>
+                <a:latin typeface="Consolas" panose="020B0609020204030204" pitchFamily="49" charset="0"/>
+              </a:rPr>
+              <a:t>class</a:t>
+            </a:r>
+            <a:r>
+              <a:rPr lang="en-US" b="0" dirty="0">
+                <a:solidFill>
+                  <a:srgbClr val="000000"/>
+                </a:solidFill>
+                <a:effectLst/>
+                <a:latin typeface="Consolas" panose="020B0609020204030204" pitchFamily="49" charset="0"/>
+              </a:rPr>
+              <a:t> Circle {</a:t>
+            </a:r>
+          </a:p>
+          <a:p>
+            <a:r>
+              <a:rPr lang="en-US" b="0" dirty="0">
+                <a:solidFill>
+                  <a:srgbClr val="000000"/>
+                </a:solidFill>
+                <a:effectLst/>
+                <a:latin typeface="Consolas" panose="020B0609020204030204" pitchFamily="49" charset="0"/>
+              </a:rPr>
+              <a:t>    Point </a:t>
+            </a:r>
+            <a:r>
+              <a:rPr lang="en-US" b="0" dirty="0" err="1">
+                <a:solidFill>
+                  <a:srgbClr val="000000"/>
+                </a:solidFill>
+                <a:effectLst/>
+                <a:latin typeface="Consolas" panose="020B0609020204030204" pitchFamily="49" charset="0"/>
+              </a:rPr>
+              <a:t>m_center</a:t>
+            </a:r>
+            <a:r>
+              <a:rPr lang="en-US" b="0" dirty="0">
+                <a:solidFill>
+                  <a:srgbClr val="000000"/>
+                </a:solidFill>
+                <a:effectLst/>
+                <a:latin typeface="Consolas" panose="020B0609020204030204" pitchFamily="49" charset="0"/>
+              </a:rPr>
+              <a:t>;</a:t>
+            </a:r>
+          </a:p>
+          <a:p>
+            <a:r>
+              <a:rPr lang="en-US" b="0" dirty="0">
+                <a:solidFill>
+                  <a:srgbClr val="000000"/>
+                </a:solidFill>
+                <a:effectLst/>
+                <a:latin typeface="Consolas" panose="020B0609020204030204" pitchFamily="49" charset="0"/>
+              </a:rPr>
+              <a:t>    </a:t>
+            </a:r>
+            <a:r>
+              <a:rPr lang="en-US" b="0" dirty="0">
+                <a:solidFill>
+                  <a:srgbClr val="0000FF"/>
+                </a:solidFill>
+                <a:effectLst/>
+                <a:latin typeface="Consolas" panose="020B0609020204030204" pitchFamily="49" charset="0"/>
+              </a:rPr>
+              <a:t>double</a:t>
+            </a:r>
+            <a:r>
+              <a:rPr lang="en-US" b="0" dirty="0">
+                <a:solidFill>
+                  <a:srgbClr val="000000"/>
+                </a:solidFill>
+                <a:effectLst/>
+                <a:latin typeface="Consolas" panose="020B0609020204030204" pitchFamily="49" charset="0"/>
+              </a:rPr>
+              <a:t> </a:t>
+            </a:r>
+            <a:r>
+              <a:rPr lang="en-US" b="0" dirty="0" err="1">
+                <a:solidFill>
+                  <a:srgbClr val="000000"/>
+                </a:solidFill>
+                <a:effectLst/>
+                <a:latin typeface="Consolas" panose="020B0609020204030204" pitchFamily="49" charset="0"/>
+              </a:rPr>
+              <a:t>m_radius</a:t>
+            </a:r>
+            <a:r>
+              <a:rPr lang="en-US" b="0" dirty="0">
+                <a:solidFill>
+                  <a:srgbClr val="000000"/>
+                </a:solidFill>
+                <a:effectLst/>
+                <a:latin typeface="Consolas" panose="020B0609020204030204" pitchFamily="49" charset="0"/>
+              </a:rPr>
+              <a:t>;</a:t>
+            </a:r>
+          </a:p>
+          <a:p>
+            <a:r>
+              <a:rPr lang="en-US" b="0" dirty="0">
+                <a:solidFill>
+                  <a:srgbClr val="000000"/>
+                </a:solidFill>
+                <a:effectLst/>
+                <a:latin typeface="Consolas" panose="020B0609020204030204" pitchFamily="49" charset="0"/>
+              </a:rPr>
+              <a:t>};</a:t>
+            </a:r>
+          </a:p>
+          <a:p>
+            <a:br>
+              <a:rPr lang="en-US" b="0" dirty="0">
+                <a:solidFill>
+                  <a:srgbClr val="000000"/>
+                </a:solidFill>
+                <a:effectLst/>
+                <a:latin typeface="Consolas" panose="020B0609020204030204" pitchFamily="49" charset="0"/>
+              </a:rPr>
+            </a:br>
+            <a:r>
+              <a:rPr lang="en-US" b="0" dirty="0">
+                <a:solidFill>
+                  <a:srgbClr val="0000FF"/>
+                </a:solidFill>
+                <a:effectLst/>
+                <a:latin typeface="Consolas" panose="020B0609020204030204" pitchFamily="49" charset="0"/>
+              </a:rPr>
+              <a:t>struct</a:t>
+            </a:r>
+            <a:r>
+              <a:rPr lang="en-US" b="0" dirty="0">
+                <a:solidFill>
+                  <a:srgbClr val="000000"/>
+                </a:solidFill>
+                <a:effectLst/>
+                <a:latin typeface="Consolas" panose="020B0609020204030204" pitchFamily="49" charset="0"/>
+              </a:rPr>
+              <a:t> Complex {</a:t>
+            </a:r>
+          </a:p>
+          <a:p>
+            <a:r>
+              <a:rPr lang="en-US" b="0" dirty="0">
+                <a:solidFill>
+                  <a:srgbClr val="000000"/>
+                </a:solidFill>
+                <a:effectLst/>
+                <a:latin typeface="Consolas" panose="020B0609020204030204" pitchFamily="49" charset="0"/>
+              </a:rPr>
+              <a:t>    </a:t>
+            </a:r>
+            <a:r>
+              <a:rPr lang="en-US" b="0" dirty="0">
+                <a:solidFill>
+                  <a:srgbClr val="0000FF"/>
+                </a:solidFill>
+                <a:effectLst/>
+                <a:latin typeface="Consolas" panose="020B0609020204030204" pitchFamily="49" charset="0"/>
+              </a:rPr>
+              <a:t>double</a:t>
+            </a:r>
+            <a:r>
+              <a:rPr lang="en-US" b="0" dirty="0">
+                <a:solidFill>
+                  <a:srgbClr val="000000"/>
+                </a:solidFill>
+                <a:effectLst/>
+                <a:latin typeface="Consolas" panose="020B0609020204030204" pitchFamily="49" charset="0"/>
+              </a:rPr>
+              <a:t> real;</a:t>
+            </a:r>
+          </a:p>
+          <a:p>
+            <a:r>
+              <a:rPr lang="en-US" b="0" dirty="0">
+                <a:solidFill>
+                  <a:srgbClr val="000000"/>
+                </a:solidFill>
+                <a:effectLst/>
+                <a:latin typeface="Consolas" panose="020B0609020204030204" pitchFamily="49" charset="0"/>
+              </a:rPr>
+              <a:t>    </a:t>
+            </a:r>
+            <a:r>
+              <a:rPr lang="en-US" b="0" dirty="0">
+                <a:solidFill>
+                  <a:srgbClr val="0000FF"/>
+                </a:solidFill>
+                <a:effectLst/>
+                <a:latin typeface="Consolas" panose="020B0609020204030204" pitchFamily="49" charset="0"/>
+              </a:rPr>
+              <a:t>double</a:t>
+            </a:r>
+            <a:r>
+              <a:rPr lang="en-US" b="0" dirty="0">
+                <a:solidFill>
+                  <a:srgbClr val="000000"/>
+                </a:solidFill>
+                <a:effectLst/>
+                <a:latin typeface="Consolas" panose="020B0609020204030204" pitchFamily="49" charset="0"/>
+              </a:rPr>
+              <a:t> </a:t>
+            </a:r>
+            <a:r>
+              <a:rPr lang="en-US" b="0" dirty="0" err="1">
+                <a:solidFill>
+                  <a:srgbClr val="000000"/>
+                </a:solidFill>
+                <a:effectLst/>
+                <a:latin typeface="Consolas" panose="020B0609020204030204" pitchFamily="49" charset="0"/>
+              </a:rPr>
+              <a:t>im</a:t>
+            </a:r>
+            <a:r>
+              <a:rPr lang="en-US" b="0" dirty="0">
+                <a:solidFill>
+                  <a:srgbClr val="000000"/>
+                </a:solidFill>
+                <a:effectLst/>
+                <a:latin typeface="Consolas" panose="020B0609020204030204" pitchFamily="49" charset="0"/>
+              </a:rPr>
+              <a:t>;</a:t>
+            </a:r>
+          </a:p>
+          <a:p>
+            <a:r>
+              <a:rPr lang="en-US" b="0" dirty="0">
+                <a:solidFill>
+                  <a:srgbClr val="000000"/>
+                </a:solidFill>
+                <a:effectLst/>
+                <a:latin typeface="Consolas" panose="020B0609020204030204" pitchFamily="49" charset="0"/>
+              </a:rPr>
+              <a:t>};</a:t>
+            </a:r>
+          </a:p>
+          <a:p>
+            <a:br>
+              <a:rPr lang="en-US" b="0" dirty="0">
+                <a:solidFill>
+                  <a:srgbClr val="000000"/>
+                </a:solidFill>
+                <a:effectLst/>
+                <a:latin typeface="Consolas" panose="020B0609020204030204" pitchFamily="49" charset="0"/>
+              </a:rPr>
+            </a:br>
+            <a:r>
+              <a:rPr lang="en-US" b="0" dirty="0">
+                <a:solidFill>
+                  <a:srgbClr val="0000FF"/>
+                </a:solidFill>
+                <a:effectLst/>
+                <a:latin typeface="Consolas" panose="020B0609020204030204" pitchFamily="49" charset="0"/>
+              </a:rPr>
+              <a:t>class</a:t>
+            </a:r>
+            <a:r>
+              <a:rPr lang="en-US" b="0" dirty="0">
+                <a:solidFill>
+                  <a:srgbClr val="000000"/>
+                </a:solidFill>
+                <a:effectLst/>
+                <a:latin typeface="Consolas" panose="020B0609020204030204" pitchFamily="49" charset="0"/>
+              </a:rPr>
+              <a:t> Rational {</a:t>
+            </a:r>
+          </a:p>
+          <a:p>
+            <a:r>
+              <a:rPr lang="en-US" b="0" dirty="0">
+                <a:solidFill>
+                  <a:srgbClr val="000000"/>
+                </a:solidFill>
+                <a:effectLst/>
+                <a:latin typeface="Consolas" panose="020B0609020204030204" pitchFamily="49" charset="0"/>
+              </a:rPr>
+              <a:t>    </a:t>
+            </a:r>
+            <a:r>
+              <a:rPr lang="en-US" b="0" dirty="0">
+                <a:solidFill>
+                  <a:srgbClr val="0000FF"/>
+                </a:solidFill>
+                <a:effectLst/>
+                <a:latin typeface="Consolas" panose="020B0609020204030204" pitchFamily="49" charset="0"/>
+              </a:rPr>
+              <a:t>int</a:t>
+            </a:r>
+            <a:r>
+              <a:rPr lang="en-US" b="0" dirty="0">
+                <a:solidFill>
+                  <a:srgbClr val="000000"/>
+                </a:solidFill>
+                <a:effectLst/>
+                <a:latin typeface="Consolas" panose="020B0609020204030204" pitchFamily="49" charset="0"/>
+              </a:rPr>
+              <a:t> </a:t>
+            </a:r>
+            <a:r>
+              <a:rPr lang="en-US" b="0" dirty="0" err="1">
+                <a:solidFill>
+                  <a:srgbClr val="000000"/>
+                </a:solidFill>
+                <a:effectLst/>
+                <a:latin typeface="Consolas" panose="020B0609020204030204" pitchFamily="49" charset="0"/>
+              </a:rPr>
+              <a:t>m_numerator</a:t>
+            </a:r>
+            <a:r>
+              <a:rPr lang="en-US" b="0" dirty="0">
+                <a:solidFill>
+                  <a:srgbClr val="000000"/>
+                </a:solidFill>
+                <a:effectLst/>
+                <a:latin typeface="Consolas" panose="020B0609020204030204" pitchFamily="49" charset="0"/>
+              </a:rPr>
+              <a:t>;</a:t>
+            </a:r>
+          </a:p>
+          <a:p>
+            <a:r>
+              <a:rPr lang="en-US" b="0" dirty="0">
+                <a:solidFill>
+                  <a:srgbClr val="000000"/>
+                </a:solidFill>
+                <a:effectLst/>
+                <a:latin typeface="Consolas" panose="020B0609020204030204" pitchFamily="49" charset="0"/>
+              </a:rPr>
+              <a:t>    </a:t>
+            </a:r>
+            <a:r>
+              <a:rPr lang="en-US" b="0" dirty="0">
+                <a:solidFill>
+                  <a:srgbClr val="0000FF"/>
+                </a:solidFill>
+                <a:effectLst/>
+                <a:latin typeface="Consolas" panose="020B0609020204030204" pitchFamily="49" charset="0"/>
+              </a:rPr>
+              <a:t>int</a:t>
+            </a:r>
+            <a:r>
+              <a:rPr lang="en-US" b="0" dirty="0">
+                <a:solidFill>
+                  <a:srgbClr val="000000"/>
+                </a:solidFill>
+                <a:effectLst/>
+                <a:latin typeface="Consolas" panose="020B0609020204030204" pitchFamily="49" charset="0"/>
+              </a:rPr>
+              <a:t> </a:t>
+            </a:r>
+            <a:r>
+              <a:rPr lang="en-US" b="0" dirty="0" err="1">
+                <a:solidFill>
+                  <a:srgbClr val="000000"/>
+                </a:solidFill>
+                <a:effectLst/>
+                <a:latin typeface="Consolas" panose="020B0609020204030204" pitchFamily="49" charset="0"/>
+              </a:rPr>
+              <a:t>m_denominator</a:t>
+            </a:r>
+            <a:r>
+              <a:rPr lang="en-US" b="0" dirty="0">
+                <a:solidFill>
+                  <a:srgbClr val="000000"/>
+                </a:solidFill>
+                <a:effectLst/>
+                <a:latin typeface="Consolas" panose="020B0609020204030204" pitchFamily="49" charset="0"/>
+              </a:rPr>
+              <a:t>;</a:t>
+            </a:r>
+          </a:p>
+          <a:p>
+            <a:r>
+              <a:rPr lang="en-US" b="0" dirty="0">
+                <a:solidFill>
+                  <a:srgbClr val="000000"/>
+                </a:solidFill>
+                <a:effectLst/>
+                <a:latin typeface="Consolas" panose="020B0609020204030204" pitchFamily="49" charset="0"/>
+              </a:rPr>
+              <a:t>};</a:t>
+            </a:r>
+          </a:p>
+          <a:p>
+            <a:br>
+              <a:rPr lang="en-US" b="0" dirty="0">
+                <a:solidFill>
+                  <a:srgbClr val="000000"/>
+                </a:solidFill>
+                <a:effectLst/>
+                <a:latin typeface="Consolas" panose="020B0609020204030204" pitchFamily="49" charset="0"/>
+              </a:rPr>
+            </a:br>
+            <a:r>
+              <a:rPr lang="en-US" b="0" dirty="0">
+                <a:solidFill>
+                  <a:srgbClr val="0000FF"/>
+                </a:solidFill>
+                <a:effectLst/>
+                <a:latin typeface="Consolas" panose="020B0609020204030204" pitchFamily="49" charset="0"/>
+              </a:rPr>
+              <a:t>class</a:t>
+            </a:r>
+            <a:r>
+              <a:rPr lang="en-US" b="0" dirty="0">
+                <a:solidFill>
+                  <a:srgbClr val="000000"/>
+                </a:solidFill>
+                <a:effectLst/>
+                <a:latin typeface="Consolas" panose="020B0609020204030204" pitchFamily="49" charset="0"/>
+              </a:rPr>
+              <a:t> Polygon {</a:t>
+            </a:r>
+          </a:p>
+          <a:p>
+            <a:r>
+              <a:rPr lang="en-US" b="0" dirty="0">
+                <a:solidFill>
+                  <a:srgbClr val="000000"/>
+                </a:solidFill>
+                <a:effectLst/>
+                <a:latin typeface="Consolas" panose="020B0609020204030204" pitchFamily="49" charset="0"/>
+              </a:rPr>
+              <a:t>    std::vector&lt;Point&gt; </a:t>
+            </a:r>
+            <a:r>
+              <a:rPr lang="en-US" b="0" dirty="0" err="1">
+                <a:solidFill>
+                  <a:srgbClr val="000000"/>
+                </a:solidFill>
+                <a:effectLst/>
+                <a:latin typeface="Consolas" panose="020B0609020204030204" pitchFamily="49" charset="0"/>
+              </a:rPr>
+              <a:t>m_vertices</a:t>
+            </a:r>
+            <a:r>
+              <a:rPr lang="en-US" b="0" dirty="0">
+                <a:solidFill>
+                  <a:srgbClr val="000000"/>
+                </a:solidFill>
+                <a:effectLst/>
+                <a:latin typeface="Consolas" panose="020B0609020204030204" pitchFamily="49" charset="0"/>
+              </a:rPr>
+              <a:t>;</a:t>
+            </a:r>
+          </a:p>
+          <a:p>
+            <a:r>
+              <a:rPr lang="en-US" b="0" dirty="0">
+                <a:solidFill>
+                  <a:srgbClr val="000000"/>
+                </a:solidFill>
+                <a:effectLst/>
+                <a:latin typeface="Consolas" panose="020B0609020204030204" pitchFamily="49" charset="0"/>
+              </a:rPr>
+              <a:t>};</a:t>
+            </a:r>
+          </a:p>
+        </p:txBody>
+      </p:sp>
+    </p:spTree>
+    <p:extLst>
+      <p:ext uri="{BB962C8B-B14F-4D97-AF65-F5344CB8AC3E}">
+        <p14:creationId xmlns:p14="http://schemas.microsoft.com/office/powerpoint/2010/main" val="3886857560"/>
+      </p:ext>
+    </p:extLst>
+  </p:cSld>
+  <p:clrMapOvr>
+    <a:masterClrMapping/>
+  </p:clrMapOvr>
+</p:sld>
+</file>
+
+<file path=ppt/slides/slide7.xml><?xml version="1.0" encoding="utf-8"?>
+<p:sld xmlns:a="http://schemas.openxmlformats.org/drawingml/2006/main" xmlns:r="http://schemas.openxmlformats.org/officeDocument/2006/relationships" xmlns:p="http://schemas.openxmlformats.org/presentationml/2006/main">
+  <p:cSld>
+    <p:spTree>
+      <p:nvGrpSpPr>
+        <p:cNvPr id="1" name=""/>
+        <p:cNvGrpSpPr/>
+        <p:nvPr/>
+      </p:nvGrpSpPr>
+      <p:grpSpPr>
+        <a:xfrm>
+          <a:off x="0" y="0"/>
+          <a:ext cx="0" cy="0"/>
+          <a:chOff x="0" y="0"/>
+          <a:chExt cx="0" cy="0"/>
+        </a:xfrm>
+      </p:grpSpPr>
+      <p:sp>
+        <p:nvSpPr>
           <p:cNvPr id="4" name="Заголовок 3">
             <a:extLst>
               <a:ext uri="{FF2B5EF4-FFF2-40B4-BE49-F238E27FC236}">
@@ -15337,7 +16853,7 @@
 </p:sld>
 </file>
 
-<file path=ppt/slides/slide7.xml><?xml version="1.0" encoding="utf-8"?>
+<file path=ppt/slides/slide8.xml><?xml version="1.0" encoding="utf-8"?>
 <p:sld xmlns:a="http://schemas.openxmlformats.org/drawingml/2006/main" xmlns:r="http://schemas.openxmlformats.org/officeDocument/2006/relationships" xmlns:p="http://schemas.openxmlformats.org/presentationml/2006/main">
   <p:cSld>
     <p:spTree>
@@ -15433,7 +16949,7 @@
 </p:sld>
 </file>
 
-<file path=ppt/slides/slide8.xml><?xml version="1.0" encoding="utf-8"?>
+<file path=ppt/slides/slide9.xml><?xml version="1.0" encoding="utf-8"?>
 <p:sld xmlns:a="http://schemas.openxmlformats.org/drawingml/2006/main" xmlns:r="http://schemas.openxmlformats.org/officeDocument/2006/relationships" xmlns:p="http://schemas.openxmlformats.org/presentationml/2006/main">
   <p:cSld>
     <p:spTree>
@@ -15520,89 +17036,6 @@
     <p:extLst>
       <p:ext uri="{BB962C8B-B14F-4D97-AF65-F5344CB8AC3E}">
         <p14:creationId xmlns:p14="http://schemas.microsoft.com/office/powerpoint/2010/main" val="964997260"/>
-      </p:ext>
-    </p:extLst>
-  </p:cSld>
-  <p:clrMapOvr>
-    <a:masterClrMapping/>
-  </p:clrMapOvr>
-</p:sld>
-</file>
-
-<file path=ppt/slides/slide9.xml><?xml version="1.0" encoding="utf-8"?>
-<p:sld xmlns:a="http://schemas.openxmlformats.org/drawingml/2006/main" xmlns:r="http://schemas.openxmlformats.org/officeDocument/2006/relationships" xmlns:p="http://schemas.openxmlformats.org/presentationml/2006/main">
-  <p:cSld>
-    <p:spTree>
-      <p:nvGrpSpPr>
-        <p:cNvPr id="1" name=""/>
-        <p:cNvGrpSpPr/>
-        <p:nvPr/>
-      </p:nvGrpSpPr>
-      <p:grpSpPr>
-        <a:xfrm>
-          <a:off x="0" y="0"/>
-          <a:ext cx="0" cy="0"/>
-          <a:chOff x="0" y="0"/>
-          <a:chExt cx="0" cy="0"/>
-        </a:xfrm>
-      </p:grpSpPr>
-      <p:sp>
-        <p:nvSpPr>
-          <p:cNvPr id="2" name="Заголовок 1">
-            <a:extLst>
-              <a:ext uri="{FF2B5EF4-FFF2-40B4-BE49-F238E27FC236}">
-                <a16:creationId xmlns:a16="http://schemas.microsoft.com/office/drawing/2014/main" id="{7DFA4413-24DE-4ED2-B703-609DAF7FCBE2}"/>
-              </a:ext>
-            </a:extLst>
-          </p:cNvPr>
-          <p:cNvSpPr>
-            <a:spLocks noGrp="1"/>
-          </p:cNvSpPr>
-          <p:nvPr>
-            <p:ph type="title"/>
-          </p:nvPr>
-        </p:nvSpPr>
-        <p:spPr/>
-        <p:txBody>
-          <a:bodyPr/>
-          <a:lstStyle/>
-          <a:p>
-            <a:r>
-              <a:rPr lang="ru-RU" dirty="0"/>
-              <a:t>Агрегация</a:t>
-            </a:r>
-          </a:p>
-        </p:txBody>
-      </p:sp>
-      <p:sp>
-        <p:nvSpPr>
-          <p:cNvPr id="3" name="Текст 2">
-            <a:extLst>
-              <a:ext uri="{FF2B5EF4-FFF2-40B4-BE49-F238E27FC236}">
-                <a16:creationId xmlns:a16="http://schemas.microsoft.com/office/drawing/2014/main" id="{8C8A4E74-53CF-43B7-8A16-81BF6EC55242}"/>
-              </a:ext>
-            </a:extLst>
-          </p:cNvPr>
-          <p:cNvSpPr>
-            <a:spLocks noGrp="1"/>
-          </p:cNvSpPr>
-          <p:nvPr>
-            <p:ph type="body" idx="1"/>
-          </p:nvPr>
-        </p:nvSpPr>
-        <p:spPr/>
-        <p:txBody>
-          <a:bodyPr/>
-          <a:lstStyle/>
-          <a:p>
-            <a:endParaRPr lang="ru-RU"/>
-          </a:p>
-        </p:txBody>
-      </p:sp>
-    </p:spTree>
-    <p:extLst>
-      <p:ext uri="{BB962C8B-B14F-4D97-AF65-F5344CB8AC3E}">
-        <p14:creationId xmlns:p14="http://schemas.microsoft.com/office/powerpoint/2010/main" val="688670217"/>
       </p:ext>
     </p:extLst>
   </p:cSld>
